--- a/docs/Slutredovisning_grp5_v8.pptx
+++ b/docs/Slutredovisning_grp5_v8.pptx
@@ -12010,25 +12010,41 @@
           </a:p>
         </p:txBody>
       </p:sp>
-      <p:sp>
-        <p:nvSpPr>
-          <p:cNvPr id="3" name="Platshållare för innehåll 2"/>
-          <p:cNvSpPr>
-            <a:spLocks noGrp="1"/>
-          </p:cNvSpPr>
+      <p:pic>
+        <p:nvPicPr>
+          <p:cNvPr id="14" name="Content Placeholder 13">
+            <a:extLst>
+              <a:ext uri="{FF2B5EF4-FFF2-40B4-BE49-F238E27FC236}">
+                <a16:creationId xmlns:a16="http://schemas.microsoft.com/office/drawing/2014/main" id="{702366A0-AB4E-B240-A8A6-87717022F6D9}"/>
+              </a:ext>
+            </a:extLst>
+          </p:cNvPr>
+          <p:cNvPicPr>
+            <a:picLocks noGrp="1" noChangeAspect="1"/>
+          </p:cNvPicPr>
           <p:nvPr>
             <p:ph idx="1"/>
           </p:nvPr>
-        </p:nvSpPr>
-        <p:spPr/>
-        <p:txBody>
-          <a:bodyPr/>
-          <a:lstStyle/>
-          <a:p>
-            <a:endParaRPr lang="sv-SE"/>
-          </a:p>
-        </p:txBody>
-      </p:sp>
+        </p:nvPicPr>
+        <p:blipFill>
+          <a:blip r:embed="rId4">
+            <a:extLst>
+              <a:ext uri="{28A0092B-C50C-407E-A947-70E740481C1C}">
+                <a14:useLocalDpi xmlns:a14="http://schemas.microsoft.com/office/drawing/2010/main" val="0"/>
+              </a:ext>
+            </a:extLst>
+          </a:blip>
+          <a:stretch>
+            <a:fillRect/>
+          </a:stretch>
+        </p:blipFill>
+        <p:spPr>
+          <a:xfrm>
+            <a:off x="4475931" y="1255366"/>
+            <a:ext cx="3664769" cy="4921597"/>
+          </a:xfrm>
+        </p:spPr>
+      </p:pic>
     </p:spTree>
     <p:custDataLst>
       <p:tags r:id="rId1"/>
@@ -12222,1183 +12238,77 @@
           </a:p>
         </p:txBody>
       </p:sp>
-      <p:graphicFrame>
-        <p:nvGraphicFramePr>
-          <p:cNvPr id="4" name="Content Placeholder 3">
+      <p:pic>
+        <p:nvPicPr>
+          <p:cNvPr id="7" name="Content Placeholder 6">
             <a:extLst>
               <a:ext uri="{FF2B5EF4-FFF2-40B4-BE49-F238E27FC236}">
-                <a16:creationId xmlns:a16="http://schemas.microsoft.com/office/drawing/2014/main" id="{72DD9D18-2ED2-6942-8C68-EB5FC6C38AD3}"/>
+                <a16:creationId xmlns:a16="http://schemas.microsoft.com/office/drawing/2014/main" id="{8FF3AB4D-8F59-0649-B99C-7CEBC25576D9}"/>
               </a:ext>
             </a:extLst>
           </p:cNvPr>
-          <p:cNvGraphicFramePr>
-            <a:graphicFrameLocks noGrp="1"/>
-          </p:cNvGraphicFramePr>
+          <p:cNvPicPr>
+            <a:picLocks noGrp="1" noChangeAspect="1"/>
+          </p:cNvPicPr>
           <p:nvPr>
             <p:ph idx="1"/>
-            <p:extLst>
-              <p:ext uri="{D42A27DB-BD31-4B8C-83A1-F6EECF244321}">
-                <p14:modId xmlns:p14="http://schemas.microsoft.com/office/powerpoint/2010/main" val="720735015"/>
-              </p:ext>
-            </p:extLst>
-          </p:nvPr>
-        </p:nvGraphicFramePr>
-        <p:xfrm>
-          <a:off x="838200" y="1825625"/>
-          <a:ext cx="10515600" cy="3708400"/>
-        </p:xfrm>
-        <a:graphic>
-          <a:graphicData uri="http://schemas.openxmlformats.org/drawingml/2006/table">
-            <a:tbl>
-              <a:tblPr firstRow="1" bandRow="1">
-                <a:tableStyleId>{5C22544A-7EE6-4342-B048-85BDC9FD1C3A}</a:tableStyleId>
-              </a:tblPr>
-              <a:tblGrid>
-                <a:gridCol w="1051560">
-                  <a:extLst>
-                    <a:ext uri="{9D8B030D-6E8A-4147-A177-3AD203B41FA5}">
-                      <a16:colId xmlns:a16="http://schemas.microsoft.com/office/drawing/2014/main" val="3184229283"/>
-                    </a:ext>
-                  </a:extLst>
-                </a:gridCol>
-                <a:gridCol w="1051560">
-                  <a:extLst>
-                    <a:ext uri="{9D8B030D-6E8A-4147-A177-3AD203B41FA5}">
-                      <a16:colId xmlns:a16="http://schemas.microsoft.com/office/drawing/2014/main" val="2611572147"/>
-                    </a:ext>
-                  </a:extLst>
-                </a:gridCol>
-                <a:gridCol w="1051560">
-                  <a:extLst>
-                    <a:ext uri="{9D8B030D-6E8A-4147-A177-3AD203B41FA5}">
-                      <a16:colId xmlns:a16="http://schemas.microsoft.com/office/drawing/2014/main" val="446212208"/>
-                    </a:ext>
-                  </a:extLst>
-                </a:gridCol>
-                <a:gridCol w="1051560">
-                  <a:extLst>
-                    <a:ext uri="{9D8B030D-6E8A-4147-A177-3AD203B41FA5}">
-                      <a16:colId xmlns:a16="http://schemas.microsoft.com/office/drawing/2014/main" val="3573034008"/>
-                    </a:ext>
-                  </a:extLst>
-                </a:gridCol>
-                <a:gridCol w="1051560">
-                  <a:extLst>
-                    <a:ext uri="{9D8B030D-6E8A-4147-A177-3AD203B41FA5}">
-                      <a16:colId xmlns:a16="http://schemas.microsoft.com/office/drawing/2014/main" val="2433933469"/>
-                    </a:ext>
-                  </a:extLst>
-                </a:gridCol>
-                <a:gridCol w="1051560">
-                  <a:extLst>
-                    <a:ext uri="{9D8B030D-6E8A-4147-A177-3AD203B41FA5}">
-                      <a16:colId xmlns:a16="http://schemas.microsoft.com/office/drawing/2014/main" val="3072811336"/>
-                    </a:ext>
-                  </a:extLst>
-                </a:gridCol>
-                <a:gridCol w="1051560">
-                  <a:extLst>
-                    <a:ext uri="{9D8B030D-6E8A-4147-A177-3AD203B41FA5}">
-                      <a16:colId xmlns:a16="http://schemas.microsoft.com/office/drawing/2014/main" val="279017012"/>
-                    </a:ext>
-                  </a:extLst>
-                </a:gridCol>
-                <a:gridCol w="1051560">
-                  <a:extLst>
-                    <a:ext uri="{9D8B030D-6E8A-4147-A177-3AD203B41FA5}">
-                      <a16:colId xmlns:a16="http://schemas.microsoft.com/office/drawing/2014/main" val="2427630921"/>
-                    </a:ext>
-                  </a:extLst>
-                </a:gridCol>
-                <a:gridCol w="1051560">
-                  <a:extLst>
-                    <a:ext uri="{9D8B030D-6E8A-4147-A177-3AD203B41FA5}">
-                      <a16:colId xmlns:a16="http://schemas.microsoft.com/office/drawing/2014/main" val="547985546"/>
-                    </a:ext>
-                  </a:extLst>
-                </a:gridCol>
-                <a:gridCol w="1051560">
-                  <a:extLst>
-                    <a:ext uri="{9D8B030D-6E8A-4147-A177-3AD203B41FA5}">
-                      <a16:colId xmlns:a16="http://schemas.microsoft.com/office/drawing/2014/main" val="2314024160"/>
-                    </a:ext>
-                  </a:extLst>
-                </a:gridCol>
-              </a:tblGrid>
-              <a:tr h="370840">
-                <a:tc>
-                  <a:txBody>
-                    <a:bodyPr/>
-                    <a:lstStyle/>
-                    <a:p>
-                      <a:endParaRPr lang="sv-SE" dirty="0"/>
-                    </a:p>
-                  </a:txBody>
-                  <a:tcPr/>
-                </a:tc>
-                <a:tc>
-                  <a:txBody>
-                    <a:bodyPr/>
-                    <a:lstStyle/>
-                    <a:p>
-                      <a:endParaRPr lang="sv-SE"/>
-                    </a:p>
-                  </a:txBody>
-                  <a:tcPr/>
-                </a:tc>
-                <a:tc>
-                  <a:txBody>
-                    <a:bodyPr/>
-                    <a:lstStyle/>
-                    <a:p>
-                      <a:endParaRPr lang="sv-SE"/>
-                    </a:p>
-                  </a:txBody>
-                  <a:tcPr/>
-                </a:tc>
-                <a:tc>
-                  <a:txBody>
-                    <a:bodyPr/>
-                    <a:lstStyle/>
-                    <a:p>
-                      <a:endParaRPr lang="sv-SE"/>
-                    </a:p>
-                  </a:txBody>
-                  <a:tcPr/>
-                </a:tc>
-                <a:tc>
-                  <a:txBody>
-                    <a:bodyPr/>
-                    <a:lstStyle/>
-                    <a:p>
-                      <a:endParaRPr lang="sv-SE"/>
-                    </a:p>
-                  </a:txBody>
-                  <a:tcPr/>
-                </a:tc>
-                <a:tc>
-                  <a:txBody>
-                    <a:bodyPr/>
-                    <a:lstStyle/>
-                    <a:p>
-                      <a:endParaRPr lang="sv-SE"/>
-                    </a:p>
-                  </a:txBody>
-                  <a:tcPr/>
-                </a:tc>
-                <a:tc>
-                  <a:txBody>
-                    <a:bodyPr/>
-                    <a:lstStyle/>
-                    <a:p>
-                      <a:endParaRPr lang="sv-SE"/>
-                    </a:p>
-                  </a:txBody>
-                  <a:tcPr/>
-                </a:tc>
-                <a:tc>
-                  <a:txBody>
-                    <a:bodyPr/>
-                    <a:lstStyle/>
-                    <a:p>
-                      <a:endParaRPr lang="sv-SE"/>
-                    </a:p>
-                  </a:txBody>
-                  <a:tcPr/>
-                </a:tc>
-                <a:tc>
-                  <a:txBody>
-                    <a:bodyPr/>
-                    <a:lstStyle/>
-                    <a:p>
-                      <a:endParaRPr lang="sv-SE"/>
-                    </a:p>
-                  </a:txBody>
-                  <a:tcPr/>
-                </a:tc>
-                <a:tc>
-                  <a:txBody>
-                    <a:bodyPr/>
-                    <a:lstStyle/>
-                    <a:p>
-                      <a:endParaRPr lang="sv-SE"/>
-                    </a:p>
-                  </a:txBody>
-                  <a:tcPr/>
-                </a:tc>
-                <a:extLst>
-                  <a:ext uri="{0D108BD9-81ED-4DB2-BD59-A6C34878D82A}">
-                    <a16:rowId xmlns:a16="http://schemas.microsoft.com/office/drawing/2014/main" val="960999540"/>
-                  </a:ext>
-                </a:extLst>
-              </a:tr>
-              <a:tr h="370840">
-                <a:tc>
-                  <a:txBody>
-                    <a:bodyPr/>
-                    <a:lstStyle/>
-                    <a:p>
-                      <a:endParaRPr lang="sv-SE"/>
-                    </a:p>
-                  </a:txBody>
-                  <a:tcPr/>
-                </a:tc>
-                <a:tc>
-                  <a:txBody>
-                    <a:bodyPr/>
-                    <a:lstStyle/>
-                    <a:p>
-                      <a:endParaRPr lang="sv-SE"/>
-                    </a:p>
-                  </a:txBody>
-                  <a:tcPr/>
-                </a:tc>
-                <a:tc>
-                  <a:txBody>
-                    <a:bodyPr/>
-                    <a:lstStyle/>
-                    <a:p>
-                      <a:endParaRPr lang="sv-SE"/>
-                    </a:p>
-                  </a:txBody>
-                  <a:tcPr/>
-                </a:tc>
-                <a:tc>
-                  <a:txBody>
-                    <a:bodyPr/>
-                    <a:lstStyle/>
-                    <a:p>
-                      <a:endParaRPr lang="sv-SE"/>
-                    </a:p>
-                  </a:txBody>
-                  <a:tcPr/>
-                </a:tc>
-                <a:tc>
-                  <a:txBody>
-                    <a:bodyPr/>
-                    <a:lstStyle/>
-                    <a:p>
-                      <a:endParaRPr lang="sv-SE"/>
-                    </a:p>
-                  </a:txBody>
-                  <a:tcPr/>
-                </a:tc>
-                <a:tc>
-                  <a:txBody>
-                    <a:bodyPr/>
-                    <a:lstStyle/>
-                    <a:p>
-                      <a:endParaRPr lang="sv-SE"/>
-                    </a:p>
-                  </a:txBody>
-                  <a:tcPr/>
-                </a:tc>
-                <a:tc>
-                  <a:txBody>
-                    <a:bodyPr/>
-                    <a:lstStyle/>
-                    <a:p>
-                      <a:endParaRPr lang="sv-SE"/>
-                    </a:p>
-                  </a:txBody>
-                  <a:tcPr/>
-                </a:tc>
-                <a:tc>
-                  <a:txBody>
-                    <a:bodyPr/>
-                    <a:lstStyle/>
-                    <a:p>
-                      <a:endParaRPr lang="sv-SE"/>
-                    </a:p>
-                  </a:txBody>
-                  <a:tcPr/>
-                </a:tc>
-                <a:tc>
-                  <a:txBody>
-                    <a:bodyPr/>
-                    <a:lstStyle/>
-                    <a:p>
-                      <a:endParaRPr lang="sv-SE"/>
-                    </a:p>
-                  </a:txBody>
-                  <a:tcPr/>
-                </a:tc>
-                <a:tc>
-                  <a:txBody>
-                    <a:bodyPr/>
-                    <a:lstStyle/>
-                    <a:p>
-                      <a:endParaRPr lang="sv-SE"/>
-                    </a:p>
-                  </a:txBody>
-                  <a:tcPr/>
-                </a:tc>
-                <a:extLst>
-                  <a:ext uri="{0D108BD9-81ED-4DB2-BD59-A6C34878D82A}">
-                    <a16:rowId xmlns:a16="http://schemas.microsoft.com/office/drawing/2014/main" val="1476821810"/>
-                  </a:ext>
-                </a:extLst>
-              </a:tr>
-              <a:tr h="370840">
-                <a:tc>
-                  <a:txBody>
-                    <a:bodyPr/>
-                    <a:lstStyle/>
-                    <a:p>
-                      <a:endParaRPr lang="sv-SE"/>
-                    </a:p>
-                  </a:txBody>
-                  <a:tcPr/>
-                </a:tc>
-                <a:tc>
-                  <a:txBody>
-                    <a:bodyPr/>
-                    <a:lstStyle/>
-                    <a:p>
-                      <a:endParaRPr lang="sv-SE"/>
-                    </a:p>
-                  </a:txBody>
-                  <a:tcPr/>
-                </a:tc>
-                <a:tc>
-                  <a:txBody>
-                    <a:bodyPr/>
-                    <a:lstStyle/>
-                    <a:p>
-                      <a:endParaRPr lang="sv-SE"/>
-                    </a:p>
-                  </a:txBody>
-                  <a:tcPr/>
-                </a:tc>
-                <a:tc>
-                  <a:txBody>
-                    <a:bodyPr/>
-                    <a:lstStyle/>
-                    <a:p>
-                      <a:endParaRPr lang="sv-SE"/>
-                    </a:p>
-                  </a:txBody>
-                  <a:tcPr/>
-                </a:tc>
-                <a:tc>
-                  <a:txBody>
-                    <a:bodyPr/>
-                    <a:lstStyle/>
-                    <a:p>
-                      <a:endParaRPr lang="sv-SE"/>
-                    </a:p>
-                  </a:txBody>
-                  <a:tcPr/>
-                </a:tc>
-                <a:tc>
-                  <a:txBody>
-                    <a:bodyPr/>
-                    <a:lstStyle/>
-                    <a:p>
-                      <a:endParaRPr lang="sv-SE"/>
-                    </a:p>
-                  </a:txBody>
-                  <a:tcPr/>
-                </a:tc>
-                <a:tc>
-                  <a:txBody>
-                    <a:bodyPr/>
-                    <a:lstStyle/>
-                    <a:p>
-                      <a:endParaRPr lang="sv-SE"/>
-                    </a:p>
-                  </a:txBody>
-                  <a:tcPr/>
-                </a:tc>
-                <a:tc>
-                  <a:txBody>
-                    <a:bodyPr/>
-                    <a:lstStyle/>
-                    <a:p>
-                      <a:endParaRPr lang="sv-SE"/>
-                    </a:p>
-                  </a:txBody>
-                  <a:tcPr/>
-                </a:tc>
-                <a:tc>
-                  <a:txBody>
-                    <a:bodyPr/>
-                    <a:lstStyle/>
-                    <a:p>
-                      <a:endParaRPr lang="sv-SE"/>
-                    </a:p>
-                  </a:txBody>
-                  <a:tcPr/>
-                </a:tc>
-                <a:tc>
-                  <a:txBody>
-                    <a:bodyPr/>
-                    <a:lstStyle/>
-                    <a:p>
-                      <a:endParaRPr lang="sv-SE"/>
-                    </a:p>
-                  </a:txBody>
-                  <a:tcPr/>
-                </a:tc>
-                <a:extLst>
-                  <a:ext uri="{0D108BD9-81ED-4DB2-BD59-A6C34878D82A}">
-                    <a16:rowId xmlns:a16="http://schemas.microsoft.com/office/drawing/2014/main" val="1162274056"/>
-                  </a:ext>
-                </a:extLst>
-              </a:tr>
-              <a:tr h="370840">
-                <a:tc>
-                  <a:txBody>
-                    <a:bodyPr/>
-                    <a:lstStyle/>
-                    <a:p>
-                      <a:endParaRPr lang="sv-SE"/>
-                    </a:p>
-                  </a:txBody>
-                  <a:tcPr/>
-                </a:tc>
-                <a:tc>
-                  <a:txBody>
-                    <a:bodyPr/>
-                    <a:lstStyle/>
-                    <a:p>
-                      <a:endParaRPr lang="sv-SE"/>
-                    </a:p>
-                  </a:txBody>
-                  <a:tcPr/>
-                </a:tc>
-                <a:tc>
-                  <a:txBody>
-                    <a:bodyPr/>
-                    <a:lstStyle/>
-                    <a:p>
-                      <a:endParaRPr lang="sv-SE"/>
-                    </a:p>
-                  </a:txBody>
-                  <a:tcPr/>
-                </a:tc>
-                <a:tc>
-                  <a:txBody>
-                    <a:bodyPr/>
-                    <a:lstStyle/>
-                    <a:p>
-                      <a:endParaRPr lang="sv-SE"/>
-                    </a:p>
-                  </a:txBody>
-                  <a:tcPr/>
-                </a:tc>
-                <a:tc>
-                  <a:txBody>
-                    <a:bodyPr/>
-                    <a:lstStyle/>
-                    <a:p>
-                      <a:endParaRPr lang="sv-SE"/>
-                    </a:p>
-                  </a:txBody>
-                  <a:tcPr/>
-                </a:tc>
-                <a:tc>
-                  <a:txBody>
-                    <a:bodyPr/>
-                    <a:lstStyle/>
-                    <a:p>
-                      <a:endParaRPr lang="sv-SE"/>
-                    </a:p>
-                  </a:txBody>
-                  <a:tcPr/>
-                </a:tc>
-                <a:tc>
-                  <a:txBody>
-                    <a:bodyPr/>
-                    <a:lstStyle/>
-                    <a:p>
-                      <a:endParaRPr lang="sv-SE"/>
-                    </a:p>
-                  </a:txBody>
-                  <a:tcPr/>
-                </a:tc>
-                <a:tc>
-                  <a:txBody>
-                    <a:bodyPr/>
-                    <a:lstStyle/>
-                    <a:p>
-                      <a:endParaRPr lang="sv-SE"/>
-                    </a:p>
-                  </a:txBody>
-                  <a:tcPr/>
-                </a:tc>
-                <a:tc>
-                  <a:txBody>
-                    <a:bodyPr/>
-                    <a:lstStyle/>
-                    <a:p>
-                      <a:endParaRPr lang="sv-SE"/>
-                    </a:p>
-                  </a:txBody>
-                  <a:tcPr/>
-                </a:tc>
-                <a:tc>
-                  <a:txBody>
-                    <a:bodyPr/>
-                    <a:lstStyle/>
-                    <a:p>
-                      <a:endParaRPr lang="sv-SE"/>
-                    </a:p>
-                  </a:txBody>
-                  <a:tcPr/>
-                </a:tc>
-                <a:extLst>
-                  <a:ext uri="{0D108BD9-81ED-4DB2-BD59-A6C34878D82A}">
-                    <a16:rowId xmlns:a16="http://schemas.microsoft.com/office/drawing/2014/main" val="1299163262"/>
-                  </a:ext>
-                </a:extLst>
-              </a:tr>
-              <a:tr h="370840">
-                <a:tc>
-                  <a:txBody>
-                    <a:bodyPr/>
-                    <a:lstStyle/>
-                    <a:p>
-                      <a:endParaRPr lang="sv-SE"/>
-                    </a:p>
-                  </a:txBody>
-                  <a:tcPr/>
-                </a:tc>
-                <a:tc>
-                  <a:txBody>
-                    <a:bodyPr/>
-                    <a:lstStyle/>
-                    <a:p>
-                      <a:endParaRPr lang="sv-SE"/>
-                    </a:p>
-                  </a:txBody>
-                  <a:tcPr/>
-                </a:tc>
-                <a:tc>
-                  <a:txBody>
-                    <a:bodyPr/>
-                    <a:lstStyle/>
-                    <a:p>
-                      <a:endParaRPr lang="sv-SE"/>
-                    </a:p>
-                  </a:txBody>
-                  <a:tcPr/>
-                </a:tc>
-                <a:tc>
-                  <a:txBody>
-                    <a:bodyPr/>
-                    <a:lstStyle/>
-                    <a:p>
-                      <a:endParaRPr lang="sv-SE"/>
-                    </a:p>
-                  </a:txBody>
-                  <a:tcPr/>
-                </a:tc>
-                <a:tc>
-                  <a:txBody>
-                    <a:bodyPr/>
-                    <a:lstStyle/>
-                    <a:p>
-                      <a:endParaRPr lang="sv-SE"/>
-                    </a:p>
-                  </a:txBody>
-                  <a:tcPr/>
-                </a:tc>
-                <a:tc>
-                  <a:txBody>
-                    <a:bodyPr/>
-                    <a:lstStyle/>
-                    <a:p>
-                      <a:endParaRPr lang="sv-SE"/>
-                    </a:p>
-                  </a:txBody>
-                  <a:tcPr/>
-                </a:tc>
-                <a:tc>
-                  <a:txBody>
-                    <a:bodyPr/>
-                    <a:lstStyle/>
-                    <a:p>
-                      <a:endParaRPr lang="sv-SE"/>
-                    </a:p>
-                  </a:txBody>
-                  <a:tcPr/>
-                </a:tc>
-                <a:tc>
-                  <a:txBody>
-                    <a:bodyPr/>
-                    <a:lstStyle/>
-                    <a:p>
-                      <a:endParaRPr lang="sv-SE"/>
-                    </a:p>
-                  </a:txBody>
-                  <a:tcPr/>
-                </a:tc>
-                <a:tc>
-                  <a:txBody>
-                    <a:bodyPr/>
-                    <a:lstStyle/>
-                    <a:p>
-                      <a:endParaRPr lang="sv-SE"/>
-                    </a:p>
-                  </a:txBody>
-                  <a:tcPr/>
-                </a:tc>
-                <a:tc>
-                  <a:txBody>
-                    <a:bodyPr/>
-                    <a:lstStyle/>
-                    <a:p>
-                      <a:endParaRPr lang="sv-SE"/>
-                    </a:p>
-                  </a:txBody>
-                  <a:tcPr/>
-                </a:tc>
-                <a:extLst>
-                  <a:ext uri="{0D108BD9-81ED-4DB2-BD59-A6C34878D82A}">
-                    <a16:rowId xmlns:a16="http://schemas.microsoft.com/office/drawing/2014/main" val="4050405104"/>
-                  </a:ext>
-                </a:extLst>
-              </a:tr>
-              <a:tr h="370840">
-                <a:tc>
-                  <a:txBody>
-                    <a:bodyPr/>
-                    <a:lstStyle/>
-                    <a:p>
-                      <a:endParaRPr lang="sv-SE"/>
-                    </a:p>
-                  </a:txBody>
-                  <a:tcPr/>
-                </a:tc>
-                <a:tc>
-                  <a:txBody>
-                    <a:bodyPr/>
-                    <a:lstStyle/>
-                    <a:p>
-                      <a:endParaRPr lang="sv-SE"/>
-                    </a:p>
-                  </a:txBody>
-                  <a:tcPr/>
-                </a:tc>
-                <a:tc>
-                  <a:txBody>
-                    <a:bodyPr/>
-                    <a:lstStyle/>
-                    <a:p>
-                      <a:endParaRPr lang="sv-SE"/>
-                    </a:p>
-                  </a:txBody>
-                  <a:tcPr/>
-                </a:tc>
-                <a:tc>
-                  <a:txBody>
-                    <a:bodyPr/>
-                    <a:lstStyle/>
-                    <a:p>
-                      <a:endParaRPr lang="sv-SE"/>
-                    </a:p>
-                  </a:txBody>
-                  <a:tcPr/>
-                </a:tc>
-                <a:tc>
-                  <a:txBody>
-                    <a:bodyPr/>
-                    <a:lstStyle/>
-                    <a:p>
-                      <a:endParaRPr lang="sv-SE"/>
-                    </a:p>
-                  </a:txBody>
-                  <a:tcPr/>
-                </a:tc>
-                <a:tc>
-                  <a:txBody>
-                    <a:bodyPr/>
-                    <a:lstStyle/>
-                    <a:p>
-                      <a:endParaRPr lang="sv-SE"/>
-                    </a:p>
-                  </a:txBody>
-                  <a:tcPr/>
-                </a:tc>
-                <a:tc>
-                  <a:txBody>
-                    <a:bodyPr/>
-                    <a:lstStyle/>
-                    <a:p>
-                      <a:endParaRPr lang="sv-SE"/>
-                    </a:p>
-                  </a:txBody>
-                  <a:tcPr/>
-                </a:tc>
-                <a:tc>
-                  <a:txBody>
-                    <a:bodyPr/>
-                    <a:lstStyle/>
-                    <a:p>
-                      <a:endParaRPr lang="sv-SE"/>
-                    </a:p>
-                  </a:txBody>
-                  <a:tcPr/>
-                </a:tc>
-                <a:tc>
-                  <a:txBody>
-                    <a:bodyPr/>
-                    <a:lstStyle/>
-                    <a:p>
-                      <a:endParaRPr lang="sv-SE"/>
-                    </a:p>
-                  </a:txBody>
-                  <a:tcPr/>
-                </a:tc>
-                <a:tc>
-                  <a:txBody>
-                    <a:bodyPr/>
-                    <a:lstStyle/>
-                    <a:p>
-                      <a:endParaRPr lang="sv-SE"/>
-                    </a:p>
-                  </a:txBody>
-                  <a:tcPr/>
-                </a:tc>
-                <a:extLst>
-                  <a:ext uri="{0D108BD9-81ED-4DB2-BD59-A6C34878D82A}">
-                    <a16:rowId xmlns:a16="http://schemas.microsoft.com/office/drawing/2014/main" val="818876687"/>
-                  </a:ext>
-                </a:extLst>
-              </a:tr>
-              <a:tr h="370840">
-                <a:tc>
-                  <a:txBody>
-                    <a:bodyPr/>
-                    <a:lstStyle/>
-                    <a:p>
-                      <a:endParaRPr lang="sv-SE"/>
-                    </a:p>
-                  </a:txBody>
-                  <a:tcPr/>
-                </a:tc>
-                <a:tc>
-                  <a:txBody>
-                    <a:bodyPr/>
-                    <a:lstStyle/>
-                    <a:p>
-                      <a:endParaRPr lang="sv-SE"/>
-                    </a:p>
-                  </a:txBody>
-                  <a:tcPr/>
-                </a:tc>
-                <a:tc>
-                  <a:txBody>
-                    <a:bodyPr/>
-                    <a:lstStyle/>
-                    <a:p>
-                      <a:endParaRPr lang="sv-SE"/>
-                    </a:p>
-                  </a:txBody>
-                  <a:tcPr/>
-                </a:tc>
-                <a:tc>
-                  <a:txBody>
-                    <a:bodyPr/>
-                    <a:lstStyle/>
-                    <a:p>
-                      <a:endParaRPr lang="sv-SE"/>
-                    </a:p>
-                  </a:txBody>
-                  <a:tcPr/>
-                </a:tc>
-                <a:tc>
-                  <a:txBody>
-                    <a:bodyPr/>
-                    <a:lstStyle/>
-                    <a:p>
-                      <a:endParaRPr lang="sv-SE"/>
-                    </a:p>
-                  </a:txBody>
-                  <a:tcPr/>
-                </a:tc>
-                <a:tc>
-                  <a:txBody>
-                    <a:bodyPr/>
-                    <a:lstStyle/>
-                    <a:p>
-                      <a:endParaRPr lang="sv-SE"/>
-                    </a:p>
-                  </a:txBody>
-                  <a:tcPr/>
-                </a:tc>
-                <a:tc>
-                  <a:txBody>
-                    <a:bodyPr/>
-                    <a:lstStyle/>
-                    <a:p>
-                      <a:endParaRPr lang="sv-SE"/>
-                    </a:p>
-                  </a:txBody>
-                  <a:tcPr/>
-                </a:tc>
-                <a:tc>
-                  <a:txBody>
-                    <a:bodyPr/>
-                    <a:lstStyle/>
-                    <a:p>
-                      <a:endParaRPr lang="sv-SE"/>
-                    </a:p>
-                  </a:txBody>
-                  <a:tcPr/>
-                </a:tc>
-                <a:tc>
-                  <a:txBody>
-                    <a:bodyPr/>
-                    <a:lstStyle/>
-                    <a:p>
-                      <a:endParaRPr lang="sv-SE"/>
-                    </a:p>
-                  </a:txBody>
-                  <a:tcPr/>
-                </a:tc>
-                <a:tc>
-                  <a:txBody>
-                    <a:bodyPr/>
-                    <a:lstStyle/>
-                    <a:p>
-                      <a:endParaRPr lang="sv-SE"/>
-                    </a:p>
-                  </a:txBody>
-                  <a:tcPr/>
-                </a:tc>
-                <a:extLst>
-                  <a:ext uri="{0D108BD9-81ED-4DB2-BD59-A6C34878D82A}">
-                    <a16:rowId xmlns:a16="http://schemas.microsoft.com/office/drawing/2014/main" val="617085206"/>
-                  </a:ext>
-                </a:extLst>
-              </a:tr>
-              <a:tr h="370840">
-                <a:tc>
-                  <a:txBody>
-                    <a:bodyPr/>
-                    <a:lstStyle/>
-                    <a:p>
-                      <a:endParaRPr lang="sv-SE"/>
-                    </a:p>
-                  </a:txBody>
-                  <a:tcPr/>
-                </a:tc>
-                <a:tc>
-                  <a:txBody>
-                    <a:bodyPr/>
-                    <a:lstStyle/>
-                    <a:p>
-                      <a:endParaRPr lang="sv-SE"/>
-                    </a:p>
-                  </a:txBody>
-                  <a:tcPr/>
-                </a:tc>
-                <a:tc>
-                  <a:txBody>
-                    <a:bodyPr/>
-                    <a:lstStyle/>
-                    <a:p>
-                      <a:endParaRPr lang="sv-SE"/>
-                    </a:p>
-                  </a:txBody>
-                  <a:tcPr/>
-                </a:tc>
-                <a:tc>
-                  <a:txBody>
-                    <a:bodyPr/>
-                    <a:lstStyle/>
-                    <a:p>
-                      <a:endParaRPr lang="sv-SE"/>
-                    </a:p>
-                  </a:txBody>
-                  <a:tcPr/>
-                </a:tc>
-                <a:tc>
-                  <a:txBody>
-                    <a:bodyPr/>
-                    <a:lstStyle/>
-                    <a:p>
-                      <a:endParaRPr lang="sv-SE"/>
-                    </a:p>
-                  </a:txBody>
-                  <a:tcPr/>
-                </a:tc>
-                <a:tc>
-                  <a:txBody>
-                    <a:bodyPr/>
-                    <a:lstStyle/>
-                    <a:p>
-                      <a:endParaRPr lang="sv-SE"/>
-                    </a:p>
-                  </a:txBody>
-                  <a:tcPr/>
-                </a:tc>
-                <a:tc>
-                  <a:txBody>
-                    <a:bodyPr/>
-                    <a:lstStyle/>
-                    <a:p>
-                      <a:endParaRPr lang="sv-SE"/>
-                    </a:p>
-                  </a:txBody>
-                  <a:tcPr/>
-                </a:tc>
-                <a:tc>
-                  <a:txBody>
-                    <a:bodyPr/>
-                    <a:lstStyle/>
-                    <a:p>
-                      <a:endParaRPr lang="sv-SE"/>
-                    </a:p>
-                  </a:txBody>
-                  <a:tcPr/>
-                </a:tc>
-                <a:tc>
-                  <a:txBody>
-                    <a:bodyPr/>
-                    <a:lstStyle/>
-                    <a:p>
-                      <a:endParaRPr lang="sv-SE"/>
-                    </a:p>
-                  </a:txBody>
-                  <a:tcPr/>
-                </a:tc>
-                <a:tc>
-                  <a:txBody>
-                    <a:bodyPr/>
-                    <a:lstStyle/>
-                    <a:p>
-                      <a:endParaRPr lang="sv-SE"/>
-                    </a:p>
-                  </a:txBody>
-                  <a:tcPr/>
-                </a:tc>
-                <a:extLst>
-                  <a:ext uri="{0D108BD9-81ED-4DB2-BD59-A6C34878D82A}">
-                    <a16:rowId xmlns:a16="http://schemas.microsoft.com/office/drawing/2014/main" val="1105384879"/>
-                  </a:ext>
-                </a:extLst>
-              </a:tr>
-              <a:tr h="370840">
-                <a:tc>
-                  <a:txBody>
-                    <a:bodyPr/>
-                    <a:lstStyle/>
-                    <a:p>
-                      <a:endParaRPr lang="sv-SE"/>
-                    </a:p>
-                  </a:txBody>
-                  <a:tcPr/>
-                </a:tc>
-                <a:tc>
-                  <a:txBody>
-                    <a:bodyPr/>
-                    <a:lstStyle/>
-                    <a:p>
-                      <a:endParaRPr lang="sv-SE"/>
-                    </a:p>
-                  </a:txBody>
-                  <a:tcPr/>
-                </a:tc>
-                <a:tc>
-                  <a:txBody>
-                    <a:bodyPr/>
-                    <a:lstStyle/>
-                    <a:p>
-                      <a:endParaRPr lang="sv-SE"/>
-                    </a:p>
-                  </a:txBody>
-                  <a:tcPr/>
-                </a:tc>
-                <a:tc>
-                  <a:txBody>
-                    <a:bodyPr/>
-                    <a:lstStyle/>
-                    <a:p>
-                      <a:endParaRPr lang="sv-SE"/>
-                    </a:p>
-                  </a:txBody>
-                  <a:tcPr/>
-                </a:tc>
-                <a:tc>
-                  <a:txBody>
-                    <a:bodyPr/>
-                    <a:lstStyle/>
-                    <a:p>
-                      <a:endParaRPr lang="sv-SE"/>
-                    </a:p>
-                  </a:txBody>
-                  <a:tcPr/>
-                </a:tc>
-                <a:tc>
-                  <a:txBody>
-                    <a:bodyPr/>
-                    <a:lstStyle/>
-                    <a:p>
-                      <a:endParaRPr lang="sv-SE"/>
-                    </a:p>
-                  </a:txBody>
-                  <a:tcPr/>
-                </a:tc>
-                <a:tc>
-                  <a:txBody>
-                    <a:bodyPr/>
-                    <a:lstStyle/>
-                    <a:p>
-                      <a:endParaRPr lang="sv-SE"/>
-                    </a:p>
-                  </a:txBody>
-                  <a:tcPr/>
-                </a:tc>
-                <a:tc>
-                  <a:txBody>
-                    <a:bodyPr/>
-                    <a:lstStyle/>
-                    <a:p>
-                      <a:endParaRPr lang="sv-SE"/>
-                    </a:p>
-                  </a:txBody>
-                  <a:tcPr/>
-                </a:tc>
-                <a:tc>
-                  <a:txBody>
-                    <a:bodyPr/>
-                    <a:lstStyle/>
-                    <a:p>
-                      <a:endParaRPr lang="sv-SE"/>
-                    </a:p>
-                  </a:txBody>
-                  <a:tcPr/>
-                </a:tc>
-                <a:tc>
-                  <a:txBody>
-                    <a:bodyPr/>
-                    <a:lstStyle/>
-                    <a:p>
-                      <a:endParaRPr lang="sv-SE"/>
-                    </a:p>
-                  </a:txBody>
-                  <a:tcPr/>
-                </a:tc>
-                <a:extLst>
-                  <a:ext uri="{0D108BD9-81ED-4DB2-BD59-A6C34878D82A}">
-                    <a16:rowId xmlns:a16="http://schemas.microsoft.com/office/drawing/2014/main" val="3177079486"/>
-                  </a:ext>
-                </a:extLst>
-              </a:tr>
-              <a:tr h="370840">
-                <a:tc>
-                  <a:txBody>
-                    <a:bodyPr/>
-                    <a:lstStyle/>
-                    <a:p>
-                      <a:endParaRPr lang="sv-SE"/>
-                    </a:p>
-                  </a:txBody>
-                  <a:tcPr/>
-                </a:tc>
-                <a:tc>
-                  <a:txBody>
-                    <a:bodyPr/>
-                    <a:lstStyle/>
-                    <a:p>
-                      <a:endParaRPr lang="sv-SE"/>
-                    </a:p>
-                  </a:txBody>
-                  <a:tcPr/>
-                </a:tc>
-                <a:tc>
-                  <a:txBody>
-                    <a:bodyPr/>
-                    <a:lstStyle/>
-                    <a:p>
-                      <a:endParaRPr lang="sv-SE"/>
-                    </a:p>
-                  </a:txBody>
-                  <a:tcPr/>
-                </a:tc>
-                <a:tc>
-                  <a:txBody>
-                    <a:bodyPr/>
-                    <a:lstStyle/>
-                    <a:p>
-                      <a:endParaRPr lang="sv-SE"/>
-                    </a:p>
-                  </a:txBody>
-                  <a:tcPr/>
-                </a:tc>
-                <a:tc>
-                  <a:txBody>
-                    <a:bodyPr/>
-                    <a:lstStyle/>
-                    <a:p>
-                      <a:endParaRPr lang="sv-SE"/>
-                    </a:p>
-                  </a:txBody>
-                  <a:tcPr/>
-                </a:tc>
-                <a:tc>
-                  <a:txBody>
-                    <a:bodyPr/>
-                    <a:lstStyle/>
-                    <a:p>
-                      <a:endParaRPr lang="sv-SE"/>
-                    </a:p>
-                  </a:txBody>
-                  <a:tcPr/>
-                </a:tc>
-                <a:tc>
-                  <a:txBody>
-                    <a:bodyPr/>
-                    <a:lstStyle/>
-                    <a:p>
-                      <a:endParaRPr lang="sv-SE"/>
-                    </a:p>
-                  </a:txBody>
-                  <a:tcPr/>
-                </a:tc>
-                <a:tc>
-                  <a:txBody>
-                    <a:bodyPr/>
-                    <a:lstStyle/>
-                    <a:p>
-                      <a:endParaRPr lang="sv-SE"/>
-                    </a:p>
-                  </a:txBody>
-                  <a:tcPr/>
-                </a:tc>
-                <a:tc>
-                  <a:txBody>
-                    <a:bodyPr/>
-                    <a:lstStyle/>
-                    <a:p>
-                      <a:endParaRPr lang="sv-SE"/>
-                    </a:p>
-                  </a:txBody>
-                  <a:tcPr/>
-                </a:tc>
-                <a:tc>
-                  <a:txBody>
-                    <a:bodyPr/>
-                    <a:lstStyle/>
-                    <a:p>
-                      <a:endParaRPr lang="sv-SE"/>
-                    </a:p>
-                  </a:txBody>
-                  <a:tcPr/>
-                </a:tc>
-                <a:extLst>
-                  <a:ext uri="{0D108BD9-81ED-4DB2-BD59-A6C34878D82A}">
-                    <a16:rowId xmlns:a16="http://schemas.microsoft.com/office/drawing/2014/main" val="2535145467"/>
-                  </a:ext>
-                </a:extLst>
-              </a:tr>
-            </a:tbl>
-          </a:graphicData>
-        </a:graphic>
-      </p:graphicFrame>
+          </p:nvPr>
+        </p:nvPicPr>
+        <p:blipFill>
+          <a:blip r:embed="rId4">
+            <a:extLst>
+              <a:ext uri="{28A0092B-C50C-407E-A947-70E740481C1C}">
+                <a14:useLocalDpi xmlns:a14="http://schemas.microsoft.com/office/drawing/2010/main" val="0"/>
+              </a:ext>
+            </a:extLst>
+          </a:blip>
+          <a:stretch>
+            <a:fillRect/>
+          </a:stretch>
+        </p:blipFill>
+        <p:spPr>
+          <a:xfrm>
+            <a:off x="4511665" y="1825624"/>
+            <a:ext cx="7359670" cy="4351338"/>
+          </a:xfrm>
+        </p:spPr>
+      </p:pic>
+      <p:pic>
+        <p:nvPicPr>
+          <p:cNvPr id="8" name="Content Placeholder 13">
+            <a:extLst>
+              <a:ext uri="{FF2B5EF4-FFF2-40B4-BE49-F238E27FC236}">
+                <a16:creationId xmlns:a16="http://schemas.microsoft.com/office/drawing/2014/main" id="{C4C2EFD9-565C-3947-9B69-2F4785C12013}"/>
+              </a:ext>
+            </a:extLst>
+          </p:cNvPr>
+          <p:cNvPicPr>
+            <a:picLocks noChangeAspect="1"/>
+          </p:cNvPicPr>
+          <p:nvPr/>
+        </p:nvPicPr>
+        <p:blipFill>
+          <a:blip r:embed="rId5">
+            <a:extLst>
+              <a:ext uri="{28A0092B-C50C-407E-A947-70E740481C1C}">
+                <a14:useLocalDpi xmlns:a14="http://schemas.microsoft.com/office/drawing/2010/main" val="0"/>
+              </a:ext>
+            </a:extLst>
+          </a:blip>
+          <a:stretch>
+            <a:fillRect/>
+          </a:stretch>
+        </p:blipFill>
+        <p:spPr>
+          <a:xfrm>
+            <a:off x="596480" y="1540495"/>
+            <a:ext cx="3664769" cy="4921597"/>
+          </a:xfrm>
+          <a:prstGeom prst="rect">
+            <a:avLst/>
+          </a:prstGeom>
+        </p:spPr>
+      </p:pic>
     </p:spTree>
     <p:custDataLst>
       <p:tags r:id="rId1"/>

--- a/docs/Slutredovisning_grp5_v8.pptx
+++ b/docs/Slutredovisning_grp5_v8.pptx
@@ -5,7 +5,7 @@
     <p:sldMasterId id="2147483648" r:id="rId1"/>
   </p:sldMasterIdLst>
   <p:notesMasterIdLst>
-    <p:notesMasterId r:id="rId39"/>
+    <p:notesMasterId r:id="rId40"/>
   </p:notesMasterIdLst>
   <p:sldIdLst>
     <p:sldId id="256" r:id="rId2"/>
@@ -44,12 +44,13 @@
     <p:sldId id="278" r:id="rId35"/>
     <p:sldId id="279" r:id="rId36"/>
     <p:sldId id="280" r:id="rId37"/>
-    <p:sldId id="281" r:id="rId38"/>
+    <p:sldId id="294" r:id="rId38"/>
+    <p:sldId id="281" r:id="rId39"/>
   </p:sldIdLst>
   <p:sldSz cx="12192000" cy="6858000"/>
   <p:notesSz cx="6858000" cy="9144000"/>
   <p:custDataLst>
-    <p:tags r:id="rId40"/>
+    <p:tags r:id="rId41"/>
   </p:custDataLst>
   <p:defaultTextStyle>
     <a:defPPr>
@@ -4126,7 +4127,7 @@
           <a:p>
             <a:r>
               <a:rPr lang="sv-SE" dirty="0"/>
-              <a:t>Profiler kollar körande program, var spenderas tid och minne osv. så ej så lämplig för programmet.</a:t>
+              <a:t>Profiler kollar körande program, var spenderas tid och minne osv.</a:t>
             </a:r>
           </a:p>
           <a:p>
@@ -4423,8 +4424,75 @@
                 <a:ea typeface="+mn-ea"/>
                 <a:cs typeface="+mn-cs"/>
               </a:rPr>
-              <a:t>Här kan ni ta upp övrigt av relevans för bedömningen av ert arbete. Om avsnittet inte behövs kan det plockas bort.</a:t>
-            </a:r>
+              <a:t>Byggscriptets första (seriösa/fungerande) version, och den slutliga (efter att saker lagts till).</a:t>
+            </a:r>
+          </a:p>
+          <a:p>
+            <a:pPr marL="0" marR="0" lvl="0" indent="0" algn="l" defTabSz="914400" rtl="0" eaLnBrk="1" fontAlgn="auto" latinLnBrk="0" hangingPunct="1">
+              <a:lnSpc>
+                <a:spcPct val="100000"/>
+              </a:lnSpc>
+              <a:spcBef>
+                <a:spcPts val="0"/>
+              </a:spcBef>
+              <a:spcAft>
+                <a:spcPts val="0"/>
+              </a:spcAft>
+              <a:buClrTx/>
+              <a:buSzTx/>
+              <a:buFontTx/>
+              <a:buNone/>
+              <a:tabLst/>
+              <a:defRPr/>
+            </a:pPr>
+            <a:r>
+              <a:rPr lang="sv-SE" sz="1200" kern="1200" dirty="0" err="1">
+                <a:solidFill>
+                  <a:schemeClr val="tx1"/>
+                </a:solidFill>
+                <a:effectLst/>
+                <a:latin typeface="+mn-lt"/>
+                <a:ea typeface="+mn-ea"/>
+                <a:cs typeface="+mn-cs"/>
+              </a:rPr>
+              <a:t>Maven</a:t>
+            </a:r>
+            <a:r>
+              <a:rPr lang="sv-SE" sz="1200" kern="1200" dirty="0">
+                <a:solidFill>
+                  <a:schemeClr val="tx1"/>
+                </a:solidFill>
+                <a:effectLst/>
+                <a:latin typeface="+mn-lt"/>
+                <a:ea typeface="+mn-ea"/>
+                <a:cs typeface="+mn-cs"/>
+              </a:rPr>
+              <a:t>, </a:t>
+            </a:r>
+            <a:r>
+              <a:rPr lang="sv-SE" sz="1200" kern="1200" dirty="0" err="1">
+                <a:solidFill>
+                  <a:schemeClr val="tx1"/>
+                </a:solidFill>
+                <a:effectLst/>
+                <a:latin typeface="+mn-lt"/>
+                <a:ea typeface="+mn-ea"/>
+                <a:cs typeface="+mn-cs"/>
+              </a:rPr>
+              <a:t>xml</a:t>
+            </a:r>
+            <a:endParaRPr lang="sv-SE" sz="1200" kern="1200" dirty="0">
+              <a:solidFill>
+                <a:schemeClr val="tx1"/>
+              </a:solidFill>
+              <a:effectLst/>
+              <a:latin typeface="+mn-lt"/>
+              <a:ea typeface="+mn-ea"/>
+              <a:cs typeface="+mn-cs"/>
+            </a:endParaRPr>
+          </a:p>
+          <a:p>
+            <a:endParaRPr lang="sv-SE" dirty="0"/>
           </a:p>
         </p:txBody>
       </p:sp>
@@ -4446,6 +4514,118 @@
             <a:fld id="{8667F948-D2CB-486C-A2EA-FEABC2DAAE8D}" type="slidenum">
               <a:rPr lang="sv-SE" smtClean="0"/>
               <a:t>37</a:t>
+            </a:fld>
+            <a:endParaRPr lang="sv-SE"/>
+          </a:p>
+        </p:txBody>
+      </p:sp>
+    </p:spTree>
+    <p:extLst>
+      <p:ext uri="{BB962C8B-B14F-4D97-AF65-F5344CB8AC3E}">
+        <p14:creationId xmlns:p14="http://schemas.microsoft.com/office/powerpoint/2010/main" val="2555513774"/>
+      </p:ext>
+    </p:extLst>
+  </p:cSld>
+  <p:clrMapOvr>
+    <a:masterClrMapping/>
+  </p:clrMapOvr>
+</p:notes>
+</file>
+
+<file path=ppt/notesSlides/notesSlide38.xml><?xml version="1.0" encoding="utf-8"?>
+<p:notes xmlns:a="http://schemas.openxmlformats.org/drawingml/2006/main" xmlns:r="http://schemas.openxmlformats.org/officeDocument/2006/relationships" xmlns:p="http://schemas.openxmlformats.org/presentationml/2006/main">
+  <p:cSld>
+    <p:spTree>
+      <p:nvGrpSpPr>
+        <p:cNvPr id="1" name=""/>
+        <p:cNvGrpSpPr/>
+        <p:nvPr/>
+      </p:nvGrpSpPr>
+      <p:grpSpPr>
+        <a:xfrm>
+          <a:off x="0" y="0"/>
+          <a:ext cx="0" cy="0"/>
+          <a:chOff x="0" y="0"/>
+          <a:chExt cx="0" cy="0"/>
+        </a:xfrm>
+      </p:grpSpPr>
+      <p:sp>
+        <p:nvSpPr>
+          <p:cNvPr id="2" name="Platshållare för bildobjekt 1"/>
+          <p:cNvSpPr>
+            <a:spLocks noGrp="1" noRot="1" noChangeAspect="1"/>
+          </p:cNvSpPr>
+          <p:nvPr>
+            <p:ph type="sldImg"/>
+          </p:nvPr>
+        </p:nvSpPr>
+        <p:spPr/>
+      </p:sp>
+      <p:sp>
+        <p:nvSpPr>
+          <p:cNvPr id="3" name="Platshållare för anteckningar 2"/>
+          <p:cNvSpPr>
+            <a:spLocks noGrp="1"/>
+          </p:cNvSpPr>
+          <p:nvPr>
+            <p:ph type="body" idx="1"/>
+          </p:nvPr>
+        </p:nvSpPr>
+        <p:spPr/>
+        <p:txBody>
+          <a:bodyPr/>
+          <a:lstStyle/>
+          <a:p>
+            <a:pPr marL="0" marR="0" lvl="0" indent="0" algn="l" defTabSz="914400" rtl="0" eaLnBrk="1" fontAlgn="auto" latinLnBrk="0" hangingPunct="1">
+              <a:lnSpc>
+                <a:spcPct val="100000"/>
+              </a:lnSpc>
+              <a:spcBef>
+                <a:spcPts val="0"/>
+              </a:spcBef>
+              <a:spcAft>
+                <a:spcPts val="0"/>
+              </a:spcAft>
+              <a:buClrTx/>
+              <a:buSzTx/>
+              <a:buFontTx/>
+              <a:buNone/>
+              <a:tabLst/>
+              <a:defRPr/>
+            </a:pPr>
+            <a:r>
+              <a:rPr lang="sv-SE" sz="1200" kern="1200" dirty="0">
+                <a:solidFill>
+                  <a:schemeClr val="tx1"/>
+                </a:solidFill>
+                <a:effectLst/>
+                <a:latin typeface="+mn-lt"/>
+                <a:ea typeface="+mn-ea"/>
+                <a:cs typeface="+mn-cs"/>
+              </a:rPr>
+              <a:t>Här kan ni ta upp övrigt av relevans för bedömningen av ert arbete. Om avsnittet inte behövs kan det plockas bort.</a:t>
+            </a:r>
+          </a:p>
+        </p:txBody>
+      </p:sp>
+      <p:sp>
+        <p:nvSpPr>
+          <p:cNvPr id="4" name="Platshållare för bildnummer 3"/>
+          <p:cNvSpPr>
+            <a:spLocks noGrp="1"/>
+          </p:cNvSpPr>
+          <p:nvPr>
+            <p:ph type="sldNum" sz="quarter" idx="10"/>
+          </p:nvPr>
+        </p:nvSpPr>
+        <p:spPr/>
+        <p:txBody>
+          <a:bodyPr/>
+          <a:lstStyle/>
+          <a:p>
+            <a:fld id="{8667F948-D2CB-486C-A2EA-FEABC2DAAE8D}" type="slidenum">
+              <a:rPr lang="sv-SE" smtClean="0"/>
+              <a:t>38</a:t>
             </a:fld>
             <a:endParaRPr lang="sv-SE"/>
           </a:p>
@@ -11758,7 +11938,7 @@
             </a:pPr>
             <a:r>
               <a:rPr lang="sv-SE" dirty="0"/>
-              <a:t>Fick kompileringsfel i test före att </a:t>
+              <a:t>Kompileringsfel i test före att </a:t>
             </a:r>
             <a:r>
               <a:rPr lang="sv-SE" dirty="0" err="1"/>
@@ -11874,9 +12054,29 @@
           <a:bodyPr/>
           <a:lstStyle/>
           <a:p>
-            <a:pPr marL="0" indent="0">
-              <a:buNone/>
-            </a:pPr>
+            <a:r>
+              <a:rPr lang="sv-SE" dirty="0"/>
+              <a:t>Syfte: Testa </a:t>
+            </a:r>
+            <a:r>
+              <a:rPr lang="sv-SE" dirty="0" err="1"/>
+              <a:t>konstruktorn</a:t>
+            </a:r>
+            <a:r>
+              <a:rPr lang="sv-SE" dirty="0"/>
+              <a:t> och metoder för Hero</a:t>
+            </a:r>
+          </a:p>
+          <a:p>
+            <a:r>
+              <a:rPr lang="sv-SE" dirty="0"/>
+              <a:t>Testa indatadomänen</a:t>
+            </a:r>
+          </a:p>
+          <a:p>
+            <a:endParaRPr lang="sv-SE" dirty="0"/>
+          </a:p>
+          <a:p>
             <a:endParaRPr lang="sv-SE" dirty="0"/>
           </a:p>
         </p:txBody>
@@ -11936,25 +12136,41 @@
           </a:p>
         </p:txBody>
       </p:sp>
-      <p:sp>
-        <p:nvSpPr>
-          <p:cNvPr id="3" name="Platshållare för innehåll 2"/>
-          <p:cNvSpPr>
-            <a:spLocks noGrp="1"/>
-          </p:cNvSpPr>
+      <p:pic>
+        <p:nvPicPr>
+          <p:cNvPr id="4" name="Content Placeholder 13">
+            <a:extLst>
+              <a:ext uri="{FF2B5EF4-FFF2-40B4-BE49-F238E27FC236}">
+                <a16:creationId xmlns:a16="http://schemas.microsoft.com/office/drawing/2014/main" id="{69506258-45E6-1242-B58F-A911AB3ABAC7}"/>
+              </a:ext>
+            </a:extLst>
+          </p:cNvPr>
+          <p:cNvPicPr>
+            <a:picLocks noGrp="1" noChangeAspect="1"/>
+          </p:cNvPicPr>
           <p:nvPr>
             <p:ph idx="1"/>
           </p:nvPr>
-        </p:nvSpPr>
-        <p:spPr/>
-        <p:txBody>
-          <a:bodyPr/>
-          <a:lstStyle/>
-          <a:p>
-            <a:endParaRPr lang="sv-SE"/>
-          </a:p>
-        </p:txBody>
-      </p:sp>
+        </p:nvPicPr>
+        <p:blipFill>
+          <a:blip r:embed="rId4">
+            <a:extLst>
+              <a:ext uri="{28A0092B-C50C-407E-A947-70E740481C1C}">
+                <a14:useLocalDpi xmlns:a14="http://schemas.microsoft.com/office/drawing/2010/main" val="0"/>
+              </a:ext>
+            </a:extLst>
+          </a:blip>
+          <a:stretch>
+            <a:fillRect/>
+          </a:stretch>
+        </p:blipFill>
+        <p:spPr>
+          <a:xfrm>
+            <a:off x="6096000" y="774196"/>
+            <a:ext cx="3953694" cy="5309608"/>
+          </a:xfrm>
+        </p:spPr>
+      </p:pic>
     </p:spTree>
     <p:custDataLst>
       <p:tags r:id="rId1"/>
@@ -12010,41 +12226,31 @@
           </a:p>
         </p:txBody>
       </p:sp>
-      <p:pic>
-        <p:nvPicPr>
-          <p:cNvPr id="14" name="Content Placeholder 13">
+      <p:sp>
+        <p:nvSpPr>
+          <p:cNvPr id="3" name="Content Placeholder 2">
             <a:extLst>
               <a:ext uri="{FF2B5EF4-FFF2-40B4-BE49-F238E27FC236}">
-                <a16:creationId xmlns:a16="http://schemas.microsoft.com/office/drawing/2014/main" id="{702366A0-AB4E-B240-A8A6-87717022F6D9}"/>
+                <a16:creationId xmlns:a16="http://schemas.microsoft.com/office/drawing/2014/main" id="{8CBAA128-A13E-6941-AEE7-3BEA82B89559}"/>
               </a:ext>
             </a:extLst>
           </p:cNvPr>
-          <p:cNvPicPr>
-            <a:picLocks noGrp="1" noChangeAspect="1"/>
-          </p:cNvPicPr>
+          <p:cNvSpPr>
+            <a:spLocks noGrp="1"/>
+          </p:cNvSpPr>
           <p:nvPr>
             <p:ph idx="1"/>
           </p:nvPr>
-        </p:nvPicPr>
-        <p:blipFill>
-          <a:blip r:embed="rId4">
-            <a:extLst>
-              <a:ext uri="{28A0092B-C50C-407E-A947-70E740481C1C}">
-                <a14:useLocalDpi xmlns:a14="http://schemas.microsoft.com/office/drawing/2010/main" val="0"/>
-              </a:ext>
-            </a:extLst>
-          </a:blip>
-          <a:stretch>
-            <a:fillRect/>
-          </a:stretch>
-        </p:blipFill>
-        <p:spPr>
-          <a:xfrm>
-            <a:off x="4475931" y="1255366"/>
-            <a:ext cx="3664769" cy="4921597"/>
-          </a:xfrm>
-        </p:spPr>
-      </p:pic>
+        </p:nvSpPr>
+        <p:spPr/>
+        <p:txBody>
+          <a:bodyPr/>
+          <a:lstStyle/>
+          <a:p>
+            <a:endParaRPr lang="sv-SE"/>
+          </a:p>
+        </p:txBody>
+      </p:sp>
     </p:spTree>
     <p:custDataLst>
       <p:tags r:id="rId1"/>
@@ -12359,8 +12565,21 @@
           <a:p>
             <a:r>
               <a:rPr lang="sv-SE" dirty="0"/>
-              <a:t>Tillståndsmaskin:</a:t>
-            </a:r>
+              <a:t>Tillståndsmaskin: </a:t>
+            </a:r>
+            <a:r>
+              <a:rPr lang="sv-SE" dirty="0" err="1"/>
+              <a:t>class</a:t>
+            </a:r>
+            <a:r>
+              <a:rPr lang="sv-SE" dirty="0"/>
+              <a:t> </a:t>
+            </a:r>
+            <a:r>
+              <a:rPr lang="sv-SE" dirty="0" err="1"/>
+              <a:t>Inventory</a:t>
+            </a:r>
+            <a:endParaRPr lang="sv-SE" dirty="0"/>
           </a:p>
         </p:txBody>
       </p:sp>
@@ -12379,7 +12598,7 @@
           <a:bodyPr/>
           <a:lstStyle/>
           <a:p>
-            <a:endParaRPr lang="sv-SE"/>
+            <a:endParaRPr lang="sv-SE" dirty="0"/>
           </a:p>
         </p:txBody>
       </p:sp>
@@ -13292,16 +13511,26 @@
         <p:spPr>
           <a:xfrm>
             <a:off x="839788" y="457200"/>
-            <a:ext cx="3932237" cy="938463"/>
+            <a:ext cx="5032375" cy="938463"/>
           </a:xfrm>
         </p:spPr>
         <p:txBody>
-          <a:bodyPr/>
+          <a:bodyPr>
+            <a:normAutofit fontScale="90000"/>
+          </a:bodyPr>
           <a:lstStyle/>
           <a:p>
             <a:r>
               <a:rPr lang="sv-SE" dirty="0"/>
-              <a:t>Kodkritiksystem</a:t>
+              <a:t>Kodkritiksystem: </a:t>
+            </a:r>
+            <a:r>
+              <a:rPr lang="sv-SE" dirty="0" err="1"/>
+              <a:t>FindBugs</a:t>
+            </a:r>
+            <a:r>
+              <a:rPr lang="sv-SE" dirty="0"/>
+              <a:t> IDEA</a:t>
             </a:r>
           </a:p>
         </p:txBody>
@@ -13337,39 +13566,11 @@
         </p:blipFill>
         <p:spPr>
           <a:xfrm>
-            <a:off x="1389062" y="2597150"/>
-            <a:ext cx="9413875" cy="3803650"/>
+            <a:off x="1817688" y="2039937"/>
+            <a:ext cx="7869238" cy="3179544"/>
           </a:xfrm>
         </p:spPr>
       </p:pic>
-      <p:sp>
-        <p:nvSpPr>
-          <p:cNvPr id="3" name="Platshållare för innehåll 2"/>
-          <p:cNvSpPr>
-            <a:spLocks noGrp="1"/>
-          </p:cNvSpPr>
-          <p:nvPr>
-            <p:ph type="body" sz="half" idx="2"/>
-          </p:nvPr>
-        </p:nvSpPr>
-        <p:spPr>
-          <a:xfrm>
-            <a:off x="839788" y="1523206"/>
-            <a:ext cx="3932237" cy="3811588"/>
-          </a:xfrm>
-        </p:spPr>
-        <p:txBody>
-          <a:bodyPr/>
-          <a:lstStyle/>
-          <a:p>
-            <a:r>
-              <a:rPr lang="sv-SE" dirty="0" err="1"/>
-              <a:t>FindBugs</a:t>
-            </a:r>
-            <a:endParaRPr lang="sv-SE" dirty="0"/>
-          </a:p>
-        </p:txBody>
-      </p:sp>
     </p:spTree>
     <p:custDataLst>
       <p:tags r:id="rId1"/>
@@ -13480,14 +13681,22 @@
           </a:p>
           <a:p>
             <a:r>
-              <a:rPr lang="sv-SE" dirty="0"/>
-              <a:t>LOC projektet: </a:t>
-            </a:r>
-          </a:p>
-          <a:p>
-            <a:r>
-              <a:rPr lang="sv-SE" dirty="0"/>
-              <a:t>LOC för testerna: </a:t>
+              <a:rPr lang="sv-SE" sz="1800" dirty="0">
+                <a:solidFill>
+                  <a:srgbClr val="FF0000"/>
+                </a:solidFill>
+              </a:rPr>
+              <a:t>LOC projektet	…</a:t>
+            </a:r>
+          </a:p>
+          <a:p>
+            <a:r>
+              <a:rPr lang="sv-SE" sz="1800" dirty="0">
+                <a:solidFill>
+                  <a:srgbClr val="FF0000"/>
+                </a:solidFill>
+              </a:rPr>
+              <a:t>LOC för testerna	…</a:t>
             </a:r>
           </a:p>
         </p:txBody>
@@ -13540,6 +13749,7 @@
           <a:bodyPr/>
           <a:lstStyle/>
           <a:p>
+            <a:pPr algn="ctr"/>
             <a:r>
               <a:rPr lang="sv-SE" dirty="0"/>
               <a:t>Täckningsgrad</a:t>
@@ -13606,9 +13816,17 @@
           <a:lstStyle/>
           <a:p>
             <a:pPr algn="ctr"/>
-            <a:r>
-              <a:rPr lang="sv-SE" sz="9600" dirty="0"/>
-              <a:t>97%</a:t>
+            <a:endParaRPr lang="sv-SE" sz="1000" dirty="0"/>
+          </a:p>
+          <a:p>
+            <a:pPr algn="ctr"/>
+            <a:endParaRPr lang="sv-SE" sz="1000" dirty="0"/>
+          </a:p>
+          <a:p>
+            <a:pPr algn="ctr"/>
+            <a:r>
+              <a:rPr lang="sv-SE" sz="7200" dirty="0"/>
+              <a:t>97 %</a:t>
             </a:r>
           </a:p>
         </p:txBody>
@@ -13737,7 +13955,7 @@
           <a:p>
             <a:r>
               <a:rPr lang="sv-SE" dirty="0"/>
-              <a:t>Byggscript</a:t>
+              <a:t>Byggscript 1</a:t>
             </a:r>
           </a:p>
         </p:txBody>
@@ -13754,13 +13972,13 @@
         </p:nvSpPr>
         <p:spPr>
           <a:xfrm>
-            <a:off x="838201" y="1690688"/>
+            <a:off x="838201" y="1504951"/>
             <a:ext cx="4775200" cy="4067175"/>
           </a:xfrm>
         </p:spPr>
         <p:txBody>
           <a:bodyPr>
-            <a:normAutofit fontScale="25000" lnSpcReduction="20000"/>
+            <a:noAutofit/>
           </a:bodyPr>
           <a:lstStyle/>
           <a:p>
@@ -13768,1222 +13986,575 @@
               <a:buNone/>
             </a:pPr>
             <a:r>
-              <a:rPr lang="sv-SE" dirty="0"/>
+              <a:rPr lang="sv-SE" sz="1200" dirty="0"/>
               <a:t>&lt;?</a:t>
             </a:r>
             <a:r>
-              <a:rPr lang="sv-SE" dirty="0" err="1"/>
+              <a:rPr lang="sv-SE" sz="1200" dirty="0" err="1"/>
               <a:t>xml</a:t>
             </a:r>
             <a:r>
-              <a:rPr lang="sv-SE" dirty="0"/>
+              <a:rPr lang="sv-SE" sz="1200" dirty="0"/>
               <a:t> version="1.0" </a:t>
             </a:r>
             <a:r>
-              <a:rPr lang="sv-SE" dirty="0" err="1"/>
+              <a:rPr lang="sv-SE" sz="1200" dirty="0" err="1"/>
               <a:t>encoding</a:t>
             </a:r>
             <a:r>
-              <a:rPr lang="sv-SE" dirty="0"/>
+              <a:rPr lang="sv-SE" sz="1200" dirty="0"/>
               <a:t>="UTF-8"?&gt;</a:t>
             </a:r>
             <a:br>
-              <a:rPr lang="sv-SE" dirty="0"/>
+              <a:rPr lang="sv-SE" sz="1200" dirty="0"/>
             </a:br>
             <a:br>
-              <a:rPr lang="sv-SE" dirty="0"/>
+              <a:rPr lang="sv-SE" sz="1200" dirty="0"/>
             </a:br>
             <a:r>
-              <a:rPr lang="sv-SE" dirty="0"/>
+              <a:rPr lang="sv-SE" sz="1200" dirty="0"/>
               <a:t>&lt;</a:t>
             </a:r>
             <a:r>
-              <a:rPr lang="sv-SE" dirty="0" err="1"/>
+              <a:rPr lang="sv-SE" sz="1200" dirty="0" err="1"/>
               <a:t>project</a:t>
             </a:r>
             <a:r>
-              <a:rPr lang="sv-SE" dirty="0"/>
+              <a:rPr lang="sv-SE" sz="1200" dirty="0"/>
               <a:t> </a:t>
             </a:r>
             <a:r>
-              <a:rPr lang="sv-SE" dirty="0" err="1"/>
+              <a:rPr lang="sv-SE" sz="1200" dirty="0" err="1"/>
               <a:t>xmlns</a:t>
             </a:r>
             <a:r>
-              <a:rPr lang="sv-SE" dirty="0"/>
+              <a:rPr lang="sv-SE" sz="1200" dirty="0"/>
               <a:t>="http://</a:t>
             </a:r>
             <a:r>
-              <a:rPr lang="sv-SE" dirty="0" err="1"/>
+              <a:rPr lang="sv-SE" sz="1200" dirty="0" err="1"/>
               <a:t>maven.apache.org</a:t>
             </a:r>
             <a:r>
-              <a:rPr lang="sv-SE" dirty="0"/>
+              <a:rPr lang="sv-SE" sz="1200" dirty="0"/>
               <a:t>/POM/4.0.0" </a:t>
             </a:r>
             <a:r>
-              <a:rPr lang="sv-SE" dirty="0" err="1"/>
+              <a:rPr lang="sv-SE" sz="1200" dirty="0" err="1"/>
               <a:t>xmlns:xsi</a:t>
             </a:r>
             <a:r>
-              <a:rPr lang="sv-SE" dirty="0"/>
+              <a:rPr lang="sv-SE" sz="1200" dirty="0"/>
               <a:t>="http://www.w3.org/2001/</a:t>
             </a:r>
             <a:r>
-              <a:rPr lang="sv-SE" dirty="0" err="1"/>
+              <a:rPr lang="sv-SE" sz="1200" dirty="0" err="1"/>
               <a:t>XMLSchema-instance</a:t>
             </a:r>
             <a:r>
-              <a:rPr lang="sv-SE" dirty="0"/>
+              <a:rPr lang="sv-SE" sz="1200" dirty="0"/>
               <a:t>"</a:t>
             </a:r>
             <a:br>
-              <a:rPr lang="sv-SE" dirty="0"/>
+              <a:rPr lang="sv-SE" sz="1200" dirty="0"/>
             </a:br>
             <a:r>
-              <a:rPr lang="sv-SE" dirty="0"/>
+              <a:rPr lang="sv-SE" sz="1200" dirty="0"/>
               <a:t>  </a:t>
             </a:r>
             <a:r>
-              <a:rPr lang="sv-SE" dirty="0" err="1"/>
+              <a:rPr lang="sv-SE" sz="1200" dirty="0" err="1"/>
               <a:t>xsi:schemaLocation</a:t>
             </a:r>
             <a:r>
-              <a:rPr lang="sv-SE" dirty="0"/>
+              <a:rPr lang="sv-SE" sz="1200" dirty="0"/>
               <a:t>="http://</a:t>
             </a:r>
             <a:r>
-              <a:rPr lang="sv-SE" dirty="0" err="1"/>
+              <a:rPr lang="sv-SE" sz="1200" dirty="0" err="1"/>
               <a:t>maven.apache.org</a:t>
             </a:r>
             <a:r>
-              <a:rPr lang="sv-SE" dirty="0"/>
+              <a:rPr lang="sv-SE" sz="1200" dirty="0"/>
               <a:t>/POM/4.0.0 http://</a:t>
             </a:r>
             <a:r>
-              <a:rPr lang="sv-SE" dirty="0" err="1"/>
+              <a:rPr lang="sv-SE" sz="1200" dirty="0" err="1"/>
               <a:t>maven.apache.org</a:t>
             </a:r>
             <a:r>
-              <a:rPr lang="sv-SE" dirty="0"/>
+              <a:rPr lang="sv-SE" sz="1200" dirty="0"/>
               <a:t>/</a:t>
             </a:r>
             <a:r>
-              <a:rPr lang="sv-SE" dirty="0" err="1"/>
+              <a:rPr lang="sv-SE" sz="1200" dirty="0" err="1"/>
               <a:t>xsd</a:t>
             </a:r>
             <a:r>
-              <a:rPr lang="sv-SE" dirty="0"/>
+              <a:rPr lang="sv-SE" sz="1200" dirty="0"/>
               <a:t>/maven-4.0.0.xsd"&gt;</a:t>
             </a:r>
             <a:br>
-              <a:rPr lang="sv-SE" dirty="0"/>
+              <a:rPr lang="sv-SE" sz="1200" dirty="0"/>
             </a:br>
             <a:r>
-              <a:rPr lang="sv-SE" dirty="0"/>
+              <a:rPr lang="sv-SE" sz="1200" dirty="0"/>
               <a:t>  &lt;</a:t>
             </a:r>
             <a:r>
-              <a:rPr lang="sv-SE" dirty="0" err="1"/>
+              <a:rPr lang="sv-SE" sz="1200" dirty="0" err="1"/>
               <a:t>modelVersion</a:t>
             </a:r>
             <a:r>
-              <a:rPr lang="sv-SE" dirty="0"/>
+              <a:rPr lang="sv-SE" sz="1200" dirty="0"/>
               <a:t>&gt;4.0.0&lt;/</a:t>
             </a:r>
             <a:r>
-              <a:rPr lang="sv-SE" dirty="0" err="1"/>
+              <a:rPr lang="sv-SE" sz="1200" dirty="0" err="1"/>
               <a:t>modelVersion</a:t>
             </a:r>
             <a:r>
-              <a:rPr lang="sv-SE" dirty="0"/>
+              <a:rPr lang="sv-SE" sz="1200" dirty="0"/>
               <a:t>&gt;</a:t>
             </a:r>
             <a:br>
-              <a:rPr lang="sv-SE" dirty="0"/>
+              <a:rPr lang="sv-SE" sz="1200" dirty="0"/>
             </a:br>
             <a:br>
-              <a:rPr lang="sv-SE" dirty="0"/>
+              <a:rPr lang="sv-SE" sz="1200" dirty="0"/>
             </a:br>
             <a:r>
-              <a:rPr lang="sv-SE" dirty="0"/>
+              <a:rPr lang="sv-SE" sz="1200" dirty="0"/>
               <a:t>  &lt;</a:t>
             </a:r>
             <a:r>
-              <a:rPr lang="sv-SE" dirty="0" err="1"/>
+              <a:rPr lang="sv-SE" sz="1200" dirty="0" err="1"/>
               <a:t>groupId</a:t>
             </a:r>
             <a:r>
-              <a:rPr lang="sv-SE" dirty="0"/>
+              <a:rPr lang="sv-SE" sz="1200" dirty="0"/>
               <a:t>&gt;se.inte.group5&lt;/</a:t>
             </a:r>
             <a:r>
-              <a:rPr lang="sv-SE" dirty="0" err="1"/>
+              <a:rPr lang="sv-SE" sz="1200" dirty="0" err="1"/>
               <a:t>groupId</a:t>
             </a:r>
             <a:r>
-              <a:rPr lang="sv-SE" dirty="0"/>
+              <a:rPr lang="sv-SE" sz="1200" dirty="0"/>
               <a:t>&gt;</a:t>
             </a:r>
             <a:br>
-              <a:rPr lang="sv-SE" dirty="0"/>
+              <a:rPr lang="sv-SE" sz="1200" dirty="0"/>
             </a:br>
             <a:r>
-              <a:rPr lang="sv-SE" dirty="0"/>
+              <a:rPr lang="sv-SE" sz="1200" dirty="0"/>
               <a:t>  &lt;</a:t>
             </a:r>
             <a:r>
-              <a:rPr lang="sv-SE" dirty="0" err="1"/>
+              <a:rPr lang="sv-SE" sz="1200" dirty="0" err="1"/>
               <a:t>artifactId</a:t>
             </a:r>
             <a:r>
-              <a:rPr lang="sv-SE" dirty="0"/>
+              <a:rPr lang="sv-SE" sz="1200" dirty="0"/>
               <a:t>&gt;</a:t>
             </a:r>
             <a:r>
-              <a:rPr lang="sv-SE" dirty="0" err="1"/>
+              <a:rPr lang="sv-SE" sz="1200" dirty="0" err="1"/>
               <a:t>InteGame</a:t>
             </a:r>
             <a:r>
-              <a:rPr lang="sv-SE" dirty="0"/>
+              <a:rPr lang="sv-SE" sz="1200" dirty="0"/>
               <a:t>&lt;/</a:t>
             </a:r>
             <a:r>
-              <a:rPr lang="sv-SE" dirty="0" err="1"/>
+              <a:rPr lang="sv-SE" sz="1200" dirty="0" err="1"/>
               <a:t>artifactId</a:t>
             </a:r>
             <a:r>
-              <a:rPr lang="sv-SE" dirty="0"/>
+              <a:rPr lang="sv-SE" sz="1200" dirty="0"/>
               <a:t>&gt;</a:t>
             </a:r>
             <a:br>
-              <a:rPr lang="sv-SE" dirty="0"/>
+              <a:rPr lang="sv-SE" sz="1200" dirty="0"/>
             </a:br>
             <a:r>
-              <a:rPr lang="sv-SE" dirty="0"/>
+              <a:rPr lang="sv-SE" sz="1200" dirty="0"/>
               <a:t>  &lt;version&gt;1.0-SNAPSHOT&lt;/version&gt;</a:t>
             </a:r>
             <a:br>
-              <a:rPr lang="sv-SE" dirty="0"/>
+              <a:rPr lang="sv-SE" sz="1200" dirty="0"/>
             </a:br>
             <a:br>
-              <a:rPr lang="sv-SE" dirty="0"/>
+              <a:rPr lang="sv-SE" sz="1200" dirty="0"/>
             </a:br>
             <a:r>
-              <a:rPr lang="sv-SE" dirty="0"/>
+              <a:rPr lang="sv-SE" sz="1200" dirty="0"/>
               <a:t>  &lt;</a:t>
             </a:r>
             <a:r>
-              <a:rPr lang="sv-SE" dirty="0" err="1"/>
+              <a:rPr lang="sv-SE" sz="1200" dirty="0" err="1"/>
               <a:t>name</a:t>
             </a:r>
             <a:r>
-              <a:rPr lang="sv-SE" dirty="0"/>
+              <a:rPr lang="sv-SE" sz="1200" dirty="0"/>
               <a:t>&gt;</a:t>
             </a:r>
             <a:r>
-              <a:rPr lang="sv-SE" dirty="0" err="1"/>
+              <a:rPr lang="sv-SE" sz="1200" dirty="0" err="1"/>
               <a:t>InteGame</a:t>
             </a:r>
             <a:r>
-              <a:rPr lang="sv-SE" dirty="0"/>
+              <a:rPr lang="sv-SE" sz="1200" dirty="0"/>
               <a:t>&lt;/</a:t>
             </a:r>
             <a:r>
-              <a:rPr lang="sv-SE" dirty="0" err="1"/>
+              <a:rPr lang="sv-SE" sz="1200" dirty="0" err="1"/>
               <a:t>name</a:t>
             </a:r>
             <a:r>
-              <a:rPr lang="sv-SE" dirty="0"/>
+              <a:rPr lang="sv-SE" sz="1200" dirty="0"/>
               <a:t>&gt;</a:t>
             </a:r>
             <a:br>
-              <a:rPr lang="sv-SE" dirty="0"/>
+              <a:rPr lang="sv-SE" sz="1200" dirty="0"/>
             </a:br>
             <a:r>
-              <a:rPr lang="sv-SE" dirty="0"/>
+              <a:rPr lang="sv-SE" sz="1200" dirty="0"/>
               <a:t>  &lt;!-- </a:t>
             </a:r>
             <a:r>
-              <a:rPr lang="sv-SE" i="1" dirty="0"/>
+              <a:rPr lang="sv-SE" sz="1200" i="1" dirty="0"/>
               <a:t>FIXME </a:t>
             </a:r>
             <a:r>
-              <a:rPr lang="sv-SE" i="1" dirty="0" err="1"/>
+              <a:rPr lang="sv-SE" sz="1200" i="1" dirty="0" err="1"/>
               <a:t>change</a:t>
             </a:r>
             <a:r>
-              <a:rPr lang="sv-SE" i="1" dirty="0"/>
+              <a:rPr lang="sv-SE" sz="1200" i="1" dirty="0"/>
               <a:t> it to the </a:t>
             </a:r>
             <a:r>
-              <a:rPr lang="sv-SE" i="1" dirty="0" err="1"/>
+              <a:rPr lang="sv-SE" sz="1200" i="1" dirty="0" err="1"/>
               <a:t>project's</a:t>
             </a:r>
             <a:r>
-              <a:rPr lang="sv-SE" i="1" dirty="0"/>
+              <a:rPr lang="sv-SE" sz="1200" i="1" dirty="0"/>
               <a:t> </a:t>
             </a:r>
             <a:r>
-              <a:rPr lang="sv-SE" i="1" dirty="0" err="1"/>
+              <a:rPr lang="sv-SE" sz="1200" i="1" dirty="0" err="1"/>
               <a:t>website</a:t>
             </a:r>
             <a:r>
-              <a:rPr lang="sv-SE" i="1" dirty="0"/>
+              <a:rPr lang="sv-SE" sz="1200" i="1" dirty="0"/>
               <a:t> </a:t>
             </a:r>
             <a:r>
-              <a:rPr lang="sv-SE" dirty="0"/>
+              <a:rPr lang="sv-SE" sz="1200" dirty="0"/>
               <a:t>--&gt;</a:t>
             </a:r>
             <a:br>
-              <a:rPr lang="sv-SE" dirty="0"/>
+              <a:rPr lang="sv-SE" sz="1200" dirty="0"/>
             </a:br>
             <a:r>
-              <a:rPr lang="sv-SE" dirty="0"/>
+              <a:rPr lang="sv-SE" sz="1200" dirty="0"/>
               <a:t>  &lt;</a:t>
             </a:r>
             <a:r>
-              <a:rPr lang="sv-SE" dirty="0" err="1"/>
+              <a:rPr lang="sv-SE" sz="1200" dirty="0" err="1"/>
               <a:t>url</a:t>
             </a:r>
             <a:r>
-              <a:rPr lang="sv-SE" dirty="0"/>
+              <a:rPr lang="sv-SE" sz="1200" dirty="0"/>
               <a:t>&gt;http://</a:t>
             </a:r>
             <a:r>
-              <a:rPr lang="sv-SE" dirty="0" err="1"/>
+              <a:rPr lang="sv-SE" sz="1200" dirty="0" err="1"/>
               <a:t>www.example.com</a:t>
             </a:r>
             <a:r>
-              <a:rPr lang="sv-SE" dirty="0"/>
+              <a:rPr lang="sv-SE" sz="1200" dirty="0"/>
               <a:t>&lt;/</a:t>
             </a:r>
             <a:r>
-              <a:rPr lang="sv-SE" dirty="0" err="1"/>
+              <a:rPr lang="sv-SE" sz="1200" dirty="0" err="1"/>
               <a:t>url</a:t>
             </a:r>
             <a:r>
-              <a:rPr lang="sv-SE" dirty="0"/>
+              <a:rPr lang="sv-SE" sz="1200" dirty="0"/>
               <a:t>&gt;</a:t>
             </a:r>
             <a:br>
-              <a:rPr lang="sv-SE" dirty="0"/>
+              <a:rPr lang="sv-SE" sz="1200" dirty="0"/>
             </a:br>
             <a:br>
-              <a:rPr lang="sv-SE" dirty="0"/>
+              <a:rPr lang="sv-SE" sz="1200" dirty="0"/>
             </a:br>
             <a:r>
-              <a:rPr lang="sv-SE" dirty="0"/>
+              <a:rPr lang="sv-SE" sz="1200" dirty="0"/>
               <a:t>  &lt;</a:t>
             </a:r>
             <a:r>
-              <a:rPr lang="sv-SE" dirty="0" err="1"/>
+              <a:rPr lang="sv-SE" sz="1200" dirty="0" err="1"/>
               <a:t>properties</a:t>
             </a:r>
             <a:r>
-              <a:rPr lang="sv-SE" dirty="0"/>
+              <a:rPr lang="sv-SE" sz="1200" dirty="0"/>
               <a:t>&gt;</a:t>
             </a:r>
             <a:br>
-              <a:rPr lang="sv-SE" dirty="0"/>
+              <a:rPr lang="sv-SE" sz="1200" dirty="0"/>
             </a:br>
             <a:r>
-              <a:rPr lang="sv-SE" dirty="0"/>
+              <a:rPr lang="sv-SE" sz="1200" dirty="0"/>
               <a:t>    &lt;</a:t>
             </a:r>
             <a:r>
-              <a:rPr lang="sv-SE" dirty="0" err="1"/>
+              <a:rPr lang="sv-SE" sz="1200" dirty="0" err="1"/>
               <a:t>project.build.sourceEncoding</a:t>
             </a:r>
             <a:r>
-              <a:rPr lang="sv-SE" dirty="0"/>
+              <a:rPr lang="sv-SE" sz="1200" dirty="0"/>
               <a:t>&gt;UTF-8&lt;/</a:t>
             </a:r>
             <a:r>
-              <a:rPr lang="sv-SE" dirty="0" err="1"/>
+              <a:rPr lang="sv-SE" sz="1200" dirty="0" err="1"/>
               <a:t>project.build.sourceEncoding</a:t>
             </a:r>
             <a:r>
-              <a:rPr lang="sv-SE" dirty="0"/>
+              <a:rPr lang="sv-SE" sz="1200" dirty="0"/>
               <a:t>&gt;</a:t>
             </a:r>
             <a:br>
-              <a:rPr lang="sv-SE" dirty="0"/>
+              <a:rPr lang="sv-SE" sz="1200" dirty="0"/>
             </a:br>
             <a:r>
-              <a:rPr lang="sv-SE" dirty="0"/>
+              <a:rPr lang="sv-SE" sz="1200" dirty="0"/>
               <a:t>    &lt;</a:t>
             </a:r>
             <a:r>
-              <a:rPr lang="sv-SE" dirty="0" err="1"/>
+              <a:rPr lang="sv-SE" sz="1200" dirty="0" err="1"/>
               <a:t>maven.compiler.source</a:t>
             </a:r>
             <a:r>
-              <a:rPr lang="sv-SE" dirty="0"/>
+              <a:rPr lang="sv-SE" sz="1200" dirty="0"/>
               <a:t>&gt;1.7&lt;/</a:t>
             </a:r>
             <a:r>
-              <a:rPr lang="sv-SE" dirty="0" err="1"/>
+              <a:rPr lang="sv-SE" sz="1200" dirty="0" err="1"/>
               <a:t>maven.compiler.source</a:t>
             </a:r>
             <a:r>
-              <a:rPr lang="sv-SE" dirty="0"/>
+              <a:rPr lang="sv-SE" sz="1200" dirty="0"/>
               <a:t>&gt;</a:t>
             </a:r>
             <a:br>
-              <a:rPr lang="sv-SE" dirty="0"/>
+              <a:rPr lang="sv-SE" sz="1200" dirty="0"/>
             </a:br>
             <a:r>
-              <a:rPr lang="sv-SE" dirty="0"/>
+              <a:rPr lang="sv-SE" sz="1200" dirty="0"/>
               <a:t>    &lt;</a:t>
             </a:r>
             <a:r>
-              <a:rPr lang="sv-SE" dirty="0" err="1"/>
+              <a:rPr lang="sv-SE" sz="1200" dirty="0" err="1"/>
               <a:t>maven.compiler.target</a:t>
             </a:r>
             <a:r>
-              <a:rPr lang="sv-SE" dirty="0"/>
+              <a:rPr lang="sv-SE" sz="1200" dirty="0"/>
               <a:t>&gt;1.7&lt;/</a:t>
             </a:r>
             <a:r>
-              <a:rPr lang="sv-SE" dirty="0" err="1"/>
+              <a:rPr lang="sv-SE" sz="1200" dirty="0" err="1"/>
               <a:t>maven.compiler.target</a:t>
             </a:r>
             <a:r>
-              <a:rPr lang="sv-SE" dirty="0"/>
+              <a:rPr lang="sv-SE" sz="1200" dirty="0"/>
               <a:t>&gt;</a:t>
             </a:r>
             <a:br>
-              <a:rPr lang="sv-SE" dirty="0"/>
+              <a:rPr lang="sv-SE" sz="1200" dirty="0"/>
             </a:br>
             <a:r>
-              <a:rPr lang="sv-SE" dirty="0"/>
+              <a:rPr lang="sv-SE" sz="1200" dirty="0"/>
               <a:t>  &lt;/</a:t>
             </a:r>
             <a:r>
-              <a:rPr lang="sv-SE" dirty="0" err="1"/>
+              <a:rPr lang="sv-SE" sz="1200" dirty="0" err="1"/>
               <a:t>properties</a:t>
             </a:r>
             <a:r>
-              <a:rPr lang="sv-SE" dirty="0"/>
+              <a:rPr lang="sv-SE" sz="1200" dirty="0"/>
               <a:t>&gt;</a:t>
             </a:r>
             <a:br>
-              <a:rPr lang="sv-SE" dirty="0"/>
+              <a:rPr lang="sv-SE" sz="1200" dirty="0"/>
             </a:br>
             <a:br>
-              <a:rPr lang="sv-SE" dirty="0"/>
+              <a:rPr lang="sv-SE" sz="1200" dirty="0"/>
             </a:br>
             <a:r>
-              <a:rPr lang="sv-SE" dirty="0"/>
+              <a:rPr lang="sv-SE" sz="1200" dirty="0"/>
               <a:t>  &lt;</a:t>
             </a:r>
             <a:r>
-              <a:rPr lang="sv-SE" dirty="0" err="1"/>
+              <a:rPr lang="sv-SE" sz="1200" dirty="0" err="1"/>
               <a:t>dependencies</a:t>
             </a:r>
             <a:r>
-              <a:rPr lang="sv-SE" dirty="0"/>
+              <a:rPr lang="sv-SE" sz="1200" dirty="0"/>
               <a:t>&gt;</a:t>
             </a:r>
             <a:br>
-              <a:rPr lang="sv-SE" dirty="0"/>
+              <a:rPr lang="sv-SE" sz="1200" dirty="0"/>
             </a:br>
             <a:r>
-              <a:rPr lang="sv-SE" dirty="0"/>
+              <a:rPr lang="sv-SE" sz="1200" dirty="0"/>
               <a:t>    &lt;</a:t>
             </a:r>
             <a:r>
-              <a:rPr lang="sv-SE" dirty="0" err="1"/>
+              <a:rPr lang="sv-SE" sz="1200" dirty="0" err="1"/>
               <a:t>dependency</a:t>
             </a:r>
             <a:r>
-              <a:rPr lang="sv-SE" dirty="0"/>
+              <a:rPr lang="sv-SE" sz="1200" dirty="0"/>
               <a:t>&gt;</a:t>
             </a:r>
             <a:br>
-              <a:rPr lang="sv-SE" dirty="0"/>
+              <a:rPr lang="sv-SE" sz="1200" dirty="0"/>
             </a:br>
             <a:r>
-              <a:rPr lang="sv-SE" dirty="0"/>
+              <a:rPr lang="sv-SE" sz="1200" dirty="0"/>
               <a:t>      &lt;</a:t>
             </a:r>
             <a:r>
-              <a:rPr lang="sv-SE" dirty="0" err="1"/>
+              <a:rPr lang="sv-SE" sz="1200" dirty="0" err="1"/>
               <a:t>groupId</a:t>
             </a:r>
             <a:r>
-              <a:rPr lang="sv-SE" dirty="0"/>
+              <a:rPr lang="sv-SE" sz="1200" dirty="0"/>
               <a:t>&gt;</a:t>
             </a:r>
             <a:r>
-              <a:rPr lang="sv-SE" dirty="0" err="1"/>
+              <a:rPr lang="sv-SE" sz="1200" dirty="0" err="1"/>
               <a:t>junit</a:t>
             </a:r>
             <a:r>
-              <a:rPr lang="sv-SE" dirty="0"/>
+              <a:rPr lang="sv-SE" sz="1200" dirty="0"/>
               <a:t>&lt;/</a:t>
             </a:r>
             <a:r>
-              <a:rPr lang="sv-SE" dirty="0" err="1"/>
+              <a:rPr lang="sv-SE" sz="1200" dirty="0" err="1"/>
               <a:t>groupId</a:t>
             </a:r>
             <a:r>
-              <a:rPr lang="sv-SE" dirty="0"/>
+              <a:rPr lang="sv-SE" sz="1200" dirty="0"/>
               <a:t>&gt;</a:t>
             </a:r>
             <a:br>
-              <a:rPr lang="sv-SE" dirty="0"/>
+              <a:rPr lang="sv-SE" sz="1200" dirty="0"/>
             </a:br>
             <a:r>
-              <a:rPr lang="sv-SE" dirty="0"/>
+              <a:rPr lang="sv-SE" sz="1200" dirty="0"/>
               <a:t>      &lt;</a:t>
             </a:r>
             <a:r>
-              <a:rPr lang="sv-SE" dirty="0" err="1"/>
+              <a:rPr lang="sv-SE" sz="1200" dirty="0" err="1"/>
               <a:t>artifactId</a:t>
             </a:r>
             <a:r>
-              <a:rPr lang="sv-SE" dirty="0"/>
+              <a:rPr lang="sv-SE" sz="1200" dirty="0"/>
               <a:t>&gt;</a:t>
             </a:r>
             <a:r>
-              <a:rPr lang="sv-SE" dirty="0" err="1"/>
+              <a:rPr lang="sv-SE" sz="1200" dirty="0" err="1"/>
               <a:t>junit</a:t>
             </a:r>
             <a:r>
-              <a:rPr lang="sv-SE" dirty="0"/>
+              <a:rPr lang="sv-SE" sz="1200" dirty="0"/>
               <a:t>&lt;/</a:t>
             </a:r>
             <a:r>
-              <a:rPr lang="sv-SE" dirty="0" err="1"/>
+              <a:rPr lang="sv-SE" sz="1200" dirty="0" err="1"/>
               <a:t>artifactId</a:t>
             </a:r>
             <a:r>
-              <a:rPr lang="sv-SE" dirty="0"/>
+              <a:rPr lang="sv-SE" sz="1200" dirty="0"/>
               <a:t>&gt;</a:t>
             </a:r>
             <a:br>
-              <a:rPr lang="sv-SE" dirty="0"/>
+              <a:rPr lang="sv-SE" sz="1200" dirty="0"/>
             </a:br>
             <a:r>
-              <a:rPr lang="sv-SE" dirty="0"/>
+              <a:rPr lang="sv-SE" sz="1200" dirty="0"/>
               <a:t>      &lt;version&gt;4.11&lt;/version&gt;</a:t>
             </a:r>
             <a:br>
-              <a:rPr lang="sv-SE" dirty="0"/>
+              <a:rPr lang="sv-SE" sz="1200" dirty="0"/>
             </a:br>
             <a:r>
-              <a:rPr lang="sv-SE" dirty="0"/>
+              <a:rPr lang="sv-SE" sz="1200" dirty="0"/>
               <a:t>      &lt;</a:t>
             </a:r>
             <a:r>
-              <a:rPr lang="sv-SE" dirty="0" err="1"/>
+              <a:rPr lang="sv-SE" sz="1200" dirty="0" err="1"/>
               <a:t>scope</a:t>
             </a:r>
             <a:r>
-              <a:rPr lang="sv-SE" dirty="0"/>
+              <a:rPr lang="sv-SE" sz="1200" dirty="0"/>
               <a:t>&gt;test&lt;/</a:t>
             </a:r>
             <a:r>
-              <a:rPr lang="sv-SE" dirty="0" err="1"/>
+              <a:rPr lang="sv-SE" sz="1200" dirty="0" err="1"/>
               <a:t>scope</a:t>
             </a:r>
             <a:r>
-              <a:rPr lang="sv-SE" dirty="0"/>
+              <a:rPr lang="sv-SE" sz="1200" dirty="0"/>
               <a:t>&gt;</a:t>
             </a:r>
             <a:br>
-              <a:rPr lang="sv-SE" dirty="0"/>
+              <a:rPr lang="sv-SE" sz="1200" dirty="0"/>
             </a:br>
             <a:r>
-              <a:rPr lang="sv-SE" dirty="0"/>
+              <a:rPr lang="sv-SE" sz="1200" dirty="0"/>
               <a:t>    &lt;/</a:t>
             </a:r>
             <a:r>
-              <a:rPr lang="sv-SE" dirty="0" err="1"/>
+              <a:rPr lang="sv-SE" sz="1200" dirty="0" err="1"/>
               <a:t>dependency</a:t>
             </a:r>
             <a:r>
-              <a:rPr lang="sv-SE" dirty="0"/>
+              <a:rPr lang="sv-SE" sz="1200" dirty="0"/>
               <a:t>&gt;</a:t>
             </a:r>
             <a:br>
-              <a:rPr lang="sv-SE" dirty="0"/>
+              <a:rPr lang="sv-SE" sz="1200" dirty="0"/>
             </a:br>
             <a:r>
-              <a:rPr lang="sv-SE" dirty="0"/>
+              <a:rPr lang="sv-SE" sz="1200" dirty="0"/>
               <a:t>  &lt;/</a:t>
             </a:r>
             <a:r>
-              <a:rPr lang="sv-SE" dirty="0" err="1"/>
+              <a:rPr lang="sv-SE" sz="1200" dirty="0" err="1"/>
               <a:t>dependencies</a:t>
             </a:r>
             <a:r>
-              <a:rPr lang="sv-SE" dirty="0"/>
+              <a:rPr lang="sv-SE" sz="1200" dirty="0"/>
               <a:t>&gt;</a:t>
             </a:r>
             <a:br>
-              <a:rPr lang="sv-SE" dirty="0"/>
+              <a:rPr lang="sv-SE" sz="1300" dirty="0"/>
             </a:br>
-            <a:br>
-              <a:rPr lang="sv-SE" dirty="0"/>
-            </a:br>
-            <a:r>
-              <a:rPr lang="sv-SE" dirty="0"/>
-              <a:t>  &lt;</a:t>
-            </a:r>
-            <a:r>
-              <a:rPr lang="sv-SE" dirty="0" err="1"/>
-              <a:t>build</a:t>
-            </a:r>
-            <a:r>
-              <a:rPr lang="sv-SE" dirty="0"/>
-              <a:t>&gt;</a:t>
-            </a:r>
-            <a:br>
-              <a:rPr lang="sv-SE" dirty="0"/>
-            </a:br>
-            <a:r>
-              <a:rPr lang="sv-SE" dirty="0"/>
-              <a:t>    &lt;</a:t>
-            </a:r>
-            <a:r>
-              <a:rPr lang="sv-SE" dirty="0" err="1"/>
-              <a:t>pluginManagement</a:t>
-            </a:r>
-            <a:r>
-              <a:rPr lang="sv-SE" dirty="0"/>
-              <a:t>&gt;&lt;!-- lock down </a:t>
-            </a:r>
-            <a:r>
-              <a:rPr lang="sv-SE" dirty="0" err="1"/>
-              <a:t>plugins</a:t>
-            </a:r>
-            <a:r>
-              <a:rPr lang="sv-SE" dirty="0"/>
-              <a:t> versions to </a:t>
-            </a:r>
-            <a:r>
-              <a:rPr lang="sv-SE" dirty="0" err="1"/>
-              <a:t>avoid</a:t>
-            </a:r>
-            <a:r>
-              <a:rPr lang="sv-SE" dirty="0"/>
-              <a:t> </a:t>
-            </a:r>
-            <a:r>
-              <a:rPr lang="sv-SE" dirty="0" err="1"/>
-              <a:t>using</a:t>
-            </a:r>
-            <a:r>
-              <a:rPr lang="sv-SE" dirty="0"/>
-              <a:t> </a:t>
-            </a:r>
-            <a:r>
-              <a:rPr lang="sv-SE" dirty="0" err="1"/>
-              <a:t>Maven</a:t>
-            </a:r>
-            <a:r>
-              <a:rPr lang="sv-SE" dirty="0"/>
-              <a:t> </a:t>
-            </a:r>
-            <a:r>
-              <a:rPr lang="sv-SE" dirty="0" err="1"/>
-              <a:t>defaults</a:t>
-            </a:r>
-            <a:r>
-              <a:rPr lang="sv-SE" dirty="0"/>
-              <a:t> (</a:t>
-            </a:r>
-            <a:r>
-              <a:rPr lang="sv-SE" dirty="0" err="1"/>
-              <a:t>may</a:t>
-            </a:r>
-            <a:r>
-              <a:rPr lang="sv-SE" dirty="0"/>
-              <a:t> be </a:t>
-            </a:r>
-            <a:r>
-              <a:rPr lang="sv-SE" dirty="0" err="1"/>
-              <a:t>moved</a:t>
-            </a:r>
-            <a:r>
-              <a:rPr lang="sv-SE" dirty="0"/>
-              <a:t> to </a:t>
-            </a:r>
-            <a:r>
-              <a:rPr lang="sv-SE" dirty="0" err="1"/>
-              <a:t>parent</a:t>
-            </a:r>
-            <a:r>
-              <a:rPr lang="sv-SE" dirty="0"/>
-              <a:t> </a:t>
-            </a:r>
-            <a:r>
-              <a:rPr lang="sv-SE" dirty="0" err="1"/>
-              <a:t>pom</a:t>
-            </a:r>
-            <a:r>
-              <a:rPr lang="sv-SE" dirty="0"/>
-              <a:t>) --&gt;</a:t>
-            </a:r>
-            <a:br>
-              <a:rPr lang="sv-SE" dirty="0"/>
-            </a:br>
-            <a:r>
-              <a:rPr lang="sv-SE" dirty="0"/>
-              <a:t>      &lt;</a:t>
-            </a:r>
-            <a:r>
-              <a:rPr lang="sv-SE" dirty="0" err="1"/>
-              <a:t>plugins</a:t>
-            </a:r>
-            <a:r>
-              <a:rPr lang="sv-SE" dirty="0"/>
-              <a:t>&gt;</a:t>
-            </a:r>
-            <a:br>
-              <a:rPr lang="sv-SE" dirty="0"/>
-            </a:br>
-            <a:r>
-              <a:rPr lang="sv-SE" dirty="0"/>
-              <a:t>        &lt;plugin&gt;</a:t>
-            </a:r>
-            <a:br>
-              <a:rPr lang="sv-SE" dirty="0"/>
-            </a:br>
-            <a:r>
-              <a:rPr lang="sv-SE" dirty="0"/>
-              <a:t>          &lt;</a:t>
-            </a:r>
-            <a:r>
-              <a:rPr lang="sv-SE" dirty="0" err="1"/>
-              <a:t>artifactId</a:t>
-            </a:r>
-            <a:r>
-              <a:rPr lang="sv-SE" dirty="0"/>
-              <a:t>&gt;</a:t>
-            </a:r>
-            <a:r>
-              <a:rPr lang="sv-SE" dirty="0" err="1"/>
-              <a:t>maven</a:t>
-            </a:r>
-            <a:r>
-              <a:rPr lang="sv-SE" dirty="0"/>
-              <a:t>-</a:t>
-            </a:r>
-            <a:r>
-              <a:rPr lang="sv-SE" dirty="0" err="1"/>
-              <a:t>clean</a:t>
-            </a:r>
-            <a:r>
-              <a:rPr lang="sv-SE" dirty="0"/>
-              <a:t>-plugin&lt;/</a:t>
-            </a:r>
-            <a:r>
-              <a:rPr lang="sv-SE" dirty="0" err="1"/>
-              <a:t>artifactId</a:t>
-            </a:r>
-            <a:r>
-              <a:rPr lang="sv-SE" dirty="0"/>
-              <a:t>&gt;</a:t>
-            </a:r>
-            <a:br>
-              <a:rPr lang="sv-SE" dirty="0"/>
-            </a:br>
-            <a:r>
-              <a:rPr lang="sv-SE" dirty="0"/>
-              <a:t>          &lt;version&gt;3.0.0&lt;/version&gt;</a:t>
-            </a:r>
-            <a:br>
-              <a:rPr lang="sv-SE" dirty="0"/>
-            </a:br>
-            <a:r>
-              <a:rPr lang="sv-SE" dirty="0"/>
-              <a:t>        &lt;/plugin&gt;</a:t>
-            </a:r>
-            <a:br>
-              <a:rPr lang="sv-SE" dirty="0"/>
-            </a:br>
-            <a:r>
-              <a:rPr lang="sv-SE" dirty="0"/>
-              <a:t>        &lt;!-- </a:t>
-            </a:r>
-            <a:r>
-              <a:rPr lang="sv-SE" dirty="0" err="1"/>
-              <a:t>see</a:t>
-            </a:r>
-            <a:r>
-              <a:rPr lang="sv-SE" dirty="0"/>
-              <a:t> http://</a:t>
-            </a:r>
-            <a:r>
-              <a:rPr lang="sv-SE" dirty="0" err="1"/>
-              <a:t>maven.apache.org</a:t>
-            </a:r>
-            <a:r>
-              <a:rPr lang="sv-SE" dirty="0"/>
-              <a:t>/ref/</a:t>
-            </a:r>
-            <a:r>
-              <a:rPr lang="sv-SE" dirty="0" err="1"/>
-              <a:t>current</a:t>
-            </a:r>
-            <a:r>
-              <a:rPr lang="sv-SE" dirty="0"/>
-              <a:t>/</a:t>
-            </a:r>
-            <a:r>
-              <a:rPr lang="sv-SE" dirty="0" err="1"/>
-              <a:t>maven-core</a:t>
-            </a:r>
-            <a:r>
-              <a:rPr lang="sv-SE" dirty="0"/>
-              <a:t>/</a:t>
-            </a:r>
-            <a:r>
-              <a:rPr lang="sv-SE" dirty="0" err="1"/>
-              <a:t>default-bindings.html#Plugin_bindings_for_jar_packaging</a:t>
-            </a:r>
-            <a:r>
-              <a:rPr lang="sv-SE" dirty="0"/>
-              <a:t> --&gt;</a:t>
-            </a:r>
-            <a:br>
-              <a:rPr lang="sv-SE" dirty="0"/>
-            </a:br>
-            <a:r>
-              <a:rPr lang="sv-SE" dirty="0"/>
-              <a:t>        &lt;plugin&gt;</a:t>
-            </a:r>
-            <a:br>
-              <a:rPr lang="sv-SE" dirty="0"/>
-            </a:br>
-            <a:r>
-              <a:rPr lang="sv-SE" dirty="0"/>
-              <a:t>          &lt;</a:t>
-            </a:r>
-            <a:r>
-              <a:rPr lang="sv-SE" dirty="0" err="1"/>
-              <a:t>artifactId</a:t>
-            </a:r>
-            <a:r>
-              <a:rPr lang="sv-SE" dirty="0"/>
-              <a:t>&gt;</a:t>
-            </a:r>
-            <a:r>
-              <a:rPr lang="sv-SE" dirty="0" err="1"/>
-              <a:t>maven</a:t>
-            </a:r>
-            <a:r>
-              <a:rPr lang="sv-SE" dirty="0"/>
-              <a:t>-</a:t>
-            </a:r>
-            <a:r>
-              <a:rPr lang="sv-SE" dirty="0" err="1"/>
-              <a:t>resources</a:t>
-            </a:r>
-            <a:r>
-              <a:rPr lang="sv-SE" dirty="0"/>
-              <a:t>-plugin&lt;/</a:t>
-            </a:r>
-            <a:r>
-              <a:rPr lang="sv-SE" dirty="0" err="1"/>
-              <a:t>artifactId</a:t>
-            </a:r>
-            <a:r>
-              <a:rPr lang="sv-SE" dirty="0"/>
-              <a:t>&gt;</a:t>
-            </a:r>
-            <a:br>
-              <a:rPr lang="sv-SE" dirty="0"/>
-            </a:br>
-            <a:r>
-              <a:rPr lang="sv-SE" dirty="0"/>
-              <a:t>          &lt;version&gt;3.0.2&lt;/version&gt;</a:t>
-            </a:r>
-            <a:br>
-              <a:rPr lang="sv-SE" dirty="0"/>
-            </a:br>
-            <a:r>
-              <a:rPr lang="sv-SE" dirty="0"/>
-              <a:t>        &lt;/plugin&gt;</a:t>
-            </a:r>
-            <a:br>
-              <a:rPr lang="sv-SE" dirty="0"/>
-            </a:br>
-            <a:r>
-              <a:rPr lang="sv-SE" dirty="0"/>
-              <a:t>        &lt;plugin&gt;</a:t>
-            </a:r>
-            <a:br>
-              <a:rPr lang="sv-SE" dirty="0"/>
-            </a:br>
-            <a:r>
-              <a:rPr lang="sv-SE" dirty="0"/>
-              <a:t>          &lt;</a:t>
-            </a:r>
-            <a:r>
-              <a:rPr lang="sv-SE" dirty="0" err="1"/>
-              <a:t>artifactId</a:t>
-            </a:r>
-            <a:r>
-              <a:rPr lang="sv-SE" dirty="0"/>
-              <a:t>&gt;</a:t>
-            </a:r>
-            <a:r>
-              <a:rPr lang="sv-SE" dirty="0" err="1"/>
-              <a:t>maven</a:t>
-            </a:r>
-            <a:r>
-              <a:rPr lang="sv-SE" dirty="0"/>
-              <a:t>-</a:t>
-            </a:r>
-            <a:r>
-              <a:rPr lang="sv-SE" dirty="0" err="1"/>
-              <a:t>compiler</a:t>
-            </a:r>
-            <a:r>
-              <a:rPr lang="sv-SE" dirty="0"/>
-              <a:t>-plugin&lt;/</a:t>
-            </a:r>
-            <a:r>
-              <a:rPr lang="sv-SE" dirty="0" err="1"/>
-              <a:t>artifactId</a:t>
-            </a:r>
-            <a:r>
-              <a:rPr lang="sv-SE" dirty="0"/>
-              <a:t>&gt;</a:t>
-            </a:r>
-            <a:br>
-              <a:rPr lang="sv-SE" dirty="0"/>
-            </a:br>
-            <a:r>
-              <a:rPr lang="sv-SE" dirty="0"/>
-              <a:t>          &lt;version&gt;3.7.0&lt;/version&gt;</a:t>
-            </a:r>
-            <a:br>
-              <a:rPr lang="sv-SE" dirty="0"/>
-            </a:br>
-            <a:r>
-              <a:rPr lang="sv-SE" dirty="0"/>
-              <a:t>        &lt;/plugin&gt;</a:t>
-            </a:r>
-            <a:br>
-              <a:rPr lang="sv-SE" dirty="0"/>
-            </a:br>
-            <a:r>
-              <a:rPr lang="sv-SE" dirty="0"/>
-              <a:t>        &lt;plugin&gt;</a:t>
-            </a:r>
-            <a:br>
-              <a:rPr lang="sv-SE" dirty="0"/>
-            </a:br>
-            <a:r>
-              <a:rPr lang="sv-SE" dirty="0"/>
-              <a:t>          &lt;</a:t>
-            </a:r>
-            <a:r>
-              <a:rPr lang="sv-SE" dirty="0" err="1"/>
-              <a:t>artifactId</a:t>
-            </a:r>
-            <a:r>
-              <a:rPr lang="sv-SE" dirty="0"/>
-              <a:t>&gt;</a:t>
-            </a:r>
-            <a:r>
-              <a:rPr lang="sv-SE" dirty="0" err="1"/>
-              <a:t>maven</a:t>
-            </a:r>
-            <a:r>
-              <a:rPr lang="sv-SE" dirty="0"/>
-              <a:t>-</a:t>
-            </a:r>
-            <a:r>
-              <a:rPr lang="sv-SE" dirty="0" err="1"/>
-              <a:t>surefire</a:t>
-            </a:r>
-            <a:r>
-              <a:rPr lang="sv-SE" dirty="0"/>
-              <a:t>-plugin&lt;/</a:t>
-            </a:r>
-            <a:r>
-              <a:rPr lang="sv-SE" dirty="0" err="1"/>
-              <a:t>artifactId</a:t>
-            </a:r>
-            <a:r>
-              <a:rPr lang="sv-SE" dirty="0"/>
-              <a:t>&gt;</a:t>
-            </a:r>
-            <a:br>
-              <a:rPr lang="sv-SE" dirty="0"/>
-            </a:br>
-            <a:r>
-              <a:rPr lang="sv-SE" dirty="0"/>
-              <a:t>          &lt;version&gt;2.20.1&lt;/version&gt;</a:t>
-            </a:r>
-            <a:br>
-              <a:rPr lang="sv-SE" dirty="0"/>
-            </a:br>
-            <a:r>
-              <a:rPr lang="sv-SE" dirty="0"/>
-              <a:t>        &lt;/plugin&gt;</a:t>
-            </a:r>
-            <a:br>
-              <a:rPr lang="sv-SE" dirty="0"/>
-            </a:br>
-            <a:r>
-              <a:rPr lang="sv-SE" dirty="0"/>
-              <a:t>        &lt;plugin&gt;</a:t>
-            </a:r>
-            <a:br>
-              <a:rPr lang="sv-SE" dirty="0"/>
-            </a:br>
-            <a:r>
-              <a:rPr lang="sv-SE" dirty="0"/>
-              <a:t>          &lt;</a:t>
-            </a:r>
-            <a:r>
-              <a:rPr lang="sv-SE" dirty="0" err="1"/>
-              <a:t>artifactId</a:t>
-            </a:r>
-            <a:r>
-              <a:rPr lang="sv-SE" dirty="0"/>
-              <a:t>&gt;</a:t>
-            </a:r>
-            <a:r>
-              <a:rPr lang="sv-SE" dirty="0" err="1"/>
-              <a:t>maven</a:t>
-            </a:r>
-            <a:r>
-              <a:rPr lang="sv-SE" dirty="0"/>
-              <a:t>-</a:t>
-            </a:r>
-            <a:r>
-              <a:rPr lang="sv-SE" dirty="0" err="1"/>
-              <a:t>jar</a:t>
-            </a:r>
-            <a:r>
-              <a:rPr lang="sv-SE" dirty="0"/>
-              <a:t>-plugin&lt;/</a:t>
-            </a:r>
-            <a:r>
-              <a:rPr lang="sv-SE" dirty="0" err="1"/>
-              <a:t>artifactId</a:t>
-            </a:r>
-            <a:r>
-              <a:rPr lang="sv-SE" dirty="0"/>
-              <a:t>&gt;</a:t>
-            </a:r>
-            <a:br>
-              <a:rPr lang="sv-SE" dirty="0"/>
-            </a:br>
-            <a:r>
-              <a:rPr lang="sv-SE" dirty="0"/>
-              <a:t>          &lt;version&gt;3.0.2&lt;/version&gt;</a:t>
-            </a:r>
-            <a:br>
-              <a:rPr lang="sv-SE" dirty="0"/>
-            </a:br>
-            <a:r>
-              <a:rPr lang="sv-SE" dirty="0"/>
-              <a:t>        &lt;/plugin&gt;</a:t>
-            </a:r>
-            <a:br>
-              <a:rPr lang="sv-SE" dirty="0"/>
-            </a:br>
-            <a:r>
-              <a:rPr lang="sv-SE" dirty="0"/>
-              <a:t>        &lt;plugin&gt;</a:t>
-            </a:r>
-            <a:br>
-              <a:rPr lang="sv-SE" dirty="0"/>
-            </a:br>
-            <a:r>
-              <a:rPr lang="sv-SE" dirty="0"/>
-              <a:t>          &lt;</a:t>
-            </a:r>
-            <a:r>
-              <a:rPr lang="sv-SE" dirty="0" err="1"/>
-              <a:t>artifactId</a:t>
-            </a:r>
-            <a:r>
-              <a:rPr lang="sv-SE" dirty="0"/>
-              <a:t>&gt;</a:t>
-            </a:r>
-            <a:r>
-              <a:rPr lang="sv-SE" dirty="0" err="1"/>
-              <a:t>maven</a:t>
-            </a:r>
-            <a:r>
-              <a:rPr lang="sv-SE" dirty="0"/>
-              <a:t>-</a:t>
-            </a:r>
-            <a:r>
-              <a:rPr lang="sv-SE" dirty="0" err="1"/>
-              <a:t>install</a:t>
-            </a:r>
-            <a:r>
-              <a:rPr lang="sv-SE" dirty="0"/>
-              <a:t>-plugin&lt;/</a:t>
-            </a:r>
-            <a:r>
-              <a:rPr lang="sv-SE" dirty="0" err="1"/>
-              <a:t>artifactId</a:t>
-            </a:r>
-            <a:r>
-              <a:rPr lang="sv-SE" dirty="0"/>
-              <a:t>&gt;</a:t>
-            </a:r>
-            <a:br>
-              <a:rPr lang="sv-SE" dirty="0"/>
-            </a:br>
-            <a:r>
-              <a:rPr lang="sv-SE" dirty="0"/>
-              <a:t>          &lt;version&gt;2.5.2&lt;/version&gt;</a:t>
-            </a:r>
-            <a:br>
-              <a:rPr lang="sv-SE" dirty="0"/>
-            </a:br>
-            <a:r>
-              <a:rPr lang="sv-SE" dirty="0"/>
-              <a:t>        &lt;/plugin&gt;</a:t>
-            </a:r>
-            <a:br>
-              <a:rPr lang="sv-SE" dirty="0"/>
-            </a:br>
-            <a:r>
-              <a:rPr lang="sv-SE" dirty="0"/>
-              <a:t>        &lt;plugin&gt;</a:t>
-            </a:r>
-            <a:br>
-              <a:rPr lang="sv-SE" dirty="0"/>
-            </a:br>
-            <a:r>
-              <a:rPr lang="sv-SE" dirty="0"/>
-              <a:t>          &lt;</a:t>
-            </a:r>
-            <a:r>
-              <a:rPr lang="sv-SE" dirty="0" err="1"/>
-              <a:t>artifactId</a:t>
-            </a:r>
-            <a:r>
-              <a:rPr lang="sv-SE" dirty="0"/>
-              <a:t>&gt;</a:t>
-            </a:r>
-            <a:r>
-              <a:rPr lang="sv-SE" dirty="0" err="1"/>
-              <a:t>maven</a:t>
-            </a:r>
-            <a:r>
-              <a:rPr lang="sv-SE" dirty="0"/>
-              <a:t>-</a:t>
-            </a:r>
-            <a:r>
-              <a:rPr lang="sv-SE" dirty="0" err="1"/>
-              <a:t>deploy</a:t>
-            </a:r>
-            <a:r>
-              <a:rPr lang="sv-SE" dirty="0"/>
-              <a:t>-plugin&lt;/</a:t>
-            </a:r>
-            <a:r>
-              <a:rPr lang="sv-SE" dirty="0" err="1"/>
-              <a:t>artifactId</a:t>
-            </a:r>
-            <a:r>
-              <a:rPr lang="sv-SE" dirty="0"/>
-              <a:t>&gt;</a:t>
-            </a:r>
-            <a:br>
-              <a:rPr lang="sv-SE" dirty="0"/>
-            </a:br>
-            <a:r>
-              <a:rPr lang="sv-SE" dirty="0"/>
-              <a:t>          &lt;version&gt;2.8.2&lt;/version&gt;</a:t>
-            </a:r>
-            <a:br>
-              <a:rPr lang="sv-SE" dirty="0"/>
-            </a:br>
-            <a:r>
-              <a:rPr lang="sv-SE" dirty="0"/>
-              <a:t>        &lt;/plugin&gt;</a:t>
-            </a:r>
-            <a:br>
-              <a:rPr lang="sv-SE" dirty="0"/>
-            </a:br>
-            <a:r>
-              <a:rPr lang="sv-SE" dirty="0"/>
-              <a:t>      &lt;/</a:t>
-            </a:r>
-            <a:r>
-              <a:rPr lang="sv-SE" dirty="0" err="1"/>
-              <a:t>plugins</a:t>
-            </a:r>
-            <a:r>
-              <a:rPr lang="sv-SE" dirty="0"/>
-              <a:t>&gt;</a:t>
-            </a:r>
-            <a:br>
-              <a:rPr lang="sv-SE" dirty="0"/>
-            </a:br>
-            <a:r>
-              <a:rPr lang="sv-SE" dirty="0"/>
-              <a:t>    &lt;/</a:t>
-            </a:r>
-            <a:r>
-              <a:rPr lang="sv-SE" dirty="0" err="1"/>
-              <a:t>pluginManagement</a:t>
-            </a:r>
-            <a:r>
-              <a:rPr lang="sv-SE" dirty="0"/>
-              <a:t>&gt;</a:t>
-            </a:r>
-            <a:br>
-              <a:rPr lang="sv-SE" dirty="0"/>
-            </a:br>
-            <a:r>
-              <a:rPr lang="sv-SE" dirty="0"/>
-              <a:t>  &lt;/</a:t>
-            </a:r>
-            <a:r>
-              <a:rPr lang="sv-SE" dirty="0" err="1"/>
-              <a:t>build</a:t>
-            </a:r>
-            <a:r>
-              <a:rPr lang="sv-SE" dirty="0"/>
-              <a:t>&gt;</a:t>
-            </a:r>
-            <a:br>
-              <a:rPr lang="sv-SE" dirty="0"/>
-            </a:br>
-            <a:r>
-              <a:rPr lang="sv-SE" dirty="0"/>
-              <a:t>&lt;/</a:t>
-            </a:r>
-            <a:r>
-              <a:rPr lang="sv-SE" dirty="0" err="1"/>
-              <a:t>project</a:t>
-            </a:r>
-            <a:r>
-              <a:rPr lang="sv-SE" dirty="0"/>
-              <a:t>&gt;</a:t>
-            </a:r>
-            <a:br>
-              <a:rPr lang="sv-SE" dirty="0"/>
-            </a:br>
-            <a:endParaRPr lang="sv-SE" dirty="0"/>
-          </a:p>
-        </p:txBody>
-      </p:sp>
-      <p:sp>
-        <p:nvSpPr>
-          <p:cNvPr id="4" name="Platshållare för innehåll 2">
+            <a:endParaRPr lang="sv-SE" sz="1300" dirty="0"/>
+          </a:p>
+        </p:txBody>
+      </p:sp>
+      <p:sp>
+        <p:nvSpPr>
+          <p:cNvPr id="5" name="Platshållare för innehåll 2">
             <a:extLst>
               <a:ext uri="{FF2B5EF4-FFF2-40B4-BE49-F238E27FC236}">
-                <a16:creationId xmlns:a16="http://schemas.microsoft.com/office/drawing/2014/main" id="{7502AE00-9333-EB4B-95D9-391326FD9AE0}"/>
+                <a16:creationId xmlns:a16="http://schemas.microsoft.com/office/drawing/2014/main" id="{7C0A37D1-1986-A64D-B719-8D0B2992921A}"/>
               </a:ext>
             </a:extLst>
           </p:cNvPr>
@@ -14994,7 +14565,7 @@
         </p:nvSpPr>
         <p:spPr>
           <a:xfrm>
-            <a:off x="6578600" y="1690688"/>
+            <a:off x="5613401" y="355601"/>
             <a:ext cx="4775200" cy="4067175"/>
           </a:xfrm>
           <a:prstGeom prst="rect">
@@ -15003,7 +14574,7 @@
         </p:spPr>
         <p:txBody>
           <a:bodyPr vert="horz" lIns="91440" tIns="45720" rIns="91440" bIns="45720" rtlCol="0">
-            <a:normAutofit fontScale="40000" lnSpcReduction="20000"/>
+            <a:noAutofit/>
           </a:bodyPr>
           <a:lstStyle>
             <a:lvl1pPr marL="228600" indent="-228600" algn="l" defTabSz="914400" rtl="0" eaLnBrk="1" latinLnBrk="0" hangingPunct="1">
@@ -15175,514 +14746,650 @@
               <a:buNone/>
             </a:pPr>
             <a:r>
-              <a:rPr lang="sv-SE" dirty="0"/>
-              <a:t>&lt;?</a:t>
-            </a:r>
-            <a:r>
-              <a:rPr lang="sv-SE" dirty="0" err="1"/>
-              <a:t>xml</a:t>
-            </a:r>
-            <a:r>
-              <a:rPr lang="sv-SE" dirty="0"/>
-              <a:t> version="1.0" </a:t>
-            </a:r>
-            <a:r>
-              <a:rPr lang="sv-SE" dirty="0" err="1"/>
-              <a:t>encoding</a:t>
-            </a:r>
-            <a:r>
-              <a:rPr lang="sv-SE" dirty="0"/>
-              <a:t>="UTF-8"?&gt;</a:t>
+              <a:rPr lang="sv-SE" sz="1200" dirty="0"/>
+              <a:t>  &lt;</a:t>
+            </a:r>
+            <a:r>
+              <a:rPr lang="sv-SE" sz="1200" dirty="0" err="1"/>
+              <a:t>build</a:t>
+            </a:r>
+            <a:r>
+              <a:rPr lang="sv-SE" sz="1200" dirty="0"/>
+              <a:t>&gt;</a:t>
             </a:r>
             <a:br>
-              <a:rPr lang="sv-SE" dirty="0"/>
+              <a:rPr lang="sv-SE" sz="1200" dirty="0"/>
             </a:br>
+            <a:r>
+              <a:rPr lang="sv-SE" sz="1200" dirty="0"/>
+              <a:t>    &lt;</a:t>
+            </a:r>
+            <a:r>
+              <a:rPr lang="sv-SE" sz="1200" dirty="0" err="1"/>
+              <a:t>pluginManagement</a:t>
+            </a:r>
+            <a:r>
+              <a:rPr lang="sv-SE" sz="1200" dirty="0"/>
+              <a:t>&gt;&lt;!-- lock down </a:t>
+            </a:r>
+            <a:r>
+              <a:rPr lang="sv-SE" sz="1200" dirty="0" err="1"/>
+              <a:t>plugins</a:t>
+            </a:r>
+            <a:r>
+              <a:rPr lang="sv-SE" sz="1200" dirty="0"/>
+              <a:t> versions to </a:t>
+            </a:r>
+            <a:r>
+              <a:rPr lang="sv-SE" sz="1200" dirty="0" err="1"/>
+              <a:t>avoid</a:t>
+            </a:r>
+            <a:r>
+              <a:rPr lang="sv-SE" sz="1200" dirty="0"/>
+              <a:t> </a:t>
+            </a:r>
+            <a:r>
+              <a:rPr lang="sv-SE" sz="1200" dirty="0" err="1"/>
+              <a:t>using</a:t>
+            </a:r>
+            <a:r>
+              <a:rPr lang="sv-SE" sz="1200" dirty="0"/>
+              <a:t> </a:t>
+            </a:r>
+            <a:r>
+              <a:rPr lang="sv-SE" sz="1200" dirty="0" err="1"/>
+              <a:t>Maven</a:t>
+            </a:r>
+            <a:r>
+              <a:rPr lang="sv-SE" sz="1200" dirty="0"/>
+              <a:t> </a:t>
+            </a:r>
+            <a:r>
+              <a:rPr lang="sv-SE" sz="1200" dirty="0" err="1"/>
+              <a:t>defaults</a:t>
+            </a:r>
+            <a:r>
+              <a:rPr lang="sv-SE" sz="1200" dirty="0"/>
+              <a:t> (</a:t>
+            </a:r>
+            <a:r>
+              <a:rPr lang="sv-SE" sz="1200" dirty="0" err="1"/>
+              <a:t>may</a:t>
+            </a:r>
+            <a:r>
+              <a:rPr lang="sv-SE" sz="1200" dirty="0"/>
+              <a:t> be </a:t>
+            </a:r>
+            <a:r>
+              <a:rPr lang="sv-SE" sz="1200" dirty="0" err="1"/>
+              <a:t>moved</a:t>
+            </a:r>
+            <a:r>
+              <a:rPr lang="sv-SE" sz="1200" dirty="0"/>
+              <a:t> to </a:t>
+            </a:r>
+            <a:r>
+              <a:rPr lang="sv-SE" sz="1200" dirty="0" err="1"/>
+              <a:t>parent</a:t>
+            </a:r>
+            <a:r>
+              <a:rPr lang="sv-SE" sz="1200" dirty="0"/>
+              <a:t> </a:t>
+            </a:r>
+            <a:r>
+              <a:rPr lang="sv-SE" sz="1200" dirty="0" err="1"/>
+              <a:t>pom</a:t>
+            </a:r>
+            <a:r>
+              <a:rPr lang="sv-SE" sz="1200" dirty="0"/>
+              <a:t>) --&gt;</a:t>
+            </a:r>
             <a:br>
-              <a:rPr lang="sv-SE" dirty="0"/>
+              <a:rPr lang="sv-SE" sz="1200" dirty="0"/>
             </a:br>
             <a:r>
-              <a:rPr lang="sv-SE" dirty="0"/>
-              <a:t>&lt;</a:t>
-            </a:r>
-            <a:r>
-              <a:rPr lang="sv-SE" dirty="0" err="1"/>
+              <a:rPr lang="sv-SE" sz="1200" dirty="0"/>
+              <a:t>      &lt;</a:t>
+            </a:r>
+            <a:r>
+              <a:rPr lang="sv-SE" sz="1200" dirty="0" err="1"/>
+              <a:t>plugins</a:t>
+            </a:r>
+            <a:r>
+              <a:rPr lang="sv-SE" sz="1200" dirty="0"/>
+              <a:t>&gt;</a:t>
+            </a:r>
+            <a:br>
+              <a:rPr lang="sv-SE" sz="1200" dirty="0"/>
+            </a:br>
+            <a:r>
+              <a:rPr lang="sv-SE" sz="1200" dirty="0"/>
+              <a:t>        &lt;plugin&gt;</a:t>
+            </a:r>
+            <a:br>
+              <a:rPr lang="sv-SE" sz="1200" dirty="0"/>
+            </a:br>
+            <a:r>
+              <a:rPr lang="sv-SE" sz="1200" dirty="0"/>
+              <a:t>          &lt;</a:t>
+            </a:r>
+            <a:r>
+              <a:rPr lang="sv-SE" sz="1200" dirty="0" err="1"/>
+              <a:t>artifactId</a:t>
+            </a:r>
+            <a:r>
+              <a:rPr lang="sv-SE" sz="1200" dirty="0"/>
+              <a:t>&gt;</a:t>
+            </a:r>
+            <a:r>
+              <a:rPr lang="sv-SE" sz="1200" dirty="0" err="1"/>
+              <a:t>maven</a:t>
+            </a:r>
+            <a:r>
+              <a:rPr lang="sv-SE" sz="1200" dirty="0"/>
+              <a:t>-</a:t>
+            </a:r>
+            <a:r>
+              <a:rPr lang="sv-SE" sz="1200" dirty="0" err="1"/>
+              <a:t>clean</a:t>
+            </a:r>
+            <a:r>
+              <a:rPr lang="sv-SE" sz="1200" dirty="0"/>
+              <a:t>-plugin&lt;/</a:t>
+            </a:r>
+            <a:r>
+              <a:rPr lang="sv-SE" sz="1200" dirty="0" err="1"/>
+              <a:t>artifactId</a:t>
+            </a:r>
+            <a:r>
+              <a:rPr lang="sv-SE" sz="1200" dirty="0"/>
+              <a:t>&gt;</a:t>
+            </a:r>
+            <a:br>
+              <a:rPr lang="sv-SE" sz="1200" dirty="0"/>
+            </a:br>
+            <a:r>
+              <a:rPr lang="sv-SE" sz="1200" dirty="0"/>
+              <a:t>          &lt;version&gt;3.0.0&lt;/version&gt;</a:t>
+            </a:r>
+            <a:br>
+              <a:rPr lang="sv-SE" sz="1200" dirty="0"/>
+            </a:br>
+            <a:r>
+              <a:rPr lang="sv-SE" sz="1200" dirty="0"/>
+              <a:t>        &lt;/plugin&gt;</a:t>
+            </a:r>
+            <a:br>
+              <a:rPr lang="sv-SE" sz="1200" dirty="0"/>
+            </a:br>
+            <a:r>
+              <a:rPr lang="sv-SE" sz="1200" dirty="0"/>
+              <a:t>        &lt;!-- </a:t>
+            </a:r>
+            <a:r>
+              <a:rPr lang="sv-SE" sz="1200" dirty="0" err="1"/>
+              <a:t>see</a:t>
+            </a:r>
+            <a:r>
+              <a:rPr lang="sv-SE" sz="1200" dirty="0"/>
+              <a:t> http://</a:t>
+            </a:r>
+            <a:r>
+              <a:rPr lang="sv-SE" sz="1200" dirty="0" err="1"/>
+              <a:t>maven.apache.org</a:t>
+            </a:r>
+            <a:r>
+              <a:rPr lang="sv-SE" sz="1200" dirty="0"/>
+              <a:t>/ref/</a:t>
+            </a:r>
+            <a:r>
+              <a:rPr lang="sv-SE" sz="1200" dirty="0" err="1"/>
+              <a:t>current</a:t>
+            </a:r>
+            <a:r>
+              <a:rPr lang="sv-SE" sz="1200" dirty="0"/>
+              <a:t>/</a:t>
+            </a:r>
+            <a:r>
+              <a:rPr lang="sv-SE" sz="1200" dirty="0" err="1"/>
+              <a:t>maven-core</a:t>
+            </a:r>
+            <a:r>
+              <a:rPr lang="sv-SE" sz="1200" dirty="0"/>
+              <a:t>/</a:t>
+            </a:r>
+            <a:r>
+              <a:rPr lang="sv-SE" sz="1200" dirty="0" err="1"/>
+              <a:t>default-bindings.html#Plugin_bindings_for_jar_packaging</a:t>
+            </a:r>
+            <a:r>
+              <a:rPr lang="sv-SE" sz="1200" dirty="0"/>
+              <a:t> --&gt;</a:t>
+            </a:r>
+            <a:br>
+              <a:rPr lang="sv-SE" sz="1200" dirty="0"/>
+            </a:br>
+            <a:r>
+              <a:rPr lang="sv-SE" sz="1200" dirty="0"/>
+              <a:t>        &lt;plugin&gt;</a:t>
+            </a:r>
+            <a:br>
+              <a:rPr lang="sv-SE" sz="1200" dirty="0"/>
+            </a:br>
+            <a:r>
+              <a:rPr lang="sv-SE" sz="1200" dirty="0"/>
+              <a:t>          &lt;</a:t>
+            </a:r>
+            <a:r>
+              <a:rPr lang="sv-SE" sz="1200" dirty="0" err="1"/>
+              <a:t>artifactId</a:t>
+            </a:r>
+            <a:r>
+              <a:rPr lang="sv-SE" sz="1200" dirty="0"/>
+              <a:t>&gt;</a:t>
+            </a:r>
+            <a:r>
+              <a:rPr lang="sv-SE" sz="1200" dirty="0" err="1"/>
+              <a:t>maven</a:t>
+            </a:r>
+            <a:r>
+              <a:rPr lang="sv-SE" sz="1200" dirty="0"/>
+              <a:t>-</a:t>
+            </a:r>
+            <a:r>
+              <a:rPr lang="sv-SE" sz="1200" dirty="0" err="1"/>
+              <a:t>resources</a:t>
+            </a:r>
+            <a:r>
+              <a:rPr lang="sv-SE" sz="1200" dirty="0"/>
+              <a:t>-plugin&lt;/</a:t>
+            </a:r>
+            <a:r>
+              <a:rPr lang="sv-SE" sz="1200" dirty="0" err="1"/>
+              <a:t>artifactId</a:t>
+            </a:r>
+            <a:r>
+              <a:rPr lang="sv-SE" sz="1200" dirty="0"/>
+              <a:t>&gt;</a:t>
+            </a:r>
+            <a:br>
+              <a:rPr lang="sv-SE" sz="1200" dirty="0"/>
+            </a:br>
+            <a:r>
+              <a:rPr lang="sv-SE" sz="1200" dirty="0"/>
+              <a:t>          &lt;version&gt;3.0.2&lt;/version&gt;</a:t>
+            </a:r>
+            <a:br>
+              <a:rPr lang="sv-SE" sz="1200" dirty="0"/>
+            </a:br>
+            <a:r>
+              <a:rPr lang="sv-SE" sz="1200" dirty="0"/>
+              <a:t>        &lt;/plugin&gt;</a:t>
+            </a:r>
+            <a:br>
+              <a:rPr lang="sv-SE" sz="1200" dirty="0"/>
+            </a:br>
+            <a:r>
+              <a:rPr lang="sv-SE" sz="1200" dirty="0"/>
+              <a:t>        &lt;plugin&gt;</a:t>
+            </a:r>
+            <a:br>
+              <a:rPr lang="sv-SE" sz="1200" dirty="0"/>
+            </a:br>
+            <a:r>
+              <a:rPr lang="sv-SE" sz="1200" dirty="0"/>
+              <a:t>          &lt;</a:t>
+            </a:r>
+            <a:r>
+              <a:rPr lang="sv-SE" sz="1200" dirty="0" err="1"/>
+              <a:t>artifactId</a:t>
+            </a:r>
+            <a:r>
+              <a:rPr lang="sv-SE" sz="1200" dirty="0"/>
+              <a:t>&gt;</a:t>
+            </a:r>
+            <a:r>
+              <a:rPr lang="sv-SE" sz="1200" dirty="0" err="1"/>
+              <a:t>maven</a:t>
+            </a:r>
+            <a:r>
+              <a:rPr lang="sv-SE" sz="1200" dirty="0"/>
+              <a:t>-</a:t>
+            </a:r>
+            <a:r>
+              <a:rPr lang="sv-SE" sz="1200" dirty="0" err="1"/>
+              <a:t>compiler</a:t>
+            </a:r>
+            <a:r>
+              <a:rPr lang="sv-SE" sz="1200" dirty="0"/>
+              <a:t>-plugin&lt;/</a:t>
+            </a:r>
+            <a:r>
+              <a:rPr lang="sv-SE" sz="1200" dirty="0" err="1"/>
+              <a:t>artifactId</a:t>
+            </a:r>
+            <a:r>
+              <a:rPr lang="sv-SE" sz="1200" dirty="0"/>
+              <a:t>&gt;</a:t>
+            </a:r>
+            <a:br>
+              <a:rPr lang="sv-SE" sz="1200" dirty="0"/>
+            </a:br>
+            <a:r>
+              <a:rPr lang="sv-SE" sz="1200" dirty="0"/>
+              <a:t>          &lt;version&gt;3.7.0&lt;/version&gt;</a:t>
+            </a:r>
+            <a:br>
+              <a:rPr lang="sv-SE" sz="1200" dirty="0"/>
+            </a:br>
+            <a:r>
+              <a:rPr lang="sv-SE" sz="1200" dirty="0"/>
+              <a:t>        &lt;/plugin&gt;</a:t>
+            </a:r>
+            <a:br>
+              <a:rPr lang="sv-SE" sz="1200" dirty="0"/>
+            </a:br>
+            <a:r>
+              <a:rPr lang="sv-SE" sz="1200" dirty="0"/>
+              <a:t>        &lt;plugin&gt;</a:t>
+            </a:r>
+            <a:br>
+              <a:rPr lang="sv-SE" sz="1200" dirty="0"/>
+            </a:br>
+            <a:r>
+              <a:rPr lang="sv-SE" sz="1200" dirty="0"/>
+              <a:t>          &lt;</a:t>
+            </a:r>
+            <a:r>
+              <a:rPr lang="sv-SE" sz="1200" dirty="0" err="1"/>
+              <a:t>artifactId</a:t>
+            </a:r>
+            <a:r>
+              <a:rPr lang="sv-SE" sz="1200" dirty="0"/>
+              <a:t>&gt;</a:t>
+            </a:r>
+            <a:r>
+              <a:rPr lang="sv-SE" sz="1200" dirty="0" err="1"/>
+              <a:t>maven</a:t>
+            </a:r>
+            <a:r>
+              <a:rPr lang="sv-SE" sz="1200" dirty="0"/>
+              <a:t>-</a:t>
+            </a:r>
+            <a:r>
+              <a:rPr lang="sv-SE" sz="1200" dirty="0" err="1"/>
+              <a:t>surefire</a:t>
+            </a:r>
+            <a:r>
+              <a:rPr lang="sv-SE" sz="1200" dirty="0"/>
+              <a:t>-plugin&lt;/</a:t>
+            </a:r>
+            <a:r>
+              <a:rPr lang="sv-SE" sz="1200" dirty="0" err="1"/>
+              <a:t>artifactId</a:t>
+            </a:r>
+            <a:r>
+              <a:rPr lang="sv-SE" sz="1200" dirty="0"/>
+              <a:t>&gt;</a:t>
+            </a:r>
+            <a:br>
+              <a:rPr lang="sv-SE" sz="1200" dirty="0"/>
+            </a:br>
+            <a:r>
+              <a:rPr lang="sv-SE" sz="1200" dirty="0"/>
+              <a:t>          &lt;version&gt;2.20.1&lt;/version&gt;</a:t>
+            </a:r>
+            <a:br>
+              <a:rPr lang="sv-SE" sz="1200" dirty="0"/>
+            </a:br>
+            <a:r>
+              <a:rPr lang="sv-SE" sz="1200" dirty="0"/>
+              <a:t>        &lt;/plugin&gt;</a:t>
+            </a:r>
+            <a:br>
+              <a:rPr lang="sv-SE" sz="1200" dirty="0"/>
+            </a:br>
+            <a:r>
+              <a:rPr lang="sv-SE" sz="1200" dirty="0"/>
+              <a:t>        &lt;plugin&gt;</a:t>
+            </a:r>
+            <a:br>
+              <a:rPr lang="sv-SE" sz="1200" dirty="0"/>
+            </a:br>
+            <a:r>
+              <a:rPr lang="sv-SE" sz="1200" dirty="0"/>
+              <a:t>          &lt;</a:t>
+            </a:r>
+            <a:r>
+              <a:rPr lang="sv-SE" sz="1200" dirty="0" err="1"/>
+              <a:t>artifactId</a:t>
+            </a:r>
+            <a:r>
+              <a:rPr lang="sv-SE" sz="1200" dirty="0"/>
+              <a:t>&gt;</a:t>
+            </a:r>
+            <a:r>
+              <a:rPr lang="sv-SE" sz="1200" dirty="0" err="1"/>
+              <a:t>maven</a:t>
+            </a:r>
+            <a:r>
+              <a:rPr lang="sv-SE" sz="1200" dirty="0"/>
+              <a:t>-</a:t>
+            </a:r>
+            <a:r>
+              <a:rPr lang="sv-SE" sz="1200" dirty="0" err="1"/>
+              <a:t>jar</a:t>
+            </a:r>
+            <a:r>
+              <a:rPr lang="sv-SE" sz="1200" dirty="0"/>
+              <a:t>-plugin&lt;/</a:t>
+            </a:r>
+            <a:r>
+              <a:rPr lang="sv-SE" sz="1200" dirty="0" err="1"/>
+              <a:t>artifactId</a:t>
+            </a:r>
+            <a:r>
+              <a:rPr lang="sv-SE" sz="1200" dirty="0"/>
+              <a:t>&gt;</a:t>
+            </a:r>
+            <a:br>
+              <a:rPr lang="sv-SE" sz="1200" dirty="0"/>
+            </a:br>
+            <a:r>
+              <a:rPr lang="sv-SE" sz="1200" dirty="0"/>
+              <a:t>          &lt;version&gt;3.0.2&lt;/version&gt;</a:t>
+            </a:r>
+            <a:br>
+              <a:rPr lang="sv-SE" sz="1200" dirty="0"/>
+            </a:br>
+            <a:r>
+              <a:rPr lang="sv-SE" sz="1200" dirty="0"/>
+              <a:t>        &lt;/plugin&gt;</a:t>
+            </a:r>
+            <a:br>
+              <a:rPr lang="sv-SE" sz="1200" dirty="0"/>
+            </a:br>
+            <a:r>
+              <a:rPr lang="sv-SE" sz="1200" dirty="0"/>
+              <a:t>        &lt;plugin&gt;</a:t>
+            </a:r>
+            <a:br>
+              <a:rPr lang="sv-SE" sz="1200" dirty="0"/>
+            </a:br>
+            <a:r>
+              <a:rPr lang="sv-SE" sz="1200" dirty="0"/>
+              <a:t>          &lt;</a:t>
+            </a:r>
+            <a:r>
+              <a:rPr lang="sv-SE" sz="1200" dirty="0" err="1"/>
+              <a:t>artifactId</a:t>
+            </a:r>
+            <a:r>
+              <a:rPr lang="sv-SE" sz="1200" dirty="0"/>
+              <a:t>&gt;</a:t>
+            </a:r>
+            <a:r>
+              <a:rPr lang="sv-SE" sz="1200" dirty="0" err="1"/>
+              <a:t>maven</a:t>
+            </a:r>
+            <a:r>
+              <a:rPr lang="sv-SE" sz="1200" dirty="0"/>
+              <a:t>-</a:t>
+            </a:r>
+            <a:r>
+              <a:rPr lang="sv-SE" sz="1200" dirty="0" err="1"/>
+              <a:t>install</a:t>
+            </a:r>
+            <a:r>
+              <a:rPr lang="sv-SE" sz="1200" dirty="0"/>
+              <a:t>-plugin&lt;/</a:t>
+            </a:r>
+            <a:r>
+              <a:rPr lang="sv-SE" sz="1200" dirty="0" err="1"/>
+              <a:t>artifactId</a:t>
+            </a:r>
+            <a:r>
+              <a:rPr lang="sv-SE" sz="1200" dirty="0"/>
+              <a:t>&gt;</a:t>
+            </a:r>
+            <a:br>
+              <a:rPr lang="sv-SE" sz="1200" dirty="0"/>
+            </a:br>
+            <a:r>
+              <a:rPr lang="sv-SE" sz="1200" dirty="0"/>
+              <a:t>          &lt;version&gt;2.5.2&lt;/version&gt;</a:t>
+            </a:r>
+            <a:br>
+              <a:rPr lang="sv-SE" sz="1200" dirty="0"/>
+            </a:br>
+            <a:r>
+              <a:rPr lang="sv-SE" sz="1200" dirty="0"/>
+              <a:t>        &lt;/plugin&gt;</a:t>
+            </a:r>
+            <a:br>
+              <a:rPr lang="sv-SE" sz="1200" dirty="0"/>
+            </a:br>
+            <a:r>
+              <a:rPr lang="sv-SE" sz="1200" dirty="0"/>
+              <a:t>        &lt;plugin&gt;</a:t>
+            </a:r>
+            <a:br>
+              <a:rPr lang="sv-SE" sz="1200" dirty="0"/>
+            </a:br>
+            <a:r>
+              <a:rPr lang="sv-SE" sz="1200" dirty="0"/>
+              <a:t>          &lt;</a:t>
+            </a:r>
+            <a:r>
+              <a:rPr lang="sv-SE" sz="1200" dirty="0" err="1"/>
+              <a:t>artifactId</a:t>
+            </a:r>
+            <a:r>
+              <a:rPr lang="sv-SE" sz="1200" dirty="0"/>
+              <a:t>&gt;</a:t>
+            </a:r>
+            <a:r>
+              <a:rPr lang="sv-SE" sz="1200" dirty="0" err="1"/>
+              <a:t>maven</a:t>
+            </a:r>
+            <a:r>
+              <a:rPr lang="sv-SE" sz="1200" dirty="0"/>
+              <a:t>-</a:t>
+            </a:r>
+            <a:r>
+              <a:rPr lang="sv-SE" sz="1200" dirty="0" err="1"/>
+              <a:t>deploy</a:t>
+            </a:r>
+            <a:r>
+              <a:rPr lang="sv-SE" sz="1200" dirty="0"/>
+              <a:t>-plugin&lt;/</a:t>
+            </a:r>
+            <a:r>
+              <a:rPr lang="sv-SE" sz="1200" dirty="0" err="1"/>
+              <a:t>artifactId</a:t>
+            </a:r>
+            <a:r>
+              <a:rPr lang="sv-SE" sz="1200" dirty="0"/>
+              <a:t>&gt;</a:t>
+            </a:r>
+            <a:br>
+              <a:rPr lang="sv-SE" sz="1200" dirty="0"/>
+            </a:br>
+            <a:r>
+              <a:rPr lang="sv-SE" sz="1200" dirty="0"/>
+              <a:t>          &lt;version&gt;2.8.2&lt;/version&gt;</a:t>
+            </a:r>
+            <a:br>
+              <a:rPr lang="sv-SE" sz="1200" dirty="0"/>
+            </a:br>
+            <a:r>
+              <a:rPr lang="sv-SE" sz="1200" dirty="0"/>
+              <a:t>        &lt;/plugin&gt;</a:t>
+            </a:r>
+            <a:br>
+              <a:rPr lang="sv-SE" sz="1200" dirty="0"/>
+            </a:br>
+            <a:r>
+              <a:rPr lang="sv-SE" sz="1200" dirty="0"/>
+              <a:t>      &lt;/</a:t>
+            </a:r>
+            <a:r>
+              <a:rPr lang="sv-SE" sz="1200" dirty="0" err="1"/>
+              <a:t>plugins</a:t>
+            </a:r>
+            <a:r>
+              <a:rPr lang="sv-SE" sz="1200" dirty="0"/>
+              <a:t>&gt;</a:t>
+            </a:r>
+            <a:br>
+              <a:rPr lang="sv-SE" sz="1200" dirty="0"/>
+            </a:br>
+            <a:r>
+              <a:rPr lang="sv-SE" sz="1200" dirty="0"/>
+              <a:t>    &lt;/</a:t>
+            </a:r>
+            <a:r>
+              <a:rPr lang="sv-SE" sz="1200" dirty="0" err="1"/>
+              <a:t>pluginManagement</a:t>
+            </a:r>
+            <a:r>
+              <a:rPr lang="sv-SE" sz="1200" dirty="0"/>
+              <a:t>&gt;</a:t>
+            </a:r>
+            <a:br>
+              <a:rPr lang="sv-SE" sz="1200" dirty="0"/>
+            </a:br>
+            <a:r>
+              <a:rPr lang="sv-SE" sz="1200" dirty="0"/>
+              <a:t>  &lt;/</a:t>
+            </a:r>
+            <a:r>
+              <a:rPr lang="sv-SE" sz="1200" dirty="0" err="1"/>
+              <a:t>build</a:t>
+            </a:r>
+            <a:r>
+              <a:rPr lang="sv-SE" sz="1200" dirty="0"/>
+              <a:t>&gt;</a:t>
+            </a:r>
+            <a:br>
+              <a:rPr lang="sv-SE" sz="1200" dirty="0"/>
+            </a:br>
+            <a:r>
+              <a:rPr lang="sv-SE" sz="1200" dirty="0"/>
+              <a:t>&lt;/</a:t>
+            </a:r>
+            <a:r>
+              <a:rPr lang="sv-SE" sz="1200" dirty="0" err="1"/>
               <a:t>project</a:t>
             </a:r>
             <a:r>
-              <a:rPr lang="sv-SE" dirty="0"/>
-              <a:t> </a:t>
-            </a:r>
-            <a:r>
-              <a:rPr lang="sv-SE" dirty="0" err="1"/>
-              <a:t>xmlns</a:t>
-            </a:r>
-            <a:r>
-              <a:rPr lang="sv-SE" dirty="0"/>
-              <a:t>="http://</a:t>
-            </a:r>
-            <a:r>
-              <a:rPr lang="sv-SE" dirty="0" err="1"/>
-              <a:t>maven.apache.org</a:t>
-            </a:r>
-            <a:r>
-              <a:rPr lang="sv-SE" dirty="0"/>
-              <a:t>/POM/4.0.0" </a:t>
-            </a:r>
-            <a:r>
-              <a:rPr lang="sv-SE" dirty="0" err="1"/>
-              <a:t>xmlns:xsi</a:t>
-            </a:r>
-            <a:r>
-              <a:rPr lang="sv-SE" dirty="0"/>
-              <a:t>="http://www.w3.org/2001/</a:t>
-            </a:r>
-            <a:r>
-              <a:rPr lang="sv-SE" dirty="0" err="1"/>
-              <a:t>XMLSchema-instance</a:t>
-            </a:r>
-            <a:r>
-              <a:rPr lang="sv-SE" dirty="0"/>
-              <a:t>"</a:t>
+              <a:rPr lang="sv-SE" sz="1200" dirty="0"/>
+              <a:t>&gt;</a:t>
             </a:r>
             <a:br>
-              <a:rPr lang="sv-SE" dirty="0"/>
+              <a:rPr lang="sv-SE" sz="1200" dirty="0"/>
             </a:br>
-            <a:r>
-              <a:rPr lang="sv-SE" dirty="0"/>
-              <a:t>  </a:t>
-            </a:r>
-            <a:r>
-              <a:rPr lang="sv-SE" dirty="0" err="1"/>
-              <a:t>xsi:schemaLocation</a:t>
-            </a:r>
-            <a:r>
-              <a:rPr lang="sv-SE" dirty="0"/>
-              <a:t>="http://</a:t>
-            </a:r>
-            <a:r>
-              <a:rPr lang="sv-SE" dirty="0" err="1"/>
-              <a:t>maven.apache.org</a:t>
-            </a:r>
-            <a:r>
-              <a:rPr lang="sv-SE" dirty="0"/>
-              <a:t>/POM/4.0.0 http://</a:t>
-            </a:r>
-            <a:r>
-              <a:rPr lang="sv-SE" dirty="0" err="1"/>
-              <a:t>maven.apache.org</a:t>
-            </a:r>
-            <a:r>
-              <a:rPr lang="sv-SE" dirty="0"/>
-              <a:t>/</a:t>
-            </a:r>
-            <a:r>
-              <a:rPr lang="sv-SE" dirty="0" err="1"/>
-              <a:t>xsd</a:t>
-            </a:r>
-            <a:r>
-              <a:rPr lang="sv-SE" dirty="0"/>
-              <a:t>/maven-4.0.0.xsd"&gt;</a:t>
-            </a:r>
-            <a:br>
-              <a:rPr lang="sv-SE" dirty="0"/>
-            </a:br>
-            <a:r>
-              <a:rPr lang="sv-SE" dirty="0"/>
-              <a:t>  &lt;</a:t>
-            </a:r>
-            <a:r>
-              <a:rPr lang="sv-SE" dirty="0" err="1"/>
-              <a:t>modelVersion</a:t>
-            </a:r>
-            <a:r>
-              <a:rPr lang="sv-SE" dirty="0"/>
-              <a:t>&gt;4.0.0&lt;/</a:t>
-            </a:r>
-            <a:r>
-              <a:rPr lang="sv-SE" dirty="0" err="1"/>
-              <a:t>modelVersion</a:t>
-            </a:r>
-            <a:r>
-              <a:rPr lang="sv-SE" dirty="0"/>
-              <a:t>&gt;</a:t>
-            </a:r>
-            <a:br>
-              <a:rPr lang="sv-SE" dirty="0"/>
-            </a:br>
-            <a:br>
-              <a:rPr lang="sv-SE" dirty="0"/>
-            </a:br>
-            <a:r>
-              <a:rPr lang="sv-SE" dirty="0"/>
-              <a:t>  &lt;</a:t>
-            </a:r>
-            <a:r>
-              <a:rPr lang="sv-SE" dirty="0" err="1"/>
-              <a:t>groupId</a:t>
-            </a:r>
-            <a:r>
-              <a:rPr lang="sv-SE" dirty="0"/>
-              <a:t>&gt;se.inte.group5&lt;/</a:t>
-            </a:r>
-            <a:r>
-              <a:rPr lang="sv-SE" dirty="0" err="1"/>
-              <a:t>groupId</a:t>
-            </a:r>
-            <a:r>
-              <a:rPr lang="sv-SE" dirty="0"/>
-              <a:t>&gt;</a:t>
-            </a:r>
-            <a:br>
-              <a:rPr lang="sv-SE" dirty="0"/>
-            </a:br>
-            <a:r>
-              <a:rPr lang="sv-SE" dirty="0"/>
-              <a:t>  &lt;</a:t>
-            </a:r>
-            <a:r>
-              <a:rPr lang="sv-SE" dirty="0" err="1"/>
-              <a:t>artifactId</a:t>
-            </a:r>
-            <a:r>
-              <a:rPr lang="sv-SE" dirty="0"/>
-              <a:t>&gt;</a:t>
-            </a:r>
-            <a:r>
-              <a:rPr lang="sv-SE" dirty="0" err="1"/>
-              <a:t>InteGame</a:t>
-            </a:r>
-            <a:r>
-              <a:rPr lang="sv-SE" dirty="0"/>
-              <a:t>&lt;/</a:t>
-            </a:r>
-            <a:r>
-              <a:rPr lang="sv-SE" dirty="0" err="1"/>
-              <a:t>artifactId</a:t>
-            </a:r>
-            <a:r>
-              <a:rPr lang="sv-SE" dirty="0"/>
-              <a:t>&gt;</a:t>
-            </a:r>
-            <a:br>
-              <a:rPr lang="sv-SE" dirty="0"/>
-            </a:br>
-            <a:r>
-              <a:rPr lang="sv-SE" dirty="0"/>
-              <a:t>  &lt;version&gt;1.0-SNAPSHOT&lt;/version&gt;</a:t>
-            </a:r>
-            <a:br>
-              <a:rPr lang="sv-SE" dirty="0"/>
-            </a:br>
-            <a:br>
-              <a:rPr lang="sv-SE" dirty="0"/>
-            </a:br>
-            <a:r>
-              <a:rPr lang="sv-SE" dirty="0"/>
-              <a:t>  &lt;</a:t>
-            </a:r>
-            <a:r>
-              <a:rPr lang="sv-SE" dirty="0" err="1"/>
-              <a:t>name</a:t>
-            </a:r>
-            <a:r>
-              <a:rPr lang="sv-SE" dirty="0"/>
-              <a:t>&gt;</a:t>
-            </a:r>
-            <a:r>
-              <a:rPr lang="sv-SE" dirty="0" err="1"/>
-              <a:t>InteGame</a:t>
-            </a:r>
-            <a:r>
-              <a:rPr lang="sv-SE" dirty="0"/>
-              <a:t>&lt;/</a:t>
-            </a:r>
-            <a:r>
-              <a:rPr lang="sv-SE" dirty="0" err="1"/>
-              <a:t>name</a:t>
-            </a:r>
-            <a:r>
-              <a:rPr lang="sv-SE" dirty="0"/>
-              <a:t>&gt;</a:t>
-            </a:r>
-            <a:br>
-              <a:rPr lang="sv-SE" dirty="0"/>
-            </a:br>
-            <a:br>
-              <a:rPr lang="sv-SE" dirty="0"/>
-            </a:br>
-            <a:r>
-              <a:rPr lang="sv-SE" dirty="0"/>
-              <a:t>  &lt;</a:t>
-            </a:r>
-            <a:r>
-              <a:rPr lang="sv-SE" dirty="0" err="1"/>
-              <a:t>properties</a:t>
-            </a:r>
-            <a:r>
-              <a:rPr lang="sv-SE" dirty="0"/>
-              <a:t>&gt;</a:t>
-            </a:r>
-            <a:br>
-              <a:rPr lang="sv-SE" dirty="0"/>
-            </a:br>
-            <a:r>
-              <a:rPr lang="sv-SE" dirty="0"/>
-              <a:t>    &lt;</a:t>
-            </a:r>
-            <a:r>
-              <a:rPr lang="sv-SE" dirty="0" err="1"/>
-              <a:t>project.build.sourceEncoding</a:t>
-            </a:r>
-            <a:r>
-              <a:rPr lang="sv-SE" dirty="0"/>
-              <a:t>&gt;UTF-8&lt;/</a:t>
-            </a:r>
-            <a:r>
-              <a:rPr lang="sv-SE" dirty="0" err="1"/>
-              <a:t>project.build.sourceEncoding</a:t>
-            </a:r>
-            <a:r>
-              <a:rPr lang="sv-SE" dirty="0"/>
-              <a:t>&gt;</a:t>
-            </a:r>
-            <a:br>
-              <a:rPr lang="sv-SE" dirty="0"/>
-            </a:br>
-            <a:r>
-              <a:rPr lang="sv-SE" dirty="0"/>
-              <a:t>    &lt;</a:t>
-            </a:r>
-            <a:r>
-              <a:rPr lang="sv-SE" dirty="0" err="1"/>
-              <a:t>maven.compiler.source</a:t>
-            </a:r>
-            <a:r>
-              <a:rPr lang="sv-SE" dirty="0"/>
-              <a:t>&gt;1.7&lt;/</a:t>
-            </a:r>
-            <a:r>
-              <a:rPr lang="sv-SE" dirty="0" err="1"/>
-              <a:t>maven.compiler.source</a:t>
-            </a:r>
-            <a:r>
-              <a:rPr lang="sv-SE" dirty="0"/>
-              <a:t>&gt;</a:t>
-            </a:r>
-            <a:br>
-              <a:rPr lang="sv-SE" dirty="0"/>
-            </a:br>
-            <a:r>
-              <a:rPr lang="sv-SE" dirty="0"/>
-              <a:t>    &lt;</a:t>
-            </a:r>
-            <a:r>
-              <a:rPr lang="sv-SE" dirty="0" err="1"/>
-              <a:t>maven.compiler.target</a:t>
-            </a:r>
-            <a:r>
-              <a:rPr lang="sv-SE" dirty="0"/>
-              <a:t>&gt;1.7&lt;/</a:t>
-            </a:r>
-            <a:r>
-              <a:rPr lang="sv-SE" dirty="0" err="1"/>
-              <a:t>maven.compiler.target</a:t>
-            </a:r>
-            <a:r>
-              <a:rPr lang="sv-SE" dirty="0"/>
-              <a:t>&gt;</a:t>
-            </a:r>
-            <a:br>
-              <a:rPr lang="sv-SE" dirty="0"/>
-            </a:br>
-            <a:r>
-              <a:rPr lang="sv-SE" dirty="0"/>
-              <a:t>  &lt;/</a:t>
-            </a:r>
-            <a:r>
-              <a:rPr lang="sv-SE" dirty="0" err="1"/>
-              <a:t>properties</a:t>
-            </a:r>
-            <a:r>
-              <a:rPr lang="sv-SE" dirty="0"/>
-              <a:t>&gt;</a:t>
-            </a:r>
-            <a:br>
-              <a:rPr lang="sv-SE" dirty="0"/>
-            </a:br>
-            <a:br>
-              <a:rPr lang="sv-SE" dirty="0"/>
-            </a:br>
-            <a:r>
-              <a:rPr lang="sv-SE" dirty="0"/>
-              <a:t>  &lt;</a:t>
-            </a:r>
-            <a:r>
-              <a:rPr lang="sv-SE" dirty="0" err="1"/>
-              <a:t>dependencies</a:t>
-            </a:r>
-            <a:r>
-              <a:rPr lang="sv-SE" dirty="0"/>
-              <a:t>&gt;</a:t>
-            </a:r>
-            <a:br>
-              <a:rPr lang="sv-SE" dirty="0"/>
-            </a:br>
-            <a:r>
-              <a:rPr lang="sv-SE" dirty="0"/>
-              <a:t>    &lt;</a:t>
-            </a:r>
-            <a:r>
-              <a:rPr lang="sv-SE" dirty="0" err="1"/>
-              <a:t>dependency</a:t>
-            </a:r>
-            <a:r>
-              <a:rPr lang="sv-SE" dirty="0"/>
-              <a:t>&gt;</a:t>
-            </a:r>
-            <a:br>
-              <a:rPr lang="sv-SE" dirty="0"/>
-            </a:br>
-            <a:r>
-              <a:rPr lang="sv-SE" dirty="0"/>
-              <a:t>      &lt;</a:t>
-            </a:r>
-            <a:r>
-              <a:rPr lang="sv-SE" dirty="0" err="1"/>
-              <a:t>groupId</a:t>
-            </a:r>
-            <a:r>
-              <a:rPr lang="sv-SE" dirty="0"/>
-              <a:t>&gt;</a:t>
-            </a:r>
-            <a:r>
-              <a:rPr lang="sv-SE" dirty="0" err="1"/>
-              <a:t>junit</a:t>
-            </a:r>
-            <a:r>
-              <a:rPr lang="sv-SE" dirty="0"/>
-              <a:t>&lt;/</a:t>
-            </a:r>
-            <a:r>
-              <a:rPr lang="sv-SE" dirty="0" err="1"/>
-              <a:t>groupId</a:t>
-            </a:r>
-            <a:r>
-              <a:rPr lang="sv-SE" dirty="0"/>
-              <a:t>&gt;</a:t>
-            </a:r>
-            <a:br>
-              <a:rPr lang="sv-SE" dirty="0"/>
-            </a:br>
-            <a:r>
-              <a:rPr lang="sv-SE" dirty="0"/>
-              <a:t>      &lt;</a:t>
-            </a:r>
-            <a:r>
-              <a:rPr lang="sv-SE" dirty="0" err="1"/>
-              <a:t>artifactId</a:t>
-            </a:r>
-            <a:r>
-              <a:rPr lang="sv-SE" dirty="0"/>
-              <a:t>&gt;</a:t>
-            </a:r>
-            <a:r>
-              <a:rPr lang="sv-SE" dirty="0" err="1"/>
-              <a:t>junit</a:t>
-            </a:r>
-            <a:r>
-              <a:rPr lang="sv-SE" dirty="0"/>
-              <a:t>&lt;/</a:t>
-            </a:r>
-            <a:r>
-              <a:rPr lang="sv-SE" dirty="0" err="1"/>
-              <a:t>artifactId</a:t>
-            </a:r>
-            <a:r>
-              <a:rPr lang="sv-SE" dirty="0"/>
-              <a:t>&gt;</a:t>
-            </a:r>
-            <a:br>
-              <a:rPr lang="sv-SE" dirty="0"/>
-            </a:br>
-            <a:r>
-              <a:rPr lang="sv-SE" dirty="0"/>
-              <a:t>      &lt;version&gt;4.11&lt;/version&gt;</a:t>
-            </a:r>
-            <a:br>
-              <a:rPr lang="sv-SE" dirty="0"/>
-            </a:br>
-            <a:r>
-              <a:rPr lang="sv-SE" dirty="0"/>
-              <a:t>      &lt;</a:t>
-            </a:r>
-            <a:r>
-              <a:rPr lang="sv-SE" dirty="0" err="1"/>
-              <a:t>scope</a:t>
-            </a:r>
-            <a:r>
-              <a:rPr lang="sv-SE" dirty="0"/>
-              <a:t>&gt;test&lt;/</a:t>
-            </a:r>
-            <a:r>
-              <a:rPr lang="sv-SE" dirty="0" err="1"/>
-              <a:t>scope</a:t>
-            </a:r>
-            <a:r>
-              <a:rPr lang="sv-SE" dirty="0"/>
-              <a:t>&gt;</a:t>
-            </a:r>
-            <a:br>
-              <a:rPr lang="sv-SE" dirty="0"/>
-            </a:br>
-            <a:r>
-              <a:rPr lang="sv-SE" dirty="0"/>
-              <a:t>    &lt;/</a:t>
-            </a:r>
-            <a:r>
-              <a:rPr lang="sv-SE" dirty="0" err="1"/>
-              <a:t>dependency</a:t>
-            </a:r>
-            <a:r>
-              <a:rPr lang="sv-SE" dirty="0"/>
-              <a:t>&gt;</a:t>
-            </a:r>
-            <a:br>
-              <a:rPr lang="sv-SE" dirty="0"/>
-            </a:br>
-            <a:r>
-              <a:rPr lang="sv-SE" dirty="0"/>
-              <a:t>  &lt;/</a:t>
-            </a:r>
-            <a:r>
-              <a:rPr lang="sv-SE" dirty="0" err="1"/>
-              <a:t>dependencies</a:t>
-            </a:r>
-            <a:r>
-              <a:rPr lang="sv-SE" dirty="0"/>
-              <a:t>&gt;</a:t>
-            </a:r>
-            <a:br>
-              <a:rPr lang="sv-SE" dirty="0"/>
-            </a:br>
-            <a:br>
-              <a:rPr lang="sv-SE" dirty="0"/>
-            </a:br>
-            <a:r>
-              <a:rPr lang="sv-SE" dirty="0"/>
-              <a:t>&lt;/</a:t>
-            </a:r>
-            <a:r>
-              <a:rPr lang="sv-SE" dirty="0" err="1"/>
-              <a:t>project</a:t>
-            </a:r>
-            <a:r>
-              <a:rPr lang="sv-SE" dirty="0"/>
-              <a:t>&gt;</a:t>
-            </a:r>
-            <a:br>
-              <a:rPr lang="sv-SE" dirty="0"/>
-            </a:br>
-            <a:endParaRPr lang="sv-SE" dirty="0"/>
+            <a:endParaRPr lang="sv-SE" sz="1200" dirty="0"/>
           </a:p>
         </p:txBody>
       </p:sp>
@@ -15703,6 +15410,806 @@
 </file>
 
 <file path=ppt/slides/slide37.xml><?xml version="1.0" encoding="utf-8"?>
+<p:sld xmlns:a="http://schemas.openxmlformats.org/drawingml/2006/main" xmlns:r="http://schemas.openxmlformats.org/officeDocument/2006/relationships" xmlns:p="http://schemas.openxmlformats.org/presentationml/2006/main">
+  <p:cSld>
+    <p:spTree>
+      <p:nvGrpSpPr>
+        <p:cNvPr id="1" name=""/>
+        <p:cNvGrpSpPr/>
+        <p:nvPr/>
+      </p:nvGrpSpPr>
+      <p:grpSpPr>
+        <a:xfrm>
+          <a:off x="0" y="0"/>
+          <a:ext cx="0" cy="0"/>
+          <a:chOff x="0" y="0"/>
+          <a:chExt cx="0" cy="0"/>
+        </a:xfrm>
+      </p:grpSpPr>
+      <p:sp>
+        <p:nvSpPr>
+          <p:cNvPr id="2" name="Rubrik 1"/>
+          <p:cNvSpPr>
+            <a:spLocks noGrp="1"/>
+          </p:cNvSpPr>
+          <p:nvPr>
+            <p:ph type="title"/>
+          </p:nvPr>
+        </p:nvSpPr>
+        <p:spPr>
+          <a:xfrm>
+            <a:off x="838200" y="365125"/>
+            <a:ext cx="10515600" cy="1325563"/>
+          </a:xfrm>
+        </p:spPr>
+        <p:txBody>
+          <a:bodyPr/>
+          <a:lstStyle/>
+          <a:p>
+            <a:r>
+              <a:rPr lang="sv-SE" dirty="0"/>
+              <a:t>Byggscript 2</a:t>
+            </a:r>
+          </a:p>
+        </p:txBody>
+      </p:sp>
+      <p:sp>
+        <p:nvSpPr>
+          <p:cNvPr id="4" name="Platshållare för innehåll 2">
+            <a:extLst>
+              <a:ext uri="{FF2B5EF4-FFF2-40B4-BE49-F238E27FC236}">
+                <a16:creationId xmlns:a16="http://schemas.microsoft.com/office/drawing/2014/main" id="{7502AE00-9333-EB4B-95D9-391326FD9AE0}"/>
+              </a:ext>
+            </a:extLst>
+          </p:cNvPr>
+          <p:cNvSpPr txBox="1">
+            <a:spLocks/>
+          </p:cNvSpPr>
+          <p:nvPr/>
+        </p:nvSpPr>
+        <p:spPr>
+          <a:xfrm>
+            <a:off x="6578600" y="1690688"/>
+            <a:ext cx="4775200" cy="4067175"/>
+          </a:xfrm>
+          <a:prstGeom prst="rect">
+            <a:avLst/>
+          </a:prstGeom>
+        </p:spPr>
+        <p:txBody>
+          <a:bodyPr vert="horz" lIns="91440" tIns="45720" rIns="91440" bIns="45720" rtlCol="0">
+            <a:normAutofit/>
+          </a:bodyPr>
+          <a:lstStyle>
+            <a:lvl1pPr marL="228600" indent="-228600" algn="l" defTabSz="914400" rtl="0" eaLnBrk="1" latinLnBrk="0" hangingPunct="1">
+              <a:lnSpc>
+                <a:spcPct val="90000"/>
+              </a:lnSpc>
+              <a:spcBef>
+                <a:spcPts val="1000"/>
+              </a:spcBef>
+              <a:buFont typeface="Arial" panose="020B0604020202020204" pitchFamily="34" charset="0"/>
+              <a:buChar char="•"/>
+              <a:defRPr sz="2800" kern="1200">
+                <a:solidFill>
+                  <a:schemeClr val="tx1"/>
+                </a:solidFill>
+                <a:latin typeface="+mn-lt"/>
+                <a:ea typeface="+mn-ea"/>
+                <a:cs typeface="+mn-cs"/>
+              </a:defRPr>
+            </a:lvl1pPr>
+            <a:lvl2pPr marL="685800" indent="-228600" algn="l" defTabSz="914400" rtl="0" eaLnBrk="1" latinLnBrk="0" hangingPunct="1">
+              <a:lnSpc>
+                <a:spcPct val="90000"/>
+              </a:lnSpc>
+              <a:spcBef>
+                <a:spcPts val="500"/>
+              </a:spcBef>
+              <a:buFont typeface="Arial" panose="020B0604020202020204" pitchFamily="34" charset="0"/>
+              <a:buChar char="•"/>
+              <a:defRPr sz="2400" kern="1200">
+                <a:solidFill>
+                  <a:schemeClr val="tx1"/>
+                </a:solidFill>
+                <a:latin typeface="+mn-lt"/>
+                <a:ea typeface="+mn-ea"/>
+                <a:cs typeface="+mn-cs"/>
+              </a:defRPr>
+            </a:lvl2pPr>
+            <a:lvl3pPr marL="1143000" indent="-228600" algn="l" defTabSz="914400" rtl="0" eaLnBrk="1" latinLnBrk="0" hangingPunct="1">
+              <a:lnSpc>
+                <a:spcPct val="90000"/>
+              </a:lnSpc>
+              <a:spcBef>
+                <a:spcPts val="500"/>
+              </a:spcBef>
+              <a:buFont typeface="Arial" panose="020B0604020202020204" pitchFamily="34" charset="0"/>
+              <a:buChar char="•"/>
+              <a:defRPr sz="2000" kern="1200">
+                <a:solidFill>
+                  <a:schemeClr val="tx1"/>
+                </a:solidFill>
+                <a:latin typeface="+mn-lt"/>
+                <a:ea typeface="+mn-ea"/>
+                <a:cs typeface="+mn-cs"/>
+              </a:defRPr>
+            </a:lvl3pPr>
+            <a:lvl4pPr marL="1600200" indent="-228600" algn="l" defTabSz="914400" rtl="0" eaLnBrk="1" latinLnBrk="0" hangingPunct="1">
+              <a:lnSpc>
+                <a:spcPct val="90000"/>
+              </a:lnSpc>
+              <a:spcBef>
+                <a:spcPts val="500"/>
+              </a:spcBef>
+              <a:buFont typeface="Arial" panose="020B0604020202020204" pitchFamily="34" charset="0"/>
+              <a:buChar char="•"/>
+              <a:defRPr sz="1800" kern="1200">
+                <a:solidFill>
+                  <a:schemeClr val="tx1"/>
+                </a:solidFill>
+                <a:latin typeface="+mn-lt"/>
+                <a:ea typeface="+mn-ea"/>
+                <a:cs typeface="+mn-cs"/>
+              </a:defRPr>
+            </a:lvl4pPr>
+            <a:lvl5pPr marL="2057400" indent="-228600" algn="l" defTabSz="914400" rtl="0" eaLnBrk="1" latinLnBrk="0" hangingPunct="1">
+              <a:lnSpc>
+                <a:spcPct val="90000"/>
+              </a:lnSpc>
+              <a:spcBef>
+                <a:spcPts val="500"/>
+              </a:spcBef>
+              <a:buFont typeface="Arial" panose="020B0604020202020204" pitchFamily="34" charset="0"/>
+              <a:buChar char="•"/>
+              <a:defRPr sz="1800" kern="1200">
+                <a:solidFill>
+                  <a:schemeClr val="tx1"/>
+                </a:solidFill>
+                <a:latin typeface="+mn-lt"/>
+                <a:ea typeface="+mn-ea"/>
+                <a:cs typeface="+mn-cs"/>
+              </a:defRPr>
+            </a:lvl5pPr>
+            <a:lvl6pPr marL="2514600" indent="-228600" algn="l" defTabSz="914400" rtl="0" eaLnBrk="1" latinLnBrk="0" hangingPunct="1">
+              <a:lnSpc>
+                <a:spcPct val="90000"/>
+              </a:lnSpc>
+              <a:spcBef>
+                <a:spcPts val="500"/>
+              </a:spcBef>
+              <a:buFont typeface="Arial" panose="020B0604020202020204" pitchFamily="34" charset="0"/>
+              <a:buChar char="•"/>
+              <a:defRPr sz="1800" kern="1200">
+                <a:solidFill>
+                  <a:schemeClr val="tx1"/>
+                </a:solidFill>
+                <a:latin typeface="+mn-lt"/>
+                <a:ea typeface="+mn-ea"/>
+                <a:cs typeface="+mn-cs"/>
+              </a:defRPr>
+            </a:lvl6pPr>
+            <a:lvl7pPr marL="2971800" indent="-228600" algn="l" defTabSz="914400" rtl="0" eaLnBrk="1" latinLnBrk="0" hangingPunct="1">
+              <a:lnSpc>
+                <a:spcPct val="90000"/>
+              </a:lnSpc>
+              <a:spcBef>
+                <a:spcPts val="500"/>
+              </a:spcBef>
+              <a:buFont typeface="Arial" panose="020B0604020202020204" pitchFamily="34" charset="0"/>
+              <a:buChar char="•"/>
+              <a:defRPr sz="1800" kern="1200">
+                <a:solidFill>
+                  <a:schemeClr val="tx1"/>
+                </a:solidFill>
+                <a:latin typeface="+mn-lt"/>
+                <a:ea typeface="+mn-ea"/>
+                <a:cs typeface="+mn-cs"/>
+              </a:defRPr>
+            </a:lvl7pPr>
+            <a:lvl8pPr marL="3429000" indent="-228600" algn="l" defTabSz="914400" rtl="0" eaLnBrk="1" latinLnBrk="0" hangingPunct="1">
+              <a:lnSpc>
+                <a:spcPct val="90000"/>
+              </a:lnSpc>
+              <a:spcBef>
+                <a:spcPts val="500"/>
+              </a:spcBef>
+              <a:buFont typeface="Arial" panose="020B0604020202020204" pitchFamily="34" charset="0"/>
+              <a:buChar char="•"/>
+              <a:defRPr sz="1800" kern="1200">
+                <a:solidFill>
+                  <a:schemeClr val="tx1"/>
+                </a:solidFill>
+                <a:latin typeface="+mn-lt"/>
+                <a:ea typeface="+mn-ea"/>
+                <a:cs typeface="+mn-cs"/>
+              </a:defRPr>
+            </a:lvl8pPr>
+            <a:lvl9pPr marL="3886200" indent="-228600" algn="l" defTabSz="914400" rtl="0" eaLnBrk="1" latinLnBrk="0" hangingPunct="1">
+              <a:lnSpc>
+                <a:spcPct val="90000"/>
+              </a:lnSpc>
+              <a:spcBef>
+                <a:spcPts val="500"/>
+              </a:spcBef>
+              <a:buFont typeface="Arial" panose="020B0604020202020204" pitchFamily="34" charset="0"/>
+              <a:buChar char="•"/>
+              <a:defRPr sz="1800" kern="1200">
+                <a:solidFill>
+                  <a:schemeClr val="tx1"/>
+                </a:solidFill>
+                <a:latin typeface="+mn-lt"/>
+                <a:ea typeface="+mn-ea"/>
+                <a:cs typeface="+mn-cs"/>
+              </a:defRPr>
+            </a:lvl9pPr>
+          </a:lstStyle>
+          <a:p>
+            <a:pPr marL="0" indent="0">
+              <a:buFont typeface="Arial" panose="020B0604020202020204" pitchFamily="34" charset="0"/>
+              <a:buNone/>
+            </a:pPr>
+            <a:endParaRPr lang="sv-SE" dirty="0"/>
+          </a:p>
+        </p:txBody>
+      </p:sp>
+      <p:sp>
+        <p:nvSpPr>
+          <p:cNvPr id="6" name="Content Placeholder 5">
+            <a:extLst>
+              <a:ext uri="{FF2B5EF4-FFF2-40B4-BE49-F238E27FC236}">
+                <a16:creationId xmlns:a16="http://schemas.microsoft.com/office/drawing/2014/main" id="{F0405698-C1F8-6044-B4CF-2285BC06E265}"/>
+              </a:ext>
+            </a:extLst>
+          </p:cNvPr>
+          <p:cNvSpPr>
+            <a:spLocks noGrp="1"/>
+          </p:cNvSpPr>
+          <p:nvPr>
+            <p:ph idx="1"/>
+          </p:nvPr>
+        </p:nvSpPr>
+        <p:spPr>
+          <a:xfrm>
+            <a:off x="838200" y="1548606"/>
+            <a:ext cx="10515600" cy="4351338"/>
+          </a:xfrm>
+        </p:spPr>
+        <p:txBody>
+          <a:bodyPr>
+            <a:normAutofit fontScale="32500" lnSpcReduction="20000"/>
+          </a:bodyPr>
+          <a:lstStyle/>
+          <a:p>
+            <a:pPr marL="0" indent="0">
+              <a:buNone/>
+            </a:pPr>
+            <a:r>
+              <a:rPr lang="sv-SE" sz="4300" dirty="0"/>
+              <a:t>&lt;?</a:t>
+            </a:r>
+            <a:r>
+              <a:rPr lang="sv-SE" sz="4300" dirty="0" err="1"/>
+              <a:t>xml</a:t>
+            </a:r>
+            <a:r>
+              <a:rPr lang="sv-SE" sz="4300" dirty="0"/>
+              <a:t> version="1.0" </a:t>
+            </a:r>
+            <a:r>
+              <a:rPr lang="sv-SE" sz="4300" dirty="0" err="1"/>
+              <a:t>encoding</a:t>
+            </a:r>
+            <a:r>
+              <a:rPr lang="sv-SE" sz="4300" dirty="0"/>
+              <a:t>="UTF-8"?&gt;</a:t>
+            </a:r>
+            <a:br>
+              <a:rPr lang="sv-SE" sz="4300" dirty="0"/>
+            </a:br>
+            <a:br>
+              <a:rPr lang="sv-SE" sz="4300" dirty="0"/>
+            </a:br>
+            <a:r>
+              <a:rPr lang="sv-SE" sz="4300" dirty="0"/>
+              <a:t>&lt;</a:t>
+            </a:r>
+            <a:r>
+              <a:rPr lang="sv-SE" sz="4300" dirty="0" err="1"/>
+              <a:t>project</a:t>
+            </a:r>
+            <a:r>
+              <a:rPr lang="sv-SE" sz="4300" dirty="0"/>
+              <a:t> </a:t>
+            </a:r>
+            <a:r>
+              <a:rPr lang="sv-SE" sz="4300" dirty="0" err="1"/>
+              <a:t>xmlns</a:t>
+            </a:r>
+            <a:r>
+              <a:rPr lang="sv-SE" sz="4300" dirty="0"/>
+              <a:t>="http://</a:t>
+            </a:r>
+            <a:r>
+              <a:rPr lang="sv-SE" sz="4300" dirty="0" err="1"/>
+              <a:t>maven.apache.org</a:t>
+            </a:r>
+            <a:r>
+              <a:rPr lang="sv-SE" sz="4300" dirty="0"/>
+              <a:t>/POM/4.0.0" </a:t>
+            </a:r>
+            <a:r>
+              <a:rPr lang="sv-SE" sz="4300" dirty="0" err="1"/>
+              <a:t>xmlns:xsi</a:t>
+            </a:r>
+            <a:r>
+              <a:rPr lang="sv-SE" sz="4300" dirty="0"/>
+              <a:t>="http://www.w3.org/2001/</a:t>
+            </a:r>
+            <a:r>
+              <a:rPr lang="sv-SE" sz="4300" dirty="0" err="1"/>
+              <a:t>XMLSchema-instance</a:t>
+            </a:r>
+            <a:r>
+              <a:rPr lang="sv-SE" sz="4300" dirty="0"/>
+              <a:t>"</a:t>
+            </a:r>
+            <a:br>
+              <a:rPr lang="sv-SE" sz="4300" dirty="0"/>
+            </a:br>
+            <a:r>
+              <a:rPr lang="sv-SE" sz="4300" dirty="0"/>
+              <a:t>  </a:t>
+            </a:r>
+            <a:r>
+              <a:rPr lang="sv-SE" sz="4300" dirty="0" err="1"/>
+              <a:t>xsi:schemaLocation</a:t>
+            </a:r>
+            <a:r>
+              <a:rPr lang="sv-SE" sz="4300" dirty="0"/>
+              <a:t>="http://</a:t>
+            </a:r>
+            <a:r>
+              <a:rPr lang="sv-SE" sz="4300" dirty="0" err="1"/>
+              <a:t>maven.apache.org</a:t>
+            </a:r>
+            <a:r>
+              <a:rPr lang="sv-SE" sz="4300" dirty="0"/>
+              <a:t>/POM/4.0.0 http://</a:t>
+            </a:r>
+            <a:r>
+              <a:rPr lang="sv-SE" sz="4300" dirty="0" err="1"/>
+              <a:t>maven.apache.org</a:t>
+            </a:r>
+            <a:r>
+              <a:rPr lang="sv-SE" sz="4300" dirty="0"/>
+              <a:t>/</a:t>
+            </a:r>
+            <a:r>
+              <a:rPr lang="sv-SE" sz="4300" dirty="0" err="1"/>
+              <a:t>xsd</a:t>
+            </a:r>
+            <a:r>
+              <a:rPr lang="sv-SE" sz="4300" dirty="0"/>
+              <a:t>/maven-4.0.0.xsd"&gt;</a:t>
+            </a:r>
+            <a:br>
+              <a:rPr lang="sv-SE" sz="4300" dirty="0"/>
+            </a:br>
+            <a:r>
+              <a:rPr lang="sv-SE" sz="4300" dirty="0"/>
+              <a:t>  &lt;</a:t>
+            </a:r>
+            <a:r>
+              <a:rPr lang="sv-SE" sz="4300" dirty="0" err="1"/>
+              <a:t>modelVersion</a:t>
+            </a:r>
+            <a:r>
+              <a:rPr lang="sv-SE" sz="4300" dirty="0"/>
+              <a:t>&gt;4.0.0&lt;/</a:t>
+            </a:r>
+            <a:r>
+              <a:rPr lang="sv-SE" sz="4300" dirty="0" err="1"/>
+              <a:t>modelVersion</a:t>
+            </a:r>
+            <a:r>
+              <a:rPr lang="sv-SE" sz="4300" dirty="0"/>
+              <a:t>&gt;</a:t>
+            </a:r>
+            <a:br>
+              <a:rPr lang="sv-SE" sz="4300" dirty="0"/>
+            </a:br>
+            <a:br>
+              <a:rPr lang="sv-SE" sz="4300" dirty="0"/>
+            </a:br>
+            <a:r>
+              <a:rPr lang="sv-SE" sz="4300" dirty="0"/>
+              <a:t>  &lt;</a:t>
+            </a:r>
+            <a:r>
+              <a:rPr lang="sv-SE" sz="4300" dirty="0" err="1"/>
+              <a:t>groupId</a:t>
+            </a:r>
+            <a:r>
+              <a:rPr lang="sv-SE" sz="4300" dirty="0"/>
+              <a:t>&gt;se.inte.group5&lt;/</a:t>
+            </a:r>
+            <a:r>
+              <a:rPr lang="sv-SE" sz="4300" dirty="0" err="1"/>
+              <a:t>groupId</a:t>
+            </a:r>
+            <a:r>
+              <a:rPr lang="sv-SE" sz="4300" dirty="0"/>
+              <a:t>&gt;</a:t>
+            </a:r>
+            <a:br>
+              <a:rPr lang="sv-SE" sz="4300" dirty="0"/>
+            </a:br>
+            <a:r>
+              <a:rPr lang="sv-SE" sz="4300" dirty="0"/>
+              <a:t>  &lt;</a:t>
+            </a:r>
+            <a:r>
+              <a:rPr lang="sv-SE" sz="4300" dirty="0" err="1"/>
+              <a:t>artifactId</a:t>
+            </a:r>
+            <a:r>
+              <a:rPr lang="sv-SE" sz="4300" dirty="0"/>
+              <a:t>&gt;</a:t>
+            </a:r>
+            <a:r>
+              <a:rPr lang="sv-SE" sz="4300" dirty="0" err="1"/>
+              <a:t>InteGame</a:t>
+            </a:r>
+            <a:r>
+              <a:rPr lang="sv-SE" sz="4300" dirty="0"/>
+              <a:t>&lt;/</a:t>
+            </a:r>
+            <a:r>
+              <a:rPr lang="sv-SE" sz="4300" dirty="0" err="1"/>
+              <a:t>artifactId</a:t>
+            </a:r>
+            <a:r>
+              <a:rPr lang="sv-SE" sz="4300" dirty="0"/>
+              <a:t>&gt;</a:t>
+            </a:r>
+            <a:br>
+              <a:rPr lang="sv-SE" sz="4300" dirty="0"/>
+            </a:br>
+            <a:r>
+              <a:rPr lang="sv-SE" sz="4300" dirty="0"/>
+              <a:t>  &lt;version&gt;1.0-SNAPSHOT&lt;/version&gt;</a:t>
+            </a:r>
+            <a:br>
+              <a:rPr lang="sv-SE" sz="4300" dirty="0"/>
+            </a:br>
+            <a:br>
+              <a:rPr lang="sv-SE" sz="4300" dirty="0"/>
+            </a:br>
+            <a:r>
+              <a:rPr lang="sv-SE" sz="4300" dirty="0"/>
+              <a:t>  &lt;</a:t>
+            </a:r>
+            <a:r>
+              <a:rPr lang="sv-SE" sz="4300" dirty="0" err="1"/>
+              <a:t>name</a:t>
+            </a:r>
+            <a:r>
+              <a:rPr lang="sv-SE" sz="4300" dirty="0"/>
+              <a:t>&gt;</a:t>
+            </a:r>
+            <a:r>
+              <a:rPr lang="sv-SE" sz="4300" dirty="0" err="1"/>
+              <a:t>InteGame</a:t>
+            </a:r>
+            <a:r>
+              <a:rPr lang="sv-SE" sz="4300" dirty="0"/>
+              <a:t>&lt;/</a:t>
+            </a:r>
+            <a:r>
+              <a:rPr lang="sv-SE" sz="4300" dirty="0" err="1"/>
+              <a:t>name</a:t>
+            </a:r>
+            <a:r>
+              <a:rPr lang="sv-SE" sz="4300" dirty="0"/>
+              <a:t>&gt;</a:t>
+            </a:r>
+            <a:br>
+              <a:rPr lang="sv-SE" sz="4300" dirty="0"/>
+            </a:br>
+            <a:br>
+              <a:rPr lang="sv-SE" sz="4300" dirty="0"/>
+            </a:br>
+            <a:r>
+              <a:rPr lang="sv-SE" sz="4300" dirty="0"/>
+              <a:t>  &lt;</a:t>
+            </a:r>
+            <a:r>
+              <a:rPr lang="sv-SE" sz="4300" dirty="0" err="1"/>
+              <a:t>properties</a:t>
+            </a:r>
+            <a:r>
+              <a:rPr lang="sv-SE" sz="4300" dirty="0"/>
+              <a:t>&gt;</a:t>
+            </a:r>
+            <a:br>
+              <a:rPr lang="sv-SE" sz="4300" dirty="0"/>
+            </a:br>
+            <a:r>
+              <a:rPr lang="sv-SE" sz="4300" dirty="0"/>
+              <a:t>    &lt;</a:t>
+            </a:r>
+            <a:r>
+              <a:rPr lang="sv-SE" sz="4300" dirty="0" err="1"/>
+              <a:t>project.build.sourceEncoding</a:t>
+            </a:r>
+            <a:r>
+              <a:rPr lang="sv-SE" sz="4300" dirty="0"/>
+              <a:t>&gt;UTF-8&lt;/</a:t>
+            </a:r>
+            <a:r>
+              <a:rPr lang="sv-SE" sz="4300" dirty="0" err="1"/>
+              <a:t>project.build.sourceEncoding</a:t>
+            </a:r>
+            <a:r>
+              <a:rPr lang="sv-SE" sz="4300" dirty="0"/>
+              <a:t>&gt;</a:t>
+            </a:r>
+            <a:br>
+              <a:rPr lang="sv-SE" sz="4300" dirty="0"/>
+            </a:br>
+            <a:r>
+              <a:rPr lang="sv-SE" sz="4300" dirty="0"/>
+              <a:t>    &lt;</a:t>
+            </a:r>
+            <a:r>
+              <a:rPr lang="sv-SE" sz="4300" dirty="0" err="1"/>
+              <a:t>maven.compiler.source</a:t>
+            </a:r>
+            <a:r>
+              <a:rPr lang="sv-SE" sz="4300" dirty="0"/>
+              <a:t>&gt;1.7&lt;/</a:t>
+            </a:r>
+            <a:r>
+              <a:rPr lang="sv-SE" sz="4300" dirty="0" err="1"/>
+              <a:t>maven.compiler.source</a:t>
+            </a:r>
+            <a:r>
+              <a:rPr lang="sv-SE" sz="4300" dirty="0"/>
+              <a:t>&gt;</a:t>
+            </a:r>
+            <a:br>
+              <a:rPr lang="sv-SE" sz="4300" dirty="0"/>
+            </a:br>
+            <a:r>
+              <a:rPr lang="sv-SE" sz="4300" dirty="0"/>
+              <a:t>    &lt;</a:t>
+            </a:r>
+            <a:r>
+              <a:rPr lang="sv-SE" sz="4300" dirty="0" err="1"/>
+              <a:t>maven.compiler.target</a:t>
+            </a:r>
+            <a:r>
+              <a:rPr lang="sv-SE" sz="4300" dirty="0"/>
+              <a:t>&gt;1.7&lt;/</a:t>
+            </a:r>
+            <a:r>
+              <a:rPr lang="sv-SE" sz="4300" dirty="0" err="1"/>
+              <a:t>maven.compiler.target</a:t>
+            </a:r>
+            <a:r>
+              <a:rPr lang="sv-SE" sz="4300" dirty="0"/>
+              <a:t>&gt;</a:t>
+            </a:r>
+            <a:br>
+              <a:rPr lang="sv-SE" sz="4300" dirty="0"/>
+            </a:br>
+            <a:r>
+              <a:rPr lang="sv-SE" sz="4300" dirty="0"/>
+              <a:t>  &lt;/</a:t>
+            </a:r>
+            <a:r>
+              <a:rPr lang="sv-SE" sz="4300" dirty="0" err="1"/>
+              <a:t>properties</a:t>
+            </a:r>
+            <a:r>
+              <a:rPr lang="sv-SE" sz="4300" dirty="0"/>
+              <a:t>&gt;</a:t>
+            </a:r>
+            <a:br>
+              <a:rPr lang="sv-SE" sz="4300" dirty="0"/>
+            </a:br>
+            <a:br>
+              <a:rPr lang="sv-SE" sz="4300" dirty="0"/>
+            </a:br>
+            <a:r>
+              <a:rPr lang="sv-SE" sz="4300" dirty="0"/>
+              <a:t>  &lt;</a:t>
+            </a:r>
+            <a:r>
+              <a:rPr lang="sv-SE" sz="4300" dirty="0" err="1"/>
+              <a:t>dependencies</a:t>
+            </a:r>
+            <a:r>
+              <a:rPr lang="sv-SE" sz="4300" dirty="0"/>
+              <a:t>&gt;</a:t>
+            </a:r>
+            <a:br>
+              <a:rPr lang="sv-SE" sz="4300" dirty="0"/>
+            </a:br>
+            <a:r>
+              <a:rPr lang="sv-SE" sz="4300" dirty="0"/>
+              <a:t>    &lt;</a:t>
+            </a:r>
+            <a:r>
+              <a:rPr lang="sv-SE" sz="4300" dirty="0" err="1"/>
+              <a:t>dependency</a:t>
+            </a:r>
+            <a:r>
+              <a:rPr lang="sv-SE" sz="4300" dirty="0"/>
+              <a:t>&gt;</a:t>
+            </a:r>
+            <a:br>
+              <a:rPr lang="sv-SE" sz="4300" dirty="0"/>
+            </a:br>
+            <a:r>
+              <a:rPr lang="sv-SE" sz="4300" dirty="0"/>
+              <a:t>      &lt;</a:t>
+            </a:r>
+            <a:r>
+              <a:rPr lang="sv-SE" sz="4300" dirty="0" err="1"/>
+              <a:t>groupId</a:t>
+            </a:r>
+            <a:r>
+              <a:rPr lang="sv-SE" sz="4300" dirty="0"/>
+              <a:t>&gt;</a:t>
+            </a:r>
+            <a:r>
+              <a:rPr lang="sv-SE" sz="4300" dirty="0" err="1"/>
+              <a:t>junit</a:t>
+            </a:r>
+            <a:r>
+              <a:rPr lang="sv-SE" sz="4300" dirty="0"/>
+              <a:t>&lt;/</a:t>
+            </a:r>
+            <a:r>
+              <a:rPr lang="sv-SE" sz="4300" dirty="0" err="1"/>
+              <a:t>groupId</a:t>
+            </a:r>
+            <a:r>
+              <a:rPr lang="sv-SE" sz="4300" dirty="0"/>
+              <a:t>&gt;</a:t>
+            </a:r>
+            <a:br>
+              <a:rPr lang="sv-SE" sz="4300" dirty="0"/>
+            </a:br>
+            <a:r>
+              <a:rPr lang="sv-SE" sz="4300" dirty="0"/>
+              <a:t>      &lt;</a:t>
+            </a:r>
+            <a:r>
+              <a:rPr lang="sv-SE" sz="4300" dirty="0" err="1"/>
+              <a:t>artifactId</a:t>
+            </a:r>
+            <a:r>
+              <a:rPr lang="sv-SE" sz="4300" dirty="0"/>
+              <a:t>&gt;</a:t>
+            </a:r>
+            <a:r>
+              <a:rPr lang="sv-SE" sz="4300" dirty="0" err="1"/>
+              <a:t>junit</a:t>
+            </a:r>
+            <a:r>
+              <a:rPr lang="sv-SE" sz="4300" dirty="0"/>
+              <a:t>&lt;/</a:t>
+            </a:r>
+            <a:r>
+              <a:rPr lang="sv-SE" sz="4300" dirty="0" err="1"/>
+              <a:t>artifactId</a:t>
+            </a:r>
+            <a:r>
+              <a:rPr lang="sv-SE" sz="4300" dirty="0"/>
+              <a:t>&gt;</a:t>
+            </a:r>
+            <a:br>
+              <a:rPr lang="sv-SE" sz="4300" dirty="0"/>
+            </a:br>
+            <a:r>
+              <a:rPr lang="sv-SE" sz="4300" dirty="0"/>
+              <a:t>      &lt;version&gt;4.11&lt;/version&gt;</a:t>
+            </a:r>
+            <a:br>
+              <a:rPr lang="sv-SE" sz="4300" dirty="0"/>
+            </a:br>
+            <a:r>
+              <a:rPr lang="sv-SE" sz="4300" dirty="0"/>
+              <a:t>      &lt;</a:t>
+            </a:r>
+            <a:r>
+              <a:rPr lang="sv-SE" sz="4300" dirty="0" err="1"/>
+              <a:t>scope</a:t>
+            </a:r>
+            <a:r>
+              <a:rPr lang="sv-SE" sz="4300" dirty="0"/>
+              <a:t>&gt;test&lt;/</a:t>
+            </a:r>
+            <a:r>
+              <a:rPr lang="sv-SE" sz="4300" dirty="0" err="1"/>
+              <a:t>scope</a:t>
+            </a:r>
+            <a:r>
+              <a:rPr lang="sv-SE" sz="4300" dirty="0"/>
+              <a:t>&gt;</a:t>
+            </a:r>
+            <a:br>
+              <a:rPr lang="sv-SE" sz="4300" dirty="0"/>
+            </a:br>
+            <a:r>
+              <a:rPr lang="sv-SE" sz="4300" dirty="0"/>
+              <a:t>    &lt;/</a:t>
+            </a:r>
+            <a:r>
+              <a:rPr lang="sv-SE" sz="4300" dirty="0" err="1"/>
+              <a:t>dependency</a:t>
+            </a:r>
+            <a:r>
+              <a:rPr lang="sv-SE" sz="4300" dirty="0"/>
+              <a:t>&gt;</a:t>
+            </a:r>
+            <a:br>
+              <a:rPr lang="sv-SE" sz="4300" dirty="0"/>
+            </a:br>
+            <a:r>
+              <a:rPr lang="sv-SE" sz="4300" dirty="0"/>
+              <a:t>  &lt;/</a:t>
+            </a:r>
+            <a:r>
+              <a:rPr lang="sv-SE" sz="4300" dirty="0" err="1"/>
+              <a:t>dependencies</a:t>
+            </a:r>
+            <a:r>
+              <a:rPr lang="sv-SE" sz="4300" dirty="0"/>
+              <a:t>&gt;</a:t>
+            </a:r>
+            <a:br>
+              <a:rPr lang="sv-SE" sz="4300" dirty="0"/>
+            </a:br>
+            <a:br>
+              <a:rPr lang="sv-SE" sz="4300" dirty="0"/>
+            </a:br>
+            <a:r>
+              <a:rPr lang="sv-SE" sz="4300" dirty="0"/>
+              <a:t>&lt;/</a:t>
+            </a:r>
+            <a:r>
+              <a:rPr lang="sv-SE" sz="4300" dirty="0" err="1"/>
+              <a:t>project</a:t>
+            </a:r>
+            <a:r>
+              <a:rPr lang="sv-SE" sz="4300" dirty="0"/>
+              <a:t>&gt;</a:t>
+            </a:r>
+            <a:endParaRPr lang="sv-SE" dirty="0"/>
+          </a:p>
+        </p:txBody>
+      </p:sp>
+    </p:spTree>
+    <p:custDataLst>
+      <p:tags r:id="rId1"/>
+    </p:custDataLst>
+    <p:extLst>
+      <p:ext uri="{BB962C8B-B14F-4D97-AF65-F5344CB8AC3E}">
+        <p14:creationId xmlns:p14="http://schemas.microsoft.com/office/powerpoint/2010/main" val="1633220100"/>
+      </p:ext>
+    </p:extLst>
+  </p:cSld>
+  <p:clrMapOvr>
+    <a:masterClrMapping/>
+  </p:clrMapOvr>
+</p:sld>
+</file>
+
+<file path=ppt/slides/slide38.xml><?xml version="1.0" encoding="utf-8"?>
 <p:sld xmlns:a="http://schemas.openxmlformats.org/drawingml/2006/main" xmlns:r="http://schemas.openxmlformats.org/officeDocument/2006/relationships" xmlns:p="http://schemas.openxmlformats.org/presentationml/2006/main">
   <p:cSld>
     <p:spTree>
@@ -16710,6 +17217,12 @@
 </file>
 
 <file path=ppt/tags/tag38.xml><?xml version="1.0" encoding="utf-8"?>
+<p:tagLst xmlns:a="http://schemas.openxmlformats.org/drawingml/2006/main" xmlns:r="http://schemas.openxmlformats.org/officeDocument/2006/relationships" xmlns:p="http://schemas.openxmlformats.org/presentationml/2006/main">
+  <p:tag name="ARTICULATE_SLIDE_THUMBNAIL_REFRESH" val="1"/>
+</p:tagLst>
+</file>
+
+<file path=ppt/tags/tag39.xml><?xml version="1.0" encoding="utf-8"?>
 <p:tagLst xmlns:a="http://schemas.openxmlformats.org/drawingml/2006/main" xmlns:r="http://schemas.openxmlformats.org/officeDocument/2006/relationships" xmlns:p="http://schemas.openxmlformats.org/presentationml/2006/main">
   <p:tag name="ARTICULATE_SLIDE_THUMBNAIL_REFRESH" val="1"/>
 </p:tagLst>

--- a/docs/Slutredovisning_grp5_v8.pptx
+++ b/docs/Slutredovisning_grp5_v8.pptx
@@ -237,7 +237,7 @@
           <a:p>
             <a:fld id="{78657D70-8167-4127-866D-BAA56A2DFFEF}" type="datetimeFigureOut">
               <a:rPr lang="sv-SE" smtClean="0"/>
-              <a:t>2018-10-24</a:t>
+              <a:t>2018-10-25</a:t>
             </a:fld>
             <a:endParaRPr lang="sv-SE"/>
           </a:p>
@@ -5639,7 +5639,7 @@
           <a:p>
             <a:fld id="{B4C653A3-D7FF-4AF7-943B-34A467C3139E}" type="datetimeFigureOut">
               <a:rPr lang="sv-SE" smtClean="0"/>
-              <a:t>2018-10-24</a:t>
+              <a:t>2018-10-25</a:t>
             </a:fld>
             <a:endParaRPr lang="sv-SE"/>
           </a:p>
@@ -5807,7 +5807,7 @@
           <a:p>
             <a:fld id="{B4C653A3-D7FF-4AF7-943B-34A467C3139E}" type="datetimeFigureOut">
               <a:rPr lang="sv-SE" smtClean="0"/>
-              <a:t>2018-10-24</a:t>
+              <a:t>2018-10-25</a:t>
             </a:fld>
             <a:endParaRPr lang="sv-SE"/>
           </a:p>
@@ -5985,7 +5985,7 @@
           <a:p>
             <a:fld id="{B4C653A3-D7FF-4AF7-943B-34A467C3139E}" type="datetimeFigureOut">
               <a:rPr lang="sv-SE" smtClean="0"/>
-              <a:t>2018-10-24</a:t>
+              <a:t>2018-10-25</a:t>
             </a:fld>
             <a:endParaRPr lang="sv-SE"/>
           </a:p>
@@ -6153,7 +6153,7 @@
           <a:p>
             <a:fld id="{B4C653A3-D7FF-4AF7-943B-34A467C3139E}" type="datetimeFigureOut">
               <a:rPr lang="sv-SE" smtClean="0"/>
-              <a:t>2018-10-24</a:t>
+              <a:t>2018-10-25</a:t>
             </a:fld>
             <a:endParaRPr lang="sv-SE"/>
           </a:p>
@@ -6398,7 +6398,7 @@
           <a:p>
             <a:fld id="{B4C653A3-D7FF-4AF7-943B-34A467C3139E}" type="datetimeFigureOut">
               <a:rPr lang="sv-SE" smtClean="0"/>
-              <a:t>2018-10-24</a:t>
+              <a:t>2018-10-25</a:t>
             </a:fld>
             <a:endParaRPr lang="sv-SE"/>
           </a:p>
@@ -6627,7 +6627,7 @@
           <a:p>
             <a:fld id="{B4C653A3-D7FF-4AF7-943B-34A467C3139E}" type="datetimeFigureOut">
               <a:rPr lang="sv-SE" smtClean="0"/>
-              <a:t>2018-10-24</a:t>
+              <a:t>2018-10-25</a:t>
             </a:fld>
             <a:endParaRPr lang="sv-SE"/>
           </a:p>
@@ -6991,7 +6991,7 @@
           <a:p>
             <a:fld id="{B4C653A3-D7FF-4AF7-943B-34A467C3139E}" type="datetimeFigureOut">
               <a:rPr lang="sv-SE" smtClean="0"/>
-              <a:t>2018-10-24</a:t>
+              <a:t>2018-10-25</a:t>
             </a:fld>
             <a:endParaRPr lang="sv-SE"/>
           </a:p>
@@ -7108,7 +7108,7 @@
           <a:p>
             <a:fld id="{B4C653A3-D7FF-4AF7-943B-34A467C3139E}" type="datetimeFigureOut">
               <a:rPr lang="sv-SE" smtClean="0"/>
-              <a:t>2018-10-24</a:t>
+              <a:t>2018-10-25</a:t>
             </a:fld>
             <a:endParaRPr lang="sv-SE"/>
           </a:p>
@@ -7203,7 +7203,7 @@
           <a:p>
             <a:fld id="{B4C653A3-D7FF-4AF7-943B-34A467C3139E}" type="datetimeFigureOut">
               <a:rPr lang="sv-SE" smtClean="0"/>
-              <a:t>2018-10-24</a:t>
+              <a:t>2018-10-25</a:t>
             </a:fld>
             <a:endParaRPr lang="sv-SE"/>
           </a:p>
@@ -7478,7 +7478,7 @@
           <a:p>
             <a:fld id="{B4C653A3-D7FF-4AF7-943B-34A467C3139E}" type="datetimeFigureOut">
               <a:rPr lang="sv-SE" smtClean="0"/>
-              <a:t>2018-10-24</a:t>
+              <a:t>2018-10-25</a:t>
             </a:fld>
             <a:endParaRPr lang="sv-SE"/>
           </a:p>
@@ -7730,7 +7730,7 @@
           <a:p>
             <a:fld id="{B4C653A3-D7FF-4AF7-943B-34A467C3139E}" type="datetimeFigureOut">
               <a:rPr lang="sv-SE" smtClean="0"/>
-              <a:t>2018-10-24</a:t>
+              <a:t>2018-10-25</a:t>
             </a:fld>
             <a:endParaRPr lang="sv-SE"/>
           </a:p>
@@ -7941,7 +7941,7 @@
           <a:p>
             <a:fld id="{B4C653A3-D7FF-4AF7-943B-34A467C3139E}" type="datetimeFigureOut">
               <a:rPr lang="sv-SE" smtClean="0"/>
-              <a:t>2018-10-24</a:t>
+              <a:t>2018-10-25</a:t>
             </a:fld>
             <a:endParaRPr lang="sv-SE"/>
           </a:p>
@@ -8548,9 +8548,16 @@
             <p:ph type="body" idx="1"/>
           </p:nvPr>
         </p:nvSpPr>
-        <p:spPr/>
-        <p:txBody>
-          <a:bodyPr/>
+        <p:spPr>
+          <a:xfrm>
+            <a:off x="836612" y="1451373"/>
+            <a:ext cx="5157787" cy="411955"/>
+          </a:xfrm>
+        </p:spPr>
+        <p:txBody>
+          <a:bodyPr>
+            <a:normAutofit lnSpcReduction="10000"/>
+          </a:bodyPr>
           <a:lstStyle/>
           <a:p>
             <a:r>
@@ -8571,59 +8578,639 @@
             <p:ph sz="half" idx="2"/>
           </p:nvPr>
         </p:nvSpPr>
-        <p:spPr/>
-        <p:txBody>
-          <a:bodyPr/>
+        <p:spPr>
+          <a:xfrm>
+            <a:off x="836612" y="2093119"/>
+            <a:ext cx="5157787" cy="4399756"/>
+          </a:xfrm>
+        </p:spPr>
+        <p:txBody>
+          <a:bodyPr>
+            <a:normAutofit/>
+          </a:bodyPr>
           <a:lstStyle/>
           <a:p>
             <a:pPr marL="0" indent="0">
               <a:buNone/>
             </a:pPr>
-            <a:endParaRPr lang="sv-SE" dirty="0"/>
-          </a:p>
-        </p:txBody>
-      </p:sp>
-      <p:sp>
-        <p:nvSpPr>
-          <p:cNvPr id="6" name="Platshållare för text 5"/>
-          <p:cNvSpPr>
-            <a:spLocks noGrp="1"/>
-          </p:cNvSpPr>
-          <p:nvPr>
-            <p:ph type="body" sz="quarter" idx="3"/>
-          </p:nvPr>
-        </p:nvSpPr>
-        <p:spPr/>
-        <p:txBody>
-          <a:bodyPr/>
-          <a:lstStyle/>
-          <a:p>
-            <a:r>
-              <a:rPr lang="sv-SE" dirty="0"/>
-              <a:t>Koden som testas</a:t>
-            </a:r>
-          </a:p>
-        </p:txBody>
-      </p:sp>
-      <p:sp>
-        <p:nvSpPr>
-          <p:cNvPr id="7" name="Platshållare för innehåll 6"/>
-          <p:cNvSpPr>
-            <a:spLocks noGrp="1"/>
-          </p:cNvSpPr>
-          <p:nvPr>
-            <p:ph sz="quarter" idx="4"/>
-          </p:nvPr>
-        </p:nvSpPr>
-        <p:spPr/>
-        <p:txBody>
-          <a:bodyPr/>
-          <a:lstStyle/>
+            <a:r>
+              <a:rPr lang="sv-SE" sz="1400" dirty="0"/>
+              <a:t>@Test</a:t>
+            </a:r>
+            <a:br>
+              <a:rPr lang="sv-SE" sz="1400" dirty="0"/>
+            </a:br>
+            <a:r>
+              <a:rPr lang="sv-SE" sz="1400" dirty="0"/>
+              <a:t>public </a:t>
+            </a:r>
+            <a:r>
+              <a:rPr lang="sv-SE" sz="1400" dirty="0" err="1"/>
+              <a:t>void</a:t>
+            </a:r>
+            <a:r>
+              <a:rPr lang="sv-SE" sz="1400" dirty="0"/>
+              <a:t> </a:t>
+            </a:r>
+            <a:r>
+              <a:rPr lang="sv-SE" sz="1400" dirty="0" err="1"/>
+              <a:t>removeItemFromMap_ok</a:t>
+            </a:r>
+            <a:r>
+              <a:rPr lang="sv-SE" sz="1400" dirty="0"/>
+              <a:t>(){</a:t>
+            </a:r>
+            <a:br>
+              <a:rPr lang="sv-SE" sz="1400" dirty="0"/>
+            </a:br>
+            <a:r>
+              <a:rPr lang="sv-SE" sz="1400" dirty="0"/>
+              <a:t>    </a:t>
+            </a:r>
+            <a:r>
+              <a:rPr lang="sv-SE" sz="1400" dirty="0" err="1"/>
+              <a:t>Map</a:t>
+            </a:r>
+            <a:r>
+              <a:rPr lang="sv-SE" sz="1400" dirty="0"/>
+              <a:t> </a:t>
+            </a:r>
+            <a:r>
+              <a:rPr lang="sv-SE" sz="1400" dirty="0" err="1"/>
+              <a:t>map</a:t>
+            </a:r>
+            <a:r>
+              <a:rPr lang="sv-SE" sz="1400" dirty="0"/>
+              <a:t> = new </a:t>
+            </a:r>
+            <a:r>
+              <a:rPr lang="sv-SE" sz="1400" dirty="0" err="1"/>
+              <a:t>Map</a:t>
+            </a:r>
+            <a:r>
+              <a:rPr lang="sv-SE" sz="1400" dirty="0"/>
+              <a:t>(20,20);</a:t>
+            </a:r>
+            <a:br>
+              <a:rPr lang="sv-SE" sz="1400" dirty="0"/>
+            </a:br>
+            <a:r>
+              <a:rPr lang="sv-SE" sz="1400" dirty="0"/>
+              <a:t>    Wall </a:t>
+            </a:r>
+            <a:r>
+              <a:rPr lang="sv-SE" sz="1400" dirty="0" err="1"/>
+              <a:t>wall</a:t>
+            </a:r>
+            <a:r>
+              <a:rPr lang="sv-SE" sz="1400" dirty="0"/>
+              <a:t> = new Wall();</a:t>
+            </a:r>
+            <a:br>
+              <a:rPr lang="sv-SE" sz="1400" dirty="0"/>
+            </a:br>
+            <a:r>
+              <a:rPr lang="sv-SE" sz="1400" dirty="0"/>
+              <a:t>    </a:t>
+            </a:r>
+            <a:r>
+              <a:rPr lang="sv-SE" sz="1400" i="1" dirty="0" err="1"/>
+              <a:t>assertNull</a:t>
+            </a:r>
+            <a:r>
+              <a:rPr lang="sv-SE" sz="1400" dirty="0"/>
+              <a:t>(</a:t>
+            </a:r>
+            <a:r>
+              <a:rPr lang="sv-SE" sz="1400" dirty="0" err="1"/>
+              <a:t>map.getMap</a:t>
+            </a:r>
+            <a:r>
+              <a:rPr lang="sv-SE" sz="1400" dirty="0"/>
+              <a:t>()[10][10]);</a:t>
+            </a:r>
+            <a:br>
+              <a:rPr lang="sv-SE" sz="1400" dirty="0"/>
+            </a:br>
+            <a:r>
+              <a:rPr lang="sv-SE" sz="1400" dirty="0"/>
+              <a:t>    </a:t>
+            </a:r>
+            <a:r>
+              <a:rPr lang="sv-SE" sz="1400" dirty="0" err="1"/>
+              <a:t>map.placeGameObject</a:t>
+            </a:r>
+            <a:r>
+              <a:rPr lang="sv-SE" sz="1400" dirty="0"/>
+              <a:t>(10, 10, </a:t>
+            </a:r>
+            <a:r>
+              <a:rPr lang="sv-SE" sz="1400" dirty="0" err="1"/>
+              <a:t>wall</a:t>
+            </a:r>
+            <a:r>
+              <a:rPr lang="sv-SE" sz="1400" dirty="0"/>
+              <a:t>);</a:t>
+            </a:r>
+            <a:br>
+              <a:rPr lang="sv-SE" sz="1400" dirty="0"/>
+            </a:br>
+            <a:r>
+              <a:rPr lang="sv-SE" sz="1400" dirty="0"/>
+              <a:t>    </a:t>
+            </a:r>
+            <a:r>
+              <a:rPr lang="sv-SE" sz="1400" i="1" dirty="0" err="1"/>
+              <a:t>assertEquals</a:t>
+            </a:r>
+            <a:r>
+              <a:rPr lang="sv-SE" sz="1400" dirty="0"/>
+              <a:t>(</a:t>
+            </a:r>
+            <a:r>
+              <a:rPr lang="sv-SE" sz="1400" dirty="0" err="1"/>
+              <a:t>wall</a:t>
+            </a:r>
+            <a:r>
+              <a:rPr lang="sv-SE" sz="1400" dirty="0"/>
+              <a:t>, </a:t>
+            </a:r>
+            <a:r>
+              <a:rPr lang="sv-SE" sz="1400" dirty="0" err="1"/>
+              <a:t>map.getMap</a:t>
+            </a:r>
+            <a:r>
+              <a:rPr lang="sv-SE" sz="1400" dirty="0"/>
+              <a:t>()[10][10]);</a:t>
+            </a:r>
+            <a:br>
+              <a:rPr lang="sv-SE" sz="1400" dirty="0"/>
+            </a:br>
+            <a:r>
+              <a:rPr lang="sv-SE" sz="1400" dirty="0"/>
+              <a:t>    </a:t>
+            </a:r>
+            <a:r>
+              <a:rPr lang="sv-SE" sz="1400" i="1" dirty="0" err="1"/>
+              <a:t>assertEquals</a:t>
+            </a:r>
+            <a:r>
+              <a:rPr lang="sv-SE" sz="1400" dirty="0"/>
+              <a:t>(</a:t>
+            </a:r>
+            <a:r>
+              <a:rPr lang="sv-SE" sz="1400" dirty="0" err="1"/>
+              <a:t>wall</a:t>
+            </a:r>
+            <a:r>
+              <a:rPr lang="sv-SE" sz="1400" dirty="0"/>
+              <a:t>, </a:t>
+            </a:r>
+            <a:r>
+              <a:rPr lang="sv-SE" sz="1400" dirty="0" err="1"/>
+              <a:t>map.removeItem</a:t>
+            </a:r>
+            <a:r>
+              <a:rPr lang="sv-SE" sz="1400" dirty="0"/>
+              <a:t>(10,10));</a:t>
+            </a:r>
+            <a:br>
+              <a:rPr lang="sv-SE" sz="1400" dirty="0"/>
+            </a:br>
+            <a:r>
+              <a:rPr lang="sv-SE" sz="1400" dirty="0"/>
+              <a:t>}</a:t>
+            </a:r>
+          </a:p>
           <a:p>
             <a:pPr marL="0" indent="0">
               <a:buNone/>
             </a:pPr>
-            <a:endParaRPr lang="sv-SE" dirty="0"/>
+            <a:endParaRPr lang="sv-SE" sz="1400" dirty="0"/>
+          </a:p>
+          <a:p>
+            <a:pPr marL="0" indent="0">
+              <a:buNone/>
+            </a:pPr>
+            <a:r>
+              <a:rPr lang="sv-SE" sz="1400" dirty="0"/>
+              <a:t>@Test</a:t>
+            </a:r>
+            <a:br>
+              <a:rPr lang="sv-SE" sz="1400" dirty="0"/>
+            </a:br>
+            <a:r>
+              <a:rPr lang="sv-SE" sz="1400" dirty="0"/>
+              <a:t>public </a:t>
+            </a:r>
+            <a:r>
+              <a:rPr lang="sv-SE" sz="1400" dirty="0" err="1"/>
+              <a:t>void</a:t>
+            </a:r>
+            <a:r>
+              <a:rPr lang="sv-SE" sz="1400" dirty="0"/>
+              <a:t> </a:t>
+            </a:r>
+            <a:r>
+              <a:rPr lang="sv-SE" sz="1400" dirty="0" err="1"/>
+              <a:t>removeItemThatDontExist_ok</a:t>
+            </a:r>
+            <a:r>
+              <a:rPr lang="sv-SE" sz="1400" dirty="0"/>
+              <a:t>(){</a:t>
+            </a:r>
+            <a:br>
+              <a:rPr lang="sv-SE" sz="1400" dirty="0"/>
+            </a:br>
+            <a:r>
+              <a:rPr lang="sv-SE" sz="1400" dirty="0"/>
+              <a:t>    </a:t>
+            </a:r>
+            <a:r>
+              <a:rPr lang="sv-SE" sz="1400" i="1" dirty="0" err="1"/>
+              <a:t>assertNull</a:t>
+            </a:r>
+            <a:r>
+              <a:rPr lang="sv-SE" sz="1400" dirty="0"/>
+              <a:t>(</a:t>
+            </a:r>
+            <a:r>
+              <a:rPr lang="sv-SE" sz="1400" dirty="0" err="1"/>
+              <a:t>map.removeItem</a:t>
+            </a:r>
+            <a:r>
+              <a:rPr lang="sv-SE" sz="1400" dirty="0"/>
+              <a:t>(10,10));</a:t>
+            </a:r>
+            <a:br>
+              <a:rPr lang="sv-SE" sz="1400" dirty="0"/>
+            </a:br>
+            <a:r>
+              <a:rPr lang="sv-SE" sz="1400" dirty="0"/>
+              <a:t>}</a:t>
+            </a:r>
+            <a:br>
+              <a:rPr lang="sv-SE" sz="1400" dirty="0"/>
+            </a:br>
+            <a:br>
+              <a:rPr lang="sv-SE" sz="1400" dirty="0"/>
+            </a:br>
+            <a:r>
+              <a:rPr lang="sv-SE" sz="1400" dirty="0"/>
+              <a:t>@Test(</a:t>
+            </a:r>
+            <a:r>
+              <a:rPr lang="sv-SE" sz="1400" dirty="0" err="1"/>
+              <a:t>expected</a:t>
+            </a:r>
+            <a:r>
+              <a:rPr lang="sv-SE" sz="1400" dirty="0"/>
+              <a:t> = </a:t>
+            </a:r>
+            <a:r>
+              <a:rPr lang="sv-SE" sz="1400" dirty="0" err="1"/>
+              <a:t>IndexOutOfBoundsException.class</a:t>
+            </a:r>
+            <a:r>
+              <a:rPr lang="sv-SE" sz="1400" dirty="0"/>
+              <a:t>)</a:t>
+            </a:r>
+            <a:br>
+              <a:rPr lang="sv-SE" sz="1400" dirty="0"/>
+            </a:br>
+            <a:r>
+              <a:rPr lang="sv-SE" sz="1400" dirty="0"/>
+              <a:t>public </a:t>
+            </a:r>
+            <a:r>
+              <a:rPr lang="sv-SE" sz="1400" dirty="0" err="1"/>
+              <a:t>void</a:t>
+            </a:r>
+            <a:r>
+              <a:rPr lang="sv-SE" sz="1400" dirty="0"/>
+              <a:t> </a:t>
+            </a:r>
+            <a:r>
+              <a:rPr lang="sv-SE" sz="1400" dirty="0" err="1"/>
+              <a:t>removeItemFromMap_indexOutOfBound</a:t>
+            </a:r>
+            <a:r>
+              <a:rPr lang="sv-SE" sz="1400" dirty="0"/>
+              <a:t>(){</a:t>
+            </a:r>
+            <a:br>
+              <a:rPr lang="sv-SE" sz="1400" dirty="0"/>
+            </a:br>
+            <a:r>
+              <a:rPr lang="sv-SE" sz="1400" dirty="0"/>
+              <a:t>    </a:t>
+            </a:r>
+            <a:r>
+              <a:rPr lang="sv-SE" sz="1400" dirty="0" err="1"/>
+              <a:t>map.removeItem</a:t>
+            </a:r>
+            <a:r>
+              <a:rPr lang="sv-SE" sz="1400" dirty="0"/>
+              <a:t>(400,500);</a:t>
+            </a:r>
+            <a:br>
+              <a:rPr lang="sv-SE" sz="1400" dirty="0"/>
+            </a:br>
+            <a:r>
+              <a:rPr lang="sv-SE" sz="1400" dirty="0"/>
+              <a:t>}</a:t>
+            </a:r>
+          </a:p>
+        </p:txBody>
+      </p:sp>
+      <p:sp>
+        <p:nvSpPr>
+          <p:cNvPr id="6" name="Platshållare för text 5"/>
+          <p:cNvSpPr>
+            <a:spLocks noGrp="1"/>
+          </p:cNvSpPr>
+          <p:nvPr>
+            <p:ph type="body" sz="quarter" idx="3"/>
+          </p:nvPr>
+        </p:nvSpPr>
+        <p:spPr>
+          <a:xfrm>
+            <a:off x="6175376" y="1451373"/>
+            <a:ext cx="5183188" cy="411956"/>
+          </a:xfrm>
+        </p:spPr>
+        <p:txBody>
+          <a:bodyPr>
+            <a:normAutofit lnSpcReduction="10000"/>
+          </a:bodyPr>
+          <a:lstStyle/>
+          <a:p>
+            <a:r>
+              <a:rPr lang="sv-SE" dirty="0"/>
+              <a:t>Koden som testas</a:t>
+            </a:r>
+          </a:p>
+        </p:txBody>
+      </p:sp>
+      <p:sp>
+        <p:nvSpPr>
+          <p:cNvPr id="7" name="Platshållare för innehåll 6"/>
+          <p:cNvSpPr>
+            <a:spLocks noGrp="1"/>
+          </p:cNvSpPr>
+          <p:nvPr>
+            <p:ph sz="quarter" idx="4"/>
+          </p:nvPr>
+        </p:nvSpPr>
+        <p:spPr>
+          <a:xfrm>
+            <a:off x="6172200" y="2093118"/>
+            <a:ext cx="5183188" cy="4399755"/>
+          </a:xfrm>
+        </p:spPr>
+        <p:txBody>
+          <a:bodyPr>
+            <a:normAutofit/>
+          </a:bodyPr>
+          <a:lstStyle/>
+          <a:p>
+            <a:pPr marL="0" indent="0">
+              <a:buNone/>
+            </a:pPr>
+            <a:r>
+              <a:rPr lang="sv-SE" sz="1600" dirty="0"/>
+              <a:t>public </a:t>
+            </a:r>
+            <a:r>
+              <a:rPr lang="sv-SE" sz="1600" dirty="0" err="1"/>
+              <a:t>GameObject</a:t>
+            </a:r>
+            <a:r>
+              <a:rPr lang="sv-SE" sz="1600" dirty="0"/>
+              <a:t> </a:t>
+            </a:r>
+            <a:r>
+              <a:rPr lang="sv-SE" sz="1600" dirty="0" err="1"/>
+              <a:t>removeItem</a:t>
+            </a:r>
+            <a:r>
+              <a:rPr lang="sv-SE" sz="1600" dirty="0"/>
+              <a:t>(</a:t>
+            </a:r>
+            <a:r>
+              <a:rPr lang="sv-SE" sz="1600" dirty="0" err="1"/>
+              <a:t>int</a:t>
+            </a:r>
+            <a:r>
+              <a:rPr lang="sv-SE" sz="1600" dirty="0"/>
+              <a:t> x, </a:t>
+            </a:r>
+            <a:r>
+              <a:rPr lang="sv-SE" sz="1600" dirty="0" err="1"/>
+              <a:t>int</a:t>
+            </a:r>
+            <a:r>
+              <a:rPr lang="sv-SE" sz="1600" dirty="0"/>
+              <a:t> y) {</a:t>
+            </a:r>
+            <a:br>
+              <a:rPr lang="sv-SE" sz="1600" dirty="0"/>
+            </a:br>
+            <a:r>
+              <a:rPr lang="sv-SE" sz="1600" dirty="0"/>
+              <a:t>    </a:t>
+            </a:r>
+            <a:r>
+              <a:rPr lang="sv-SE" sz="1600" dirty="0" err="1"/>
+              <a:t>if</a:t>
+            </a:r>
+            <a:r>
+              <a:rPr lang="sv-SE" sz="1600" dirty="0"/>
+              <a:t> (x &gt; </a:t>
+            </a:r>
+            <a:r>
+              <a:rPr lang="sv-SE" sz="1600" dirty="0" err="1"/>
+              <a:t>width</a:t>
+            </a:r>
+            <a:r>
+              <a:rPr lang="sv-SE" sz="1600" dirty="0"/>
+              <a:t>) {</a:t>
+            </a:r>
+            <a:br>
+              <a:rPr lang="sv-SE" sz="1600" dirty="0"/>
+            </a:br>
+            <a:r>
+              <a:rPr lang="sv-SE" sz="1600" dirty="0"/>
+              <a:t>        </a:t>
+            </a:r>
+            <a:r>
+              <a:rPr lang="sv-SE" sz="1600" dirty="0" err="1"/>
+              <a:t>throw</a:t>
+            </a:r>
+            <a:r>
+              <a:rPr lang="sv-SE" sz="1600" dirty="0"/>
+              <a:t> new </a:t>
+            </a:r>
+            <a:r>
+              <a:rPr lang="sv-SE" sz="1600" dirty="0" err="1"/>
+              <a:t>IndexOutOfBoundsException</a:t>
+            </a:r>
+            <a:r>
+              <a:rPr lang="sv-SE" sz="1600" dirty="0"/>
+              <a:t>();</a:t>
+            </a:r>
+            <a:br>
+              <a:rPr lang="sv-SE" sz="1600" dirty="0"/>
+            </a:br>
+            <a:r>
+              <a:rPr lang="sv-SE" sz="1600" dirty="0"/>
+              <a:t>    }</a:t>
+            </a:r>
+            <a:br>
+              <a:rPr lang="sv-SE" sz="1600" dirty="0"/>
+            </a:br>
+            <a:r>
+              <a:rPr lang="sv-SE" sz="1600" dirty="0"/>
+              <a:t>    </a:t>
+            </a:r>
+            <a:r>
+              <a:rPr lang="sv-SE" sz="1600" dirty="0" err="1"/>
+              <a:t>else</a:t>
+            </a:r>
+            <a:r>
+              <a:rPr lang="sv-SE" sz="1600" dirty="0"/>
+              <a:t> </a:t>
+            </a:r>
+            <a:r>
+              <a:rPr lang="sv-SE" sz="1600" dirty="0" err="1"/>
+              <a:t>if</a:t>
+            </a:r>
+            <a:r>
+              <a:rPr lang="sv-SE" sz="1600" dirty="0"/>
+              <a:t> (y &gt; </a:t>
+            </a:r>
+            <a:r>
+              <a:rPr lang="sv-SE" sz="1600" dirty="0" err="1"/>
+              <a:t>height</a:t>
+            </a:r>
+            <a:r>
+              <a:rPr lang="sv-SE" sz="1600" dirty="0"/>
+              <a:t>) {</a:t>
+            </a:r>
+            <a:br>
+              <a:rPr lang="sv-SE" sz="1600" dirty="0"/>
+            </a:br>
+            <a:r>
+              <a:rPr lang="sv-SE" sz="1600" dirty="0"/>
+              <a:t>        </a:t>
+            </a:r>
+            <a:r>
+              <a:rPr lang="sv-SE" sz="1600" dirty="0" err="1"/>
+              <a:t>throw</a:t>
+            </a:r>
+            <a:r>
+              <a:rPr lang="sv-SE" sz="1600" dirty="0"/>
+              <a:t> new </a:t>
+            </a:r>
+            <a:r>
+              <a:rPr lang="sv-SE" sz="1600" dirty="0" err="1"/>
+              <a:t>IndexOutOfBoundsException</a:t>
+            </a:r>
+            <a:r>
+              <a:rPr lang="sv-SE" sz="1600" dirty="0"/>
+              <a:t>();</a:t>
+            </a:r>
+            <a:br>
+              <a:rPr lang="sv-SE" sz="1600" dirty="0"/>
+            </a:br>
+            <a:r>
+              <a:rPr lang="sv-SE" sz="1600" dirty="0"/>
+              <a:t>    }</a:t>
+            </a:r>
+            <a:br>
+              <a:rPr lang="sv-SE" sz="1600" dirty="0"/>
+            </a:br>
+            <a:r>
+              <a:rPr lang="sv-SE" sz="1600" dirty="0"/>
+              <a:t>    </a:t>
+            </a:r>
+            <a:r>
+              <a:rPr lang="sv-SE" sz="1600" dirty="0" err="1"/>
+              <a:t>GameObject</a:t>
+            </a:r>
+            <a:r>
+              <a:rPr lang="sv-SE" sz="1600" dirty="0"/>
+              <a:t> </a:t>
+            </a:r>
+            <a:r>
+              <a:rPr lang="sv-SE" sz="1600" dirty="0" err="1"/>
+              <a:t>obj</a:t>
+            </a:r>
+            <a:r>
+              <a:rPr lang="sv-SE" sz="1600" dirty="0"/>
+              <a:t> = </a:t>
+            </a:r>
+            <a:r>
+              <a:rPr lang="sv-SE" sz="1600" dirty="0" err="1"/>
+              <a:t>map</a:t>
+            </a:r>
+            <a:r>
+              <a:rPr lang="sv-SE" sz="1600" dirty="0"/>
+              <a:t>[x][y];</a:t>
+            </a:r>
+            <a:br>
+              <a:rPr lang="sv-SE" sz="1600" dirty="0"/>
+            </a:br>
+            <a:r>
+              <a:rPr lang="sv-SE" sz="1600" dirty="0"/>
+              <a:t>    </a:t>
+            </a:r>
+            <a:r>
+              <a:rPr lang="sv-SE" sz="1600" dirty="0" err="1"/>
+              <a:t>map</a:t>
+            </a:r>
+            <a:r>
+              <a:rPr lang="sv-SE" sz="1600" dirty="0"/>
+              <a:t>[x][y] = </a:t>
+            </a:r>
+            <a:r>
+              <a:rPr lang="sv-SE" sz="1600" dirty="0" err="1"/>
+              <a:t>null</a:t>
+            </a:r>
+            <a:r>
+              <a:rPr lang="sv-SE" sz="1600" dirty="0"/>
+              <a:t>;</a:t>
+            </a:r>
+            <a:br>
+              <a:rPr lang="sv-SE" sz="1600" dirty="0"/>
+            </a:br>
+            <a:r>
+              <a:rPr lang="sv-SE" sz="1600" dirty="0"/>
+              <a:t>    </a:t>
+            </a:r>
+            <a:r>
+              <a:rPr lang="sv-SE" sz="1600" dirty="0" err="1"/>
+              <a:t>return</a:t>
+            </a:r>
+            <a:r>
+              <a:rPr lang="sv-SE" sz="1600" dirty="0"/>
+              <a:t> </a:t>
+            </a:r>
+            <a:r>
+              <a:rPr lang="sv-SE" sz="1600" dirty="0" err="1"/>
+              <a:t>obj</a:t>
+            </a:r>
+            <a:r>
+              <a:rPr lang="sv-SE" sz="1600" dirty="0"/>
+              <a:t>;</a:t>
+            </a:r>
+            <a:br>
+              <a:rPr lang="sv-SE" sz="1600" dirty="0"/>
+            </a:br>
+            <a:r>
+              <a:rPr lang="sv-SE" sz="1600" dirty="0"/>
+              <a:t>}</a:t>
+            </a:r>
           </a:p>
         </p:txBody>
       </p:sp>

--- a/docs/Slutredovisning_grp5_v8.pptx
+++ b/docs/Slutredovisning_grp5_v8.pptx
@@ -10018,8 +10018,13 @@
             </a:r>
             <a:r>
               <a:rPr lang="sv-SE" dirty="0"/>
-              <a:t> – modifierad</a:t>
-            </a:r>
+              <a:t> – </a:t>
+            </a:r>
+            <a:r>
+              <a:rPr lang="sv-SE" dirty="0" err="1"/>
+              <a:t>refaktorerad</a:t>
+            </a:r>
+            <a:endParaRPr lang="sv-SE" dirty="0"/>
           </a:p>
         </p:txBody>
       </p:sp>
@@ -14183,8 +14188,13 @@
             </a:r>
             <a:r>
               <a:rPr lang="sv-SE" dirty="0"/>
-              <a:t> – modifierad</a:t>
-            </a:r>
+              <a:t> – </a:t>
+            </a:r>
+            <a:r>
+              <a:rPr lang="sv-SE" dirty="0" err="1"/>
+              <a:t>refaktorerad</a:t>
+            </a:r>
+            <a:endParaRPr lang="sv-SE" dirty="0"/>
           </a:p>
         </p:txBody>
       </p:sp>
@@ -14760,8 +14770,13 @@
           <a:p>
             <a:r>
               <a:rPr lang="sv-SE" dirty="0"/>
-              <a:t>Koden som testas – modifierad</a:t>
-            </a:r>
+              <a:t>Koden som testas – </a:t>
+            </a:r>
+            <a:r>
+              <a:rPr lang="sv-SE" dirty="0" err="1"/>
+              <a:t>refaktorerad</a:t>
+            </a:r>
+            <a:endParaRPr lang="sv-SE" dirty="0"/>
           </a:p>
         </p:txBody>
       </p:sp>
@@ -15678,22 +15693,46 @@
             </a:r>
             <a:r>
               <a:rPr lang="sv-SE" dirty="0"/>
-              <a:t> med Emma, </a:t>
-            </a:r>
-            <a:r>
-              <a:rPr lang="sv-SE" dirty="0" err="1"/>
+              <a:t> med </a:t>
+            </a:r>
+            <a:r>
+              <a:rPr lang="sv-SE" dirty="0">
+                <a:solidFill>
+                  <a:srgbClr val="FF0000"/>
+                </a:solidFill>
+              </a:rPr>
+              <a:t>Emma, </a:t>
+            </a:r>
+            <a:r>
+              <a:rPr lang="sv-SE" dirty="0" err="1">
+                <a:solidFill>
+                  <a:srgbClr val="FF0000"/>
+                </a:solidFill>
+              </a:rPr>
               <a:t>JaCoCo</a:t>
             </a:r>
             <a:r>
-              <a:rPr lang="sv-SE" dirty="0"/>
+              <a:rPr lang="sv-SE" dirty="0">
+                <a:solidFill>
+                  <a:srgbClr val="FF0000"/>
+                </a:solidFill>
+              </a:rPr>
               <a:t> och </a:t>
             </a:r>
             <a:r>
-              <a:rPr lang="sv-SE" dirty="0" err="1"/>
+              <a:rPr lang="sv-SE" dirty="0" err="1">
+                <a:solidFill>
+                  <a:srgbClr val="FF0000"/>
+                </a:solidFill>
+              </a:rPr>
               <a:t>IntelliJ</a:t>
             </a:r>
             <a:r>
-              <a:rPr lang="sv-SE" dirty="0"/>
+              <a:rPr lang="sv-SE" dirty="0">
+                <a:solidFill>
+                  <a:srgbClr val="FF0000"/>
+                </a:solidFill>
+              </a:rPr>
               <a:t> IDEA</a:t>
             </a:r>
           </a:p>
@@ -16403,13 +16442,13 @@
             <a:pPr lvl="1"/>
             <a:r>
               <a:rPr lang="sv-SE" dirty="0"/>
-              <a:t>Den klass vi modifierat mest;</a:t>
+              <a:t>Den klass vi modifierat mest = </a:t>
             </a:r>
             <a:r>
               <a:rPr lang="sv-SE" dirty="0">
                 <a:sym typeface="Wingdings" pitchFamily="2" charset="2"/>
               </a:rPr>
-              <a:t> överväganden som kan kritiseras</a:t>
+              <a:t>överväganden som kan kritiseras</a:t>
             </a:r>
           </a:p>
           <a:p>
@@ -16447,8 +16486,28 @@
           <a:p>
             <a:pPr lvl="1"/>
             <a:r>
+              <a:rPr lang="sv-SE" dirty="0">
+                <a:solidFill>
+                  <a:srgbClr val="FF0000"/>
+                </a:solidFill>
+              </a:rPr>
+              <a:t>Roller</a:t>
+            </a:r>
+            <a:r>
               <a:rPr lang="sv-SE" dirty="0"/>
-              <a:t>Roller: Sekreterare, …, en representant från grupp 3</a:t>
+              <a:t>: Sekreterare, </a:t>
+            </a:r>
+            <a:r>
+              <a:rPr lang="sv-SE" dirty="0">
+                <a:solidFill>
+                  <a:srgbClr val="FF0000"/>
+                </a:solidFill>
+              </a:rPr>
+              <a:t>…</a:t>
+            </a:r>
+            <a:r>
+              <a:rPr lang="sv-SE" dirty="0"/>
+              <a:t>, en representant från grupp 3</a:t>
             </a:r>
           </a:p>
           <a:p>
@@ -16832,8 +16891,8 @@
         </p:nvSpPr>
         <p:spPr>
           <a:xfrm>
-            <a:off x="1017940" y="1951672"/>
-            <a:ext cx="3650312" cy="1477328"/>
+            <a:off x="1060803" y="2274838"/>
+            <a:ext cx="3650312" cy="3170099"/>
           </a:xfrm>
           <a:prstGeom prst="rect">
             <a:avLst/>
@@ -16846,12 +16905,15 @@
           </a:bodyPr>
           <a:lstStyle/>
           <a:p>
+            <a:endParaRPr lang="sv-SE" sz="2000" dirty="0"/>
+          </a:p>
+          <a:p>
             <a:pPr marL="285750" indent="-285750">
               <a:buFont typeface="Arial" panose="020B0604020202020204" pitchFamily="34" charset="0"/>
               <a:buChar char="•"/>
             </a:pPr>
             <a:r>
-              <a:rPr lang="sv-SE" dirty="0"/>
+              <a:rPr lang="sv-SE" sz="2000" dirty="0"/>
               <a:t>…</a:t>
             </a:r>
           </a:p>
@@ -16861,7 +16923,7 @@
               <a:buChar char="•"/>
             </a:pPr>
             <a:r>
-              <a:rPr lang="sv-SE" dirty="0"/>
+              <a:rPr lang="sv-SE" sz="2000" dirty="0"/>
               <a:t>…</a:t>
             </a:r>
           </a:p>
@@ -16871,7 +16933,7 @@
               <a:buChar char="•"/>
             </a:pPr>
             <a:r>
-              <a:rPr lang="sv-SE" dirty="0"/>
+              <a:rPr lang="sv-SE" sz="2000" dirty="0"/>
               <a:t>…</a:t>
             </a:r>
           </a:p>
@@ -16881,7 +16943,7 @@
               <a:buChar char="•"/>
             </a:pPr>
             <a:r>
-              <a:rPr lang="sv-SE" dirty="0"/>
+              <a:rPr lang="sv-SE" sz="2000" dirty="0"/>
               <a:t>…</a:t>
             </a:r>
           </a:p>
@@ -16891,9 +16953,37 @@
               <a:buChar char="•"/>
             </a:pPr>
             <a:r>
-              <a:rPr lang="sv-SE" dirty="0"/>
+              <a:rPr lang="sv-SE" sz="2000" dirty="0"/>
               <a:t>…</a:t>
             </a:r>
+          </a:p>
+          <a:p>
+            <a:pPr marL="285750" indent="-285750">
+              <a:buFont typeface="Arial" panose="020B0604020202020204" pitchFamily="34" charset="0"/>
+              <a:buChar char="•"/>
+            </a:pPr>
+            <a:endParaRPr lang="sv-SE" sz="2000" dirty="0"/>
+          </a:p>
+          <a:p>
+            <a:pPr marL="285750" indent="-285750">
+              <a:buFont typeface="Arial" panose="020B0604020202020204" pitchFamily="34" charset="0"/>
+              <a:buChar char="•"/>
+            </a:pPr>
+            <a:endParaRPr lang="sv-SE" sz="2000" dirty="0"/>
+          </a:p>
+          <a:p>
+            <a:pPr marL="285750" indent="-285750">
+              <a:buFont typeface="Arial" panose="020B0604020202020204" pitchFamily="34" charset="0"/>
+              <a:buChar char="•"/>
+            </a:pPr>
+            <a:endParaRPr lang="sv-SE" sz="2000" dirty="0"/>
+          </a:p>
+          <a:p>
+            <a:pPr marL="285750" indent="-285750">
+              <a:buFont typeface="Arial" panose="020B0604020202020204" pitchFamily="34" charset="0"/>
+              <a:buChar char="•"/>
+            </a:pPr>
+            <a:endParaRPr lang="sv-SE" sz="2000" dirty="0"/>
           </a:p>
         </p:txBody>
       </p:sp>
@@ -17128,7 +17218,7 @@
         </p:blipFill>
         <p:spPr>
           <a:xfrm>
-            <a:off x="4283075" y="609600"/>
+            <a:off x="3700462" y="661987"/>
             <a:ext cx="7651750" cy="5534025"/>
           </a:xfrm>
         </p:spPr>
@@ -17186,7 +17276,7 @@
         </p:nvSpPr>
         <p:spPr>
           <a:xfrm>
-            <a:off x="6402387" y="164068"/>
+            <a:off x="5788024" y="190262"/>
             <a:ext cx="5789613" cy="369332"/>
           </a:xfrm>
           <a:prstGeom prst="rect">
@@ -17257,16 +17347,18 @@
         <p:spPr>
           <a:xfrm>
             <a:off x="839788" y="457200"/>
-            <a:ext cx="3932237" cy="755583"/>
+            <a:ext cx="6132512" cy="755583"/>
           </a:xfrm>
         </p:spPr>
         <p:txBody>
-          <a:bodyPr/>
+          <a:bodyPr>
+            <a:normAutofit/>
+          </a:bodyPr>
           <a:lstStyle/>
           <a:p>
             <a:r>
               <a:rPr lang="sv-SE" dirty="0"/>
-              <a:t>Statiska mått</a:t>
+              <a:t>Statiska mått (objektorienterade)</a:t>
             </a:r>
           </a:p>
         </p:txBody>
@@ -17289,7 +17381,7 @@
         </p:spPr>
         <p:txBody>
           <a:bodyPr>
-            <a:normAutofit/>
+            <a:normAutofit fontScale="92500" lnSpcReduction="10000"/>
           </a:bodyPr>
           <a:lstStyle/>
           <a:p>
@@ -17327,7 +17419,7 @@
             </a:r>
             <a:r>
               <a:rPr lang="sv-SE" sz="1800" dirty="0"/>
-              <a:t> Classes</a:t>
+              <a:t> Classes (antal klasser kopplade till en klass)</a:t>
             </a:r>
             <a:endParaRPr lang="sv-SE" sz="1800" b="1" dirty="0"/>
           </a:p>
@@ -17342,7 +17434,47 @@
             </a:pPr>
             <a:r>
               <a:rPr lang="sv-SE" dirty="0"/>
-              <a:t>…</a:t>
+              <a:t>	Hög CBO = bristande inkapsling, större känslighet för förändringar i andra delar, mer testning 	behövs.</a:t>
+            </a:r>
+          </a:p>
+          <a:p>
+            <a:pPr>
+              <a:lnSpc>
+                <a:spcPct val="100000"/>
+              </a:lnSpc>
+              <a:spcBef>
+                <a:spcPts val="0"/>
+              </a:spcBef>
+            </a:pPr>
+            <a:r>
+              <a:rPr lang="sv-SE" dirty="0">
+                <a:solidFill>
+                  <a:srgbClr val="FF0000"/>
+                </a:solidFill>
+              </a:rPr>
+              <a:t>	Nåt exempel på när vi ändrade på ett ställe och många andra delar påverkades? </a:t>
+            </a:r>
+          </a:p>
+          <a:p>
+            <a:pPr>
+              <a:lnSpc>
+                <a:spcPct val="100000"/>
+              </a:lnSpc>
+              <a:spcBef>
+                <a:spcPts val="0"/>
+              </a:spcBef>
+            </a:pPr>
+            <a:r>
+              <a:rPr lang="sv-SE" dirty="0"/>
+              <a:t>	Högst: Color (20), lägst </a:t>
+            </a:r>
+            <a:r>
+              <a:rPr lang="sv-SE" dirty="0" err="1"/>
+              <a:t>Water</a:t>
+            </a:r>
+            <a:r>
+              <a:rPr lang="sv-SE" dirty="0"/>
+              <a:t> (4, används ej så mkt)</a:t>
             </a:r>
           </a:p>
           <a:p>
@@ -17401,7 +17533,10 @@
               <a:rPr lang="sv-SE" sz="1800" dirty="0" err="1"/>
               <a:t>Tree</a:t>
             </a:r>
-            <a:endParaRPr lang="sv-SE" sz="1800" dirty="0"/>
+            <a:r>
+              <a:rPr lang="sv-SE" sz="1800" dirty="0"/>
+              <a:t> (max längd från nod till trädets rot)</a:t>
+            </a:r>
           </a:p>
           <a:p>
             <a:pPr>
@@ -17414,7 +17549,205 @@
             </a:pPr>
             <a:r>
               <a:rPr lang="sv-SE" dirty="0"/>
-              <a:t>Aktuellt i Java?</a:t>
+              <a:t>	Som högst 4. Bara 4 av 18 klasser har DIT = 1, dvs inga arv.</a:t>
+            </a:r>
+          </a:p>
+          <a:p>
+            <a:pPr>
+              <a:lnSpc>
+                <a:spcPct val="100000"/>
+              </a:lnSpc>
+              <a:spcBef>
+                <a:spcPts val="0"/>
+              </a:spcBef>
+            </a:pPr>
+            <a:r>
+              <a:rPr lang="sv-SE" dirty="0"/>
+              <a:t>	”</a:t>
+            </a:r>
+            <a:r>
+              <a:rPr lang="sv-SE" dirty="0" err="1"/>
+              <a:t>Bottom</a:t>
+            </a:r>
+            <a:r>
+              <a:rPr lang="sv-SE" dirty="0"/>
+              <a:t> </a:t>
+            </a:r>
+            <a:r>
+              <a:rPr lang="sv-SE" dirty="0" err="1"/>
+              <a:t>heavy</a:t>
+            </a:r>
+            <a:r>
+              <a:rPr lang="sv-SE" dirty="0"/>
+              <a:t>”? Använt arv för att återanvända kod.</a:t>
+            </a:r>
+          </a:p>
+          <a:p>
+            <a:pPr>
+              <a:lnSpc>
+                <a:spcPct val="100000"/>
+              </a:lnSpc>
+              <a:spcBef>
+                <a:spcPts val="0"/>
+              </a:spcBef>
+            </a:pPr>
+            <a:r>
+              <a:rPr lang="sv-SE" dirty="0"/>
+              <a:t>	Designbeslut: behålla arvshierarkin för att kunna expandera till fler subklasser med olika 	beteenden.</a:t>
+            </a:r>
+          </a:p>
+          <a:p>
+            <a:pPr>
+              <a:lnSpc>
+                <a:spcPct val="100000"/>
+              </a:lnSpc>
+              <a:spcBef>
+                <a:spcPts val="0"/>
+              </a:spcBef>
+            </a:pPr>
+            <a:endParaRPr lang="sv-SE" b="1" dirty="0"/>
+          </a:p>
+          <a:p>
+            <a:pPr>
+              <a:lnSpc>
+                <a:spcPct val="100000"/>
+              </a:lnSpc>
+              <a:spcBef>
+                <a:spcPts val="0"/>
+              </a:spcBef>
+            </a:pPr>
+            <a:r>
+              <a:rPr lang="sv-SE" sz="1800" b="1" dirty="0"/>
+              <a:t>NOC</a:t>
+            </a:r>
+            <a:r>
+              <a:rPr lang="sv-SE" sz="1800" dirty="0"/>
+              <a:t> 	</a:t>
+            </a:r>
+            <a:r>
+              <a:rPr lang="sv-SE" sz="1800" dirty="0" err="1"/>
+              <a:t>Number</a:t>
+            </a:r>
+            <a:r>
+              <a:rPr lang="sv-SE" sz="1800" dirty="0"/>
+              <a:t> </a:t>
+            </a:r>
+            <a:r>
+              <a:rPr lang="sv-SE" sz="1800" dirty="0" err="1"/>
+              <a:t>of</a:t>
+            </a:r>
+            <a:r>
+              <a:rPr lang="sv-SE" sz="1800" dirty="0"/>
+              <a:t> Children</a:t>
+            </a:r>
+          </a:p>
+          <a:p>
+            <a:pPr>
+              <a:lnSpc>
+                <a:spcPct val="100000"/>
+              </a:lnSpc>
+              <a:spcBef>
+                <a:spcPts val="0"/>
+              </a:spcBef>
+            </a:pPr>
+            <a:r>
+              <a:rPr lang="sv-SE" dirty="0"/>
+              <a:t>	0-3, i genomsnitt 1, dvs inte så stor skillnad mellan klasserna.</a:t>
+            </a:r>
+          </a:p>
+          <a:p>
+            <a:pPr>
+              <a:lnSpc>
+                <a:spcPct val="100000"/>
+              </a:lnSpc>
+              <a:spcBef>
+                <a:spcPts val="0"/>
+              </a:spcBef>
+            </a:pPr>
+            <a:r>
+              <a:rPr lang="sv-SE" dirty="0"/>
+              <a:t>	Klass med hög NOC har stor påverkan – behöver testas mer.</a:t>
+            </a:r>
+          </a:p>
+          <a:p>
+            <a:pPr>
+              <a:lnSpc>
+                <a:spcPct val="100000"/>
+              </a:lnSpc>
+              <a:spcBef>
+                <a:spcPts val="0"/>
+              </a:spcBef>
+            </a:pPr>
+            <a:r>
+              <a:rPr lang="sv-SE" dirty="0"/>
+              <a:t>	Räknar med testklasser = missvisande?</a:t>
+            </a:r>
+          </a:p>
+          <a:p>
+            <a:pPr>
+              <a:lnSpc>
+                <a:spcPct val="100000"/>
+              </a:lnSpc>
+              <a:spcBef>
+                <a:spcPts val="0"/>
+              </a:spcBef>
+            </a:pPr>
+            <a:endParaRPr lang="sv-SE" b="1" dirty="0"/>
+          </a:p>
+          <a:p>
+            <a:pPr>
+              <a:lnSpc>
+                <a:spcPct val="100000"/>
+              </a:lnSpc>
+              <a:spcBef>
+                <a:spcPts val="0"/>
+              </a:spcBef>
+            </a:pPr>
+            <a:r>
+              <a:rPr lang="sv-SE" sz="1800" b="1" dirty="0"/>
+              <a:t>WMC</a:t>
+            </a:r>
+            <a:r>
+              <a:rPr lang="sv-SE" sz="1800" dirty="0"/>
+              <a:t>	</a:t>
+            </a:r>
+            <a:r>
+              <a:rPr lang="sv-SE" sz="1800" dirty="0" err="1"/>
+              <a:t>Weighted</a:t>
+            </a:r>
+            <a:r>
+              <a:rPr lang="sv-SE" sz="1800" dirty="0"/>
+              <a:t> </a:t>
+            </a:r>
+            <a:r>
+              <a:rPr lang="sv-SE" sz="1800" dirty="0" err="1"/>
+              <a:t>Methods</a:t>
+            </a:r>
+            <a:r>
+              <a:rPr lang="sv-SE" sz="1800" dirty="0"/>
+              <a:t> per Class (summan av komplexiteten av alla klassmetoder)</a:t>
+            </a:r>
+          </a:p>
+          <a:p>
+            <a:pPr>
+              <a:lnSpc>
+                <a:spcPct val="100000"/>
+              </a:lnSpc>
+              <a:spcBef>
+                <a:spcPts val="0"/>
+              </a:spcBef>
+            </a:pPr>
+            <a:r>
+              <a:rPr lang="sv-SE" dirty="0"/>
+              <a:t>	Högst: </a:t>
+            </a:r>
+            <a:r>
+              <a:rPr lang="sv-SE" dirty="0" err="1"/>
+              <a:t>GeneratedMap</a:t>
+            </a:r>
+            <a:r>
+              <a:rPr lang="sv-SE" dirty="0"/>
+              <a:t> (55) = svårast att utveckla och underhålla, lägst: Color (0)</a:t>
             </a:r>
           </a:p>
           <a:p>
@@ -17438,213 +17771,16 @@
               </a:spcBef>
             </a:pPr>
             <a:r>
-              <a:rPr lang="sv-SE" sz="1800" b="1" dirty="0"/>
-              <a:t>LCOM 	</a:t>
-            </a:r>
-            <a:r>
-              <a:rPr lang="sv-SE" sz="1800" dirty="0"/>
-              <a:t>Lack </a:t>
-            </a:r>
-            <a:r>
-              <a:rPr lang="sv-SE" sz="1800" dirty="0" err="1"/>
-              <a:t>of</a:t>
-            </a:r>
-            <a:r>
-              <a:rPr lang="sv-SE" sz="1800" dirty="0"/>
-              <a:t> </a:t>
-            </a:r>
-            <a:r>
-              <a:rPr lang="sv-SE" sz="1800" dirty="0" err="1"/>
-              <a:t>Cohesion</a:t>
-            </a:r>
-            <a:r>
-              <a:rPr lang="sv-SE" sz="1800" dirty="0"/>
-              <a:t> in </a:t>
-            </a:r>
-            <a:r>
-              <a:rPr lang="sv-SE" sz="1800" dirty="0" err="1"/>
-              <a:t>Methods</a:t>
-            </a:r>
-            <a:endParaRPr lang="sv-SE" sz="1800" b="1" dirty="0"/>
-          </a:p>
-          <a:p>
-            <a:pPr>
-              <a:lnSpc>
-                <a:spcPct val="100000"/>
-              </a:lnSpc>
-              <a:spcBef>
-                <a:spcPts val="0"/>
-              </a:spcBef>
-            </a:pPr>
-            <a:r>
-              <a:rPr lang="sv-SE" dirty="0"/>
-              <a:t>…</a:t>
-            </a:r>
-          </a:p>
-          <a:p>
-            <a:pPr>
-              <a:lnSpc>
-                <a:spcPct val="100000"/>
-              </a:lnSpc>
-              <a:spcBef>
-                <a:spcPts val="0"/>
-              </a:spcBef>
-            </a:pPr>
-            <a:endParaRPr lang="sv-SE" b="1" dirty="0"/>
-          </a:p>
-          <a:p>
-            <a:pPr>
-              <a:lnSpc>
-                <a:spcPct val="100000"/>
-              </a:lnSpc>
-              <a:spcBef>
-                <a:spcPts val="0"/>
-              </a:spcBef>
-            </a:pPr>
-            <a:r>
-              <a:rPr lang="sv-SE" sz="1800" b="1" dirty="0"/>
-              <a:t>NOC</a:t>
-            </a:r>
-            <a:r>
-              <a:rPr lang="sv-SE" sz="1800" dirty="0"/>
-              <a:t> 	</a:t>
-            </a:r>
-            <a:r>
-              <a:rPr lang="sv-SE" sz="1800" dirty="0" err="1"/>
-              <a:t>Number</a:t>
-            </a:r>
-            <a:r>
-              <a:rPr lang="sv-SE" sz="1800" dirty="0"/>
-              <a:t> </a:t>
-            </a:r>
-            <a:r>
-              <a:rPr lang="sv-SE" sz="1800" dirty="0" err="1"/>
-              <a:t>of</a:t>
-            </a:r>
-            <a:r>
-              <a:rPr lang="sv-SE" sz="1800" dirty="0"/>
-              <a:t> Children</a:t>
-            </a:r>
-          </a:p>
-          <a:p>
-            <a:pPr>
-              <a:lnSpc>
-                <a:spcPct val="100000"/>
-              </a:lnSpc>
-              <a:spcBef>
-                <a:spcPts val="0"/>
-              </a:spcBef>
-            </a:pPr>
-            <a:r>
-              <a:rPr lang="sv-SE" dirty="0"/>
-              <a:t>…</a:t>
-            </a:r>
-          </a:p>
-          <a:p>
-            <a:pPr>
-              <a:lnSpc>
-                <a:spcPct val="100000"/>
-              </a:lnSpc>
-              <a:spcBef>
-                <a:spcPts val="0"/>
-              </a:spcBef>
-            </a:pPr>
-            <a:endParaRPr lang="sv-SE" b="1" dirty="0"/>
-          </a:p>
-          <a:p>
-            <a:pPr>
-              <a:lnSpc>
-                <a:spcPct val="100000"/>
-              </a:lnSpc>
-              <a:spcBef>
-                <a:spcPts val="0"/>
-              </a:spcBef>
-            </a:pPr>
-            <a:r>
-              <a:rPr lang="sv-SE" sz="1800" b="1" dirty="0"/>
-              <a:t>RFC 	</a:t>
-            </a:r>
-            <a:r>
-              <a:rPr lang="sv-SE" sz="1800" dirty="0" err="1"/>
-              <a:t>Response</a:t>
-            </a:r>
-            <a:r>
-              <a:rPr lang="sv-SE" sz="1800" dirty="0"/>
-              <a:t> for a Class</a:t>
-            </a:r>
-            <a:endParaRPr lang="sv-SE" sz="1800" b="1" dirty="0"/>
-          </a:p>
-          <a:p>
-            <a:pPr>
-              <a:lnSpc>
-                <a:spcPct val="100000"/>
-              </a:lnSpc>
-              <a:spcBef>
-                <a:spcPts val="0"/>
-              </a:spcBef>
-            </a:pPr>
-            <a:r>
-              <a:rPr lang="sv-SE" dirty="0"/>
-              <a:t>…</a:t>
-            </a:r>
-          </a:p>
-          <a:p>
-            <a:pPr>
-              <a:lnSpc>
-                <a:spcPct val="100000"/>
-              </a:lnSpc>
-              <a:spcBef>
-                <a:spcPts val="0"/>
-              </a:spcBef>
-            </a:pPr>
-            <a:endParaRPr lang="sv-SE" dirty="0"/>
-          </a:p>
-          <a:p>
-            <a:pPr>
-              <a:lnSpc>
-                <a:spcPct val="100000"/>
-              </a:lnSpc>
-              <a:spcBef>
-                <a:spcPts val="0"/>
-              </a:spcBef>
-            </a:pPr>
-            <a:r>
-              <a:rPr lang="sv-SE" sz="1800" b="1" dirty="0"/>
-              <a:t>WMC</a:t>
-            </a:r>
-            <a:r>
-              <a:rPr lang="sv-SE" sz="1800" dirty="0"/>
-              <a:t> 	</a:t>
-            </a:r>
-            <a:r>
-              <a:rPr lang="sv-SE" sz="1800" dirty="0" err="1"/>
-              <a:t>Weighted</a:t>
-            </a:r>
-            <a:r>
-              <a:rPr lang="sv-SE" sz="1800" dirty="0"/>
-              <a:t> </a:t>
-            </a:r>
-            <a:r>
-              <a:rPr lang="sv-SE" sz="1800" dirty="0" err="1"/>
-              <a:t>Methods</a:t>
-            </a:r>
-            <a:r>
-              <a:rPr lang="sv-SE" sz="1800" dirty="0"/>
-              <a:t> per Class</a:t>
-            </a:r>
-          </a:p>
-          <a:p>
-            <a:pPr>
-              <a:lnSpc>
-                <a:spcPct val="100000"/>
-              </a:lnSpc>
-              <a:spcBef>
-                <a:spcPts val="0"/>
-              </a:spcBef>
-            </a:pPr>
-            <a:r>
-              <a:rPr lang="sv-SE" dirty="0"/>
-              <a:t>…</a:t>
+              <a:rPr lang="sv-SE" i="1" dirty="0"/>
+              <a:t>Indikerar måtten om vi gjort </a:t>
+            </a:r>
+            <a:r>
+              <a:rPr lang="sv-SE" i="1" dirty="0" err="1"/>
+              <a:t>trade-offs</a:t>
+            </a:r>
+            <a:r>
+              <a:rPr lang="sv-SE" i="1" dirty="0"/>
+              <a:t> mellan motstridiga krav; som ökad återanvändning genom mer arv, eller enkelhet att testa genom mindre arv?</a:t>
             </a:r>
           </a:p>
         </p:txBody>

--- a/docs/Slutredovisning_grp5_v8.pptx
+++ b/docs/Slutredovisning_grp5_v8.pptx
@@ -12286,13 +12286,287 @@
         </p:nvSpPr>
         <p:spPr/>
         <p:txBody>
-          <a:bodyPr/>
+          <a:bodyPr>
+            <a:noAutofit/>
+          </a:bodyPr>
           <a:lstStyle/>
           <a:p>
             <a:pPr marL="0" indent="0">
               <a:buNone/>
             </a:pPr>
-            <a:endParaRPr lang="sv-SE" dirty="0"/>
+            <a:r>
+              <a:rPr lang="sv-SE" sz="1400" dirty="0"/>
+              <a:t>@Test</a:t>
+            </a:r>
+            <a:br>
+              <a:rPr lang="sv-SE" sz="1400" dirty="0"/>
+            </a:br>
+            <a:r>
+              <a:rPr lang="sv-SE" sz="1400" dirty="0"/>
+              <a:t>public </a:t>
+            </a:r>
+            <a:r>
+              <a:rPr lang="sv-SE" sz="1400" dirty="0" err="1"/>
+              <a:t>void</a:t>
+            </a:r>
+            <a:r>
+              <a:rPr lang="sv-SE" sz="1400" dirty="0"/>
+              <a:t> getStrength_EquipmentEmtpy_0strength(){</a:t>
+            </a:r>
+            <a:br>
+              <a:rPr lang="sv-SE" sz="1400" dirty="0"/>
+            </a:br>
+            <a:r>
+              <a:rPr lang="sv-SE" sz="1400" dirty="0"/>
+              <a:t>    Hero </a:t>
+            </a:r>
+            <a:r>
+              <a:rPr lang="sv-SE" sz="1400" dirty="0" err="1"/>
+              <a:t>hero</a:t>
+            </a:r>
+            <a:r>
+              <a:rPr lang="sv-SE" sz="1400" dirty="0"/>
+              <a:t> = new Hero(100);</a:t>
+            </a:r>
+            <a:br>
+              <a:rPr lang="sv-SE" sz="1400" dirty="0"/>
+            </a:br>
+            <a:r>
+              <a:rPr lang="sv-SE" sz="1400" dirty="0"/>
+              <a:t>    </a:t>
+            </a:r>
+            <a:r>
+              <a:rPr lang="sv-SE" sz="1400" i="1" dirty="0" err="1"/>
+              <a:t>assertEquals</a:t>
+            </a:r>
+            <a:r>
+              <a:rPr lang="sv-SE" sz="1400" dirty="0"/>
+              <a:t>(0, </a:t>
+            </a:r>
+            <a:r>
+              <a:rPr lang="sv-SE" sz="1400" dirty="0" err="1"/>
+              <a:t>hero.getStrength</a:t>
+            </a:r>
+            <a:r>
+              <a:rPr lang="sv-SE" sz="1400" dirty="0"/>
+              <a:t>());</a:t>
+            </a:r>
+            <a:br>
+              <a:rPr lang="sv-SE" sz="1400" dirty="0"/>
+            </a:br>
+            <a:r>
+              <a:rPr lang="sv-SE" sz="1400" dirty="0"/>
+              <a:t>}</a:t>
+            </a:r>
+            <a:br>
+              <a:rPr lang="sv-SE" sz="1400" dirty="0"/>
+            </a:br>
+            <a:br>
+              <a:rPr lang="sv-SE" sz="1400" dirty="0"/>
+            </a:br>
+            <a:r>
+              <a:rPr lang="sv-SE" sz="1400" dirty="0"/>
+              <a:t>@Test</a:t>
+            </a:r>
+            <a:br>
+              <a:rPr lang="sv-SE" sz="1400" dirty="0"/>
+            </a:br>
+            <a:r>
+              <a:rPr lang="sv-SE" sz="1400" dirty="0"/>
+              <a:t>public </a:t>
+            </a:r>
+            <a:r>
+              <a:rPr lang="sv-SE" sz="1400" dirty="0" err="1"/>
+              <a:t>void</a:t>
+            </a:r>
+            <a:r>
+              <a:rPr lang="sv-SE" sz="1400" dirty="0"/>
+              <a:t> getStrength_EquipmentWeapon_5Strength(){</a:t>
+            </a:r>
+            <a:br>
+              <a:rPr lang="sv-SE" sz="1400" dirty="0"/>
+            </a:br>
+            <a:r>
+              <a:rPr lang="sv-SE" sz="1400" dirty="0"/>
+              <a:t>    Hero </a:t>
+            </a:r>
+            <a:r>
+              <a:rPr lang="sv-SE" sz="1400" dirty="0" err="1"/>
+              <a:t>hero</a:t>
+            </a:r>
+            <a:r>
+              <a:rPr lang="sv-SE" sz="1400" dirty="0"/>
+              <a:t> = new Hero(100);</a:t>
+            </a:r>
+            <a:br>
+              <a:rPr lang="sv-SE" sz="1400" dirty="0"/>
+            </a:br>
+            <a:r>
+              <a:rPr lang="sv-SE" sz="1400" dirty="0"/>
+              <a:t>    </a:t>
+            </a:r>
+            <a:r>
+              <a:rPr lang="sv-SE" sz="1400" dirty="0" err="1"/>
+              <a:t>hero.pickUpItem</a:t>
+            </a:r>
+            <a:r>
+              <a:rPr lang="sv-SE" sz="1400" dirty="0"/>
+              <a:t>(new </a:t>
+            </a:r>
+            <a:r>
+              <a:rPr lang="sv-SE" sz="1400" dirty="0" err="1"/>
+              <a:t>Weapon</a:t>
+            </a:r>
+            <a:r>
+              <a:rPr lang="sv-SE" sz="1400" dirty="0"/>
+              <a:t>(5));</a:t>
+            </a:r>
+            <a:br>
+              <a:rPr lang="sv-SE" sz="1400" dirty="0"/>
+            </a:br>
+            <a:r>
+              <a:rPr lang="sv-SE" sz="1400" dirty="0"/>
+              <a:t>    </a:t>
+            </a:r>
+            <a:r>
+              <a:rPr lang="sv-SE" sz="1400" i="1" dirty="0" err="1"/>
+              <a:t>assertEquals</a:t>
+            </a:r>
+            <a:r>
+              <a:rPr lang="sv-SE" sz="1400" dirty="0"/>
+              <a:t>(5, </a:t>
+            </a:r>
+            <a:r>
+              <a:rPr lang="sv-SE" sz="1400" dirty="0" err="1"/>
+              <a:t>hero.getStrength</a:t>
+            </a:r>
+            <a:r>
+              <a:rPr lang="sv-SE" sz="1400" dirty="0"/>
+              <a:t>());</a:t>
+            </a:r>
+            <a:br>
+              <a:rPr lang="sv-SE" sz="1400" dirty="0"/>
+            </a:br>
+            <a:r>
+              <a:rPr lang="sv-SE" sz="1400" dirty="0"/>
+              <a:t>}</a:t>
+            </a:r>
+            <a:br>
+              <a:rPr lang="sv-SE" sz="1400" dirty="0"/>
+            </a:br>
+            <a:br>
+              <a:rPr lang="sv-SE" sz="1400" dirty="0"/>
+            </a:br>
+            <a:r>
+              <a:rPr lang="sv-SE" sz="1400" dirty="0"/>
+              <a:t>@Test</a:t>
+            </a:r>
+            <a:br>
+              <a:rPr lang="sv-SE" sz="1400" dirty="0"/>
+            </a:br>
+            <a:r>
+              <a:rPr lang="sv-SE" sz="1400" dirty="0"/>
+              <a:t>public </a:t>
+            </a:r>
+            <a:r>
+              <a:rPr lang="sv-SE" sz="1400" dirty="0" err="1"/>
+              <a:t>void</a:t>
+            </a:r>
+            <a:r>
+              <a:rPr lang="sv-SE" sz="1400" dirty="0"/>
+              <a:t> getStrength_EquipmentWeaponArmor_10Strength(){</a:t>
+            </a:r>
+            <a:br>
+              <a:rPr lang="sv-SE" sz="1400" dirty="0"/>
+            </a:br>
+            <a:r>
+              <a:rPr lang="sv-SE" sz="1400" dirty="0"/>
+              <a:t>    Hero </a:t>
+            </a:r>
+            <a:r>
+              <a:rPr lang="sv-SE" sz="1400" dirty="0" err="1"/>
+              <a:t>hero</a:t>
+            </a:r>
+            <a:r>
+              <a:rPr lang="sv-SE" sz="1400" dirty="0"/>
+              <a:t> = new Hero(100);</a:t>
+            </a:r>
+            <a:br>
+              <a:rPr lang="sv-SE" sz="1400" dirty="0"/>
+            </a:br>
+            <a:r>
+              <a:rPr lang="sv-SE" sz="1400" dirty="0"/>
+              <a:t>    </a:t>
+            </a:r>
+            <a:r>
+              <a:rPr lang="sv-SE" sz="1400" dirty="0" err="1"/>
+              <a:t>hero.pickUpItem</a:t>
+            </a:r>
+            <a:r>
+              <a:rPr lang="sv-SE" sz="1400" dirty="0"/>
+              <a:t>(new </a:t>
+            </a:r>
+            <a:r>
+              <a:rPr lang="sv-SE" sz="1400" dirty="0" err="1"/>
+              <a:t>Weapon</a:t>
+            </a:r>
+            <a:r>
+              <a:rPr lang="sv-SE" sz="1400" dirty="0"/>
+              <a:t>(5));</a:t>
+            </a:r>
+            <a:br>
+              <a:rPr lang="sv-SE" sz="1400" dirty="0"/>
+            </a:br>
+            <a:r>
+              <a:rPr lang="sv-SE" sz="1400" dirty="0"/>
+              <a:t>    </a:t>
+            </a:r>
+            <a:r>
+              <a:rPr lang="sv-SE" sz="1400" dirty="0" err="1"/>
+              <a:t>hero.pickUpItem</a:t>
+            </a:r>
+            <a:r>
+              <a:rPr lang="sv-SE" sz="1400" dirty="0"/>
+              <a:t>(new </a:t>
+            </a:r>
+            <a:r>
+              <a:rPr lang="sv-SE" sz="1400" dirty="0" err="1"/>
+              <a:t>Armor</a:t>
+            </a:r>
+            <a:r>
+              <a:rPr lang="sv-SE" sz="1400" dirty="0"/>
+              <a:t>(5));</a:t>
+            </a:r>
+            <a:br>
+              <a:rPr lang="sv-SE" sz="1400" dirty="0"/>
+            </a:br>
+            <a:r>
+              <a:rPr lang="sv-SE" sz="1400" dirty="0"/>
+              <a:t>    </a:t>
+            </a:r>
+            <a:r>
+              <a:rPr lang="sv-SE" sz="1400" i="1" dirty="0" err="1"/>
+              <a:t>assertEquals</a:t>
+            </a:r>
+            <a:r>
+              <a:rPr lang="sv-SE" sz="1400" dirty="0"/>
+              <a:t>(10, </a:t>
+            </a:r>
+            <a:r>
+              <a:rPr lang="sv-SE" sz="1400" dirty="0" err="1"/>
+              <a:t>hero.getStrength</a:t>
+            </a:r>
+            <a:r>
+              <a:rPr lang="sv-SE" sz="1400" dirty="0"/>
+              <a:t>());</a:t>
+            </a:r>
+            <a:br>
+              <a:rPr lang="sv-SE" sz="1400" dirty="0"/>
+            </a:br>
+            <a:r>
+              <a:rPr lang="sv-SE" sz="1400" dirty="0"/>
+              <a:t>}</a:t>
+            </a:r>
           </a:p>
         </p:txBody>
       </p:sp>
@@ -12330,13 +12604,192 @@
         </p:nvSpPr>
         <p:spPr/>
         <p:txBody>
-          <a:bodyPr/>
+          <a:bodyPr>
+            <a:normAutofit fontScale="55000" lnSpcReduction="20000"/>
+          </a:bodyPr>
           <a:lstStyle/>
           <a:p>
             <a:pPr marL="0" indent="0">
               <a:buNone/>
             </a:pPr>
-            <a:endParaRPr lang="sv-SE" dirty="0"/>
+            <a:r>
+              <a:rPr lang="sv-SE" dirty="0"/>
+              <a:t>public </a:t>
+            </a:r>
+            <a:r>
+              <a:rPr lang="sv-SE" dirty="0" err="1"/>
+              <a:t>int</a:t>
+            </a:r>
+            <a:r>
+              <a:rPr lang="sv-SE" dirty="0"/>
+              <a:t> </a:t>
+            </a:r>
+            <a:r>
+              <a:rPr lang="sv-SE" dirty="0" err="1"/>
+              <a:t>getStrength</a:t>
+            </a:r>
+            <a:r>
+              <a:rPr lang="sv-SE" dirty="0"/>
+              <a:t>(){</a:t>
+            </a:r>
+          </a:p>
+          <a:p>
+            <a:pPr marL="0" indent="0">
+              <a:buNone/>
+            </a:pPr>
+            <a:br>
+              <a:rPr lang="sv-SE" dirty="0"/>
+            </a:br>
+            <a:r>
+              <a:rPr lang="sv-SE" dirty="0"/>
+              <a:t>   </a:t>
+            </a:r>
+            <a:r>
+              <a:rPr lang="sv-SE" dirty="0" err="1"/>
+              <a:t>int</a:t>
+            </a:r>
+            <a:r>
+              <a:rPr lang="sv-SE" dirty="0"/>
+              <a:t> total = 0;</a:t>
+            </a:r>
+          </a:p>
+          <a:p>
+            <a:pPr marL="0" indent="0">
+              <a:buNone/>
+            </a:pPr>
+            <a:br>
+              <a:rPr lang="sv-SE" dirty="0"/>
+            </a:br>
+            <a:r>
+              <a:rPr lang="sv-SE" dirty="0"/>
+              <a:t>    </a:t>
+            </a:r>
+            <a:r>
+              <a:rPr lang="sv-SE" dirty="0" err="1"/>
+              <a:t>if</a:t>
+            </a:r>
+            <a:r>
+              <a:rPr lang="sv-SE" dirty="0"/>
+              <a:t>(</a:t>
+            </a:r>
+            <a:r>
+              <a:rPr lang="sv-SE" dirty="0" err="1"/>
+              <a:t>equippedWeapon</a:t>
+            </a:r>
+            <a:r>
+              <a:rPr lang="sv-SE" dirty="0"/>
+              <a:t> != </a:t>
+            </a:r>
+            <a:r>
+              <a:rPr lang="sv-SE" dirty="0" err="1"/>
+              <a:t>null</a:t>
+            </a:r>
+            <a:r>
+              <a:rPr lang="sv-SE" dirty="0"/>
+              <a:t>){</a:t>
+            </a:r>
+            <a:br>
+              <a:rPr lang="sv-SE" dirty="0"/>
+            </a:br>
+            <a:r>
+              <a:rPr lang="sv-SE" dirty="0"/>
+              <a:t>        total += </a:t>
+            </a:r>
+            <a:r>
+              <a:rPr lang="sv-SE" dirty="0" err="1"/>
+              <a:t>equippedWeapon.getDamage</a:t>
+            </a:r>
+            <a:r>
+              <a:rPr lang="sv-SE" dirty="0"/>
+              <a:t>();</a:t>
+            </a:r>
+            <a:br>
+              <a:rPr lang="sv-SE" dirty="0"/>
+            </a:br>
+            <a:r>
+              <a:rPr lang="sv-SE" dirty="0"/>
+              <a:t>    }</a:t>
+            </a:r>
+            <a:br>
+              <a:rPr lang="sv-SE" dirty="0"/>
+            </a:br>
+            <a:r>
+              <a:rPr lang="sv-SE" dirty="0"/>
+              <a:t>    </a:t>
+            </a:r>
+            <a:r>
+              <a:rPr lang="sv-SE" dirty="0" err="1"/>
+              <a:t>if</a:t>
+            </a:r>
+            <a:r>
+              <a:rPr lang="sv-SE" dirty="0"/>
+              <a:t>(</a:t>
+            </a:r>
+            <a:r>
+              <a:rPr lang="sv-SE" dirty="0" err="1"/>
+              <a:t>equippedArmor</a:t>
+            </a:r>
+            <a:r>
+              <a:rPr lang="sv-SE" dirty="0"/>
+              <a:t> != </a:t>
+            </a:r>
+            <a:r>
+              <a:rPr lang="sv-SE" dirty="0" err="1"/>
+              <a:t>null</a:t>
+            </a:r>
+            <a:r>
+              <a:rPr lang="sv-SE" dirty="0"/>
+              <a:t>){</a:t>
+            </a:r>
+            <a:br>
+              <a:rPr lang="sv-SE" dirty="0"/>
+            </a:br>
+            <a:r>
+              <a:rPr lang="sv-SE" dirty="0"/>
+              <a:t>        total += </a:t>
+            </a:r>
+            <a:r>
+              <a:rPr lang="sv-SE" dirty="0" err="1"/>
+              <a:t>equippedArmor.getResistance</a:t>
+            </a:r>
+            <a:r>
+              <a:rPr lang="sv-SE" dirty="0"/>
+              <a:t>();</a:t>
+            </a:r>
+            <a:br>
+              <a:rPr lang="sv-SE" dirty="0"/>
+            </a:br>
+            <a:r>
+              <a:rPr lang="sv-SE" dirty="0"/>
+              <a:t>    }</a:t>
+            </a:r>
+          </a:p>
+          <a:p>
+            <a:pPr marL="0" indent="0">
+              <a:buNone/>
+            </a:pPr>
+            <a:br>
+              <a:rPr lang="sv-SE" dirty="0"/>
+            </a:br>
+            <a:r>
+              <a:rPr lang="sv-SE" dirty="0"/>
+              <a:t>    </a:t>
+            </a:r>
+            <a:r>
+              <a:rPr lang="sv-SE" dirty="0" err="1"/>
+              <a:t>return</a:t>
+            </a:r>
+            <a:r>
+              <a:rPr lang="sv-SE" dirty="0"/>
+              <a:t> total;</a:t>
+            </a:r>
+            <a:br>
+              <a:rPr lang="sv-SE" dirty="0"/>
+            </a:br>
+            <a:r>
+              <a:rPr lang="sv-SE" dirty="0"/>
+              <a:t>}</a:t>
+            </a:r>
           </a:p>
         </p:txBody>
       </p:sp>

--- a/docs/Slutredovisning_grp5_v8.pptx
+++ b/docs/Slutredovisning_grp5_v8.pptx
@@ -12286,287 +12286,13 @@
         </p:nvSpPr>
         <p:spPr/>
         <p:txBody>
-          <a:bodyPr>
-            <a:noAutofit/>
-          </a:bodyPr>
+          <a:bodyPr/>
           <a:lstStyle/>
           <a:p>
             <a:pPr marL="0" indent="0">
               <a:buNone/>
             </a:pPr>
-            <a:r>
-              <a:rPr lang="sv-SE" sz="1400" dirty="0"/>
-              <a:t>@Test</a:t>
-            </a:r>
-            <a:br>
-              <a:rPr lang="sv-SE" sz="1400" dirty="0"/>
-            </a:br>
-            <a:r>
-              <a:rPr lang="sv-SE" sz="1400" dirty="0"/>
-              <a:t>public </a:t>
-            </a:r>
-            <a:r>
-              <a:rPr lang="sv-SE" sz="1400" dirty="0" err="1"/>
-              <a:t>void</a:t>
-            </a:r>
-            <a:r>
-              <a:rPr lang="sv-SE" sz="1400" dirty="0"/>
-              <a:t> getStrength_EquipmentEmtpy_0strength(){</a:t>
-            </a:r>
-            <a:br>
-              <a:rPr lang="sv-SE" sz="1400" dirty="0"/>
-            </a:br>
-            <a:r>
-              <a:rPr lang="sv-SE" sz="1400" dirty="0"/>
-              <a:t>    Hero </a:t>
-            </a:r>
-            <a:r>
-              <a:rPr lang="sv-SE" sz="1400" dirty="0" err="1"/>
-              <a:t>hero</a:t>
-            </a:r>
-            <a:r>
-              <a:rPr lang="sv-SE" sz="1400" dirty="0"/>
-              <a:t> = new Hero(100);</a:t>
-            </a:r>
-            <a:br>
-              <a:rPr lang="sv-SE" sz="1400" dirty="0"/>
-            </a:br>
-            <a:r>
-              <a:rPr lang="sv-SE" sz="1400" dirty="0"/>
-              <a:t>    </a:t>
-            </a:r>
-            <a:r>
-              <a:rPr lang="sv-SE" sz="1400" i="1" dirty="0" err="1"/>
-              <a:t>assertEquals</a:t>
-            </a:r>
-            <a:r>
-              <a:rPr lang="sv-SE" sz="1400" dirty="0"/>
-              <a:t>(0, </a:t>
-            </a:r>
-            <a:r>
-              <a:rPr lang="sv-SE" sz="1400" dirty="0" err="1"/>
-              <a:t>hero.getStrength</a:t>
-            </a:r>
-            <a:r>
-              <a:rPr lang="sv-SE" sz="1400" dirty="0"/>
-              <a:t>());</a:t>
-            </a:r>
-            <a:br>
-              <a:rPr lang="sv-SE" sz="1400" dirty="0"/>
-            </a:br>
-            <a:r>
-              <a:rPr lang="sv-SE" sz="1400" dirty="0"/>
-              <a:t>}</a:t>
-            </a:r>
-            <a:br>
-              <a:rPr lang="sv-SE" sz="1400" dirty="0"/>
-            </a:br>
-            <a:br>
-              <a:rPr lang="sv-SE" sz="1400" dirty="0"/>
-            </a:br>
-            <a:r>
-              <a:rPr lang="sv-SE" sz="1400" dirty="0"/>
-              <a:t>@Test</a:t>
-            </a:r>
-            <a:br>
-              <a:rPr lang="sv-SE" sz="1400" dirty="0"/>
-            </a:br>
-            <a:r>
-              <a:rPr lang="sv-SE" sz="1400" dirty="0"/>
-              <a:t>public </a:t>
-            </a:r>
-            <a:r>
-              <a:rPr lang="sv-SE" sz="1400" dirty="0" err="1"/>
-              <a:t>void</a:t>
-            </a:r>
-            <a:r>
-              <a:rPr lang="sv-SE" sz="1400" dirty="0"/>
-              <a:t> getStrength_EquipmentWeapon_5Strength(){</a:t>
-            </a:r>
-            <a:br>
-              <a:rPr lang="sv-SE" sz="1400" dirty="0"/>
-            </a:br>
-            <a:r>
-              <a:rPr lang="sv-SE" sz="1400" dirty="0"/>
-              <a:t>    Hero </a:t>
-            </a:r>
-            <a:r>
-              <a:rPr lang="sv-SE" sz="1400" dirty="0" err="1"/>
-              <a:t>hero</a:t>
-            </a:r>
-            <a:r>
-              <a:rPr lang="sv-SE" sz="1400" dirty="0"/>
-              <a:t> = new Hero(100);</a:t>
-            </a:r>
-            <a:br>
-              <a:rPr lang="sv-SE" sz="1400" dirty="0"/>
-            </a:br>
-            <a:r>
-              <a:rPr lang="sv-SE" sz="1400" dirty="0"/>
-              <a:t>    </a:t>
-            </a:r>
-            <a:r>
-              <a:rPr lang="sv-SE" sz="1400" dirty="0" err="1"/>
-              <a:t>hero.pickUpItem</a:t>
-            </a:r>
-            <a:r>
-              <a:rPr lang="sv-SE" sz="1400" dirty="0"/>
-              <a:t>(new </a:t>
-            </a:r>
-            <a:r>
-              <a:rPr lang="sv-SE" sz="1400" dirty="0" err="1"/>
-              <a:t>Weapon</a:t>
-            </a:r>
-            <a:r>
-              <a:rPr lang="sv-SE" sz="1400" dirty="0"/>
-              <a:t>(5));</a:t>
-            </a:r>
-            <a:br>
-              <a:rPr lang="sv-SE" sz="1400" dirty="0"/>
-            </a:br>
-            <a:r>
-              <a:rPr lang="sv-SE" sz="1400" dirty="0"/>
-              <a:t>    </a:t>
-            </a:r>
-            <a:r>
-              <a:rPr lang="sv-SE" sz="1400" i="1" dirty="0" err="1"/>
-              <a:t>assertEquals</a:t>
-            </a:r>
-            <a:r>
-              <a:rPr lang="sv-SE" sz="1400" dirty="0"/>
-              <a:t>(5, </a:t>
-            </a:r>
-            <a:r>
-              <a:rPr lang="sv-SE" sz="1400" dirty="0" err="1"/>
-              <a:t>hero.getStrength</a:t>
-            </a:r>
-            <a:r>
-              <a:rPr lang="sv-SE" sz="1400" dirty="0"/>
-              <a:t>());</a:t>
-            </a:r>
-            <a:br>
-              <a:rPr lang="sv-SE" sz="1400" dirty="0"/>
-            </a:br>
-            <a:r>
-              <a:rPr lang="sv-SE" sz="1400" dirty="0"/>
-              <a:t>}</a:t>
-            </a:r>
-            <a:br>
-              <a:rPr lang="sv-SE" sz="1400" dirty="0"/>
-            </a:br>
-            <a:br>
-              <a:rPr lang="sv-SE" sz="1400" dirty="0"/>
-            </a:br>
-            <a:r>
-              <a:rPr lang="sv-SE" sz="1400" dirty="0"/>
-              <a:t>@Test</a:t>
-            </a:r>
-            <a:br>
-              <a:rPr lang="sv-SE" sz="1400" dirty="0"/>
-            </a:br>
-            <a:r>
-              <a:rPr lang="sv-SE" sz="1400" dirty="0"/>
-              <a:t>public </a:t>
-            </a:r>
-            <a:r>
-              <a:rPr lang="sv-SE" sz="1400" dirty="0" err="1"/>
-              <a:t>void</a:t>
-            </a:r>
-            <a:r>
-              <a:rPr lang="sv-SE" sz="1400" dirty="0"/>
-              <a:t> getStrength_EquipmentWeaponArmor_10Strength(){</a:t>
-            </a:r>
-            <a:br>
-              <a:rPr lang="sv-SE" sz="1400" dirty="0"/>
-            </a:br>
-            <a:r>
-              <a:rPr lang="sv-SE" sz="1400" dirty="0"/>
-              <a:t>    Hero </a:t>
-            </a:r>
-            <a:r>
-              <a:rPr lang="sv-SE" sz="1400" dirty="0" err="1"/>
-              <a:t>hero</a:t>
-            </a:r>
-            <a:r>
-              <a:rPr lang="sv-SE" sz="1400" dirty="0"/>
-              <a:t> = new Hero(100);</a:t>
-            </a:r>
-            <a:br>
-              <a:rPr lang="sv-SE" sz="1400" dirty="0"/>
-            </a:br>
-            <a:r>
-              <a:rPr lang="sv-SE" sz="1400" dirty="0"/>
-              <a:t>    </a:t>
-            </a:r>
-            <a:r>
-              <a:rPr lang="sv-SE" sz="1400" dirty="0" err="1"/>
-              <a:t>hero.pickUpItem</a:t>
-            </a:r>
-            <a:r>
-              <a:rPr lang="sv-SE" sz="1400" dirty="0"/>
-              <a:t>(new </a:t>
-            </a:r>
-            <a:r>
-              <a:rPr lang="sv-SE" sz="1400" dirty="0" err="1"/>
-              <a:t>Weapon</a:t>
-            </a:r>
-            <a:r>
-              <a:rPr lang="sv-SE" sz="1400" dirty="0"/>
-              <a:t>(5));</a:t>
-            </a:r>
-            <a:br>
-              <a:rPr lang="sv-SE" sz="1400" dirty="0"/>
-            </a:br>
-            <a:r>
-              <a:rPr lang="sv-SE" sz="1400" dirty="0"/>
-              <a:t>    </a:t>
-            </a:r>
-            <a:r>
-              <a:rPr lang="sv-SE" sz="1400" dirty="0" err="1"/>
-              <a:t>hero.pickUpItem</a:t>
-            </a:r>
-            <a:r>
-              <a:rPr lang="sv-SE" sz="1400" dirty="0"/>
-              <a:t>(new </a:t>
-            </a:r>
-            <a:r>
-              <a:rPr lang="sv-SE" sz="1400" dirty="0" err="1"/>
-              <a:t>Armor</a:t>
-            </a:r>
-            <a:r>
-              <a:rPr lang="sv-SE" sz="1400" dirty="0"/>
-              <a:t>(5));</a:t>
-            </a:r>
-            <a:br>
-              <a:rPr lang="sv-SE" sz="1400" dirty="0"/>
-            </a:br>
-            <a:r>
-              <a:rPr lang="sv-SE" sz="1400" dirty="0"/>
-              <a:t>    </a:t>
-            </a:r>
-            <a:r>
-              <a:rPr lang="sv-SE" sz="1400" i="1" dirty="0" err="1"/>
-              <a:t>assertEquals</a:t>
-            </a:r>
-            <a:r>
-              <a:rPr lang="sv-SE" sz="1400" dirty="0"/>
-              <a:t>(10, </a:t>
-            </a:r>
-            <a:r>
-              <a:rPr lang="sv-SE" sz="1400" dirty="0" err="1"/>
-              <a:t>hero.getStrength</a:t>
-            </a:r>
-            <a:r>
-              <a:rPr lang="sv-SE" sz="1400" dirty="0"/>
-              <a:t>());</a:t>
-            </a:r>
-            <a:br>
-              <a:rPr lang="sv-SE" sz="1400" dirty="0"/>
-            </a:br>
-            <a:r>
-              <a:rPr lang="sv-SE" sz="1400" dirty="0"/>
-              <a:t>}</a:t>
-            </a:r>
+            <a:endParaRPr lang="sv-SE" dirty="0"/>
           </a:p>
         </p:txBody>
       </p:sp>
@@ -12604,192 +12330,13 @@
         </p:nvSpPr>
         <p:spPr/>
         <p:txBody>
-          <a:bodyPr>
-            <a:normAutofit fontScale="55000" lnSpcReduction="20000"/>
-          </a:bodyPr>
+          <a:bodyPr/>
           <a:lstStyle/>
           <a:p>
             <a:pPr marL="0" indent="0">
               <a:buNone/>
             </a:pPr>
-            <a:r>
-              <a:rPr lang="sv-SE" dirty="0"/>
-              <a:t>public </a:t>
-            </a:r>
-            <a:r>
-              <a:rPr lang="sv-SE" dirty="0" err="1"/>
-              <a:t>int</a:t>
-            </a:r>
-            <a:r>
-              <a:rPr lang="sv-SE" dirty="0"/>
-              <a:t> </a:t>
-            </a:r>
-            <a:r>
-              <a:rPr lang="sv-SE" dirty="0" err="1"/>
-              <a:t>getStrength</a:t>
-            </a:r>
-            <a:r>
-              <a:rPr lang="sv-SE" dirty="0"/>
-              <a:t>(){</a:t>
-            </a:r>
-          </a:p>
-          <a:p>
-            <a:pPr marL="0" indent="0">
-              <a:buNone/>
-            </a:pPr>
-            <a:br>
-              <a:rPr lang="sv-SE" dirty="0"/>
-            </a:br>
-            <a:r>
-              <a:rPr lang="sv-SE" dirty="0"/>
-              <a:t>   </a:t>
-            </a:r>
-            <a:r>
-              <a:rPr lang="sv-SE" dirty="0" err="1"/>
-              <a:t>int</a:t>
-            </a:r>
-            <a:r>
-              <a:rPr lang="sv-SE" dirty="0"/>
-              <a:t> total = 0;</a:t>
-            </a:r>
-          </a:p>
-          <a:p>
-            <a:pPr marL="0" indent="0">
-              <a:buNone/>
-            </a:pPr>
-            <a:br>
-              <a:rPr lang="sv-SE" dirty="0"/>
-            </a:br>
-            <a:r>
-              <a:rPr lang="sv-SE" dirty="0"/>
-              <a:t>    </a:t>
-            </a:r>
-            <a:r>
-              <a:rPr lang="sv-SE" dirty="0" err="1"/>
-              <a:t>if</a:t>
-            </a:r>
-            <a:r>
-              <a:rPr lang="sv-SE" dirty="0"/>
-              <a:t>(</a:t>
-            </a:r>
-            <a:r>
-              <a:rPr lang="sv-SE" dirty="0" err="1"/>
-              <a:t>equippedWeapon</a:t>
-            </a:r>
-            <a:r>
-              <a:rPr lang="sv-SE" dirty="0"/>
-              <a:t> != </a:t>
-            </a:r>
-            <a:r>
-              <a:rPr lang="sv-SE" dirty="0" err="1"/>
-              <a:t>null</a:t>
-            </a:r>
-            <a:r>
-              <a:rPr lang="sv-SE" dirty="0"/>
-              <a:t>){</a:t>
-            </a:r>
-            <a:br>
-              <a:rPr lang="sv-SE" dirty="0"/>
-            </a:br>
-            <a:r>
-              <a:rPr lang="sv-SE" dirty="0"/>
-              <a:t>        total += </a:t>
-            </a:r>
-            <a:r>
-              <a:rPr lang="sv-SE" dirty="0" err="1"/>
-              <a:t>equippedWeapon.getDamage</a:t>
-            </a:r>
-            <a:r>
-              <a:rPr lang="sv-SE" dirty="0"/>
-              <a:t>();</a:t>
-            </a:r>
-            <a:br>
-              <a:rPr lang="sv-SE" dirty="0"/>
-            </a:br>
-            <a:r>
-              <a:rPr lang="sv-SE" dirty="0"/>
-              <a:t>    }</a:t>
-            </a:r>
-            <a:br>
-              <a:rPr lang="sv-SE" dirty="0"/>
-            </a:br>
-            <a:r>
-              <a:rPr lang="sv-SE" dirty="0"/>
-              <a:t>    </a:t>
-            </a:r>
-            <a:r>
-              <a:rPr lang="sv-SE" dirty="0" err="1"/>
-              <a:t>if</a:t>
-            </a:r>
-            <a:r>
-              <a:rPr lang="sv-SE" dirty="0"/>
-              <a:t>(</a:t>
-            </a:r>
-            <a:r>
-              <a:rPr lang="sv-SE" dirty="0" err="1"/>
-              <a:t>equippedArmor</a:t>
-            </a:r>
-            <a:r>
-              <a:rPr lang="sv-SE" dirty="0"/>
-              <a:t> != </a:t>
-            </a:r>
-            <a:r>
-              <a:rPr lang="sv-SE" dirty="0" err="1"/>
-              <a:t>null</a:t>
-            </a:r>
-            <a:r>
-              <a:rPr lang="sv-SE" dirty="0"/>
-              <a:t>){</a:t>
-            </a:r>
-            <a:br>
-              <a:rPr lang="sv-SE" dirty="0"/>
-            </a:br>
-            <a:r>
-              <a:rPr lang="sv-SE" dirty="0"/>
-              <a:t>        total += </a:t>
-            </a:r>
-            <a:r>
-              <a:rPr lang="sv-SE" dirty="0" err="1"/>
-              <a:t>equippedArmor.getResistance</a:t>
-            </a:r>
-            <a:r>
-              <a:rPr lang="sv-SE" dirty="0"/>
-              <a:t>();</a:t>
-            </a:r>
-            <a:br>
-              <a:rPr lang="sv-SE" dirty="0"/>
-            </a:br>
-            <a:r>
-              <a:rPr lang="sv-SE" dirty="0"/>
-              <a:t>    }</a:t>
-            </a:r>
-          </a:p>
-          <a:p>
-            <a:pPr marL="0" indent="0">
-              <a:buNone/>
-            </a:pPr>
-            <a:br>
-              <a:rPr lang="sv-SE" dirty="0"/>
-            </a:br>
-            <a:r>
-              <a:rPr lang="sv-SE" dirty="0"/>
-              <a:t>    </a:t>
-            </a:r>
-            <a:r>
-              <a:rPr lang="sv-SE" dirty="0" err="1"/>
-              <a:t>return</a:t>
-            </a:r>
-            <a:r>
-              <a:rPr lang="sv-SE" dirty="0"/>
-              <a:t> total;</a:t>
-            </a:r>
-            <a:br>
-              <a:rPr lang="sv-SE" dirty="0"/>
-            </a:br>
-            <a:r>
-              <a:rPr lang="sv-SE" dirty="0"/>
-              <a:t>}</a:t>
-            </a:r>
+            <a:endParaRPr lang="sv-SE" dirty="0"/>
           </a:p>
         </p:txBody>
       </p:sp>
@@ -24127,11 +23674,7 @@
               <a:buNone/>
             </a:pPr>
             <a:r>
-              <a:rPr lang="sv-SE" dirty="0">
-                <a:highlight>
-                  <a:srgbClr val="FFFF00"/>
-                </a:highlight>
-              </a:rPr>
+              <a:rPr lang="sv-SE" dirty="0"/>
               <a:t>@Test</a:t>
             </a:r>
           </a:p>
@@ -24203,18 +23746,10 @@
               <a:buNone/>
             </a:pPr>
             <a:r>
-              <a:rPr lang="en-US" dirty="0">
-                <a:highlight>
-                  <a:srgbClr val="FFFF00"/>
-                </a:highlight>
-              </a:rPr>
+              <a:rPr lang="en-US" dirty="0"/>
               <a:t>@Test</a:t>
             </a:r>
-            <a:endParaRPr lang="sv-SE" dirty="0">
-              <a:highlight>
-                <a:srgbClr val="FFFF00"/>
-              </a:highlight>
-            </a:endParaRPr>
+            <a:endParaRPr lang="sv-SE" dirty="0"/>
           </a:p>
           <a:p>
             <a:pPr marL="0" indent="0">

--- a/docs/Slutredovisning_grp5_v8.pptx
+++ b/docs/Slutredovisning_grp5_v8.pptx
@@ -248,7 +248,7 @@
           <a:p>
             <a:fld id="{78657D70-8167-4127-866D-BAA56A2DFFEF}" type="datetimeFigureOut">
               <a:rPr lang="sv-SE" smtClean="0"/>
-              <a:t>2018-10-28</a:t>
+              <a:t>2018-10-29</a:t>
             </a:fld>
             <a:endParaRPr lang="sv-SE"/>
           </a:p>
@@ -3119,62 +3119,32 @@
           <a:bodyPr/>
           <a:lstStyle/>
           <a:p>
-            <a:pPr marL="0" marR="0" lvl="0" indent="0" algn="l" defTabSz="914400" rtl="0" eaLnBrk="1" fontAlgn="auto" latinLnBrk="0" hangingPunct="1">
-              <a:lnSpc>
-                <a:spcPct val="100000"/>
-              </a:lnSpc>
-              <a:spcBef>
-                <a:spcPts val="0"/>
-              </a:spcBef>
-              <a:spcAft>
-                <a:spcPts val="0"/>
-              </a:spcAft>
-              <a:buClrTx/>
-              <a:buSzTx/>
-              <a:buFontTx/>
-              <a:buNone/>
-              <a:tabLst/>
-              <a:defRPr/>
-            </a:pPr>
-            <a:r>
-              <a:rPr lang="sv-SE" sz="1200" kern="1200" dirty="0">
-                <a:solidFill>
-                  <a:schemeClr val="tx1"/>
-                </a:solidFill>
-                <a:effectLst/>
-                <a:latin typeface="+mn-lt"/>
-                <a:ea typeface="+mn-ea"/>
-                <a:cs typeface="+mn-cs"/>
-              </a:rPr>
-              <a:t>En kort presentation av den del av koden ni valt ut för att göra en formell granskning av och processen ni använt er av inklusive eventuella checklistor, scenarier, </a:t>
-            </a:r>
-            <a:r>
-              <a:rPr lang="sv-SE" sz="1200" kern="1200" dirty="0" err="1">
-                <a:solidFill>
-                  <a:schemeClr val="tx1"/>
-                </a:solidFill>
-                <a:effectLst/>
-                <a:latin typeface="+mn-lt"/>
-                <a:ea typeface="+mn-ea"/>
-                <a:cs typeface="+mn-cs"/>
-              </a:rPr>
-              <a:t>edyl</a:t>
-            </a:r>
-            <a:r>
-              <a:rPr lang="sv-SE" sz="1200" kern="1200" dirty="0">
-                <a:solidFill>
-                  <a:schemeClr val="tx1"/>
-                </a:solidFill>
-                <a:effectLst/>
-                <a:latin typeface="+mn-lt"/>
-                <a:ea typeface="+mn-ea"/>
-                <a:cs typeface="+mn-cs"/>
-              </a:rPr>
-              <a:t>. Ni ska kort motivera valen, och ge tillräckligt med information för att det ska gå att bedöma er.</a:t>
-            </a:r>
-          </a:p>
-          <a:p>
-            <a:endParaRPr lang="sv-SE" dirty="0"/>
+            <a:pPr lvl="1"/>
+            <a:r>
+              <a:rPr lang="sv-SE" dirty="0"/>
+              <a:t>Motivering till varför vi valt </a:t>
+            </a:r>
+            <a:r>
+              <a:rPr lang="sv-SE" dirty="0" err="1"/>
+              <a:t>GeneratedMap</a:t>
+            </a:r>
+            <a:r>
+              <a:rPr lang="sv-SE" dirty="0"/>
+              <a:t>:</a:t>
+            </a:r>
+          </a:p>
+          <a:p>
+            <a:pPr lvl="1"/>
+            <a:r>
+              <a:rPr lang="sv-SE" dirty="0"/>
+              <a:t>Den klass vi modifierat mest = </a:t>
+            </a:r>
+            <a:r>
+              <a:rPr lang="sv-SE" dirty="0">
+                <a:sym typeface="Wingdings" pitchFamily="2" charset="2"/>
+              </a:rPr>
+              <a:t>överväganden som kan kritiseras</a:t>
+            </a:r>
           </a:p>
         </p:txBody>
       </p:sp>
@@ -3257,6 +3227,117 @@
         <p:txBody>
           <a:bodyPr/>
           <a:lstStyle/>
+          <a:p>
+            <a:pPr marL="0" marR="0" lvl="0" indent="0" algn="l" defTabSz="914400" rtl="0" eaLnBrk="1" fontAlgn="auto" latinLnBrk="0" hangingPunct="1">
+              <a:lnSpc>
+                <a:spcPct val="100000"/>
+              </a:lnSpc>
+              <a:spcBef>
+                <a:spcPts val="0"/>
+              </a:spcBef>
+              <a:spcAft>
+                <a:spcPts val="0"/>
+              </a:spcAft>
+              <a:buClrTx/>
+              <a:buSzTx/>
+              <a:buFontTx/>
+              <a:buNone/>
+              <a:tabLst/>
+              <a:defRPr/>
+            </a:pPr>
+            <a:r>
+              <a:rPr lang="sv-SE" sz="1200" kern="1200" dirty="0">
+                <a:solidFill>
+                  <a:schemeClr val="tx1"/>
+                </a:solidFill>
+                <a:effectLst/>
+                <a:latin typeface="+mn-lt"/>
+                <a:ea typeface="+mn-ea"/>
+                <a:cs typeface="+mn-cs"/>
+              </a:rPr>
+              <a:t>Skriv upp definitionen av </a:t>
+            </a:r>
+            <a:r>
+              <a:rPr lang="sv-SE" sz="1200" kern="1200" dirty="0" err="1">
+                <a:solidFill>
+                  <a:schemeClr val="tx1"/>
+                </a:solidFill>
+                <a:effectLst/>
+                <a:latin typeface="+mn-lt"/>
+                <a:ea typeface="+mn-ea"/>
+                <a:cs typeface="+mn-cs"/>
+              </a:rPr>
+              <a:t>Severity</a:t>
+            </a:r>
+            <a:r>
+              <a:rPr lang="sv-SE" sz="1200" kern="1200" dirty="0">
+                <a:solidFill>
+                  <a:schemeClr val="tx1"/>
+                </a:solidFill>
+                <a:effectLst/>
+                <a:latin typeface="+mn-lt"/>
+                <a:ea typeface="+mn-ea"/>
+                <a:cs typeface="+mn-cs"/>
+              </a:rPr>
+              <a:t>-rankings.</a:t>
+            </a:r>
+          </a:p>
+          <a:p>
+            <a:pPr marL="0" marR="0" lvl="0" indent="0" algn="l" defTabSz="914400" rtl="0" eaLnBrk="1" fontAlgn="auto" latinLnBrk="0" hangingPunct="1">
+              <a:lnSpc>
+                <a:spcPct val="100000"/>
+              </a:lnSpc>
+              <a:spcBef>
+                <a:spcPts val="0"/>
+              </a:spcBef>
+              <a:spcAft>
+                <a:spcPts val="0"/>
+              </a:spcAft>
+              <a:buClrTx/>
+              <a:buSzTx/>
+              <a:buFontTx/>
+              <a:buNone/>
+              <a:tabLst/>
+              <a:defRPr/>
+            </a:pPr>
+            <a:endParaRPr lang="sv-SE" sz="1200" kern="1200" dirty="0">
+              <a:solidFill>
+                <a:schemeClr val="tx1"/>
+              </a:solidFill>
+              <a:effectLst/>
+              <a:latin typeface="+mn-lt"/>
+              <a:ea typeface="+mn-ea"/>
+              <a:cs typeface="+mn-cs"/>
+            </a:endParaRPr>
+          </a:p>
+          <a:p>
+            <a:pPr marL="0" marR="0" lvl="0" indent="0" algn="l" defTabSz="914400" rtl="0" eaLnBrk="1" fontAlgn="auto" latinLnBrk="0" hangingPunct="1">
+              <a:lnSpc>
+                <a:spcPct val="100000"/>
+              </a:lnSpc>
+              <a:spcBef>
+                <a:spcPts val="0"/>
+              </a:spcBef>
+              <a:spcAft>
+                <a:spcPts val="0"/>
+              </a:spcAft>
+              <a:buClrTx/>
+              <a:buSzTx/>
+              <a:buFontTx/>
+              <a:buNone/>
+              <a:tabLst/>
+              <a:defRPr/>
+            </a:pPr>
+            <a:endParaRPr lang="sv-SE" sz="1200" kern="1200" dirty="0">
+              <a:solidFill>
+                <a:schemeClr val="tx1"/>
+              </a:solidFill>
+              <a:effectLst/>
+              <a:latin typeface="+mn-lt"/>
+              <a:ea typeface="+mn-ea"/>
+              <a:cs typeface="+mn-cs"/>
+            </a:endParaRPr>
+          </a:p>
           <a:p>
             <a:pPr marL="0" marR="0" lvl="0" indent="0" algn="l" defTabSz="914400" rtl="0" eaLnBrk="1" fontAlgn="auto" latinLnBrk="0" hangingPunct="1">
               <a:lnSpc>
@@ -5633,7 +5714,7 @@
           <a:p>
             <a:fld id="{B4C653A3-D7FF-4AF7-943B-34A467C3139E}" type="datetimeFigureOut">
               <a:rPr lang="sv-SE" smtClean="0"/>
-              <a:t>2018-10-28</a:t>
+              <a:t>2018-10-29</a:t>
             </a:fld>
             <a:endParaRPr lang="sv-SE"/>
           </a:p>
@@ -5801,7 +5882,7 @@
           <a:p>
             <a:fld id="{B4C653A3-D7FF-4AF7-943B-34A467C3139E}" type="datetimeFigureOut">
               <a:rPr lang="sv-SE" smtClean="0"/>
-              <a:t>2018-10-28</a:t>
+              <a:t>2018-10-29</a:t>
             </a:fld>
             <a:endParaRPr lang="sv-SE"/>
           </a:p>
@@ -5979,7 +6060,7 @@
           <a:p>
             <a:fld id="{B4C653A3-D7FF-4AF7-943B-34A467C3139E}" type="datetimeFigureOut">
               <a:rPr lang="sv-SE" smtClean="0"/>
-              <a:t>2018-10-28</a:t>
+              <a:t>2018-10-29</a:t>
             </a:fld>
             <a:endParaRPr lang="sv-SE"/>
           </a:p>
@@ -6147,7 +6228,7 @@
           <a:p>
             <a:fld id="{B4C653A3-D7FF-4AF7-943B-34A467C3139E}" type="datetimeFigureOut">
               <a:rPr lang="sv-SE" smtClean="0"/>
-              <a:t>2018-10-28</a:t>
+              <a:t>2018-10-29</a:t>
             </a:fld>
             <a:endParaRPr lang="sv-SE"/>
           </a:p>
@@ -6392,7 +6473,7 @@
           <a:p>
             <a:fld id="{B4C653A3-D7FF-4AF7-943B-34A467C3139E}" type="datetimeFigureOut">
               <a:rPr lang="sv-SE" smtClean="0"/>
-              <a:t>2018-10-28</a:t>
+              <a:t>2018-10-29</a:t>
             </a:fld>
             <a:endParaRPr lang="sv-SE"/>
           </a:p>
@@ -6621,7 +6702,7 @@
           <a:p>
             <a:fld id="{B4C653A3-D7FF-4AF7-943B-34A467C3139E}" type="datetimeFigureOut">
               <a:rPr lang="sv-SE" smtClean="0"/>
-              <a:t>2018-10-28</a:t>
+              <a:t>2018-10-29</a:t>
             </a:fld>
             <a:endParaRPr lang="sv-SE"/>
           </a:p>
@@ -6985,7 +7066,7 @@
           <a:p>
             <a:fld id="{B4C653A3-D7FF-4AF7-943B-34A467C3139E}" type="datetimeFigureOut">
               <a:rPr lang="sv-SE" smtClean="0"/>
-              <a:t>2018-10-28</a:t>
+              <a:t>2018-10-29</a:t>
             </a:fld>
             <a:endParaRPr lang="sv-SE"/>
           </a:p>
@@ -7102,7 +7183,7 @@
           <a:p>
             <a:fld id="{B4C653A3-D7FF-4AF7-943B-34A467C3139E}" type="datetimeFigureOut">
               <a:rPr lang="sv-SE" smtClean="0"/>
-              <a:t>2018-10-28</a:t>
+              <a:t>2018-10-29</a:t>
             </a:fld>
             <a:endParaRPr lang="sv-SE"/>
           </a:p>
@@ -7197,7 +7278,7 @@
           <a:p>
             <a:fld id="{B4C653A3-D7FF-4AF7-943B-34A467C3139E}" type="datetimeFigureOut">
               <a:rPr lang="sv-SE" smtClean="0"/>
-              <a:t>2018-10-28</a:t>
+              <a:t>2018-10-29</a:t>
             </a:fld>
             <a:endParaRPr lang="sv-SE"/>
           </a:p>
@@ -7472,7 +7553,7 @@
           <a:p>
             <a:fld id="{B4C653A3-D7FF-4AF7-943B-34A467C3139E}" type="datetimeFigureOut">
               <a:rPr lang="sv-SE" smtClean="0"/>
-              <a:t>2018-10-28</a:t>
+              <a:t>2018-10-29</a:t>
             </a:fld>
             <a:endParaRPr lang="sv-SE"/>
           </a:p>
@@ -7724,7 +7805,7 @@
           <a:p>
             <a:fld id="{B4C653A3-D7FF-4AF7-943B-34A467C3139E}" type="datetimeFigureOut">
               <a:rPr lang="sv-SE" smtClean="0"/>
-              <a:t>2018-10-28</a:t>
+              <a:t>2018-10-29</a:t>
             </a:fld>
             <a:endParaRPr lang="sv-SE"/>
           </a:p>
@@ -7935,7 +8016,7 @@
           <a:p>
             <a:fld id="{B4C653A3-D7FF-4AF7-943B-34A467C3139E}" type="datetimeFigureOut">
               <a:rPr lang="sv-SE" smtClean="0"/>
-              <a:t>2018-10-28</a:t>
+              <a:t>2018-10-29</a:t>
             </a:fld>
             <a:endParaRPr lang="sv-SE"/>
           </a:p>
@@ -16704,7 +16785,7 @@
         <p:spPr/>
         <p:txBody>
           <a:bodyPr>
-            <a:normAutofit fontScale="92500" lnSpcReduction="20000"/>
+            <a:normAutofit/>
           </a:bodyPr>
           <a:lstStyle/>
           <a:p>
@@ -16724,7 +16805,7 @@
           <a:p>
             <a:r>
               <a:rPr lang="sv-SE" dirty="0"/>
-              <a:t>Samtidig granskning av vår klass </a:t>
+              <a:t>Granskning av vår klass </a:t>
             </a:r>
             <a:r>
               <a:rPr lang="sv-SE" dirty="0" err="1"/>
@@ -16736,27 +16817,22 @@
             <a:pPr lvl="1"/>
             <a:r>
               <a:rPr lang="sv-SE" dirty="0"/>
-              <a:t>Komplexitet</a:t>
+              <a:t>Varför denna klass? Komplexitet.</a:t>
             </a:r>
           </a:p>
           <a:p>
             <a:pPr lvl="1"/>
             <a:r>
               <a:rPr lang="sv-SE" dirty="0"/>
-              <a:t>LOC: …</a:t>
-            </a:r>
-          </a:p>
-          <a:p>
-            <a:pPr lvl="1"/>
-            <a:r>
-              <a:rPr lang="sv-SE" dirty="0"/>
-              <a:t>Den klass vi modifierat mest = </a:t>
+              <a:t>LOC: </a:t>
             </a:r>
             <a:r>
               <a:rPr lang="sv-SE" dirty="0">
-                <a:sym typeface="Wingdings" pitchFamily="2" charset="2"/>
-              </a:rPr>
-              <a:t>överväganden som kan kritiseras</a:t>
+                <a:highlight>
+                  <a:srgbClr val="FFFF00"/>
+                </a:highlight>
+              </a:rPr>
+              <a:t>245</a:t>
             </a:r>
           </a:p>
           <a:p>
@@ -16781,53 +16857,14 @@
             <a:pPr lvl="1"/>
             <a:r>
               <a:rPr lang="sv-SE" dirty="0"/>
-              <a:t>3 i gruppen deltog vid seminariet</a:t>
+              <a:t>Enskilda förberedelser</a:t>
             </a:r>
           </a:p>
           <a:p>
             <a:pPr lvl="1"/>
             <a:r>
               <a:rPr lang="sv-SE" dirty="0"/>
-              <a:t>Enskilda förberedelser</a:t>
-            </a:r>
-          </a:p>
-          <a:p>
-            <a:pPr lvl="1"/>
-            <a:r>
-              <a:rPr lang="sv-SE" dirty="0">
-                <a:solidFill>
-                  <a:srgbClr val="FF0000"/>
-                </a:solidFill>
-              </a:rPr>
-              <a:t>Roller</a:t>
-            </a:r>
-            <a:r>
-              <a:rPr lang="sv-SE" dirty="0"/>
-              <a:t>: Sekreterare, </a:t>
-            </a:r>
-            <a:r>
-              <a:rPr lang="sv-SE" dirty="0">
-                <a:solidFill>
-                  <a:srgbClr val="FF0000"/>
-                </a:solidFill>
-              </a:rPr>
-              <a:t>…</a:t>
-            </a:r>
-            <a:r>
-              <a:rPr lang="sv-SE" dirty="0"/>
-              <a:t>, en representant från grupp 3</a:t>
-            </a:r>
-          </a:p>
-          <a:p>
-            <a:pPr marL="0" indent="0">
-              <a:buNone/>
-            </a:pPr>
-            <a:endParaRPr lang="sv-SE" sz="1100" dirty="0"/>
-          </a:p>
-          <a:p>
-            <a:r>
-              <a:rPr lang="sv-SE" dirty="0"/>
-              <a:t>Sekreterarens anteckningar till grupp 3</a:t>
+              <a:t>Roller: Moderator, uppläsare, tre inspektörer, en representant från grupp 3</a:t>
             </a:r>
           </a:p>
         </p:txBody>
@@ -16900,11 +16937,13 @@
         <p:spPr>
           <a:xfrm>
             <a:off x="942975" y="1825625"/>
-            <a:ext cx="9201150" cy="4351338"/>
+            <a:ext cx="5714499" cy="4351338"/>
           </a:xfrm>
         </p:spPr>
         <p:txBody>
-          <a:bodyPr/>
+          <a:bodyPr>
+            <a:normAutofit lnSpcReduction="10000"/>
+          </a:bodyPr>
           <a:lstStyle/>
           <a:p>
             <a:pPr marL="0" indent="0">
@@ -16912,13 +16951,8 @@
             </a:pPr>
             <a:r>
               <a:rPr lang="sv-SE" dirty="0"/>
-              <a:t>Fel						</a:t>
-            </a:r>
-            <a:r>
-              <a:rPr lang="sv-SE" dirty="0" err="1"/>
-              <a:t>Severity</a:t>
-            </a:r>
-            <a:endParaRPr lang="sv-SE" dirty="0"/>
+              <a:t>Defekt</a:t>
+            </a:r>
           </a:p>
           <a:p>
             <a:pPr marL="514350" indent="-514350">
@@ -16926,8 +16960,16 @@
               <a:buAutoNum type="arabicPeriod"/>
             </a:pPr>
             <a:r>
-              <a:rPr lang="sv-SE" sz="2000" dirty="0"/>
-              <a:t>…</a:t>
+              <a:rPr lang="sv-SE" sz="1400" dirty="0"/>
+              <a:t>Formatering: </a:t>
+            </a:r>
+            <a:r>
+              <a:rPr lang="sv-SE" sz="1400" dirty="0" err="1"/>
+              <a:t>indentering</a:t>
+            </a:r>
+            <a:r>
+              <a:rPr lang="sv-SE" sz="1400" dirty="0"/>
+              <a:t> &amp; blanka rader</a:t>
             </a:r>
           </a:p>
           <a:p>
@@ -16936,8 +16978,20 @@
               <a:buAutoNum type="arabicPeriod"/>
             </a:pPr>
             <a:r>
-              <a:rPr lang="sv-SE" sz="2000" dirty="0"/>
-              <a:t>…</a:t>
+              <a:rPr lang="sv-SE" sz="1400" dirty="0" err="1"/>
+              <a:t>GameMap</a:t>
+            </a:r>
+            <a:r>
+              <a:rPr lang="sv-SE" sz="1400" dirty="0"/>
+              <a:t> </a:t>
+            </a:r>
+            <a:r>
+              <a:rPr lang="sv-SE" sz="1400" dirty="0" err="1"/>
+              <a:t>gameMap</a:t>
+            </a:r>
+            <a:r>
+              <a:rPr lang="sv-SE" sz="1400" dirty="0"/>
+              <a:t> initieras aldrig men skickas med i metodanrop.</a:t>
             </a:r>
           </a:p>
           <a:p>
@@ -16946,9 +17000,424 @@
               <a:buAutoNum type="arabicPeriod"/>
             </a:pPr>
             <a:r>
-              <a:rPr lang="sv-SE" sz="2000" dirty="0"/>
-              <a:t>…</a:t>
-            </a:r>
+              <a:rPr lang="sv-SE" sz="1400" dirty="0"/>
+              <a:t>Namngivning: </a:t>
+            </a:r>
+            <a:r>
+              <a:rPr lang="sv-SE" sz="1400" dirty="0" err="1"/>
+              <a:t>io</a:t>
+            </a:r>
+            <a:r>
+              <a:rPr lang="sv-SE" sz="1400" dirty="0"/>
+              <a:t>, </a:t>
+            </a:r>
+            <a:r>
+              <a:rPr lang="sv-SE" sz="1400" dirty="0" err="1"/>
+              <a:t>emptySpots</a:t>
+            </a:r>
+            <a:r>
+              <a:rPr lang="sv-SE" sz="1400" dirty="0"/>
+              <a:t>, </a:t>
+            </a:r>
+            <a:br>
+              <a:rPr lang="sv-SE" sz="1400" dirty="0"/>
+            </a:br>
+            <a:r>
+              <a:rPr lang="sv-SE" sz="1400" dirty="0" err="1"/>
+              <a:t>getEmptyAndRemoveSpots</a:t>
+            </a:r>
+            <a:r>
+              <a:rPr lang="sv-SE" sz="1400" dirty="0"/>
+              <a:t>,</a:t>
+            </a:r>
+            <a:br>
+              <a:rPr lang="sv-SE" sz="1400" dirty="0"/>
+            </a:br>
+            <a:r>
+              <a:rPr lang="sv-SE" sz="1400" dirty="0" err="1"/>
+              <a:t>checkNearestPoint</a:t>
+            </a:r>
+            <a:r>
+              <a:rPr lang="sv-SE" sz="1400" dirty="0"/>
+              <a:t>, </a:t>
+            </a:r>
+            <a:r>
+              <a:rPr lang="sv-SE" sz="1400" dirty="0" err="1"/>
+              <a:t>endPoint</a:t>
+            </a:r>
+            <a:endParaRPr lang="sv-SE" sz="1400" dirty="0"/>
+          </a:p>
+          <a:p>
+            <a:pPr marL="514350" indent="-514350">
+              <a:buFont typeface="+mj-lt"/>
+              <a:buAutoNum type="arabicPeriod"/>
+            </a:pPr>
+            <a:r>
+              <a:rPr lang="sv-SE" sz="1400" dirty="0"/>
+              <a:t>Kommentarer på svenska.</a:t>
+            </a:r>
+          </a:p>
+          <a:p>
+            <a:pPr marL="514350" indent="-514350">
+              <a:buFont typeface="+mj-lt"/>
+              <a:buAutoNum type="arabicPeriod"/>
+            </a:pPr>
+            <a:r>
+              <a:rPr lang="sv-SE" sz="1400" dirty="0">
+                <a:highlight>
+                  <a:srgbClr val="FF0000"/>
+                </a:highlight>
+              </a:rPr>
+              <a:t>Kommentar</a:t>
+            </a:r>
+            <a:br>
+              <a:rPr lang="sv-SE" sz="1400" dirty="0"/>
+            </a:br>
+            <a:r>
+              <a:rPr lang="sv-SE" sz="1400" dirty="0" err="1"/>
+              <a:t>entryPoint</a:t>
+            </a:r>
+            <a:r>
+              <a:rPr lang="sv-SE" sz="1400" dirty="0"/>
+              <a:t> = </a:t>
+            </a:r>
+            <a:r>
+              <a:rPr lang="sv-SE" sz="1400" b="1" dirty="0"/>
+              <a:t>new </a:t>
+            </a:r>
+            <a:r>
+              <a:rPr lang="sv-SE" sz="1400" dirty="0"/>
+              <a:t>Position(</a:t>
+            </a:r>
+            <a:r>
+              <a:rPr lang="sv-SE" sz="1400" dirty="0" err="1"/>
+              <a:t>width</a:t>
+            </a:r>
+            <a:r>
+              <a:rPr lang="sv-SE" sz="1400" dirty="0"/>
+              <a:t> / 2, </a:t>
+            </a:r>
+            <a:r>
+              <a:rPr lang="sv-SE" sz="1400" dirty="0" err="1"/>
+              <a:t>height</a:t>
+            </a:r>
+            <a:r>
+              <a:rPr lang="sv-SE" sz="1400" dirty="0"/>
+              <a:t> - 1);</a:t>
+            </a:r>
+            <a:br>
+              <a:rPr lang="sv-SE" sz="1400" dirty="0"/>
+            </a:br>
+            <a:r>
+              <a:rPr lang="sv-SE" sz="1400" dirty="0" err="1"/>
+              <a:t>exitPoint</a:t>
+            </a:r>
+            <a:r>
+              <a:rPr lang="sv-SE" sz="1400" dirty="0"/>
+              <a:t> = </a:t>
+            </a:r>
+            <a:r>
+              <a:rPr lang="sv-SE" sz="1400" b="1" dirty="0"/>
+              <a:t>new </a:t>
+            </a:r>
+            <a:r>
+              <a:rPr lang="sv-SE" sz="1400" dirty="0"/>
+              <a:t>Position(</a:t>
+            </a:r>
+            <a:r>
+              <a:rPr lang="sv-SE" sz="1400" dirty="0" err="1"/>
+              <a:t>width</a:t>
+            </a:r>
+            <a:r>
+              <a:rPr lang="sv-SE" sz="1400" dirty="0"/>
+              <a:t> / 2, 1 + 1); </a:t>
+            </a:r>
+          </a:p>
+          <a:p>
+            <a:pPr marL="514350" indent="-514350">
+              <a:buFont typeface="+mj-lt"/>
+              <a:buAutoNum type="arabicPeriod"/>
+            </a:pPr>
+            <a:r>
+              <a:rPr lang="sv-SE" sz="1400" dirty="0"/>
+              <a:t>Upprepande kod i metoden </a:t>
+            </a:r>
+            <a:r>
+              <a:rPr lang="sv-SE" sz="1400" dirty="0" err="1"/>
+              <a:t>generatePath</a:t>
+            </a:r>
+            <a:r>
+              <a:rPr lang="sv-SE" sz="1400" dirty="0"/>
+              <a:t>, tillsammans </a:t>
+            </a:r>
+            <a:br>
+              <a:rPr lang="sv-SE" sz="1400" dirty="0"/>
+            </a:br>
+            <a:r>
+              <a:rPr lang="sv-SE" sz="1400" dirty="0"/>
+              <a:t>med många kommentarer.</a:t>
+            </a:r>
+          </a:p>
+          <a:p>
+            <a:pPr marL="514350" indent="-514350">
+              <a:buFont typeface="+mj-lt"/>
+              <a:buAutoNum type="arabicPeriod"/>
+            </a:pPr>
+            <a:r>
+              <a:rPr lang="sv-SE" sz="1400" dirty="0"/>
+              <a:t>Kartan fylls med objekt baserat på procentuell fördelning, </a:t>
+            </a:r>
+            <a:br>
+              <a:rPr lang="sv-SE" sz="1400" dirty="0"/>
+            </a:br>
+            <a:r>
+              <a:rPr lang="sv-SE" sz="1400" dirty="0"/>
+              <a:t>men listan töms under tiden vilket påverkar efterföljande beräkning.</a:t>
+            </a:r>
+          </a:p>
+          <a:p>
+            <a:pPr marL="514350" indent="-514350">
+              <a:buFont typeface="+mj-lt"/>
+              <a:buAutoNum type="arabicPeriod"/>
+            </a:pPr>
+            <a:r>
+              <a:rPr lang="sv-SE" sz="1400" dirty="0"/>
+              <a:t>Metoder som tog in Position </a:t>
+            </a:r>
+            <a:r>
+              <a:rPr lang="sv-SE" sz="1400" dirty="0" err="1"/>
+              <a:t>pos</a:t>
+            </a:r>
+            <a:r>
+              <a:rPr lang="sv-SE" sz="1400" dirty="0"/>
+              <a:t> som sedan inte används.</a:t>
+            </a:r>
+          </a:p>
+          <a:p>
+            <a:pPr marL="514350" indent="-514350">
+              <a:buFont typeface="+mj-lt"/>
+              <a:buAutoNum type="arabicPeriod"/>
+            </a:pPr>
+            <a:r>
+              <a:rPr lang="sv-SE" sz="1400" dirty="0"/>
+              <a:t>Två for-loopar som båda använder </a:t>
+            </a:r>
+            <a:r>
+              <a:rPr lang="sv-SE" sz="1400" dirty="0" err="1"/>
+              <a:t>width</a:t>
+            </a:r>
+            <a:r>
+              <a:rPr lang="sv-SE" sz="1400" dirty="0"/>
+              <a:t>, när den ena istället ska vara </a:t>
+            </a:r>
+            <a:r>
+              <a:rPr lang="sv-SE" sz="1400" dirty="0" err="1"/>
+              <a:t>height</a:t>
+            </a:r>
+            <a:r>
+              <a:rPr lang="sv-SE" sz="1400" dirty="0"/>
+              <a:t>.</a:t>
+            </a:r>
+          </a:p>
+          <a:p>
+            <a:pPr marL="514350" indent="-514350">
+              <a:buFont typeface="+mj-lt"/>
+              <a:buAutoNum type="arabicPeriod"/>
+            </a:pPr>
+            <a:endParaRPr lang="sv-SE" sz="1400" dirty="0"/>
+          </a:p>
+          <a:p>
+            <a:pPr marL="514350" indent="-514350">
+              <a:buFont typeface="+mj-lt"/>
+              <a:buAutoNum type="arabicPeriod"/>
+            </a:pPr>
+            <a:endParaRPr lang="sv-SE" sz="2000" dirty="0"/>
+          </a:p>
+        </p:txBody>
+      </p:sp>
+      <p:sp>
+        <p:nvSpPr>
+          <p:cNvPr id="4" name="textruta 3">
+            <a:extLst>
+              <a:ext uri="{FF2B5EF4-FFF2-40B4-BE49-F238E27FC236}">
+                <a16:creationId xmlns:a16="http://schemas.microsoft.com/office/drawing/2014/main" id="{5398A1A3-2557-CE44-B2AB-11DAFC2D8166}"/>
+              </a:ext>
+            </a:extLst>
+          </p:cNvPr>
+          <p:cNvSpPr txBox="1"/>
+          <p:nvPr/>
+        </p:nvSpPr>
+        <p:spPr>
+          <a:xfrm>
+            <a:off x="7106653" y="1825625"/>
+            <a:ext cx="4247147" cy="3323987"/>
+          </a:xfrm>
+          <a:prstGeom prst="rect">
+            <a:avLst/>
+          </a:prstGeom>
+          <a:noFill/>
+        </p:spPr>
+        <p:txBody>
+          <a:bodyPr wrap="square" rtlCol="0">
+            <a:spAutoFit/>
+          </a:bodyPr>
+          <a:lstStyle/>
+          <a:p>
+            <a:r>
+              <a:rPr lang="sv-SE" sz="2800" dirty="0"/>
+              <a:t>Allvarlighetsgrad</a:t>
+            </a:r>
+          </a:p>
+          <a:p>
+            <a:endParaRPr lang="sv-SE" sz="1400" dirty="0"/>
+          </a:p>
+          <a:p>
+            <a:pPr marL="342900" indent="-342900">
+              <a:buFont typeface="+mj-lt"/>
+              <a:buAutoNum type="arabicPeriod"/>
+            </a:pPr>
+            <a:r>
+              <a:rPr lang="sv-SE" sz="1400" dirty="0">
+                <a:solidFill>
+                  <a:schemeClr val="accent6"/>
+                </a:solidFill>
+              </a:rPr>
+              <a:t>Minor</a:t>
+            </a:r>
+          </a:p>
+          <a:p>
+            <a:pPr marL="342900" indent="-342900">
+              <a:buFont typeface="+mj-lt"/>
+              <a:buAutoNum type="arabicPeriod"/>
+            </a:pPr>
+            <a:r>
+              <a:rPr lang="sv-SE" sz="1400" dirty="0">
+                <a:solidFill>
+                  <a:srgbClr val="FFC000"/>
+                </a:solidFill>
+              </a:rPr>
+              <a:t>Major</a:t>
+            </a:r>
+          </a:p>
+          <a:p>
+            <a:pPr marL="342900" indent="-342900">
+              <a:buFont typeface="+mj-lt"/>
+              <a:buAutoNum type="arabicPeriod"/>
+            </a:pPr>
+            <a:r>
+              <a:rPr lang="sv-SE" sz="1400" dirty="0">
+                <a:solidFill>
+                  <a:schemeClr val="accent6"/>
+                </a:solidFill>
+              </a:rPr>
+              <a:t>Minor</a:t>
+            </a:r>
+          </a:p>
+          <a:p>
+            <a:pPr marL="342900" indent="-342900">
+              <a:buFont typeface="+mj-lt"/>
+              <a:buAutoNum type="arabicPeriod"/>
+            </a:pPr>
+            <a:r>
+              <a:rPr lang="sv-SE" sz="1400" dirty="0">
+                <a:solidFill>
+                  <a:schemeClr val="accent6"/>
+                </a:solidFill>
+              </a:rPr>
+              <a:t>Minor</a:t>
+            </a:r>
+          </a:p>
+          <a:p>
+            <a:pPr marL="342900" indent="-342900">
+              <a:buFont typeface="+mj-lt"/>
+              <a:buAutoNum type="arabicPeriod"/>
+            </a:pPr>
+            <a:r>
+              <a:rPr lang="sv-SE" sz="1400" dirty="0">
+                <a:solidFill>
+                  <a:schemeClr val="accent6"/>
+                </a:solidFill>
+              </a:rPr>
+              <a:t>Minor</a:t>
+            </a:r>
+          </a:p>
+          <a:p>
+            <a:pPr marL="342900" indent="-342900">
+              <a:buFont typeface="+mj-lt"/>
+              <a:buAutoNum type="arabicPeriod"/>
+            </a:pPr>
+            <a:r>
+              <a:rPr lang="sv-SE" sz="1400" dirty="0">
+                <a:solidFill>
+                  <a:schemeClr val="accent6"/>
+                </a:solidFill>
+              </a:rPr>
+              <a:t>Minor</a:t>
+            </a:r>
+          </a:p>
+          <a:p>
+            <a:pPr marL="342900" indent="-342900">
+              <a:buFont typeface="+mj-lt"/>
+              <a:buAutoNum type="arabicPeriod"/>
+            </a:pPr>
+            <a:r>
+              <a:rPr lang="sv-SE" sz="1400" dirty="0">
+                <a:solidFill>
+                  <a:srgbClr val="FFC000"/>
+                </a:solidFill>
+              </a:rPr>
+              <a:t>Major</a:t>
+            </a:r>
+          </a:p>
+          <a:p>
+            <a:pPr marL="342900" indent="-342900">
+              <a:buFont typeface="+mj-lt"/>
+              <a:buAutoNum type="arabicPeriod"/>
+            </a:pPr>
+            <a:r>
+              <a:rPr lang="sv-SE" sz="1400" dirty="0">
+                <a:solidFill>
+                  <a:schemeClr val="accent6"/>
+                </a:solidFill>
+              </a:rPr>
+              <a:t>Minor</a:t>
+            </a:r>
+          </a:p>
+          <a:p>
+            <a:pPr marL="342900" indent="-342900">
+              <a:buFont typeface="+mj-lt"/>
+              <a:buAutoNum type="arabicPeriod"/>
+            </a:pPr>
+            <a:r>
+              <a:rPr lang="sv-SE" sz="1400" dirty="0" err="1">
+                <a:solidFill>
+                  <a:srgbClr val="FF0000"/>
+                </a:solidFill>
+              </a:rPr>
+              <a:t>Critical</a:t>
+            </a:r>
+            <a:endParaRPr lang="sv-SE" sz="1400" dirty="0">
+              <a:solidFill>
+                <a:srgbClr val="FF0000"/>
+              </a:solidFill>
+            </a:endParaRPr>
+          </a:p>
+          <a:p>
+            <a:pPr marL="342900" indent="-342900">
+              <a:buFont typeface="+mj-lt"/>
+              <a:buAutoNum type="arabicPeriod"/>
+            </a:pPr>
+            <a:endParaRPr lang="sv-SE" sz="1400" dirty="0"/>
+          </a:p>
+          <a:p>
+            <a:pPr marL="342900" indent="-342900">
+              <a:buFont typeface="+mj-lt"/>
+              <a:buAutoNum type="arabicPeriod"/>
+            </a:pPr>
+            <a:endParaRPr lang="sv-SE" sz="1400" dirty="0"/>
+          </a:p>
+          <a:p>
+            <a:endParaRPr lang="sv-SE" sz="1400" dirty="0"/>
           </a:p>
         </p:txBody>
       </p:sp>
@@ -17019,62 +17488,44 @@
         </p:nvSpPr>
         <p:spPr/>
         <p:txBody>
-          <a:bodyPr/>
+          <a:bodyPr>
+            <a:normAutofit/>
+          </a:bodyPr>
           <a:lstStyle/>
           <a:p>
             <a:r>
               <a:rPr lang="sv-SE" dirty="0"/>
-              <a:t>Svårt hitta fel?</a:t>
+              <a:t>Svårt hitta fel, hög tröskel för att sätta sig in i koden</a:t>
             </a:r>
           </a:p>
           <a:p>
             <a:r>
               <a:rPr lang="sv-SE" dirty="0"/>
-              <a:t>Svårt (?) hålla diskussionen kort</a:t>
+              <a:t>Bra med uppläsare</a:t>
             </a:r>
           </a:p>
           <a:p>
             <a:r>
               <a:rPr lang="sv-SE" dirty="0"/>
-              <a:t>Lagom mkt kod att granska? (LOC …)</a:t>
+              <a:t>Lätt att hålla diskussionen kort och saklig</a:t>
             </a:r>
           </a:p>
           <a:p>
             <a:r>
               <a:rPr lang="sv-SE" dirty="0"/>
-              <a:t>Hittade liknande fel avseende a, b</a:t>
+              <a:t>Lagom mkt kod att granska</a:t>
             </a:r>
           </a:p>
           <a:p>
             <a:r>
               <a:rPr lang="sv-SE" dirty="0"/>
-              <a:t>Hittade olika fel/synpunkter avseende c, d</a:t>
+              <a:t>Hittade liknande fel avseende namngivning och otydlighet</a:t>
             </a:r>
           </a:p>
           <a:p>
             <a:r>
               <a:rPr lang="sv-SE" dirty="0"/>
-              <a:t>Verkar koden testdrivet utvecklad?</a:t>
-            </a:r>
-          </a:p>
-          <a:p>
-            <a:r>
-              <a:rPr lang="sv-SE" dirty="0"/>
-              <a:t>Bra att granska liknande klasser</a:t>
-            </a:r>
-          </a:p>
-          <a:p>
-            <a:pPr lvl="1"/>
-            <a:r>
-              <a:rPr lang="sv-SE" dirty="0"/>
-              <a:t>För att …</a:t>
-            </a:r>
-          </a:p>
-          <a:p>
-            <a:pPr lvl="1"/>
-            <a:r>
-              <a:rPr lang="sv-SE" dirty="0"/>
-              <a:t>…</a:t>
+              <a:t>Hittade olika fel beroende på vad man själv utvecklat i vårt eget program </a:t>
             </a:r>
           </a:p>
         </p:txBody>

--- a/docs/Slutredovisning_grp5_v8.pptx
+++ b/docs/Slutredovisning_grp5_v8.pptx
@@ -5,7 +5,7 @@
     <p:sldMasterId id="2147483648" r:id="rId1"/>
   </p:sldMasterIdLst>
   <p:notesMasterIdLst>
-    <p:notesMasterId r:id="rId39"/>
+    <p:notesMasterId r:id="rId38"/>
   </p:notesMasterIdLst>
   <p:sldIdLst>
     <p:sldId id="256" r:id="rId2"/>
@@ -44,12 +44,11 @@
     <p:sldId id="279" r:id="rId35"/>
     <p:sldId id="280" r:id="rId36"/>
     <p:sldId id="294" r:id="rId37"/>
-    <p:sldId id="281" r:id="rId38"/>
   </p:sldIdLst>
   <p:sldSz cx="12192000" cy="6858000"/>
   <p:notesSz cx="6858000" cy="9144000"/>
   <p:custDataLst>
-    <p:tags r:id="rId40"/>
+    <p:tags r:id="rId39"/>
   </p:custDataLst>
   <p:defaultTextStyle>
     <a:defPPr>
@@ -2072,18 +2071,9 @@
               <a:defRPr/>
             </a:pPr>
             <a:r>
-              <a:rPr lang="sv-SE" sz="1200" kern="1200" dirty="0">
-                <a:solidFill>
-                  <a:schemeClr val="tx1"/>
-                </a:solidFill>
-                <a:effectLst/>
-                <a:latin typeface="+mn-lt"/>
-                <a:ea typeface="+mn-ea"/>
-                <a:cs typeface="+mn-cs"/>
-              </a:rPr>
-              <a:t>En kort textuell presentation av vad ni valt ut för att tillämpa ekvivalensklassuppdelning på. Ni ska kort motivera valet, och ge tillräckligt med information för att det ska gå att bedöma er. Detta avsnitt och de följande (till och med testmatrisen) ska finnas för samtliga delar ni tillämpat ekvivalensklassuppdelning på.</a:t>
-            </a:r>
-            <a:endParaRPr lang="sv-SE" dirty="0"/>
+              <a:rPr lang="sv-SE" dirty="0"/>
+              <a:t>WMC är högst utöver kartan vilket gör att vi tycker denna klass bör testas mer utförligt</a:t>
+            </a:r>
           </a:p>
         </p:txBody>
       </p:sp>
@@ -4607,118 +4597,6 @@
 </p:notes>
 </file>
 
-<file path=ppt/notesSlides/notesSlide37.xml><?xml version="1.0" encoding="utf-8"?>
-<p:notes xmlns:a="http://schemas.openxmlformats.org/drawingml/2006/main" xmlns:r="http://schemas.openxmlformats.org/officeDocument/2006/relationships" xmlns:p="http://schemas.openxmlformats.org/presentationml/2006/main">
-  <p:cSld>
-    <p:spTree>
-      <p:nvGrpSpPr>
-        <p:cNvPr id="1" name=""/>
-        <p:cNvGrpSpPr/>
-        <p:nvPr/>
-      </p:nvGrpSpPr>
-      <p:grpSpPr>
-        <a:xfrm>
-          <a:off x="0" y="0"/>
-          <a:ext cx="0" cy="0"/>
-          <a:chOff x="0" y="0"/>
-          <a:chExt cx="0" cy="0"/>
-        </a:xfrm>
-      </p:grpSpPr>
-      <p:sp>
-        <p:nvSpPr>
-          <p:cNvPr id="2" name="Platshållare för bildobjekt 1"/>
-          <p:cNvSpPr>
-            <a:spLocks noGrp="1" noRot="1" noChangeAspect="1"/>
-          </p:cNvSpPr>
-          <p:nvPr>
-            <p:ph type="sldImg"/>
-          </p:nvPr>
-        </p:nvSpPr>
-        <p:spPr/>
-      </p:sp>
-      <p:sp>
-        <p:nvSpPr>
-          <p:cNvPr id="3" name="Platshållare för anteckningar 2"/>
-          <p:cNvSpPr>
-            <a:spLocks noGrp="1"/>
-          </p:cNvSpPr>
-          <p:nvPr>
-            <p:ph type="body" idx="1"/>
-          </p:nvPr>
-        </p:nvSpPr>
-        <p:spPr/>
-        <p:txBody>
-          <a:bodyPr/>
-          <a:lstStyle/>
-          <a:p>
-            <a:pPr marL="0" marR="0" lvl="0" indent="0" algn="l" defTabSz="914400" rtl="0" eaLnBrk="1" fontAlgn="auto" latinLnBrk="0" hangingPunct="1">
-              <a:lnSpc>
-                <a:spcPct val="100000"/>
-              </a:lnSpc>
-              <a:spcBef>
-                <a:spcPts val="0"/>
-              </a:spcBef>
-              <a:spcAft>
-                <a:spcPts val="0"/>
-              </a:spcAft>
-              <a:buClrTx/>
-              <a:buSzTx/>
-              <a:buFontTx/>
-              <a:buNone/>
-              <a:tabLst/>
-              <a:defRPr/>
-            </a:pPr>
-            <a:r>
-              <a:rPr lang="sv-SE" sz="1200" kern="1200" dirty="0">
-                <a:solidFill>
-                  <a:schemeClr val="tx1"/>
-                </a:solidFill>
-                <a:effectLst/>
-                <a:latin typeface="+mn-lt"/>
-                <a:ea typeface="+mn-ea"/>
-                <a:cs typeface="+mn-cs"/>
-              </a:rPr>
-              <a:t>Här kan ni ta upp övrigt av relevans för bedömningen av ert arbete. Om avsnittet inte behövs kan det plockas bort.</a:t>
-            </a:r>
-          </a:p>
-        </p:txBody>
-      </p:sp>
-      <p:sp>
-        <p:nvSpPr>
-          <p:cNvPr id="4" name="Platshållare för bildnummer 3"/>
-          <p:cNvSpPr>
-            <a:spLocks noGrp="1"/>
-          </p:cNvSpPr>
-          <p:nvPr>
-            <p:ph type="sldNum" sz="quarter" idx="10"/>
-          </p:nvPr>
-        </p:nvSpPr>
-        <p:spPr/>
-        <p:txBody>
-          <a:bodyPr/>
-          <a:lstStyle/>
-          <a:p>
-            <a:fld id="{8667F948-D2CB-486C-A2EA-FEABC2DAAE8D}" type="slidenum">
-              <a:rPr lang="sv-SE" smtClean="0"/>
-              <a:t>37</a:t>
-            </a:fld>
-            <a:endParaRPr lang="sv-SE"/>
-          </a:p>
-        </p:txBody>
-      </p:sp>
-    </p:spTree>
-    <p:extLst>
-      <p:ext uri="{BB962C8B-B14F-4D97-AF65-F5344CB8AC3E}">
-        <p14:creationId xmlns:p14="http://schemas.microsoft.com/office/powerpoint/2010/main" val="3113925887"/>
-      </p:ext>
-    </p:extLst>
-  </p:cSld>
-  <p:clrMapOvr>
-    <a:masterClrMapping/>
-  </p:clrMapOvr>
-</p:notes>
-</file>
-
 <file path=ppt/notesSlides/notesSlide4.xml><?xml version="1.0" encoding="utf-8"?>
 <p:notes xmlns:a="http://schemas.openxmlformats.org/drawingml/2006/main" xmlns:r="http://schemas.openxmlformats.org/officeDocument/2006/relationships" xmlns:p="http://schemas.openxmlformats.org/presentationml/2006/main">
   <p:cSld>
@@ -5303,86 +5181,34 @@
           <a:bodyPr/>
           <a:lstStyle/>
           <a:p>
-            <a:pPr marL="0" marR="0" lvl="0" indent="0" algn="l" defTabSz="914400" rtl="0" eaLnBrk="1" fontAlgn="auto" latinLnBrk="0" hangingPunct="1">
-              <a:lnSpc>
-                <a:spcPct val="100000"/>
-              </a:lnSpc>
-              <a:spcBef>
-                <a:spcPts val="0"/>
-              </a:spcBef>
-              <a:spcAft>
-                <a:spcPts val="0"/>
-              </a:spcAft>
-              <a:buClrTx/>
-              <a:buSzTx/>
-              <a:buFontTx/>
-              <a:buNone/>
-              <a:tabLst/>
-              <a:defRPr/>
-            </a:pPr>
-            <a:r>
-              <a:rPr lang="sv-SE" sz="1200" kern="1200" dirty="0">
-                <a:solidFill>
-                  <a:schemeClr val="tx1"/>
-                </a:solidFill>
-                <a:effectLst/>
-                <a:latin typeface="+mn-lt"/>
-                <a:ea typeface="+mn-ea"/>
-                <a:cs typeface="+mn-cs"/>
-              </a:rPr>
-              <a:t>Två eller tre exempel per</a:t>
-            </a:r>
-            <a:r>
-              <a:rPr lang="sv-SE" sz="1200" kern="1200" baseline="0" dirty="0">
-                <a:solidFill>
-                  <a:schemeClr val="tx1"/>
-                </a:solidFill>
-                <a:effectLst/>
-                <a:latin typeface="+mn-lt"/>
-                <a:ea typeface="+mn-ea"/>
-                <a:cs typeface="+mn-cs"/>
-              </a:rPr>
-              <a:t> person i projektet på hur ni tillämpat TDD med koden för såväl testfallen som koden som ska testas. (Det kan alltså bli upp till 15 sidor för en fempersonersgrupp.) Exemplen ska vara från </a:t>
-            </a:r>
-            <a:r>
-              <a:rPr lang="sv-SE" sz="1200" b="1" kern="1200" baseline="0" dirty="0">
-                <a:solidFill>
-                  <a:schemeClr val="tx1"/>
-                </a:solidFill>
-                <a:effectLst/>
-                <a:latin typeface="+mn-lt"/>
-                <a:ea typeface="+mn-ea"/>
-                <a:cs typeface="+mn-cs"/>
-              </a:rPr>
-              <a:t>olika faser</a:t>
-            </a:r>
-            <a:r>
-              <a:rPr lang="sv-SE" sz="1200" kern="1200" baseline="0" dirty="0">
-                <a:solidFill>
-                  <a:schemeClr val="tx1"/>
-                </a:solidFill>
-                <a:effectLst/>
-                <a:latin typeface="+mn-lt"/>
-                <a:ea typeface="+mn-ea"/>
-                <a:cs typeface="+mn-cs"/>
-              </a:rPr>
-              <a:t> </a:t>
-            </a:r>
-            <a:r>
-              <a:rPr lang="sv-SE" sz="1200" kern="1200" dirty="0">
-                <a:solidFill>
-                  <a:schemeClr val="tx1"/>
-                </a:solidFill>
-                <a:effectLst/>
-                <a:latin typeface="+mn-lt"/>
-                <a:ea typeface="+mn-ea"/>
-                <a:cs typeface="+mn-cs"/>
-              </a:rPr>
-              <a:t>i projektet. Om ni har använt versionshanteringssystemet ordentligt bör all information som efterfrågas här finnas i det. Tänk på att kodexemplen ska vara läsbara. Gärna hur man gjorde först, varför det inte var bra, hur koden ändrades.</a:t>
-            </a:r>
-          </a:p>
-          <a:p>
-            <a:endParaRPr lang="sv-SE" dirty="0"/>
+            <a:r>
+              <a:rPr lang="sv-SE" dirty="0"/>
+              <a:t>Initialt sparades ett item i </a:t>
+            </a:r>
+            <a:r>
+              <a:rPr lang="sv-SE" dirty="0" err="1"/>
+              <a:t>inventoryt</a:t>
+            </a:r>
+            <a:r>
+              <a:rPr lang="sv-SE" dirty="0"/>
+              <a:t>, vi ville dock att det starkaste vapnet/</a:t>
+            </a:r>
+            <a:r>
+              <a:rPr lang="sv-SE" dirty="0" err="1"/>
+              <a:t>armor</a:t>
+            </a:r>
+            <a:r>
+              <a:rPr lang="sv-SE" dirty="0"/>
+              <a:t> som plockades upp direkt skulle sättas som Heros aktiva. Därför adderades en hjälpmetod som jämför vapnet med det aktiva, och om det är </a:t>
+            </a:r>
+            <a:r>
+              <a:rPr lang="sv-SE" dirty="0" err="1"/>
+              <a:t>null</a:t>
+            </a:r>
+            <a:r>
+              <a:rPr lang="sv-SE" dirty="0"/>
+              <a:t> eller svagare så byts det ut.</a:t>
+            </a:r>
           </a:p>
         </p:txBody>
       </p:sp>
@@ -13325,7 +13151,12 @@
             <p:ph type="body" idx="1"/>
           </p:nvPr>
         </p:nvSpPr>
-        <p:spPr/>
+        <p:spPr>
+          <a:xfrm>
+            <a:off x="839788" y="1227348"/>
+            <a:ext cx="5157787" cy="823912"/>
+          </a:xfrm>
+        </p:spPr>
         <p:txBody>
           <a:bodyPr/>
           <a:lstStyle/>
@@ -13348,15 +13179,265 @@
             <p:ph sz="half" idx="2"/>
           </p:nvPr>
         </p:nvSpPr>
-        <p:spPr/>
+        <p:spPr>
+          <a:xfrm>
+            <a:off x="839788" y="2101893"/>
+            <a:ext cx="5157787" cy="3684588"/>
+          </a:xfrm>
+        </p:spPr>
         <p:txBody>
-          <a:bodyPr/>
+          <a:bodyPr>
+            <a:noAutofit/>
+          </a:bodyPr>
           <a:lstStyle/>
           <a:p>
             <a:pPr marL="0" indent="0">
               <a:buNone/>
             </a:pPr>
-            <a:endParaRPr lang="sv-SE" dirty="0"/>
+            <a:r>
+              <a:rPr lang="sv-SE" sz="1400" dirty="0">
+                <a:solidFill>
+                  <a:schemeClr val="accent1">
+                    <a:lumMod val="75000"/>
+                  </a:schemeClr>
+                </a:solidFill>
+              </a:rPr>
+              <a:t>@Test </a:t>
+            </a:r>
+            <a:br>
+              <a:rPr lang="sv-SE" sz="1400" dirty="0">
+                <a:solidFill>
+                  <a:schemeClr val="accent1">
+                    <a:lumMod val="75000"/>
+                  </a:schemeClr>
+                </a:solidFill>
+              </a:rPr>
+            </a:br>
+            <a:r>
+              <a:rPr lang="sv-SE" sz="1400" dirty="0">
+                <a:solidFill>
+                  <a:schemeClr val="accent1">
+                    <a:lumMod val="75000"/>
+                  </a:schemeClr>
+                </a:solidFill>
+              </a:rPr>
+              <a:t>public </a:t>
+            </a:r>
+            <a:r>
+              <a:rPr lang="sv-SE" sz="1400" dirty="0" err="1">
+                <a:solidFill>
+                  <a:schemeClr val="accent1">
+                    <a:lumMod val="75000"/>
+                  </a:schemeClr>
+                </a:solidFill>
+              </a:rPr>
+              <a:t>void</a:t>
+            </a:r>
+            <a:r>
+              <a:rPr lang="sv-SE" sz="1400" dirty="0">
+                <a:solidFill>
+                  <a:schemeClr val="accent1">
+                    <a:lumMod val="75000"/>
+                  </a:schemeClr>
+                </a:solidFill>
+              </a:rPr>
+              <a:t> </a:t>
+            </a:r>
+            <a:r>
+              <a:rPr lang="sv-SE" sz="1400" dirty="0" err="1">
+                <a:solidFill>
+                  <a:schemeClr val="accent1">
+                    <a:lumMod val="75000"/>
+                  </a:schemeClr>
+                </a:solidFill>
+              </a:rPr>
+              <a:t>moveCreatures_OneCreatureOnEmptyMap_CreatureHasMoved</a:t>
+            </a:r>
+            <a:r>
+              <a:rPr lang="sv-SE" sz="1400" dirty="0">
+                <a:solidFill>
+                  <a:schemeClr val="accent1">
+                    <a:lumMod val="75000"/>
+                  </a:schemeClr>
+                </a:solidFill>
+              </a:rPr>
+              <a:t>() { </a:t>
+            </a:r>
+            <a:br>
+              <a:rPr lang="sv-SE" sz="1400" dirty="0">
+                <a:solidFill>
+                  <a:schemeClr val="accent1">
+                    <a:lumMod val="75000"/>
+                  </a:schemeClr>
+                </a:solidFill>
+              </a:rPr>
+            </a:br>
+            <a:r>
+              <a:rPr lang="sv-SE" sz="1400" dirty="0">
+                <a:solidFill>
+                  <a:schemeClr val="accent1">
+                    <a:lumMod val="75000"/>
+                  </a:schemeClr>
+                </a:solidFill>
+              </a:rPr>
+              <a:t>    Monster monster = new Monster(10, 1);</a:t>
+            </a:r>
+            <a:br>
+              <a:rPr lang="sv-SE" sz="1400" dirty="0">
+                <a:solidFill>
+                  <a:schemeClr val="accent1">
+                    <a:lumMod val="75000"/>
+                  </a:schemeClr>
+                </a:solidFill>
+              </a:rPr>
+            </a:br>
+            <a:r>
+              <a:rPr lang="sv-SE" sz="1400" dirty="0">
+                <a:solidFill>
+                  <a:schemeClr val="accent1">
+                    <a:lumMod val="75000"/>
+                  </a:schemeClr>
+                </a:solidFill>
+              </a:rPr>
+              <a:t>    </a:t>
+            </a:r>
+            <a:r>
+              <a:rPr lang="sv-SE" sz="1400" dirty="0" err="1">
+                <a:solidFill>
+                  <a:schemeClr val="accent1">
+                    <a:lumMod val="75000"/>
+                  </a:schemeClr>
+                </a:solidFill>
+              </a:rPr>
+              <a:t>map.placeGameObject</a:t>
+            </a:r>
+            <a:r>
+              <a:rPr lang="sv-SE" sz="1400" dirty="0">
+                <a:solidFill>
+                  <a:schemeClr val="accent1">
+                    <a:lumMod val="75000"/>
+                  </a:schemeClr>
+                </a:solidFill>
+              </a:rPr>
+              <a:t>(1,1, monster); </a:t>
+            </a:r>
+            <a:br>
+              <a:rPr lang="sv-SE" sz="1400" dirty="0">
+                <a:solidFill>
+                  <a:schemeClr val="accent1">
+                    <a:lumMod val="75000"/>
+                  </a:schemeClr>
+                </a:solidFill>
+              </a:rPr>
+            </a:br>
+            <a:r>
+              <a:rPr lang="sv-SE" sz="1400" dirty="0">
+                <a:solidFill>
+                  <a:schemeClr val="accent1">
+                    <a:lumMod val="75000"/>
+                  </a:schemeClr>
+                </a:solidFill>
+              </a:rPr>
+              <a:t>    </a:t>
+            </a:r>
+            <a:r>
+              <a:rPr lang="sv-SE" sz="1400" dirty="0" err="1">
+                <a:solidFill>
+                  <a:schemeClr val="accent1">
+                    <a:lumMod val="75000"/>
+                  </a:schemeClr>
+                </a:solidFill>
+              </a:rPr>
+              <a:t>map.moveCreatures</a:t>
+            </a:r>
+            <a:r>
+              <a:rPr lang="sv-SE" sz="1400" dirty="0">
+                <a:solidFill>
+                  <a:schemeClr val="accent1">
+                    <a:lumMod val="75000"/>
+                  </a:schemeClr>
+                </a:solidFill>
+              </a:rPr>
+              <a:t>(); </a:t>
+            </a:r>
+            <a:br>
+              <a:rPr lang="sv-SE" sz="1400" dirty="0">
+                <a:solidFill>
+                  <a:schemeClr val="accent1">
+                    <a:lumMod val="75000"/>
+                  </a:schemeClr>
+                </a:solidFill>
+              </a:rPr>
+            </a:br>
+            <a:r>
+              <a:rPr lang="sv-SE" sz="1400" dirty="0">
+                <a:solidFill>
+                  <a:schemeClr val="accent1">
+                    <a:lumMod val="75000"/>
+                  </a:schemeClr>
+                </a:solidFill>
+              </a:rPr>
+              <a:t>    </a:t>
+            </a:r>
+            <a:r>
+              <a:rPr lang="sv-SE" sz="1400" dirty="0" err="1">
+                <a:solidFill>
+                  <a:schemeClr val="accent1">
+                    <a:lumMod val="75000"/>
+                  </a:schemeClr>
+                </a:solidFill>
+              </a:rPr>
+              <a:t>assertNull</a:t>
+            </a:r>
+            <a:r>
+              <a:rPr lang="sv-SE" sz="1400" dirty="0">
+                <a:solidFill>
+                  <a:schemeClr val="accent1">
+                    <a:lumMod val="75000"/>
+                  </a:schemeClr>
+                </a:solidFill>
+              </a:rPr>
+              <a:t>(</a:t>
+            </a:r>
+            <a:r>
+              <a:rPr lang="sv-SE" sz="1400" dirty="0" err="1">
+                <a:solidFill>
+                  <a:schemeClr val="accent1">
+                    <a:lumMod val="75000"/>
+                  </a:schemeClr>
+                </a:solidFill>
+              </a:rPr>
+              <a:t>map.getMap</a:t>
+            </a:r>
+            <a:r>
+              <a:rPr lang="sv-SE" sz="1400" dirty="0">
+                <a:solidFill>
+                  <a:schemeClr val="accent1">
+                    <a:lumMod val="75000"/>
+                  </a:schemeClr>
+                </a:solidFill>
+              </a:rPr>
+              <a:t>()[1][1]); </a:t>
+            </a:r>
+            <a:br>
+              <a:rPr lang="sv-SE" sz="1400" dirty="0">
+                <a:solidFill>
+                  <a:schemeClr val="accent1">
+                    <a:lumMod val="75000"/>
+                  </a:schemeClr>
+                </a:solidFill>
+              </a:rPr>
+            </a:br>
+            <a:r>
+              <a:rPr lang="sv-SE" sz="1400" dirty="0">
+                <a:solidFill>
+                  <a:schemeClr val="accent1">
+                    <a:lumMod val="75000"/>
+                  </a:schemeClr>
+                </a:solidFill>
+              </a:rPr>
+              <a:t>}</a:t>
+            </a:r>
           </a:p>
         </p:txBody>
       </p:sp>
@@ -13370,7 +13451,12 @@
             <p:ph type="body" sz="quarter" idx="3"/>
           </p:nvPr>
         </p:nvSpPr>
-        <p:spPr/>
+        <p:spPr>
+          <a:xfrm>
+            <a:off x="6169024" y="1227348"/>
+            <a:ext cx="5183188" cy="823912"/>
+          </a:xfrm>
+        </p:spPr>
         <p:txBody>
           <a:bodyPr/>
           <a:lstStyle/>
@@ -13392,15 +13478,1458 @@
             <p:ph sz="quarter" idx="4"/>
           </p:nvPr>
         </p:nvSpPr>
-        <p:spPr/>
+        <p:spPr>
+          <a:xfrm>
+            <a:off x="6169024" y="2101893"/>
+            <a:ext cx="5183188" cy="3684588"/>
+          </a:xfrm>
+        </p:spPr>
         <p:txBody>
-          <a:bodyPr/>
+          <a:bodyPr>
+            <a:noAutofit/>
+          </a:bodyPr>
           <a:lstStyle/>
           <a:p>
             <a:pPr marL="0" indent="0">
               <a:buNone/>
             </a:pPr>
-            <a:endParaRPr lang="sv-SE" dirty="0"/>
+            <a:r>
+              <a:rPr lang="sv-SE" sz="1400" dirty="0">
+                <a:solidFill>
+                  <a:schemeClr val="accent1">
+                    <a:lumMod val="75000"/>
+                  </a:schemeClr>
+                </a:solidFill>
+              </a:rPr>
+              <a:t>public </a:t>
+            </a:r>
+            <a:r>
+              <a:rPr lang="sv-SE" sz="1400" dirty="0" err="1">
+                <a:solidFill>
+                  <a:schemeClr val="accent1">
+                    <a:lumMod val="75000"/>
+                  </a:schemeClr>
+                </a:solidFill>
+              </a:rPr>
+              <a:t>void</a:t>
+            </a:r>
+            <a:r>
+              <a:rPr lang="sv-SE" sz="1400" dirty="0">
+                <a:solidFill>
+                  <a:schemeClr val="accent1">
+                    <a:lumMod val="75000"/>
+                  </a:schemeClr>
+                </a:solidFill>
+              </a:rPr>
+              <a:t> </a:t>
+            </a:r>
+            <a:r>
+              <a:rPr lang="sv-SE" sz="1400" dirty="0" err="1">
+                <a:solidFill>
+                  <a:schemeClr val="accent1">
+                    <a:lumMod val="75000"/>
+                  </a:schemeClr>
+                </a:solidFill>
+              </a:rPr>
+              <a:t>moveCreatures</a:t>
+            </a:r>
+            <a:r>
+              <a:rPr lang="sv-SE" sz="1400" dirty="0">
+                <a:solidFill>
+                  <a:schemeClr val="accent1">
+                    <a:lumMod val="75000"/>
+                  </a:schemeClr>
+                </a:solidFill>
+              </a:rPr>
+              <a:t>() {</a:t>
+            </a:r>
+            <a:br>
+              <a:rPr lang="sv-SE" sz="1400" dirty="0">
+                <a:solidFill>
+                  <a:schemeClr val="accent1">
+                    <a:lumMod val="75000"/>
+                  </a:schemeClr>
+                </a:solidFill>
+              </a:rPr>
+            </a:br>
+            <a:r>
+              <a:rPr lang="sv-SE" sz="1400" dirty="0">
+                <a:solidFill>
+                  <a:schemeClr val="accent1">
+                    <a:lumMod val="75000"/>
+                  </a:schemeClr>
+                </a:solidFill>
+              </a:rPr>
+              <a:t>    for (</a:t>
+            </a:r>
+            <a:r>
+              <a:rPr lang="sv-SE" sz="1400" dirty="0" err="1">
+                <a:solidFill>
+                  <a:schemeClr val="accent1">
+                    <a:lumMod val="75000"/>
+                  </a:schemeClr>
+                </a:solidFill>
+              </a:rPr>
+              <a:t>Creature</a:t>
+            </a:r>
+            <a:r>
+              <a:rPr lang="sv-SE" sz="1400" dirty="0">
+                <a:solidFill>
+                  <a:schemeClr val="accent1">
+                    <a:lumMod val="75000"/>
+                  </a:schemeClr>
+                </a:solidFill>
+              </a:rPr>
+              <a:t> c : </a:t>
+            </a:r>
+            <a:r>
+              <a:rPr lang="sv-SE" sz="1400" dirty="0" err="1">
+                <a:solidFill>
+                  <a:schemeClr val="accent1">
+                    <a:lumMod val="75000"/>
+                  </a:schemeClr>
+                </a:solidFill>
+              </a:rPr>
+              <a:t>creatures</a:t>
+            </a:r>
+            <a:r>
+              <a:rPr lang="sv-SE" sz="1400" dirty="0">
+                <a:solidFill>
+                  <a:schemeClr val="accent1">
+                    <a:lumMod val="75000"/>
+                  </a:schemeClr>
+                </a:solidFill>
+              </a:rPr>
+              <a:t>) {</a:t>
+            </a:r>
+            <a:br>
+              <a:rPr lang="sv-SE" sz="1400" dirty="0">
+                <a:solidFill>
+                  <a:schemeClr val="accent1">
+                    <a:lumMod val="75000"/>
+                  </a:schemeClr>
+                </a:solidFill>
+              </a:rPr>
+            </a:br>
+            <a:r>
+              <a:rPr lang="sv-SE" sz="1400" dirty="0">
+                <a:solidFill>
+                  <a:schemeClr val="accent1">
+                    <a:lumMod val="75000"/>
+                  </a:schemeClr>
+                </a:solidFill>
+              </a:rPr>
+              <a:t>        </a:t>
+            </a:r>
+            <a:r>
+              <a:rPr lang="sv-SE" sz="1400" dirty="0" err="1">
+                <a:solidFill>
+                  <a:schemeClr val="accent1">
+                    <a:lumMod val="75000"/>
+                  </a:schemeClr>
+                </a:solidFill>
+              </a:rPr>
+              <a:t>int</a:t>
+            </a:r>
+            <a:r>
+              <a:rPr lang="sv-SE" sz="1400" dirty="0">
+                <a:solidFill>
+                  <a:schemeClr val="accent1">
+                    <a:lumMod val="75000"/>
+                  </a:schemeClr>
+                </a:solidFill>
+              </a:rPr>
+              <a:t> </a:t>
+            </a:r>
+            <a:r>
+              <a:rPr lang="sv-SE" sz="1400" dirty="0" err="1">
+                <a:solidFill>
+                  <a:schemeClr val="accent1">
+                    <a:lumMod val="75000"/>
+                  </a:schemeClr>
+                </a:solidFill>
+              </a:rPr>
+              <a:t>pos</a:t>
+            </a:r>
+            <a:r>
+              <a:rPr lang="sv-SE" sz="1400" dirty="0">
+                <a:solidFill>
+                  <a:schemeClr val="accent1">
+                    <a:lumMod val="75000"/>
+                  </a:schemeClr>
+                </a:solidFill>
+              </a:rPr>
+              <a:t>[] = </a:t>
+            </a:r>
+            <a:r>
+              <a:rPr lang="sv-SE" sz="1400" dirty="0" err="1">
+                <a:solidFill>
+                  <a:schemeClr val="accent1">
+                    <a:lumMod val="75000"/>
+                  </a:schemeClr>
+                </a:solidFill>
+              </a:rPr>
+              <a:t>c.moveCreature</a:t>
+            </a:r>
+            <a:r>
+              <a:rPr lang="sv-SE" sz="1400" dirty="0">
+                <a:solidFill>
+                  <a:schemeClr val="accent1">
+                    <a:lumMod val="75000"/>
+                  </a:schemeClr>
+                </a:solidFill>
+              </a:rPr>
+              <a:t>(</a:t>
+            </a:r>
+            <a:r>
+              <a:rPr lang="sv-SE" sz="1400" dirty="0" err="1">
+                <a:solidFill>
+                  <a:schemeClr val="accent1">
+                    <a:lumMod val="75000"/>
+                  </a:schemeClr>
+                </a:solidFill>
+              </a:rPr>
+              <a:t>ch</a:t>
+            </a:r>
+            <a:r>
+              <a:rPr lang="sv-SE" sz="1400" dirty="0">
+                <a:solidFill>
+                  <a:schemeClr val="accent1">
+                    <a:lumMod val="75000"/>
+                  </a:schemeClr>
+                </a:solidFill>
+              </a:rPr>
+              <a:t>);</a:t>
+            </a:r>
+            <a:br>
+              <a:rPr lang="sv-SE" sz="1400" dirty="0">
+                <a:solidFill>
+                  <a:schemeClr val="accent1">
+                    <a:lumMod val="75000"/>
+                  </a:schemeClr>
+                </a:solidFill>
+              </a:rPr>
+            </a:br>
+            <a:br>
+              <a:rPr lang="sv-SE" sz="1400" dirty="0">
+                <a:solidFill>
+                  <a:schemeClr val="accent1">
+                    <a:lumMod val="75000"/>
+                  </a:schemeClr>
+                </a:solidFill>
+              </a:rPr>
+            </a:br>
+            <a:r>
+              <a:rPr lang="sv-SE" sz="1400" dirty="0">
+                <a:solidFill>
+                  <a:schemeClr val="accent1">
+                    <a:lumMod val="75000"/>
+                  </a:schemeClr>
+                </a:solidFill>
+              </a:rPr>
+              <a:t>        </a:t>
+            </a:r>
+            <a:r>
+              <a:rPr lang="sv-SE" sz="1400" dirty="0" err="1">
+                <a:solidFill>
+                  <a:schemeClr val="accent1">
+                    <a:lumMod val="75000"/>
+                  </a:schemeClr>
+                </a:solidFill>
+              </a:rPr>
+              <a:t>if</a:t>
+            </a:r>
+            <a:r>
+              <a:rPr lang="sv-SE" sz="1400" dirty="0">
+                <a:solidFill>
+                  <a:schemeClr val="accent1">
+                    <a:lumMod val="75000"/>
+                  </a:schemeClr>
+                </a:solidFill>
+              </a:rPr>
+              <a:t> (!(</a:t>
+            </a:r>
+            <a:r>
+              <a:rPr lang="sv-SE" sz="1400" dirty="0" err="1">
+                <a:solidFill>
+                  <a:schemeClr val="accent1">
+                    <a:lumMod val="75000"/>
+                  </a:schemeClr>
+                </a:solidFill>
+              </a:rPr>
+              <a:t>map</a:t>
+            </a:r>
+            <a:r>
+              <a:rPr lang="sv-SE" sz="1400" dirty="0">
+                <a:solidFill>
+                  <a:schemeClr val="accent1">
+                    <a:lumMod val="75000"/>
+                  </a:schemeClr>
+                </a:solidFill>
+              </a:rPr>
+              <a:t>[</a:t>
+            </a:r>
+            <a:r>
+              <a:rPr lang="sv-SE" sz="1400" dirty="0" err="1">
+                <a:solidFill>
+                  <a:schemeClr val="accent1">
+                    <a:lumMod val="75000"/>
+                  </a:schemeClr>
+                </a:solidFill>
+              </a:rPr>
+              <a:t>pos</a:t>
+            </a:r>
+            <a:r>
+              <a:rPr lang="sv-SE" sz="1400" dirty="0">
+                <a:solidFill>
+                  <a:schemeClr val="accent1">
+                    <a:lumMod val="75000"/>
+                  </a:schemeClr>
+                </a:solidFill>
+              </a:rPr>
+              <a:t>[2]][</a:t>
+            </a:r>
+            <a:r>
+              <a:rPr lang="sv-SE" sz="1400" dirty="0" err="1">
+                <a:solidFill>
+                  <a:schemeClr val="accent1">
+                    <a:lumMod val="75000"/>
+                  </a:schemeClr>
+                </a:solidFill>
+              </a:rPr>
+              <a:t>pos</a:t>
+            </a:r>
+            <a:r>
+              <a:rPr lang="sv-SE" sz="1400" dirty="0">
+                <a:solidFill>
+                  <a:schemeClr val="accent1">
+                    <a:lumMod val="75000"/>
+                  </a:schemeClr>
+                </a:solidFill>
+              </a:rPr>
+              <a:t>[3]] </a:t>
+            </a:r>
+            <a:r>
+              <a:rPr lang="sv-SE" sz="1400" dirty="0" err="1">
+                <a:solidFill>
+                  <a:schemeClr val="accent1">
+                    <a:lumMod val="75000"/>
+                  </a:schemeClr>
+                </a:solidFill>
+              </a:rPr>
+              <a:t>instanceof</a:t>
+            </a:r>
+            <a:r>
+              <a:rPr lang="sv-SE" sz="1400" dirty="0">
+                <a:solidFill>
+                  <a:schemeClr val="accent1">
+                    <a:lumMod val="75000"/>
+                  </a:schemeClr>
+                </a:solidFill>
+              </a:rPr>
+              <a:t> </a:t>
+            </a:r>
+            <a:r>
+              <a:rPr lang="sv-SE" sz="1400" dirty="0" err="1">
+                <a:solidFill>
+                  <a:schemeClr val="accent1">
+                    <a:lumMod val="75000"/>
+                  </a:schemeClr>
+                </a:solidFill>
+              </a:rPr>
+              <a:t>Stationary</a:t>
+            </a:r>
+            <a:r>
+              <a:rPr lang="sv-SE" sz="1400" dirty="0">
+                <a:solidFill>
+                  <a:schemeClr val="accent1">
+                    <a:lumMod val="75000"/>
+                  </a:schemeClr>
+                </a:solidFill>
+              </a:rPr>
+              <a:t>)) {</a:t>
+            </a:r>
+            <a:br>
+              <a:rPr lang="sv-SE" sz="1400" dirty="0">
+                <a:solidFill>
+                  <a:schemeClr val="accent1">
+                    <a:lumMod val="75000"/>
+                  </a:schemeClr>
+                </a:solidFill>
+              </a:rPr>
+            </a:br>
+            <a:r>
+              <a:rPr lang="sv-SE" sz="1400" dirty="0">
+                <a:solidFill>
+                  <a:schemeClr val="accent1">
+                    <a:lumMod val="75000"/>
+                  </a:schemeClr>
+                </a:solidFill>
+              </a:rPr>
+              <a:t>            </a:t>
+            </a:r>
+            <a:r>
+              <a:rPr lang="sv-SE" sz="1400" dirty="0" err="1">
+                <a:solidFill>
+                  <a:schemeClr val="accent1">
+                    <a:lumMod val="75000"/>
+                  </a:schemeClr>
+                </a:solidFill>
+              </a:rPr>
+              <a:t>boolean</a:t>
+            </a:r>
+            <a:r>
+              <a:rPr lang="sv-SE" sz="1400" dirty="0">
+                <a:solidFill>
+                  <a:schemeClr val="accent1">
+                    <a:lumMod val="75000"/>
+                  </a:schemeClr>
+                </a:solidFill>
+              </a:rPr>
+              <a:t> </a:t>
+            </a:r>
+            <a:r>
+              <a:rPr lang="sv-SE" sz="1400" dirty="0" err="1">
+                <a:solidFill>
+                  <a:schemeClr val="accent1">
+                    <a:lumMod val="75000"/>
+                  </a:schemeClr>
+                </a:solidFill>
+              </a:rPr>
+              <a:t>allowed</a:t>
+            </a:r>
+            <a:r>
+              <a:rPr lang="sv-SE" sz="1400" dirty="0">
+                <a:solidFill>
+                  <a:schemeClr val="accent1">
+                    <a:lumMod val="75000"/>
+                  </a:schemeClr>
+                </a:solidFill>
+              </a:rPr>
+              <a:t> = </a:t>
+            </a:r>
+            <a:r>
+              <a:rPr lang="sv-SE" sz="1400" dirty="0" err="1">
+                <a:solidFill>
+                  <a:schemeClr val="accent1">
+                    <a:lumMod val="75000"/>
+                  </a:schemeClr>
+                </a:solidFill>
+              </a:rPr>
+              <a:t>false</a:t>
+            </a:r>
+            <a:r>
+              <a:rPr lang="sv-SE" sz="1400" dirty="0">
+                <a:solidFill>
+                  <a:schemeClr val="accent1">
+                    <a:lumMod val="75000"/>
+                  </a:schemeClr>
+                </a:solidFill>
+              </a:rPr>
+              <a:t>;</a:t>
+            </a:r>
+            <a:br>
+              <a:rPr lang="sv-SE" sz="1400" dirty="0">
+                <a:solidFill>
+                  <a:schemeClr val="accent1">
+                    <a:lumMod val="75000"/>
+                  </a:schemeClr>
+                </a:solidFill>
+              </a:rPr>
+            </a:br>
+            <a:r>
+              <a:rPr lang="sv-SE" sz="1400" dirty="0">
+                <a:solidFill>
+                  <a:schemeClr val="accent1">
+                    <a:lumMod val="75000"/>
+                  </a:schemeClr>
+                </a:solidFill>
+              </a:rPr>
+              <a:t>            </a:t>
+            </a:r>
+            <a:r>
+              <a:rPr lang="sv-SE" sz="1400" dirty="0" err="1">
+                <a:solidFill>
+                  <a:schemeClr val="accent1">
+                    <a:lumMod val="75000"/>
+                  </a:schemeClr>
+                </a:solidFill>
+              </a:rPr>
+              <a:t>if</a:t>
+            </a:r>
+            <a:r>
+              <a:rPr lang="sv-SE" sz="1400" dirty="0">
+                <a:solidFill>
+                  <a:schemeClr val="accent1">
+                    <a:lumMod val="75000"/>
+                  </a:schemeClr>
+                </a:solidFill>
+              </a:rPr>
+              <a:t> (c </a:t>
+            </a:r>
+            <a:r>
+              <a:rPr lang="sv-SE" sz="1400" dirty="0" err="1">
+                <a:solidFill>
+                  <a:schemeClr val="accent1">
+                    <a:lumMod val="75000"/>
+                  </a:schemeClr>
+                </a:solidFill>
+              </a:rPr>
+              <a:t>instanceof</a:t>
+            </a:r>
+            <a:r>
+              <a:rPr lang="sv-SE" sz="1400" dirty="0">
+                <a:solidFill>
+                  <a:schemeClr val="accent1">
+                    <a:lumMod val="75000"/>
+                  </a:schemeClr>
+                </a:solidFill>
+              </a:rPr>
+              <a:t> Hero) {</a:t>
+            </a:r>
+            <a:br>
+              <a:rPr lang="sv-SE" sz="1400" dirty="0">
+                <a:solidFill>
+                  <a:schemeClr val="accent1">
+                    <a:lumMod val="75000"/>
+                  </a:schemeClr>
+                </a:solidFill>
+              </a:rPr>
+            </a:br>
+            <a:r>
+              <a:rPr lang="sv-SE" sz="1400" dirty="0">
+                <a:solidFill>
+                  <a:schemeClr val="accent1">
+                    <a:lumMod val="75000"/>
+                  </a:schemeClr>
+                </a:solidFill>
+              </a:rPr>
+              <a:t>                </a:t>
+            </a:r>
+            <a:r>
+              <a:rPr lang="sv-SE" sz="1400" dirty="0" err="1">
+                <a:solidFill>
+                  <a:schemeClr val="accent1">
+                    <a:lumMod val="75000"/>
+                  </a:schemeClr>
+                </a:solidFill>
+              </a:rPr>
+              <a:t>allowed</a:t>
+            </a:r>
+            <a:r>
+              <a:rPr lang="sv-SE" sz="1400" dirty="0">
+                <a:solidFill>
+                  <a:schemeClr val="accent1">
+                    <a:lumMod val="75000"/>
+                  </a:schemeClr>
+                </a:solidFill>
+              </a:rPr>
+              <a:t> = </a:t>
+            </a:r>
+            <a:r>
+              <a:rPr lang="sv-SE" sz="1400" dirty="0" err="1">
+                <a:solidFill>
+                  <a:schemeClr val="accent1">
+                    <a:lumMod val="75000"/>
+                  </a:schemeClr>
+                </a:solidFill>
+              </a:rPr>
+              <a:t>true</a:t>
+            </a:r>
+            <a:r>
+              <a:rPr lang="sv-SE" sz="1400" dirty="0">
+                <a:solidFill>
+                  <a:schemeClr val="accent1">
+                    <a:lumMod val="75000"/>
+                  </a:schemeClr>
+                </a:solidFill>
+              </a:rPr>
+              <a:t>;</a:t>
+            </a:r>
+            <a:br>
+              <a:rPr lang="sv-SE" sz="1400" dirty="0">
+                <a:solidFill>
+                  <a:schemeClr val="accent1">
+                    <a:lumMod val="75000"/>
+                  </a:schemeClr>
+                </a:solidFill>
+              </a:rPr>
+            </a:br>
+            <a:r>
+              <a:rPr lang="sv-SE" sz="1400" dirty="0">
+                <a:solidFill>
+                  <a:schemeClr val="accent1">
+                    <a:lumMod val="75000"/>
+                  </a:schemeClr>
+                </a:solidFill>
+              </a:rPr>
+              <a:t>                </a:t>
+            </a:r>
+            <a:r>
+              <a:rPr lang="sv-SE" sz="1400" dirty="0" err="1">
+                <a:solidFill>
+                  <a:schemeClr val="accent1">
+                    <a:lumMod val="75000"/>
+                  </a:schemeClr>
+                </a:solidFill>
+              </a:rPr>
+              <a:t>if</a:t>
+            </a:r>
+            <a:r>
+              <a:rPr lang="sv-SE" sz="1400" dirty="0">
+                <a:solidFill>
+                  <a:schemeClr val="accent1">
+                    <a:lumMod val="75000"/>
+                  </a:schemeClr>
+                </a:solidFill>
+              </a:rPr>
+              <a:t> (</a:t>
+            </a:r>
+            <a:r>
+              <a:rPr lang="sv-SE" sz="1400" dirty="0" err="1">
+                <a:solidFill>
+                  <a:schemeClr val="accent1">
+                    <a:lumMod val="75000"/>
+                  </a:schemeClr>
+                </a:solidFill>
+              </a:rPr>
+              <a:t>map</a:t>
+            </a:r>
+            <a:r>
+              <a:rPr lang="sv-SE" sz="1400" dirty="0">
+                <a:solidFill>
+                  <a:schemeClr val="accent1">
+                    <a:lumMod val="75000"/>
+                  </a:schemeClr>
+                </a:solidFill>
+              </a:rPr>
+              <a:t>[</a:t>
+            </a:r>
+            <a:r>
+              <a:rPr lang="sv-SE" sz="1400" dirty="0" err="1">
+                <a:solidFill>
+                  <a:schemeClr val="accent1">
+                    <a:lumMod val="75000"/>
+                  </a:schemeClr>
+                </a:solidFill>
+              </a:rPr>
+              <a:t>pos</a:t>
+            </a:r>
+            <a:r>
+              <a:rPr lang="sv-SE" sz="1400" dirty="0">
+                <a:solidFill>
+                  <a:schemeClr val="accent1">
+                    <a:lumMod val="75000"/>
+                  </a:schemeClr>
+                </a:solidFill>
+              </a:rPr>
+              <a:t>[2]][</a:t>
+            </a:r>
+            <a:r>
+              <a:rPr lang="sv-SE" sz="1400" dirty="0" err="1">
+                <a:solidFill>
+                  <a:schemeClr val="accent1">
+                    <a:lumMod val="75000"/>
+                  </a:schemeClr>
+                </a:solidFill>
+              </a:rPr>
+              <a:t>pos</a:t>
+            </a:r>
+            <a:r>
+              <a:rPr lang="sv-SE" sz="1400" dirty="0">
+                <a:solidFill>
+                  <a:schemeClr val="accent1">
+                    <a:lumMod val="75000"/>
+                  </a:schemeClr>
+                </a:solidFill>
+              </a:rPr>
+              <a:t>[3]] </a:t>
+            </a:r>
+            <a:r>
+              <a:rPr lang="sv-SE" sz="1400" dirty="0" err="1">
+                <a:solidFill>
+                  <a:schemeClr val="accent1">
+                    <a:lumMod val="75000"/>
+                  </a:schemeClr>
+                </a:solidFill>
+              </a:rPr>
+              <a:t>instanceof</a:t>
+            </a:r>
+            <a:r>
+              <a:rPr lang="sv-SE" sz="1400" dirty="0">
+                <a:solidFill>
+                  <a:schemeClr val="accent1">
+                    <a:lumMod val="75000"/>
+                  </a:schemeClr>
+                </a:solidFill>
+              </a:rPr>
+              <a:t> Item) {</a:t>
+            </a:r>
+            <a:br>
+              <a:rPr lang="sv-SE" sz="1400" dirty="0">
+                <a:solidFill>
+                  <a:schemeClr val="accent1">
+                    <a:lumMod val="75000"/>
+                  </a:schemeClr>
+                </a:solidFill>
+              </a:rPr>
+            </a:br>
+            <a:r>
+              <a:rPr lang="sv-SE" sz="1400" dirty="0">
+                <a:solidFill>
+                  <a:schemeClr val="accent1">
+                    <a:lumMod val="75000"/>
+                  </a:schemeClr>
+                </a:solidFill>
+              </a:rPr>
+              <a:t>                    ((Hero) c).</a:t>
+            </a:r>
+            <a:r>
+              <a:rPr lang="sv-SE" sz="1400" dirty="0" err="1">
+                <a:solidFill>
+                  <a:schemeClr val="accent1">
+                    <a:lumMod val="75000"/>
+                  </a:schemeClr>
+                </a:solidFill>
+              </a:rPr>
+              <a:t>pickUpItem</a:t>
+            </a:r>
+            <a:r>
+              <a:rPr lang="sv-SE" sz="1400" dirty="0">
+                <a:solidFill>
+                  <a:schemeClr val="accent1">
+                    <a:lumMod val="75000"/>
+                  </a:schemeClr>
+                </a:solidFill>
+              </a:rPr>
+              <a:t>((Item) </a:t>
+            </a:r>
+            <a:r>
+              <a:rPr lang="sv-SE" sz="1400" dirty="0" err="1">
+                <a:solidFill>
+                  <a:schemeClr val="accent1">
+                    <a:lumMod val="75000"/>
+                  </a:schemeClr>
+                </a:solidFill>
+              </a:rPr>
+              <a:t>map</a:t>
+            </a:r>
+            <a:r>
+              <a:rPr lang="sv-SE" sz="1400" dirty="0">
+                <a:solidFill>
+                  <a:schemeClr val="accent1">
+                    <a:lumMod val="75000"/>
+                  </a:schemeClr>
+                </a:solidFill>
+              </a:rPr>
+              <a:t>[</a:t>
+            </a:r>
+            <a:r>
+              <a:rPr lang="sv-SE" sz="1400" dirty="0" err="1">
+                <a:solidFill>
+                  <a:schemeClr val="accent1">
+                    <a:lumMod val="75000"/>
+                  </a:schemeClr>
+                </a:solidFill>
+              </a:rPr>
+              <a:t>pos</a:t>
+            </a:r>
+            <a:r>
+              <a:rPr lang="sv-SE" sz="1400" dirty="0">
+                <a:solidFill>
+                  <a:schemeClr val="accent1">
+                    <a:lumMod val="75000"/>
+                  </a:schemeClr>
+                </a:solidFill>
+              </a:rPr>
+              <a:t>[2]][</a:t>
+            </a:r>
+            <a:r>
+              <a:rPr lang="sv-SE" sz="1400" dirty="0" err="1">
+                <a:solidFill>
+                  <a:schemeClr val="accent1">
+                    <a:lumMod val="75000"/>
+                  </a:schemeClr>
+                </a:solidFill>
+              </a:rPr>
+              <a:t>pos</a:t>
+            </a:r>
+            <a:r>
+              <a:rPr lang="sv-SE" sz="1400" dirty="0">
+                <a:solidFill>
+                  <a:schemeClr val="accent1">
+                    <a:lumMod val="75000"/>
+                  </a:schemeClr>
+                </a:solidFill>
+              </a:rPr>
+              <a:t>[3]]);</a:t>
+            </a:r>
+            <a:br>
+              <a:rPr lang="sv-SE" sz="1400" dirty="0">
+                <a:solidFill>
+                  <a:schemeClr val="accent1">
+                    <a:lumMod val="75000"/>
+                  </a:schemeClr>
+                </a:solidFill>
+              </a:rPr>
+            </a:br>
+            <a:r>
+              <a:rPr lang="sv-SE" sz="1400" dirty="0">
+                <a:solidFill>
+                  <a:schemeClr val="accent1">
+                    <a:lumMod val="75000"/>
+                  </a:schemeClr>
+                </a:solidFill>
+              </a:rPr>
+              <a:t>                }</a:t>
+            </a:r>
+            <a:br>
+              <a:rPr lang="sv-SE" sz="1400" dirty="0">
+                <a:solidFill>
+                  <a:schemeClr val="accent1">
+                    <a:lumMod val="75000"/>
+                  </a:schemeClr>
+                </a:solidFill>
+              </a:rPr>
+            </a:br>
+            <a:r>
+              <a:rPr lang="sv-SE" sz="1400" dirty="0">
+                <a:solidFill>
+                  <a:schemeClr val="accent1">
+                    <a:lumMod val="75000"/>
+                  </a:schemeClr>
+                </a:solidFill>
+              </a:rPr>
+              <a:t>            } </a:t>
+            </a:r>
+            <a:r>
+              <a:rPr lang="sv-SE" sz="1400" dirty="0" err="1">
+                <a:solidFill>
+                  <a:schemeClr val="accent1">
+                    <a:lumMod val="75000"/>
+                  </a:schemeClr>
+                </a:solidFill>
+              </a:rPr>
+              <a:t>else</a:t>
+            </a:r>
+            <a:r>
+              <a:rPr lang="sv-SE" sz="1400" dirty="0">
+                <a:solidFill>
+                  <a:schemeClr val="accent1">
+                    <a:lumMod val="75000"/>
+                  </a:schemeClr>
+                </a:solidFill>
+              </a:rPr>
+              <a:t> {</a:t>
+            </a:r>
+            <a:br>
+              <a:rPr lang="sv-SE" sz="1400" dirty="0">
+                <a:solidFill>
+                  <a:schemeClr val="accent1">
+                    <a:lumMod val="75000"/>
+                  </a:schemeClr>
+                </a:solidFill>
+              </a:rPr>
+            </a:br>
+            <a:r>
+              <a:rPr lang="sv-SE" sz="1400" dirty="0">
+                <a:solidFill>
+                  <a:schemeClr val="accent1">
+                    <a:lumMod val="75000"/>
+                  </a:schemeClr>
+                </a:solidFill>
+              </a:rPr>
+              <a:t>                </a:t>
+            </a:r>
+            <a:r>
+              <a:rPr lang="sv-SE" sz="1400" dirty="0" err="1">
+                <a:solidFill>
+                  <a:schemeClr val="accent1">
+                    <a:lumMod val="75000"/>
+                  </a:schemeClr>
+                </a:solidFill>
+              </a:rPr>
+              <a:t>if</a:t>
+            </a:r>
+            <a:r>
+              <a:rPr lang="sv-SE" sz="1400" dirty="0">
+                <a:solidFill>
+                  <a:schemeClr val="accent1">
+                    <a:lumMod val="75000"/>
+                  </a:schemeClr>
+                </a:solidFill>
+              </a:rPr>
+              <a:t> (</a:t>
+            </a:r>
+            <a:r>
+              <a:rPr lang="sv-SE" sz="1400" dirty="0" err="1">
+                <a:solidFill>
+                  <a:schemeClr val="accent1">
+                    <a:lumMod val="75000"/>
+                  </a:schemeClr>
+                </a:solidFill>
+              </a:rPr>
+              <a:t>map</a:t>
+            </a:r>
+            <a:r>
+              <a:rPr lang="sv-SE" sz="1400" dirty="0">
+                <a:solidFill>
+                  <a:schemeClr val="accent1">
+                    <a:lumMod val="75000"/>
+                  </a:schemeClr>
+                </a:solidFill>
+              </a:rPr>
+              <a:t>[</a:t>
+            </a:r>
+            <a:r>
+              <a:rPr lang="sv-SE" sz="1400" dirty="0" err="1">
+                <a:solidFill>
+                  <a:schemeClr val="accent1">
+                    <a:lumMod val="75000"/>
+                  </a:schemeClr>
+                </a:solidFill>
+              </a:rPr>
+              <a:t>pos</a:t>
+            </a:r>
+            <a:r>
+              <a:rPr lang="sv-SE" sz="1400" dirty="0">
+                <a:solidFill>
+                  <a:schemeClr val="accent1">
+                    <a:lumMod val="75000"/>
+                  </a:schemeClr>
+                </a:solidFill>
+              </a:rPr>
+              <a:t>[2]][</a:t>
+            </a:r>
+            <a:r>
+              <a:rPr lang="sv-SE" sz="1400" dirty="0" err="1">
+                <a:solidFill>
+                  <a:schemeClr val="accent1">
+                    <a:lumMod val="75000"/>
+                  </a:schemeClr>
+                </a:solidFill>
+              </a:rPr>
+              <a:t>pos</a:t>
+            </a:r>
+            <a:r>
+              <a:rPr lang="sv-SE" sz="1400" dirty="0">
+                <a:solidFill>
+                  <a:schemeClr val="accent1">
+                    <a:lumMod val="75000"/>
+                  </a:schemeClr>
+                </a:solidFill>
+              </a:rPr>
+              <a:t>[3]] == </a:t>
+            </a:r>
+            <a:r>
+              <a:rPr lang="sv-SE" sz="1400" dirty="0" err="1">
+                <a:solidFill>
+                  <a:schemeClr val="accent1">
+                    <a:lumMod val="75000"/>
+                  </a:schemeClr>
+                </a:solidFill>
+              </a:rPr>
+              <a:t>null</a:t>
+            </a:r>
+            <a:r>
+              <a:rPr lang="sv-SE" sz="1400" dirty="0">
+                <a:solidFill>
+                  <a:schemeClr val="accent1">
+                    <a:lumMod val="75000"/>
+                  </a:schemeClr>
+                </a:solidFill>
+              </a:rPr>
+              <a:t>) {</a:t>
+            </a:r>
+            <a:br>
+              <a:rPr lang="sv-SE" sz="1400" dirty="0">
+                <a:solidFill>
+                  <a:schemeClr val="accent1">
+                    <a:lumMod val="75000"/>
+                  </a:schemeClr>
+                </a:solidFill>
+              </a:rPr>
+            </a:br>
+            <a:r>
+              <a:rPr lang="sv-SE" sz="1400" dirty="0">
+                <a:solidFill>
+                  <a:schemeClr val="accent1">
+                    <a:lumMod val="75000"/>
+                  </a:schemeClr>
+                </a:solidFill>
+              </a:rPr>
+              <a:t>                    </a:t>
+            </a:r>
+            <a:r>
+              <a:rPr lang="sv-SE" sz="1400" dirty="0" err="1">
+                <a:solidFill>
+                  <a:schemeClr val="accent1">
+                    <a:lumMod val="75000"/>
+                  </a:schemeClr>
+                </a:solidFill>
+              </a:rPr>
+              <a:t>allowed</a:t>
+            </a:r>
+            <a:r>
+              <a:rPr lang="sv-SE" sz="1400" dirty="0">
+                <a:solidFill>
+                  <a:schemeClr val="accent1">
+                    <a:lumMod val="75000"/>
+                  </a:schemeClr>
+                </a:solidFill>
+              </a:rPr>
+              <a:t> = </a:t>
+            </a:r>
+            <a:r>
+              <a:rPr lang="sv-SE" sz="1400" dirty="0" err="1">
+                <a:solidFill>
+                  <a:schemeClr val="accent1">
+                    <a:lumMod val="75000"/>
+                  </a:schemeClr>
+                </a:solidFill>
+              </a:rPr>
+              <a:t>true</a:t>
+            </a:r>
+            <a:r>
+              <a:rPr lang="sv-SE" sz="1400" dirty="0">
+                <a:solidFill>
+                  <a:schemeClr val="accent1">
+                    <a:lumMod val="75000"/>
+                  </a:schemeClr>
+                </a:solidFill>
+              </a:rPr>
+              <a:t>;</a:t>
+            </a:r>
+            <a:br>
+              <a:rPr lang="sv-SE" sz="1400" dirty="0">
+                <a:solidFill>
+                  <a:schemeClr val="accent1">
+                    <a:lumMod val="75000"/>
+                  </a:schemeClr>
+                </a:solidFill>
+              </a:rPr>
+            </a:br>
+            <a:r>
+              <a:rPr lang="sv-SE" sz="1400" dirty="0">
+                <a:solidFill>
+                  <a:schemeClr val="accent1">
+                    <a:lumMod val="75000"/>
+                  </a:schemeClr>
+                </a:solidFill>
+              </a:rPr>
+              <a:t>                }</a:t>
+            </a:r>
+            <a:br>
+              <a:rPr lang="sv-SE" sz="1400" dirty="0">
+                <a:solidFill>
+                  <a:schemeClr val="accent1">
+                    <a:lumMod val="75000"/>
+                  </a:schemeClr>
+                </a:solidFill>
+              </a:rPr>
+            </a:br>
+            <a:r>
+              <a:rPr lang="sv-SE" sz="1400" dirty="0">
+                <a:solidFill>
+                  <a:schemeClr val="accent1">
+                    <a:lumMod val="75000"/>
+                  </a:schemeClr>
+                </a:solidFill>
+              </a:rPr>
+              <a:t>            }</a:t>
+            </a:r>
+            <a:br>
+              <a:rPr lang="sv-SE" sz="1400" dirty="0">
+                <a:solidFill>
+                  <a:schemeClr val="accent1">
+                    <a:lumMod val="75000"/>
+                  </a:schemeClr>
+                </a:solidFill>
+              </a:rPr>
+            </a:br>
+            <a:r>
+              <a:rPr lang="sv-SE" sz="1400" dirty="0">
+                <a:solidFill>
+                  <a:schemeClr val="accent1">
+                    <a:lumMod val="75000"/>
+                  </a:schemeClr>
+                </a:solidFill>
+              </a:rPr>
+              <a:t>            </a:t>
+            </a:r>
+            <a:r>
+              <a:rPr lang="sv-SE" sz="1400" dirty="0" err="1">
+                <a:solidFill>
+                  <a:schemeClr val="accent1">
+                    <a:lumMod val="75000"/>
+                  </a:schemeClr>
+                </a:solidFill>
+              </a:rPr>
+              <a:t>if</a:t>
+            </a:r>
+            <a:r>
+              <a:rPr lang="sv-SE" sz="1400" dirty="0">
+                <a:solidFill>
+                  <a:schemeClr val="accent1">
+                    <a:lumMod val="75000"/>
+                  </a:schemeClr>
+                </a:solidFill>
+              </a:rPr>
+              <a:t> (</a:t>
+            </a:r>
+            <a:r>
+              <a:rPr lang="sv-SE" sz="1400" dirty="0" err="1">
+                <a:solidFill>
+                  <a:schemeClr val="accent1">
+                    <a:lumMod val="75000"/>
+                  </a:schemeClr>
+                </a:solidFill>
+              </a:rPr>
+              <a:t>allowed</a:t>
+            </a:r>
+            <a:r>
+              <a:rPr lang="sv-SE" sz="1400" dirty="0">
+                <a:solidFill>
+                  <a:schemeClr val="accent1">
+                    <a:lumMod val="75000"/>
+                  </a:schemeClr>
+                </a:solidFill>
+              </a:rPr>
+              <a:t>) {</a:t>
+            </a:r>
+            <a:br>
+              <a:rPr lang="sv-SE" sz="1400" dirty="0">
+                <a:solidFill>
+                  <a:schemeClr val="accent1">
+                    <a:lumMod val="75000"/>
+                  </a:schemeClr>
+                </a:solidFill>
+              </a:rPr>
+            </a:br>
+            <a:r>
+              <a:rPr lang="sv-SE" sz="1400" dirty="0">
+                <a:solidFill>
+                  <a:schemeClr val="accent1">
+                    <a:lumMod val="75000"/>
+                  </a:schemeClr>
+                </a:solidFill>
+              </a:rPr>
+              <a:t>                </a:t>
+            </a:r>
+            <a:r>
+              <a:rPr lang="sv-SE" sz="1400" dirty="0" err="1">
+                <a:solidFill>
+                  <a:schemeClr val="accent1">
+                    <a:lumMod val="75000"/>
+                  </a:schemeClr>
+                </a:solidFill>
+              </a:rPr>
+              <a:t>map</a:t>
+            </a:r>
+            <a:r>
+              <a:rPr lang="sv-SE" sz="1400" dirty="0">
+                <a:solidFill>
+                  <a:schemeClr val="accent1">
+                    <a:lumMod val="75000"/>
+                  </a:schemeClr>
+                </a:solidFill>
+              </a:rPr>
+              <a:t>[</a:t>
+            </a:r>
+            <a:r>
+              <a:rPr lang="sv-SE" sz="1400" dirty="0" err="1">
+                <a:solidFill>
+                  <a:schemeClr val="accent1">
+                    <a:lumMod val="75000"/>
+                  </a:schemeClr>
+                </a:solidFill>
+              </a:rPr>
+              <a:t>pos</a:t>
+            </a:r>
+            <a:r>
+              <a:rPr lang="sv-SE" sz="1400" dirty="0">
+                <a:solidFill>
+                  <a:schemeClr val="accent1">
+                    <a:lumMod val="75000"/>
+                  </a:schemeClr>
+                </a:solidFill>
+              </a:rPr>
+              <a:t>[0]][</a:t>
+            </a:r>
+            <a:r>
+              <a:rPr lang="sv-SE" sz="1400" dirty="0" err="1">
+                <a:solidFill>
+                  <a:schemeClr val="accent1">
+                    <a:lumMod val="75000"/>
+                  </a:schemeClr>
+                </a:solidFill>
+              </a:rPr>
+              <a:t>pos</a:t>
+            </a:r>
+            <a:r>
+              <a:rPr lang="sv-SE" sz="1400" dirty="0">
+                <a:solidFill>
+                  <a:schemeClr val="accent1">
+                    <a:lumMod val="75000"/>
+                  </a:schemeClr>
+                </a:solidFill>
+              </a:rPr>
+              <a:t>[1]] = </a:t>
+            </a:r>
+            <a:r>
+              <a:rPr lang="sv-SE" sz="1400" dirty="0" err="1">
+                <a:solidFill>
+                  <a:schemeClr val="accent1">
+                    <a:lumMod val="75000"/>
+                  </a:schemeClr>
+                </a:solidFill>
+              </a:rPr>
+              <a:t>null</a:t>
+            </a:r>
+            <a:r>
+              <a:rPr lang="sv-SE" sz="1400" dirty="0">
+                <a:solidFill>
+                  <a:schemeClr val="accent1">
+                    <a:lumMod val="75000"/>
+                  </a:schemeClr>
+                </a:solidFill>
+              </a:rPr>
+              <a:t>;</a:t>
+            </a:r>
+            <a:br>
+              <a:rPr lang="sv-SE" sz="1400" dirty="0">
+                <a:solidFill>
+                  <a:schemeClr val="accent1">
+                    <a:lumMod val="75000"/>
+                  </a:schemeClr>
+                </a:solidFill>
+              </a:rPr>
+            </a:br>
+            <a:r>
+              <a:rPr lang="sv-SE" sz="1400" dirty="0">
+                <a:solidFill>
+                  <a:schemeClr val="accent1">
+                    <a:lumMod val="75000"/>
+                  </a:schemeClr>
+                </a:solidFill>
+              </a:rPr>
+              <a:t>                </a:t>
+            </a:r>
+            <a:r>
+              <a:rPr lang="sv-SE" sz="1400" dirty="0" err="1">
+                <a:solidFill>
+                  <a:schemeClr val="accent1">
+                    <a:lumMod val="75000"/>
+                  </a:schemeClr>
+                </a:solidFill>
+              </a:rPr>
+              <a:t>map</a:t>
+            </a:r>
+            <a:r>
+              <a:rPr lang="sv-SE" sz="1400" dirty="0">
+                <a:solidFill>
+                  <a:schemeClr val="accent1">
+                    <a:lumMod val="75000"/>
+                  </a:schemeClr>
+                </a:solidFill>
+              </a:rPr>
+              <a:t>[</a:t>
+            </a:r>
+            <a:r>
+              <a:rPr lang="sv-SE" sz="1400" dirty="0" err="1">
+                <a:solidFill>
+                  <a:schemeClr val="accent1">
+                    <a:lumMod val="75000"/>
+                  </a:schemeClr>
+                </a:solidFill>
+              </a:rPr>
+              <a:t>pos</a:t>
+            </a:r>
+            <a:r>
+              <a:rPr lang="sv-SE" sz="1400" dirty="0">
+                <a:solidFill>
+                  <a:schemeClr val="accent1">
+                    <a:lumMod val="75000"/>
+                  </a:schemeClr>
+                </a:solidFill>
+              </a:rPr>
+              <a:t>[2]][</a:t>
+            </a:r>
+            <a:r>
+              <a:rPr lang="sv-SE" sz="1400" dirty="0" err="1">
+                <a:solidFill>
+                  <a:schemeClr val="accent1">
+                    <a:lumMod val="75000"/>
+                  </a:schemeClr>
+                </a:solidFill>
+              </a:rPr>
+              <a:t>pos</a:t>
+            </a:r>
+            <a:r>
+              <a:rPr lang="sv-SE" sz="1400" dirty="0">
+                <a:solidFill>
+                  <a:schemeClr val="accent1">
+                    <a:lumMod val="75000"/>
+                  </a:schemeClr>
+                </a:solidFill>
+              </a:rPr>
+              <a:t>[3]] = c;</a:t>
+            </a:r>
+            <a:br>
+              <a:rPr lang="sv-SE" sz="1400" dirty="0">
+                <a:solidFill>
+                  <a:schemeClr val="accent1">
+                    <a:lumMod val="75000"/>
+                  </a:schemeClr>
+                </a:solidFill>
+              </a:rPr>
+            </a:br>
+            <a:r>
+              <a:rPr lang="sv-SE" sz="1400" dirty="0">
+                <a:solidFill>
+                  <a:schemeClr val="accent1">
+                    <a:lumMod val="75000"/>
+                  </a:schemeClr>
+                </a:solidFill>
+              </a:rPr>
+              <a:t>                </a:t>
+            </a:r>
+            <a:r>
+              <a:rPr lang="sv-SE" sz="1400" dirty="0" err="1">
+                <a:solidFill>
+                  <a:schemeClr val="accent1">
+                    <a:lumMod val="75000"/>
+                  </a:schemeClr>
+                </a:solidFill>
+              </a:rPr>
+              <a:t>c.setPosition</a:t>
+            </a:r>
+            <a:r>
+              <a:rPr lang="sv-SE" sz="1400" dirty="0">
+                <a:solidFill>
+                  <a:schemeClr val="accent1">
+                    <a:lumMod val="75000"/>
+                  </a:schemeClr>
+                </a:solidFill>
+              </a:rPr>
+              <a:t>(</a:t>
+            </a:r>
+            <a:r>
+              <a:rPr lang="sv-SE" sz="1400" dirty="0" err="1">
+                <a:solidFill>
+                  <a:schemeClr val="accent1">
+                    <a:lumMod val="75000"/>
+                  </a:schemeClr>
+                </a:solidFill>
+              </a:rPr>
+              <a:t>pos</a:t>
+            </a:r>
+            <a:r>
+              <a:rPr lang="sv-SE" sz="1400" dirty="0">
+                <a:solidFill>
+                  <a:schemeClr val="accent1">
+                    <a:lumMod val="75000"/>
+                  </a:schemeClr>
+                </a:solidFill>
+              </a:rPr>
+              <a:t>[2], </a:t>
+            </a:r>
+            <a:r>
+              <a:rPr lang="sv-SE" sz="1400" dirty="0" err="1">
+                <a:solidFill>
+                  <a:schemeClr val="accent1">
+                    <a:lumMod val="75000"/>
+                  </a:schemeClr>
+                </a:solidFill>
+              </a:rPr>
+              <a:t>pos</a:t>
+            </a:r>
+            <a:r>
+              <a:rPr lang="sv-SE" sz="1400" dirty="0">
+                <a:solidFill>
+                  <a:schemeClr val="accent1">
+                    <a:lumMod val="75000"/>
+                  </a:schemeClr>
+                </a:solidFill>
+              </a:rPr>
+              <a:t>[3]);</a:t>
+            </a:r>
+            <a:br>
+              <a:rPr lang="sv-SE" sz="1400" dirty="0">
+                <a:solidFill>
+                  <a:schemeClr val="accent1">
+                    <a:lumMod val="75000"/>
+                  </a:schemeClr>
+                </a:solidFill>
+              </a:rPr>
+            </a:br>
+            <a:r>
+              <a:rPr lang="sv-SE" sz="1400" dirty="0">
+                <a:solidFill>
+                  <a:schemeClr val="accent1">
+                    <a:lumMod val="75000"/>
+                  </a:schemeClr>
+                </a:solidFill>
+              </a:rPr>
+              <a:t>            }</a:t>
+            </a:r>
+            <a:br>
+              <a:rPr lang="sv-SE" sz="1400" dirty="0">
+                <a:solidFill>
+                  <a:schemeClr val="accent1">
+                    <a:lumMod val="75000"/>
+                  </a:schemeClr>
+                </a:solidFill>
+              </a:rPr>
+            </a:br>
+            <a:r>
+              <a:rPr lang="sv-SE" sz="1400" dirty="0">
+                <a:solidFill>
+                  <a:schemeClr val="accent1">
+                    <a:lumMod val="75000"/>
+                  </a:schemeClr>
+                </a:solidFill>
+              </a:rPr>
+              <a:t>        }</a:t>
+            </a:r>
+            <a:br>
+              <a:rPr lang="sv-SE" sz="1400" dirty="0">
+                <a:solidFill>
+                  <a:schemeClr val="accent1">
+                    <a:lumMod val="75000"/>
+                  </a:schemeClr>
+                </a:solidFill>
+              </a:rPr>
+            </a:br>
+            <a:r>
+              <a:rPr lang="sv-SE" sz="1400" dirty="0">
+                <a:solidFill>
+                  <a:schemeClr val="accent1">
+                    <a:lumMod val="75000"/>
+                  </a:schemeClr>
+                </a:solidFill>
+              </a:rPr>
+              <a:t>    }</a:t>
+            </a:r>
+            <a:br>
+              <a:rPr lang="sv-SE" sz="1400" dirty="0">
+                <a:solidFill>
+                  <a:schemeClr val="accent1">
+                    <a:lumMod val="75000"/>
+                  </a:schemeClr>
+                </a:solidFill>
+              </a:rPr>
+            </a:br>
+            <a:r>
+              <a:rPr lang="sv-SE" sz="1400" dirty="0">
+                <a:solidFill>
+                  <a:schemeClr val="accent1">
+                    <a:lumMod val="75000"/>
+                  </a:schemeClr>
+                </a:solidFill>
+              </a:rPr>
+              <a:t>}</a:t>
+            </a:r>
           </a:p>
         </p:txBody>
       </p:sp>
@@ -15573,13 +17102,13 @@
         <p:spPr/>
         <p:txBody>
           <a:bodyPr>
-            <a:normAutofit lnSpcReduction="10000"/>
+            <a:normAutofit fontScale="77500" lnSpcReduction="20000"/>
           </a:bodyPr>
           <a:lstStyle/>
           <a:p>
             <a:pPr>
               <a:lnSpc>
-                <a:spcPct val="120000"/>
+                <a:spcPct val="160000"/>
               </a:lnSpc>
               <a:spcBef>
                 <a:spcPts val="100"/>
@@ -15593,7 +17122,7 @@
           <a:p>
             <a:pPr lvl="1">
               <a:lnSpc>
-                <a:spcPct val="120000"/>
+                <a:spcPct val="160000"/>
               </a:lnSpc>
               <a:spcBef>
                 <a:spcPts val="100"/>
@@ -15607,7 +17136,7 @@
           <a:p>
             <a:pPr lvl="1">
               <a:lnSpc>
-                <a:spcPct val="120000"/>
+                <a:spcPct val="160000"/>
               </a:lnSpc>
               <a:spcBef>
                 <a:spcPts val="100"/>
@@ -15629,7 +17158,7 @@
           <a:p>
             <a:pPr lvl="1">
               <a:lnSpc>
-                <a:spcPct val="120000"/>
+                <a:spcPct val="160000"/>
               </a:lnSpc>
               <a:spcBef>
                 <a:spcPts val="100"/>
@@ -15640,7 +17169,7 @@
           <a:p>
             <a:pPr>
               <a:lnSpc>
-                <a:spcPct val="120000"/>
+                <a:spcPct val="160000"/>
               </a:lnSpc>
               <a:spcBef>
                 <a:spcPts val="100"/>
@@ -15654,7 +17183,7 @@
           <a:p>
             <a:pPr lvl="1">
               <a:lnSpc>
-                <a:spcPct val="120000"/>
+                <a:spcPct val="160000"/>
               </a:lnSpc>
               <a:spcBef>
                 <a:spcPts val="100"/>
@@ -15668,7 +17197,7 @@
           <a:p>
             <a:pPr>
               <a:lnSpc>
-                <a:spcPct val="120000"/>
+                <a:spcPct val="160000"/>
               </a:lnSpc>
               <a:spcBef>
                 <a:spcPts val="100"/>
@@ -15679,7 +17208,7 @@
           <a:p>
             <a:pPr>
               <a:lnSpc>
-                <a:spcPct val="120000"/>
+                <a:spcPct val="160000"/>
               </a:lnSpc>
               <a:spcBef>
                 <a:spcPts val="100"/>
@@ -15693,7 +17222,7 @@
           <a:p>
             <a:pPr>
               <a:lnSpc>
-                <a:spcPct val="120000"/>
+                <a:spcPct val="160000"/>
               </a:lnSpc>
               <a:spcBef>
                 <a:spcPts val="100"/>
@@ -15704,7 +17233,7 @@
           <a:p>
             <a:pPr>
               <a:lnSpc>
-                <a:spcPct val="120000"/>
+                <a:spcPct val="160000"/>
               </a:lnSpc>
               <a:spcBef>
                 <a:spcPts val="100"/>
@@ -15718,7 +17247,7 @@
           <a:p>
             <a:pPr>
               <a:lnSpc>
-                <a:spcPct val="120000"/>
+                <a:spcPct val="160000"/>
               </a:lnSpc>
               <a:spcBef>
                 <a:spcPts val="100"/>
@@ -15729,7 +17258,7 @@
           <a:p>
             <a:pPr marL="457200" lvl="1" indent="0">
               <a:lnSpc>
-                <a:spcPct val="120000"/>
+                <a:spcPct val="160000"/>
               </a:lnSpc>
               <a:spcBef>
                 <a:spcPts val="100"/>
@@ -15741,7 +17270,7 @@
           <a:p>
             <a:pPr>
               <a:lnSpc>
-                <a:spcPct val="120000"/>
+                <a:spcPct val="160000"/>
               </a:lnSpc>
               <a:spcBef>
                 <a:spcPts val="100"/>
@@ -15829,9 +17358,16 @@
         </p:nvSpPr>
         <p:spPr/>
         <p:txBody>
-          <a:bodyPr/>
+          <a:bodyPr>
+            <a:normAutofit/>
+          </a:bodyPr>
           <a:lstStyle/>
           <a:p>
+            <a:pPr>
+              <a:lnSpc>
+                <a:spcPct val="150000"/>
+              </a:lnSpc>
+            </a:pPr>
             <a:r>
               <a:rPr lang="sv-SE" dirty="0"/>
               <a:t>Syfte: Testa indatadomänen för </a:t>
@@ -15844,14 +17380,17 @@
               <a:rPr lang="sv-SE" dirty="0"/>
               <a:t> och metoder i Hero</a:t>
             </a:r>
-          </a:p>
-          <a:p>
             <a:endParaRPr lang="sv-SE" sz="1400" dirty="0"/>
           </a:p>
           <a:p>
+            <a:pPr>
+              <a:lnSpc>
+                <a:spcPct val="150000"/>
+              </a:lnSpc>
+            </a:pPr>
             <a:r>
               <a:rPr lang="sv-SE" dirty="0"/>
-              <a:t>Motiv: Tydliga valida och </a:t>
+              <a:t>Motivering: Tydliga valida och </a:t>
             </a:r>
             <a:r>
               <a:rPr lang="sv-SE" dirty="0" err="1"/>
@@ -15859,33 +17398,19 @@
             </a:r>
             <a:r>
               <a:rPr lang="sv-SE" dirty="0"/>
-              <a:t> värden</a:t>
-            </a:r>
-          </a:p>
-          <a:p>
-            <a:r>
-              <a:rPr lang="sv-SE" dirty="0">
-                <a:solidFill>
-                  <a:srgbClr val="FF0000"/>
-                </a:solidFill>
-              </a:rPr>
-              <a:t>Motivera mera…</a:t>
-            </a:r>
-          </a:p>
-          <a:p>
-            <a:endParaRPr lang="sv-SE" sz="1400" dirty="0"/>
-          </a:p>
-          <a:p>
+              <a:t> värden i klassen. Hög komplexitet, WMC (25).</a:t>
+            </a:r>
+          </a:p>
+          <a:p>
+            <a:pPr>
+              <a:lnSpc>
+                <a:spcPct val="150000"/>
+              </a:lnSpc>
+            </a:pPr>
             <a:r>
               <a:rPr lang="sv-SE" dirty="0"/>
               <a:t>Dock endast 1 argument per metod, kan ej täcka in flera valida klasser per testfall</a:t>
             </a:r>
-          </a:p>
-          <a:p>
-            <a:endParaRPr lang="sv-SE" dirty="0"/>
-          </a:p>
-          <a:p>
-            <a:endParaRPr lang="sv-SE" dirty="0"/>
           </a:p>
         </p:txBody>
       </p:sp>
@@ -15967,7 +17492,10 @@
               <a:rPr lang="sv-SE" dirty="0" err="1"/>
               <a:t>IntelliJ</a:t>
             </a:r>
-            <a:endParaRPr lang="sv-SE" dirty="0"/>
+            <a:r>
+              <a:rPr lang="sv-SE" dirty="0"/>
+              <a:t> IDEA</a:t>
+            </a:r>
           </a:p>
           <a:p>
             <a:r>
@@ -15990,43 +17518,11 @@
               <a:t> med </a:t>
             </a:r>
             <a:r>
-              <a:rPr lang="sv-SE" dirty="0">
-                <a:solidFill>
-                  <a:srgbClr val="FF0000"/>
-                </a:solidFill>
-              </a:rPr>
-              <a:t>Emma, </a:t>
-            </a:r>
-            <a:r>
-              <a:rPr lang="sv-SE" dirty="0" err="1">
-                <a:solidFill>
-                  <a:srgbClr val="FF0000"/>
-                </a:solidFill>
-              </a:rPr>
-              <a:t>JaCoCo</a:t>
-            </a:r>
-            <a:r>
-              <a:rPr lang="sv-SE" dirty="0">
-                <a:solidFill>
-                  <a:srgbClr val="FF0000"/>
-                </a:solidFill>
-              </a:rPr>
-              <a:t> och </a:t>
-            </a:r>
-            <a:r>
-              <a:rPr lang="sv-SE" dirty="0" err="1">
-                <a:solidFill>
-                  <a:srgbClr val="FF0000"/>
-                </a:solidFill>
-              </a:rPr>
+              <a:rPr lang="sv-SE" dirty="0" err="1"/>
               <a:t>IntelliJ</a:t>
             </a:r>
             <a:r>
-              <a:rPr lang="sv-SE" dirty="0">
-                <a:solidFill>
-                  <a:srgbClr val="FF0000"/>
-                </a:solidFill>
-              </a:rPr>
+              <a:rPr lang="sv-SE" dirty="0"/>
               <a:t> IDEA</a:t>
             </a:r>
           </a:p>
@@ -16462,7 +17958,7 @@
             </a:r>
             <a:r>
               <a:rPr lang="sv-SE" dirty="0" err="1"/>
-              <a:t>class</a:t>
+              <a:t>Equipped</a:t>
             </a:r>
             <a:r>
               <a:rPr lang="sv-SE" dirty="0"/>
@@ -16470,9 +17966,20 @@
             </a:r>
             <a:r>
               <a:rPr lang="sv-SE" dirty="0" err="1"/>
-              <a:t>Inventory</a:t>
-            </a:r>
-            <a:endParaRPr lang="sv-SE" dirty="0"/>
+              <a:t>items</a:t>
+            </a:r>
+            <a:r>
+              <a:rPr lang="sv-SE" dirty="0"/>
+              <a:t> (</a:t>
+            </a:r>
+            <a:r>
+              <a:rPr lang="sv-SE" dirty="0" err="1"/>
+              <a:t>class</a:t>
+            </a:r>
+            <a:r>
+              <a:rPr lang="sv-SE" dirty="0"/>
+              <a:t> Hero)</a:t>
+            </a:r>
           </a:p>
         </p:txBody>
       </p:sp>
@@ -16491,7 +17998,74 @@
           <a:bodyPr/>
           <a:lstStyle/>
           <a:p>
-            <a:endParaRPr lang="sv-SE" dirty="0"/>
+            <a:r>
+              <a:rPr lang="sv-SE" dirty="0"/>
+              <a:t>Motivering: Vi använde </a:t>
+            </a:r>
+            <a:r>
+              <a:rPr lang="sv-SE" dirty="0" err="1"/>
+              <a:t>equippment</a:t>
+            </a:r>
+            <a:r>
+              <a:rPr lang="sv-SE" dirty="0"/>
+              <a:t> systemet på Hero till vår tillståndsmaskin då dom </a:t>
+            </a:r>
+            <a:r>
+              <a:rPr lang="sv-SE" dirty="0" err="1"/>
+              <a:t>equippade</a:t>
+            </a:r>
+            <a:r>
+              <a:rPr lang="sv-SE" dirty="0"/>
+              <a:t> delarna kan ha olika status (</a:t>
+            </a:r>
+            <a:r>
+              <a:rPr lang="sv-SE" dirty="0" err="1"/>
+              <a:t>Equippat</a:t>
+            </a:r>
+            <a:r>
+              <a:rPr lang="sv-SE" dirty="0"/>
+              <a:t>/Tomt vapen, </a:t>
+            </a:r>
+            <a:r>
+              <a:rPr lang="sv-SE" dirty="0" err="1"/>
+              <a:t>Equippat</a:t>
+            </a:r>
+            <a:r>
+              <a:rPr lang="sv-SE" dirty="0"/>
+              <a:t>/Tomt </a:t>
+            </a:r>
+            <a:r>
+              <a:rPr lang="sv-SE" dirty="0" err="1"/>
+              <a:t>armor</a:t>
+            </a:r>
+            <a:r>
+              <a:rPr lang="sv-SE" dirty="0"/>
+              <a:t>) samt att man kan komma till dom olika tillstånden på olika sätt eftersom det aktuella </a:t>
+            </a:r>
+            <a:r>
+              <a:rPr lang="sv-SE" dirty="0" err="1"/>
+              <a:t>itemet</a:t>
+            </a:r>
+            <a:r>
+              <a:rPr lang="sv-SE" dirty="0"/>
+              <a:t> endast byts ut om ett nytt item är starkare. På detta sätt kan vi prova olika sekvenser av upplockande av </a:t>
+            </a:r>
+            <a:r>
+              <a:rPr lang="sv-SE" dirty="0" err="1"/>
+              <a:t>items</a:t>
+            </a:r>
+            <a:r>
+              <a:rPr lang="sv-SE" dirty="0"/>
+              <a:t> för att se att den </a:t>
+            </a:r>
+            <a:r>
+              <a:rPr lang="sv-SE" dirty="0" err="1"/>
+              <a:t>equippade</a:t>
+            </a:r>
+            <a:r>
+              <a:rPr lang="sv-SE" dirty="0"/>
+              <a:t> delen är korrekt.</a:t>
+            </a:r>
           </a:p>
         </p:txBody>
       </p:sp>
@@ -16550,25 +18124,41 @@
           </a:p>
         </p:txBody>
       </p:sp>
-      <p:sp>
-        <p:nvSpPr>
-          <p:cNvPr id="3" name="Platshållare för innehåll 2"/>
-          <p:cNvSpPr>
-            <a:spLocks noGrp="1"/>
-          </p:cNvSpPr>
+      <p:pic>
+        <p:nvPicPr>
+          <p:cNvPr id="5" name="Platshållare för innehåll 4">
+            <a:extLst>
+              <a:ext uri="{FF2B5EF4-FFF2-40B4-BE49-F238E27FC236}">
+                <a16:creationId xmlns:a16="http://schemas.microsoft.com/office/drawing/2014/main" id="{3873E550-95ED-8041-B44A-2730C780F5A7}"/>
+              </a:ext>
+            </a:extLst>
+          </p:cNvPr>
+          <p:cNvPicPr>
+            <a:picLocks noGrp="1" noChangeAspect="1"/>
+          </p:cNvPicPr>
           <p:nvPr>
             <p:ph idx="1"/>
           </p:nvPr>
-        </p:nvSpPr>
-        <p:spPr/>
-        <p:txBody>
-          <a:bodyPr/>
-          <a:lstStyle/>
-          <a:p>
-            <a:endParaRPr lang="sv-SE"/>
-          </a:p>
-        </p:txBody>
-      </p:sp>
+        </p:nvPicPr>
+        <p:blipFill>
+          <a:blip r:embed="rId4">
+            <a:extLst>
+              <a:ext uri="{28A0092B-C50C-407E-A947-70E740481C1C}">
+                <a14:useLocalDpi xmlns:a14="http://schemas.microsoft.com/office/drawing/2010/main" val="0"/>
+              </a:ext>
+            </a:extLst>
+          </a:blip>
+          <a:stretch>
+            <a:fillRect/>
+          </a:stretch>
+        </p:blipFill>
+        <p:spPr>
+          <a:xfrm>
+            <a:off x="3282015" y="1825625"/>
+            <a:ext cx="5627970" cy="4351338"/>
+          </a:xfrm>
+        </p:spPr>
+      </p:pic>
     </p:spTree>
     <p:custDataLst>
       <p:tags r:id="rId1"/>
@@ -16626,20 +18216,208 @@
       </p:sp>
       <p:sp>
         <p:nvSpPr>
-          <p:cNvPr id="3" name="Platshållare för innehåll 2"/>
+          <p:cNvPr id="4" name="Platshållare för innehåll 3">
+            <a:extLst>
+              <a:ext uri="{FF2B5EF4-FFF2-40B4-BE49-F238E27FC236}">
+                <a16:creationId xmlns:a16="http://schemas.microsoft.com/office/drawing/2014/main" id="{7893500F-56EC-3C4B-8DC5-C12C8CC428BF}"/>
+              </a:ext>
+            </a:extLst>
+          </p:cNvPr>
           <p:cNvSpPr>
             <a:spLocks noGrp="1"/>
           </p:cNvSpPr>
           <p:nvPr>
-            <p:ph idx="1"/>
+            <p:ph sz="half" idx="1"/>
           </p:nvPr>
         </p:nvSpPr>
         <p:spPr/>
         <p:txBody>
-          <a:bodyPr/>
+          <a:bodyPr>
+            <a:normAutofit/>
+          </a:bodyPr>
           <a:lstStyle/>
           <a:p>
-            <a:endParaRPr lang="sv-SE"/>
+            <a:pPr marL="0" indent="0">
+              <a:buNone/>
+            </a:pPr>
+            <a:r>
+              <a:rPr lang="sv-SE" dirty="0"/>
+              <a:t>Hero plockar upp vapen med styrka 50.</a:t>
+            </a:r>
+          </a:p>
+          <a:p>
+            <a:pPr marL="0" indent="0">
+              <a:buNone/>
+            </a:pPr>
+            <a:r>
+              <a:rPr lang="sv-SE" dirty="0"/>
+              <a:t>…vapen med styrka 15.</a:t>
+            </a:r>
+          </a:p>
+          <a:p>
+            <a:pPr marL="0" indent="0">
+              <a:buNone/>
+            </a:pPr>
+            <a:r>
+              <a:rPr lang="sv-SE" dirty="0"/>
+              <a:t>…vapen med styrka 100.</a:t>
+            </a:r>
+          </a:p>
+          <a:p>
+            <a:pPr marL="0" indent="0">
+              <a:buNone/>
+            </a:pPr>
+            <a:r>
+              <a:rPr lang="sv-SE" dirty="0"/>
+              <a:t>…</a:t>
+            </a:r>
+            <a:r>
+              <a:rPr lang="sv-SE" dirty="0" err="1"/>
+              <a:t>armor</a:t>
+            </a:r>
+            <a:r>
+              <a:rPr lang="sv-SE" dirty="0"/>
+              <a:t> med styrka 30.</a:t>
+            </a:r>
+          </a:p>
+          <a:p>
+            <a:pPr marL="0" indent="0">
+              <a:buNone/>
+            </a:pPr>
+            <a:r>
+              <a:rPr lang="sv-SE" dirty="0"/>
+              <a:t>…</a:t>
+            </a:r>
+            <a:r>
+              <a:rPr lang="sv-SE" dirty="0" err="1"/>
+              <a:t>armor</a:t>
+            </a:r>
+            <a:r>
+              <a:rPr lang="sv-SE" dirty="0"/>
+              <a:t> med styrka 56.</a:t>
+            </a:r>
+          </a:p>
+          <a:p>
+            <a:pPr marL="0" indent="0">
+              <a:buNone/>
+            </a:pPr>
+            <a:r>
+              <a:rPr lang="sv-SE" dirty="0"/>
+              <a:t>…vapen med styrka 75.</a:t>
+            </a:r>
+          </a:p>
+        </p:txBody>
+      </p:sp>
+      <p:sp>
+        <p:nvSpPr>
+          <p:cNvPr id="5" name="Platshållare för innehåll 4">
+            <a:extLst>
+              <a:ext uri="{FF2B5EF4-FFF2-40B4-BE49-F238E27FC236}">
+                <a16:creationId xmlns:a16="http://schemas.microsoft.com/office/drawing/2014/main" id="{84C649E6-CD4F-6847-A09E-F0A52CA6CDB7}"/>
+              </a:ext>
+            </a:extLst>
+          </p:cNvPr>
+          <p:cNvSpPr>
+            <a:spLocks noGrp="1"/>
+          </p:cNvSpPr>
+          <p:nvPr>
+            <p:ph sz="half" idx="2"/>
+          </p:nvPr>
+        </p:nvSpPr>
+        <p:spPr/>
+        <p:txBody>
+          <a:bodyPr>
+            <a:normAutofit/>
+          </a:bodyPr>
+          <a:lstStyle/>
+          <a:p>
+            <a:pPr marL="0" indent="0">
+              <a:buNone/>
+            </a:pPr>
+            <a:r>
+              <a:rPr lang="sv-SE" dirty="0"/>
+              <a:t>Hero plockar upp </a:t>
+            </a:r>
+            <a:r>
+              <a:rPr lang="sv-SE" dirty="0" err="1"/>
+              <a:t>armor</a:t>
+            </a:r>
+            <a:r>
+              <a:rPr lang="sv-SE" dirty="0"/>
+              <a:t> med styrka 5.</a:t>
+            </a:r>
+          </a:p>
+          <a:p>
+            <a:pPr marL="0" indent="0">
+              <a:buNone/>
+            </a:pPr>
+            <a:r>
+              <a:rPr lang="sv-SE" dirty="0"/>
+              <a:t>…</a:t>
+            </a:r>
+            <a:r>
+              <a:rPr lang="sv-SE" dirty="0" err="1"/>
+              <a:t>armor</a:t>
+            </a:r>
+            <a:r>
+              <a:rPr lang="sv-SE" dirty="0"/>
+              <a:t> med styrka 3.</a:t>
+            </a:r>
+          </a:p>
+          <a:p>
+            <a:pPr marL="0" indent="0">
+              <a:buNone/>
+            </a:pPr>
+            <a:r>
+              <a:rPr lang="sv-SE" dirty="0"/>
+              <a:t>…</a:t>
+            </a:r>
+            <a:r>
+              <a:rPr lang="sv-SE" dirty="0" err="1"/>
+              <a:t>armor</a:t>
+            </a:r>
+            <a:r>
+              <a:rPr lang="sv-SE" dirty="0"/>
+              <a:t> med styrka 88.</a:t>
+            </a:r>
+          </a:p>
+          <a:p>
+            <a:pPr marL="0" indent="0">
+              <a:buNone/>
+            </a:pPr>
+            <a:r>
+              <a:rPr lang="sv-SE" dirty="0"/>
+              <a:t>…vapen med styrka 75.</a:t>
+            </a:r>
+          </a:p>
+          <a:p>
+            <a:pPr marL="0" indent="0">
+              <a:buNone/>
+            </a:pPr>
+            <a:r>
+              <a:rPr lang="sv-SE" dirty="0"/>
+              <a:t>…</a:t>
+            </a:r>
+            <a:r>
+              <a:rPr lang="sv-SE" dirty="0" err="1"/>
+              <a:t>armor</a:t>
+            </a:r>
+            <a:r>
+              <a:rPr lang="sv-SE" dirty="0"/>
+              <a:t> med styrka 50.</a:t>
+            </a:r>
+          </a:p>
+          <a:p>
+            <a:pPr marL="0" indent="0">
+              <a:buNone/>
+            </a:pPr>
+            <a:r>
+              <a:rPr lang="sv-SE" dirty="0"/>
+              <a:t>…vapen med styrka 98.</a:t>
+            </a:r>
+          </a:p>
+          <a:p>
+            <a:endParaRPr lang="sv-SE" dirty="0"/>
           </a:p>
         </p:txBody>
       </p:sp>
@@ -16713,7 +18491,7 @@
           <a:bodyPr/>
           <a:lstStyle/>
           <a:p>
-            <a:endParaRPr lang="sv-SE"/>
+            <a:endParaRPr lang="sv-SE" dirty="0"/>
           </a:p>
         </p:txBody>
       </p:sp>
@@ -17620,61 +19398,6 @@
           </a:xfrm>
         </p:spPr>
       </p:pic>
-      <p:sp>
-        <p:nvSpPr>
-          <p:cNvPr id="4" name="TextBox 3">
-            <a:extLst>
-              <a:ext uri="{FF2B5EF4-FFF2-40B4-BE49-F238E27FC236}">
-                <a16:creationId xmlns:a16="http://schemas.microsoft.com/office/drawing/2014/main" id="{E18D9D4B-5D7D-774E-8DD5-46250460226B}"/>
-              </a:ext>
-            </a:extLst>
-          </p:cNvPr>
-          <p:cNvSpPr txBox="1"/>
-          <p:nvPr/>
-        </p:nvSpPr>
-        <p:spPr>
-          <a:xfrm>
-            <a:off x="7115176" y="1114425"/>
-            <a:ext cx="2386012" cy="369332"/>
-          </a:xfrm>
-          <a:prstGeom prst="rect">
-            <a:avLst/>
-          </a:prstGeom>
-          <a:noFill/>
-        </p:spPr>
-        <p:txBody>
-          <a:bodyPr wrap="square" rtlCol="0">
-            <a:spAutoFit/>
-          </a:bodyPr>
-          <a:lstStyle/>
-          <a:p>
-            <a:r>
-              <a:rPr lang="sv-SE" dirty="0">
-                <a:solidFill>
-                  <a:srgbClr val="FF0000"/>
-                </a:solidFill>
-              </a:rPr>
-              <a:t>Lägg ev. till </a:t>
-            </a:r>
-            <a:r>
-              <a:rPr lang="sv-SE" dirty="0" err="1">
-                <a:solidFill>
-                  <a:srgbClr val="FF0000"/>
-                </a:solidFill>
-              </a:rPr>
-              <a:t>Map</a:t>
-            </a:r>
-            <a:r>
-              <a:rPr lang="sv-SE" dirty="0">
-                <a:solidFill>
-                  <a:srgbClr val="FF0000"/>
-                </a:solidFill>
-              </a:rPr>
-              <a:t>-klass </a:t>
-            </a:r>
-          </a:p>
-        </p:txBody>
-      </p:sp>
     </p:spTree>
     <p:custDataLst>
       <p:tags r:id="rId1"/>
@@ -23779,80 +25502,6 @@
     <p:extLst>
       <p:ext uri="{BB962C8B-B14F-4D97-AF65-F5344CB8AC3E}">
         <p14:creationId xmlns:p14="http://schemas.microsoft.com/office/powerpoint/2010/main" val="1633220100"/>
-      </p:ext>
-    </p:extLst>
-  </p:cSld>
-  <p:clrMapOvr>
-    <a:masterClrMapping/>
-  </p:clrMapOvr>
-</p:sld>
-</file>
-
-<file path=ppt/slides/slide37.xml><?xml version="1.0" encoding="utf-8"?>
-<p:sld xmlns:a="http://schemas.openxmlformats.org/drawingml/2006/main" xmlns:r="http://schemas.openxmlformats.org/officeDocument/2006/relationships" xmlns:p="http://schemas.openxmlformats.org/presentationml/2006/main">
-  <p:cSld>
-    <p:spTree>
-      <p:nvGrpSpPr>
-        <p:cNvPr id="1" name=""/>
-        <p:cNvGrpSpPr/>
-        <p:nvPr/>
-      </p:nvGrpSpPr>
-      <p:grpSpPr>
-        <a:xfrm>
-          <a:off x="0" y="0"/>
-          <a:ext cx="0" cy="0"/>
-          <a:chOff x="0" y="0"/>
-          <a:chExt cx="0" cy="0"/>
-        </a:xfrm>
-      </p:grpSpPr>
-      <p:sp>
-        <p:nvSpPr>
-          <p:cNvPr id="2" name="Rubrik 1"/>
-          <p:cNvSpPr>
-            <a:spLocks noGrp="1"/>
-          </p:cNvSpPr>
-          <p:nvPr>
-            <p:ph type="title"/>
-          </p:nvPr>
-        </p:nvSpPr>
-        <p:spPr/>
-        <p:txBody>
-          <a:bodyPr/>
-          <a:lstStyle/>
-          <a:p>
-            <a:r>
-              <a:rPr lang="sv-SE" dirty="0"/>
-              <a:t>Övrigt</a:t>
-            </a:r>
-          </a:p>
-        </p:txBody>
-      </p:sp>
-      <p:sp>
-        <p:nvSpPr>
-          <p:cNvPr id="3" name="Platshållare för innehåll 2"/>
-          <p:cNvSpPr>
-            <a:spLocks noGrp="1"/>
-          </p:cNvSpPr>
-          <p:nvPr>
-            <p:ph idx="1"/>
-          </p:nvPr>
-        </p:nvSpPr>
-        <p:spPr/>
-        <p:txBody>
-          <a:bodyPr/>
-          <a:lstStyle/>
-          <a:p>
-            <a:endParaRPr lang="sv-SE"/>
-          </a:p>
-        </p:txBody>
-      </p:sp>
-    </p:spTree>
-    <p:custDataLst>
-      <p:tags r:id="rId1"/>
-    </p:custDataLst>
-    <p:extLst>
-      <p:ext uri="{BB962C8B-B14F-4D97-AF65-F5344CB8AC3E}">
-        <p14:creationId xmlns:p14="http://schemas.microsoft.com/office/powerpoint/2010/main" val="3016223473"/>
       </p:ext>
     </p:extLst>
   </p:cSld>
@@ -24125,7 +25774,13 @@
               <a:buNone/>
             </a:pPr>
             <a:r>
-              <a:rPr lang="sv-SE" dirty="0"/>
+              <a:rPr lang="sv-SE" dirty="0">
+                <a:solidFill>
+                  <a:schemeClr val="accent1">
+                    <a:lumMod val="75000"/>
+                  </a:schemeClr>
+                </a:solidFill>
+              </a:rPr>
               <a:t>@Test</a:t>
             </a:r>
           </a:p>
@@ -24134,41 +25789,95 @@
               <a:buNone/>
             </a:pPr>
             <a:r>
-              <a:rPr lang="en-US" dirty="0"/>
+              <a:rPr lang="en-US" dirty="0">
+                <a:solidFill>
+                  <a:schemeClr val="accent1">
+                    <a:lumMod val="75000"/>
+                  </a:schemeClr>
+                </a:solidFill>
+              </a:rPr>
               <a:t>public void setEquipment_addEquipment_strengthNotLowerThan1() {</a:t>
             </a:r>
-            <a:endParaRPr lang="sv-SE" dirty="0"/>
+            <a:endParaRPr lang="sv-SE" dirty="0">
+              <a:solidFill>
+                <a:schemeClr val="accent1">
+                  <a:lumMod val="75000"/>
+                </a:schemeClr>
+              </a:solidFill>
+            </a:endParaRPr>
           </a:p>
           <a:p>
             <a:pPr marL="0" indent="0">
               <a:buNone/>
             </a:pPr>
             <a:r>
-              <a:rPr lang="sv-SE" dirty="0"/>
-              <a:t>	</a:t>
-            </a:r>
-            <a:r>
-              <a:rPr lang="sv-SE" dirty="0" err="1"/>
+              <a:rPr lang="sv-SE" dirty="0">
+                <a:solidFill>
+                  <a:schemeClr val="accent1">
+                    <a:lumMod val="75000"/>
+                  </a:schemeClr>
+                </a:solidFill>
+              </a:rPr>
+              <a:t>    </a:t>
+            </a:r>
+            <a:r>
+              <a:rPr lang="sv-SE" dirty="0" err="1">
+                <a:solidFill>
+                  <a:schemeClr val="accent1">
+                    <a:lumMod val="75000"/>
+                  </a:schemeClr>
+                </a:solidFill>
+              </a:rPr>
               <a:t>assertFalse</a:t>
             </a:r>
             <a:r>
-              <a:rPr lang="sv-SE" dirty="0"/>
+              <a:rPr lang="sv-SE" dirty="0">
+                <a:solidFill>
+                  <a:schemeClr val="accent1">
+                    <a:lumMod val="75000"/>
+                  </a:schemeClr>
+                </a:solidFill>
+              </a:rPr>
               <a:t>(</a:t>
             </a:r>
             <a:r>
-              <a:rPr lang="sv-SE" dirty="0" err="1"/>
+              <a:rPr lang="sv-SE" dirty="0" err="1">
+                <a:solidFill>
+                  <a:schemeClr val="accent1">
+                    <a:lumMod val="75000"/>
+                  </a:schemeClr>
+                </a:solidFill>
+              </a:rPr>
               <a:t>monster.getEquipment</a:t>
             </a:r>
             <a:r>
-              <a:rPr lang="sv-SE" dirty="0"/>
+              <a:rPr lang="sv-SE" dirty="0">
+                <a:solidFill>
+                  <a:schemeClr val="accent1">
+                    <a:lumMod val="75000"/>
+                  </a:schemeClr>
+                </a:solidFill>
+              </a:rPr>
               <a:t>().</a:t>
             </a:r>
             <a:r>
-              <a:rPr lang="sv-SE" dirty="0" err="1"/>
+              <a:rPr lang="sv-SE" dirty="0" err="1">
+                <a:solidFill>
+                  <a:schemeClr val="accent1">
+                    <a:lumMod val="75000"/>
+                  </a:schemeClr>
+                </a:solidFill>
+              </a:rPr>
               <a:t>strength</a:t>
             </a:r>
             <a:r>
-              <a:rPr lang="sv-SE" dirty="0"/>
+              <a:rPr lang="sv-SE" dirty="0">
+                <a:solidFill>
+                  <a:schemeClr val="accent1">
+                    <a:lumMod val="75000"/>
+                  </a:schemeClr>
+                </a:solidFill>
+              </a:rPr>
               <a:t> &lt; 1);</a:t>
             </a:r>
           </a:p>
@@ -24177,71 +25886,161 @@
               <a:buNone/>
             </a:pPr>
             <a:r>
-              <a:rPr lang="en-US" dirty="0"/>
+              <a:rPr lang="en-US" dirty="0">
+                <a:solidFill>
+                  <a:schemeClr val="accent1">
+                    <a:lumMod val="75000"/>
+                  </a:schemeClr>
+                </a:solidFill>
+              </a:rPr>
               <a:t>}</a:t>
             </a:r>
-            <a:endParaRPr lang="sv-SE" dirty="0"/>
+            <a:endParaRPr lang="sv-SE" dirty="0">
+              <a:solidFill>
+                <a:schemeClr val="accent1">
+                  <a:lumMod val="75000"/>
+                </a:schemeClr>
+              </a:solidFill>
+            </a:endParaRPr>
           </a:p>
           <a:p>
             <a:pPr marL="0" indent="0">
               <a:buNone/>
             </a:pPr>
             <a:r>
-              <a:rPr lang="en-US" dirty="0"/>
+              <a:rPr lang="en-US" dirty="0">
+                <a:solidFill>
+                  <a:schemeClr val="accent1">
+                    <a:lumMod val="75000"/>
+                  </a:schemeClr>
+                </a:solidFill>
+              </a:rPr>
               <a:t> </a:t>
             </a:r>
-            <a:endParaRPr lang="sv-SE" dirty="0"/>
+            <a:endParaRPr lang="sv-SE" dirty="0">
+              <a:solidFill>
+                <a:schemeClr val="accent1">
+                  <a:lumMod val="75000"/>
+                </a:schemeClr>
+              </a:solidFill>
+            </a:endParaRPr>
           </a:p>
           <a:p>
             <a:pPr marL="0" indent="0">
               <a:buNone/>
             </a:pPr>
             <a:r>
-              <a:rPr lang="en-US" dirty="0"/>
+              <a:rPr lang="en-US" dirty="0">
+                <a:solidFill>
+                  <a:schemeClr val="accent1">
+                    <a:lumMod val="75000"/>
+                  </a:schemeClr>
+                </a:solidFill>
+              </a:rPr>
               <a:t>@Test</a:t>
             </a:r>
-            <a:endParaRPr lang="sv-SE" dirty="0"/>
+            <a:endParaRPr lang="sv-SE" dirty="0">
+              <a:solidFill>
+                <a:schemeClr val="accent1">
+                  <a:lumMod val="75000"/>
+                </a:schemeClr>
+              </a:solidFill>
+            </a:endParaRPr>
           </a:p>
           <a:p>
             <a:pPr marL="0" indent="0">
               <a:buNone/>
             </a:pPr>
             <a:r>
-              <a:rPr lang="en-US" dirty="0"/>
+              <a:rPr lang="en-US" dirty="0">
+                <a:solidFill>
+                  <a:schemeClr val="accent1">
+                    <a:lumMod val="75000"/>
+                  </a:schemeClr>
+                </a:solidFill>
+              </a:rPr>
               <a:t>public void setEquipment_addEquipment_strengthNotHigherThan100() {</a:t>
             </a:r>
-            <a:endParaRPr lang="sv-SE" dirty="0"/>
+            <a:endParaRPr lang="sv-SE" dirty="0">
+              <a:solidFill>
+                <a:schemeClr val="accent1">
+                  <a:lumMod val="75000"/>
+                </a:schemeClr>
+              </a:solidFill>
+            </a:endParaRPr>
           </a:p>
           <a:p>
             <a:pPr marL="0" indent="0">
               <a:buNone/>
             </a:pPr>
             <a:r>
-              <a:rPr lang="sv-SE" dirty="0"/>
-              <a:t>	</a:t>
-            </a:r>
-            <a:r>
-              <a:rPr lang="sv-SE" dirty="0" err="1"/>
+              <a:rPr lang="sv-SE" dirty="0">
+                <a:solidFill>
+                  <a:schemeClr val="accent1">
+                    <a:lumMod val="75000"/>
+                  </a:schemeClr>
+                </a:solidFill>
+              </a:rPr>
+              <a:t>    </a:t>
+            </a:r>
+            <a:r>
+              <a:rPr lang="sv-SE" dirty="0" err="1">
+                <a:solidFill>
+                  <a:schemeClr val="accent1">
+                    <a:lumMod val="75000"/>
+                  </a:schemeClr>
+                </a:solidFill>
+              </a:rPr>
               <a:t>assertFalse</a:t>
             </a:r>
             <a:r>
-              <a:rPr lang="sv-SE" dirty="0"/>
+              <a:rPr lang="sv-SE" dirty="0">
+                <a:solidFill>
+                  <a:schemeClr val="accent1">
+                    <a:lumMod val="75000"/>
+                  </a:schemeClr>
+                </a:solidFill>
+              </a:rPr>
               <a:t>(</a:t>
             </a:r>
             <a:r>
-              <a:rPr lang="sv-SE" dirty="0" err="1"/>
+              <a:rPr lang="sv-SE" dirty="0" err="1">
+                <a:solidFill>
+                  <a:schemeClr val="accent1">
+                    <a:lumMod val="75000"/>
+                  </a:schemeClr>
+                </a:solidFill>
+              </a:rPr>
               <a:t>monster.getEquipment</a:t>
             </a:r>
             <a:r>
-              <a:rPr lang="sv-SE" dirty="0"/>
+              <a:rPr lang="sv-SE" dirty="0">
+                <a:solidFill>
+                  <a:schemeClr val="accent1">
+                    <a:lumMod val="75000"/>
+                  </a:schemeClr>
+                </a:solidFill>
+              </a:rPr>
               <a:t>().</a:t>
             </a:r>
             <a:r>
-              <a:rPr lang="sv-SE" dirty="0" err="1"/>
+              <a:rPr lang="sv-SE" dirty="0" err="1">
+                <a:solidFill>
+                  <a:schemeClr val="accent1">
+                    <a:lumMod val="75000"/>
+                  </a:schemeClr>
+                </a:solidFill>
+              </a:rPr>
               <a:t>strength</a:t>
             </a:r>
             <a:r>
-              <a:rPr lang="sv-SE" dirty="0"/>
+              <a:rPr lang="sv-SE" dirty="0">
+                <a:solidFill>
+                  <a:schemeClr val="accent1">
+                    <a:lumMod val="75000"/>
+                  </a:schemeClr>
+                </a:solidFill>
+              </a:rPr>
               <a:t> &gt; 100);</a:t>
             </a:r>
           </a:p>
@@ -24250,7 +26049,13 @@
               <a:buNone/>
             </a:pPr>
             <a:r>
-              <a:rPr lang="sv-SE" dirty="0"/>
+              <a:rPr lang="sv-SE" dirty="0">
+                <a:solidFill>
+                  <a:schemeClr val="accent1">
+                    <a:lumMod val="75000"/>
+                  </a:schemeClr>
+                </a:solidFill>
+              </a:rPr>
               <a:t>}</a:t>
             </a:r>
           </a:p>
@@ -24258,7 +26063,13 @@
             <a:pPr marL="0" indent="0">
               <a:buNone/>
             </a:pPr>
-            <a:endParaRPr lang="sv-SE" dirty="0"/>
+            <a:endParaRPr lang="sv-SE" dirty="0">
+              <a:solidFill>
+                <a:schemeClr val="accent1">
+                  <a:lumMod val="75000"/>
+                </a:schemeClr>
+              </a:solidFill>
+            </a:endParaRPr>
           </a:p>
         </p:txBody>
       </p:sp>
@@ -24305,23 +26116,53 @@
               <a:buNone/>
             </a:pPr>
             <a:r>
-              <a:rPr lang="sv-SE" dirty="0"/>
+              <a:rPr lang="sv-SE" dirty="0">
+                <a:solidFill>
+                  <a:schemeClr val="accent1">
+                    <a:lumMod val="75000"/>
+                  </a:schemeClr>
+                </a:solidFill>
+              </a:rPr>
               <a:t>private </a:t>
             </a:r>
             <a:r>
-              <a:rPr lang="sv-SE" dirty="0" err="1"/>
+              <a:rPr lang="sv-SE" dirty="0" err="1">
+                <a:solidFill>
+                  <a:schemeClr val="accent1">
+                    <a:lumMod val="75000"/>
+                  </a:schemeClr>
+                </a:solidFill>
+              </a:rPr>
               <a:t>void</a:t>
             </a:r>
             <a:r>
-              <a:rPr lang="sv-SE" dirty="0"/>
+              <a:rPr lang="sv-SE" dirty="0">
+                <a:solidFill>
+                  <a:schemeClr val="accent1">
+                    <a:lumMod val="75000"/>
+                  </a:schemeClr>
+                </a:solidFill>
+              </a:rPr>
               <a:t> </a:t>
             </a:r>
             <a:r>
-              <a:rPr lang="sv-SE" dirty="0" err="1"/>
+              <a:rPr lang="sv-SE" dirty="0" err="1">
+                <a:solidFill>
+                  <a:schemeClr val="accent1">
+                    <a:lumMod val="75000"/>
+                  </a:schemeClr>
+                </a:solidFill>
+              </a:rPr>
               <a:t>setEquipment</a:t>
             </a:r>
             <a:r>
-              <a:rPr lang="sv-SE" dirty="0"/>
+              <a:rPr lang="sv-SE" dirty="0">
+                <a:solidFill>
+                  <a:schemeClr val="accent1">
+                    <a:lumMod val="75000"/>
+                  </a:schemeClr>
+                </a:solidFill>
+              </a:rPr>
               <a:t>() {</a:t>
             </a:r>
           </a:p>
@@ -24330,97 +26171,229 @@
               <a:buNone/>
             </a:pPr>
             <a:r>
-              <a:rPr lang="en-US" dirty="0"/>
+              <a:rPr lang="en-US" dirty="0">
+                <a:solidFill>
+                  <a:schemeClr val="accent1">
+                    <a:lumMod val="75000"/>
+                  </a:schemeClr>
+                </a:solidFill>
+              </a:rPr>
               <a:t>        </a:t>
             </a:r>
             <a:r>
-              <a:rPr lang="en-US" dirty="0" err="1"/>
+              <a:rPr lang="en-US" dirty="0" err="1">
+                <a:solidFill>
+                  <a:schemeClr val="accent1">
+                    <a:lumMod val="75000"/>
+                  </a:schemeClr>
+                </a:solidFill>
+              </a:rPr>
               <a:t>int</a:t>
             </a:r>
             <a:r>
-              <a:rPr lang="en-US" dirty="0"/>
+              <a:rPr lang="en-US" dirty="0">
+                <a:solidFill>
+                  <a:schemeClr val="accent1">
+                    <a:lumMod val="75000"/>
+                  </a:schemeClr>
+                </a:solidFill>
+              </a:rPr>
               <a:t> </a:t>
             </a:r>
             <a:r>
-              <a:rPr lang="en-US" dirty="0" err="1"/>
+              <a:rPr lang="en-US" dirty="0" err="1">
+                <a:solidFill>
+                  <a:schemeClr val="accent1">
+                    <a:lumMod val="75000"/>
+                  </a:schemeClr>
+                </a:solidFill>
+              </a:rPr>
               <a:t>equipmentStrength</a:t>
             </a:r>
             <a:r>
-              <a:rPr lang="en-US" dirty="0"/>
+              <a:rPr lang="en-US" dirty="0">
+                <a:solidFill>
+                  <a:schemeClr val="accent1">
+                    <a:lumMod val="75000"/>
+                  </a:schemeClr>
+                </a:solidFill>
+              </a:rPr>
               <a:t> = (</a:t>
             </a:r>
             <a:r>
-              <a:rPr lang="en-US" dirty="0" err="1"/>
+              <a:rPr lang="en-US" dirty="0" err="1">
+                <a:solidFill>
+                  <a:schemeClr val="accent1">
+                    <a:lumMod val="75000"/>
+                  </a:schemeClr>
+                </a:solidFill>
+              </a:rPr>
               <a:t>int</a:t>
             </a:r>
             <a:r>
-              <a:rPr lang="en-US" dirty="0"/>
+              <a:rPr lang="en-US" dirty="0">
+                <a:solidFill>
+                  <a:schemeClr val="accent1">
+                    <a:lumMod val="75000"/>
+                  </a:schemeClr>
+                </a:solidFill>
+              </a:rPr>
               <a:t>) ((100 * </a:t>
             </a:r>
             <a:r>
-              <a:rPr lang="en-US" dirty="0" err="1"/>
+              <a:rPr lang="en-US" dirty="0" err="1">
+                <a:solidFill>
+                  <a:schemeClr val="accent1">
+                    <a:lumMod val="75000"/>
+                  </a:schemeClr>
+                </a:solidFill>
+              </a:rPr>
               <a:t>Math.random</a:t>
             </a:r>
             <a:r>
-              <a:rPr lang="en-US" dirty="0"/>
+              <a:rPr lang="en-US" dirty="0">
+                <a:solidFill>
+                  <a:schemeClr val="accent1">
+                    <a:lumMod val="75000"/>
+                  </a:schemeClr>
+                </a:solidFill>
+              </a:rPr>
               <a:t>()) + 1);</a:t>
             </a:r>
-            <a:endParaRPr lang="sv-SE" dirty="0"/>
+            <a:endParaRPr lang="sv-SE" dirty="0">
+              <a:solidFill>
+                <a:schemeClr val="accent1">
+                  <a:lumMod val="75000"/>
+                </a:schemeClr>
+              </a:solidFill>
+            </a:endParaRPr>
           </a:p>
           <a:p>
             <a:pPr marL="0" indent="0">
               <a:buNone/>
             </a:pPr>
             <a:r>
-              <a:rPr lang="en-US" dirty="0"/>
+              <a:rPr lang="en-US" dirty="0">
+                <a:solidFill>
+                  <a:schemeClr val="accent1">
+                    <a:lumMod val="75000"/>
+                  </a:schemeClr>
+                </a:solidFill>
+              </a:rPr>
               <a:t>        if (</a:t>
             </a:r>
             <a:r>
-              <a:rPr lang="en-US" dirty="0" err="1"/>
+              <a:rPr lang="en-US" dirty="0" err="1">
+                <a:solidFill>
+                  <a:schemeClr val="accent1">
+                    <a:lumMod val="75000"/>
+                  </a:schemeClr>
+                </a:solidFill>
+              </a:rPr>
               <a:t>equipmentStrength</a:t>
             </a:r>
             <a:r>
-              <a:rPr lang="en-US" dirty="0"/>
+              <a:rPr lang="en-US" dirty="0">
+                <a:solidFill>
+                  <a:schemeClr val="accent1">
+                    <a:lumMod val="75000"/>
+                  </a:schemeClr>
+                </a:solidFill>
+              </a:rPr>
               <a:t> % 2 != 0) {</a:t>
             </a:r>
-            <a:endParaRPr lang="sv-SE" dirty="0"/>
+            <a:endParaRPr lang="sv-SE" dirty="0">
+              <a:solidFill>
+                <a:schemeClr val="accent1">
+                  <a:lumMod val="75000"/>
+                </a:schemeClr>
+              </a:solidFill>
+            </a:endParaRPr>
           </a:p>
           <a:p>
             <a:pPr marL="0" indent="0">
               <a:buNone/>
             </a:pPr>
             <a:r>
-              <a:rPr lang="en-US" dirty="0"/>
+              <a:rPr lang="en-US" dirty="0">
+                <a:solidFill>
+                  <a:schemeClr val="accent1">
+                    <a:lumMod val="75000"/>
+                  </a:schemeClr>
+                </a:solidFill>
+              </a:rPr>
               <a:t>            </a:t>
             </a:r>
             <a:r>
-              <a:rPr lang="en-US" dirty="0" err="1"/>
+              <a:rPr lang="en-US" dirty="0" err="1">
+                <a:solidFill>
+                  <a:schemeClr val="accent1">
+                    <a:lumMod val="75000"/>
+                  </a:schemeClr>
+                </a:solidFill>
+              </a:rPr>
               <a:t>inventory.addItem</a:t>
             </a:r>
             <a:r>
-              <a:rPr lang="en-US" dirty="0"/>
+              <a:rPr lang="en-US" dirty="0">
+                <a:solidFill>
+                  <a:schemeClr val="accent1">
+                    <a:lumMod val="75000"/>
+                  </a:schemeClr>
+                </a:solidFill>
+              </a:rPr>
               <a:t>(new Weapon(</a:t>
             </a:r>
             <a:r>
-              <a:rPr lang="en-US" dirty="0" err="1"/>
+              <a:rPr lang="en-US" dirty="0" err="1">
+                <a:solidFill>
+                  <a:schemeClr val="accent1">
+                    <a:lumMod val="75000"/>
+                  </a:schemeClr>
+                </a:solidFill>
+              </a:rPr>
               <a:t>equipmentStrength</a:t>
             </a:r>
             <a:r>
-              <a:rPr lang="en-US" dirty="0"/>
+              <a:rPr lang="en-US" dirty="0">
+                <a:solidFill>
+                  <a:schemeClr val="accent1">
+                    <a:lumMod val="75000"/>
+                  </a:schemeClr>
+                </a:solidFill>
+              </a:rPr>
               <a:t>));</a:t>
             </a:r>
-            <a:endParaRPr lang="sv-SE" dirty="0"/>
+            <a:endParaRPr lang="sv-SE" dirty="0">
+              <a:solidFill>
+                <a:schemeClr val="accent1">
+                  <a:lumMod val="75000"/>
+                </a:schemeClr>
+              </a:solidFill>
+            </a:endParaRPr>
           </a:p>
           <a:p>
             <a:pPr marL="0" indent="0">
               <a:buNone/>
             </a:pPr>
             <a:r>
-              <a:rPr lang="en-US" dirty="0"/>
+              <a:rPr lang="en-US" dirty="0">
+                <a:solidFill>
+                  <a:schemeClr val="accent1">
+                    <a:lumMod val="75000"/>
+                  </a:schemeClr>
+                </a:solidFill>
+              </a:rPr>
               <a:t>        </a:t>
             </a:r>
             <a:r>
-              <a:rPr lang="sv-SE" dirty="0"/>
+              <a:rPr lang="sv-SE" dirty="0">
+                <a:solidFill>
+                  <a:schemeClr val="accent1">
+                    <a:lumMod val="75000"/>
+                  </a:schemeClr>
+                </a:solidFill>
+              </a:rPr>
               <a:t>}</a:t>
             </a:r>
           </a:p>
@@ -24429,47 +26402,126 @@
               <a:buNone/>
             </a:pPr>
             <a:r>
-              <a:rPr lang="en-US" dirty="0"/>
+              <a:rPr lang="en-US" dirty="0">
+                <a:solidFill>
+                  <a:schemeClr val="accent1">
+                    <a:lumMod val="75000"/>
+                  </a:schemeClr>
+                </a:solidFill>
+              </a:rPr>
               <a:t>        else {</a:t>
             </a:r>
-            <a:endParaRPr lang="sv-SE" dirty="0"/>
+            <a:endParaRPr lang="sv-SE" dirty="0">
+              <a:solidFill>
+                <a:schemeClr val="accent1">
+                  <a:lumMod val="75000"/>
+                </a:schemeClr>
+              </a:solidFill>
+            </a:endParaRPr>
           </a:p>
           <a:p>
             <a:pPr marL="0" indent="0">
               <a:buNone/>
             </a:pPr>
             <a:r>
-              <a:rPr lang="en-US" dirty="0"/>
+              <a:rPr lang="en-US" dirty="0">
+                <a:solidFill>
+                  <a:schemeClr val="accent1">
+                    <a:lumMod val="75000"/>
+                  </a:schemeClr>
+                </a:solidFill>
+              </a:rPr>
               <a:t>            </a:t>
             </a:r>
             <a:r>
-              <a:rPr lang="en-US" dirty="0" err="1"/>
+              <a:rPr lang="en-US" dirty="0" err="1">
+                <a:solidFill>
+                  <a:schemeClr val="accent1">
+                    <a:lumMod val="75000"/>
+                  </a:schemeClr>
+                </a:solidFill>
+              </a:rPr>
               <a:t>inventory.addItem</a:t>
             </a:r>
             <a:r>
-              <a:rPr lang="en-US" dirty="0"/>
+              <a:rPr lang="en-US" dirty="0">
+                <a:solidFill>
+                  <a:schemeClr val="accent1">
+                    <a:lumMod val="75000"/>
+                  </a:schemeClr>
+                </a:solidFill>
+              </a:rPr>
               <a:t>(new Armor(</a:t>
             </a:r>
             <a:r>
-              <a:rPr lang="en-US" dirty="0" err="1"/>
+              <a:rPr lang="en-US" dirty="0" err="1">
+                <a:solidFill>
+                  <a:schemeClr val="accent1">
+                    <a:lumMod val="75000"/>
+                  </a:schemeClr>
+                </a:solidFill>
+              </a:rPr>
               <a:t>equipmentStrength</a:t>
             </a:r>
             <a:r>
-              <a:rPr lang="en-US" dirty="0"/>
+              <a:rPr lang="en-US" dirty="0">
+                <a:solidFill>
+                  <a:schemeClr val="accent1">
+                    <a:lumMod val="75000"/>
+                  </a:schemeClr>
+                </a:solidFill>
+              </a:rPr>
               <a:t>));</a:t>
             </a:r>
-            <a:endParaRPr lang="sv-SE" dirty="0"/>
+            <a:endParaRPr lang="sv-SE" dirty="0">
+              <a:solidFill>
+                <a:schemeClr val="accent1">
+                  <a:lumMod val="75000"/>
+                </a:schemeClr>
+              </a:solidFill>
+            </a:endParaRPr>
           </a:p>
           <a:p>
             <a:pPr marL="0" indent="0">
               <a:buNone/>
             </a:pPr>
             <a:r>
-              <a:rPr lang="en-US" dirty="0"/>
-              <a:t>        </a:t>
-            </a:r>
-            <a:r>
-              <a:rPr lang="sv-SE" dirty="0"/>
+              <a:rPr lang="en-US" dirty="0">
+                <a:solidFill>
+                  <a:schemeClr val="accent1">
+                    <a:lumMod val="75000"/>
+                  </a:schemeClr>
+                </a:solidFill>
+              </a:rPr>
+              <a:t>       </a:t>
+            </a:r>
+            <a:r>
+              <a:rPr lang="sv-SE" dirty="0">
+                <a:solidFill>
+                  <a:schemeClr val="accent1">
+                    <a:lumMod val="75000"/>
+                  </a:schemeClr>
+                </a:solidFill>
+              </a:rPr>
+              <a:t>}</a:t>
+            </a:r>
+            <a:br>
+              <a:rPr lang="sv-SE" dirty="0">
+                <a:solidFill>
+                  <a:schemeClr val="accent1">
+                    <a:lumMod val="75000"/>
+                  </a:schemeClr>
+                </a:solidFill>
+              </a:rPr>
+            </a:br>
+            <a:r>
+              <a:rPr lang="sv-SE" dirty="0">
+                <a:solidFill>
+                  <a:schemeClr val="accent1">
+                    <a:lumMod val="75000"/>
+                  </a:schemeClr>
+                </a:solidFill>
+              </a:rPr>
               <a:t>}</a:t>
             </a:r>
           </a:p>
@@ -24477,7 +26529,13 @@
             <a:pPr marL="0" indent="0">
               <a:buNone/>
             </a:pPr>
-            <a:endParaRPr lang="sv-SE" dirty="0"/>
+            <a:endParaRPr lang="sv-SE" dirty="0">
+              <a:solidFill>
+                <a:schemeClr val="accent1">
+                  <a:lumMod val="75000"/>
+                </a:schemeClr>
+              </a:solidFill>
+            </a:endParaRPr>
           </a:p>
         </p:txBody>
       </p:sp>
@@ -24572,7 +26630,7 @@
         <p:spPr>
           <a:xfrm>
             <a:off x="839788" y="2505075"/>
-            <a:ext cx="5157787" cy="2002757"/>
+            <a:ext cx="5332412" cy="2002757"/>
           </a:xfrm>
         </p:spPr>
         <p:txBody>
@@ -24585,8 +26643,73 @@
               <a:buNone/>
             </a:pPr>
             <a:r>
-              <a:rPr lang="sv-SE" sz="1600" dirty="0"/>
+              <a:rPr lang="sv-SE" sz="1600" dirty="0">
+                <a:solidFill>
+                  <a:schemeClr val="accent1">
+                    <a:lumMod val="75000"/>
+                  </a:schemeClr>
+                </a:solidFill>
+              </a:rPr>
               <a:t>@Test</a:t>
+            </a:r>
+            <a:br>
+              <a:rPr lang="sv-SE" sz="1600" dirty="0">
+                <a:solidFill>
+                  <a:schemeClr val="accent1">
+                    <a:lumMod val="75000"/>
+                  </a:schemeClr>
+                </a:solidFill>
+              </a:rPr>
+            </a:br>
+            <a:r>
+              <a:rPr lang="sv-SE" sz="1600" dirty="0">
+                <a:solidFill>
+                  <a:schemeClr val="accent1">
+                    <a:lumMod val="75000"/>
+                  </a:schemeClr>
+                </a:solidFill>
+              </a:rPr>
+              <a:t>public </a:t>
+            </a:r>
+            <a:r>
+              <a:rPr lang="sv-SE" sz="1600" dirty="0" err="1">
+                <a:solidFill>
+                  <a:schemeClr val="accent1">
+                    <a:lumMod val="75000"/>
+                  </a:schemeClr>
+                </a:solidFill>
+              </a:rPr>
+              <a:t>void</a:t>
+            </a:r>
+            <a:r>
+              <a:rPr lang="sv-SE" sz="1600" dirty="0">
+                <a:solidFill>
+                  <a:schemeClr val="accent1">
+                    <a:lumMod val="75000"/>
+                  </a:schemeClr>
+                </a:solidFill>
+              </a:rPr>
+              <a:t> </a:t>
+            </a:r>
+            <a:r>
+              <a:rPr lang="sv-SE" sz="1600" dirty="0" err="1">
+                <a:solidFill>
+                  <a:schemeClr val="accent1">
+                    <a:lumMod val="75000"/>
+                  </a:schemeClr>
+                </a:solidFill>
+              </a:rPr>
+              <a:t>pickUpItem_pickUpWeapon_weaponStoredInInventory</a:t>
+            </a:r>
+            <a:r>
+              <a:rPr lang="sv-SE" sz="1600" dirty="0">
+                <a:solidFill>
+                  <a:schemeClr val="accent1">
+                    <a:lumMod val="75000"/>
+                  </a:schemeClr>
+                </a:solidFill>
+              </a:rPr>
+              <a:t>() {</a:t>
             </a:r>
           </a:p>
           <a:p>
@@ -24594,24 +26717,54 @@
               <a:buNone/>
             </a:pPr>
             <a:r>
-              <a:rPr lang="sv-SE" sz="1600" dirty="0"/>
-              <a:t>public </a:t>
-            </a:r>
-            <a:r>
-              <a:rPr lang="sv-SE" sz="1600" dirty="0" err="1"/>
-              <a:t>void</a:t>
-            </a:r>
-            <a:r>
-              <a:rPr lang="sv-SE" sz="1600" dirty="0"/>
-              <a:t> </a:t>
-            </a:r>
-            <a:r>
-              <a:rPr lang="sv-SE" sz="1600" dirty="0" err="1"/>
-              <a:t>pickUpItem_pickUpWeapon_weaponStoredInInventory</a:t>
-            </a:r>
-            <a:r>
-              <a:rPr lang="sv-SE" sz="1600" dirty="0"/>
-              <a:t>() {</a:t>
+              <a:rPr lang="sv-SE" sz="1600" dirty="0">
+                <a:solidFill>
+                  <a:schemeClr val="accent1">
+                    <a:lumMod val="75000"/>
+                  </a:schemeClr>
+                </a:solidFill>
+              </a:rPr>
+              <a:t>    </a:t>
+            </a:r>
+            <a:r>
+              <a:rPr lang="sv-SE" sz="1600" dirty="0" err="1">
+                <a:solidFill>
+                  <a:schemeClr val="accent1">
+                    <a:lumMod val="75000"/>
+                  </a:schemeClr>
+                </a:solidFill>
+              </a:rPr>
+              <a:t>hero.pickUpItem</a:t>
+            </a:r>
+            <a:r>
+              <a:rPr lang="sv-SE" sz="1600" dirty="0">
+                <a:solidFill>
+                  <a:schemeClr val="accent1">
+                    <a:lumMod val="75000"/>
+                  </a:schemeClr>
+                </a:solidFill>
+              </a:rPr>
+              <a:t>(new </a:t>
+            </a:r>
+            <a:r>
+              <a:rPr lang="sv-SE" sz="1600" dirty="0" err="1">
+                <a:solidFill>
+                  <a:schemeClr val="accent1">
+                    <a:lumMod val="75000"/>
+                  </a:schemeClr>
+                </a:solidFill>
+              </a:rPr>
+              <a:t>Weapon</a:t>
+            </a:r>
+            <a:r>
+              <a:rPr lang="sv-SE" sz="1600" dirty="0">
+                <a:solidFill>
+                  <a:schemeClr val="accent1">
+                    <a:lumMod val="75000"/>
+                  </a:schemeClr>
+                </a:solidFill>
+              </a:rPr>
+              <a:t>(10));</a:t>
             </a:r>
           </a:p>
           <a:p>
@@ -24619,20 +26772,74 @@
               <a:buNone/>
             </a:pPr>
             <a:r>
-              <a:rPr lang="sv-SE" sz="1600" dirty="0" err="1"/>
-              <a:t>hero.pickUpItem</a:t>
-            </a:r>
-            <a:r>
-              <a:rPr lang="sv-SE" sz="1600" dirty="0"/>
+              <a:rPr lang="sv-SE" sz="1600" dirty="0">
+                <a:solidFill>
+                  <a:schemeClr val="accent1">
+                    <a:lumMod val="75000"/>
+                  </a:schemeClr>
+                </a:solidFill>
+              </a:rPr>
+              <a:t>    </a:t>
+            </a:r>
+            <a:r>
+              <a:rPr lang="sv-SE" sz="1600" dirty="0" err="1">
+                <a:solidFill>
+                  <a:schemeClr val="accent1">
+                    <a:lumMod val="75000"/>
+                  </a:schemeClr>
+                </a:solidFill>
+              </a:rPr>
+              <a:t>assertEquals</a:t>
+            </a:r>
+            <a:r>
+              <a:rPr lang="sv-SE" sz="1600" dirty="0">
+                <a:solidFill>
+                  <a:schemeClr val="accent1">
+                    <a:lumMod val="75000"/>
+                  </a:schemeClr>
+                </a:solidFill>
+              </a:rPr>
               <a:t>(new </a:t>
             </a:r>
             <a:r>
-              <a:rPr lang="sv-SE" sz="1600" dirty="0" err="1"/>
+              <a:rPr lang="sv-SE" sz="1600" dirty="0" err="1">
+                <a:solidFill>
+                  <a:schemeClr val="accent1">
+                    <a:lumMod val="75000"/>
+                  </a:schemeClr>
+                </a:solidFill>
+              </a:rPr>
               <a:t>Weapon</a:t>
             </a:r>
             <a:r>
-              <a:rPr lang="sv-SE" sz="1600" dirty="0"/>
-              <a:t>(10));</a:t>
+              <a:rPr lang="sv-SE" sz="1600" dirty="0">
+                <a:solidFill>
+                  <a:schemeClr val="accent1">
+                    <a:lumMod val="75000"/>
+                  </a:schemeClr>
+                </a:solidFill>
+              </a:rPr>
+              <a:t>(10), </a:t>
+            </a:r>
+            <a:r>
+              <a:rPr lang="sv-SE" sz="1600" dirty="0" err="1">
+                <a:solidFill>
+                  <a:schemeClr val="accent1">
+                    <a:lumMod val="75000"/>
+                  </a:schemeClr>
+                </a:solidFill>
+              </a:rPr>
+              <a:t>hero.inventory.getItem</a:t>
+            </a:r>
+            <a:r>
+              <a:rPr lang="sv-SE" sz="1600" dirty="0">
+                <a:solidFill>
+                  <a:schemeClr val="accent1">
+                    <a:lumMod val="75000"/>
+                  </a:schemeClr>
+                </a:solidFill>
+              </a:rPr>
+              <a:t>(0));</a:t>
             </a:r>
           </a:p>
           <a:p>
@@ -24640,36 +26847,13 @@
               <a:buNone/>
             </a:pPr>
             <a:r>
-              <a:rPr lang="sv-SE" sz="1600" dirty="0" err="1"/>
-              <a:t>assertEquals</a:t>
-            </a:r>
-            <a:r>
-              <a:rPr lang="sv-SE" sz="1600" dirty="0"/>
-              <a:t>(new </a:t>
-            </a:r>
-            <a:r>
-              <a:rPr lang="sv-SE" sz="1600" dirty="0" err="1"/>
-              <a:t>Weapon</a:t>
-            </a:r>
-            <a:r>
-              <a:rPr lang="sv-SE" sz="1600" dirty="0"/>
-              <a:t>(10), </a:t>
-            </a:r>
-            <a:r>
-              <a:rPr lang="sv-SE" sz="1600" dirty="0" err="1"/>
-              <a:t>hero.inventory.getItem</a:t>
-            </a:r>
-            <a:r>
-              <a:rPr lang="sv-SE" sz="1600" dirty="0"/>
-              <a:t>(0));</a:t>
-            </a:r>
-          </a:p>
-          <a:p>
-            <a:pPr marL="0" indent="0">
-              <a:buNone/>
-            </a:pPr>
-            <a:r>
-              <a:rPr lang="sv-SE" sz="1600" dirty="0"/>
+              <a:rPr lang="sv-SE" sz="1600" dirty="0">
+                <a:solidFill>
+                  <a:schemeClr val="accent1">
+                    <a:lumMod val="75000"/>
+                  </a:schemeClr>
+                </a:solidFill>
+              </a:rPr>
               <a:t>}</a:t>
             </a:r>
           </a:p>
@@ -24723,31 +26907,73 @@
               <a:buNone/>
             </a:pPr>
             <a:r>
-              <a:rPr lang="sv-SE" sz="1600" dirty="0"/>
+              <a:rPr lang="sv-SE" sz="1600" dirty="0">
+                <a:solidFill>
+                  <a:schemeClr val="accent1">
+                    <a:lumMod val="75000"/>
+                  </a:schemeClr>
+                </a:solidFill>
+              </a:rPr>
               <a:t>public </a:t>
             </a:r>
             <a:r>
-              <a:rPr lang="sv-SE" sz="1600" dirty="0" err="1"/>
+              <a:rPr lang="sv-SE" sz="1600" dirty="0" err="1">
+                <a:solidFill>
+                  <a:schemeClr val="accent1">
+                    <a:lumMod val="75000"/>
+                  </a:schemeClr>
+                </a:solidFill>
+              </a:rPr>
               <a:t>void</a:t>
             </a:r>
             <a:r>
-              <a:rPr lang="sv-SE" sz="1600" dirty="0"/>
+              <a:rPr lang="sv-SE" sz="1600" dirty="0">
+                <a:solidFill>
+                  <a:schemeClr val="accent1">
+                    <a:lumMod val="75000"/>
+                  </a:schemeClr>
+                </a:solidFill>
+              </a:rPr>
               <a:t> </a:t>
             </a:r>
             <a:r>
-              <a:rPr lang="sv-SE" sz="1600" dirty="0" err="1"/>
+              <a:rPr lang="sv-SE" sz="1600" dirty="0" err="1">
+                <a:solidFill>
+                  <a:schemeClr val="accent1">
+                    <a:lumMod val="75000"/>
+                  </a:schemeClr>
+                </a:solidFill>
+              </a:rPr>
               <a:t>pickUpItem</a:t>
             </a:r>
             <a:r>
-              <a:rPr lang="sv-SE" sz="1600" dirty="0"/>
+              <a:rPr lang="sv-SE" sz="1600" dirty="0">
+                <a:solidFill>
+                  <a:schemeClr val="accent1">
+                    <a:lumMod val="75000"/>
+                  </a:schemeClr>
+                </a:solidFill>
+              </a:rPr>
               <a:t>(</a:t>
             </a:r>
             <a:r>
-              <a:rPr lang="sv-SE" sz="1600" dirty="0" err="1"/>
+              <a:rPr lang="sv-SE" sz="1600" dirty="0" err="1">
+                <a:solidFill>
+                  <a:schemeClr val="accent1">
+                    <a:lumMod val="75000"/>
+                  </a:schemeClr>
+                </a:solidFill>
+              </a:rPr>
               <a:t>Object</a:t>
             </a:r>
             <a:r>
-              <a:rPr lang="sv-SE" sz="1600" dirty="0"/>
+              <a:rPr lang="sv-SE" sz="1600" dirty="0">
+                <a:solidFill>
+                  <a:schemeClr val="accent1">
+                    <a:lumMod val="75000"/>
+                  </a:schemeClr>
+                </a:solidFill>
+              </a:rPr>
               <a:t> item) {</a:t>
             </a:r>
           </a:p>
@@ -24756,7 +26982,13 @@
               <a:buNone/>
             </a:pPr>
             <a:r>
-              <a:rPr lang="sv-SE" sz="1600" dirty="0"/>
+              <a:rPr lang="sv-SE" sz="1600" dirty="0">
+                <a:solidFill>
+                  <a:schemeClr val="accent1">
+                    <a:lumMod val="75000"/>
+                  </a:schemeClr>
+                </a:solidFill>
+              </a:rPr>
               <a:t>…</a:t>
             </a:r>
           </a:p>
@@ -24765,27 +26997,63 @@
               <a:buNone/>
             </a:pPr>
             <a:r>
-              <a:rPr lang="sv-SE" sz="1600" dirty="0" err="1"/>
+              <a:rPr lang="sv-SE" sz="1600" dirty="0" err="1">
+                <a:solidFill>
+                  <a:schemeClr val="accent1">
+                    <a:lumMod val="75000"/>
+                  </a:schemeClr>
+                </a:solidFill>
+              </a:rPr>
               <a:t>else</a:t>
             </a:r>
             <a:r>
-              <a:rPr lang="sv-SE" sz="1600" dirty="0"/>
+              <a:rPr lang="sv-SE" sz="1600" dirty="0">
+                <a:solidFill>
+                  <a:schemeClr val="accent1">
+                    <a:lumMod val="75000"/>
+                  </a:schemeClr>
+                </a:solidFill>
+              </a:rPr>
               <a:t> </a:t>
             </a:r>
             <a:r>
-              <a:rPr lang="sv-SE" sz="1600" dirty="0" err="1"/>
+              <a:rPr lang="sv-SE" sz="1600" dirty="0" err="1">
+                <a:solidFill>
+                  <a:schemeClr val="accent1">
+                    <a:lumMod val="75000"/>
+                  </a:schemeClr>
+                </a:solidFill>
+              </a:rPr>
               <a:t>if</a:t>
             </a:r>
             <a:r>
-              <a:rPr lang="sv-SE" sz="1600" dirty="0"/>
+              <a:rPr lang="sv-SE" sz="1600" dirty="0">
+                <a:solidFill>
+                  <a:schemeClr val="accent1">
+                    <a:lumMod val="75000"/>
+                  </a:schemeClr>
+                </a:solidFill>
+              </a:rPr>
               <a:t> (item </a:t>
             </a:r>
             <a:r>
-              <a:rPr lang="sv-SE" sz="1600" dirty="0" err="1"/>
+              <a:rPr lang="sv-SE" sz="1600" dirty="0" err="1">
+                <a:solidFill>
+                  <a:schemeClr val="accent1">
+                    <a:lumMod val="75000"/>
+                  </a:schemeClr>
+                </a:solidFill>
+              </a:rPr>
               <a:t>instanceof</a:t>
             </a:r>
             <a:r>
-              <a:rPr lang="sv-SE" sz="1600" dirty="0"/>
+              <a:rPr lang="sv-SE" sz="1600" dirty="0">
+                <a:solidFill>
+                  <a:schemeClr val="accent1">
+                    <a:lumMod val="75000"/>
+                  </a:schemeClr>
+                </a:solidFill>
+              </a:rPr>
               <a:t> Equipment) {</a:t>
             </a:r>
           </a:p>
@@ -24794,15 +27062,33 @@
               <a:buNone/>
             </a:pPr>
             <a:r>
-              <a:rPr lang="sv-SE" sz="1600" dirty="0"/>
+              <a:rPr lang="sv-SE" sz="1600" dirty="0">
+                <a:solidFill>
+                  <a:schemeClr val="accent1">
+                    <a:lumMod val="75000"/>
+                  </a:schemeClr>
+                </a:solidFill>
+              </a:rPr>
               <a:t>    </a:t>
             </a:r>
             <a:r>
-              <a:rPr lang="sv-SE" sz="1600" dirty="0" err="1"/>
+              <a:rPr lang="sv-SE" sz="1600" dirty="0" err="1">
+                <a:solidFill>
+                  <a:schemeClr val="accent1">
+                    <a:lumMod val="75000"/>
+                  </a:schemeClr>
+                </a:solidFill>
+              </a:rPr>
               <a:t>inventory.addItem</a:t>
             </a:r>
             <a:r>
-              <a:rPr lang="sv-SE" sz="1600" dirty="0"/>
+              <a:rPr lang="sv-SE" sz="1600" dirty="0">
+                <a:solidFill>
+                  <a:schemeClr val="accent1">
+                    <a:lumMod val="75000"/>
+                  </a:schemeClr>
+                </a:solidFill>
+              </a:rPr>
               <a:t>((Equipment) item);</a:t>
             </a:r>
           </a:p>
@@ -24811,7 +27097,13 @@
               <a:buNone/>
             </a:pPr>
             <a:r>
-              <a:rPr lang="sv-SE" sz="1600" dirty="0"/>
+              <a:rPr lang="sv-SE" sz="1600" dirty="0">
+                <a:solidFill>
+                  <a:schemeClr val="accent1">
+                    <a:lumMod val="75000"/>
+                  </a:schemeClr>
+                </a:solidFill>
+              </a:rPr>
               <a:t>}</a:t>
             </a:r>
           </a:p>
@@ -24882,7 +27174,12 @@
             <p:ph type="body" idx="1"/>
           </p:nvPr>
         </p:nvSpPr>
-        <p:spPr/>
+        <p:spPr>
+          <a:xfrm>
+            <a:off x="836612" y="1470903"/>
+            <a:ext cx="5157787" cy="823912"/>
+          </a:xfrm>
+        </p:spPr>
         <p:txBody>
           <a:bodyPr/>
           <a:lstStyle/>
@@ -24921,7 +27218,7 @@
         </p:spPr>
         <p:txBody>
           <a:bodyPr>
-            <a:normAutofit/>
+            <a:noAutofit/>
           </a:bodyPr>
           <a:lstStyle/>
           <a:p>
@@ -24929,137 +27226,347 @@
               <a:buNone/>
             </a:pPr>
             <a:r>
-              <a:rPr lang="sv-SE" sz="1200" dirty="0"/>
+              <a:rPr lang="sv-SE" sz="1600" dirty="0">
+                <a:solidFill>
+                  <a:schemeClr val="accent1">
+                    <a:lumMod val="75000"/>
+                  </a:schemeClr>
+                </a:solidFill>
+              </a:rPr>
               <a:t>@Test</a:t>
             </a:r>
             <a:br>
-              <a:rPr lang="sv-SE" sz="1200" dirty="0"/>
+              <a:rPr lang="sv-SE" sz="1600" dirty="0">
+                <a:solidFill>
+                  <a:schemeClr val="accent1">
+                    <a:lumMod val="75000"/>
+                  </a:schemeClr>
+                </a:solidFill>
+              </a:rPr>
             </a:br>
             <a:r>
-              <a:rPr lang="sv-SE" sz="1200" dirty="0"/>
+              <a:rPr lang="sv-SE" sz="1600" dirty="0">
+                <a:solidFill>
+                  <a:schemeClr val="accent1">
+                    <a:lumMod val="75000"/>
+                  </a:schemeClr>
+                </a:solidFill>
+              </a:rPr>
               <a:t>public </a:t>
             </a:r>
             <a:r>
-              <a:rPr lang="sv-SE" sz="1200" dirty="0" err="1"/>
+              <a:rPr lang="sv-SE" sz="1600" dirty="0" err="1">
+                <a:solidFill>
+                  <a:schemeClr val="accent1">
+                    <a:lumMod val="75000"/>
+                  </a:schemeClr>
+                </a:solidFill>
+              </a:rPr>
               <a:t>void</a:t>
             </a:r>
             <a:r>
-              <a:rPr lang="sv-SE" sz="1200" dirty="0"/>
+              <a:rPr lang="sv-SE" sz="1600" dirty="0">
+                <a:solidFill>
+                  <a:schemeClr val="accent1">
+                    <a:lumMod val="75000"/>
+                  </a:schemeClr>
+                </a:solidFill>
+              </a:rPr>
               <a:t> </a:t>
             </a:r>
             <a:r>
-              <a:rPr lang="sv-SE" sz="1200" dirty="0" err="1"/>
+              <a:rPr lang="sv-SE" sz="1600" dirty="0" err="1">
+                <a:solidFill>
+                  <a:schemeClr val="accent1">
+                    <a:lumMod val="75000"/>
+                  </a:schemeClr>
+                </a:solidFill>
+              </a:rPr>
               <a:t>pickUpItem_threeWeaponsInInventory_equippedWithStrongest</a:t>
             </a:r>
             <a:r>
-              <a:rPr lang="sv-SE" sz="1200" dirty="0"/>
+              <a:rPr lang="sv-SE" sz="1600" dirty="0">
+                <a:solidFill>
+                  <a:schemeClr val="accent1">
+                    <a:lumMod val="75000"/>
+                  </a:schemeClr>
+                </a:solidFill>
+              </a:rPr>
               <a:t>() {</a:t>
             </a:r>
             <a:br>
-              <a:rPr lang="sv-SE" sz="1200" dirty="0"/>
+              <a:rPr lang="sv-SE" sz="1600" dirty="0">
+                <a:solidFill>
+                  <a:schemeClr val="accent1">
+                    <a:lumMod val="75000"/>
+                  </a:schemeClr>
+                </a:solidFill>
+              </a:rPr>
             </a:br>
             <a:r>
-              <a:rPr lang="sv-SE" sz="1200" dirty="0"/>
+              <a:rPr lang="sv-SE" sz="1600" dirty="0">
+                <a:solidFill>
+                  <a:schemeClr val="accent1">
+                    <a:lumMod val="75000"/>
+                  </a:schemeClr>
+                </a:solidFill>
+              </a:rPr>
               <a:t>    </a:t>
             </a:r>
             <a:r>
-              <a:rPr lang="sv-SE" sz="1200" dirty="0" err="1"/>
+              <a:rPr lang="sv-SE" sz="1600" dirty="0" err="1">
+                <a:solidFill>
+                  <a:schemeClr val="accent1">
+                    <a:lumMod val="75000"/>
+                  </a:schemeClr>
+                </a:solidFill>
+              </a:rPr>
               <a:t>hero.pickUpItem</a:t>
             </a:r>
             <a:r>
-              <a:rPr lang="sv-SE" sz="1200" dirty="0"/>
+              <a:rPr lang="sv-SE" sz="1600" dirty="0">
+                <a:solidFill>
+                  <a:schemeClr val="accent1">
+                    <a:lumMod val="75000"/>
+                  </a:schemeClr>
+                </a:solidFill>
+              </a:rPr>
               <a:t>(new </a:t>
             </a:r>
             <a:r>
-              <a:rPr lang="sv-SE" sz="1200" dirty="0" err="1"/>
+              <a:rPr lang="sv-SE" sz="1600" dirty="0" err="1">
+                <a:solidFill>
+                  <a:schemeClr val="accent1">
+                    <a:lumMod val="75000"/>
+                  </a:schemeClr>
+                </a:solidFill>
+              </a:rPr>
               <a:t>Weapon</a:t>
             </a:r>
             <a:r>
-              <a:rPr lang="sv-SE" sz="1200" dirty="0"/>
+              <a:rPr lang="sv-SE" sz="1600" dirty="0">
+                <a:solidFill>
+                  <a:schemeClr val="accent1">
+                    <a:lumMod val="75000"/>
+                  </a:schemeClr>
+                </a:solidFill>
+              </a:rPr>
               <a:t>(50));</a:t>
             </a:r>
             <a:br>
-              <a:rPr lang="sv-SE" sz="1200" dirty="0"/>
+              <a:rPr lang="sv-SE" sz="1600" dirty="0">
+                <a:solidFill>
+                  <a:schemeClr val="accent1">
+                    <a:lumMod val="75000"/>
+                  </a:schemeClr>
+                </a:solidFill>
+              </a:rPr>
             </a:br>
             <a:r>
-              <a:rPr lang="sv-SE" sz="1200" dirty="0"/>
+              <a:rPr lang="sv-SE" sz="1600" dirty="0">
+                <a:solidFill>
+                  <a:schemeClr val="accent1">
+                    <a:lumMod val="75000"/>
+                  </a:schemeClr>
+                </a:solidFill>
+              </a:rPr>
               <a:t>    </a:t>
             </a:r>
             <a:r>
-              <a:rPr lang="sv-SE" sz="1200" dirty="0" err="1"/>
+              <a:rPr lang="sv-SE" sz="1600" dirty="0" err="1">
+                <a:solidFill>
+                  <a:schemeClr val="accent1">
+                    <a:lumMod val="75000"/>
+                  </a:schemeClr>
+                </a:solidFill>
+              </a:rPr>
               <a:t>hero.pickUpItem</a:t>
             </a:r>
             <a:r>
-              <a:rPr lang="sv-SE" sz="1200" dirty="0"/>
+              <a:rPr lang="sv-SE" sz="1600" dirty="0">
+                <a:solidFill>
+                  <a:schemeClr val="accent1">
+                    <a:lumMod val="75000"/>
+                  </a:schemeClr>
+                </a:solidFill>
+              </a:rPr>
               <a:t>(new </a:t>
             </a:r>
             <a:r>
-              <a:rPr lang="sv-SE" sz="1200" dirty="0" err="1"/>
+              <a:rPr lang="sv-SE" sz="1600" dirty="0" err="1">
+                <a:solidFill>
+                  <a:schemeClr val="accent1">
+                    <a:lumMod val="75000"/>
+                  </a:schemeClr>
+                </a:solidFill>
+              </a:rPr>
               <a:t>Weapon</a:t>
             </a:r>
             <a:r>
-              <a:rPr lang="sv-SE" sz="1200" dirty="0"/>
+              <a:rPr lang="sv-SE" sz="1600" dirty="0">
+                <a:solidFill>
+                  <a:schemeClr val="accent1">
+                    <a:lumMod val="75000"/>
+                  </a:schemeClr>
+                </a:solidFill>
+              </a:rPr>
               <a:t>(89));</a:t>
             </a:r>
             <a:br>
-              <a:rPr lang="sv-SE" sz="1200" dirty="0"/>
+              <a:rPr lang="sv-SE" sz="1600" dirty="0">
+                <a:solidFill>
+                  <a:schemeClr val="accent1">
+                    <a:lumMod val="75000"/>
+                  </a:schemeClr>
+                </a:solidFill>
+              </a:rPr>
             </a:br>
             <a:r>
-              <a:rPr lang="sv-SE" sz="1200" dirty="0"/>
+              <a:rPr lang="sv-SE" sz="1600" dirty="0">
+                <a:solidFill>
+                  <a:schemeClr val="accent1">
+                    <a:lumMod val="75000"/>
+                  </a:schemeClr>
+                </a:solidFill>
+              </a:rPr>
               <a:t>    </a:t>
             </a:r>
             <a:r>
-              <a:rPr lang="sv-SE" sz="1200" dirty="0" err="1"/>
+              <a:rPr lang="sv-SE" sz="1600" dirty="0" err="1">
+                <a:solidFill>
+                  <a:schemeClr val="accent1">
+                    <a:lumMod val="75000"/>
+                  </a:schemeClr>
+                </a:solidFill>
+              </a:rPr>
               <a:t>hero.pickUpItem</a:t>
             </a:r>
             <a:r>
-              <a:rPr lang="sv-SE" sz="1200" dirty="0"/>
+              <a:rPr lang="sv-SE" sz="1600" dirty="0">
+                <a:solidFill>
+                  <a:schemeClr val="accent1">
+                    <a:lumMod val="75000"/>
+                  </a:schemeClr>
+                </a:solidFill>
+              </a:rPr>
               <a:t>(new </a:t>
             </a:r>
             <a:r>
-              <a:rPr lang="sv-SE" sz="1200" dirty="0" err="1"/>
+              <a:rPr lang="sv-SE" sz="1600" dirty="0" err="1">
+                <a:solidFill>
+                  <a:schemeClr val="accent1">
+                    <a:lumMod val="75000"/>
+                  </a:schemeClr>
+                </a:solidFill>
+              </a:rPr>
               <a:t>Weapon</a:t>
             </a:r>
             <a:r>
-              <a:rPr lang="sv-SE" sz="1200" dirty="0"/>
+              <a:rPr lang="sv-SE" sz="1600" dirty="0">
+                <a:solidFill>
+                  <a:schemeClr val="accent1">
+                    <a:lumMod val="75000"/>
+                  </a:schemeClr>
+                </a:solidFill>
+              </a:rPr>
               <a:t>(42));</a:t>
             </a:r>
             <a:br>
-              <a:rPr lang="sv-SE" sz="1200" dirty="0"/>
+              <a:rPr lang="sv-SE" sz="1600" dirty="0">
+                <a:solidFill>
+                  <a:schemeClr val="accent1">
+                    <a:lumMod val="75000"/>
+                  </a:schemeClr>
+                </a:solidFill>
+              </a:rPr>
             </a:br>
             <a:r>
-              <a:rPr lang="sv-SE" sz="1200" dirty="0"/>
+              <a:rPr lang="sv-SE" sz="1600" dirty="0">
+                <a:solidFill>
+                  <a:schemeClr val="accent1">
+                    <a:lumMod val="75000"/>
+                  </a:schemeClr>
+                </a:solidFill>
+              </a:rPr>
               <a:t>    </a:t>
             </a:r>
             <a:r>
-              <a:rPr lang="sv-SE" sz="1200" i="1" dirty="0" err="1"/>
+              <a:rPr lang="sv-SE" sz="1600" i="1" dirty="0" err="1">
+                <a:solidFill>
+                  <a:schemeClr val="accent1">
+                    <a:lumMod val="75000"/>
+                  </a:schemeClr>
+                </a:solidFill>
+              </a:rPr>
               <a:t>assertEquals</a:t>
             </a:r>
             <a:r>
-              <a:rPr lang="sv-SE" sz="1200" dirty="0"/>
+              <a:rPr lang="sv-SE" sz="1600" dirty="0">
+                <a:solidFill>
+                  <a:schemeClr val="accent1">
+                    <a:lumMod val="75000"/>
+                  </a:schemeClr>
+                </a:solidFill>
+              </a:rPr>
               <a:t>(89, </a:t>
             </a:r>
             <a:r>
-              <a:rPr lang="sv-SE" sz="1200" dirty="0" err="1"/>
+              <a:rPr lang="sv-SE" sz="1600" dirty="0" err="1">
+                <a:solidFill>
+                  <a:schemeClr val="accent1">
+                    <a:lumMod val="75000"/>
+                  </a:schemeClr>
+                </a:solidFill>
+              </a:rPr>
               <a:t>hero.getEquippedWeapon</a:t>
             </a:r>
             <a:r>
-              <a:rPr lang="sv-SE" sz="1200" dirty="0"/>
+              <a:rPr lang="sv-SE" sz="1600" dirty="0">
+                <a:solidFill>
+                  <a:schemeClr val="accent1">
+                    <a:lumMod val="75000"/>
+                  </a:schemeClr>
+                </a:solidFill>
+              </a:rPr>
               <a:t>().</a:t>
             </a:r>
             <a:r>
-              <a:rPr lang="sv-SE" sz="1200" dirty="0" err="1"/>
+              <a:rPr lang="sv-SE" sz="1600" dirty="0" err="1">
+                <a:solidFill>
+                  <a:schemeClr val="accent1">
+                    <a:lumMod val="75000"/>
+                  </a:schemeClr>
+                </a:solidFill>
+              </a:rPr>
               <a:t>getDamage</a:t>
             </a:r>
             <a:r>
-              <a:rPr lang="sv-SE" sz="1200" dirty="0"/>
+              <a:rPr lang="sv-SE" sz="1600" dirty="0">
+                <a:solidFill>
+                  <a:schemeClr val="accent1">
+                    <a:lumMod val="75000"/>
+                  </a:schemeClr>
+                </a:solidFill>
+              </a:rPr>
               <a:t>());</a:t>
             </a:r>
             <a:br>
-              <a:rPr lang="sv-SE" sz="1200" dirty="0"/>
+              <a:rPr lang="sv-SE" sz="1600" dirty="0">
+                <a:solidFill>
+                  <a:schemeClr val="accent1">
+                    <a:lumMod val="75000"/>
+                  </a:schemeClr>
+                </a:solidFill>
+              </a:rPr>
             </a:br>
             <a:r>
-              <a:rPr lang="sv-SE" sz="1200" dirty="0"/>
+              <a:rPr lang="sv-SE" sz="1600" dirty="0">
+                <a:solidFill>
+                  <a:schemeClr val="accent1">
+                    <a:lumMod val="75000"/>
+                  </a:schemeClr>
+                </a:solidFill>
+              </a:rPr>
               <a:t>}</a:t>
             </a:r>
           </a:p>
@@ -25075,7 +27582,12 @@
             <p:ph type="body" sz="quarter" idx="3"/>
           </p:nvPr>
         </p:nvSpPr>
-        <p:spPr/>
+        <p:spPr>
+          <a:xfrm>
+            <a:off x="6172200" y="1470903"/>
+            <a:ext cx="5183188" cy="823912"/>
+          </a:xfrm>
+        </p:spPr>
         <p:txBody>
           <a:bodyPr/>
           <a:lstStyle/>
@@ -25113,369 +27625,790 @@
               <a:buNone/>
             </a:pPr>
             <a:r>
-              <a:rPr lang="sv-SE" sz="1200" dirty="0"/>
+              <a:rPr lang="sv-SE" sz="1400" dirty="0">
+                <a:solidFill>
+                  <a:schemeClr val="accent1">
+                    <a:lumMod val="75000"/>
+                  </a:schemeClr>
+                </a:solidFill>
+              </a:rPr>
               <a:t>public </a:t>
             </a:r>
             <a:r>
-              <a:rPr lang="sv-SE" sz="1200" dirty="0" err="1"/>
+              <a:rPr lang="sv-SE" sz="1400" dirty="0" err="1">
+                <a:solidFill>
+                  <a:schemeClr val="accent1">
+                    <a:lumMod val="75000"/>
+                  </a:schemeClr>
+                </a:solidFill>
+              </a:rPr>
               <a:t>void</a:t>
             </a:r>
             <a:r>
-              <a:rPr lang="sv-SE" sz="1200" dirty="0"/>
+              <a:rPr lang="sv-SE" sz="1400" dirty="0">
+                <a:solidFill>
+                  <a:schemeClr val="accent1">
+                    <a:lumMod val="75000"/>
+                  </a:schemeClr>
+                </a:solidFill>
+              </a:rPr>
               <a:t> </a:t>
             </a:r>
             <a:r>
-              <a:rPr lang="sv-SE" sz="1200" dirty="0" err="1"/>
+              <a:rPr lang="sv-SE" sz="1400" dirty="0" err="1">
+                <a:solidFill>
+                  <a:schemeClr val="accent1">
+                    <a:lumMod val="75000"/>
+                  </a:schemeClr>
+                </a:solidFill>
+              </a:rPr>
               <a:t>pickUpItem</a:t>
             </a:r>
             <a:r>
-              <a:rPr lang="sv-SE" sz="1200" dirty="0"/>
+              <a:rPr lang="sv-SE" sz="1400" dirty="0">
+                <a:solidFill>
+                  <a:schemeClr val="accent1">
+                    <a:lumMod val="75000"/>
+                  </a:schemeClr>
+                </a:solidFill>
+              </a:rPr>
               <a:t>(Item item) {</a:t>
             </a:r>
             <a:br>
-              <a:rPr lang="sv-SE" sz="1200" dirty="0"/>
+              <a:rPr lang="sv-SE" sz="1400" dirty="0">
+                <a:solidFill>
+                  <a:schemeClr val="accent1">
+                    <a:lumMod val="75000"/>
+                  </a:schemeClr>
+                </a:solidFill>
+              </a:rPr>
             </a:br>
             <a:r>
-              <a:rPr lang="sv-SE" sz="1200" dirty="0"/>
+              <a:rPr lang="sv-SE" sz="1400" dirty="0">
+                <a:solidFill>
+                  <a:schemeClr val="accent1">
+                    <a:lumMod val="75000"/>
+                  </a:schemeClr>
+                </a:solidFill>
+              </a:rPr>
               <a:t>…</a:t>
             </a:r>
             <a:br>
-              <a:rPr lang="sv-SE" sz="1200" dirty="0"/>
+              <a:rPr lang="sv-SE" sz="1400" dirty="0">
+                <a:solidFill>
+                  <a:schemeClr val="accent1">
+                    <a:lumMod val="75000"/>
+                  </a:schemeClr>
+                </a:solidFill>
+              </a:rPr>
             </a:br>
             <a:r>
-              <a:rPr lang="sv-SE" sz="1200" dirty="0"/>
+              <a:rPr lang="sv-SE" sz="1400" dirty="0">
+                <a:solidFill>
+                  <a:schemeClr val="accent1">
+                    <a:lumMod val="75000"/>
+                  </a:schemeClr>
+                </a:solidFill>
+              </a:rPr>
               <a:t>    </a:t>
             </a:r>
             <a:r>
-              <a:rPr lang="sv-SE" sz="1200" dirty="0" err="1"/>
+              <a:rPr lang="sv-SE" sz="1400" dirty="0" err="1">
+                <a:solidFill>
+                  <a:schemeClr val="accent1">
+                    <a:lumMod val="75000"/>
+                  </a:schemeClr>
+                </a:solidFill>
+              </a:rPr>
               <a:t>else</a:t>
             </a:r>
             <a:r>
-              <a:rPr lang="sv-SE" sz="1200" dirty="0"/>
+              <a:rPr lang="sv-SE" sz="1400" dirty="0">
+                <a:solidFill>
+                  <a:schemeClr val="accent1">
+                    <a:lumMod val="75000"/>
+                  </a:schemeClr>
+                </a:solidFill>
+              </a:rPr>
               <a:t> </a:t>
             </a:r>
             <a:r>
-              <a:rPr lang="sv-SE" sz="1200" dirty="0" err="1"/>
+              <a:rPr lang="sv-SE" sz="1400" dirty="0" err="1">
+                <a:solidFill>
+                  <a:schemeClr val="accent1">
+                    <a:lumMod val="75000"/>
+                  </a:schemeClr>
+                </a:solidFill>
+              </a:rPr>
               <a:t>if</a:t>
             </a:r>
             <a:r>
-              <a:rPr lang="sv-SE" sz="1200" dirty="0"/>
+              <a:rPr lang="sv-SE" sz="1400" dirty="0">
+                <a:solidFill>
+                  <a:schemeClr val="accent1">
+                    <a:lumMod val="75000"/>
+                  </a:schemeClr>
+                </a:solidFill>
+              </a:rPr>
               <a:t> (item </a:t>
             </a:r>
             <a:r>
-              <a:rPr lang="sv-SE" sz="1200" dirty="0" err="1"/>
+              <a:rPr lang="sv-SE" sz="1400" dirty="0" err="1">
+                <a:solidFill>
+                  <a:schemeClr val="accent1">
+                    <a:lumMod val="75000"/>
+                  </a:schemeClr>
+                </a:solidFill>
+              </a:rPr>
               <a:t>instanceof</a:t>
             </a:r>
             <a:r>
-              <a:rPr lang="sv-SE" sz="1200" dirty="0"/>
+              <a:rPr lang="sv-SE" sz="1400" dirty="0">
+                <a:solidFill>
+                  <a:schemeClr val="accent1">
+                    <a:lumMod val="75000"/>
+                  </a:schemeClr>
+                </a:solidFill>
+              </a:rPr>
               <a:t> Equipment) {</a:t>
             </a:r>
             <a:br>
-              <a:rPr lang="sv-SE" sz="1200" dirty="0"/>
+              <a:rPr lang="sv-SE" sz="1400" dirty="0">
+                <a:solidFill>
+                  <a:schemeClr val="accent1">
+                    <a:lumMod val="75000"/>
+                  </a:schemeClr>
+                </a:solidFill>
+              </a:rPr>
             </a:br>
             <a:r>
-              <a:rPr lang="sv-SE" sz="1200" dirty="0"/>
+              <a:rPr lang="sv-SE" sz="1400" dirty="0">
+                <a:solidFill>
+                  <a:schemeClr val="accent1">
+                    <a:lumMod val="75000"/>
+                  </a:schemeClr>
+                </a:solidFill>
+              </a:rPr>
               <a:t>        </a:t>
             </a:r>
             <a:r>
-              <a:rPr lang="sv-SE" sz="1200" dirty="0" err="1"/>
+              <a:rPr lang="sv-SE" sz="1400" dirty="0" err="1">
+                <a:solidFill>
+                  <a:schemeClr val="accent1">
+                    <a:lumMod val="75000"/>
+                  </a:schemeClr>
+                </a:solidFill>
+              </a:rPr>
               <a:t>pickUpEquipment</a:t>
             </a:r>
             <a:r>
-              <a:rPr lang="sv-SE" sz="1200" dirty="0"/>
+              <a:rPr lang="sv-SE" sz="1400" dirty="0">
+                <a:solidFill>
+                  <a:schemeClr val="accent1">
+                    <a:lumMod val="75000"/>
+                  </a:schemeClr>
+                </a:solidFill>
+              </a:rPr>
               <a:t>((Equipment) item);</a:t>
             </a:r>
             <a:br>
-              <a:rPr lang="sv-SE" sz="1200" dirty="0"/>
+              <a:rPr lang="sv-SE" sz="1400" dirty="0">
+                <a:solidFill>
+                  <a:schemeClr val="accent1">
+                    <a:lumMod val="75000"/>
+                  </a:schemeClr>
+                </a:solidFill>
+              </a:rPr>
             </a:br>
             <a:r>
-              <a:rPr lang="sv-SE" sz="1200" dirty="0"/>
+              <a:rPr lang="sv-SE" sz="1400" dirty="0">
+                <a:solidFill>
+                  <a:schemeClr val="accent1">
+                    <a:lumMod val="75000"/>
+                  </a:schemeClr>
+                </a:solidFill>
+              </a:rPr>
               <a:t>        </a:t>
             </a:r>
             <a:r>
-              <a:rPr lang="sv-SE" sz="1200" dirty="0" err="1"/>
+              <a:rPr lang="sv-SE" sz="1400" dirty="0" err="1">
+                <a:solidFill>
+                  <a:schemeClr val="accent1">
+                    <a:lumMod val="75000"/>
+                  </a:schemeClr>
+                </a:solidFill>
+              </a:rPr>
               <a:t>inventory.addItem</a:t>
             </a:r>
             <a:r>
-              <a:rPr lang="sv-SE" sz="1200" dirty="0"/>
+              <a:rPr lang="sv-SE" sz="1400" dirty="0">
+                <a:solidFill>
+                  <a:schemeClr val="accent1">
+                    <a:lumMod val="75000"/>
+                  </a:schemeClr>
+                </a:solidFill>
+              </a:rPr>
               <a:t>((Equipment) item);</a:t>
             </a:r>
             <a:br>
-              <a:rPr lang="sv-SE" sz="1200" dirty="0"/>
+              <a:rPr lang="sv-SE" sz="1400" dirty="0">
+                <a:solidFill>
+                  <a:schemeClr val="accent1">
+                    <a:lumMod val="75000"/>
+                  </a:schemeClr>
+                </a:solidFill>
+              </a:rPr>
             </a:br>
             <a:r>
-              <a:rPr lang="sv-SE" sz="1200" dirty="0"/>
+              <a:rPr lang="sv-SE" sz="1400" dirty="0">
+                <a:solidFill>
+                  <a:schemeClr val="accent1">
+                    <a:lumMod val="75000"/>
+                  </a:schemeClr>
+                </a:solidFill>
+              </a:rPr>
               <a:t>    }</a:t>
             </a:r>
             <a:br>
-              <a:rPr lang="sv-SE" sz="1200" dirty="0"/>
+              <a:rPr lang="sv-SE" sz="1400" dirty="0">
+                <a:solidFill>
+                  <a:schemeClr val="accent1">
+                    <a:lumMod val="75000"/>
+                  </a:schemeClr>
+                </a:solidFill>
+              </a:rPr>
             </a:br>
             <a:r>
-              <a:rPr lang="sv-SE" sz="1200" dirty="0"/>
+              <a:rPr lang="sv-SE" sz="1400" dirty="0">
+                <a:solidFill>
+                  <a:schemeClr val="accent1">
+                    <a:lumMod val="75000"/>
+                  </a:schemeClr>
+                </a:solidFill>
+              </a:rPr>
               <a:t>}</a:t>
             </a:r>
             <a:br>
-              <a:rPr lang="sv-SE" sz="1200" dirty="0"/>
+              <a:rPr lang="sv-SE" sz="1400" dirty="0">
+                <a:solidFill>
+                  <a:schemeClr val="accent1">
+                    <a:lumMod val="75000"/>
+                  </a:schemeClr>
+                </a:solidFill>
+              </a:rPr>
             </a:br>
-            <a:endParaRPr lang="sv-SE" sz="1200" dirty="0"/>
+            <a:endParaRPr lang="sv-SE" sz="1400" dirty="0">
+              <a:solidFill>
+                <a:schemeClr val="accent1">
+                  <a:lumMod val="75000"/>
+                </a:schemeClr>
+              </a:solidFill>
+            </a:endParaRPr>
           </a:p>
           <a:p>
             <a:pPr marL="0" indent="0">
               <a:buNone/>
             </a:pPr>
             <a:r>
-              <a:rPr lang="sv-SE" sz="1200" dirty="0"/>
+              <a:rPr lang="sv-SE" sz="1400" dirty="0">
+                <a:solidFill>
+                  <a:schemeClr val="accent1">
+                    <a:lumMod val="75000"/>
+                  </a:schemeClr>
+                </a:solidFill>
+              </a:rPr>
               <a:t>private </a:t>
             </a:r>
             <a:r>
-              <a:rPr lang="sv-SE" sz="1200" dirty="0" err="1"/>
+              <a:rPr lang="sv-SE" sz="1400" dirty="0" err="1">
+                <a:solidFill>
+                  <a:schemeClr val="accent1">
+                    <a:lumMod val="75000"/>
+                  </a:schemeClr>
+                </a:solidFill>
+              </a:rPr>
               <a:t>void</a:t>
             </a:r>
             <a:r>
-              <a:rPr lang="sv-SE" sz="1200" dirty="0"/>
+              <a:rPr lang="sv-SE" sz="1400" dirty="0">
+                <a:solidFill>
+                  <a:schemeClr val="accent1">
+                    <a:lumMod val="75000"/>
+                  </a:schemeClr>
+                </a:solidFill>
+              </a:rPr>
               <a:t> </a:t>
             </a:r>
             <a:r>
-              <a:rPr lang="sv-SE" sz="1200" dirty="0" err="1"/>
+              <a:rPr lang="sv-SE" sz="1400" dirty="0" err="1">
+                <a:solidFill>
+                  <a:schemeClr val="accent1">
+                    <a:lumMod val="75000"/>
+                  </a:schemeClr>
+                </a:solidFill>
+              </a:rPr>
               <a:t>setActiveEquipment</a:t>
             </a:r>
             <a:r>
-              <a:rPr lang="sv-SE" sz="1200" dirty="0"/>
+              <a:rPr lang="sv-SE" sz="1400" dirty="0">
+                <a:solidFill>
+                  <a:schemeClr val="accent1">
+                    <a:lumMod val="75000"/>
+                  </a:schemeClr>
+                </a:solidFill>
+              </a:rPr>
               <a:t> (Equipment item) {</a:t>
             </a:r>
             <a:br>
-              <a:rPr lang="sv-SE" sz="1200" dirty="0"/>
+              <a:rPr lang="sv-SE" sz="1400" dirty="0">
+                <a:solidFill>
+                  <a:schemeClr val="accent1">
+                    <a:lumMod val="75000"/>
+                  </a:schemeClr>
+                </a:solidFill>
+              </a:rPr>
             </a:br>
             <a:r>
-              <a:rPr lang="sv-SE" sz="1200" dirty="0"/>
+              <a:rPr lang="sv-SE" sz="1400" dirty="0">
+                <a:solidFill>
+                  <a:schemeClr val="accent1">
+                    <a:lumMod val="75000"/>
+                  </a:schemeClr>
+                </a:solidFill>
+              </a:rPr>
               <a:t>    </a:t>
             </a:r>
             <a:r>
-              <a:rPr lang="sv-SE" sz="1200" dirty="0" err="1"/>
+              <a:rPr lang="sv-SE" sz="1400" dirty="0" err="1">
+                <a:solidFill>
+                  <a:schemeClr val="accent1">
+                    <a:lumMod val="75000"/>
+                  </a:schemeClr>
+                </a:solidFill>
+              </a:rPr>
               <a:t>if</a:t>
             </a:r>
             <a:r>
-              <a:rPr lang="sv-SE" sz="1200" dirty="0"/>
+              <a:rPr lang="sv-SE" sz="1400" dirty="0">
+                <a:solidFill>
+                  <a:schemeClr val="accent1">
+                    <a:lumMod val="75000"/>
+                  </a:schemeClr>
+                </a:solidFill>
+              </a:rPr>
               <a:t> (item </a:t>
             </a:r>
             <a:r>
-              <a:rPr lang="sv-SE" sz="1200" dirty="0" err="1"/>
+              <a:rPr lang="sv-SE" sz="1400" dirty="0" err="1">
+                <a:solidFill>
+                  <a:schemeClr val="accent1">
+                    <a:lumMod val="75000"/>
+                  </a:schemeClr>
+                </a:solidFill>
+              </a:rPr>
               <a:t>instanceof</a:t>
             </a:r>
             <a:r>
-              <a:rPr lang="sv-SE" sz="1200" dirty="0"/>
+              <a:rPr lang="sv-SE" sz="1400" dirty="0">
+                <a:solidFill>
+                  <a:schemeClr val="accent1">
+                    <a:lumMod val="75000"/>
+                  </a:schemeClr>
+                </a:solidFill>
+              </a:rPr>
               <a:t> </a:t>
             </a:r>
             <a:r>
-              <a:rPr lang="sv-SE" sz="1200" dirty="0" err="1"/>
+              <a:rPr lang="sv-SE" sz="1400" dirty="0" err="1">
+                <a:solidFill>
+                  <a:schemeClr val="accent1">
+                    <a:lumMod val="75000"/>
+                  </a:schemeClr>
+                </a:solidFill>
+              </a:rPr>
               <a:t>Armor</a:t>
             </a:r>
             <a:r>
-              <a:rPr lang="sv-SE" sz="1200" dirty="0"/>
+              <a:rPr lang="sv-SE" sz="1400" dirty="0">
+                <a:solidFill>
+                  <a:schemeClr val="accent1">
+                    <a:lumMod val="75000"/>
+                  </a:schemeClr>
+                </a:solidFill>
+              </a:rPr>
               <a:t>) {</a:t>
             </a:r>
             <a:br>
-              <a:rPr lang="sv-SE" sz="1200" dirty="0"/>
+              <a:rPr lang="sv-SE" sz="1400" dirty="0">
+                <a:solidFill>
+                  <a:schemeClr val="accent1">
+                    <a:lumMod val="75000"/>
+                  </a:schemeClr>
+                </a:solidFill>
+              </a:rPr>
             </a:br>
             <a:r>
-              <a:rPr lang="sv-SE" sz="1200" dirty="0"/>
+              <a:rPr lang="sv-SE" sz="1400" dirty="0">
+                <a:solidFill>
+                  <a:schemeClr val="accent1">
+                    <a:lumMod val="75000"/>
+                  </a:schemeClr>
+                </a:solidFill>
+              </a:rPr>
               <a:t>     …</a:t>
             </a:r>
             <a:br>
-              <a:rPr lang="sv-SE" sz="1200" dirty="0"/>
+              <a:rPr lang="sv-SE" sz="1400" dirty="0">
+                <a:solidFill>
+                  <a:schemeClr val="accent1">
+                    <a:lumMod val="75000"/>
+                  </a:schemeClr>
+                </a:solidFill>
+              </a:rPr>
             </a:br>
             <a:r>
-              <a:rPr lang="sv-SE" sz="1200" dirty="0"/>
+              <a:rPr lang="sv-SE" sz="1400" dirty="0">
+                <a:solidFill>
+                  <a:schemeClr val="accent1">
+                    <a:lumMod val="75000"/>
+                  </a:schemeClr>
+                </a:solidFill>
+              </a:rPr>
               <a:t>    }</a:t>
             </a:r>
             <a:br>
-              <a:rPr lang="sv-SE" sz="1200" dirty="0"/>
+              <a:rPr lang="sv-SE" sz="1400" dirty="0">
+                <a:solidFill>
+                  <a:schemeClr val="accent1">
+                    <a:lumMod val="75000"/>
+                  </a:schemeClr>
+                </a:solidFill>
+              </a:rPr>
             </a:br>
             <a:r>
-              <a:rPr lang="sv-SE" sz="1200" dirty="0"/>
+              <a:rPr lang="sv-SE" sz="1400" dirty="0">
+                <a:solidFill>
+                  <a:schemeClr val="accent1">
+                    <a:lumMod val="75000"/>
+                  </a:schemeClr>
+                </a:solidFill>
+              </a:rPr>
               <a:t>    </a:t>
             </a:r>
             <a:r>
-              <a:rPr lang="sv-SE" sz="1200" dirty="0" err="1"/>
+              <a:rPr lang="sv-SE" sz="1400" dirty="0" err="1">
+                <a:solidFill>
+                  <a:schemeClr val="accent1">
+                    <a:lumMod val="75000"/>
+                  </a:schemeClr>
+                </a:solidFill>
+              </a:rPr>
               <a:t>else</a:t>
             </a:r>
             <a:r>
-              <a:rPr lang="sv-SE" sz="1200" dirty="0"/>
+              <a:rPr lang="sv-SE" sz="1400" dirty="0">
+                <a:solidFill>
+                  <a:schemeClr val="accent1">
+                    <a:lumMod val="75000"/>
+                  </a:schemeClr>
+                </a:solidFill>
+              </a:rPr>
               <a:t> </a:t>
             </a:r>
             <a:r>
-              <a:rPr lang="sv-SE" sz="1200" dirty="0" err="1"/>
+              <a:rPr lang="sv-SE" sz="1400" dirty="0" err="1">
+                <a:solidFill>
+                  <a:schemeClr val="accent1">
+                    <a:lumMod val="75000"/>
+                  </a:schemeClr>
+                </a:solidFill>
+              </a:rPr>
               <a:t>if</a:t>
             </a:r>
             <a:r>
-              <a:rPr lang="sv-SE" sz="1200" dirty="0"/>
+              <a:rPr lang="sv-SE" sz="1400" dirty="0">
+                <a:solidFill>
+                  <a:schemeClr val="accent1">
+                    <a:lumMod val="75000"/>
+                  </a:schemeClr>
+                </a:solidFill>
+              </a:rPr>
               <a:t> (item </a:t>
             </a:r>
             <a:r>
-              <a:rPr lang="sv-SE" sz="1200" dirty="0" err="1"/>
+              <a:rPr lang="sv-SE" sz="1400" dirty="0" err="1">
+                <a:solidFill>
+                  <a:schemeClr val="accent1">
+                    <a:lumMod val="75000"/>
+                  </a:schemeClr>
+                </a:solidFill>
+              </a:rPr>
               <a:t>instanceof</a:t>
             </a:r>
             <a:r>
-              <a:rPr lang="sv-SE" sz="1200" dirty="0"/>
+              <a:rPr lang="sv-SE" sz="1400" dirty="0">
+                <a:solidFill>
+                  <a:schemeClr val="accent1">
+                    <a:lumMod val="75000"/>
+                  </a:schemeClr>
+                </a:solidFill>
+              </a:rPr>
               <a:t> </a:t>
             </a:r>
             <a:r>
-              <a:rPr lang="sv-SE" sz="1200" dirty="0" err="1"/>
+              <a:rPr lang="sv-SE" sz="1400" dirty="0" err="1">
+                <a:solidFill>
+                  <a:schemeClr val="accent1">
+                    <a:lumMod val="75000"/>
+                  </a:schemeClr>
+                </a:solidFill>
+              </a:rPr>
               <a:t>Weapon</a:t>
             </a:r>
             <a:r>
-              <a:rPr lang="sv-SE" sz="1200" dirty="0"/>
+              <a:rPr lang="sv-SE" sz="1400" dirty="0">
+                <a:solidFill>
+                  <a:schemeClr val="accent1">
+                    <a:lumMod val="75000"/>
+                  </a:schemeClr>
+                </a:solidFill>
+              </a:rPr>
               <a:t>) {</a:t>
             </a:r>
             <a:br>
-              <a:rPr lang="sv-SE" sz="1200" dirty="0"/>
+              <a:rPr lang="sv-SE" sz="1400" dirty="0">
+                <a:solidFill>
+                  <a:schemeClr val="accent1">
+                    <a:lumMod val="75000"/>
+                  </a:schemeClr>
+                </a:solidFill>
+              </a:rPr>
             </a:br>
             <a:r>
-              <a:rPr lang="sv-SE" sz="1200" dirty="0"/>
+              <a:rPr lang="sv-SE" sz="1400" dirty="0">
+                <a:solidFill>
+                  <a:schemeClr val="accent1">
+                    <a:lumMod val="75000"/>
+                  </a:schemeClr>
+                </a:solidFill>
+              </a:rPr>
               <a:t>        </a:t>
             </a:r>
             <a:r>
-              <a:rPr lang="sv-SE" sz="1200" dirty="0" err="1"/>
+              <a:rPr lang="sv-SE" sz="1400" dirty="0" err="1">
+                <a:solidFill>
+                  <a:schemeClr val="accent1">
+                    <a:lumMod val="75000"/>
+                  </a:schemeClr>
+                </a:solidFill>
+              </a:rPr>
               <a:t>if</a:t>
             </a:r>
             <a:r>
-              <a:rPr lang="sv-SE" sz="1200" dirty="0"/>
+              <a:rPr lang="sv-SE" sz="1400" dirty="0">
+                <a:solidFill>
+                  <a:schemeClr val="accent1">
+                    <a:lumMod val="75000"/>
+                  </a:schemeClr>
+                </a:solidFill>
+              </a:rPr>
               <a:t> (</a:t>
             </a:r>
             <a:r>
-              <a:rPr lang="sv-SE" sz="1200" dirty="0" err="1"/>
+              <a:rPr lang="sv-SE" sz="1400" dirty="0" err="1">
+                <a:solidFill>
+                  <a:schemeClr val="accent1">
+                    <a:lumMod val="75000"/>
+                  </a:schemeClr>
+                </a:solidFill>
+              </a:rPr>
               <a:t>equippedWeapon</a:t>
             </a:r>
             <a:r>
-              <a:rPr lang="sv-SE" sz="1200" dirty="0"/>
+              <a:rPr lang="sv-SE" sz="1400" dirty="0">
+                <a:solidFill>
+                  <a:schemeClr val="accent1">
+                    <a:lumMod val="75000"/>
+                  </a:schemeClr>
+                </a:solidFill>
+              </a:rPr>
               <a:t> == </a:t>
             </a:r>
             <a:r>
-              <a:rPr lang="sv-SE" sz="1200" dirty="0" err="1"/>
+              <a:rPr lang="sv-SE" sz="1400" dirty="0" err="1">
+                <a:solidFill>
+                  <a:schemeClr val="accent1">
+                    <a:lumMod val="75000"/>
+                  </a:schemeClr>
+                </a:solidFill>
+              </a:rPr>
               <a:t>null</a:t>
             </a:r>
             <a:r>
-              <a:rPr lang="sv-SE" sz="1200" dirty="0"/>
+              <a:rPr lang="sv-SE" sz="1400" dirty="0">
+                <a:solidFill>
+                  <a:schemeClr val="accent1">
+                    <a:lumMod val="75000"/>
+                  </a:schemeClr>
+                </a:solidFill>
+              </a:rPr>
               <a:t> || </a:t>
             </a:r>
             <a:r>
-              <a:rPr lang="sv-SE" sz="1200" dirty="0" err="1"/>
+              <a:rPr lang="sv-SE" sz="1400" dirty="0" err="1">
+                <a:solidFill>
+                  <a:schemeClr val="accent1">
+                    <a:lumMod val="75000"/>
+                  </a:schemeClr>
+                </a:solidFill>
+              </a:rPr>
               <a:t>item.strength</a:t>
             </a:r>
             <a:r>
-              <a:rPr lang="sv-SE" sz="1200" dirty="0"/>
+              <a:rPr lang="sv-SE" sz="1400" dirty="0">
+                <a:solidFill>
+                  <a:schemeClr val="accent1">
+                    <a:lumMod val="75000"/>
+                  </a:schemeClr>
+                </a:solidFill>
+              </a:rPr>
               <a:t> &gt; </a:t>
             </a:r>
             <a:r>
-              <a:rPr lang="sv-SE" sz="1200" dirty="0" err="1"/>
+              <a:rPr lang="sv-SE" sz="1400" dirty="0" err="1">
+                <a:solidFill>
+                  <a:schemeClr val="accent1">
+                    <a:lumMod val="75000"/>
+                  </a:schemeClr>
+                </a:solidFill>
+              </a:rPr>
               <a:t>equippedWeapon.strength</a:t>
             </a:r>
             <a:r>
-              <a:rPr lang="sv-SE" sz="1200" dirty="0"/>
+              <a:rPr lang="sv-SE" sz="1400" dirty="0">
+                <a:solidFill>
+                  <a:schemeClr val="accent1">
+                    <a:lumMod val="75000"/>
+                  </a:schemeClr>
+                </a:solidFill>
+              </a:rPr>
               <a:t>) {</a:t>
             </a:r>
             <a:br>
-              <a:rPr lang="sv-SE" sz="1200" dirty="0"/>
+              <a:rPr lang="sv-SE" sz="1400" dirty="0">
+                <a:solidFill>
+                  <a:schemeClr val="accent1">
+                    <a:lumMod val="75000"/>
+                  </a:schemeClr>
+                </a:solidFill>
+              </a:rPr>
             </a:br>
             <a:r>
-              <a:rPr lang="sv-SE" sz="1200" dirty="0"/>
+              <a:rPr lang="sv-SE" sz="1400" dirty="0">
+                <a:solidFill>
+                  <a:schemeClr val="accent1">
+                    <a:lumMod val="75000"/>
+                  </a:schemeClr>
+                </a:solidFill>
+              </a:rPr>
               <a:t>            </a:t>
             </a:r>
             <a:r>
-              <a:rPr lang="sv-SE" sz="1200" dirty="0" err="1"/>
+              <a:rPr lang="sv-SE" sz="1400" dirty="0" err="1">
+                <a:solidFill>
+                  <a:schemeClr val="accent1">
+                    <a:lumMod val="75000"/>
+                  </a:schemeClr>
+                </a:solidFill>
+              </a:rPr>
               <a:t>equippedWeapon</a:t>
             </a:r>
             <a:r>
-              <a:rPr lang="sv-SE" sz="1200" dirty="0"/>
+              <a:rPr lang="sv-SE" sz="1400" dirty="0">
+                <a:solidFill>
+                  <a:schemeClr val="accent1">
+                    <a:lumMod val="75000"/>
+                  </a:schemeClr>
+                </a:solidFill>
+              </a:rPr>
               <a:t> = (</a:t>
             </a:r>
             <a:r>
-              <a:rPr lang="sv-SE" sz="1200" dirty="0" err="1"/>
+              <a:rPr lang="sv-SE" sz="1400" dirty="0" err="1">
+                <a:solidFill>
+                  <a:schemeClr val="accent1">
+                    <a:lumMod val="75000"/>
+                  </a:schemeClr>
+                </a:solidFill>
+              </a:rPr>
               <a:t>Weapon</a:t>
             </a:r>
             <a:r>
-              <a:rPr lang="sv-SE" sz="1200" dirty="0"/>
+              <a:rPr lang="sv-SE" sz="1400" dirty="0">
+                <a:solidFill>
+                  <a:schemeClr val="accent1">
+                    <a:lumMod val="75000"/>
+                  </a:schemeClr>
+                </a:solidFill>
+              </a:rPr>
               <a:t>) item;</a:t>
             </a:r>
             <a:br>
-              <a:rPr lang="sv-SE" sz="1200" dirty="0"/>
+              <a:rPr lang="sv-SE" sz="1400" dirty="0">
+                <a:solidFill>
+                  <a:schemeClr val="accent1">
+                    <a:lumMod val="75000"/>
+                  </a:schemeClr>
+                </a:solidFill>
+              </a:rPr>
             </a:br>
             <a:r>
-              <a:rPr lang="sv-SE" sz="1200" dirty="0"/>
+              <a:rPr lang="sv-SE" sz="1400" dirty="0">
+                <a:solidFill>
+                  <a:schemeClr val="accent1">
+                    <a:lumMod val="75000"/>
+                  </a:schemeClr>
+                </a:solidFill>
+              </a:rPr>
               <a:t>        }</a:t>
             </a:r>
             <a:br>
-              <a:rPr lang="sv-SE" sz="1200" dirty="0"/>
+              <a:rPr lang="sv-SE" sz="1400" dirty="0">
+                <a:solidFill>
+                  <a:schemeClr val="accent1">
+                    <a:lumMod val="75000"/>
+                  </a:schemeClr>
+                </a:solidFill>
+              </a:rPr>
             </a:br>
             <a:r>
-              <a:rPr lang="sv-SE" sz="1200" dirty="0"/>
+              <a:rPr lang="sv-SE" sz="1400" dirty="0">
+                <a:solidFill>
+                  <a:schemeClr val="accent1">
+                    <a:lumMod val="75000"/>
+                  </a:schemeClr>
+                </a:solidFill>
+              </a:rPr>
               <a:t>    }</a:t>
             </a:r>
             <a:br>
-              <a:rPr lang="sv-SE" sz="1200" dirty="0"/>
+              <a:rPr lang="sv-SE" sz="1400" dirty="0">
+                <a:solidFill>
+                  <a:schemeClr val="accent1">
+                    <a:lumMod val="75000"/>
+                  </a:schemeClr>
+                </a:solidFill>
+              </a:rPr>
             </a:br>
             <a:r>
-              <a:rPr lang="sv-SE" sz="1200" dirty="0"/>
+              <a:rPr lang="sv-SE" sz="1400" dirty="0">
+                <a:solidFill>
+                  <a:schemeClr val="accent1">
+                    <a:lumMod val="75000"/>
+                  </a:schemeClr>
+                </a:solidFill>
+              </a:rPr>
               <a:t>}</a:t>
-            </a:r>
-          </a:p>
-        </p:txBody>
-      </p:sp>
-      <p:sp>
-        <p:nvSpPr>
-          <p:cNvPr id="3" name="textruta 2">
-            <a:extLst>
-              <a:ext uri="{FF2B5EF4-FFF2-40B4-BE49-F238E27FC236}">
-                <a16:creationId xmlns:a16="http://schemas.microsoft.com/office/drawing/2014/main" id="{A8572FDD-D53F-8E4A-84F7-75BCE7F92CA9}"/>
-              </a:ext>
-            </a:extLst>
-          </p:cNvPr>
-          <p:cNvSpPr txBox="1"/>
-          <p:nvPr/>
-        </p:nvSpPr>
-        <p:spPr>
-          <a:xfrm>
-            <a:off x="839788" y="4251158"/>
-            <a:ext cx="5157787" cy="1477328"/>
-          </a:xfrm>
-          <a:prstGeom prst="rect">
-            <a:avLst/>
-          </a:prstGeom>
-          <a:noFill/>
-        </p:spPr>
-        <p:txBody>
-          <a:bodyPr wrap="square" rtlCol="0">
-            <a:spAutoFit/>
-          </a:bodyPr>
-          <a:lstStyle/>
-          <a:p>
-            <a:r>
-              <a:rPr lang="sv-SE" dirty="0"/>
-              <a:t>Initialt sparades ett item i </a:t>
-            </a:r>
-            <a:r>
-              <a:rPr lang="sv-SE" dirty="0" err="1"/>
-              <a:t>inventoryt</a:t>
-            </a:r>
-            <a:r>
-              <a:rPr lang="sv-SE" dirty="0"/>
-              <a:t>, vi ville dock att det starkaste vapnet/</a:t>
-            </a:r>
-            <a:r>
-              <a:rPr lang="sv-SE" dirty="0" err="1"/>
-              <a:t>armor</a:t>
-            </a:r>
-            <a:r>
-              <a:rPr lang="sv-SE" dirty="0"/>
-              <a:t> som plockades upp direkt skulle sättas som Heros aktiva. Därför adderades en hjälpmetod som jämför vapnet med det aktiva, och om det är </a:t>
-            </a:r>
-            <a:r>
-              <a:rPr lang="sv-SE" dirty="0" err="1"/>
-              <a:t>null</a:t>
-            </a:r>
-            <a:r>
-              <a:rPr lang="sv-SE" dirty="0"/>
-              <a:t> eller svagare så byts det ut.</a:t>
             </a:r>
           </a:p>
         </p:txBody>
@@ -25822,12 +28755,6 @@
 </file>
 
 <file path=ppt/tags/tag37.xml><?xml version="1.0" encoding="utf-8"?>
-<p:tagLst xmlns:a="http://schemas.openxmlformats.org/drawingml/2006/main" xmlns:r="http://schemas.openxmlformats.org/officeDocument/2006/relationships" xmlns:p="http://schemas.openxmlformats.org/presentationml/2006/main">
-  <p:tag name="ARTICULATE_SLIDE_THUMBNAIL_REFRESH" val="1"/>
-</p:tagLst>
-</file>
-
-<file path=ppt/tags/tag38.xml><?xml version="1.0" encoding="utf-8"?>
 <p:tagLst xmlns:a="http://schemas.openxmlformats.org/drawingml/2006/main" xmlns:r="http://schemas.openxmlformats.org/officeDocument/2006/relationships" xmlns:p="http://schemas.openxmlformats.org/presentationml/2006/main">
   <p:tag name="ARTICULATE_SLIDE_THUMBNAIL_REFRESH" val="1"/>
 </p:tagLst>

--- a/docs/Slutredovisning_grp5_v8.pptx
+++ b/docs/Slutredovisning_grp5_v8.pptx
@@ -5,7 +5,7 @@
     <p:sldMasterId id="2147483648" r:id="rId1"/>
   </p:sldMasterIdLst>
   <p:notesMasterIdLst>
-    <p:notesMasterId r:id="rId38"/>
+    <p:notesMasterId r:id="rId37"/>
   </p:notesMasterIdLst>
   <p:sldIdLst>
     <p:sldId id="256" r:id="rId2"/>
@@ -33,22 +33,21 @@
     <p:sldId id="265" r:id="rId24"/>
     <p:sldId id="266" r:id="rId25"/>
     <p:sldId id="267" r:id="rId26"/>
-    <p:sldId id="268" r:id="rId27"/>
-    <p:sldId id="273" r:id="rId28"/>
-    <p:sldId id="274" r:id="rId29"/>
-    <p:sldId id="275" r:id="rId30"/>
-    <p:sldId id="276" r:id="rId31"/>
-    <p:sldId id="277" r:id="rId32"/>
-    <p:sldId id="297" r:id="rId33"/>
-    <p:sldId id="278" r:id="rId34"/>
-    <p:sldId id="279" r:id="rId35"/>
-    <p:sldId id="280" r:id="rId36"/>
-    <p:sldId id="294" r:id="rId37"/>
+    <p:sldId id="273" r:id="rId27"/>
+    <p:sldId id="274" r:id="rId28"/>
+    <p:sldId id="275" r:id="rId29"/>
+    <p:sldId id="276" r:id="rId30"/>
+    <p:sldId id="277" r:id="rId31"/>
+    <p:sldId id="297" r:id="rId32"/>
+    <p:sldId id="278" r:id="rId33"/>
+    <p:sldId id="279" r:id="rId34"/>
+    <p:sldId id="280" r:id="rId35"/>
+    <p:sldId id="294" r:id="rId36"/>
   </p:sldIdLst>
   <p:sldSz cx="12192000" cy="6858000"/>
   <p:notesSz cx="6858000" cy="9144000"/>
   <p:custDataLst>
-    <p:tags r:id="rId39"/>
+    <p:tags r:id="rId38"/>
   </p:custDataLst>
   <p:defaultTextStyle>
     <a:defPPr>
@@ -2925,107 +2924,32 @@
           <a:bodyPr/>
           <a:lstStyle/>
           <a:p>
-            <a:pPr marL="0" marR="0" lvl="0" indent="0" algn="l" defTabSz="914400" rtl="0" eaLnBrk="1" fontAlgn="auto" latinLnBrk="0" hangingPunct="1">
-              <a:lnSpc>
-                <a:spcPct val="100000"/>
-              </a:lnSpc>
-              <a:spcBef>
-                <a:spcPts val="0"/>
-              </a:spcBef>
-              <a:spcAft>
-                <a:spcPts val="0"/>
-              </a:spcAft>
-              <a:buClrTx/>
-              <a:buSzTx/>
-              <a:buFontTx/>
-              <a:buNone/>
-              <a:tabLst/>
-              <a:defRPr/>
-            </a:pPr>
-            <a:r>
-              <a:rPr lang="sv-SE" sz="1200" kern="1200" dirty="0">
-                <a:solidFill>
-                  <a:schemeClr val="tx1"/>
-                </a:solidFill>
-                <a:effectLst/>
-                <a:latin typeface="+mn-lt"/>
-                <a:ea typeface="+mn-ea"/>
-                <a:cs typeface="+mn-cs"/>
-              </a:rPr>
-              <a:t>En testmatris (eller annan</a:t>
-            </a:r>
-            <a:r>
-              <a:rPr lang="sv-SE" sz="1200" kern="1200" baseline="0" dirty="0">
-                <a:solidFill>
-                  <a:schemeClr val="tx1"/>
-                </a:solidFill>
-                <a:effectLst/>
-                <a:latin typeface="+mn-lt"/>
-                <a:ea typeface="+mn-ea"/>
-                <a:cs typeface="+mn-cs"/>
-              </a:rPr>
-              <a:t> lämplig form)</a:t>
-            </a:r>
-            <a:r>
-              <a:rPr lang="sv-SE" sz="1200" kern="1200" dirty="0">
-                <a:solidFill>
-                  <a:schemeClr val="tx1"/>
-                </a:solidFill>
-                <a:effectLst/>
-                <a:latin typeface="+mn-lt"/>
-                <a:ea typeface="+mn-ea"/>
-                <a:cs typeface="+mn-cs"/>
-              </a:rPr>
-              <a:t> som visar sambandet mellan tillståndsmaskinen och testfallen för denna del så att det går att se att ni tillämpat de kriterier</a:t>
-            </a:r>
-            <a:r>
-              <a:rPr lang="sv-SE" sz="1200" kern="1200" baseline="0" dirty="0">
-                <a:solidFill>
-                  <a:schemeClr val="tx1"/>
-                </a:solidFill>
-                <a:effectLst/>
-                <a:latin typeface="+mn-lt"/>
-                <a:ea typeface="+mn-ea"/>
-                <a:cs typeface="+mn-cs"/>
-              </a:rPr>
-              <a:t> ni satt upp för att ta fram testfall</a:t>
-            </a:r>
-            <a:r>
-              <a:rPr lang="sv-SE" sz="1200" kern="1200" dirty="0">
-                <a:solidFill>
-                  <a:schemeClr val="tx1"/>
-                </a:solidFill>
-                <a:effectLst/>
-                <a:latin typeface="+mn-lt"/>
-                <a:ea typeface="+mn-ea"/>
-                <a:cs typeface="+mn-cs"/>
-              </a:rPr>
-              <a:t>. Om detta tydligt framgår från testfallen</a:t>
-            </a:r>
-            <a:r>
-              <a:rPr lang="sv-SE" sz="1200" kern="1200" baseline="0" dirty="0">
-                <a:solidFill>
-                  <a:schemeClr val="tx1"/>
-                </a:solidFill>
-                <a:effectLst/>
-                <a:latin typeface="+mn-lt"/>
-                <a:ea typeface="+mn-ea"/>
-                <a:cs typeface="+mn-cs"/>
-              </a:rPr>
-              <a:t> så kan denna bild plockas bort.</a:t>
-            </a:r>
-            <a:endParaRPr lang="sv-SE" sz="1200" kern="1200" dirty="0">
-              <a:solidFill>
-                <a:schemeClr val="tx1"/>
-              </a:solidFill>
-              <a:effectLst/>
-              <a:latin typeface="+mn-lt"/>
-              <a:ea typeface="+mn-ea"/>
-              <a:cs typeface="+mn-cs"/>
-            </a:endParaRPr>
-          </a:p>
-          <a:p>
-            <a:endParaRPr lang="sv-SE" dirty="0"/>
+            <a:pPr lvl="1"/>
+            <a:r>
+              <a:rPr lang="sv-SE" dirty="0"/>
+              <a:t>Motivering till varför vi valt </a:t>
+            </a:r>
+            <a:r>
+              <a:rPr lang="sv-SE" dirty="0" err="1"/>
+              <a:t>GeneratedMap</a:t>
+            </a:r>
+            <a:r>
+              <a:rPr lang="sv-SE" dirty="0"/>
+              <a:t>:</a:t>
+            </a:r>
+          </a:p>
+          <a:p>
+            <a:pPr lvl="1"/>
+            <a:r>
+              <a:rPr lang="sv-SE" dirty="0"/>
+              <a:t>Den klass vi modifierat mest = </a:t>
+            </a:r>
+            <a:r>
+              <a:rPr lang="sv-SE" dirty="0">
+                <a:sym typeface="Wingdings" pitchFamily="2" charset="2"/>
+              </a:rPr>
+              <a:t>överväganden som kan kritiseras</a:t>
+            </a:r>
           </a:p>
         </p:txBody>
       </p:sp>
@@ -3055,7 +2979,7 @@
     </p:spTree>
     <p:extLst>
       <p:ext uri="{BB962C8B-B14F-4D97-AF65-F5344CB8AC3E}">
-        <p14:creationId xmlns:p14="http://schemas.microsoft.com/office/powerpoint/2010/main" val="61413010"/>
+        <p14:creationId xmlns:p14="http://schemas.microsoft.com/office/powerpoint/2010/main" val="1836920504"/>
       </p:ext>
     </p:extLst>
   </p:cSld>
@@ -3109,32 +3033,149 @@
           <a:bodyPr/>
           <a:lstStyle/>
           <a:p>
-            <a:pPr lvl="1"/>
-            <a:r>
-              <a:rPr lang="sv-SE" dirty="0"/>
-              <a:t>Motivering till varför vi valt </a:t>
-            </a:r>
-            <a:r>
-              <a:rPr lang="sv-SE" dirty="0" err="1"/>
-              <a:t>GeneratedMap</a:t>
-            </a:r>
-            <a:r>
-              <a:rPr lang="sv-SE" dirty="0"/>
-              <a:t>:</a:t>
-            </a:r>
-          </a:p>
-          <a:p>
-            <a:pPr lvl="1"/>
-            <a:r>
-              <a:rPr lang="sv-SE" dirty="0"/>
-              <a:t>Den klass vi modifierat mest = </a:t>
-            </a:r>
-            <a:r>
-              <a:rPr lang="sv-SE" dirty="0">
-                <a:sym typeface="Wingdings" pitchFamily="2" charset="2"/>
-              </a:rPr>
-              <a:t>överväganden som kan kritiseras</a:t>
-            </a:r>
+            <a:pPr marL="0" marR="0" lvl="0" indent="0" algn="l" defTabSz="914400" rtl="0" eaLnBrk="1" fontAlgn="auto" latinLnBrk="0" hangingPunct="1">
+              <a:lnSpc>
+                <a:spcPct val="100000"/>
+              </a:lnSpc>
+              <a:spcBef>
+                <a:spcPts val="0"/>
+              </a:spcBef>
+              <a:spcAft>
+                <a:spcPts val="0"/>
+              </a:spcAft>
+              <a:buClrTx/>
+              <a:buSzTx/>
+              <a:buFontTx/>
+              <a:buNone/>
+              <a:tabLst/>
+              <a:defRPr/>
+            </a:pPr>
+            <a:r>
+              <a:rPr lang="sv-SE" sz="1200" kern="1200" dirty="0">
+                <a:solidFill>
+                  <a:schemeClr val="tx1"/>
+                </a:solidFill>
+                <a:effectLst/>
+                <a:latin typeface="+mn-lt"/>
+                <a:ea typeface="+mn-ea"/>
+                <a:cs typeface="+mn-cs"/>
+              </a:rPr>
+              <a:t>Skriv upp definitionen av </a:t>
+            </a:r>
+            <a:r>
+              <a:rPr lang="sv-SE" sz="1200" kern="1200" dirty="0" err="1">
+                <a:solidFill>
+                  <a:schemeClr val="tx1"/>
+                </a:solidFill>
+                <a:effectLst/>
+                <a:latin typeface="+mn-lt"/>
+                <a:ea typeface="+mn-ea"/>
+                <a:cs typeface="+mn-cs"/>
+              </a:rPr>
+              <a:t>Severity</a:t>
+            </a:r>
+            <a:r>
+              <a:rPr lang="sv-SE" sz="1200" kern="1200" dirty="0">
+                <a:solidFill>
+                  <a:schemeClr val="tx1"/>
+                </a:solidFill>
+                <a:effectLst/>
+                <a:latin typeface="+mn-lt"/>
+                <a:ea typeface="+mn-ea"/>
+                <a:cs typeface="+mn-cs"/>
+              </a:rPr>
+              <a:t>-rankings.</a:t>
+            </a:r>
+          </a:p>
+          <a:p>
+            <a:pPr marL="0" marR="0" lvl="0" indent="0" algn="l" defTabSz="914400" rtl="0" eaLnBrk="1" fontAlgn="auto" latinLnBrk="0" hangingPunct="1">
+              <a:lnSpc>
+                <a:spcPct val="100000"/>
+              </a:lnSpc>
+              <a:spcBef>
+                <a:spcPts val="0"/>
+              </a:spcBef>
+              <a:spcAft>
+                <a:spcPts val="0"/>
+              </a:spcAft>
+              <a:buClrTx/>
+              <a:buSzTx/>
+              <a:buFontTx/>
+              <a:buNone/>
+              <a:tabLst/>
+              <a:defRPr/>
+            </a:pPr>
+            <a:endParaRPr lang="sv-SE" sz="1200" kern="1200" dirty="0">
+              <a:solidFill>
+                <a:schemeClr val="tx1"/>
+              </a:solidFill>
+              <a:effectLst/>
+              <a:latin typeface="+mn-lt"/>
+              <a:ea typeface="+mn-ea"/>
+              <a:cs typeface="+mn-cs"/>
+            </a:endParaRPr>
+          </a:p>
+          <a:p>
+            <a:pPr marL="0" marR="0" lvl="0" indent="0" algn="l" defTabSz="914400" rtl="0" eaLnBrk="1" fontAlgn="auto" latinLnBrk="0" hangingPunct="1">
+              <a:lnSpc>
+                <a:spcPct val="100000"/>
+              </a:lnSpc>
+              <a:spcBef>
+                <a:spcPts val="0"/>
+              </a:spcBef>
+              <a:spcAft>
+                <a:spcPts val="0"/>
+              </a:spcAft>
+              <a:buClrTx/>
+              <a:buSzTx/>
+              <a:buFontTx/>
+              <a:buNone/>
+              <a:tabLst/>
+              <a:defRPr/>
+            </a:pPr>
+            <a:endParaRPr lang="sv-SE" sz="1200" kern="1200" dirty="0">
+              <a:solidFill>
+                <a:schemeClr val="tx1"/>
+              </a:solidFill>
+              <a:effectLst/>
+              <a:latin typeface="+mn-lt"/>
+              <a:ea typeface="+mn-ea"/>
+              <a:cs typeface="+mn-cs"/>
+            </a:endParaRPr>
+          </a:p>
+          <a:p>
+            <a:pPr marL="0" marR="0" lvl="0" indent="0" algn="l" defTabSz="914400" rtl="0" eaLnBrk="1" fontAlgn="auto" latinLnBrk="0" hangingPunct="1">
+              <a:lnSpc>
+                <a:spcPct val="100000"/>
+              </a:lnSpc>
+              <a:spcBef>
+                <a:spcPts val="0"/>
+              </a:spcBef>
+              <a:spcAft>
+                <a:spcPts val="0"/>
+              </a:spcAft>
+              <a:buClrTx/>
+              <a:buSzTx/>
+              <a:buFontTx/>
+              <a:buNone/>
+              <a:tabLst/>
+              <a:defRPr/>
+            </a:pPr>
+            <a:r>
+              <a:rPr lang="sv-SE" sz="1200" kern="1200" dirty="0">
+                <a:solidFill>
+                  <a:schemeClr val="tx1"/>
+                </a:solidFill>
+                <a:effectLst/>
+                <a:latin typeface="+mn-lt"/>
+                <a:ea typeface="+mn-ea"/>
+                <a:cs typeface="+mn-cs"/>
+              </a:rPr>
+              <a:t>En lista över de påträffade felen och hur pass allvarliga ni bedömer dem.</a:t>
+            </a:r>
+          </a:p>
+          <a:p>
+            <a:endParaRPr lang="sv-SE" dirty="0"/>
           </a:p>
         </p:txBody>
       </p:sp>
@@ -3164,7 +3205,7 @@
     </p:spTree>
     <p:extLst>
       <p:ext uri="{BB962C8B-B14F-4D97-AF65-F5344CB8AC3E}">
-        <p14:creationId xmlns:p14="http://schemas.microsoft.com/office/powerpoint/2010/main" val="1836920504"/>
+        <p14:creationId xmlns:p14="http://schemas.microsoft.com/office/powerpoint/2010/main" val="1645734220"/>
       </p:ext>
     </p:extLst>
   </p:cSld>
@@ -3245,7 +3286,7 @@
                 <a:ea typeface="+mn-ea"/>
                 <a:cs typeface="+mn-cs"/>
               </a:rPr>
-              <a:t>Skriv upp definitionen av </a:t>
+              <a:t>En diskussion om vilka era erfarenheter ni dragit av att tillämpa granskning. Det finns inget rätt eller fel här. Enda sättet att bli underkända är att bara fuska över punkten och bara säga något pliktskyldigt. Ni förväntas förhålla er till såväl kursböckerna som utdelat material och IEEE </a:t>
             </a:r>
             <a:r>
               <a:rPr lang="sv-SE" sz="1200" kern="1200" dirty="0" err="1">
@@ -3257,7 +3298,7 @@
                 <a:ea typeface="+mn-ea"/>
                 <a:cs typeface="+mn-cs"/>
               </a:rPr>
-              <a:t>Severity</a:t>
+              <a:t>Std</a:t>
             </a:r>
             <a:r>
               <a:rPr lang="sv-SE" sz="1200" kern="1200" dirty="0">
@@ -3269,94 +3310,7 @@
                 <a:ea typeface="+mn-ea"/>
                 <a:cs typeface="+mn-cs"/>
               </a:rPr>
-              <a:t>-rankings.</a:t>
-            </a:r>
-          </a:p>
-          <a:p>
-            <a:pPr marL="0" marR="0" lvl="0" indent="0" algn="l" defTabSz="914400" rtl="0" eaLnBrk="1" fontAlgn="auto" latinLnBrk="0" hangingPunct="1">
-              <a:lnSpc>
-                <a:spcPct val="100000"/>
-              </a:lnSpc>
-              <a:spcBef>
-                <a:spcPts val="0"/>
-              </a:spcBef>
-              <a:spcAft>
-                <a:spcPts val="0"/>
-              </a:spcAft>
-              <a:buClrTx/>
-              <a:buSzTx/>
-              <a:buFontTx/>
-              <a:buNone/>
-              <a:tabLst/>
-              <a:defRPr/>
-            </a:pPr>
-            <a:endParaRPr lang="sv-SE" sz="1200" kern="1200" dirty="0">
-              <a:solidFill>
-                <a:schemeClr val="tx1"/>
-              </a:solidFill>
-              <a:effectLst/>
-              <a:latin typeface="+mn-lt"/>
-              <a:ea typeface="+mn-ea"/>
-              <a:cs typeface="+mn-cs"/>
-            </a:endParaRPr>
-          </a:p>
-          <a:p>
-            <a:pPr marL="0" marR="0" lvl="0" indent="0" algn="l" defTabSz="914400" rtl="0" eaLnBrk="1" fontAlgn="auto" latinLnBrk="0" hangingPunct="1">
-              <a:lnSpc>
-                <a:spcPct val="100000"/>
-              </a:lnSpc>
-              <a:spcBef>
-                <a:spcPts val="0"/>
-              </a:spcBef>
-              <a:spcAft>
-                <a:spcPts val="0"/>
-              </a:spcAft>
-              <a:buClrTx/>
-              <a:buSzTx/>
-              <a:buFontTx/>
-              <a:buNone/>
-              <a:tabLst/>
-              <a:defRPr/>
-            </a:pPr>
-            <a:endParaRPr lang="sv-SE" sz="1200" kern="1200" dirty="0">
-              <a:solidFill>
-                <a:schemeClr val="tx1"/>
-              </a:solidFill>
-              <a:effectLst/>
-              <a:latin typeface="+mn-lt"/>
-              <a:ea typeface="+mn-ea"/>
-              <a:cs typeface="+mn-cs"/>
-            </a:endParaRPr>
-          </a:p>
-          <a:p>
-            <a:pPr marL="0" marR="0" lvl="0" indent="0" algn="l" defTabSz="914400" rtl="0" eaLnBrk="1" fontAlgn="auto" latinLnBrk="0" hangingPunct="1">
-              <a:lnSpc>
-                <a:spcPct val="100000"/>
-              </a:lnSpc>
-              <a:spcBef>
-                <a:spcPts val="0"/>
-              </a:spcBef>
-              <a:spcAft>
-                <a:spcPts val="0"/>
-              </a:spcAft>
-              <a:buClrTx/>
-              <a:buSzTx/>
-              <a:buFontTx/>
-              <a:buNone/>
-              <a:tabLst/>
-              <a:defRPr/>
-            </a:pPr>
-            <a:r>
-              <a:rPr lang="sv-SE" sz="1200" kern="1200" dirty="0">
-                <a:solidFill>
-                  <a:schemeClr val="tx1"/>
-                </a:solidFill>
-                <a:effectLst/>
-                <a:latin typeface="+mn-lt"/>
-                <a:ea typeface="+mn-ea"/>
-                <a:cs typeface="+mn-cs"/>
-              </a:rPr>
-              <a:t>En lista över de påträffade felen och hur pass allvarliga ni bedömer dem.</a:t>
+              <a:t> 1028. Punktlista ok!</a:t>
             </a:r>
           </a:p>
           <a:p>
@@ -3390,7 +3344,7 @@
     </p:spTree>
     <p:extLst>
       <p:ext uri="{BB962C8B-B14F-4D97-AF65-F5344CB8AC3E}">
-        <p14:creationId xmlns:p14="http://schemas.microsoft.com/office/powerpoint/2010/main" val="1645734220"/>
+        <p14:creationId xmlns:p14="http://schemas.microsoft.com/office/powerpoint/2010/main" val="393491449"/>
       </p:ext>
     </p:extLst>
   </p:cSld>
@@ -3471,31 +3425,7 @@
                 <a:ea typeface="+mn-ea"/>
                 <a:cs typeface="+mn-cs"/>
               </a:rPr>
-              <a:t>En diskussion om vilka era erfarenheter ni dragit av att tillämpa granskning. Det finns inget rätt eller fel här. Enda sättet att bli underkända är att bara fuska över punkten och bara säga något pliktskyldigt. Ni förväntas förhålla er till såväl kursböckerna som utdelat material och IEEE </a:t>
-            </a:r>
-            <a:r>
-              <a:rPr lang="sv-SE" sz="1200" kern="1200" dirty="0" err="1">
-                <a:solidFill>
-                  <a:schemeClr val="tx1"/>
-                </a:solidFill>
-                <a:effectLst/>
-                <a:latin typeface="+mn-lt"/>
-                <a:ea typeface="+mn-ea"/>
-                <a:cs typeface="+mn-cs"/>
-              </a:rPr>
-              <a:t>Std</a:t>
-            </a:r>
-            <a:r>
-              <a:rPr lang="sv-SE" sz="1200" kern="1200" dirty="0">
-                <a:solidFill>
-                  <a:schemeClr val="tx1"/>
-                </a:solidFill>
-                <a:effectLst/>
-                <a:latin typeface="+mn-lt"/>
-                <a:ea typeface="+mn-ea"/>
-                <a:cs typeface="+mn-cs"/>
-              </a:rPr>
-              <a:t> 1028. Punktlista ok!</a:t>
+              <a:t>En presentation av de problem som hittats med hjälp av verktyg för statisk analys och en diskussion av dem enligt anvisningarna. Det räcker alltså inte med att bara lista problemen, ni måste förhålla er till dem också. Tänk också på att ni ska göra detta både på koden som den såg ut före granskningen och på koden efter att ni rättat det som kommit fram under granskningen. OBS sätt upp känsligheten så saker hittas!</a:t>
             </a:r>
           </a:p>
           <a:p>
@@ -3529,7 +3459,7 @@
     </p:spTree>
     <p:extLst>
       <p:ext uri="{BB962C8B-B14F-4D97-AF65-F5344CB8AC3E}">
-        <p14:creationId xmlns:p14="http://schemas.microsoft.com/office/powerpoint/2010/main" val="393491449"/>
+        <p14:creationId xmlns:p14="http://schemas.microsoft.com/office/powerpoint/2010/main" val="1343433812"/>
       </p:ext>
     </p:extLst>
   </p:cSld>
@@ -3717,11 +3647,12 @@
                 <a:ea typeface="+mn-ea"/>
                 <a:cs typeface="+mn-cs"/>
               </a:rPr>
-              <a:t>En presentation av de problem som hittats med hjälp av verktyg för statisk analys och en diskussion av dem enligt anvisningarna. Det räcker alltså inte med att bara lista problemen, ni måste förhålla er till dem också. Tänk också på att ni ska göra detta både på koden som den såg ut före granskningen och på koden efter att ni rättat det som kommit fram under granskningen. OBS sätt upp känsligheten så saker hittas!</a:t>
-            </a:r>
-          </a:p>
-          <a:p>
-            <a:endParaRPr lang="sv-SE" dirty="0"/>
+              <a:t>En presentation och diskussion kring ett antal lämpliga statiska mått på koden. Att vi inte specificerar exakt vilka mått som ska tas upp beror på att olika verktyg har olika uppsättningar, men vi förväntar oss fler och mer intressanta mått än bara rena storleksmått som LOC, #klasser, #metoder, etc. Även här är det viktigt att förhållas sig till måtten, inte bara lista dem. </a:t>
+            </a:r>
+            <a:r>
+              <a:rPr lang="sv-SE" dirty="0"/>
+              <a:t>Rader kod för projektet resp. testerna för att kunna jämföra.</a:t>
+            </a:r>
           </a:p>
         </p:txBody>
       </p:sp>
@@ -3751,7 +3682,7 @@
     </p:spTree>
     <p:extLst>
       <p:ext uri="{BB962C8B-B14F-4D97-AF65-F5344CB8AC3E}">
-        <p14:creationId xmlns:p14="http://schemas.microsoft.com/office/powerpoint/2010/main" val="1343433812"/>
+        <p14:creationId xmlns:p14="http://schemas.microsoft.com/office/powerpoint/2010/main" val="247082709"/>
       </p:ext>
     </p:extLst>
   </p:cSld>
@@ -3832,12 +3763,9 @@
                 <a:ea typeface="+mn-ea"/>
                 <a:cs typeface="+mn-cs"/>
               </a:rPr>
-              <a:t>En presentation och diskussion kring ett antal lämpliga statiska mått på koden. Att vi inte specificerar exakt vilka mått som ska tas upp beror på att olika verktyg har olika uppsättningar, men vi förväntar oss fler och mer intressanta mått än bara rena storleksmått som LOC, #klasser, #metoder, etc. Även här är det viktigt att förhållas sig till måtten, inte bara lista dem. </a:t>
-            </a:r>
-            <a:r>
-              <a:rPr lang="sv-SE" dirty="0"/>
-              <a:t>Rader kod för projektet resp. testerna för att kunna jämföra.</a:t>
-            </a:r>
+              <a:t>En presentation och diskussion kring ett antal lämpliga statiska mått på koden. Att vi inte specificerar exakt vilka mått som ska tas upp beror på att olika verktyg har olika uppsättningar, men vi förväntar oss fler och mer intressanta mått än bara rena storleksmått som LOC, #klasser, #metoder, etc. Även här är det viktigt att förhållas sig till måtten, inte bara lista dem.</a:t>
+            </a:r>
+            <a:endParaRPr lang="sv-SE" dirty="0"/>
           </a:p>
         </p:txBody>
       </p:sp>
@@ -3867,7 +3795,7 @@
     </p:spTree>
     <p:extLst>
       <p:ext uri="{BB962C8B-B14F-4D97-AF65-F5344CB8AC3E}">
-        <p14:creationId xmlns:p14="http://schemas.microsoft.com/office/powerpoint/2010/main" val="247082709"/>
+        <p14:creationId xmlns:p14="http://schemas.microsoft.com/office/powerpoint/2010/main" val="3898918040"/>
       </p:ext>
     </p:extLst>
   </p:cSld>
@@ -3948,8 +3876,58 @@
                 <a:ea typeface="+mn-ea"/>
                 <a:cs typeface="+mn-cs"/>
               </a:rPr>
-              <a:t>En presentation och diskussion kring ett antal lämpliga statiska mått på koden. Att vi inte specificerar exakt vilka mått som ska tas upp beror på att olika verktyg har olika uppsättningar, men vi förväntar oss fler och mer intressanta mått än bara rena storleksmått som LOC, #klasser, #metoder, etc. Även här är det viktigt att förhållas sig till måtten, inte bara lista dem.</a:t>
-            </a:r>
+              <a:t>En översikt över vilken täckningsgrad era testfall uppnått. Denna kan antagligen tas rakt av från verktyget ni använt för att mäta den. Om ni inte uppnått fullständig täckning så ska detta förklaras och motiveras. T.ex. Emma för </a:t>
+            </a:r>
+            <a:r>
+              <a:rPr lang="sv-SE" sz="1200" kern="1200" dirty="0" err="1">
+                <a:solidFill>
+                  <a:schemeClr val="tx1"/>
+                </a:solidFill>
+                <a:effectLst/>
+                <a:latin typeface="+mn-lt"/>
+                <a:ea typeface="+mn-ea"/>
+                <a:cs typeface="+mn-cs"/>
+              </a:rPr>
+              <a:t>Eclipse</a:t>
+            </a:r>
+            <a:r>
+              <a:rPr lang="sv-SE" sz="1200" kern="1200" dirty="0">
+                <a:solidFill>
+                  <a:schemeClr val="tx1"/>
+                </a:solidFill>
+                <a:effectLst/>
+                <a:latin typeface="+mn-lt"/>
+                <a:ea typeface="+mn-ea"/>
+                <a:cs typeface="+mn-cs"/>
+              </a:rPr>
+              <a:t> missar när det blir </a:t>
+            </a:r>
+            <a:r>
+              <a:rPr lang="sv-SE" sz="1200" kern="1200" dirty="0" err="1">
+                <a:solidFill>
+                  <a:schemeClr val="tx1"/>
+                </a:solidFill>
+                <a:effectLst/>
+                <a:latin typeface="+mn-lt"/>
+                <a:ea typeface="+mn-ea"/>
+                <a:cs typeface="+mn-cs"/>
+              </a:rPr>
+              <a:t>exceptions</a:t>
+            </a:r>
+            <a:r>
+              <a:rPr lang="sv-SE" sz="1200" kern="1200" dirty="0">
+                <a:solidFill>
+                  <a:schemeClr val="tx1"/>
+                </a:solidFill>
+                <a:effectLst/>
+                <a:latin typeface="+mn-lt"/>
+                <a:ea typeface="+mn-ea"/>
+                <a:cs typeface="+mn-cs"/>
+              </a:rPr>
+              <a:t>, blir ej 100% då.</a:t>
+            </a:r>
+          </a:p>
+          <a:p>
             <a:endParaRPr lang="sv-SE" dirty="0"/>
           </a:p>
         </p:txBody>
@@ -3980,7 +3958,7 @@
     </p:spTree>
     <p:extLst>
       <p:ext uri="{BB962C8B-B14F-4D97-AF65-F5344CB8AC3E}">
-        <p14:creationId xmlns:p14="http://schemas.microsoft.com/office/powerpoint/2010/main" val="3898918040"/>
+        <p14:creationId xmlns:p14="http://schemas.microsoft.com/office/powerpoint/2010/main" val="169751880"/>
       </p:ext>
     </p:extLst>
   </p:cSld>
@@ -4061,59 +4039,48 @@
                 <a:ea typeface="+mn-ea"/>
                 <a:cs typeface="+mn-cs"/>
               </a:rPr>
-              <a:t>En översikt över vilken täckningsgrad era testfall uppnått. Denna kan antagligen tas rakt av från verktyget ni använt för att mäta den. Om ni inte uppnått fullständig täckning så ska detta förklaras och motiveras. T.ex. Emma för </a:t>
-            </a:r>
-            <a:r>
-              <a:rPr lang="sv-SE" sz="1200" kern="1200" dirty="0" err="1">
-                <a:solidFill>
-                  <a:schemeClr val="tx1"/>
-                </a:solidFill>
-                <a:effectLst/>
-                <a:latin typeface="+mn-lt"/>
-                <a:ea typeface="+mn-ea"/>
-                <a:cs typeface="+mn-cs"/>
-              </a:rPr>
-              <a:t>Eclipse</a:t>
-            </a:r>
-            <a:r>
-              <a:rPr lang="sv-SE" sz="1200" kern="1200" dirty="0">
-                <a:solidFill>
-                  <a:schemeClr val="tx1"/>
-                </a:solidFill>
-                <a:effectLst/>
-                <a:latin typeface="+mn-lt"/>
-                <a:ea typeface="+mn-ea"/>
-                <a:cs typeface="+mn-cs"/>
-              </a:rPr>
-              <a:t> missar när det blir </a:t>
-            </a:r>
-            <a:r>
-              <a:rPr lang="sv-SE" sz="1200" kern="1200" dirty="0" err="1">
-                <a:solidFill>
-                  <a:schemeClr val="tx1"/>
-                </a:solidFill>
-                <a:effectLst/>
-                <a:latin typeface="+mn-lt"/>
-                <a:ea typeface="+mn-ea"/>
-                <a:cs typeface="+mn-cs"/>
-              </a:rPr>
-              <a:t>exceptions</a:t>
-            </a:r>
-            <a:r>
-              <a:rPr lang="sv-SE" sz="1200" kern="1200" dirty="0">
-                <a:solidFill>
-                  <a:schemeClr val="tx1"/>
-                </a:solidFill>
-                <a:effectLst/>
-                <a:latin typeface="+mn-lt"/>
-                <a:ea typeface="+mn-ea"/>
-                <a:cs typeface="+mn-cs"/>
-              </a:rPr>
-              <a:t>, blir ej 100% då.</a:t>
-            </a:r>
-          </a:p>
-          <a:p>
-            <a:endParaRPr lang="sv-SE" dirty="0"/>
+              <a:t>En kort presentation av hur ni gått tillväga för att testa koden med en profiler och vilka resultat ni fick fram. Även här är det viktigt att förhållas sig till måtten, inte bara presentera dem.</a:t>
+            </a:r>
+          </a:p>
+          <a:p>
+            <a:pPr marL="0" marR="0" lvl="0" indent="0" algn="l" defTabSz="914400" rtl="0" eaLnBrk="1" fontAlgn="auto" latinLnBrk="0" hangingPunct="1">
+              <a:lnSpc>
+                <a:spcPct val="100000"/>
+              </a:lnSpc>
+              <a:spcBef>
+                <a:spcPts val="0"/>
+              </a:spcBef>
+              <a:spcAft>
+                <a:spcPts val="0"/>
+              </a:spcAft>
+              <a:buClrTx/>
+              <a:buSzTx/>
+              <a:buFontTx/>
+              <a:buNone/>
+              <a:tabLst/>
+              <a:defRPr/>
+            </a:pPr>
+            <a:endParaRPr lang="sv-SE" sz="1200" kern="1200" dirty="0">
+              <a:solidFill>
+                <a:schemeClr val="tx1"/>
+              </a:solidFill>
+              <a:effectLst/>
+              <a:latin typeface="+mn-lt"/>
+              <a:ea typeface="+mn-ea"/>
+              <a:cs typeface="+mn-cs"/>
+            </a:endParaRPr>
+          </a:p>
+          <a:p>
+            <a:r>
+              <a:rPr lang="sv-SE" dirty="0"/>
+              <a:t>Profiler kollar körande program, var spenderas tid och minne osv.</a:t>
+            </a:r>
+          </a:p>
+          <a:p>
+            <a:r>
+              <a:rPr lang="sv-SE" dirty="0"/>
+              <a:t>Kolla nåt intressant! Se inspelad fl.</a:t>
+            </a:r>
           </a:p>
         </p:txBody>
       </p:sp>
@@ -4143,7 +4110,7 @@
     </p:spTree>
     <p:extLst>
       <p:ext uri="{BB962C8B-B14F-4D97-AF65-F5344CB8AC3E}">
-        <p14:creationId xmlns:p14="http://schemas.microsoft.com/office/powerpoint/2010/main" val="169751880"/>
+        <p14:creationId xmlns:p14="http://schemas.microsoft.com/office/powerpoint/2010/main" val="1278246246"/>
       </p:ext>
     </p:extLst>
   </p:cSld>
@@ -4224,7 +4191,7 @@
                 <a:ea typeface="+mn-ea"/>
                 <a:cs typeface="+mn-cs"/>
               </a:rPr>
-              <a:t>En kort presentation av hur ni gått tillväga för att testa koden med en profiler och vilka resultat ni fick fram. Även här är det viktigt att förhållas sig till måtten, inte bara presentera dem.</a:t>
+              <a:t>Byggscriptets första (seriösa/fungerande) version, och den slutliga (efter att saker lagts till).</a:t>
             </a:r>
           </a:p>
           <a:p>
@@ -4245,6 +4212,42 @@
               <a:tabLst/>
               <a:defRPr/>
             </a:pPr>
+            <a:r>
+              <a:rPr lang="sv-SE" sz="1200" kern="1200" dirty="0" err="1">
+                <a:solidFill>
+                  <a:schemeClr val="tx1"/>
+                </a:solidFill>
+                <a:effectLst/>
+                <a:latin typeface="+mn-lt"/>
+                <a:ea typeface="+mn-ea"/>
+                <a:cs typeface="+mn-cs"/>
+              </a:rPr>
+              <a:t>Maven</a:t>
+            </a:r>
+            <a:r>
+              <a:rPr lang="sv-SE" sz="1200" kern="1200" dirty="0">
+                <a:solidFill>
+                  <a:schemeClr val="tx1"/>
+                </a:solidFill>
+                <a:effectLst/>
+                <a:latin typeface="+mn-lt"/>
+                <a:ea typeface="+mn-ea"/>
+                <a:cs typeface="+mn-cs"/>
+              </a:rPr>
+              <a:t>, </a:t>
+            </a:r>
+            <a:r>
+              <a:rPr lang="sv-SE" sz="1200" kern="1200" dirty="0" err="1">
+                <a:solidFill>
+                  <a:schemeClr val="tx1"/>
+                </a:solidFill>
+                <a:effectLst/>
+                <a:latin typeface="+mn-lt"/>
+                <a:ea typeface="+mn-ea"/>
+                <a:cs typeface="+mn-cs"/>
+              </a:rPr>
+              <a:t>xml</a:t>
+            </a:r>
             <a:endParaRPr lang="sv-SE" sz="1200" kern="1200" dirty="0">
               <a:solidFill>
                 <a:schemeClr val="tx1"/>
@@ -4256,16 +4259,7 @@
             </a:endParaRPr>
           </a:p>
           <a:p>
-            <a:r>
-              <a:rPr lang="sv-SE" dirty="0"/>
-              <a:t>Profiler kollar körande program, var spenderas tid och minne osv.</a:t>
-            </a:r>
-          </a:p>
-          <a:p>
-            <a:r>
-              <a:rPr lang="sv-SE" dirty="0"/>
-              <a:t>Kolla nåt intressant! Se inspelad fl.</a:t>
-            </a:r>
+            <a:endParaRPr lang="sv-SE" dirty="0"/>
           </a:p>
         </p:txBody>
       </p:sp>
@@ -4295,7 +4289,7 @@
     </p:spTree>
     <p:extLst>
       <p:ext uri="{BB962C8B-B14F-4D97-AF65-F5344CB8AC3E}">
-        <p14:creationId xmlns:p14="http://schemas.microsoft.com/office/powerpoint/2010/main" val="1278246246"/>
+        <p14:creationId xmlns:p14="http://schemas.microsoft.com/office/powerpoint/2010/main" val="109849433"/>
       </p:ext>
     </p:extLst>
   </p:cSld>
@@ -4378,72 +4372,6 @@
               </a:rPr>
               <a:t>Byggscriptets första (seriösa/fungerande) version, och den slutliga (efter att saker lagts till).</a:t>
             </a:r>
-          </a:p>
-          <a:p>
-            <a:pPr marL="0" marR="0" lvl="0" indent="0" algn="l" defTabSz="914400" rtl="0" eaLnBrk="1" fontAlgn="auto" latinLnBrk="0" hangingPunct="1">
-              <a:lnSpc>
-                <a:spcPct val="100000"/>
-              </a:lnSpc>
-              <a:spcBef>
-                <a:spcPts val="0"/>
-              </a:spcBef>
-              <a:spcAft>
-                <a:spcPts val="0"/>
-              </a:spcAft>
-              <a:buClrTx/>
-              <a:buSzTx/>
-              <a:buFontTx/>
-              <a:buNone/>
-              <a:tabLst/>
-              <a:defRPr/>
-            </a:pPr>
-            <a:r>
-              <a:rPr lang="sv-SE" sz="1200" kern="1200" dirty="0" err="1">
-                <a:solidFill>
-                  <a:schemeClr val="tx1"/>
-                </a:solidFill>
-                <a:effectLst/>
-                <a:latin typeface="+mn-lt"/>
-                <a:ea typeface="+mn-ea"/>
-                <a:cs typeface="+mn-cs"/>
-              </a:rPr>
-              <a:t>Maven</a:t>
-            </a:r>
-            <a:r>
-              <a:rPr lang="sv-SE" sz="1200" kern="1200" dirty="0">
-                <a:solidFill>
-                  <a:schemeClr val="tx1"/>
-                </a:solidFill>
-                <a:effectLst/>
-                <a:latin typeface="+mn-lt"/>
-                <a:ea typeface="+mn-ea"/>
-                <a:cs typeface="+mn-cs"/>
-              </a:rPr>
-              <a:t>, </a:t>
-            </a:r>
-            <a:r>
-              <a:rPr lang="sv-SE" sz="1200" kern="1200" dirty="0" err="1">
-                <a:solidFill>
-                  <a:schemeClr val="tx1"/>
-                </a:solidFill>
-                <a:effectLst/>
-                <a:latin typeface="+mn-lt"/>
-                <a:ea typeface="+mn-ea"/>
-                <a:cs typeface="+mn-cs"/>
-              </a:rPr>
-              <a:t>xml</a:t>
-            </a:r>
-            <a:endParaRPr lang="sv-SE" sz="1200" kern="1200" dirty="0">
-              <a:solidFill>
-                <a:schemeClr val="tx1"/>
-              </a:solidFill>
-              <a:effectLst/>
-              <a:latin typeface="+mn-lt"/>
-              <a:ea typeface="+mn-ea"/>
-              <a:cs typeface="+mn-cs"/>
-            </a:endParaRPr>
-          </a:p>
-          <a:p>
             <a:endParaRPr lang="sv-SE" dirty="0"/>
           </a:p>
         </p:txBody>
@@ -4466,119 +4394,6 @@
             <a:fld id="{8667F948-D2CB-486C-A2EA-FEABC2DAAE8D}" type="slidenum">
               <a:rPr lang="sv-SE" smtClean="0"/>
               <a:t>35</a:t>
-            </a:fld>
-            <a:endParaRPr lang="sv-SE"/>
-          </a:p>
-        </p:txBody>
-      </p:sp>
-    </p:spTree>
-    <p:extLst>
-      <p:ext uri="{BB962C8B-B14F-4D97-AF65-F5344CB8AC3E}">
-        <p14:creationId xmlns:p14="http://schemas.microsoft.com/office/powerpoint/2010/main" val="109849433"/>
-      </p:ext>
-    </p:extLst>
-  </p:cSld>
-  <p:clrMapOvr>
-    <a:masterClrMapping/>
-  </p:clrMapOvr>
-</p:notes>
-</file>
-
-<file path=ppt/notesSlides/notesSlide36.xml><?xml version="1.0" encoding="utf-8"?>
-<p:notes xmlns:a="http://schemas.openxmlformats.org/drawingml/2006/main" xmlns:r="http://schemas.openxmlformats.org/officeDocument/2006/relationships" xmlns:p="http://schemas.openxmlformats.org/presentationml/2006/main">
-  <p:cSld>
-    <p:spTree>
-      <p:nvGrpSpPr>
-        <p:cNvPr id="1" name=""/>
-        <p:cNvGrpSpPr/>
-        <p:nvPr/>
-      </p:nvGrpSpPr>
-      <p:grpSpPr>
-        <a:xfrm>
-          <a:off x="0" y="0"/>
-          <a:ext cx="0" cy="0"/>
-          <a:chOff x="0" y="0"/>
-          <a:chExt cx="0" cy="0"/>
-        </a:xfrm>
-      </p:grpSpPr>
-      <p:sp>
-        <p:nvSpPr>
-          <p:cNvPr id="2" name="Platshållare för bildobjekt 1"/>
-          <p:cNvSpPr>
-            <a:spLocks noGrp="1" noRot="1" noChangeAspect="1"/>
-          </p:cNvSpPr>
-          <p:nvPr>
-            <p:ph type="sldImg"/>
-          </p:nvPr>
-        </p:nvSpPr>
-        <p:spPr/>
-      </p:sp>
-      <p:sp>
-        <p:nvSpPr>
-          <p:cNvPr id="3" name="Platshållare för anteckningar 2"/>
-          <p:cNvSpPr>
-            <a:spLocks noGrp="1"/>
-          </p:cNvSpPr>
-          <p:nvPr>
-            <p:ph type="body" idx="1"/>
-          </p:nvPr>
-        </p:nvSpPr>
-        <p:spPr/>
-        <p:txBody>
-          <a:bodyPr/>
-          <a:lstStyle/>
-          <a:p>
-            <a:pPr marL="0" marR="0" lvl="0" indent="0" algn="l" defTabSz="914400" rtl="0" eaLnBrk="1" fontAlgn="auto" latinLnBrk="0" hangingPunct="1">
-              <a:lnSpc>
-                <a:spcPct val="100000"/>
-              </a:lnSpc>
-              <a:spcBef>
-                <a:spcPts val="0"/>
-              </a:spcBef>
-              <a:spcAft>
-                <a:spcPts val="0"/>
-              </a:spcAft>
-              <a:buClrTx/>
-              <a:buSzTx/>
-              <a:buFontTx/>
-              <a:buNone/>
-              <a:tabLst/>
-              <a:defRPr/>
-            </a:pPr>
-            <a:r>
-              <a:rPr lang="sv-SE" sz="1200" kern="1200" dirty="0">
-                <a:solidFill>
-                  <a:schemeClr val="tx1"/>
-                </a:solidFill>
-                <a:effectLst/>
-                <a:latin typeface="+mn-lt"/>
-                <a:ea typeface="+mn-ea"/>
-                <a:cs typeface="+mn-cs"/>
-              </a:rPr>
-              <a:t>Byggscriptets första (seriösa/fungerande) version, och den slutliga (efter att saker lagts till).</a:t>
-            </a:r>
-            <a:endParaRPr lang="sv-SE" dirty="0"/>
-          </a:p>
-        </p:txBody>
-      </p:sp>
-      <p:sp>
-        <p:nvSpPr>
-          <p:cNvPr id="4" name="Platshållare för bildnummer 3"/>
-          <p:cNvSpPr>
-            <a:spLocks noGrp="1"/>
-          </p:cNvSpPr>
-          <p:nvPr>
-            <p:ph type="sldNum" sz="quarter" idx="10"/>
-          </p:nvPr>
-        </p:nvSpPr>
-        <p:spPr/>
-        <p:txBody>
-          <a:bodyPr/>
-          <a:lstStyle/>
-          <a:p>
-            <a:fld id="{8667F948-D2CB-486C-A2EA-FEABC2DAAE8D}" type="slidenum">
-              <a:rPr lang="sv-SE" smtClean="0"/>
-              <a:t>36</a:t>
             </a:fld>
             <a:endParaRPr lang="sv-SE"/>
           </a:p>
@@ -17740,19 +17555,17 @@
       </p:pic>
       <p:pic>
         <p:nvPicPr>
-          <p:cNvPr id="14" name="Content Placeholder 13">
+          <p:cNvPr id="5" name="Bildobjekt 4">
             <a:extLst>
               <a:ext uri="{FF2B5EF4-FFF2-40B4-BE49-F238E27FC236}">
-                <a16:creationId xmlns:a16="http://schemas.microsoft.com/office/drawing/2014/main" id="{D4702EC6-E776-6745-A8FA-AFAB7070BCE6}"/>
+                <a16:creationId xmlns:a16="http://schemas.microsoft.com/office/drawing/2014/main" id="{4E48DE43-C7FE-C64A-B1FD-CE9F9536291C}"/>
               </a:ext>
             </a:extLst>
           </p:cNvPr>
           <p:cNvPicPr>
-            <a:picLocks noGrp="1" noChangeAspect="1"/>
+            <a:picLocks noChangeAspect="1"/>
           </p:cNvPicPr>
-          <p:nvPr>
-            <p:ph idx="1"/>
-          </p:nvPr>
+          <p:nvPr/>
         </p:nvPicPr>
         <p:blipFill>
           <a:blip r:embed="rId5">
@@ -17768,9 +17581,12 @@
         </p:blipFill>
         <p:spPr>
           <a:xfrm>
-            <a:off x="4654539" y="1690688"/>
-            <a:ext cx="4940300" cy="2540000"/>
+            <a:off x="5030781" y="2436061"/>
+            <a:ext cx="5803900" cy="2755900"/>
           </a:xfrm>
+          <a:prstGeom prst="rect">
+            <a:avLst/>
+          </a:prstGeom>
         </p:spPr>
       </p:pic>
     </p:spTree>
@@ -17835,41 +17651,6 @@
       </p:sp>
       <p:pic>
         <p:nvPicPr>
-          <p:cNvPr id="7" name="Content Placeholder 6">
-            <a:extLst>
-              <a:ext uri="{FF2B5EF4-FFF2-40B4-BE49-F238E27FC236}">
-                <a16:creationId xmlns:a16="http://schemas.microsoft.com/office/drawing/2014/main" id="{8FF3AB4D-8F59-0649-B99C-7CEBC25576D9}"/>
-              </a:ext>
-            </a:extLst>
-          </p:cNvPr>
-          <p:cNvPicPr>
-            <a:picLocks noGrp="1" noChangeAspect="1"/>
-          </p:cNvPicPr>
-          <p:nvPr>
-            <p:ph idx="1"/>
-          </p:nvPr>
-        </p:nvPicPr>
-        <p:blipFill>
-          <a:blip r:embed="rId4">
-            <a:extLst>
-              <a:ext uri="{28A0092B-C50C-407E-A947-70E740481C1C}">
-                <a14:useLocalDpi xmlns:a14="http://schemas.microsoft.com/office/drawing/2010/main" val="0"/>
-              </a:ext>
-            </a:extLst>
-          </a:blip>
-          <a:stretch>
-            <a:fillRect/>
-          </a:stretch>
-        </p:blipFill>
-        <p:spPr>
-          <a:xfrm>
-            <a:off x="4511665" y="1825624"/>
-            <a:ext cx="7359670" cy="4351338"/>
-          </a:xfrm>
-        </p:spPr>
-      </p:pic>
-      <p:pic>
-        <p:nvPicPr>
           <p:cNvPr id="4" name="Picture 3">
             <a:extLst>
               <a:ext uri="{FF2B5EF4-FFF2-40B4-BE49-F238E27FC236}">
@@ -17883,7 +17664,7 @@
           <p:nvPr/>
         </p:nvPicPr>
         <p:blipFill>
-          <a:blip r:embed="rId5">
+          <a:blip r:embed="rId4">
             <a:extLst>
               <a:ext uri="{28A0092B-C50C-407E-A947-70E740481C1C}">
                 <a14:useLocalDpi xmlns:a14="http://schemas.microsoft.com/office/drawing/2010/main" val="0"/>
@@ -17902,6 +17683,41 @@
           <a:prstGeom prst="rect">
             <a:avLst/>
           </a:prstGeom>
+        </p:spPr>
+      </p:pic>
+      <p:pic>
+        <p:nvPicPr>
+          <p:cNvPr id="8" name="Platshållare för innehåll 7">
+            <a:extLst>
+              <a:ext uri="{FF2B5EF4-FFF2-40B4-BE49-F238E27FC236}">
+                <a16:creationId xmlns:a16="http://schemas.microsoft.com/office/drawing/2014/main" id="{91D8A0DA-EE56-F94E-A94F-9CEFD4BDBCF9}"/>
+              </a:ext>
+            </a:extLst>
+          </p:cNvPr>
+          <p:cNvPicPr>
+            <a:picLocks noGrp="1" noChangeAspect="1"/>
+          </p:cNvPicPr>
+          <p:nvPr>
+            <p:ph idx="1"/>
+          </p:nvPr>
+        </p:nvPicPr>
+        <p:blipFill>
+          <a:blip r:embed="rId5">
+            <a:extLst>
+              <a:ext uri="{28A0092B-C50C-407E-A947-70E740481C1C}">
+                <a14:useLocalDpi xmlns:a14="http://schemas.microsoft.com/office/drawing/2010/main" val="0"/>
+              </a:ext>
+            </a:extLst>
+          </a:blip>
+          <a:stretch>
+            <a:fillRect/>
+          </a:stretch>
+        </p:blipFill>
+        <p:spPr>
+          <a:xfrm>
+            <a:off x="5213505" y="1401930"/>
+            <a:ext cx="6140294" cy="4898240"/>
+          </a:xfrm>
         </p:spPr>
       </p:pic>
     </p:spTree>
@@ -18154,8 +17970,8 @@
         </p:blipFill>
         <p:spPr>
           <a:xfrm>
-            <a:off x="3282015" y="1825625"/>
-            <a:ext cx="5627970" cy="4351338"/>
+            <a:off x="4712690" y="537637"/>
+            <a:ext cx="7479310" cy="5782726"/>
           </a:xfrm>
         </p:spPr>
       </p:pic>
@@ -18242,7 +18058,7 @@
             </a:pPr>
             <a:r>
               <a:rPr lang="sv-SE" dirty="0"/>
-              <a:t>Hero plockar upp vapen med styrka 50.</a:t>
+              <a:t>(1) Hero plockar upp vapen med styrka 50.</a:t>
             </a:r>
           </a:p>
           <a:p>
@@ -18251,7 +18067,7 @@
             </a:pPr>
             <a:r>
               <a:rPr lang="sv-SE" dirty="0"/>
-              <a:t>…vapen med styrka 15.</a:t>
+              <a:t>(3) …vapen med styrka 15.</a:t>
             </a:r>
           </a:p>
           <a:p>
@@ -18260,7 +18076,7 @@
             </a:pPr>
             <a:r>
               <a:rPr lang="sv-SE" dirty="0"/>
-              <a:t>…vapen med styrka 100.</a:t>
+              <a:t>(2) …vapen med styrka 100.</a:t>
             </a:r>
           </a:p>
           <a:p>
@@ -18269,7 +18085,7 @@
             </a:pPr>
             <a:r>
               <a:rPr lang="sv-SE" dirty="0"/>
-              <a:t>…</a:t>
+              <a:t>(4) …</a:t>
             </a:r>
             <a:r>
               <a:rPr lang="sv-SE" dirty="0" err="1"/>
@@ -18286,7 +18102,7 @@
             </a:pPr>
             <a:r>
               <a:rPr lang="sv-SE" dirty="0"/>
-              <a:t>…</a:t>
+              <a:t>(8) …</a:t>
             </a:r>
             <a:r>
               <a:rPr lang="sv-SE" dirty="0" err="1"/>
@@ -18303,7 +18119,7 @@
             </a:pPr>
             <a:r>
               <a:rPr lang="sv-SE" dirty="0"/>
-              <a:t>…vapen med styrka 75.</a:t>
+              <a:t>(6) …vapen med styrka 75.</a:t>
             </a:r>
           </a:p>
         </p:txBody>
@@ -18336,7 +18152,7 @@
             </a:pPr>
             <a:r>
               <a:rPr lang="sv-SE" dirty="0"/>
-              <a:t>Hero plockar upp </a:t>
+              <a:t>(12) Hero plockar upp </a:t>
             </a:r>
             <a:r>
               <a:rPr lang="sv-SE" dirty="0" err="1"/>
@@ -18353,7 +18169,7 @@
             </a:pPr>
             <a:r>
               <a:rPr lang="sv-SE" dirty="0"/>
-              <a:t>…</a:t>
+              <a:t>(11) …</a:t>
             </a:r>
             <a:r>
               <a:rPr lang="sv-SE" dirty="0" err="1"/>
@@ -18370,7 +18186,7 @@
             </a:pPr>
             <a:r>
               <a:rPr lang="sv-SE" dirty="0"/>
-              <a:t>…</a:t>
+              <a:t>(10) …</a:t>
             </a:r>
             <a:r>
               <a:rPr lang="sv-SE" dirty="0" err="1"/>
@@ -18387,7 +18203,7 @@
             </a:pPr>
             <a:r>
               <a:rPr lang="sv-SE" dirty="0"/>
-              <a:t>…vapen med styrka 75.</a:t>
+              <a:t>(9) …vapen med styrka 75.</a:t>
             </a:r>
           </a:p>
           <a:p>
@@ -18396,7 +18212,7 @@
             </a:pPr>
             <a:r>
               <a:rPr lang="sv-SE" dirty="0"/>
-              <a:t>…</a:t>
+              <a:t>(7) …</a:t>
             </a:r>
             <a:r>
               <a:rPr lang="sv-SE" dirty="0" err="1"/>
@@ -18413,7 +18229,7 @@
             </a:pPr>
             <a:r>
               <a:rPr lang="sv-SE" dirty="0"/>
-              <a:t>…vapen med styrka 98.</a:t>
+              <a:t>(5) …vapen med styrka 98.</a:t>
             </a:r>
           </a:p>
           <a:p>
@@ -18471,7 +18287,7 @@
           <a:p>
             <a:r>
               <a:rPr lang="sv-SE" dirty="0"/>
-              <a:t>Testmatris</a:t>
+              <a:t>Granskning</a:t>
             </a:r>
           </a:p>
         </p:txBody>
@@ -18488,10 +18304,88 @@
         </p:nvSpPr>
         <p:spPr/>
         <p:txBody>
-          <a:bodyPr/>
+          <a:bodyPr>
+            <a:normAutofit/>
+          </a:bodyPr>
           <a:lstStyle/>
           <a:p>
+            <a:r>
+              <a:rPr lang="sv-SE" dirty="0"/>
+              <a:t>Granskning av grupp 3: klass </a:t>
+            </a:r>
+            <a:r>
+              <a:rPr lang="sv-SE" dirty="0" err="1"/>
+              <a:t>MapGeneration</a:t>
+            </a:r>
             <a:endParaRPr lang="sv-SE" dirty="0"/>
+          </a:p>
+          <a:p>
+            <a:endParaRPr lang="sv-SE" sz="1100" dirty="0"/>
+          </a:p>
+          <a:p>
+            <a:r>
+              <a:rPr lang="sv-SE" dirty="0"/>
+              <a:t>Granskning av vår klass </a:t>
+            </a:r>
+            <a:r>
+              <a:rPr lang="sv-SE" dirty="0" err="1"/>
+              <a:t>GeneratedMap</a:t>
+            </a:r>
+            <a:endParaRPr lang="sv-SE" dirty="0"/>
+          </a:p>
+          <a:p>
+            <a:pPr lvl="1"/>
+            <a:r>
+              <a:rPr lang="sv-SE" dirty="0"/>
+              <a:t>Varför denna klass? Komplexitet.</a:t>
+            </a:r>
+          </a:p>
+          <a:p>
+            <a:pPr lvl="1"/>
+            <a:r>
+              <a:rPr lang="sv-SE" dirty="0"/>
+              <a:t>LOC: </a:t>
+            </a:r>
+            <a:r>
+              <a:rPr lang="sv-SE" dirty="0">
+                <a:highlight>
+                  <a:srgbClr val="FFFF00"/>
+                </a:highlight>
+              </a:rPr>
+              <a:t>245</a:t>
+            </a:r>
+          </a:p>
+          <a:p>
+            <a:pPr lvl="1"/>
+            <a:endParaRPr lang="sv-SE" sz="1100" dirty="0"/>
+          </a:p>
+          <a:p>
+            <a:r>
+              <a:rPr lang="sv-SE" dirty="0"/>
+              <a:t>Checklista från </a:t>
+            </a:r>
+            <a:r>
+              <a:rPr lang="sv-SE" dirty="0" err="1"/>
+              <a:t>Seminarie</a:t>
+            </a:r>
+            <a:r>
+              <a:rPr lang="sv-SE" dirty="0"/>
+              <a:t> 2, motsvarande process</a:t>
+            </a:r>
+          </a:p>
+          <a:p>
+            <a:pPr lvl="1"/>
+            <a:r>
+              <a:rPr lang="sv-SE" dirty="0"/>
+              <a:t>Enskilda förberedelser</a:t>
+            </a:r>
+          </a:p>
+          <a:p>
+            <a:pPr lvl="1"/>
+            <a:r>
+              <a:rPr lang="sv-SE" dirty="0"/>
+              <a:t>Roller: Moderator, uppläsare, tre inspektörer, en representant från grupp 3</a:t>
+            </a:r>
           </a:p>
         </p:txBody>
       </p:sp>
@@ -18501,7 +18395,7 @@
     </p:custDataLst>
     <p:extLst>
       <p:ext uri="{BB962C8B-B14F-4D97-AF65-F5344CB8AC3E}">
-        <p14:creationId xmlns:p14="http://schemas.microsoft.com/office/powerpoint/2010/main" val="2129764329"/>
+        <p14:creationId xmlns:p14="http://schemas.microsoft.com/office/powerpoint/2010/main" val="3427005653"/>
       </p:ext>
     </p:extLst>
   </p:cSld>
@@ -18545,7 +18439,7 @@
           <a:p>
             <a:r>
               <a:rPr lang="sv-SE" dirty="0"/>
-              <a:t>Granskning</a:t>
+              <a:t>Granskningsrapport</a:t>
             </a:r>
           </a:p>
         </p:txBody>
@@ -18560,90 +18454,490 @@
             <p:ph idx="1"/>
           </p:nvPr>
         </p:nvSpPr>
-        <p:spPr/>
+        <p:spPr>
+          <a:xfrm>
+            <a:off x="942975" y="1825625"/>
+            <a:ext cx="5714499" cy="4351338"/>
+          </a:xfrm>
+        </p:spPr>
         <p:txBody>
           <a:bodyPr>
-            <a:normAutofit/>
+            <a:normAutofit lnSpcReduction="10000"/>
           </a:bodyPr>
           <a:lstStyle/>
           <a:p>
+            <a:pPr marL="0" indent="0">
+              <a:buNone/>
+            </a:pPr>
             <a:r>
               <a:rPr lang="sv-SE" dirty="0"/>
-              <a:t>Granskning av grupp 3: klass </a:t>
-            </a:r>
-            <a:r>
-              <a:rPr lang="sv-SE" dirty="0" err="1"/>
-              <a:t>MapGeneration</a:t>
-            </a:r>
-            <a:endParaRPr lang="sv-SE" dirty="0"/>
-          </a:p>
-          <a:p>
-            <a:endParaRPr lang="sv-SE" sz="1100" dirty="0"/>
-          </a:p>
-          <a:p>
-            <a:r>
-              <a:rPr lang="sv-SE" dirty="0"/>
-              <a:t>Granskning av vår klass </a:t>
-            </a:r>
-            <a:r>
-              <a:rPr lang="sv-SE" dirty="0" err="1"/>
-              <a:t>GeneratedMap</a:t>
-            </a:r>
-            <a:endParaRPr lang="sv-SE" dirty="0"/>
-          </a:p>
-          <a:p>
-            <a:pPr lvl="1"/>
-            <a:r>
-              <a:rPr lang="sv-SE" dirty="0"/>
-              <a:t>Varför denna klass? Komplexitet.</a:t>
-            </a:r>
-          </a:p>
-          <a:p>
-            <a:pPr lvl="1"/>
-            <a:r>
-              <a:rPr lang="sv-SE" dirty="0"/>
-              <a:t>LOC: </a:t>
-            </a:r>
-            <a:r>
-              <a:rPr lang="sv-SE" dirty="0">
+              <a:t>Defekt</a:t>
+            </a:r>
+          </a:p>
+          <a:p>
+            <a:pPr marL="514350" indent="-514350">
+              <a:buFont typeface="+mj-lt"/>
+              <a:buAutoNum type="arabicPeriod"/>
+            </a:pPr>
+            <a:r>
+              <a:rPr lang="sv-SE" sz="1400" dirty="0"/>
+              <a:t>Formatering: </a:t>
+            </a:r>
+            <a:r>
+              <a:rPr lang="sv-SE" sz="1400" dirty="0" err="1"/>
+              <a:t>indentering</a:t>
+            </a:r>
+            <a:r>
+              <a:rPr lang="sv-SE" sz="1400" dirty="0"/>
+              <a:t> &amp; blanka rader</a:t>
+            </a:r>
+          </a:p>
+          <a:p>
+            <a:pPr marL="514350" indent="-514350">
+              <a:buFont typeface="+mj-lt"/>
+              <a:buAutoNum type="arabicPeriod"/>
+            </a:pPr>
+            <a:r>
+              <a:rPr lang="sv-SE" sz="1400" dirty="0" err="1"/>
+              <a:t>GameMap</a:t>
+            </a:r>
+            <a:r>
+              <a:rPr lang="sv-SE" sz="1400" dirty="0"/>
+              <a:t> </a:t>
+            </a:r>
+            <a:r>
+              <a:rPr lang="sv-SE" sz="1400" dirty="0" err="1"/>
+              <a:t>gameMap</a:t>
+            </a:r>
+            <a:r>
+              <a:rPr lang="sv-SE" sz="1400" dirty="0"/>
+              <a:t> initieras aldrig men skickas med i metodanrop.</a:t>
+            </a:r>
+          </a:p>
+          <a:p>
+            <a:pPr marL="514350" indent="-514350">
+              <a:buFont typeface="+mj-lt"/>
+              <a:buAutoNum type="arabicPeriod"/>
+            </a:pPr>
+            <a:r>
+              <a:rPr lang="sv-SE" sz="1400" dirty="0"/>
+              <a:t>Namngivning: </a:t>
+            </a:r>
+            <a:r>
+              <a:rPr lang="sv-SE" sz="1400" dirty="0" err="1"/>
+              <a:t>io</a:t>
+            </a:r>
+            <a:r>
+              <a:rPr lang="sv-SE" sz="1400" dirty="0"/>
+              <a:t>, </a:t>
+            </a:r>
+            <a:r>
+              <a:rPr lang="sv-SE" sz="1400" dirty="0" err="1"/>
+              <a:t>emptySpots</a:t>
+            </a:r>
+            <a:r>
+              <a:rPr lang="sv-SE" sz="1400" dirty="0"/>
+              <a:t>, </a:t>
+            </a:r>
+            <a:br>
+              <a:rPr lang="sv-SE" sz="1400" dirty="0"/>
+            </a:br>
+            <a:r>
+              <a:rPr lang="sv-SE" sz="1400" dirty="0" err="1"/>
+              <a:t>getEmptyAndRemoveSpots</a:t>
+            </a:r>
+            <a:r>
+              <a:rPr lang="sv-SE" sz="1400" dirty="0"/>
+              <a:t>,</a:t>
+            </a:r>
+            <a:br>
+              <a:rPr lang="sv-SE" sz="1400" dirty="0"/>
+            </a:br>
+            <a:r>
+              <a:rPr lang="sv-SE" sz="1400" dirty="0" err="1"/>
+              <a:t>checkNearestPoint</a:t>
+            </a:r>
+            <a:r>
+              <a:rPr lang="sv-SE" sz="1400" dirty="0"/>
+              <a:t>, </a:t>
+            </a:r>
+            <a:r>
+              <a:rPr lang="sv-SE" sz="1400" dirty="0" err="1"/>
+              <a:t>endPoint</a:t>
+            </a:r>
+            <a:endParaRPr lang="sv-SE" sz="1400" dirty="0"/>
+          </a:p>
+          <a:p>
+            <a:pPr marL="514350" indent="-514350">
+              <a:buFont typeface="+mj-lt"/>
+              <a:buAutoNum type="arabicPeriod"/>
+            </a:pPr>
+            <a:r>
+              <a:rPr lang="sv-SE" sz="1400" dirty="0"/>
+              <a:t>Kommentarer på svenska.</a:t>
+            </a:r>
+          </a:p>
+          <a:p>
+            <a:pPr marL="514350" indent="-514350">
+              <a:buFont typeface="+mj-lt"/>
+              <a:buAutoNum type="arabicPeriod"/>
+            </a:pPr>
+            <a:r>
+              <a:rPr lang="sv-SE" sz="1400" dirty="0">
                 <a:highlight>
-                  <a:srgbClr val="FFFF00"/>
+                  <a:srgbClr val="FF0000"/>
                 </a:highlight>
               </a:rPr>
-              <a:t>245</a:t>
-            </a:r>
-          </a:p>
-          <a:p>
-            <a:pPr lvl="1"/>
-            <a:endParaRPr lang="sv-SE" sz="1100" dirty="0"/>
-          </a:p>
-          <a:p>
-            <a:r>
-              <a:rPr lang="sv-SE" dirty="0"/>
-              <a:t>Checklista från </a:t>
-            </a:r>
-            <a:r>
-              <a:rPr lang="sv-SE" dirty="0" err="1"/>
-              <a:t>Seminarie</a:t>
-            </a:r>
-            <a:r>
-              <a:rPr lang="sv-SE" dirty="0"/>
-              <a:t> 2, motsvarande process</a:t>
-            </a:r>
-          </a:p>
-          <a:p>
-            <a:pPr lvl="1"/>
-            <a:r>
-              <a:rPr lang="sv-SE" dirty="0"/>
-              <a:t>Enskilda förberedelser</a:t>
-            </a:r>
-          </a:p>
-          <a:p>
-            <a:pPr lvl="1"/>
-            <a:r>
-              <a:rPr lang="sv-SE" dirty="0"/>
-              <a:t>Roller: Moderator, uppläsare, tre inspektörer, en representant från grupp 3</a:t>
-            </a:r>
+              <a:t>Kommentar</a:t>
+            </a:r>
+            <a:br>
+              <a:rPr lang="sv-SE" sz="1400" dirty="0"/>
+            </a:br>
+            <a:r>
+              <a:rPr lang="sv-SE" sz="1400" dirty="0" err="1"/>
+              <a:t>entryPoint</a:t>
+            </a:r>
+            <a:r>
+              <a:rPr lang="sv-SE" sz="1400" dirty="0"/>
+              <a:t> = </a:t>
+            </a:r>
+            <a:r>
+              <a:rPr lang="sv-SE" sz="1400" b="1" dirty="0"/>
+              <a:t>new </a:t>
+            </a:r>
+            <a:r>
+              <a:rPr lang="sv-SE" sz="1400" dirty="0"/>
+              <a:t>Position(</a:t>
+            </a:r>
+            <a:r>
+              <a:rPr lang="sv-SE" sz="1400" dirty="0" err="1"/>
+              <a:t>width</a:t>
+            </a:r>
+            <a:r>
+              <a:rPr lang="sv-SE" sz="1400" dirty="0"/>
+              <a:t> / 2, </a:t>
+            </a:r>
+            <a:r>
+              <a:rPr lang="sv-SE" sz="1400" dirty="0" err="1"/>
+              <a:t>height</a:t>
+            </a:r>
+            <a:r>
+              <a:rPr lang="sv-SE" sz="1400" dirty="0"/>
+              <a:t> - 1);</a:t>
+            </a:r>
+            <a:br>
+              <a:rPr lang="sv-SE" sz="1400" dirty="0"/>
+            </a:br>
+            <a:r>
+              <a:rPr lang="sv-SE" sz="1400" dirty="0" err="1"/>
+              <a:t>exitPoint</a:t>
+            </a:r>
+            <a:r>
+              <a:rPr lang="sv-SE" sz="1400" dirty="0"/>
+              <a:t> = </a:t>
+            </a:r>
+            <a:r>
+              <a:rPr lang="sv-SE" sz="1400" b="1" dirty="0"/>
+              <a:t>new </a:t>
+            </a:r>
+            <a:r>
+              <a:rPr lang="sv-SE" sz="1400" dirty="0"/>
+              <a:t>Position(</a:t>
+            </a:r>
+            <a:r>
+              <a:rPr lang="sv-SE" sz="1400" dirty="0" err="1"/>
+              <a:t>width</a:t>
+            </a:r>
+            <a:r>
+              <a:rPr lang="sv-SE" sz="1400" dirty="0"/>
+              <a:t> / 2, 1 + 1); </a:t>
+            </a:r>
+          </a:p>
+          <a:p>
+            <a:pPr marL="514350" indent="-514350">
+              <a:buFont typeface="+mj-lt"/>
+              <a:buAutoNum type="arabicPeriod"/>
+            </a:pPr>
+            <a:r>
+              <a:rPr lang="sv-SE" sz="1400" dirty="0"/>
+              <a:t>Upprepande kod i metoden </a:t>
+            </a:r>
+            <a:r>
+              <a:rPr lang="sv-SE" sz="1400" dirty="0" err="1"/>
+              <a:t>generatePath</a:t>
+            </a:r>
+            <a:r>
+              <a:rPr lang="sv-SE" sz="1400" dirty="0"/>
+              <a:t>, tillsammans </a:t>
+            </a:r>
+            <a:br>
+              <a:rPr lang="sv-SE" sz="1400" dirty="0"/>
+            </a:br>
+            <a:r>
+              <a:rPr lang="sv-SE" sz="1400" dirty="0"/>
+              <a:t>med många kommentarer.</a:t>
+            </a:r>
+          </a:p>
+          <a:p>
+            <a:pPr marL="514350" indent="-514350">
+              <a:buFont typeface="+mj-lt"/>
+              <a:buAutoNum type="arabicPeriod"/>
+            </a:pPr>
+            <a:r>
+              <a:rPr lang="sv-SE" sz="1400" dirty="0"/>
+              <a:t>Kartan fylls med objekt baserat på procentuell fördelning, </a:t>
+            </a:r>
+            <a:br>
+              <a:rPr lang="sv-SE" sz="1400" dirty="0"/>
+            </a:br>
+            <a:r>
+              <a:rPr lang="sv-SE" sz="1400" dirty="0"/>
+              <a:t>men listan töms under tiden vilket påverkar efterföljande beräkning.</a:t>
+            </a:r>
+          </a:p>
+          <a:p>
+            <a:pPr marL="514350" indent="-514350">
+              <a:buFont typeface="+mj-lt"/>
+              <a:buAutoNum type="arabicPeriod"/>
+            </a:pPr>
+            <a:r>
+              <a:rPr lang="sv-SE" sz="1400" dirty="0"/>
+              <a:t>Metoder som tog in Position </a:t>
+            </a:r>
+            <a:r>
+              <a:rPr lang="sv-SE" sz="1400" dirty="0" err="1"/>
+              <a:t>pos</a:t>
+            </a:r>
+            <a:r>
+              <a:rPr lang="sv-SE" sz="1400" dirty="0"/>
+              <a:t> som sedan inte används.</a:t>
+            </a:r>
+          </a:p>
+          <a:p>
+            <a:pPr marL="514350" indent="-514350">
+              <a:buFont typeface="+mj-lt"/>
+              <a:buAutoNum type="arabicPeriod"/>
+            </a:pPr>
+            <a:r>
+              <a:rPr lang="sv-SE" sz="1400" dirty="0"/>
+              <a:t>Två for-loopar som båda använder </a:t>
+            </a:r>
+            <a:r>
+              <a:rPr lang="sv-SE" sz="1400" dirty="0" err="1"/>
+              <a:t>width</a:t>
+            </a:r>
+            <a:r>
+              <a:rPr lang="sv-SE" sz="1400" dirty="0"/>
+              <a:t>, när den ena istället ska vara </a:t>
+            </a:r>
+            <a:r>
+              <a:rPr lang="sv-SE" sz="1400" dirty="0" err="1"/>
+              <a:t>height</a:t>
+            </a:r>
+            <a:r>
+              <a:rPr lang="sv-SE" sz="1400" dirty="0"/>
+              <a:t>.</a:t>
+            </a:r>
+          </a:p>
+          <a:p>
+            <a:pPr marL="514350" indent="-514350">
+              <a:buFont typeface="+mj-lt"/>
+              <a:buAutoNum type="arabicPeriod"/>
+            </a:pPr>
+            <a:endParaRPr lang="sv-SE" sz="1400" dirty="0"/>
+          </a:p>
+          <a:p>
+            <a:pPr marL="514350" indent="-514350">
+              <a:buFont typeface="+mj-lt"/>
+              <a:buAutoNum type="arabicPeriod"/>
+            </a:pPr>
+            <a:endParaRPr lang="sv-SE" sz="2000" dirty="0"/>
+          </a:p>
+        </p:txBody>
+      </p:sp>
+      <p:sp>
+        <p:nvSpPr>
+          <p:cNvPr id="4" name="textruta 3">
+            <a:extLst>
+              <a:ext uri="{FF2B5EF4-FFF2-40B4-BE49-F238E27FC236}">
+                <a16:creationId xmlns:a16="http://schemas.microsoft.com/office/drawing/2014/main" id="{5398A1A3-2557-CE44-B2AB-11DAFC2D8166}"/>
+              </a:ext>
+            </a:extLst>
+          </p:cNvPr>
+          <p:cNvSpPr txBox="1"/>
+          <p:nvPr/>
+        </p:nvSpPr>
+        <p:spPr>
+          <a:xfrm>
+            <a:off x="7106653" y="1825625"/>
+            <a:ext cx="4247147" cy="3323987"/>
+          </a:xfrm>
+          <a:prstGeom prst="rect">
+            <a:avLst/>
+          </a:prstGeom>
+          <a:noFill/>
+        </p:spPr>
+        <p:txBody>
+          <a:bodyPr wrap="square" rtlCol="0">
+            <a:spAutoFit/>
+          </a:bodyPr>
+          <a:lstStyle/>
+          <a:p>
+            <a:r>
+              <a:rPr lang="sv-SE" sz="2800" dirty="0"/>
+              <a:t>Allvarlighetsgrad</a:t>
+            </a:r>
+          </a:p>
+          <a:p>
+            <a:endParaRPr lang="sv-SE" sz="1400" dirty="0"/>
+          </a:p>
+          <a:p>
+            <a:pPr marL="342900" indent="-342900">
+              <a:buFont typeface="+mj-lt"/>
+              <a:buAutoNum type="arabicPeriod"/>
+            </a:pPr>
+            <a:r>
+              <a:rPr lang="sv-SE" sz="1400" dirty="0">
+                <a:solidFill>
+                  <a:schemeClr val="accent6"/>
+                </a:solidFill>
+              </a:rPr>
+              <a:t>Minor</a:t>
+            </a:r>
+          </a:p>
+          <a:p>
+            <a:pPr marL="342900" indent="-342900">
+              <a:buFont typeface="+mj-lt"/>
+              <a:buAutoNum type="arabicPeriod"/>
+            </a:pPr>
+            <a:r>
+              <a:rPr lang="sv-SE" sz="1400" dirty="0">
+                <a:solidFill>
+                  <a:srgbClr val="FFC000"/>
+                </a:solidFill>
+              </a:rPr>
+              <a:t>Major</a:t>
+            </a:r>
+          </a:p>
+          <a:p>
+            <a:pPr marL="342900" indent="-342900">
+              <a:buFont typeface="+mj-lt"/>
+              <a:buAutoNum type="arabicPeriod"/>
+            </a:pPr>
+            <a:r>
+              <a:rPr lang="sv-SE" sz="1400" dirty="0">
+                <a:solidFill>
+                  <a:schemeClr val="accent6"/>
+                </a:solidFill>
+              </a:rPr>
+              <a:t>Minor</a:t>
+            </a:r>
+          </a:p>
+          <a:p>
+            <a:pPr marL="342900" indent="-342900">
+              <a:buFont typeface="+mj-lt"/>
+              <a:buAutoNum type="arabicPeriod"/>
+            </a:pPr>
+            <a:r>
+              <a:rPr lang="sv-SE" sz="1400" dirty="0">
+                <a:solidFill>
+                  <a:schemeClr val="accent6"/>
+                </a:solidFill>
+              </a:rPr>
+              <a:t>Minor</a:t>
+            </a:r>
+          </a:p>
+          <a:p>
+            <a:pPr marL="342900" indent="-342900">
+              <a:buFont typeface="+mj-lt"/>
+              <a:buAutoNum type="arabicPeriod"/>
+            </a:pPr>
+            <a:r>
+              <a:rPr lang="sv-SE" sz="1400" dirty="0">
+                <a:solidFill>
+                  <a:schemeClr val="accent6"/>
+                </a:solidFill>
+              </a:rPr>
+              <a:t>Minor</a:t>
+            </a:r>
+          </a:p>
+          <a:p>
+            <a:pPr marL="342900" indent="-342900">
+              <a:buFont typeface="+mj-lt"/>
+              <a:buAutoNum type="arabicPeriod"/>
+            </a:pPr>
+            <a:r>
+              <a:rPr lang="sv-SE" sz="1400" dirty="0">
+                <a:solidFill>
+                  <a:schemeClr val="accent6"/>
+                </a:solidFill>
+              </a:rPr>
+              <a:t>Minor</a:t>
+            </a:r>
+          </a:p>
+          <a:p>
+            <a:pPr marL="342900" indent="-342900">
+              <a:buFont typeface="+mj-lt"/>
+              <a:buAutoNum type="arabicPeriod"/>
+            </a:pPr>
+            <a:r>
+              <a:rPr lang="sv-SE" sz="1400" dirty="0">
+                <a:solidFill>
+                  <a:srgbClr val="FFC000"/>
+                </a:solidFill>
+              </a:rPr>
+              <a:t>Major</a:t>
+            </a:r>
+          </a:p>
+          <a:p>
+            <a:pPr marL="342900" indent="-342900">
+              <a:buFont typeface="+mj-lt"/>
+              <a:buAutoNum type="arabicPeriod"/>
+            </a:pPr>
+            <a:r>
+              <a:rPr lang="sv-SE" sz="1400" dirty="0">
+                <a:solidFill>
+                  <a:schemeClr val="accent6"/>
+                </a:solidFill>
+              </a:rPr>
+              <a:t>Minor</a:t>
+            </a:r>
+          </a:p>
+          <a:p>
+            <a:pPr marL="342900" indent="-342900">
+              <a:buFont typeface="+mj-lt"/>
+              <a:buAutoNum type="arabicPeriod"/>
+            </a:pPr>
+            <a:r>
+              <a:rPr lang="sv-SE" sz="1400" dirty="0" err="1">
+                <a:solidFill>
+                  <a:srgbClr val="FF0000"/>
+                </a:solidFill>
+              </a:rPr>
+              <a:t>Critical</a:t>
+            </a:r>
+            <a:endParaRPr lang="sv-SE" sz="1400" dirty="0">
+              <a:solidFill>
+                <a:srgbClr val="FF0000"/>
+              </a:solidFill>
+            </a:endParaRPr>
+          </a:p>
+          <a:p>
+            <a:pPr marL="342900" indent="-342900">
+              <a:buFont typeface="+mj-lt"/>
+              <a:buAutoNum type="arabicPeriod"/>
+            </a:pPr>
+            <a:endParaRPr lang="sv-SE" sz="1400" dirty="0"/>
+          </a:p>
+          <a:p>
+            <a:pPr marL="342900" indent="-342900">
+              <a:buFont typeface="+mj-lt"/>
+              <a:buAutoNum type="arabicPeriod"/>
+            </a:pPr>
+            <a:endParaRPr lang="sv-SE" sz="1400" dirty="0"/>
+          </a:p>
+          <a:p>
+            <a:endParaRPr lang="sv-SE" sz="1400" dirty="0"/>
           </a:p>
         </p:txBody>
       </p:sp>
@@ -18653,7 +18947,7 @@
     </p:custDataLst>
     <p:extLst>
       <p:ext uri="{BB962C8B-B14F-4D97-AF65-F5344CB8AC3E}">
-        <p14:creationId xmlns:p14="http://schemas.microsoft.com/office/powerpoint/2010/main" val="3427005653"/>
+        <p14:creationId xmlns:p14="http://schemas.microsoft.com/office/powerpoint/2010/main" val="3874197174"/>
       </p:ext>
     </p:extLst>
   </p:cSld>
@@ -18697,7 +18991,7 @@
           <a:p>
             <a:r>
               <a:rPr lang="sv-SE" dirty="0"/>
-              <a:t>Granskningsrapport</a:t>
+              <a:t>Erfarenheter av granskning</a:t>
             </a:r>
           </a:p>
         </p:txBody>
@@ -18712,490 +19006,47 @@
             <p:ph idx="1"/>
           </p:nvPr>
         </p:nvSpPr>
-        <p:spPr>
-          <a:xfrm>
-            <a:off x="942975" y="1825625"/>
-            <a:ext cx="5714499" cy="4351338"/>
-          </a:xfrm>
-        </p:spPr>
+        <p:spPr/>
         <p:txBody>
           <a:bodyPr>
-            <a:normAutofit lnSpcReduction="10000"/>
+            <a:normAutofit/>
           </a:bodyPr>
           <a:lstStyle/>
           <a:p>
-            <a:pPr marL="0" indent="0">
-              <a:buNone/>
-            </a:pPr>
             <a:r>
               <a:rPr lang="sv-SE" dirty="0"/>
-              <a:t>Defekt</a:t>
-            </a:r>
-          </a:p>
-          <a:p>
-            <a:pPr marL="514350" indent="-514350">
-              <a:buFont typeface="+mj-lt"/>
-              <a:buAutoNum type="arabicPeriod"/>
-            </a:pPr>
-            <a:r>
-              <a:rPr lang="sv-SE" sz="1400" dirty="0"/>
-              <a:t>Formatering: </a:t>
-            </a:r>
-            <a:r>
-              <a:rPr lang="sv-SE" sz="1400" dirty="0" err="1"/>
-              <a:t>indentering</a:t>
-            </a:r>
-            <a:r>
-              <a:rPr lang="sv-SE" sz="1400" dirty="0"/>
-              <a:t> &amp; blanka rader</a:t>
-            </a:r>
-          </a:p>
-          <a:p>
-            <a:pPr marL="514350" indent="-514350">
-              <a:buFont typeface="+mj-lt"/>
-              <a:buAutoNum type="arabicPeriod"/>
-            </a:pPr>
-            <a:r>
-              <a:rPr lang="sv-SE" sz="1400" dirty="0" err="1"/>
-              <a:t>GameMap</a:t>
-            </a:r>
-            <a:r>
-              <a:rPr lang="sv-SE" sz="1400" dirty="0"/>
-              <a:t> </a:t>
-            </a:r>
-            <a:r>
-              <a:rPr lang="sv-SE" sz="1400" dirty="0" err="1"/>
-              <a:t>gameMap</a:t>
-            </a:r>
-            <a:r>
-              <a:rPr lang="sv-SE" sz="1400" dirty="0"/>
-              <a:t> initieras aldrig men skickas med i metodanrop.</a:t>
-            </a:r>
-          </a:p>
-          <a:p>
-            <a:pPr marL="514350" indent="-514350">
-              <a:buFont typeface="+mj-lt"/>
-              <a:buAutoNum type="arabicPeriod"/>
-            </a:pPr>
-            <a:r>
-              <a:rPr lang="sv-SE" sz="1400" dirty="0"/>
-              <a:t>Namngivning: </a:t>
-            </a:r>
-            <a:r>
-              <a:rPr lang="sv-SE" sz="1400" dirty="0" err="1"/>
-              <a:t>io</a:t>
-            </a:r>
-            <a:r>
-              <a:rPr lang="sv-SE" sz="1400" dirty="0"/>
-              <a:t>, </a:t>
-            </a:r>
-            <a:r>
-              <a:rPr lang="sv-SE" sz="1400" dirty="0" err="1"/>
-              <a:t>emptySpots</a:t>
-            </a:r>
-            <a:r>
-              <a:rPr lang="sv-SE" sz="1400" dirty="0"/>
-              <a:t>, </a:t>
-            </a:r>
-            <a:br>
-              <a:rPr lang="sv-SE" sz="1400" dirty="0"/>
-            </a:br>
-            <a:r>
-              <a:rPr lang="sv-SE" sz="1400" dirty="0" err="1"/>
-              <a:t>getEmptyAndRemoveSpots</a:t>
-            </a:r>
-            <a:r>
-              <a:rPr lang="sv-SE" sz="1400" dirty="0"/>
-              <a:t>,</a:t>
-            </a:r>
-            <a:br>
-              <a:rPr lang="sv-SE" sz="1400" dirty="0"/>
-            </a:br>
-            <a:r>
-              <a:rPr lang="sv-SE" sz="1400" dirty="0" err="1"/>
-              <a:t>checkNearestPoint</a:t>
-            </a:r>
-            <a:r>
-              <a:rPr lang="sv-SE" sz="1400" dirty="0"/>
-              <a:t>, </a:t>
-            </a:r>
-            <a:r>
-              <a:rPr lang="sv-SE" sz="1400" dirty="0" err="1"/>
-              <a:t>endPoint</a:t>
-            </a:r>
-            <a:endParaRPr lang="sv-SE" sz="1400" dirty="0"/>
-          </a:p>
-          <a:p>
-            <a:pPr marL="514350" indent="-514350">
-              <a:buFont typeface="+mj-lt"/>
-              <a:buAutoNum type="arabicPeriod"/>
-            </a:pPr>
-            <a:r>
-              <a:rPr lang="sv-SE" sz="1400" dirty="0"/>
-              <a:t>Kommentarer på svenska.</a:t>
-            </a:r>
-          </a:p>
-          <a:p>
-            <a:pPr marL="514350" indent="-514350">
-              <a:buFont typeface="+mj-lt"/>
-              <a:buAutoNum type="arabicPeriod"/>
-            </a:pPr>
-            <a:r>
-              <a:rPr lang="sv-SE" sz="1400" dirty="0">
-                <a:highlight>
-                  <a:srgbClr val="FF0000"/>
-                </a:highlight>
-              </a:rPr>
-              <a:t>Kommentar</a:t>
-            </a:r>
-            <a:br>
-              <a:rPr lang="sv-SE" sz="1400" dirty="0"/>
-            </a:br>
-            <a:r>
-              <a:rPr lang="sv-SE" sz="1400" dirty="0" err="1"/>
-              <a:t>entryPoint</a:t>
-            </a:r>
-            <a:r>
-              <a:rPr lang="sv-SE" sz="1400" dirty="0"/>
-              <a:t> = </a:t>
-            </a:r>
-            <a:r>
-              <a:rPr lang="sv-SE" sz="1400" b="1" dirty="0"/>
-              <a:t>new </a:t>
-            </a:r>
-            <a:r>
-              <a:rPr lang="sv-SE" sz="1400" dirty="0"/>
-              <a:t>Position(</a:t>
-            </a:r>
-            <a:r>
-              <a:rPr lang="sv-SE" sz="1400" dirty="0" err="1"/>
-              <a:t>width</a:t>
-            </a:r>
-            <a:r>
-              <a:rPr lang="sv-SE" sz="1400" dirty="0"/>
-              <a:t> / 2, </a:t>
-            </a:r>
-            <a:r>
-              <a:rPr lang="sv-SE" sz="1400" dirty="0" err="1"/>
-              <a:t>height</a:t>
-            </a:r>
-            <a:r>
-              <a:rPr lang="sv-SE" sz="1400" dirty="0"/>
-              <a:t> - 1);</a:t>
-            </a:r>
-            <a:br>
-              <a:rPr lang="sv-SE" sz="1400" dirty="0"/>
-            </a:br>
-            <a:r>
-              <a:rPr lang="sv-SE" sz="1400" dirty="0" err="1"/>
-              <a:t>exitPoint</a:t>
-            </a:r>
-            <a:r>
-              <a:rPr lang="sv-SE" sz="1400" dirty="0"/>
-              <a:t> = </a:t>
-            </a:r>
-            <a:r>
-              <a:rPr lang="sv-SE" sz="1400" b="1" dirty="0"/>
-              <a:t>new </a:t>
-            </a:r>
-            <a:r>
-              <a:rPr lang="sv-SE" sz="1400" dirty="0"/>
-              <a:t>Position(</a:t>
-            </a:r>
-            <a:r>
-              <a:rPr lang="sv-SE" sz="1400" dirty="0" err="1"/>
-              <a:t>width</a:t>
-            </a:r>
-            <a:r>
-              <a:rPr lang="sv-SE" sz="1400" dirty="0"/>
-              <a:t> / 2, 1 + 1); </a:t>
-            </a:r>
-          </a:p>
-          <a:p>
-            <a:pPr marL="514350" indent="-514350">
-              <a:buFont typeface="+mj-lt"/>
-              <a:buAutoNum type="arabicPeriod"/>
-            </a:pPr>
-            <a:r>
-              <a:rPr lang="sv-SE" sz="1400" dirty="0"/>
-              <a:t>Upprepande kod i metoden </a:t>
-            </a:r>
-            <a:r>
-              <a:rPr lang="sv-SE" sz="1400" dirty="0" err="1"/>
-              <a:t>generatePath</a:t>
-            </a:r>
-            <a:r>
-              <a:rPr lang="sv-SE" sz="1400" dirty="0"/>
-              <a:t>, tillsammans </a:t>
-            </a:r>
-            <a:br>
-              <a:rPr lang="sv-SE" sz="1400" dirty="0"/>
-            </a:br>
-            <a:r>
-              <a:rPr lang="sv-SE" sz="1400" dirty="0"/>
-              <a:t>med många kommentarer.</a:t>
-            </a:r>
-          </a:p>
-          <a:p>
-            <a:pPr marL="514350" indent="-514350">
-              <a:buFont typeface="+mj-lt"/>
-              <a:buAutoNum type="arabicPeriod"/>
-            </a:pPr>
-            <a:r>
-              <a:rPr lang="sv-SE" sz="1400" dirty="0"/>
-              <a:t>Kartan fylls med objekt baserat på procentuell fördelning, </a:t>
-            </a:r>
-            <a:br>
-              <a:rPr lang="sv-SE" sz="1400" dirty="0"/>
-            </a:br>
-            <a:r>
-              <a:rPr lang="sv-SE" sz="1400" dirty="0"/>
-              <a:t>men listan töms under tiden vilket påverkar efterföljande beräkning.</a:t>
-            </a:r>
-          </a:p>
-          <a:p>
-            <a:pPr marL="514350" indent="-514350">
-              <a:buFont typeface="+mj-lt"/>
-              <a:buAutoNum type="arabicPeriod"/>
-            </a:pPr>
-            <a:r>
-              <a:rPr lang="sv-SE" sz="1400" dirty="0"/>
-              <a:t>Metoder som tog in Position </a:t>
-            </a:r>
-            <a:r>
-              <a:rPr lang="sv-SE" sz="1400" dirty="0" err="1"/>
-              <a:t>pos</a:t>
-            </a:r>
-            <a:r>
-              <a:rPr lang="sv-SE" sz="1400" dirty="0"/>
-              <a:t> som sedan inte används.</a:t>
-            </a:r>
-          </a:p>
-          <a:p>
-            <a:pPr marL="514350" indent="-514350">
-              <a:buFont typeface="+mj-lt"/>
-              <a:buAutoNum type="arabicPeriod"/>
-            </a:pPr>
-            <a:r>
-              <a:rPr lang="sv-SE" sz="1400" dirty="0"/>
-              <a:t>Två for-loopar som båda använder </a:t>
-            </a:r>
-            <a:r>
-              <a:rPr lang="sv-SE" sz="1400" dirty="0" err="1"/>
-              <a:t>width</a:t>
-            </a:r>
-            <a:r>
-              <a:rPr lang="sv-SE" sz="1400" dirty="0"/>
-              <a:t>, när den ena istället ska vara </a:t>
-            </a:r>
-            <a:r>
-              <a:rPr lang="sv-SE" sz="1400" dirty="0" err="1"/>
-              <a:t>height</a:t>
-            </a:r>
-            <a:r>
-              <a:rPr lang="sv-SE" sz="1400" dirty="0"/>
-              <a:t>.</a:t>
-            </a:r>
-          </a:p>
-          <a:p>
-            <a:pPr marL="514350" indent="-514350">
-              <a:buFont typeface="+mj-lt"/>
-              <a:buAutoNum type="arabicPeriod"/>
-            </a:pPr>
-            <a:endParaRPr lang="sv-SE" sz="1400" dirty="0"/>
-          </a:p>
-          <a:p>
-            <a:pPr marL="514350" indent="-514350">
-              <a:buFont typeface="+mj-lt"/>
-              <a:buAutoNum type="arabicPeriod"/>
-            </a:pPr>
-            <a:endParaRPr lang="sv-SE" sz="2000" dirty="0"/>
-          </a:p>
-        </p:txBody>
-      </p:sp>
-      <p:sp>
-        <p:nvSpPr>
-          <p:cNvPr id="4" name="textruta 3">
-            <a:extLst>
-              <a:ext uri="{FF2B5EF4-FFF2-40B4-BE49-F238E27FC236}">
-                <a16:creationId xmlns:a16="http://schemas.microsoft.com/office/drawing/2014/main" id="{5398A1A3-2557-CE44-B2AB-11DAFC2D8166}"/>
-              </a:ext>
-            </a:extLst>
-          </p:cNvPr>
-          <p:cNvSpPr txBox="1"/>
-          <p:nvPr/>
-        </p:nvSpPr>
-        <p:spPr>
-          <a:xfrm>
-            <a:off x="7106653" y="1825625"/>
-            <a:ext cx="4247147" cy="3323987"/>
-          </a:xfrm>
-          <a:prstGeom prst="rect">
-            <a:avLst/>
-          </a:prstGeom>
-          <a:noFill/>
-        </p:spPr>
-        <p:txBody>
-          <a:bodyPr wrap="square" rtlCol="0">
-            <a:spAutoFit/>
-          </a:bodyPr>
-          <a:lstStyle/>
-          <a:p>
-            <a:r>
-              <a:rPr lang="sv-SE" sz="2800" dirty="0"/>
-              <a:t>Allvarlighetsgrad</a:t>
-            </a:r>
-          </a:p>
-          <a:p>
-            <a:endParaRPr lang="sv-SE" sz="1400" dirty="0"/>
-          </a:p>
-          <a:p>
-            <a:pPr marL="342900" indent="-342900">
-              <a:buFont typeface="+mj-lt"/>
-              <a:buAutoNum type="arabicPeriod"/>
-            </a:pPr>
-            <a:r>
-              <a:rPr lang="sv-SE" sz="1400" dirty="0">
-                <a:solidFill>
-                  <a:schemeClr val="accent6"/>
-                </a:solidFill>
-              </a:rPr>
-              <a:t>Minor</a:t>
-            </a:r>
-          </a:p>
-          <a:p>
-            <a:pPr marL="342900" indent="-342900">
-              <a:buFont typeface="+mj-lt"/>
-              <a:buAutoNum type="arabicPeriod"/>
-            </a:pPr>
-            <a:r>
-              <a:rPr lang="sv-SE" sz="1400" dirty="0">
-                <a:solidFill>
-                  <a:srgbClr val="FFC000"/>
-                </a:solidFill>
-              </a:rPr>
-              <a:t>Major</a:t>
-            </a:r>
-          </a:p>
-          <a:p>
-            <a:pPr marL="342900" indent="-342900">
-              <a:buFont typeface="+mj-lt"/>
-              <a:buAutoNum type="arabicPeriod"/>
-            </a:pPr>
-            <a:r>
-              <a:rPr lang="sv-SE" sz="1400" dirty="0">
-                <a:solidFill>
-                  <a:schemeClr val="accent6"/>
-                </a:solidFill>
-              </a:rPr>
-              <a:t>Minor</a:t>
-            </a:r>
-          </a:p>
-          <a:p>
-            <a:pPr marL="342900" indent="-342900">
-              <a:buFont typeface="+mj-lt"/>
-              <a:buAutoNum type="arabicPeriod"/>
-            </a:pPr>
-            <a:r>
-              <a:rPr lang="sv-SE" sz="1400" dirty="0">
-                <a:solidFill>
-                  <a:schemeClr val="accent6"/>
-                </a:solidFill>
-              </a:rPr>
-              <a:t>Minor</a:t>
-            </a:r>
-          </a:p>
-          <a:p>
-            <a:pPr marL="342900" indent="-342900">
-              <a:buFont typeface="+mj-lt"/>
-              <a:buAutoNum type="arabicPeriod"/>
-            </a:pPr>
-            <a:r>
-              <a:rPr lang="sv-SE" sz="1400" dirty="0">
-                <a:solidFill>
-                  <a:schemeClr val="accent6"/>
-                </a:solidFill>
-              </a:rPr>
-              <a:t>Minor</a:t>
-            </a:r>
-          </a:p>
-          <a:p>
-            <a:pPr marL="342900" indent="-342900">
-              <a:buFont typeface="+mj-lt"/>
-              <a:buAutoNum type="arabicPeriod"/>
-            </a:pPr>
-            <a:r>
-              <a:rPr lang="sv-SE" sz="1400" dirty="0">
-                <a:solidFill>
-                  <a:schemeClr val="accent6"/>
-                </a:solidFill>
-              </a:rPr>
-              <a:t>Minor</a:t>
-            </a:r>
-          </a:p>
-          <a:p>
-            <a:pPr marL="342900" indent="-342900">
-              <a:buFont typeface="+mj-lt"/>
-              <a:buAutoNum type="arabicPeriod"/>
-            </a:pPr>
-            <a:r>
-              <a:rPr lang="sv-SE" sz="1400" dirty="0">
-                <a:solidFill>
-                  <a:srgbClr val="FFC000"/>
-                </a:solidFill>
-              </a:rPr>
-              <a:t>Major</a:t>
-            </a:r>
-          </a:p>
-          <a:p>
-            <a:pPr marL="342900" indent="-342900">
-              <a:buFont typeface="+mj-lt"/>
-              <a:buAutoNum type="arabicPeriod"/>
-            </a:pPr>
-            <a:r>
-              <a:rPr lang="sv-SE" sz="1400" dirty="0">
-                <a:solidFill>
-                  <a:schemeClr val="accent6"/>
-                </a:solidFill>
-              </a:rPr>
-              <a:t>Minor</a:t>
-            </a:r>
-          </a:p>
-          <a:p>
-            <a:pPr marL="342900" indent="-342900">
-              <a:buFont typeface="+mj-lt"/>
-              <a:buAutoNum type="arabicPeriod"/>
-            </a:pPr>
-            <a:r>
-              <a:rPr lang="sv-SE" sz="1400" dirty="0" err="1">
-                <a:solidFill>
-                  <a:srgbClr val="FF0000"/>
-                </a:solidFill>
-              </a:rPr>
-              <a:t>Critical</a:t>
-            </a:r>
-            <a:endParaRPr lang="sv-SE" sz="1400" dirty="0">
-              <a:solidFill>
-                <a:srgbClr val="FF0000"/>
-              </a:solidFill>
-            </a:endParaRPr>
-          </a:p>
-          <a:p>
-            <a:pPr marL="342900" indent="-342900">
-              <a:buFont typeface="+mj-lt"/>
-              <a:buAutoNum type="arabicPeriod"/>
-            </a:pPr>
-            <a:endParaRPr lang="sv-SE" sz="1400" dirty="0"/>
-          </a:p>
-          <a:p>
-            <a:pPr marL="342900" indent="-342900">
-              <a:buFont typeface="+mj-lt"/>
-              <a:buAutoNum type="arabicPeriod"/>
-            </a:pPr>
-            <a:endParaRPr lang="sv-SE" sz="1400" dirty="0"/>
-          </a:p>
-          <a:p>
-            <a:endParaRPr lang="sv-SE" sz="1400" dirty="0"/>
+              <a:t>Svårt hitta fel, hög tröskel för att sätta sig in i koden</a:t>
+            </a:r>
+          </a:p>
+          <a:p>
+            <a:r>
+              <a:rPr lang="sv-SE" dirty="0"/>
+              <a:t>Bra med uppläsare</a:t>
+            </a:r>
+          </a:p>
+          <a:p>
+            <a:r>
+              <a:rPr lang="sv-SE" dirty="0"/>
+              <a:t>Lätt att hålla diskussionen kort och saklig</a:t>
+            </a:r>
+          </a:p>
+          <a:p>
+            <a:r>
+              <a:rPr lang="sv-SE" dirty="0"/>
+              <a:t>Lagom mkt kod att granska</a:t>
+            </a:r>
+          </a:p>
+          <a:p>
+            <a:r>
+              <a:rPr lang="sv-SE" dirty="0"/>
+              <a:t>Hittade liknande fel avseende namngivning och otydlighet</a:t>
+            </a:r>
+          </a:p>
+          <a:p>
+            <a:r>
+              <a:rPr lang="sv-SE" dirty="0"/>
+              <a:t>Hittade olika fel beroende på vad man själv utvecklat i vårt eget program </a:t>
+            </a:r>
           </a:p>
         </p:txBody>
       </p:sp>
@@ -19205,7 +19056,7 @@
     </p:custDataLst>
     <p:extLst>
       <p:ext uri="{BB962C8B-B14F-4D97-AF65-F5344CB8AC3E}">
-        <p14:creationId xmlns:p14="http://schemas.microsoft.com/office/powerpoint/2010/main" val="3874197174"/>
+        <p14:creationId xmlns:p14="http://schemas.microsoft.com/office/powerpoint/2010/main" val="724679724"/>
       </p:ext>
     </p:extLst>
   </p:cSld>
@@ -19242,69 +19093,176 @@
             <p:ph type="title"/>
           </p:nvPr>
         </p:nvSpPr>
-        <p:spPr/>
+        <p:spPr>
+          <a:xfrm>
+            <a:off x="839788" y="457200"/>
+            <a:ext cx="5032375" cy="938463"/>
+          </a:xfrm>
+        </p:spPr>
         <p:txBody>
-          <a:bodyPr/>
+          <a:bodyPr>
+            <a:normAutofit fontScale="90000"/>
+          </a:bodyPr>
           <a:lstStyle/>
           <a:p>
             <a:r>
               <a:rPr lang="sv-SE" dirty="0"/>
-              <a:t>Erfarenheter av granskning</a:t>
+              <a:t>Kodkritiksystem: </a:t>
+            </a:r>
+            <a:r>
+              <a:rPr lang="sv-SE" dirty="0" err="1"/>
+              <a:t>FindBugs</a:t>
+            </a:r>
+            <a:r>
+              <a:rPr lang="sv-SE" dirty="0"/>
+              <a:t> IDEA</a:t>
             </a:r>
           </a:p>
         </p:txBody>
       </p:sp>
+      <p:pic>
+        <p:nvPicPr>
+          <p:cNvPr id="13" name="Platshållare för bild 12">
+            <a:extLst>
+              <a:ext uri="{FF2B5EF4-FFF2-40B4-BE49-F238E27FC236}">
+                <a16:creationId xmlns:a16="http://schemas.microsoft.com/office/drawing/2014/main" id="{916DB166-5CF7-1044-A24D-D093AD43B49C}"/>
+              </a:ext>
+            </a:extLst>
+          </p:cNvPr>
+          <p:cNvPicPr>
+            <a:picLocks noGrp="1" noChangeAspect="1"/>
+          </p:cNvPicPr>
+          <p:nvPr>
+            <p:ph type="pic" idx="1"/>
+          </p:nvPr>
+        </p:nvPicPr>
+        <p:blipFill>
+          <a:blip r:embed="rId4">
+            <a:extLst>
+              <a:ext uri="{28A0092B-C50C-407E-A947-70E740481C1C}">
+                <a14:useLocalDpi xmlns:a14="http://schemas.microsoft.com/office/drawing/2010/main" val="0"/>
+              </a:ext>
+            </a:extLst>
+          </a:blip>
+          <a:srcRect l="1821" r="1821"/>
+          <a:stretch>
+            <a:fillRect/>
+          </a:stretch>
+        </p:blipFill>
+        <p:spPr>
+          <a:xfrm>
+            <a:off x="4965149" y="2208846"/>
+            <a:ext cx="6950927" cy="2808503"/>
+          </a:xfrm>
+        </p:spPr>
+      </p:pic>
       <p:sp>
         <p:nvSpPr>
-          <p:cNvPr id="3" name="Platshållare för innehåll 2"/>
-          <p:cNvSpPr>
-            <a:spLocks noGrp="1"/>
-          </p:cNvSpPr>
-          <p:nvPr>
-            <p:ph idx="1"/>
-          </p:nvPr>
+          <p:cNvPr id="3" name="TextBox 2">
+            <a:extLst>
+              <a:ext uri="{FF2B5EF4-FFF2-40B4-BE49-F238E27FC236}">
+                <a16:creationId xmlns:a16="http://schemas.microsoft.com/office/drawing/2014/main" id="{11503290-4916-4645-B157-1A59B4A79972}"/>
+              </a:ext>
+            </a:extLst>
+          </p:cNvPr>
+          <p:cNvSpPr txBox="1"/>
+          <p:nvPr/>
         </p:nvSpPr>
-        <p:spPr/>
+        <p:spPr>
+          <a:xfrm>
+            <a:off x="1060803" y="2274838"/>
+            <a:ext cx="3650312" cy="3170099"/>
+          </a:xfrm>
+          <a:prstGeom prst="rect">
+            <a:avLst/>
+          </a:prstGeom>
+          <a:noFill/>
+        </p:spPr>
         <p:txBody>
-          <a:bodyPr>
-            <a:normAutofit/>
+          <a:bodyPr wrap="square" rtlCol="0">
+            <a:spAutoFit/>
           </a:bodyPr>
           <a:lstStyle/>
           <a:p>
-            <a:r>
-              <a:rPr lang="sv-SE" dirty="0"/>
-              <a:t>Svårt hitta fel, hög tröskel för att sätta sig in i koden</a:t>
-            </a:r>
-          </a:p>
-          <a:p>
-            <a:r>
-              <a:rPr lang="sv-SE" dirty="0"/>
-              <a:t>Bra med uppläsare</a:t>
-            </a:r>
-          </a:p>
-          <a:p>
-            <a:r>
-              <a:rPr lang="sv-SE" dirty="0"/>
-              <a:t>Lätt att hålla diskussionen kort och saklig</a:t>
-            </a:r>
-          </a:p>
-          <a:p>
-            <a:r>
-              <a:rPr lang="sv-SE" dirty="0"/>
-              <a:t>Lagom mkt kod att granska</a:t>
-            </a:r>
-          </a:p>
-          <a:p>
-            <a:r>
-              <a:rPr lang="sv-SE" dirty="0"/>
-              <a:t>Hittade liknande fel avseende namngivning och otydlighet</a:t>
-            </a:r>
-          </a:p>
-          <a:p>
-            <a:r>
-              <a:rPr lang="sv-SE" dirty="0"/>
-              <a:t>Hittade olika fel beroende på vad man själv utvecklat i vårt eget program </a:t>
-            </a:r>
+            <a:endParaRPr lang="sv-SE" sz="2000" dirty="0"/>
+          </a:p>
+          <a:p>
+            <a:pPr marL="285750" indent="-285750">
+              <a:buFont typeface="Arial" panose="020B0604020202020204" pitchFamily="34" charset="0"/>
+              <a:buChar char="•"/>
+            </a:pPr>
+            <a:r>
+              <a:rPr lang="sv-SE" sz="2000" dirty="0"/>
+              <a:t>…</a:t>
+            </a:r>
+          </a:p>
+          <a:p>
+            <a:pPr marL="285750" indent="-285750">
+              <a:buFont typeface="Arial" panose="020B0604020202020204" pitchFamily="34" charset="0"/>
+              <a:buChar char="•"/>
+            </a:pPr>
+            <a:r>
+              <a:rPr lang="sv-SE" sz="2000" dirty="0"/>
+              <a:t>…</a:t>
+            </a:r>
+          </a:p>
+          <a:p>
+            <a:pPr marL="285750" indent="-285750">
+              <a:buFont typeface="Arial" panose="020B0604020202020204" pitchFamily="34" charset="0"/>
+              <a:buChar char="•"/>
+            </a:pPr>
+            <a:r>
+              <a:rPr lang="sv-SE" sz="2000" dirty="0"/>
+              <a:t>…</a:t>
+            </a:r>
+          </a:p>
+          <a:p>
+            <a:pPr marL="285750" indent="-285750">
+              <a:buFont typeface="Arial" panose="020B0604020202020204" pitchFamily="34" charset="0"/>
+              <a:buChar char="•"/>
+            </a:pPr>
+            <a:r>
+              <a:rPr lang="sv-SE" sz="2000" dirty="0"/>
+              <a:t>…</a:t>
+            </a:r>
+          </a:p>
+          <a:p>
+            <a:pPr marL="285750" indent="-285750">
+              <a:buFont typeface="Arial" panose="020B0604020202020204" pitchFamily="34" charset="0"/>
+              <a:buChar char="•"/>
+            </a:pPr>
+            <a:r>
+              <a:rPr lang="sv-SE" sz="2000" dirty="0"/>
+              <a:t>…</a:t>
+            </a:r>
+          </a:p>
+          <a:p>
+            <a:pPr marL="285750" indent="-285750">
+              <a:buFont typeface="Arial" panose="020B0604020202020204" pitchFamily="34" charset="0"/>
+              <a:buChar char="•"/>
+            </a:pPr>
+            <a:endParaRPr lang="sv-SE" sz="2000" dirty="0"/>
+          </a:p>
+          <a:p>
+            <a:pPr marL="285750" indent="-285750">
+              <a:buFont typeface="Arial" panose="020B0604020202020204" pitchFamily="34" charset="0"/>
+              <a:buChar char="•"/>
+            </a:pPr>
+            <a:endParaRPr lang="sv-SE" sz="2000" dirty="0"/>
+          </a:p>
+          <a:p>
+            <a:pPr marL="285750" indent="-285750">
+              <a:buFont typeface="Arial" panose="020B0604020202020204" pitchFamily="34" charset="0"/>
+              <a:buChar char="•"/>
+            </a:pPr>
+            <a:endParaRPr lang="sv-SE" sz="2000" dirty="0"/>
+          </a:p>
+          <a:p>
+            <a:pPr marL="285750" indent="-285750">
+              <a:buFont typeface="Arial" panose="020B0604020202020204" pitchFamily="34" charset="0"/>
+              <a:buChar char="•"/>
+            </a:pPr>
+            <a:endParaRPr lang="sv-SE" sz="2000" dirty="0"/>
           </a:p>
         </p:txBody>
       </p:sp>
@@ -19314,7 +19272,7 @@
     </p:custDataLst>
     <p:extLst>
       <p:ext uri="{BB962C8B-B14F-4D97-AF65-F5344CB8AC3E}">
-        <p14:creationId xmlns:p14="http://schemas.microsoft.com/office/powerpoint/2010/main" val="724679724"/>
+        <p14:creationId xmlns:p14="http://schemas.microsoft.com/office/powerpoint/2010/main" val="847618868"/>
       </p:ext>
     </p:extLst>
   </p:cSld>
@@ -19441,222 +19399,6 @@
             <p:ph type="title"/>
           </p:nvPr>
         </p:nvSpPr>
-        <p:spPr>
-          <a:xfrm>
-            <a:off x="839788" y="457200"/>
-            <a:ext cx="5032375" cy="938463"/>
-          </a:xfrm>
-        </p:spPr>
-        <p:txBody>
-          <a:bodyPr>
-            <a:normAutofit fontScale="90000"/>
-          </a:bodyPr>
-          <a:lstStyle/>
-          <a:p>
-            <a:r>
-              <a:rPr lang="sv-SE" dirty="0"/>
-              <a:t>Kodkritiksystem: </a:t>
-            </a:r>
-            <a:r>
-              <a:rPr lang="sv-SE" dirty="0" err="1"/>
-              <a:t>FindBugs</a:t>
-            </a:r>
-            <a:r>
-              <a:rPr lang="sv-SE" dirty="0"/>
-              <a:t> IDEA</a:t>
-            </a:r>
-          </a:p>
-        </p:txBody>
-      </p:sp>
-      <p:pic>
-        <p:nvPicPr>
-          <p:cNvPr id="13" name="Platshållare för bild 12">
-            <a:extLst>
-              <a:ext uri="{FF2B5EF4-FFF2-40B4-BE49-F238E27FC236}">
-                <a16:creationId xmlns:a16="http://schemas.microsoft.com/office/drawing/2014/main" id="{916DB166-5CF7-1044-A24D-D093AD43B49C}"/>
-              </a:ext>
-            </a:extLst>
-          </p:cNvPr>
-          <p:cNvPicPr>
-            <a:picLocks noGrp="1" noChangeAspect="1"/>
-          </p:cNvPicPr>
-          <p:nvPr>
-            <p:ph type="pic" idx="1"/>
-          </p:nvPr>
-        </p:nvPicPr>
-        <p:blipFill>
-          <a:blip r:embed="rId4">
-            <a:extLst>
-              <a:ext uri="{28A0092B-C50C-407E-A947-70E740481C1C}">
-                <a14:useLocalDpi xmlns:a14="http://schemas.microsoft.com/office/drawing/2010/main" val="0"/>
-              </a:ext>
-            </a:extLst>
-          </a:blip>
-          <a:srcRect l="1821" r="1821"/>
-          <a:stretch>
-            <a:fillRect/>
-          </a:stretch>
-        </p:blipFill>
-        <p:spPr>
-          <a:xfrm>
-            <a:off x="4965149" y="2208846"/>
-            <a:ext cx="6950927" cy="2808503"/>
-          </a:xfrm>
-        </p:spPr>
-      </p:pic>
-      <p:sp>
-        <p:nvSpPr>
-          <p:cNvPr id="3" name="TextBox 2">
-            <a:extLst>
-              <a:ext uri="{FF2B5EF4-FFF2-40B4-BE49-F238E27FC236}">
-                <a16:creationId xmlns:a16="http://schemas.microsoft.com/office/drawing/2014/main" id="{11503290-4916-4645-B157-1A59B4A79972}"/>
-              </a:ext>
-            </a:extLst>
-          </p:cNvPr>
-          <p:cNvSpPr txBox="1"/>
-          <p:nvPr/>
-        </p:nvSpPr>
-        <p:spPr>
-          <a:xfrm>
-            <a:off x="1060803" y="2274838"/>
-            <a:ext cx="3650312" cy="3170099"/>
-          </a:xfrm>
-          <a:prstGeom prst="rect">
-            <a:avLst/>
-          </a:prstGeom>
-          <a:noFill/>
-        </p:spPr>
-        <p:txBody>
-          <a:bodyPr wrap="square" rtlCol="0">
-            <a:spAutoFit/>
-          </a:bodyPr>
-          <a:lstStyle/>
-          <a:p>
-            <a:endParaRPr lang="sv-SE" sz="2000" dirty="0"/>
-          </a:p>
-          <a:p>
-            <a:pPr marL="285750" indent="-285750">
-              <a:buFont typeface="Arial" panose="020B0604020202020204" pitchFamily="34" charset="0"/>
-              <a:buChar char="•"/>
-            </a:pPr>
-            <a:r>
-              <a:rPr lang="sv-SE" sz="2000" dirty="0"/>
-              <a:t>…</a:t>
-            </a:r>
-          </a:p>
-          <a:p>
-            <a:pPr marL="285750" indent="-285750">
-              <a:buFont typeface="Arial" panose="020B0604020202020204" pitchFamily="34" charset="0"/>
-              <a:buChar char="•"/>
-            </a:pPr>
-            <a:r>
-              <a:rPr lang="sv-SE" sz="2000" dirty="0"/>
-              <a:t>…</a:t>
-            </a:r>
-          </a:p>
-          <a:p>
-            <a:pPr marL="285750" indent="-285750">
-              <a:buFont typeface="Arial" panose="020B0604020202020204" pitchFamily="34" charset="0"/>
-              <a:buChar char="•"/>
-            </a:pPr>
-            <a:r>
-              <a:rPr lang="sv-SE" sz="2000" dirty="0"/>
-              <a:t>…</a:t>
-            </a:r>
-          </a:p>
-          <a:p>
-            <a:pPr marL="285750" indent="-285750">
-              <a:buFont typeface="Arial" panose="020B0604020202020204" pitchFamily="34" charset="0"/>
-              <a:buChar char="•"/>
-            </a:pPr>
-            <a:r>
-              <a:rPr lang="sv-SE" sz="2000" dirty="0"/>
-              <a:t>…</a:t>
-            </a:r>
-          </a:p>
-          <a:p>
-            <a:pPr marL="285750" indent="-285750">
-              <a:buFont typeface="Arial" panose="020B0604020202020204" pitchFamily="34" charset="0"/>
-              <a:buChar char="•"/>
-            </a:pPr>
-            <a:r>
-              <a:rPr lang="sv-SE" sz="2000" dirty="0"/>
-              <a:t>…</a:t>
-            </a:r>
-          </a:p>
-          <a:p>
-            <a:pPr marL="285750" indent="-285750">
-              <a:buFont typeface="Arial" panose="020B0604020202020204" pitchFamily="34" charset="0"/>
-              <a:buChar char="•"/>
-            </a:pPr>
-            <a:endParaRPr lang="sv-SE" sz="2000" dirty="0"/>
-          </a:p>
-          <a:p>
-            <a:pPr marL="285750" indent="-285750">
-              <a:buFont typeface="Arial" panose="020B0604020202020204" pitchFamily="34" charset="0"/>
-              <a:buChar char="•"/>
-            </a:pPr>
-            <a:endParaRPr lang="sv-SE" sz="2000" dirty="0"/>
-          </a:p>
-          <a:p>
-            <a:pPr marL="285750" indent="-285750">
-              <a:buFont typeface="Arial" panose="020B0604020202020204" pitchFamily="34" charset="0"/>
-              <a:buChar char="•"/>
-            </a:pPr>
-            <a:endParaRPr lang="sv-SE" sz="2000" dirty="0"/>
-          </a:p>
-          <a:p>
-            <a:pPr marL="285750" indent="-285750">
-              <a:buFont typeface="Arial" panose="020B0604020202020204" pitchFamily="34" charset="0"/>
-              <a:buChar char="•"/>
-            </a:pPr>
-            <a:endParaRPr lang="sv-SE" sz="2000" dirty="0"/>
-          </a:p>
-        </p:txBody>
-      </p:sp>
-    </p:spTree>
-    <p:custDataLst>
-      <p:tags r:id="rId1"/>
-    </p:custDataLst>
-    <p:extLst>
-      <p:ext uri="{BB962C8B-B14F-4D97-AF65-F5344CB8AC3E}">
-        <p14:creationId xmlns:p14="http://schemas.microsoft.com/office/powerpoint/2010/main" val="847618868"/>
-      </p:ext>
-    </p:extLst>
-  </p:cSld>
-  <p:clrMapOvr>
-    <a:masterClrMapping/>
-  </p:clrMapOvr>
-</p:sld>
-</file>
-
-<file path=ppt/slides/slide31.xml><?xml version="1.0" encoding="utf-8"?>
-<p:sld xmlns:a="http://schemas.openxmlformats.org/drawingml/2006/main" xmlns:r="http://schemas.openxmlformats.org/officeDocument/2006/relationships" xmlns:p="http://schemas.openxmlformats.org/presentationml/2006/main">
-  <p:cSld>
-    <p:spTree>
-      <p:nvGrpSpPr>
-        <p:cNvPr id="1" name=""/>
-        <p:cNvGrpSpPr/>
-        <p:nvPr/>
-      </p:nvGrpSpPr>
-      <p:grpSpPr>
-        <a:xfrm>
-          <a:off x="0" y="0"/>
-          <a:ext cx="0" cy="0"/>
-          <a:chOff x="0" y="0"/>
-          <a:chExt cx="0" cy="0"/>
-        </a:xfrm>
-      </p:grpSpPr>
-      <p:sp>
-        <p:nvSpPr>
-          <p:cNvPr id="2" name="Rubrik 1"/>
-          <p:cNvSpPr>
-            <a:spLocks noGrp="1"/>
-          </p:cNvSpPr>
-          <p:nvPr>
-            <p:ph type="title"/>
-          </p:nvPr>
-        </p:nvSpPr>
         <p:spPr/>
         <p:txBody>
           <a:bodyPr/>
@@ -19724,22 +19466,14 @@
           </a:p>
           <a:p>
             <a:r>
-              <a:rPr lang="sv-SE" sz="1800" dirty="0">
-                <a:solidFill>
-                  <a:srgbClr val="FF0000"/>
-                </a:solidFill>
-              </a:rPr>
-              <a:t>LOC projektet	…</a:t>
-            </a:r>
-          </a:p>
-          <a:p>
-            <a:r>
-              <a:rPr lang="sv-SE" sz="1800" dirty="0">
-                <a:solidFill>
-                  <a:srgbClr val="FF0000"/>
-                </a:solidFill>
-              </a:rPr>
-              <a:t>LOC för testerna	…</a:t>
+              <a:rPr lang="sv-SE" sz="1800" dirty="0"/>
+              <a:t>LOC projektet	680</a:t>
+            </a:r>
+          </a:p>
+          <a:p>
+            <a:r>
+              <a:rPr lang="sv-SE" sz="1800" dirty="0"/>
+              <a:t>LOC för testerna	703</a:t>
             </a:r>
           </a:p>
         </p:txBody>
@@ -19799,7 +19533,7 @@
 </p:sld>
 </file>
 
-<file path=ppt/slides/slide32.xml><?xml version="1.0" encoding="utf-8"?>
+<file path=ppt/slides/slide31.xml><?xml version="1.0" encoding="utf-8"?>
 <p:sld xmlns:a="http://schemas.openxmlformats.org/drawingml/2006/main" xmlns:r="http://schemas.openxmlformats.org/officeDocument/2006/relationships" xmlns:p="http://schemas.openxmlformats.org/presentationml/2006/main">
   <p:cSld>
     <p:spTree>
@@ -20283,7 +20017,7 @@
 </p:sld>
 </file>
 
-<file path=ppt/slides/slide33.xml><?xml version="1.0" encoding="utf-8"?>
+<file path=ppt/slides/slide32.xml><?xml version="1.0" encoding="utf-8"?>
 <p:sld xmlns:a="http://schemas.openxmlformats.org/drawingml/2006/main" xmlns:r="http://schemas.openxmlformats.org/officeDocument/2006/relationships" xmlns:p="http://schemas.openxmlformats.org/presentationml/2006/main">
   <p:cSld>
     <p:spTree>
@@ -20422,7 +20156,7 @@
 </p:sld>
 </file>
 
-<file path=ppt/slides/slide34.xml><?xml version="1.0" encoding="utf-8"?>
+<file path=ppt/slides/slide33.xml><?xml version="1.0" encoding="utf-8"?>
 <p:sld xmlns:a="http://schemas.openxmlformats.org/drawingml/2006/main" xmlns:r="http://schemas.openxmlformats.org/officeDocument/2006/relationships" xmlns:p="http://schemas.openxmlformats.org/presentationml/2006/main">
   <p:cSld>
     <p:spTree>
@@ -20505,7 +20239,7 @@
 </p:sld>
 </file>
 
-<file path=ppt/slides/slide35.xml><?xml version="1.0" encoding="utf-8"?>
+<file path=ppt/slides/slide34.xml><?xml version="1.0" encoding="utf-8"?>
 <p:sld xmlns:a="http://schemas.openxmlformats.org/drawingml/2006/main" xmlns:r="http://schemas.openxmlformats.org/officeDocument/2006/relationships" xmlns:p="http://schemas.openxmlformats.org/presentationml/2006/main">
   <p:cSld>
     <p:spTree>
@@ -23907,7 +23641,7 @@
 </p:sld>
 </file>
 
-<file path=ppt/slides/slide36.xml><?xml version="1.0" encoding="utf-8"?>
+<file path=ppt/slides/slide35.xml><?xml version="1.0" encoding="utf-8"?>
 <p:sld xmlns:a="http://schemas.openxmlformats.org/drawingml/2006/main" xmlns:r="http://schemas.openxmlformats.org/officeDocument/2006/relationships" xmlns:p="http://schemas.openxmlformats.org/presentationml/2006/main">
   <p:cSld>
     <p:spTree>
@@ -28749,12 +28483,6 @@
 </file>
 
 <file path=ppt/tags/tag36.xml><?xml version="1.0" encoding="utf-8"?>
-<p:tagLst xmlns:a="http://schemas.openxmlformats.org/drawingml/2006/main" xmlns:r="http://schemas.openxmlformats.org/officeDocument/2006/relationships" xmlns:p="http://schemas.openxmlformats.org/presentationml/2006/main">
-  <p:tag name="ARTICULATE_SLIDE_THUMBNAIL_REFRESH" val="1"/>
-</p:tagLst>
-</file>
-
-<file path=ppt/tags/tag37.xml><?xml version="1.0" encoding="utf-8"?>
 <p:tagLst xmlns:a="http://schemas.openxmlformats.org/drawingml/2006/main" xmlns:r="http://schemas.openxmlformats.org/officeDocument/2006/relationships" xmlns:p="http://schemas.openxmlformats.org/presentationml/2006/main">
   <p:tag name="ARTICULATE_SLIDE_THUMBNAIL_REFRESH" val="1"/>
 </p:tagLst>

--- a/docs/Slutredovisning_grp5_v8.pptx
+++ b/docs/Slutredovisning_grp5_v8.pptx
@@ -19171,7 +19171,7 @@
         <p:spPr>
           <a:xfrm>
             <a:off x="1060803" y="2274838"/>
-            <a:ext cx="3650312" cy="3170099"/>
+            <a:ext cx="3650312" cy="3816429"/>
           </a:xfrm>
           <a:prstGeom prst="rect">
             <a:avLst/>
@@ -19192,8 +19192,8 @@
               <a:buChar char="•"/>
             </a:pPr>
             <a:r>
-              <a:rPr lang="sv-SE" sz="2000" dirty="0"/>
-              <a:t>…</a:t>
+              <a:rPr lang="sv-SE" dirty="0"/>
+              <a:t>- get-metoder som returnerade direkta referenser istället för kopior av referensen, vilket gör att objekten kan förändras. </a:t>
             </a:r>
           </a:p>
           <a:p>
@@ -19202,8 +19202,32 @@
               <a:buChar char="•"/>
             </a:pPr>
             <a:r>
-              <a:rPr lang="sv-SE" sz="2000" dirty="0"/>
-              <a:t>…</a:t>
+              <a:rPr lang="sv-SE" dirty="0"/>
+              <a:t>- </a:t>
+            </a:r>
+            <a:r>
+              <a:rPr lang="sv-SE" dirty="0" err="1"/>
+              <a:t>Override</a:t>
+            </a:r>
+            <a:r>
+              <a:rPr lang="sv-SE" dirty="0"/>
+              <a:t> av </a:t>
+            </a:r>
+            <a:r>
+              <a:rPr lang="sv-SE" dirty="0" err="1"/>
+              <a:t>equals</a:t>
+            </a:r>
+            <a:r>
+              <a:rPr lang="sv-SE" dirty="0"/>
+              <a:t>-metoder men inte </a:t>
+            </a:r>
+            <a:r>
+              <a:rPr lang="sv-SE" dirty="0" err="1"/>
+              <a:t>hashcode</a:t>
+            </a:r>
+            <a:r>
+              <a:rPr lang="sv-SE" dirty="0"/>
+              <a:t> </a:t>
             </a:r>
           </a:p>
           <a:p>
@@ -19212,8 +19236,8 @@
               <a:buChar char="•"/>
             </a:pPr>
             <a:r>
-              <a:rPr lang="sv-SE" sz="2000" dirty="0"/>
-              <a:t>…</a:t>
+              <a:rPr lang="sv-SE" dirty="0"/>
+              <a:t>- Variabler som inte användes </a:t>
             </a:r>
           </a:p>
           <a:p>
@@ -19222,25 +19246,9 @@
               <a:buChar char="•"/>
             </a:pPr>
             <a:r>
-              <a:rPr lang="sv-SE" sz="2000" dirty="0"/>
-              <a:t>…</a:t>
-            </a:r>
-          </a:p>
-          <a:p>
-            <a:pPr marL="285750" indent="-285750">
-              <a:buFont typeface="Arial" panose="020B0604020202020204" pitchFamily="34" charset="0"/>
-              <a:buChar char="•"/>
-            </a:pPr>
-            <a:r>
-              <a:rPr lang="sv-SE" sz="2000" dirty="0"/>
-              <a:t>…</a:t>
-            </a:r>
-          </a:p>
-          <a:p>
-            <a:pPr marL="285750" indent="-285750">
-              <a:buFont typeface="Arial" panose="020B0604020202020204" pitchFamily="34" charset="0"/>
-              <a:buChar char="•"/>
-            </a:pPr>
+              <a:rPr lang="sv-SE" dirty="0"/>
+              <a:t>- Anmärkte på metoder som inte gjorde något (TODO)</a:t>
+            </a:r>
             <a:endParaRPr lang="sv-SE" sz="2000" dirty="0"/>
           </a:p>
           <a:p>
@@ -20127,16 +20135,16 @@
             <a:r>
               <a:rPr lang="sv-SE" sz="6000" dirty="0">
                 <a:solidFill>
-                  <a:srgbClr val="FF0000"/>
-                </a:solidFill>
-              </a:rPr>
-              <a:t>97</a:t>
-            </a:r>
-            <a:r>
-              <a:rPr lang="sv-SE" sz="6000" dirty="0"/>
-              <a:t> %</a:t>
-            </a:r>
-            <a:endParaRPr lang="sv-SE" sz="7200" dirty="0"/>
+                  <a:srgbClr val="00B050"/>
+                </a:solidFill>
+              </a:rPr>
+              <a:t>100 %</a:t>
+            </a:r>
+            <a:endParaRPr lang="sv-SE" sz="7200" dirty="0">
+              <a:solidFill>
+                <a:srgbClr val="00B050"/>
+              </a:solidFill>
+            </a:endParaRPr>
           </a:p>
         </p:txBody>
       </p:sp>

--- a/docs/Slutredovisning_grp5_v8.pptx
+++ b/docs/Slutredovisning_grp5_v8.pptx
@@ -20,7 +20,7 @@
     <p:sldId id="285" r:id="rId11"/>
     <p:sldId id="286" r:id="rId12"/>
     <p:sldId id="296" r:id="rId13"/>
-    <p:sldId id="295" r:id="rId14"/>
+    <p:sldId id="300" r:id="rId14"/>
     <p:sldId id="288" r:id="rId15"/>
     <p:sldId id="289" r:id="rId16"/>
     <p:sldId id="291" r:id="rId17"/>
@@ -1239,7 +1239,7 @@
     </p:spTree>
     <p:extLst>
       <p:ext uri="{BB962C8B-B14F-4D97-AF65-F5344CB8AC3E}">
-        <p14:creationId xmlns:p14="http://schemas.microsoft.com/office/powerpoint/2010/main" val="4011600209"/>
+        <p14:creationId xmlns:p14="http://schemas.microsoft.com/office/powerpoint/2010/main" val="2208820013"/>
       </p:ext>
     </p:extLst>
   </p:cSld>
@@ -12008,13 +12008,287 @@
         </p:nvSpPr>
         <p:spPr/>
         <p:txBody>
-          <a:bodyPr/>
+          <a:bodyPr>
+            <a:noAutofit/>
+          </a:bodyPr>
           <a:lstStyle/>
           <a:p>
             <a:pPr marL="0" indent="0">
               <a:buNone/>
             </a:pPr>
-            <a:endParaRPr lang="sv-SE" dirty="0"/>
+            <a:r>
+              <a:rPr lang="sv-SE" sz="1400" dirty="0"/>
+              <a:t>@Test</a:t>
+            </a:r>
+            <a:br>
+              <a:rPr lang="sv-SE" sz="1400" dirty="0"/>
+            </a:br>
+            <a:r>
+              <a:rPr lang="sv-SE" sz="1400" dirty="0"/>
+              <a:t>public </a:t>
+            </a:r>
+            <a:r>
+              <a:rPr lang="sv-SE" sz="1400" dirty="0" err="1"/>
+              <a:t>void</a:t>
+            </a:r>
+            <a:r>
+              <a:rPr lang="sv-SE" sz="1400" dirty="0"/>
+              <a:t> getStrength_EquipmentEmtpy_0strength(){</a:t>
+            </a:r>
+            <a:br>
+              <a:rPr lang="sv-SE" sz="1400" dirty="0"/>
+            </a:br>
+            <a:r>
+              <a:rPr lang="sv-SE" sz="1400" dirty="0"/>
+              <a:t>    Hero </a:t>
+            </a:r>
+            <a:r>
+              <a:rPr lang="sv-SE" sz="1400" dirty="0" err="1"/>
+              <a:t>hero</a:t>
+            </a:r>
+            <a:r>
+              <a:rPr lang="sv-SE" sz="1400" dirty="0"/>
+              <a:t> = new Hero(100);</a:t>
+            </a:r>
+            <a:br>
+              <a:rPr lang="sv-SE" sz="1400" dirty="0"/>
+            </a:br>
+            <a:r>
+              <a:rPr lang="sv-SE" sz="1400" dirty="0"/>
+              <a:t>    </a:t>
+            </a:r>
+            <a:r>
+              <a:rPr lang="sv-SE" sz="1400" i="1" dirty="0" err="1"/>
+              <a:t>assertEquals</a:t>
+            </a:r>
+            <a:r>
+              <a:rPr lang="sv-SE" sz="1400" dirty="0"/>
+              <a:t>(0, </a:t>
+            </a:r>
+            <a:r>
+              <a:rPr lang="sv-SE" sz="1400" dirty="0" err="1"/>
+              <a:t>hero.getStrength</a:t>
+            </a:r>
+            <a:r>
+              <a:rPr lang="sv-SE" sz="1400" dirty="0"/>
+              <a:t>());</a:t>
+            </a:r>
+            <a:br>
+              <a:rPr lang="sv-SE" sz="1400" dirty="0"/>
+            </a:br>
+            <a:r>
+              <a:rPr lang="sv-SE" sz="1400" dirty="0"/>
+              <a:t>}</a:t>
+            </a:r>
+            <a:br>
+              <a:rPr lang="sv-SE" sz="1400" dirty="0"/>
+            </a:br>
+            <a:br>
+              <a:rPr lang="sv-SE" sz="1400" dirty="0"/>
+            </a:br>
+            <a:r>
+              <a:rPr lang="sv-SE" sz="1400" dirty="0"/>
+              <a:t>@Test</a:t>
+            </a:r>
+            <a:br>
+              <a:rPr lang="sv-SE" sz="1400" dirty="0"/>
+            </a:br>
+            <a:r>
+              <a:rPr lang="sv-SE" sz="1400" dirty="0"/>
+              <a:t>public </a:t>
+            </a:r>
+            <a:r>
+              <a:rPr lang="sv-SE" sz="1400" dirty="0" err="1"/>
+              <a:t>void</a:t>
+            </a:r>
+            <a:r>
+              <a:rPr lang="sv-SE" sz="1400" dirty="0"/>
+              <a:t> getStrength_EquipmentWeapon_5Strength(){</a:t>
+            </a:r>
+            <a:br>
+              <a:rPr lang="sv-SE" sz="1400" dirty="0"/>
+            </a:br>
+            <a:r>
+              <a:rPr lang="sv-SE" sz="1400" dirty="0"/>
+              <a:t>    Hero </a:t>
+            </a:r>
+            <a:r>
+              <a:rPr lang="sv-SE" sz="1400" dirty="0" err="1"/>
+              <a:t>hero</a:t>
+            </a:r>
+            <a:r>
+              <a:rPr lang="sv-SE" sz="1400" dirty="0"/>
+              <a:t> = new Hero(100);</a:t>
+            </a:r>
+            <a:br>
+              <a:rPr lang="sv-SE" sz="1400" dirty="0"/>
+            </a:br>
+            <a:r>
+              <a:rPr lang="sv-SE" sz="1400" dirty="0"/>
+              <a:t>    </a:t>
+            </a:r>
+            <a:r>
+              <a:rPr lang="sv-SE" sz="1400" dirty="0" err="1"/>
+              <a:t>hero.pickUpItem</a:t>
+            </a:r>
+            <a:r>
+              <a:rPr lang="sv-SE" sz="1400" dirty="0"/>
+              <a:t>(new </a:t>
+            </a:r>
+            <a:r>
+              <a:rPr lang="sv-SE" sz="1400" dirty="0" err="1"/>
+              <a:t>Weapon</a:t>
+            </a:r>
+            <a:r>
+              <a:rPr lang="sv-SE" sz="1400" dirty="0"/>
+              <a:t>(5));</a:t>
+            </a:r>
+            <a:br>
+              <a:rPr lang="sv-SE" sz="1400" dirty="0"/>
+            </a:br>
+            <a:r>
+              <a:rPr lang="sv-SE" sz="1400" dirty="0"/>
+              <a:t>    </a:t>
+            </a:r>
+            <a:r>
+              <a:rPr lang="sv-SE" sz="1400" i="1" dirty="0" err="1"/>
+              <a:t>assertEquals</a:t>
+            </a:r>
+            <a:r>
+              <a:rPr lang="sv-SE" sz="1400" dirty="0"/>
+              <a:t>(5, </a:t>
+            </a:r>
+            <a:r>
+              <a:rPr lang="sv-SE" sz="1400" dirty="0" err="1"/>
+              <a:t>hero.getStrength</a:t>
+            </a:r>
+            <a:r>
+              <a:rPr lang="sv-SE" sz="1400" dirty="0"/>
+              <a:t>());</a:t>
+            </a:r>
+            <a:br>
+              <a:rPr lang="sv-SE" sz="1400" dirty="0"/>
+            </a:br>
+            <a:r>
+              <a:rPr lang="sv-SE" sz="1400" dirty="0"/>
+              <a:t>}</a:t>
+            </a:r>
+            <a:br>
+              <a:rPr lang="sv-SE" sz="1400" dirty="0"/>
+            </a:br>
+            <a:br>
+              <a:rPr lang="sv-SE" sz="1400" dirty="0"/>
+            </a:br>
+            <a:r>
+              <a:rPr lang="sv-SE" sz="1400" dirty="0"/>
+              <a:t>@Test</a:t>
+            </a:r>
+            <a:br>
+              <a:rPr lang="sv-SE" sz="1400" dirty="0"/>
+            </a:br>
+            <a:r>
+              <a:rPr lang="sv-SE" sz="1400" dirty="0"/>
+              <a:t>public </a:t>
+            </a:r>
+            <a:r>
+              <a:rPr lang="sv-SE" sz="1400" dirty="0" err="1"/>
+              <a:t>void</a:t>
+            </a:r>
+            <a:r>
+              <a:rPr lang="sv-SE" sz="1400" dirty="0"/>
+              <a:t> getStrength_EquipmentWeaponArmor_10Strength(){</a:t>
+            </a:r>
+            <a:br>
+              <a:rPr lang="sv-SE" sz="1400" dirty="0"/>
+            </a:br>
+            <a:r>
+              <a:rPr lang="sv-SE" sz="1400" dirty="0"/>
+              <a:t>    Hero </a:t>
+            </a:r>
+            <a:r>
+              <a:rPr lang="sv-SE" sz="1400" dirty="0" err="1"/>
+              <a:t>hero</a:t>
+            </a:r>
+            <a:r>
+              <a:rPr lang="sv-SE" sz="1400" dirty="0"/>
+              <a:t> = new Hero(100);</a:t>
+            </a:r>
+            <a:br>
+              <a:rPr lang="sv-SE" sz="1400" dirty="0"/>
+            </a:br>
+            <a:r>
+              <a:rPr lang="sv-SE" sz="1400" dirty="0"/>
+              <a:t>    </a:t>
+            </a:r>
+            <a:r>
+              <a:rPr lang="sv-SE" sz="1400" dirty="0" err="1"/>
+              <a:t>hero.pickUpItem</a:t>
+            </a:r>
+            <a:r>
+              <a:rPr lang="sv-SE" sz="1400" dirty="0"/>
+              <a:t>(new </a:t>
+            </a:r>
+            <a:r>
+              <a:rPr lang="sv-SE" sz="1400" dirty="0" err="1"/>
+              <a:t>Weapon</a:t>
+            </a:r>
+            <a:r>
+              <a:rPr lang="sv-SE" sz="1400" dirty="0"/>
+              <a:t>(5));</a:t>
+            </a:r>
+            <a:br>
+              <a:rPr lang="sv-SE" sz="1400" dirty="0"/>
+            </a:br>
+            <a:r>
+              <a:rPr lang="sv-SE" sz="1400" dirty="0"/>
+              <a:t>    </a:t>
+            </a:r>
+            <a:r>
+              <a:rPr lang="sv-SE" sz="1400" dirty="0" err="1"/>
+              <a:t>hero.pickUpItem</a:t>
+            </a:r>
+            <a:r>
+              <a:rPr lang="sv-SE" sz="1400" dirty="0"/>
+              <a:t>(new </a:t>
+            </a:r>
+            <a:r>
+              <a:rPr lang="sv-SE" sz="1400" dirty="0" err="1"/>
+              <a:t>Armor</a:t>
+            </a:r>
+            <a:r>
+              <a:rPr lang="sv-SE" sz="1400" dirty="0"/>
+              <a:t>(5));</a:t>
+            </a:r>
+            <a:br>
+              <a:rPr lang="sv-SE" sz="1400" dirty="0"/>
+            </a:br>
+            <a:r>
+              <a:rPr lang="sv-SE" sz="1400" dirty="0"/>
+              <a:t>    </a:t>
+            </a:r>
+            <a:r>
+              <a:rPr lang="sv-SE" sz="1400" i="1" dirty="0" err="1"/>
+              <a:t>assertEquals</a:t>
+            </a:r>
+            <a:r>
+              <a:rPr lang="sv-SE" sz="1400" dirty="0"/>
+              <a:t>(10, </a:t>
+            </a:r>
+            <a:r>
+              <a:rPr lang="sv-SE" sz="1400" dirty="0" err="1"/>
+              <a:t>hero.getStrength</a:t>
+            </a:r>
+            <a:r>
+              <a:rPr lang="sv-SE" sz="1400" dirty="0"/>
+              <a:t>());</a:t>
+            </a:r>
+            <a:br>
+              <a:rPr lang="sv-SE" sz="1400" dirty="0"/>
+            </a:br>
+            <a:r>
+              <a:rPr lang="sv-SE" sz="1400" dirty="0"/>
+              <a:t>}</a:t>
+            </a:r>
           </a:p>
         </p:txBody>
       </p:sp>
@@ -12052,13 +12326,192 @@
         </p:nvSpPr>
         <p:spPr/>
         <p:txBody>
-          <a:bodyPr/>
+          <a:bodyPr>
+            <a:normAutofit fontScale="70000" lnSpcReduction="20000"/>
+          </a:bodyPr>
           <a:lstStyle/>
           <a:p>
             <a:pPr marL="0" indent="0">
               <a:buNone/>
             </a:pPr>
-            <a:endParaRPr lang="sv-SE" dirty="0"/>
+            <a:r>
+              <a:rPr lang="sv-SE" dirty="0"/>
+              <a:t>public </a:t>
+            </a:r>
+            <a:r>
+              <a:rPr lang="sv-SE" dirty="0" err="1"/>
+              <a:t>int</a:t>
+            </a:r>
+            <a:r>
+              <a:rPr lang="sv-SE" dirty="0"/>
+              <a:t> </a:t>
+            </a:r>
+            <a:r>
+              <a:rPr lang="sv-SE" dirty="0" err="1"/>
+              <a:t>getStrength</a:t>
+            </a:r>
+            <a:r>
+              <a:rPr lang="sv-SE" dirty="0"/>
+              <a:t>(){</a:t>
+            </a:r>
+          </a:p>
+          <a:p>
+            <a:pPr marL="0" indent="0">
+              <a:buNone/>
+            </a:pPr>
+            <a:br>
+              <a:rPr lang="sv-SE" dirty="0"/>
+            </a:br>
+            <a:r>
+              <a:rPr lang="sv-SE" dirty="0"/>
+              <a:t>   </a:t>
+            </a:r>
+            <a:r>
+              <a:rPr lang="sv-SE" dirty="0" err="1"/>
+              <a:t>int</a:t>
+            </a:r>
+            <a:r>
+              <a:rPr lang="sv-SE" dirty="0"/>
+              <a:t> total = 0;</a:t>
+            </a:r>
+          </a:p>
+          <a:p>
+            <a:pPr marL="0" indent="0">
+              <a:buNone/>
+            </a:pPr>
+            <a:br>
+              <a:rPr lang="sv-SE" dirty="0"/>
+            </a:br>
+            <a:r>
+              <a:rPr lang="sv-SE" dirty="0"/>
+              <a:t>    </a:t>
+            </a:r>
+            <a:r>
+              <a:rPr lang="sv-SE" dirty="0" err="1"/>
+              <a:t>if</a:t>
+            </a:r>
+            <a:r>
+              <a:rPr lang="sv-SE" dirty="0"/>
+              <a:t>(</a:t>
+            </a:r>
+            <a:r>
+              <a:rPr lang="sv-SE" dirty="0" err="1"/>
+              <a:t>equippedWeapon</a:t>
+            </a:r>
+            <a:r>
+              <a:rPr lang="sv-SE" dirty="0"/>
+              <a:t> != </a:t>
+            </a:r>
+            <a:r>
+              <a:rPr lang="sv-SE" dirty="0" err="1"/>
+              <a:t>null</a:t>
+            </a:r>
+            <a:r>
+              <a:rPr lang="sv-SE" dirty="0"/>
+              <a:t>){</a:t>
+            </a:r>
+            <a:br>
+              <a:rPr lang="sv-SE" dirty="0"/>
+            </a:br>
+            <a:r>
+              <a:rPr lang="sv-SE" dirty="0"/>
+              <a:t>        total += </a:t>
+            </a:r>
+            <a:r>
+              <a:rPr lang="sv-SE" dirty="0" err="1"/>
+              <a:t>equippedWeapon.getDamage</a:t>
+            </a:r>
+            <a:r>
+              <a:rPr lang="sv-SE" dirty="0"/>
+              <a:t>();</a:t>
+            </a:r>
+            <a:br>
+              <a:rPr lang="sv-SE" dirty="0"/>
+            </a:br>
+            <a:r>
+              <a:rPr lang="sv-SE" dirty="0"/>
+              <a:t>    }</a:t>
+            </a:r>
+            <a:br>
+              <a:rPr lang="sv-SE" dirty="0"/>
+            </a:br>
+            <a:r>
+              <a:rPr lang="sv-SE" dirty="0"/>
+              <a:t>    </a:t>
+            </a:r>
+            <a:r>
+              <a:rPr lang="sv-SE" dirty="0" err="1"/>
+              <a:t>if</a:t>
+            </a:r>
+            <a:r>
+              <a:rPr lang="sv-SE" dirty="0"/>
+              <a:t>(</a:t>
+            </a:r>
+            <a:r>
+              <a:rPr lang="sv-SE" dirty="0" err="1"/>
+              <a:t>equippedArmor</a:t>
+            </a:r>
+            <a:r>
+              <a:rPr lang="sv-SE" dirty="0"/>
+              <a:t> != </a:t>
+            </a:r>
+            <a:r>
+              <a:rPr lang="sv-SE" dirty="0" err="1"/>
+              <a:t>null</a:t>
+            </a:r>
+            <a:r>
+              <a:rPr lang="sv-SE" dirty="0"/>
+              <a:t>){</a:t>
+            </a:r>
+            <a:br>
+              <a:rPr lang="sv-SE" dirty="0"/>
+            </a:br>
+            <a:r>
+              <a:rPr lang="sv-SE" dirty="0"/>
+              <a:t>        total += </a:t>
+            </a:r>
+            <a:r>
+              <a:rPr lang="sv-SE" dirty="0" err="1"/>
+              <a:t>equippedArmor.getResistance</a:t>
+            </a:r>
+            <a:r>
+              <a:rPr lang="sv-SE" dirty="0"/>
+              <a:t>();</a:t>
+            </a:r>
+            <a:br>
+              <a:rPr lang="sv-SE" dirty="0"/>
+            </a:br>
+            <a:r>
+              <a:rPr lang="sv-SE" dirty="0"/>
+              <a:t>    }</a:t>
+            </a:r>
+          </a:p>
+          <a:p>
+            <a:pPr marL="0" indent="0">
+              <a:buNone/>
+            </a:pPr>
+            <a:br>
+              <a:rPr lang="sv-SE" dirty="0"/>
+            </a:br>
+            <a:r>
+              <a:rPr lang="sv-SE" dirty="0"/>
+              <a:t>    </a:t>
+            </a:r>
+            <a:r>
+              <a:rPr lang="sv-SE" dirty="0" err="1"/>
+              <a:t>return</a:t>
+            </a:r>
+            <a:r>
+              <a:rPr lang="sv-SE" dirty="0"/>
+              <a:t> total;</a:t>
+            </a:r>
+            <a:br>
+              <a:rPr lang="sv-SE" dirty="0"/>
+            </a:br>
+            <a:r>
+              <a:rPr lang="sv-SE" dirty="0"/>
+              <a:t>}</a:t>
+            </a:r>
           </a:p>
         </p:txBody>
       </p:sp>
@@ -12068,7 +12521,7 @@
     </p:custDataLst>
     <p:extLst>
       <p:ext uri="{BB962C8B-B14F-4D97-AF65-F5344CB8AC3E}">
-        <p14:creationId xmlns:p14="http://schemas.microsoft.com/office/powerpoint/2010/main" val="1302075985"/>
+        <p14:creationId xmlns:p14="http://schemas.microsoft.com/office/powerpoint/2010/main" val="4068900073"/>
       </p:ext>
     </p:extLst>
   </p:cSld>

--- a/docs/Slutredovisning_grp5_v8.pptx
+++ b/docs/Slutredovisning_grp5_v8.pptx
@@ -19860,7 +19860,12 @@
             <p:ph type="title"/>
           </p:nvPr>
         </p:nvSpPr>
-        <p:spPr/>
+        <p:spPr>
+          <a:xfrm>
+            <a:off x="614363" y="559594"/>
+            <a:ext cx="3932237" cy="1600200"/>
+          </a:xfrm>
+        </p:spPr>
         <p:txBody>
           <a:bodyPr/>
           <a:lstStyle/>
@@ -19872,42 +19877,6 @@
           </a:p>
         </p:txBody>
       </p:sp>
-      <p:pic>
-        <p:nvPicPr>
-          <p:cNvPr id="16" name="Platshållare för bild 15">
-            <a:extLst>
-              <a:ext uri="{FF2B5EF4-FFF2-40B4-BE49-F238E27FC236}">
-                <a16:creationId xmlns:a16="http://schemas.microsoft.com/office/drawing/2014/main" id="{58E507C6-BF8C-B742-A48E-A712F6EA3E3D}"/>
-              </a:ext>
-            </a:extLst>
-          </p:cNvPr>
-          <p:cNvPicPr>
-            <a:picLocks noGrp="1" noChangeAspect="1"/>
-          </p:cNvPicPr>
-          <p:nvPr>
-            <p:ph type="pic" idx="1"/>
-          </p:nvPr>
-        </p:nvPicPr>
-        <p:blipFill>
-          <a:blip r:embed="rId4">
-            <a:extLst>
-              <a:ext uri="{28A0092B-C50C-407E-A947-70E740481C1C}">
-                <a14:useLocalDpi xmlns:a14="http://schemas.microsoft.com/office/drawing/2010/main" val="0"/>
-              </a:ext>
-            </a:extLst>
-          </a:blip>
-          <a:srcRect l="526" r="526"/>
-          <a:stretch>
-            <a:fillRect/>
-          </a:stretch>
-        </p:blipFill>
-        <p:spPr>
-          <a:xfrm>
-            <a:off x="3700462" y="661987"/>
-            <a:ext cx="7651750" cy="5534025"/>
-          </a:xfrm>
-        </p:spPr>
-      </p:pic>
       <p:sp>
         <p:nvSpPr>
           <p:cNvPr id="3" name="Platshållare för innehåll 2"/>
@@ -19918,7 +19887,12 @@
             <p:ph type="body" sz="half" idx="2"/>
           </p:nvPr>
         </p:nvSpPr>
-        <p:spPr/>
+        <p:spPr>
+          <a:xfrm>
+            <a:off x="599157" y="2080640"/>
+            <a:ext cx="3932237" cy="3811588"/>
+          </a:xfrm>
+        </p:spPr>
         <p:txBody>
           <a:bodyPr/>
           <a:lstStyle/>
@@ -19978,6 +19952,42 @@
           </a:p>
         </p:txBody>
       </p:sp>
+      <p:pic>
+        <p:nvPicPr>
+          <p:cNvPr id="6" name="Bildobjekt 5">
+            <a:extLst>
+              <a:ext uri="{FF2B5EF4-FFF2-40B4-BE49-F238E27FC236}">
+                <a16:creationId xmlns:a16="http://schemas.microsoft.com/office/drawing/2014/main" id="{F7DDBDFE-89D3-B846-97CD-93841BFA6F0A}"/>
+              </a:ext>
+            </a:extLst>
+          </p:cNvPr>
+          <p:cNvPicPr>
+            <a:picLocks noChangeAspect="1"/>
+          </p:cNvPicPr>
+          <p:nvPr/>
+        </p:nvPicPr>
+        <p:blipFill>
+          <a:blip r:embed="rId4">
+            <a:extLst>
+              <a:ext uri="{28A0092B-C50C-407E-A947-70E740481C1C}">
+                <a14:useLocalDpi xmlns:a14="http://schemas.microsoft.com/office/drawing/2010/main" val="0"/>
+              </a:ext>
+            </a:extLst>
+          </a:blip>
+          <a:stretch>
+            <a:fillRect/>
+          </a:stretch>
+        </p:blipFill>
+        <p:spPr>
+          <a:xfrm>
+            <a:off x="3336758" y="781229"/>
+            <a:ext cx="8518358" cy="5682843"/>
+          </a:xfrm>
+          <a:prstGeom prst="rect">
+            <a:avLst/>
+          </a:prstGeom>
+        </p:spPr>
+      </p:pic>
     </p:spTree>
     <p:custDataLst>
       <p:tags r:id="rId1"/>

--- a/docs/Slutredovisning_grp5_v8.pptx
+++ b/docs/Slutredovisning_grp5_v8.pptx
@@ -3765,6 +3765,58 @@
               </a:rPr>
               <a:t>En presentation och diskussion kring ett antal lämpliga statiska mått på koden. Att vi inte specificerar exakt vilka mått som ska tas upp beror på att olika verktyg har olika uppsättningar, men vi förväntar oss fler och mer intressanta mått än bara rena storleksmått som LOC, #klasser, #metoder, etc. Även här är det viktigt att förhållas sig till måtten, inte bara lista dem.</a:t>
             </a:r>
+          </a:p>
+          <a:p>
+            <a:pPr>
+              <a:lnSpc>
+                <a:spcPct val="100000"/>
+              </a:lnSpc>
+              <a:spcBef>
+                <a:spcPts val="0"/>
+              </a:spcBef>
+            </a:pPr>
+            <a:endParaRPr lang="sv-SE" dirty="0"/>
+          </a:p>
+          <a:p>
+            <a:pPr>
+              <a:lnSpc>
+                <a:spcPct val="100000"/>
+              </a:lnSpc>
+              <a:spcBef>
+                <a:spcPts val="0"/>
+              </a:spcBef>
+            </a:pPr>
+            <a:r>
+              <a:rPr lang="sv-SE" i="1" dirty="0"/>
+              <a:t>Indikerar måtten om vi gjort </a:t>
+            </a:r>
+            <a:r>
+              <a:rPr lang="sv-SE" i="1" dirty="0" err="1"/>
+              <a:t>trade-offs</a:t>
+            </a:r>
+            <a:r>
+              <a:rPr lang="sv-SE" i="1" dirty="0"/>
+              <a:t> mellan motstridiga krav; som ökad återanvändning genom mer arv, eller enkelhet att testa genom mindre arv?</a:t>
+            </a:r>
+          </a:p>
+          <a:p>
+            <a:pPr marL="0" marR="0" lvl="0" indent="0" algn="l" defTabSz="914400" rtl="0" eaLnBrk="1" fontAlgn="auto" latinLnBrk="0" hangingPunct="1">
+              <a:lnSpc>
+                <a:spcPct val="100000"/>
+              </a:lnSpc>
+              <a:spcBef>
+                <a:spcPts val="0"/>
+              </a:spcBef>
+              <a:spcAft>
+                <a:spcPts val="0"/>
+              </a:spcAft>
+              <a:buClrTx/>
+              <a:buSzTx/>
+              <a:buFontTx/>
+              <a:buNone/>
+              <a:tabLst/>
+              <a:defRPr/>
+            </a:pPr>
             <a:endParaRPr lang="sv-SE" dirty="0"/>
           </a:p>
         </p:txBody>
@@ -20068,7 +20120,7 @@
         </p:spPr>
         <p:txBody>
           <a:bodyPr>
-            <a:normAutofit fontScale="92500" lnSpcReduction="10000"/>
+            <a:normAutofit/>
           </a:bodyPr>
           <a:lstStyle/>
           <a:p>
@@ -20121,7 +20173,11 @@
             </a:pPr>
             <a:r>
               <a:rPr lang="sv-SE" dirty="0"/>
-              <a:t>	Hög CBO = bristande inkapsling, större känslighet för förändringar i andra delar, mer testning 	behövs.</a:t>
+              <a:t>	</a:t>
+            </a:r>
+            <a:r>
+              <a:rPr lang="sv-SE" sz="1500" dirty="0"/>
+              <a:t>Hög CBO = bristande inkapsling, större känslighet för förändringar, mer testning.</a:t>
             </a:r>
           </a:p>
           <a:p>
@@ -20134,13 +20190,22 @@
               </a:spcBef>
             </a:pPr>
             <a:r>
-              <a:rPr lang="sv-SE" dirty="0">
-                <a:solidFill>
-                  <a:srgbClr val="FF0000"/>
-                </a:solidFill>
-              </a:rPr>
-              <a:t>	Nåt exempel på när vi ändrade på ett ställe och många andra delar påverkades? </a:t>
-            </a:r>
+              <a:rPr lang="sv-SE" sz="1500" dirty="0"/>
+              <a:t>	Högst: Color (21) </a:t>
+            </a:r>
+            <a:r>
+              <a:rPr lang="sv-SE" sz="1500" dirty="0" err="1"/>
+              <a:t>pga</a:t>
+            </a:r>
+            <a:r>
+              <a:rPr lang="sv-SE" sz="1500" dirty="0"/>
+              <a:t> används av alla </a:t>
+            </a:r>
+            <a:r>
+              <a:rPr lang="sv-SE" sz="1500" dirty="0" err="1"/>
+              <a:t>GameObjects</a:t>
+            </a:r>
+            <a:endParaRPr lang="sv-SE" sz="1500" dirty="0"/>
           </a:p>
           <a:p>
             <a:pPr>
@@ -20152,16 +20217,8 @@
               </a:spcBef>
             </a:pPr>
             <a:r>
-              <a:rPr lang="sv-SE" dirty="0"/>
-              <a:t>	Högst: Color (20), lägst </a:t>
-            </a:r>
-            <a:r>
-              <a:rPr lang="sv-SE" dirty="0" err="1"/>
-              <a:t>Water</a:t>
-            </a:r>
-            <a:r>
-              <a:rPr lang="sv-SE" dirty="0"/>
-              <a:t> (4, används ej så mkt)</a:t>
+              <a:rPr lang="sv-SE" sz="1500" dirty="0"/>
+              <a:t>	Lågt för statiska saker som bara finns i karta, högt för de som interagerar med objekt på kartan.</a:t>
             </a:r>
           </a:p>
           <a:p>
@@ -20236,7 +20293,11 @@
             </a:pPr>
             <a:r>
               <a:rPr lang="sv-SE" dirty="0"/>
-              <a:t>	Som högst 4. Bara 4 av 18 klasser har DIT = 1, dvs inga arv.</a:t>
+              <a:t>	</a:t>
+            </a:r>
+            <a:r>
+              <a:rPr lang="sv-SE" sz="1500" dirty="0"/>
+              <a:t>Som högst 4, inte så djupt. Bara 4 av 18 klasser har DIT = 1, dvs inga arv.</a:t>
             </a:r>
           </a:p>
           <a:p>
@@ -20249,23 +20310,23 @@
               </a:spcBef>
             </a:pPr>
             <a:r>
-              <a:rPr lang="sv-SE" dirty="0"/>
+              <a:rPr lang="sv-SE" sz="1500" dirty="0"/>
               <a:t>	”</a:t>
             </a:r>
             <a:r>
-              <a:rPr lang="sv-SE" dirty="0" err="1"/>
+              <a:rPr lang="sv-SE" sz="1500" dirty="0" err="1"/>
               <a:t>Bottom</a:t>
             </a:r>
             <a:r>
-              <a:rPr lang="sv-SE" dirty="0"/>
+              <a:rPr lang="sv-SE" sz="1500" dirty="0"/>
               <a:t> </a:t>
             </a:r>
             <a:r>
-              <a:rPr lang="sv-SE" dirty="0" err="1"/>
+              <a:rPr lang="sv-SE" sz="1500" dirty="0" err="1"/>
               <a:t>heavy</a:t>
             </a:r>
             <a:r>
-              <a:rPr lang="sv-SE" dirty="0"/>
+              <a:rPr lang="sv-SE" sz="1500" dirty="0"/>
               <a:t>”? Använt arv för att återanvända kod.</a:t>
             </a:r>
           </a:p>
@@ -20279,7 +20340,7 @@
               </a:spcBef>
             </a:pPr>
             <a:r>
-              <a:rPr lang="sv-SE" dirty="0"/>
+              <a:rPr lang="sv-SE" sz="1500" dirty="0"/>
               <a:t>	Designbeslut: behålla arvshierarkin för att kunna expandera till fler subklasser med olika 	beteenden.</a:t>
             </a:r>
           </a:p>
@@ -20327,6 +20388,7 @@
               <a:rPr lang="sv-SE" sz="1800" dirty="0"/>
               <a:t> Children</a:t>
             </a:r>
+            <a:endParaRPr lang="sv-SE" sz="1500" dirty="0"/>
           </a:p>
           <a:p>
             <a:pPr>
@@ -20338,7 +20400,7 @@
               </a:spcBef>
             </a:pPr>
             <a:r>
-              <a:rPr lang="sv-SE" dirty="0"/>
+              <a:rPr lang="sv-SE" sz="1500" dirty="0"/>
               <a:t>	0-3, i genomsnitt 1, dvs inte så stor skillnad mellan klasserna.</a:t>
             </a:r>
           </a:p>
@@ -20352,22 +20414,8 @@
               </a:spcBef>
             </a:pPr>
             <a:r>
-              <a:rPr lang="sv-SE" dirty="0"/>
+              <a:rPr lang="sv-SE" sz="1500" dirty="0"/>
               <a:t>	Klass med hög NOC har stor påverkan – behöver testas mer.</a:t>
-            </a:r>
-          </a:p>
-          <a:p>
-            <a:pPr>
-              <a:lnSpc>
-                <a:spcPct val="100000"/>
-              </a:lnSpc>
-              <a:spcBef>
-                <a:spcPts val="0"/>
-              </a:spcBef>
-            </a:pPr>
-            <a:r>
-              <a:rPr lang="sv-SE" dirty="0"/>
-              <a:t>	Räknar med testklasser = missvisande?</a:t>
             </a:r>
           </a:p>
           <a:p>
@@ -20412,7 +20460,7 @@
             </a:r>
             <a:r>
               <a:rPr lang="sv-SE" sz="1800" dirty="0"/>
-              <a:t> per Class (summan av komplexiteten av alla klassmetoder)</a:t>
+              <a:t> per Class (summan av komplexiteten av alla klassmetoder)	</a:t>
             </a:r>
           </a:p>
           <a:p>
@@ -20426,15 +20474,15 @@
             </a:pPr>
             <a:r>
               <a:rPr lang="sv-SE" dirty="0"/>
-              <a:t>	Högst: </a:t>
-            </a:r>
-            <a:r>
-              <a:rPr lang="sv-SE" dirty="0" err="1"/>
+              <a:t>	</a:t>
+            </a:r>
+            <a:r>
+              <a:rPr lang="sv-SE" sz="1500" dirty="0" err="1"/>
               <a:t>GeneratedMap</a:t>
             </a:r>
             <a:r>
-              <a:rPr lang="sv-SE" dirty="0"/>
-              <a:t> (55) = svårast att utveckla och underhålla, lägst: Color (0)</a:t>
+              <a:rPr lang="sv-SE" sz="1500" dirty="0"/>
+              <a:t> (67) = svårast att utveckla och underhålla</a:t>
             </a:r>
           </a:p>
           <a:p>
@@ -20446,7 +20494,18 @@
                 <a:spcPts val="0"/>
               </a:spcBef>
             </a:pPr>
-            <a:endParaRPr lang="sv-SE" dirty="0"/>
+            <a:r>
+              <a:rPr lang="sv-SE" sz="1500" dirty="0"/>
+              <a:t>	Högst för kartan, </a:t>
+            </a:r>
+            <a:r>
+              <a:rPr lang="sv-SE" sz="1500" dirty="0" err="1"/>
+              <a:t>Creture</a:t>
+            </a:r>
+            <a:r>
+              <a:rPr lang="sv-SE" sz="1500" dirty="0"/>
+              <a:t>/Hero. Behöver testas. Fokuserat testdesignteknikerna på Hero, hade </a:t>
+            </a:r>
           </a:p>
           <a:p>
             <a:pPr>
@@ -20458,16 +20517,16 @@
               </a:spcBef>
             </a:pPr>
             <a:r>
-              <a:rPr lang="sv-SE" i="1" dirty="0"/>
-              <a:t>Indikerar måtten om vi gjort </a:t>
-            </a:r>
-            <a:r>
-              <a:rPr lang="sv-SE" i="1" dirty="0" err="1"/>
-              <a:t>trade-offs</a:t>
-            </a:r>
-            <a:r>
-              <a:rPr lang="sv-SE" i="1" dirty="0"/>
-              <a:t> mellan motstridiga krav; som ökad återanvändning genom mer arv, eller enkelhet att testa genom mindre arv?</a:t>
+              <a:rPr lang="sv-SE" sz="1500" dirty="0"/>
+              <a:t>	även kunnat göra det för </a:t>
+            </a:r>
+            <a:r>
+              <a:rPr lang="sv-SE" sz="1500" dirty="0" err="1"/>
+              <a:t>Map</a:t>
+            </a:r>
+            <a:r>
+              <a:rPr lang="sv-SE" sz="1500" dirty="0"/>
+              <a:t>.</a:t>
             </a:r>
           </a:p>
         </p:txBody>

--- a/docs/Slutredovisning_grp5_v8.pptx
+++ b/docs/Slutredovisning_grp5_v8.pptx
@@ -5,7 +5,7 @@
     <p:sldMasterId id="2147483648" r:id="rId1"/>
   </p:sldMasterIdLst>
   <p:notesMasterIdLst>
-    <p:notesMasterId r:id="rId37"/>
+    <p:notesMasterId r:id="rId38"/>
   </p:notesMasterIdLst>
   <p:sldIdLst>
     <p:sldId id="256" r:id="rId2"/>
@@ -37,17 +37,18 @@
     <p:sldId id="274" r:id="rId28"/>
     <p:sldId id="275" r:id="rId29"/>
     <p:sldId id="276" r:id="rId30"/>
-    <p:sldId id="277" r:id="rId31"/>
-    <p:sldId id="297" r:id="rId32"/>
-    <p:sldId id="278" r:id="rId33"/>
-    <p:sldId id="279" r:id="rId34"/>
-    <p:sldId id="280" r:id="rId35"/>
-    <p:sldId id="294" r:id="rId36"/>
+    <p:sldId id="301" r:id="rId31"/>
+    <p:sldId id="277" r:id="rId32"/>
+    <p:sldId id="297" r:id="rId33"/>
+    <p:sldId id="278" r:id="rId34"/>
+    <p:sldId id="279" r:id="rId35"/>
+    <p:sldId id="280" r:id="rId36"/>
+    <p:sldId id="294" r:id="rId37"/>
   </p:sldIdLst>
   <p:sldSz cx="12192000" cy="6858000"/>
   <p:notesSz cx="6858000" cy="9144000"/>
   <p:custDataLst>
-    <p:tags r:id="rId38"/>
+    <p:tags r:id="rId39"/>
   </p:custDataLst>
   <p:defaultTextStyle>
     <a:defPPr>
@@ -3647,12 +3648,11 @@
                 <a:ea typeface="+mn-ea"/>
                 <a:cs typeface="+mn-cs"/>
               </a:rPr>
-              <a:t>En presentation och diskussion kring ett antal lämpliga statiska mått på koden. Att vi inte specificerar exakt vilka mått som ska tas upp beror på att olika verktyg har olika uppsättningar, men vi förväntar oss fler och mer intressanta mått än bara rena storleksmått som LOC, #klasser, #metoder, etc. Även här är det viktigt att förhållas sig till måtten, inte bara lista dem. </a:t>
-            </a:r>
-            <a:r>
-              <a:rPr lang="sv-SE" dirty="0"/>
-              <a:t>Rader kod för projektet resp. testerna för att kunna jämföra.</a:t>
-            </a:r>
+              <a:t>En presentation av de problem som hittats med hjälp av verktyg för statisk analys och en diskussion av dem enligt anvisningarna. Det räcker alltså inte med att bara lista problemen, ni måste förhålla er till dem också. Tänk också på att ni ska göra detta både på koden som den såg ut före granskningen och på koden efter att ni rättat det som kommit fram under granskningen. OBS sätt upp känsligheten så saker hittas!</a:t>
+            </a:r>
+          </a:p>
+          <a:p>
+            <a:endParaRPr lang="sv-SE" dirty="0"/>
           </a:p>
         </p:txBody>
       </p:sp>
@@ -3682,7 +3682,7 @@
     </p:spTree>
     <p:extLst>
       <p:ext uri="{BB962C8B-B14F-4D97-AF65-F5344CB8AC3E}">
-        <p14:creationId xmlns:p14="http://schemas.microsoft.com/office/powerpoint/2010/main" val="247082709"/>
+        <p14:creationId xmlns:p14="http://schemas.microsoft.com/office/powerpoint/2010/main" val="3955757252"/>
       </p:ext>
     </p:extLst>
   </p:cSld>
@@ -3763,61 +3763,12 @@
                 <a:ea typeface="+mn-ea"/>
                 <a:cs typeface="+mn-cs"/>
               </a:rPr>
-              <a:t>En presentation och diskussion kring ett antal lämpliga statiska mått på koden. Att vi inte specificerar exakt vilka mått som ska tas upp beror på att olika verktyg har olika uppsättningar, men vi förväntar oss fler och mer intressanta mått än bara rena storleksmått som LOC, #klasser, #metoder, etc. Även här är det viktigt att förhållas sig till måtten, inte bara lista dem.</a:t>
-            </a:r>
-          </a:p>
-          <a:p>
-            <a:pPr>
-              <a:lnSpc>
-                <a:spcPct val="100000"/>
-              </a:lnSpc>
-              <a:spcBef>
-                <a:spcPts val="0"/>
-              </a:spcBef>
-            </a:pPr>
-            <a:endParaRPr lang="sv-SE" dirty="0"/>
-          </a:p>
-          <a:p>
-            <a:pPr>
-              <a:lnSpc>
-                <a:spcPct val="100000"/>
-              </a:lnSpc>
-              <a:spcBef>
-                <a:spcPts val="0"/>
-              </a:spcBef>
-            </a:pPr>
-            <a:r>
-              <a:rPr lang="sv-SE" i="1" dirty="0"/>
-              <a:t>Indikerar måtten om vi gjort </a:t>
-            </a:r>
-            <a:r>
-              <a:rPr lang="sv-SE" i="1" dirty="0" err="1"/>
-              <a:t>trade-offs</a:t>
-            </a:r>
-            <a:r>
-              <a:rPr lang="sv-SE" i="1" dirty="0"/>
-              <a:t> mellan motstridiga krav; som ökad återanvändning genom mer arv, eller enkelhet att testa genom mindre arv?</a:t>
-            </a:r>
-          </a:p>
-          <a:p>
-            <a:pPr marL="0" marR="0" lvl="0" indent="0" algn="l" defTabSz="914400" rtl="0" eaLnBrk="1" fontAlgn="auto" latinLnBrk="0" hangingPunct="1">
-              <a:lnSpc>
-                <a:spcPct val="100000"/>
-              </a:lnSpc>
-              <a:spcBef>
-                <a:spcPts val="0"/>
-              </a:spcBef>
-              <a:spcAft>
-                <a:spcPts val="0"/>
-              </a:spcAft>
-              <a:buClrTx/>
-              <a:buSzTx/>
-              <a:buFontTx/>
-              <a:buNone/>
-              <a:tabLst/>
-              <a:defRPr/>
-            </a:pPr>
-            <a:endParaRPr lang="sv-SE" dirty="0"/>
+              <a:t>En presentation och diskussion kring ett antal lämpliga statiska mått på koden. Att vi inte specificerar exakt vilka mått som ska tas upp beror på att olika verktyg har olika uppsättningar, men vi förväntar oss fler och mer intressanta mått än bara rena storleksmått som LOC, #klasser, #metoder, etc. Även här är det viktigt att förhållas sig till måtten, inte bara lista dem. </a:t>
+            </a:r>
+            <a:r>
+              <a:rPr lang="sv-SE" dirty="0"/>
+              <a:t>Rader kod för projektet resp. testerna för att kunna jämföra.</a:t>
+            </a:r>
           </a:p>
         </p:txBody>
       </p:sp>
@@ -3847,7 +3798,7 @@
     </p:spTree>
     <p:extLst>
       <p:ext uri="{BB962C8B-B14F-4D97-AF65-F5344CB8AC3E}">
-        <p14:creationId xmlns:p14="http://schemas.microsoft.com/office/powerpoint/2010/main" val="3898918040"/>
+        <p14:creationId xmlns:p14="http://schemas.microsoft.com/office/powerpoint/2010/main" val="247082709"/>
       </p:ext>
     </p:extLst>
   </p:cSld>
@@ -3928,58 +3879,60 @@
                 <a:ea typeface="+mn-ea"/>
                 <a:cs typeface="+mn-cs"/>
               </a:rPr>
-              <a:t>En översikt över vilken täckningsgrad era testfall uppnått. Denna kan antagligen tas rakt av från verktyget ni använt för att mäta den. Om ni inte uppnått fullständig täckning så ska detta förklaras och motiveras. T.ex. Emma för </a:t>
-            </a:r>
-            <a:r>
-              <a:rPr lang="sv-SE" sz="1200" kern="1200" dirty="0" err="1">
-                <a:solidFill>
-                  <a:schemeClr val="tx1"/>
-                </a:solidFill>
-                <a:effectLst/>
-                <a:latin typeface="+mn-lt"/>
-                <a:ea typeface="+mn-ea"/>
-                <a:cs typeface="+mn-cs"/>
-              </a:rPr>
-              <a:t>Eclipse</a:t>
-            </a:r>
-            <a:r>
-              <a:rPr lang="sv-SE" sz="1200" kern="1200" dirty="0">
-                <a:solidFill>
-                  <a:schemeClr val="tx1"/>
-                </a:solidFill>
-                <a:effectLst/>
-                <a:latin typeface="+mn-lt"/>
-                <a:ea typeface="+mn-ea"/>
-                <a:cs typeface="+mn-cs"/>
-              </a:rPr>
-              <a:t> missar när det blir </a:t>
-            </a:r>
-            <a:r>
-              <a:rPr lang="sv-SE" sz="1200" kern="1200" dirty="0" err="1">
-                <a:solidFill>
-                  <a:schemeClr val="tx1"/>
-                </a:solidFill>
-                <a:effectLst/>
-                <a:latin typeface="+mn-lt"/>
-                <a:ea typeface="+mn-ea"/>
-                <a:cs typeface="+mn-cs"/>
-              </a:rPr>
-              <a:t>exceptions</a:t>
-            </a:r>
-            <a:r>
-              <a:rPr lang="sv-SE" sz="1200" kern="1200" dirty="0">
-                <a:solidFill>
-                  <a:schemeClr val="tx1"/>
-                </a:solidFill>
-                <a:effectLst/>
-                <a:latin typeface="+mn-lt"/>
-                <a:ea typeface="+mn-ea"/>
-                <a:cs typeface="+mn-cs"/>
-              </a:rPr>
-              <a:t>, blir ej 100% då.</a:t>
-            </a:r>
-          </a:p>
-          <a:p>
+              <a:t>En presentation och diskussion kring ett antal lämpliga statiska mått på koden. Att vi inte specificerar exakt vilka mått som ska tas upp beror på att olika verktyg har olika uppsättningar, men vi förväntar oss fler och mer intressanta mått än bara rena storleksmått som LOC, #klasser, #metoder, etc. Även här är det viktigt att förhållas sig till måtten, inte bara lista dem.</a:t>
+            </a:r>
+          </a:p>
+          <a:p>
+            <a:pPr>
+              <a:lnSpc>
+                <a:spcPct val="100000"/>
+              </a:lnSpc>
+              <a:spcBef>
+                <a:spcPts val="0"/>
+              </a:spcBef>
+            </a:pPr>
+            <a:endParaRPr lang="sv-SE" dirty="0"/>
+          </a:p>
+          <a:p>
+            <a:pPr>
+              <a:lnSpc>
+                <a:spcPct val="100000"/>
+              </a:lnSpc>
+              <a:spcBef>
+                <a:spcPts val="0"/>
+              </a:spcBef>
+            </a:pPr>
+            <a:r>
+              <a:rPr lang="sv-SE" i="1" dirty="0"/>
+              <a:t>Indikerar måtten om vi gjort </a:t>
+            </a:r>
+            <a:r>
+              <a:rPr lang="sv-SE" i="1" dirty="0" err="1"/>
+              <a:t>trade-offs</a:t>
+            </a:r>
+            <a:r>
+              <a:rPr lang="sv-SE" i="1" dirty="0"/>
+              <a:t> mellan motstridiga krav; som ökad återanvändning genom mer arv, eller enkelhet att testa genom mindre arv?</a:t>
+            </a:r>
+          </a:p>
+          <a:p>
+            <a:pPr marL="0" marR="0" lvl="0" indent="0" algn="l" defTabSz="914400" rtl="0" eaLnBrk="1" fontAlgn="auto" latinLnBrk="0" hangingPunct="1">
+              <a:lnSpc>
+                <a:spcPct val="100000"/>
+              </a:lnSpc>
+              <a:spcBef>
+                <a:spcPts val="0"/>
+              </a:spcBef>
+              <a:spcAft>
+                <a:spcPts val="0"/>
+              </a:spcAft>
+              <a:buClrTx/>
+              <a:buSzTx/>
+              <a:buFontTx/>
+              <a:buNone/>
+              <a:tabLst/>
+              <a:defRPr/>
+            </a:pPr>
             <a:endParaRPr lang="sv-SE" dirty="0"/>
           </a:p>
         </p:txBody>
@@ -4010,7 +3963,7 @@
     </p:spTree>
     <p:extLst>
       <p:ext uri="{BB962C8B-B14F-4D97-AF65-F5344CB8AC3E}">
-        <p14:creationId xmlns:p14="http://schemas.microsoft.com/office/powerpoint/2010/main" val="169751880"/>
+        <p14:creationId xmlns:p14="http://schemas.microsoft.com/office/powerpoint/2010/main" val="3898918040"/>
       </p:ext>
     </p:extLst>
   </p:cSld>
@@ -4091,48 +4044,59 @@
                 <a:ea typeface="+mn-ea"/>
                 <a:cs typeface="+mn-cs"/>
               </a:rPr>
-              <a:t>En kort presentation av hur ni gått tillväga för att testa koden med en profiler och vilka resultat ni fick fram. Även här är det viktigt att förhållas sig till måtten, inte bara presentera dem.</a:t>
-            </a:r>
-          </a:p>
-          <a:p>
-            <a:pPr marL="0" marR="0" lvl="0" indent="0" algn="l" defTabSz="914400" rtl="0" eaLnBrk="1" fontAlgn="auto" latinLnBrk="0" hangingPunct="1">
-              <a:lnSpc>
-                <a:spcPct val="100000"/>
-              </a:lnSpc>
-              <a:spcBef>
-                <a:spcPts val="0"/>
-              </a:spcBef>
-              <a:spcAft>
-                <a:spcPts val="0"/>
-              </a:spcAft>
-              <a:buClrTx/>
-              <a:buSzTx/>
-              <a:buFontTx/>
-              <a:buNone/>
-              <a:tabLst/>
-              <a:defRPr/>
-            </a:pPr>
-            <a:endParaRPr lang="sv-SE" sz="1200" kern="1200" dirty="0">
-              <a:solidFill>
-                <a:schemeClr val="tx1"/>
-              </a:solidFill>
-              <a:effectLst/>
-              <a:latin typeface="+mn-lt"/>
-              <a:ea typeface="+mn-ea"/>
-              <a:cs typeface="+mn-cs"/>
-            </a:endParaRPr>
-          </a:p>
-          <a:p>
-            <a:r>
-              <a:rPr lang="sv-SE" dirty="0"/>
-              <a:t>Profiler kollar körande program, var spenderas tid och minne osv.</a:t>
-            </a:r>
-          </a:p>
-          <a:p>
-            <a:r>
-              <a:rPr lang="sv-SE" dirty="0"/>
-              <a:t>Kolla nåt intressant! Se inspelad fl.</a:t>
-            </a:r>
+              <a:t>En översikt över vilken täckningsgrad era testfall uppnått. Denna kan antagligen tas rakt av från verktyget ni använt för att mäta den. Om ni inte uppnått fullständig täckning så ska detta förklaras och motiveras. T.ex. Emma för </a:t>
+            </a:r>
+            <a:r>
+              <a:rPr lang="sv-SE" sz="1200" kern="1200" dirty="0" err="1">
+                <a:solidFill>
+                  <a:schemeClr val="tx1"/>
+                </a:solidFill>
+                <a:effectLst/>
+                <a:latin typeface="+mn-lt"/>
+                <a:ea typeface="+mn-ea"/>
+                <a:cs typeface="+mn-cs"/>
+              </a:rPr>
+              <a:t>Eclipse</a:t>
+            </a:r>
+            <a:r>
+              <a:rPr lang="sv-SE" sz="1200" kern="1200" dirty="0">
+                <a:solidFill>
+                  <a:schemeClr val="tx1"/>
+                </a:solidFill>
+                <a:effectLst/>
+                <a:latin typeface="+mn-lt"/>
+                <a:ea typeface="+mn-ea"/>
+                <a:cs typeface="+mn-cs"/>
+              </a:rPr>
+              <a:t> missar när det blir </a:t>
+            </a:r>
+            <a:r>
+              <a:rPr lang="sv-SE" sz="1200" kern="1200" dirty="0" err="1">
+                <a:solidFill>
+                  <a:schemeClr val="tx1"/>
+                </a:solidFill>
+                <a:effectLst/>
+                <a:latin typeface="+mn-lt"/>
+                <a:ea typeface="+mn-ea"/>
+                <a:cs typeface="+mn-cs"/>
+              </a:rPr>
+              <a:t>exceptions</a:t>
+            </a:r>
+            <a:r>
+              <a:rPr lang="sv-SE" sz="1200" kern="1200" dirty="0">
+                <a:solidFill>
+                  <a:schemeClr val="tx1"/>
+                </a:solidFill>
+                <a:effectLst/>
+                <a:latin typeface="+mn-lt"/>
+                <a:ea typeface="+mn-ea"/>
+                <a:cs typeface="+mn-cs"/>
+              </a:rPr>
+              <a:t>, blir ej 100% då.</a:t>
+            </a:r>
+          </a:p>
+          <a:p>
+            <a:endParaRPr lang="sv-SE" dirty="0"/>
           </a:p>
         </p:txBody>
       </p:sp>
@@ -4162,7 +4126,7 @@
     </p:spTree>
     <p:extLst>
       <p:ext uri="{BB962C8B-B14F-4D97-AF65-F5344CB8AC3E}">
-        <p14:creationId xmlns:p14="http://schemas.microsoft.com/office/powerpoint/2010/main" val="1278246246"/>
+        <p14:creationId xmlns:p14="http://schemas.microsoft.com/office/powerpoint/2010/main" val="169751880"/>
       </p:ext>
     </p:extLst>
   </p:cSld>
@@ -4243,7 +4207,7 @@
                 <a:ea typeface="+mn-ea"/>
                 <a:cs typeface="+mn-cs"/>
               </a:rPr>
-              <a:t>Byggscriptets första (seriösa/fungerande) version, och den slutliga (efter att saker lagts till).</a:t>
+              <a:t>En kort presentation av hur ni gått tillväga för att testa koden med en profiler och vilka resultat ni fick fram. Även här är det viktigt att förhållas sig till måtten, inte bara presentera dem.</a:t>
             </a:r>
           </a:p>
           <a:p>
@@ -4264,42 +4228,6 @@
               <a:tabLst/>
               <a:defRPr/>
             </a:pPr>
-            <a:r>
-              <a:rPr lang="sv-SE" sz="1200" kern="1200" dirty="0" err="1">
-                <a:solidFill>
-                  <a:schemeClr val="tx1"/>
-                </a:solidFill>
-                <a:effectLst/>
-                <a:latin typeface="+mn-lt"/>
-                <a:ea typeface="+mn-ea"/>
-                <a:cs typeface="+mn-cs"/>
-              </a:rPr>
-              <a:t>Maven</a:t>
-            </a:r>
-            <a:r>
-              <a:rPr lang="sv-SE" sz="1200" kern="1200" dirty="0">
-                <a:solidFill>
-                  <a:schemeClr val="tx1"/>
-                </a:solidFill>
-                <a:effectLst/>
-                <a:latin typeface="+mn-lt"/>
-                <a:ea typeface="+mn-ea"/>
-                <a:cs typeface="+mn-cs"/>
-              </a:rPr>
-              <a:t>, </a:t>
-            </a:r>
-            <a:r>
-              <a:rPr lang="sv-SE" sz="1200" kern="1200" dirty="0" err="1">
-                <a:solidFill>
-                  <a:schemeClr val="tx1"/>
-                </a:solidFill>
-                <a:effectLst/>
-                <a:latin typeface="+mn-lt"/>
-                <a:ea typeface="+mn-ea"/>
-                <a:cs typeface="+mn-cs"/>
-              </a:rPr>
-              <a:t>xml</a:t>
-            </a:r>
             <a:endParaRPr lang="sv-SE" sz="1200" kern="1200" dirty="0">
               <a:solidFill>
                 <a:schemeClr val="tx1"/>
@@ -4311,7 +4239,16 @@
             </a:endParaRPr>
           </a:p>
           <a:p>
-            <a:endParaRPr lang="sv-SE" dirty="0"/>
+            <a:r>
+              <a:rPr lang="sv-SE" dirty="0"/>
+              <a:t>Profiler kollar körande program, var spenderas tid och minne osv.</a:t>
+            </a:r>
+          </a:p>
+          <a:p>
+            <a:r>
+              <a:rPr lang="sv-SE" dirty="0"/>
+              <a:t>Kolla nåt intressant! Se inspelad fl.</a:t>
+            </a:r>
           </a:p>
         </p:txBody>
       </p:sp>
@@ -4341,7 +4278,7 @@
     </p:spTree>
     <p:extLst>
       <p:ext uri="{BB962C8B-B14F-4D97-AF65-F5344CB8AC3E}">
-        <p14:creationId xmlns:p14="http://schemas.microsoft.com/office/powerpoint/2010/main" val="109849433"/>
+        <p14:creationId xmlns:p14="http://schemas.microsoft.com/office/powerpoint/2010/main" val="1278246246"/>
       </p:ext>
     </p:extLst>
   </p:cSld>
@@ -4424,6 +4361,72 @@
               </a:rPr>
               <a:t>Byggscriptets första (seriösa/fungerande) version, och den slutliga (efter att saker lagts till).</a:t>
             </a:r>
+          </a:p>
+          <a:p>
+            <a:pPr marL="0" marR="0" lvl="0" indent="0" algn="l" defTabSz="914400" rtl="0" eaLnBrk="1" fontAlgn="auto" latinLnBrk="0" hangingPunct="1">
+              <a:lnSpc>
+                <a:spcPct val="100000"/>
+              </a:lnSpc>
+              <a:spcBef>
+                <a:spcPts val="0"/>
+              </a:spcBef>
+              <a:spcAft>
+                <a:spcPts val="0"/>
+              </a:spcAft>
+              <a:buClrTx/>
+              <a:buSzTx/>
+              <a:buFontTx/>
+              <a:buNone/>
+              <a:tabLst/>
+              <a:defRPr/>
+            </a:pPr>
+            <a:r>
+              <a:rPr lang="sv-SE" sz="1200" kern="1200" dirty="0" err="1">
+                <a:solidFill>
+                  <a:schemeClr val="tx1"/>
+                </a:solidFill>
+                <a:effectLst/>
+                <a:latin typeface="+mn-lt"/>
+                <a:ea typeface="+mn-ea"/>
+                <a:cs typeface="+mn-cs"/>
+              </a:rPr>
+              <a:t>Maven</a:t>
+            </a:r>
+            <a:r>
+              <a:rPr lang="sv-SE" sz="1200" kern="1200" dirty="0">
+                <a:solidFill>
+                  <a:schemeClr val="tx1"/>
+                </a:solidFill>
+                <a:effectLst/>
+                <a:latin typeface="+mn-lt"/>
+                <a:ea typeface="+mn-ea"/>
+                <a:cs typeface="+mn-cs"/>
+              </a:rPr>
+              <a:t>, </a:t>
+            </a:r>
+            <a:r>
+              <a:rPr lang="sv-SE" sz="1200" kern="1200" dirty="0" err="1">
+                <a:solidFill>
+                  <a:schemeClr val="tx1"/>
+                </a:solidFill>
+                <a:effectLst/>
+                <a:latin typeface="+mn-lt"/>
+                <a:ea typeface="+mn-ea"/>
+                <a:cs typeface="+mn-cs"/>
+              </a:rPr>
+              <a:t>xml</a:t>
+            </a:r>
+            <a:endParaRPr lang="sv-SE" sz="1200" kern="1200" dirty="0">
+              <a:solidFill>
+                <a:schemeClr val="tx1"/>
+              </a:solidFill>
+              <a:effectLst/>
+              <a:latin typeface="+mn-lt"/>
+              <a:ea typeface="+mn-ea"/>
+              <a:cs typeface="+mn-cs"/>
+            </a:endParaRPr>
+          </a:p>
+          <a:p>
             <a:endParaRPr lang="sv-SE" dirty="0"/>
           </a:p>
         </p:txBody>
@@ -4446,6 +4449,119 @@
             <a:fld id="{8667F948-D2CB-486C-A2EA-FEABC2DAAE8D}" type="slidenum">
               <a:rPr lang="sv-SE" smtClean="0"/>
               <a:t>35</a:t>
+            </a:fld>
+            <a:endParaRPr lang="sv-SE"/>
+          </a:p>
+        </p:txBody>
+      </p:sp>
+    </p:spTree>
+    <p:extLst>
+      <p:ext uri="{BB962C8B-B14F-4D97-AF65-F5344CB8AC3E}">
+        <p14:creationId xmlns:p14="http://schemas.microsoft.com/office/powerpoint/2010/main" val="109849433"/>
+      </p:ext>
+    </p:extLst>
+  </p:cSld>
+  <p:clrMapOvr>
+    <a:masterClrMapping/>
+  </p:clrMapOvr>
+</p:notes>
+</file>
+
+<file path=ppt/notesSlides/notesSlide36.xml><?xml version="1.0" encoding="utf-8"?>
+<p:notes xmlns:a="http://schemas.openxmlformats.org/drawingml/2006/main" xmlns:r="http://schemas.openxmlformats.org/officeDocument/2006/relationships" xmlns:p="http://schemas.openxmlformats.org/presentationml/2006/main">
+  <p:cSld>
+    <p:spTree>
+      <p:nvGrpSpPr>
+        <p:cNvPr id="1" name=""/>
+        <p:cNvGrpSpPr/>
+        <p:nvPr/>
+      </p:nvGrpSpPr>
+      <p:grpSpPr>
+        <a:xfrm>
+          <a:off x="0" y="0"/>
+          <a:ext cx="0" cy="0"/>
+          <a:chOff x="0" y="0"/>
+          <a:chExt cx="0" cy="0"/>
+        </a:xfrm>
+      </p:grpSpPr>
+      <p:sp>
+        <p:nvSpPr>
+          <p:cNvPr id="2" name="Platshållare för bildobjekt 1"/>
+          <p:cNvSpPr>
+            <a:spLocks noGrp="1" noRot="1" noChangeAspect="1"/>
+          </p:cNvSpPr>
+          <p:nvPr>
+            <p:ph type="sldImg"/>
+          </p:nvPr>
+        </p:nvSpPr>
+        <p:spPr/>
+      </p:sp>
+      <p:sp>
+        <p:nvSpPr>
+          <p:cNvPr id="3" name="Platshållare för anteckningar 2"/>
+          <p:cNvSpPr>
+            <a:spLocks noGrp="1"/>
+          </p:cNvSpPr>
+          <p:nvPr>
+            <p:ph type="body" idx="1"/>
+          </p:nvPr>
+        </p:nvSpPr>
+        <p:spPr/>
+        <p:txBody>
+          <a:bodyPr/>
+          <a:lstStyle/>
+          <a:p>
+            <a:pPr marL="0" marR="0" lvl="0" indent="0" algn="l" defTabSz="914400" rtl="0" eaLnBrk="1" fontAlgn="auto" latinLnBrk="0" hangingPunct="1">
+              <a:lnSpc>
+                <a:spcPct val="100000"/>
+              </a:lnSpc>
+              <a:spcBef>
+                <a:spcPts val="0"/>
+              </a:spcBef>
+              <a:spcAft>
+                <a:spcPts val="0"/>
+              </a:spcAft>
+              <a:buClrTx/>
+              <a:buSzTx/>
+              <a:buFontTx/>
+              <a:buNone/>
+              <a:tabLst/>
+              <a:defRPr/>
+            </a:pPr>
+            <a:r>
+              <a:rPr lang="sv-SE" sz="1200" kern="1200" dirty="0">
+                <a:solidFill>
+                  <a:schemeClr val="tx1"/>
+                </a:solidFill>
+                <a:effectLst/>
+                <a:latin typeface="+mn-lt"/>
+                <a:ea typeface="+mn-ea"/>
+                <a:cs typeface="+mn-cs"/>
+              </a:rPr>
+              <a:t>Byggscriptets första (seriösa/fungerande) version, och den slutliga (efter att saker lagts till).</a:t>
+            </a:r>
+            <a:endParaRPr lang="sv-SE" dirty="0"/>
+          </a:p>
+        </p:txBody>
+      </p:sp>
+      <p:sp>
+        <p:nvSpPr>
+          <p:cNvPr id="4" name="Platshållare för bildnummer 3"/>
+          <p:cNvSpPr>
+            <a:spLocks noGrp="1"/>
+          </p:cNvSpPr>
+          <p:nvPr>
+            <p:ph type="sldNum" sz="quarter" idx="10"/>
+          </p:nvPr>
+        </p:nvSpPr>
+        <p:spPr/>
+        <p:txBody>
+          <a:bodyPr/>
+          <a:lstStyle/>
+          <a:p>
+            <a:fld id="{8667F948-D2CB-486C-A2EA-FEABC2DAAE8D}" type="slidenum">
+              <a:rPr lang="sv-SE" smtClean="0"/>
+              <a:t>36</a:t>
             </a:fld>
             <a:endParaRPr lang="sv-SE"/>
           </a:p>
@@ -13473,8 +13589,8 @@
         </p:nvSpPr>
         <p:spPr>
           <a:xfrm>
-            <a:off x="839788" y="1227348"/>
-            <a:ext cx="5157787" cy="823912"/>
+            <a:off x="382772" y="1227348"/>
+            <a:ext cx="5614803" cy="823912"/>
           </a:xfrm>
         </p:spPr>
         <p:txBody>
@@ -13501,8 +13617,8 @@
         </p:nvSpPr>
         <p:spPr>
           <a:xfrm>
-            <a:off x="839788" y="2101893"/>
-            <a:ext cx="5157787" cy="3684588"/>
+            <a:off x="304800" y="2101893"/>
+            <a:ext cx="5864224" cy="3684588"/>
           </a:xfrm>
         </p:spPr>
         <p:txBody>
@@ -13999,27 +14115,7 @@
                   </a:schemeClr>
                 </a:solidFill>
               </a:rPr>
-              <a:t>(</a:t>
-            </a:r>
-            <a:r>
-              <a:rPr lang="sv-SE" sz="1400" dirty="0" err="1">
-                <a:solidFill>
-                  <a:schemeClr val="accent1">
-                    <a:lumMod val="75000"/>
-                  </a:schemeClr>
-                </a:solidFill>
-              </a:rPr>
-              <a:t>ch</a:t>
-            </a:r>
-            <a:r>
-              <a:rPr lang="sv-SE" sz="1400" dirty="0">
-                <a:solidFill>
-                  <a:schemeClr val="accent1">
-                    <a:lumMod val="75000"/>
-                  </a:schemeClr>
-                </a:solidFill>
-              </a:rPr>
-              <a:t>);</a:t>
+              <a:t>();</a:t>
             </a:r>
             <a:br>
               <a:rPr lang="sv-SE" sz="1400" dirty="0">
@@ -19676,7 +19772,7 @@
         <p:spPr>
           <a:xfrm>
             <a:off x="1060803" y="2274838"/>
-            <a:ext cx="3650312" cy="3816429"/>
+            <a:ext cx="3650312" cy="2369880"/>
           </a:xfrm>
           <a:prstGeom prst="rect">
             <a:avLst/>
@@ -19698,7 +19794,15 @@
             </a:pPr>
             <a:r>
               <a:rPr lang="sv-SE" dirty="0"/>
-              <a:t>- get-metoder som returnerade direkta referenser istället för kopior av referensen, vilket gör att objekten kan förändras. </a:t>
+              <a:t>get-metoder i ”</a:t>
+            </a:r>
+            <a:r>
+              <a:rPr lang="sv-SE" dirty="0" err="1"/>
+              <a:t>mutable</a:t>
+            </a:r>
+            <a:r>
+              <a:rPr lang="sv-SE" dirty="0"/>
+              <a:t>” objekt</a:t>
             </a:r>
           </a:p>
           <a:p>
@@ -19708,31 +19812,7 @@
             </a:pPr>
             <a:r>
               <a:rPr lang="sv-SE" dirty="0"/>
-              <a:t>- </a:t>
-            </a:r>
-            <a:r>
-              <a:rPr lang="sv-SE" dirty="0" err="1"/>
-              <a:t>Override</a:t>
-            </a:r>
-            <a:r>
-              <a:rPr lang="sv-SE" dirty="0"/>
-              <a:t> av </a:t>
-            </a:r>
-            <a:r>
-              <a:rPr lang="sv-SE" dirty="0" err="1"/>
-              <a:t>equals</a:t>
-            </a:r>
-            <a:r>
-              <a:rPr lang="sv-SE" dirty="0"/>
-              <a:t>-metoder men inte </a:t>
-            </a:r>
-            <a:r>
-              <a:rPr lang="sv-SE" dirty="0" err="1"/>
-              <a:t>hashcode</a:t>
-            </a:r>
-            <a:r>
-              <a:rPr lang="sv-SE" dirty="0"/>
-              <a:t> </a:t>
+              <a:t>If-sats som inte gjorde något (TODO)</a:t>
             </a:r>
           </a:p>
           <a:p>
@@ -19741,8 +19821,28 @@
               <a:buChar char="•"/>
             </a:pPr>
             <a:r>
+              <a:rPr lang="sv-SE" dirty="0" err="1"/>
+              <a:t>Override</a:t>
+            </a:r>
+            <a:r>
               <a:rPr lang="sv-SE" dirty="0"/>
-              <a:t>- Variabler som inte användes </a:t>
+              <a:t> av </a:t>
+            </a:r>
+            <a:r>
+              <a:rPr lang="sv-SE" dirty="0" err="1"/>
+              <a:t>equals</a:t>
+            </a:r>
+            <a:r>
+              <a:rPr lang="sv-SE" dirty="0"/>
+              <a:t>-metoder men inte </a:t>
+            </a:r>
+            <a:r>
+              <a:rPr lang="sv-SE" dirty="0" err="1"/>
+              <a:t>hashcode</a:t>
+            </a:r>
+            <a:r>
+              <a:rPr lang="sv-SE" dirty="0"/>
+              <a:t> </a:t>
             </a:r>
           </a:p>
           <a:p>
@@ -19752,22 +19852,8 @@
             </a:pPr>
             <a:r>
               <a:rPr lang="sv-SE" dirty="0"/>
-              <a:t>- Anmärkte på metoder som inte gjorde något (TODO)</a:t>
-            </a:r>
-            <a:endParaRPr lang="sv-SE" sz="2000" dirty="0"/>
-          </a:p>
-          <a:p>
-            <a:pPr marL="285750" indent="-285750">
-              <a:buFont typeface="Arial" panose="020B0604020202020204" pitchFamily="34" charset="0"/>
-              <a:buChar char="•"/>
-            </a:pPr>
-            <a:endParaRPr lang="sv-SE" sz="2000" dirty="0"/>
-          </a:p>
-          <a:p>
-            <a:pPr marL="285750" indent="-285750">
-              <a:buFont typeface="Arial" panose="020B0604020202020204" pitchFamily="34" charset="0"/>
-              <a:buChar char="•"/>
-            </a:pPr>
+              <a:t>Variabler som inte användes</a:t>
+            </a:r>
             <a:endParaRPr lang="sv-SE" sz="2000" dirty="0"/>
           </a:p>
           <a:p>
@@ -19914,6 +20000,260 @@
         </p:nvSpPr>
         <p:spPr>
           <a:xfrm>
+            <a:off x="839788" y="457200"/>
+            <a:ext cx="9925194" cy="938463"/>
+          </a:xfrm>
+        </p:spPr>
+        <p:txBody>
+          <a:bodyPr>
+            <a:normAutofit fontScale="90000"/>
+          </a:bodyPr>
+          <a:lstStyle/>
+          <a:p>
+            <a:r>
+              <a:rPr lang="sv-SE" dirty="0"/>
+              <a:t>Kodkritiksystem: </a:t>
+            </a:r>
+            <a:r>
+              <a:rPr lang="sv-SE" dirty="0" err="1"/>
+              <a:t>FindBugs</a:t>
+            </a:r>
+            <a:r>
+              <a:rPr lang="sv-SE" dirty="0"/>
+              <a:t> IDEA, efter korrigering/granskning</a:t>
+            </a:r>
+          </a:p>
+        </p:txBody>
+      </p:sp>
+      <p:pic>
+        <p:nvPicPr>
+          <p:cNvPr id="13" name="Platshållare för bild 12">
+            <a:extLst>
+              <a:ext uri="{FF2B5EF4-FFF2-40B4-BE49-F238E27FC236}">
+                <a16:creationId xmlns:a16="http://schemas.microsoft.com/office/drawing/2014/main" id="{916DB166-5CF7-1044-A24D-D093AD43B49C}"/>
+              </a:ext>
+            </a:extLst>
+          </p:cNvPr>
+          <p:cNvPicPr>
+            <a:picLocks noGrp="1" noChangeAspect="1"/>
+          </p:cNvPicPr>
+          <p:nvPr>
+            <p:ph type="pic" idx="1"/>
+          </p:nvPr>
+        </p:nvPicPr>
+        <p:blipFill>
+          <a:blip r:embed="rId4">
+            <a:extLst>
+              <a:ext uri="{28A0092B-C50C-407E-A947-70E740481C1C}">
+                <a14:useLocalDpi xmlns:a14="http://schemas.microsoft.com/office/drawing/2010/main" val="0"/>
+              </a:ext>
+            </a:extLst>
+          </a:blip>
+          <a:srcRect l="1821" r="1821"/>
+          <a:stretch>
+            <a:fillRect/>
+          </a:stretch>
+        </p:blipFill>
+        <p:spPr>
+          <a:xfrm>
+            <a:off x="4965149" y="2208846"/>
+            <a:ext cx="6950927" cy="2808503"/>
+          </a:xfrm>
+        </p:spPr>
+      </p:pic>
+      <p:sp>
+        <p:nvSpPr>
+          <p:cNvPr id="3" name="TextBox 2">
+            <a:extLst>
+              <a:ext uri="{FF2B5EF4-FFF2-40B4-BE49-F238E27FC236}">
+                <a16:creationId xmlns:a16="http://schemas.microsoft.com/office/drawing/2014/main" id="{11503290-4916-4645-B157-1A59B4A79972}"/>
+              </a:ext>
+            </a:extLst>
+          </p:cNvPr>
+          <p:cNvSpPr txBox="1"/>
+          <p:nvPr/>
+        </p:nvSpPr>
+        <p:spPr>
+          <a:xfrm>
+            <a:off x="1060803" y="2274838"/>
+            <a:ext cx="3650312" cy="2246769"/>
+          </a:xfrm>
+          <a:prstGeom prst="rect">
+            <a:avLst/>
+          </a:prstGeom>
+          <a:noFill/>
+        </p:spPr>
+        <p:txBody>
+          <a:bodyPr wrap="square" rtlCol="0">
+            <a:spAutoFit/>
+          </a:bodyPr>
+          <a:lstStyle/>
+          <a:p>
+            <a:endParaRPr lang="sv-SE" sz="2000" dirty="0"/>
+          </a:p>
+          <a:p>
+            <a:pPr marL="285750" indent="-285750">
+              <a:buFont typeface="Arial" panose="020B0604020202020204" pitchFamily="34" charset="0"/>
+              <a:buChar char="•"/>
+            </a:pPr>
+            <a:r>
+              <a:rPr lang="sv-SE" sz="2000" dirty="0"/>
+              <a:t>Under granskningen hittades: </a:t>
+            </a:r>
+          </a:p>
+          <a:p>
+            <a:r>
+              <a:rPr lang="sv-SE" sz="2000" dirty="0"/>
+              <a:t>     - felaktig get-metod </a:t>
+            </a:r>
+          </a:p>
+          <a:p>
+            <a:r>
+              <a:rPr lang="sv-SE" sz="2000" dirty="0"/>
+              <a:t>     - icke-använda fält</a:t>
+            </a:r>
+          </a:p>
+          <a:p>
+            <a:pPr marL="285750" indent="-285750">
+              <a:buFont typeface="Arial" panose="020B0604020202020204" pitchFamily="34" charset="0"/>
+              <a:buChar char="•"/>
+            </a:pPr>
+            <a:r>
+              <a:rPr lang="sv-SE" sz="2000" dirty="0"/>
+              <a:t>TODO</a:t>
+            </a:r>
+          </a:p>
+          <a:p>
+            <a:pPr marL="285750" indent="-285750">
+              <a:buFont typeface="Arial" panose="020B0604020202020204" pitchFamily="34" charset="0"/>
+              <a:buChar char="•"/>
+            </a:pPr>
+            <a:r>
+              <a:rPr lang="sv-SE" sz="2000" dirty="0" err="1"/>
+              <a:t>Hashcodes</a:t>
+            </a:r>
+            <a:r>
+              <a:rPr lang="sv-SE" sz="2000" dirty="0"/>
+              <a:t> ej fixat</a:t>
+            </a:r>
+          </a:p>
+          <a:p>
+            <a:pPr marL="285750" indent="-285750">
+              <a:buFont typeface="Arial" panose="020B0604020202020204" pitchFamily="34" charset="0"/>
+              <a:buChar char="•"/>
+            </a:pPr>
+            <a:endParaRPr lang="sv-SE" sz="2000" dirty="0"/>
+          </a:p>
+        </p:txBody>
+      </p:sp>
+      <p:sp>
+        <p:nvSpPr>
+          <p:cNvPr id="4" name="textruta 3">
+            <a:extLst>
+              <a:ext uri="{FF2B5EF4-FFF2-40B4-BE49-F238E27FC236}">
+                <a16:creationId xmlns:a16="http://schemas.microsoft.com/office/drawing/2014/main" id="{7C3EFF06-01CF-49D3-8372-E63FAE765BAC}"/>
+              </a:ext>
+            </a:extLst>
+          </p:cNvPr>
+          <p:cNvSpPr txBox="1"/>
+          <p:nvPr/>
+        </p:nvSpPr>
+        <p:spPr>
+          <a:xfrm>
+            <a:off x="6226688" y="3128940"/>
+            <a:ext cx="4301836" cy="707886"/>
+          </a:xfrm>
+          <a:prstGeom prst="rect">
+            <a:avLst/>
+          </a:prstGeom>
+          <a:noFill/>
+        </p:spPr>
+        <p:txBody>
+          <a:bodyPr wrap="square" rtlCol="0">
+            <a:spAutoFit/>
+          </a:bodyPr>
+          <a:lstStyle/>
+          <a:p>
+            <a:r>
+              <a:rPr lang="en-US" sz="4000" dirty="0" err="1">
+                <a:solidFill>
+                  <a:srgbClr val="FF0000"/>
+                </a:solidFill>
+              </a:rPr>
+              <a:t>Bilden</a:t>
+            </a:r>
+            <a:r>
+              <a:rPr lang="en-US" sz="4000" dirty="0">
+                <a:solidFill>
+                  <a:srgbClr val="FF0000"/>
+                </a:solidFill>
+              </a:rPr>
+              <a:t> ska </a:t>
+            </a:r>
+            <a:r>
+              <a:rPr lang="en-US" sz="4000" dirty="0" err="1">
+                <a:solidFill>
+                  <a:srgbClr val="FF0000"/>
+                </a:solidFill>
+              </a:rPr>
+              <a:t>bytas</a:t>
+            </a:r>
+            <a:r>
+              <a:rPr lang="en-US" sz="4000" dirty="0">
+                <a:solidFill>
+                  <a:srgbClr val="FF0000"/>
+                </a:solidFill>
+              </a:rPr>
+              <a:t>!</a:t>
+            </a:r>
+          </a:p>
+        </p:txBody>
+      </p:sp>
+    </p:spTree>
+    <p:custDataLst>
+      <p:tags r:id="rId1"/>
+    </p:custDataLst>
+    <p:extLst>
+      <p:ext uri="{BB962C8B-B14F-4D97-AF65-F5344CB8AC3E}">
+        <p14:creationId xmlns:p14="http://schemas.microsoft.com/office/powerpoint/2010/main" val="3735210224"/>
+      </p:ext>
+    </p:extLst>
+  </p:cSld>
+  <p:clrMapOvr>
+    <a:masterClrMapping/>
+  </p:clrMapOvr>
+</p:sld>
+</file>
+
+<file path=ppt/slides/slide31.xml><?xml version="1.0" encoding="utf-8"?>
+<p:sld xmlns:a="http://schemas.openxmlformats.org/drawingml/2006/main" xmlns:r="http://schemas.openxmlformats.org/officeDocument/2006/relationships" xmlns:p="http://schemas.openxmlformats.org/presentationml/2006/main">
+  <p:cSld>
+    <p:spTree>
+      <p:nvGrpSpPr>
+        <p:cNvPr id="1" name=""/>
+        <p:cNvGrpSpPr/>
+        <p:nvPr/>
+      </p:nvGrpSpPr>
+      <p:grpSpPr>
+        <a:xfrm>
+          <a:off x="0" y="0"/>
+          <a:ext cx="0" cy="0"/>
+          <a:chOff x="0" y="0"/>
+          <a:chExt cx="0" cy="0"/>
+        </a:xfrm>
+      </p:grpSpPr>
+      <p:sp>
+        <p:nvSpPr>
+          <p:cNvPr id="2" name="Rubrik 1"/>
+          <p:cNvSpPr>
+            <a:spLocks noGrp="1"/>
+          </p:cNvSpPr>
+          <p:nvPr>
+            <p:ph type="title"/>
+          </p:nvPr>
+        </p:nvSpPr>
+        <p:spPr>
+          <a:xfrm>
             <a:off x="614363" y="559594"/>
             <a:ext cx="3932237" cy="1600200"/>
           </a:xfrm>
@@ -20056,7 +20396,7 @@
 </p:sld>
 </file>
 
-<file path=ppt/slides/slide31.xml><?xml version="1.0" encoding="utf-8"?>
+<file path=ppt/slides/slide32.xml><?xml version="1.0" encoding="utf-8"?>
 <p:sld xmlns:a="http://schemas.openxmlformats.org/drawingml/2006/main" xmlns:r="http://schemas.openxmlformats.org/officeDocument/2006/relationships" xmlns:p="http://schemas.openxmlformats.org/presentationml/2006/main">
   <p:cSld>
     <p:spTree>
@@ -20547,7 +20887,7 @@
 </p:sld>
 </file>
 
-<file path=ppt/slides/slide32.xml><?xml version="1.0" encoding="utf-8"?>
+<file path=ppt/slides/slide33.xml><?xml version="1.0" encoding="utf-8"?>
 <p:sld xmlns:a="http://schemas.openxmlformats.org/drawingml/2006/main" xmlns:r="http://schemas.openxmlformats.org/officeDocument/2006/relationships" xmlns:p="http://schemas.openxmlformats.org/presentationml/2006/main">
   <p:cSld>
     <p:spTree>
@@ -20686,7 +21026,7 @@
 </p:sld>
 </file>
 
-<file path=ppt/slides/slide33.xml><?xml version="1.0" encoding="utf-8"?>
+<file path=ppt/slides/slide34.xml><?xml version="1.0" encoding="utf-8"?>
 <p:sld xmlns:a="http://schemas.openxmlformats.org/drawingml/2006/main" xmlns:r="http://schemas.openxmlformats.org/officeDocument/2006/relationships" xmlns:p="http://schemas.openxmlformats.org/presentationml/2006/main">
   <p:cSld>
     <p:spTree>
@@ -20769,7 +21109,7 @@
 </p:sld>
 </file>
 
-<file path=ppt/slides/slide34.xml><?xml version="1.0" encoding="utf-8"?>
+<file path=ppt/slides/slide35.xml><?xml version="1.0" encoding="utf-8"?>
 <p:sld xmlns:a="http://schemas.openxmlformats.org/drawingml/2006/main" xmlns:r="http://schemas.openxmlformats.org/officeDocument/2006/relationships" xmlns:p="http://schemas.openxmlformats.org/presentationml/2006/main">
   <p:cSld>
     <p:spTree>
@@ -24171,7 +24511,7 @@
 </p:sld>
 </file>
 
-<file path=ppt/slides/slide35.xml><?xml version="1.0" encoding="utf-8"?>
+<file path=ppt/slides/slide36.xml><?xml version="1.0" encoding="utf-8"?>
 <p:sld xmlns:a="http://schemas.openxmlformats.org/drawingml/2006/main" xmlns:r="http://schemas.openxmlformats.org/officeDocument/2006/relationships" xmlns:p="http://schemas.openxmlformats.org/presentationml/2006/main">
   <p:cSld>
     <p:spTree>
@@ -29013,6 +29353,12 @@
 </file>
 
 <file path=ppt/tags/tag36.xml><?xml version="1.0" encoding="utf-8"?>
+<p:tagLst xmlns:a="http://schemas.openxmlformats.org/drawingml/2006/main" xmlns:r="http://schemas.openxmlformats.org/officeDocument/2006/relationships" xmlns:p="http://schemas.openxmlformats.org/presentationml/2006/main">
+  <p:tag name="ARTICULATE_SLIDE_THUMBNAIL_REFRESH" val="1"/>
+</p:tagLst>
+</file>
+
+<file path=ppt/tags/tag37.xml><?xml version="1.0" encoding="utf-8"?>
 <p:tagLst xmlns:a="http://schemas.openxmlformats.org/drawingml/2006/main" xmlns:r="http://schemas.openxmlformats.org/officeDocument/2006/relationships" xmlns:p="http://schemas.openxmlformats.org/presentationml/2006/main">
   <p:tag name="ARTICULATE_SLIDE_THUMBNAIL_REFRESH" val="1"/>
 </p:tagLst>

--- a/docs/Slutredovisning_grp5_v8.pptx
+++ b/docs/Slutredovisning_grp5_v8.pptx
@@ -5,7 +5,7 @@
     <p:sldMasterId id="2147483648" r:id="rId1"/>
   </p:sldMasterIdLst>
   <p:notesMasterIdLst>
-    <p:notesMasterId r:id="rId38"/>
+    <p:notesMasterId r:id="rId42"/>
   </p:notesMasterIdLst>
   <p:sldIdLst>
     <p:sldId id="256" r:id="rId2"/>
@@ -41,14 +41,18 @@
     <p:sldId id="277" r:id="rId32"/>
     <p:sldId id="297" r:id="rId33"/>
     <p:sldId id="278" r:id="rId34"/>
-    <p:sldId id="279" r:id="rId35"/>
-    <p:sldId id="280" r:id="rId36"/>
-    <p:sldId id="294" r:id="rId37"/>
+    <p:sldId id="302" r:id="rId35"/>
+    <p:sldId id="279" r:id="rId36"/>
+    <p:sldId id="304" r:id="rId37"/>
+    <p:sldId id="303" r:id="rId38"/>
+    <p:sldId id="305" r:id="rId39"/>
+    <p:sldId id="280" r:id="rId40"/>
+    <p:sldId id="294" r:id="rId41"/>
   </p:sldIdLst>
   <p:sldSz cx="12192000" cy="6858000"/>
   <p:notesSz cx="6858000" cy="9144000"/>
   <p:custDataLst>
-    <p:tags r:id="rId39"/>
+    <p:tags r:id="rId43"/>
   </p:custDataLst>
   <p:defaultTextStyle>
     <a:defPPr>
@@ -247,7 +251,7 @@
           <a:p>
             <a:fld id="{78657D70-8167-4127-866D-BAA56A2DFFEF}" type="datetimeFigureOut">
               <a:rPr lang="sv-SE" smtClean="0"/>
-              <a:t>2018-10-29</a:t>
+              <a:t>2018-10-30</a:t>
             </a:fld>
             <a:endParaRPr lang="sv-SE"/>
           </a:p>
@@ -4278,7 +4282,7 @@
     </p:spTree>
     <p:extLst>
       <p:ext uri="{BB962C8B-B14F-4D97-AF65-F5344CB8AC3E}">
-        <p14:creationId xmlns:p14="http://schemas.microsoft.com/office/powerpoint/2010/main" val="1278246246"/>
+        <p14:creationId xmlns:p14="http://schemas.microsoft.com/office/powerpoint/2010/main" val="2509318816"/>
       </p:ext>
     </p:extLst>
   </p:cSld>
@@ -4359,7 +4363,7 @@
                 <a:ea typeface="+mn-ea"/>
                 <a:cs typeface="+mn-cs"/>
               </a:rPr>
-              <a:t>Byggscriptets första (seriösa/fungerande) version, och den slutliga (efter att saker lagts till).</a:t>
+              <a:t>En kort presentation av hur ni gått tillväga för att testa koden med en profiler och vilka resultat ni fick fram. Även här är det viktigt att förhållas sig till måtten, inte bara presentera dem.</a:t>
             </a:r>
           </a:p>
           <a:p>
@@ -4380,42 +4384,6 @@
               <a:tabLst/>
               <a:defRPr/>
             </a:pPr>
-            <a:r>
-              <a:rPr lang="sv-SE" sz="1200" kern="1200" dirty="0" err="1">
-                <a:solidFill>
-                  <a:schemeClr val="tx1"/>
-                </a:solidFill>
-                <a:effectLst/>
-                <a:latin typeface="+mn-lt"/>
-                <a:ea typeface="+mn-ea"/>
-                <a:cs typeface="+mn-cs"/>
-              </a:rPr>
-              <a:t>Maven</a:t>
-            </a:r>
-            <a:r>
-              <a:rPr lang="sv-SE" sz="1200" kern="1200" dirty="0">
-                <a:solidFill>
-                  <a:schemeClr val="tx1"/>
-                </a:solidFill>
-                <a:effectLst/>
-                <a:latin typeface="+mn-lt"/>
-                <a:ea typeface="+mn-ea"/>
-                <a:cs typeface="+mn-cs"/>
-              </a:rPr>
-              <a:t>, </a:t>
-            </a:r>
-            <a:r>
-              <a:rPr lang="sv-SE" sz="1200" kern="1200" dirty="0" err="1">
-                <a:solidFill>
-                  <a:schemeClr val="tx1"/>
-                </a:solidFill>
-                <a:effectLst/>
-                <a:latin typeface="+mn-lt"/>
-                <a:ea typeface="+mn-ea"/>
-                <a:cs typeface="+mn-cs"/>
-              </a:rPr>
-              <a:t>xml</a:t>
-            </a:r>
             <a:endParaRPr lang="sv-SE" sz="1200" kern="1200" dirty="0">
               <a:solidFill>
                 <a:schemeClr val="tx1"/>
@@ -4427,7 +4395,16 @@
             </a:endParaRPr>
           </a:p>
           <a:p>
-            <a:endParaRPr lang="sv-SE" dirty="0"/>
+            <a:r>
+              <a:rPr lang="sv-SE" dirty="0"/>
+              <a:t>Profiler kollar körande program, var spenderas tid och minne osv.</a:t>
+            </a:r>
+          </a:p>
+          <a:p>
+            <a:r>
+              <a:rPr lang="sv-SE" dirty="0"/>
+              <a:t>Kolla nåt intressant! Se inspelad fl.</a:t>
+            </a:r>
           </a:p>
         </p:txBody>
       </p:sp>
@@ -4457,7 +4434,7 @@
     </p:spTree>
     <p:extLst>
       <p:ext uri="{BB962C8B-B14F-4D97-AF65-F5344CB8AC3E}">
-        <p14:creationId xmlns:p14="http://schemas.microsoft.com/office/powerpoint/2010/main" val="109849433"/>
+        <p14:creationId xmlns:p14="http://schemas.microsoft.com/office/powerpoint/2010/main" val="1278246246"/>
       </p:ext>
     </p:extLst>
   </p:cSld>
@@ -4538,9 +4515,48 @@
                 <a:ea typeface="+mn-ea"/>
                 <a:cs typeface="+mn-cs"/>
               </a:rPr>
-              <a:t>Byggscriptets första (seriösa/fungerande) version, och den slutliga (efter att saker lagts till).</a:t>
-            </a:r>
-            <a:endParaRPr lang="sv-SE" dirty="0"/>
+              <a:t>En kort presentation av hur ni gått tillväga för att testa koden med en profiler och vilka resultat ni fick fram. Även här är det viktigt att förhållas sig till måtten, inte bara presentera dem.</a:t>
+            </a:r>
+          </a:p>
+          <a:p>
+            <a:pPr marL="0" marR="0" lvl="0" indent="0" algn="l" defTabSz="914400" rtl="0" eaLnBrk="1" fontAlgn="auto" latinLnBrk="0" hangingPunct="1">
+              <a:lnSpc>
+                <a:spcPct val="100000"/>
+              </a:lnSpc>
+              <a:spcBef>
+                <a:spcPts val="0"/>
+              </a:spcBef>
+              <a:spcAft>
+                <a:spcPts val="0"/>
+              </a:spcAft>
+              <a:buClrTx/>
+              <a:buSzTx/>
+              <a:buFontTx/>
+              <a:buNone/>
+              <a:tabLst/>
+              <a:defRPr/>
+            </a:pPr>
+            <a:endParaRPr lang="sv-SE" sz="1200" kern="1200" dirty="0">
+              <a:solidFill>
+                <a:schemeClr val="tx1"/>
+              </a:solidFill>
+              <a:effectLst/>
+              <a:latin typeface="+mn-lt"/>
+              <a:ea typeface="+mn-ea"/>
+              <a:cs typeface="+mn-cs"/>
+            </a:endParaRPr>
+          </a:p>
+          <a:p>
+            <a:r>
+              <a:rPr lang="sv-SE" dirty="0"/>
+              <a:t>Profiler kollar körande program, var spenderas tid och minne osv.</a:t>
+            </a:r>
+          </a:p>
+          <a:p>
+            <a:r>
+              <a:rPr lang="sv-SE" dirty="0"/>
+              <a:t>Kolla nåt intressant! Se inspelad fl.</a:t>
+            </a:r>
           </a:p>
         </p:txBody>
       </p:sp>
@@ -4561,7 +4577,299 @@
           <a:p>
             <a:fld id="{8667F948-D2CB-486C-A2EA-FEABC2DAAE8D}" type="slidenum">
               <a:rPr lang="sv-SE" smtClean="0"/>
-              <a:t>36</a:t>
+              <a:t>37</a:t>
+            </a:fld>
+            <a:endParaRPr lang="sv-SE"/>
+          </a:p>
+        </p:txBody>
+      </p:sp>
+    </p:spTree>
+    <p:extLst>
+      <p:ext uri="{BB962C8B-B14F-4D97-AF65-F5344CB8AC3E}">
+        <p14:creationId xmlns:p14="http://schemas.microsoft.com/office/powerpoint/2010/main" val="1564569851"/>
+      </p:ext>
+    </p:extLst>
+  </p:cSld>
+  <p:clrMapOvr>
+    <a:masterClrMapping/>
+  </p:clrMapOvr>
+</p:notes>
+</file>
+
+<file path=ppt/notesSlides/notesSlide37.xml><?xml version="1.0" encoding="utf-8"?>
+<p:notes xmlns:a="http://schemas.openxmlformats.org/drawingml/2006/main" xmlns:r="http://schemas.openxmlformats.org/officeDocument/2006/relationships" xmlns:p="http://schemas.openxmlformats.org/presentationml/2006/main">
+  <p:cSld>
+    <p:spTree>
+      <p:nvGrpSpPr>
+        <p:cNvPr id="1" name=""/>
+        <p:cNvGrpSpPr/>
+        <p:nvPr/>
+      </p:nvGrpSpPr>
+      <p:grpSpPr>
+        <a:xfrm>
+          <a:off x="0" y="0"/>
+          <a:ext cx="0" cy="0"/>
+          <a:chOff x="0" y="0"/>
+          <a:chExt cx="0" cy="0"/>
+        </a:xfrm>
+      </p:grpSpPr>
+      <p:sp>
+        <p:nvSpPr>
+          <p:cNvPr id="2" name="Platshållare för bildobjekt 1"/>
+          <p:cNvSpPr>
+            <a:spLocks noGrp="1" noRot="1" noChangeAspect="1"/>
+          </p:cNvSpPr>
+          <p:nvPr>
+            <p:ph type="sldImg"/>
+          </p:nvPr>
+        </p:nvSpPr>
+        <p:spPr/>
+      </p:sp>
+      <p:sp>
+        <p:nvSpPr>
+          <p:cNvPr id="3" name="Platshållare för anteckningar 2"/>
+          <p:cNvSpPr>
+            <a:spLocks noGrp="1"/>
+          </p:cNvSpPr>
+          <p:nvPr>
+            <p:ph type="body" idx="1"/>
+          </p:nvPr>
+        </p:nvSpPr>
+        <p:spPr/>
+        <p:txBody>
+          <a:bodyPr/>
+          <a:lstStyle/>
+          <a:p>
+            <a:pPr marL="0" marR="0" lvl="0" indent="0" algn="l" defTabSz="914400" rtl="0" eaLnBrk="1" fontAlgn="auto" latinLnBrk="0" hangingPunct="1">
+              <a:lnSpc>
+                <a:spcPct val="100000"/>
+              </a:lnSpc>
+              <a:spcBef>
+                <a:spcPts val="0"/>
+              </a:spcBef>
+              <a:spcAft>
+                <a:spcPts val="0"/>
+              </a:spcAft>
+              <a:buClrTx/>
+              <a:buSzTx/>
+              <a:buFontTx/>
+              <a:buNone/>
+              <a:tabLst/>
+              <a:defRPr/>
+            </a:pPr>
+            <a:r>
+              <a:rPr lang="sv-SE" sz="1200" kern="1200" dirty="0">
+                <a:solidFill>
+                  <a:schemeClr val="tx1"/>
+                </a:solidFill>
+                <a:effectLst/>
+                <a:latin typeface="+mn-lt"/>
+                <a:ea typeface="+mn-ea"/>
+                <a:cs typeface="+mn-cs"/>
+              </a:rPr>
+              <a:t>Byggscriptets första (seriösa/fungerande) version, och den slutliga (efter att saker lagts till).</a:t>
+            </a:r>
+          </a:p>
+          <a:p>
+            <a:pPr marL="0" marR="0" lvl="0" indent="0" algn="l" defTabSz="914400" rtl="0" eaLnBrk="1" fontAlgn="auto" latinLnBrk="0" hangingPunct="1">
+              <a:lnSpc>
+                <a:spcPct val="100000"/>
+              </a:lnSpc>
+              <a:spcBef>
+                <a:spcPts val="0"/>
+              </a:spcBef>
+              <a:spcAft>
+                <a:spcPts val="0"/>
+              </a:spcAft>
+              <a:buClrTx/>
+              <a:buSzTx/>
+              <a:buFontTx/>
+              <a:buNone/>
+              <a:tabLst/>
+              <a:defRPr/>
+            </a:pPr>
+            <a:r>
+              <a:rPr lang="sv-SE" sz="1200" kern="1200" dirty="0" err="1">
+                <a:solidFill>
+                  <a:schemeClr val="tx1"/>
+                </a:solidFill>
+                <a:effectLst/>
+                <a:latin typeface="+mn-lt"/>
+                <a:ea typeface="+mn-ea"/>
+                <a:cs typeface="+mn-cs"/>
+              </a:rPr>
+              <a:t>Maven</a:t>
+            </a:r>
+            <a:r>
+              <a:rPr lang="sv-SE" sz="1200" kern="1200" dirty="0">
+                <a:solidFill>
+                  <a:schemeClr val="tx1"/>
+                </a:solidFill>
+                <a:effectLst/>
+                <a:latin typeface="+mn-lt"/>
+                <a:ea typeface="+mn-ea"/>
+                <a:cs typeface="+mn-cs"/>
+              </a:rPr>
+              <a:t>, </a:t>
+            </a:r>
+            <a:r>
+              <a:rPr lang="sv-SE" sz="1200" kern="1200" dirty="0" err="1">
+                <a:solidFill>
+                  <a:schemeClr val="tx1"/>
+                </a:solidFill>
+                <a:effectLst/>
+                <a:latin typeface="+mn-lt"/>
+                <a:ea typeface="+mn-ea"/>
+                <a:cs typeface="+mn-cs"/>
+              </a:rPr>
+              <a:t>xml</a:t>
+            </a:r>
+            <a:endParaRPr lang="sv-SE" sz="1200" kern="1200" dirty="0">
+              <a:solidFill>
+                <a:schemeClr val="tx1"/>
+              </a:solidFill>
+              <a:effectLst/>
+              <a:latin typeface="+mn-lt"/>
+              <a:ea typeface="+mn-ea"/>
+              <a:cs typeface="+mn-cs"/>
+            </a:endParaRPr>
+          </a:p>
+          <a:p>
+            <a:endParaRPr lang="sv-SE" dirty="0"/>
+          </a:p>
+        </p:txBody>
+      </p:sp>
+      <p:sp>
+        <p:nvSpPr>
+          <p:cNvPr id="4" name="Platshållare för bildnummer 3"/>
+          <p:cNvSpPr>
+            <a:spLocks noGrp="1"/>
+          </p:cNvSpPr>
+          <p:nvPr>
+            <p:ph type="sldNum" sz="quarter" idx="10"/>
+          </p:nvPr>
+        </p:nvSpPr>
+        <p:spPr/>
+        <p:txBody>
+          <a:bodyPr/>
+          <a:lstStyle/>
+          <a:p>
+            <a:fld id="{8667F948-D2CB-486C-A2EA-FEABC2DAAE8D}" type="slidenum">
+              <a:rPr lang="sv-SE" smtClean="0"/>
+              <a:t>39</a:t>
+            </a:fld>
+            <a:endParaRPr lang="sv-SE"/>
+          </a:p>
+        </p:txBody>
+      </p:sp>
+    </p:spTree>
+    <p:extLst>
+      <p:ext uri="{BB962C8B-B14F-4D97-AF65-F5344CB8AC3E}">
+        <p14:creationId xmlns:p14="http://schemas.microsoft.com/office/powerpoint/2010/main" val="109849433"/>
+      </p:ext>
+    </p:extLst>
+  </p:cSld>
+  <p:clrMapOvr>
+    <a:masterClrMapping/>
+  </p:clrMapOvr>
+</p:notes>
+</file>
+
+<file path=ppt/notesSlides/notesSlide38.xml><?xml version="1.0" encoding="utf-8"?>
+<p:notes xmlns:a="http://schemas.openxmlformats.org/drawingml/2006/main" xmlns:r="http://schemas.openxmlformats.org/officeDocument/2006/relationships" xmlns:p="http://schemas.openxmlformats.org/presentationml/2006/main">
+  <p:cSld>
+    <p:spTree>
+      <p:nvGrpSpPr>
+        <p:cNvPr id="1" name=""/>
+        <p:cNvGrpSpPr/>
+        <p:nvPr/>
+      </p:nvGrpSpPr>
+      <p:grpSpPr>
+        <a:xfrm>
+          <a:off x="0" y="0"/>
+          <a:ext cx="0" cy="0"/>
+          <a:chOff x="0" y="0"/>
+          <a:chExt cx="0" cy="0"/>
+        </a:xfrm>
+      </p:grpSpPr>
+      <p:sp>
+        <p:nvSpPr>
+          <p:cNvPr id="2" name="Platshållare för bildobjekt 1"/>
+          <p:cNvSpPr>
+            <a:spLocks noGrp="1" noRot="1" noChangeAspect="1"/>
+          </p:cNvSpPr>
+          <p:nvPr>
+            <p:ph type="sldImg"/>
+          </p:nvPr>
+        </p:nvSpPr>
+        <p:spPr/>
+      </p:sp>
+      <p:sp>
+        <p:nvSpPr>
+          <p:cNvPr id="3" name="Platshållare för anteckningar 2"/>
+          <p:cNvSpPr>
+            <a:spLocks noGrp="1"/>
+          </p:cNvSpPr>
+          <p:nvPr>
+            <p:ph type="body" idx="1"/>
+          </p:nvPr>
+        </p:nvSpPr>
+        <p:spPr/>
+        <p:txBody>
+          <a:bodyPr/>
+          <a:lstStyle/>
+          <a:p>
+            <a:pPr marL="0" marR="0" lvl="0" indent="0" algn="l" defTabSz="914400" rtl="0" eaLnBrk="1" fontAlgn="auto" latinLnBrk="0" hangingPunct="1">
+              <a:lnSpc>
+                <a:spcPct val="100000"/>
+              </a:lnSpc>
+              <a:spcBef>
+                <a:spcPts val="0"/>
+              </a:spcBef>
+              <a:spcAft>
+                <a:spcPts val="0"/>
+              </a:spcAft>
+              <a:buClrTx/>
+              <a:buSzTx/>
+              <a:buFontTx/>
+              <a:buNone/>
+              <a:tabLst/>
+              <a:defRPr/>
+            </a:pPr>
+            <a:r>
+              <a:rPr lang="sv-SE" sz="1200" kern="1200" dirty="0">
+                <a:solidFill>
+                  <a:schemeClr val="tx1"/>
+                </a:solidFill>
+                <a:effectLst/>
+                <a:latin typeface="+mn-lt"/>
+                <a:ea typeface="+mn-ea"/>
+                <a:cs typeface="+mn-cs"/>
+              </a:rPr>
+              <a:t>Byggscriptets första (seriösa/fungerande) version, och den slutliga (efter att saker lagts till).</a:t>
+            </a:r>
+            <a:endParaRPr lang="sv-SE" dirty="0"/>
+          </a:p>
+        </p:txBody>
+      </p:sp>
+      <p:sp>
+        <p:nvSpPr>
+          <p:cNvPr id="4" name="Platshållare för bildnummer 3"/>
+          <p:cNvSpPr>
+            <a:spLocks noGrp="1"/>
+          </p:cNvSpPr>
+          <p:nvPr>
+            <p:ph type="sldNum" sz="quarter" idx="10"/>
+          </p:nvPr>
+        </p:nvSpPr>
+        <p:spPr/>
+        <p:txBody>
+          <a:bodyPr/>
+          <a:lstStyle/>
+          <a:p>
+            <a:fld id="{8667F948-D2CB-486C-A2EA-FEABC2DAAE8D}" type="slidenum">
+              <a:rPr lang="sv-SE" smtClean="0"/>
+              <a:t>40</a:t>
             </a:fld>
             <a:endParaRPr lang="sv-SE"/>
           </a:p>
@@ -5523,7 +5831,7 @@
           <a:p>
             <a:fld id="{B4C653A3-D7FF-4AF7-943B-34A467C3139E}" type="datetimeFigureOut">
               <a:rPr lang="sv-SE" smtClean="0"/>
-              <a:t>2018-10-29</a:t>
+              <a:t>2018-10-30</a:t>
             </a:fld>
             <a:endParaRPr lang="sv-SE"/>
           </a:p>
@@ -5691,7 +5999,7 @@
           <a:p>
             <a:fld id="{B4C653A3-D7FF-4AF7-943B-34A467C3139E}" type="datetimeFigureOut">
               <a:rPr lang="sv-SE" smtClean="0"/>
-              <a:t>2018-10-29</a:t>
+              <a:t>2018-10-30</a:t>
             </a:fld>
             <a:endParaRPr lang="sv-SE"/>
           </a:p>
@@ -5869,7 +6177,7 @@
           <a:p>
             <a:fld id="{B4C653A3-D7FF-4AF7-943B-34A467C3139E}" type="datetimeFigureOut">
               <a:rPr lang="sv-SE" smtClean="0"/>
-              <a:t>2018-10-29</a:t>
+              <a:t>2018-10-30</a:t>
             </a:fld>
             <a:endParaRPr lang="sv-SE"/>
           </a:p>
@@ -6037,7 +6345,7 @@
           <a:p>
             <a:fld id="{B4C653A3-D7FF-4AF7-943B-34A467C3139E}" type="datetimeFigureOut">
               <a:rPr lang="sv-SE" smtClean="0"/>
-              <a:t>2018-10-29</a:t>
+              <a:t>2018-10-30</a:t>
             </a:fld>
             <a:endParaRPr lang="sv-SE"/>
           </a:p>
@@ -6282,7 +6590,7 @@
           <a:p>
             <a:fld id="{B4C653A3-D7FF-4AF7-943B-34A467C3139E}" type="datetimeFigureOut">
               <a:rPr lang="sv-SE" smtClean="0"/>
-              <a:t>2018-10-29</a:t>
+              <a:t>2018-10-30</a:t>
             </a:fld>
             <a:endParaRPr lang="sv-SE"/>
           </a:p>
@@ -6511,7 +6819,7 @@
           <a:p>
             <a:fld id="{B4C653A3-D7FF-4AF7-943B-34A467C3139E}" type="datetimeFigureOut">
               <a:rPr lang="sv-SE" smtClean="0"/>
-              <a:t>2018-10-29</a:t>
+              <a:t>2018-10-30</a:t>
             </a:fld>
             <a:endParaRPr lang="sv-SE"/>
           </a:p>
@@ -6875,7 +7183,7 @@
           <a:p>
             <a:fld id="{B4C653A3-D7FF-4AF7-943B-34A467C3139E}" type="datetimeFigureOut">
               <a:rPr lang="sv-SE" smtClean="0"/>
-              <a:t>2018-10-29</a:t>
+              <a:t>2018-10-30</a:t>
             </a:fld>
             <a:endParaRPr lang="sv-SE"/>
           </a:p>
@@ -6992,7 +7300,7 @@
           <a:p>
             <a:fld id="{B4C653A3-D7FF-4AF7-943B-34A467C3139E}" type="datetimeFigureOut">
               <a:rPr lang="sv-SE" smtClean="0"/>
-              <a:t>2018-10-29</a:t>
+              <a:t>2018-10-30</a:t>
             </a:fld>
             <a:endParaRPr lang="sv-SE"/>
           </a:p>
@@ -7087,7 +7395,7 @@
           <a:p>
             <a:fld id="{B4C653A3-D7FF-4AF7-943B-34A467C3139E}" type="datetimeFigureOut">
               <a:rPr lang="sv-SE" smtClean="0"/>
-              <a:t>2018-10-29</a:t>
+              <a:t>2018-10-30</a:t>
             </a:fld>
             <a:endParaRPr lang="sv-SE"/>
           </a:p>
@@ -7362,7 +7670,7 @@
           <a:p>
             <a:fld id="{B4C653A3-D7FF-4AF7-943B-34A467C3139E}" type="datetimeFigureOut">
               <a:rPr lang="sv-SE" smtClean="0"/>
-              <a:t>2018-10-29</a:t>
+              <a:t>2018-10-30</a:t>
             </a:fld>
             <a:endParaRPr lang="sv-SE"/>
           </a:p>
@@ -7614,7 +7922,7 @@
           <a:p>
             <a:fld id="{B4C653A3-D7FF-4AF7-943B-34A467C3139E}" type="datetimeFigureOut">
               <a:rPr lang="sv-SE" smtClean="0"/>
-              <a:t>2018-10-29</a:t>
+              <a:t>2018-10-30</a:t>
             </a:fld>
             <a:endParaRPr lang="sv-SE"/>
           </a:p>
@@ -7825,7 +8133,7 @@
           <a:p>
             <a:fld id="{B4C653A3-D7FF-4AF7-943B-34A467C3139E}" type="datetimeFigureOut">
               <a:rPr lang="sv-SE" smtClean="0"/>
-              <a:t>2018-10-29</a:t>
+              <a:t>2018-10-30</a:t>
             </a:fld>
             <a:endParaRPr lang="sv-SE"/>
           </a:p>
@@ -21060,36 +21368,374 @@
           <a:p>
             <a:r>
               <a:rPr lang="sv-SE" dirty="0"/>
-              <a:t>Profiler</a:t>
+              <a:t>Profiler - </a:t>
+            </a:r>
+            <a:r>
+              <a:rPr lang="sv-SE" dirty="0" err="1"/>
+              <a:t>GeneratedMap</a:t>
+            </a:r>
+            <a:endParaRPr lang="sv-SE" dirty="0"/>
+          </a:p>
+        </p:txBody>
+      </p:sp>
+      <p:pic>
+        <p:nvPicPr>
+          <p:cNvPr id="5" name="Bildobjekt 4">
+            <a:extLst>
+              <a:ext uri="{FF2B5EF4-FFF2-40B4-BE49-F238E27FC236}">
+                <a16:creationId xmlns:a16="http://schemas.microsoft.com/office/drawing/2014/main" id="{A48FBA35-C5B0-244C-BE43-186516F7BB8B}"/>
+              </a:ext>
+            </a:extLst>
+          </p:cNvPr>
+          <p:cNvPicPr>
+            <a:picLocks noChangeAspect="1"/>
+          </p:cNvPicPr>
+          <p:nvPr/>
+        </p:nvPicPr>
+        <p:blipFill>
+          <a:blip r:embed="rId4">
+            <a:extLst>
+              <a:ext uri="{28A0092B-C50C-407E-A947-70E740481C1C}">
+                <a14:useLocalDpi xmlns:a14="http://schemas.microsoft.com/office/drawing/2010/main" val="0"/>
+              </a:ext>
+            </a:extLst>
+          </a:blip>
+          <a:stretch>
+            <a:fillRect/>
+          </a:stretch>
+        </p:blipFill>
+        <p:spPr>
+          <a:xfrm>
+            <a:off x="1352550" y="2709862"/>
+            <a:ext cx="9690100" cy="2844800"/>
+          </a:xfrm>
+          <a:prstGeom prst="rect">
+            <a:avLst/>
+          </a:prstGeom>
+        </p:spPr>
+      </p:pic>
+      <p:sp>
+        <p:nvSpPr>
+          <p:cNvPr id="8" name="textruta 7">
+            <a:extLst>
+              <a:ext uri="{FF2B5EF4-FFF2-40B4-BE49-F238E27FC236}">
+                <a16:creationId xmlns:a16="http://schemas.microsoft.com/office/drawing/2014/main" id="{4185AF3B-BAC6-E04A-BF9C-4DCB8537C2F6}"/>
+              </a:ext>
+            </a:extLst>
+          </p:cNvPr>
+          <p:cNvSpPr txBox="1"/>
+          <p:nvPr/>
+        </p:nvSpPr>
+        <p:spPr>
+          <a:xfrm>
+            <a:off x="1587500" y="2044700"/>
+            <a:ext cx="6942221" cy="369332"/>
+          </a:xfrm>
+          <a:prstGeom prst="rect">
+            <a:avLst/>
+          </a:prstGeom>
+          <a:noFill/>
+        </p:spPr>
+        <p:txBody>
+          <a:bodyPr wrap="none" rtlCol="0">
+            <a:spAutoFit/>
+          </a:bodyPr>
+          <a:lstStyle/>
+          <a:p>
+            <a:r>
+              <a:rPr lang="sv-SE" dirty="0" err="1"/>
+              <a:t>GeneratedMap</a:t>
+            </a:r>
+            <a:r>
+              <a:rPr lang="sv-SE" dirty="0"/>
+              <a:t> </a:t>
+            </a:r>
+            <a:r>
+              <a:rPr lang="sv-SE" dirty="0" err="1"/>
+              <a:t>map</a:t>
+            </a:r>
+            <a:r>
+              <a:rPr lang="sv-SE" dirty="0"/>
+              <a:t> = new </a:t>
+            </a:r>
+            <a:r>
+              <a:rPr lang="sv-SE" dirty="0" err="1"/>
+              <a:t>GeneratedMap</a:t>
+            </a:r>
+            <a:r>
+              <a:rPr lang="sv-SE" dirty="0"/>
+              <a:t>(1000, 1000, new Hero(100));</a:t>
             </a:r>
           </a:p>
         </p:txBody>
       </p:sp>
       <p:sp>
         <p:nvSpPr>
-          <p:cNvPr id="3" name="Platshållare för innehåll 2"/>
-          <p:cNvSpPr>
-            <a:spLocks noGrp="1"/>
-          </p:cNvSpPr>
-          <p:nvPr>
-            <p:ph idx="1"/>
-          </p:nvPr>
+          <p:cNvPr id="12" name="Vänster 11">
+            <a:extLst>
+              <a:ext uri="{FF2B5EF4-FFF2-40B4-BE49-F238E27FC236}">
+                <a16:creationId xmlns:a16="http://schemas.microsoft.com/office/drawing/2014/main" id="{9D68455C-8F0B-9F41-B5F3-FA6B0F2C2646}"/>
+              </a:ext>
+            </a:extLst>
+          </p:cNvPr>
+          <p:cNvSpPr/>
+          <p:nvPr/>
         </p:nvSpPr>
-        <p:spPr/>
+        <p:spPr>
+          <a:xfrm rot="10800000">
+            <a:off x="1297130" y="4267200"/>
+            <a:ext cx="812800" cy="241300"/>
+          </a:xfrm>
+          <a:prstGeom prst="leftArrow">
+            <a:avLst/>
+          </a:prstGeom>
+        </p:spPr>
+        <p:style>
+          <a:lnRef idx="2">
+            <a:schemeClr val="accent1">
+              <a:shade val="50000"/>
+            </a:schemeClr>
+          </a:lnRef>
+          <a:fillRef idx="1">
+            <a:schemeClr val="accent1"/>
+          </a:fillRef>
+          <a:effectRef idx="0">
+            <a:schemeClr val="accent1"/>
+          </a:effectRef>
+          <a:fontRef idx="minor">
+            <a:schemeClr val="lt1"/>
+          </a:fontRef>
+        </p:style>
         <p:txBody>
-          <a:bodyPr>
-            <a:normAutofit/>
+          <a:bodyPr rtlCol="0" anchor="ctr"/>
+          <a:lstStyle/>
+          <a:p>
+            <a:pPr algn="ctr"/>
+            <a:endParaRPr lang="sv-SE"/>
+          </a:p>
+        </p:txBody>
+      </p:sp>
+    </p:spTree>
+    <p:custDataLst>
+      <p:tags r:id="rId1"/>
+    </p:custDataLst>
+    <p:extLst>
+      <p:ext uri="{BB962C8B-B14F-4D97-AF65-F5344CB8AC3E}">
+        <p14:creationId xmlns:p14="http://schemas.microsoft.com/office/powerpoint/2010/main" val="2276453216"/>
+      </p:ext>
+    </p:extLst>
+  </p:cSld>
+  <p:clrMapOvr>
+    <a:masterClrMapping/>
+  </p:clrMapOvr>
+</p:sld>
+</file>
+
+<file path=ppt/slides/slide35.xml><?xml version="1.0" encoding="utf-8"?>
+<p:sld xmlns:a="http://schemas.openxmlformats.org/drawingml/2006/main" xmlns:r="http://schemas.openxmlformats.org/officeDocument/2006/relationships" xmlns:p="http://schemas.openxmlformats.org/presentationml/2006/main">
+  <p:cSld>
+    <p:spTree>
+      <p:nvGrpSpPr>
+        <p:cNvPr id="1" name=""/>
+        <p:cNvGrpSpPr/>
+        <p:nvPr/>
+      </p:nvGrpSpPr>
+      <p:grpSpPr>
+        <a:xfrm>
+          <a:off x="0" y="0"/>
+          <a:ext cx="0" cy="0"/>
+          <a:chOff x="0" y="0"/>
+          <a:chExt cx="0" cy="0"/>
+        </a:xfrm>
+      </p:grpSpPr>
+      <p:sp>
+        <p:nvSpPr>
+          <p:cNvPr id="8" name="textruta 7">
+            <a:extLst>
+              <a:ext uri="{FF2B5EF4-FFF2-40B4-BE49-F238E27FC236}">
+                <a16:creationId xmlns:a16="http://schemas.microsoft.com/office/drawing/2014/main" id="{4185AF3B-BAC6-E04A-BF9C-4DCB8537C2F6}"/>
+              </a:ext>
+            </a:extLst>
+          </p:cNvPr>
+          <p:cNvSpPr txBox="1"/>
+          <p:nvPr/>
+        </p:nvSpPr>
+        <p:spPr>
+          <a:xfrm>
+            <a:off x="1101436" y="177284"/>
+            <a:ext cx="10251589" cy="369332"/>
+          </a:xfrm>
+          <a:prstGeom prst="rect">
+            <a:avLst/>
+          </a:prstGeom>
+          <a:noFill/>
+        </p:spPr>
+        <p:txBody>
+          <a:bodyPr wrap="none" rtlCol="0">
+            <a:spAutoFit/>
           </a:bodyPr>
           <a:lstStyle/>
           <a:p>
             <a:r>
-              <a:rPr lang="sv-SE" sz="1800" dirty="0" err="1"/>
-              <a:t>MapGeneration</a:t>
-            </a:r>
-            <a:r>
-              <a:rPr lang="sv-SE" sz="1800" dirty="0"/>
-              <a:t>?</a:t>
-            </a:r>
+              <a:rPr lang="sv-SE" dirty="0" err="1"/>
+              <a:t>GeneratedMap</a:t>
+            </a:r>
+            <a:r>
+              <a:rPr lang="sv-SE" dirty="0"/>
+              <a:t> </a:t>
+            </a:r>
+            <a:r>
+              <a:rPr lang="sv-SE" dirty="0" err="1"/>
+              <a:t>map</a:t>
+            </a:r>
+            <a:r>
+              <a:rPr lang="sv-SE" dirty="0"/>
+              <a:t> = new </a:t>
+            </a:r>
+            <a:r>
+              <a:rPr lang="sv-SE" dirty="0" err="1"/>
+              <a:t>GeneratedMap</a:t>
+            </a:r>
+            <a:r>
+              <a:rPr lang="sv-SE" dirty="0"/>
+              <a:t>(10000, 10000, new Hero(100)); //</a:t>
+            </a:r>
+            <a:r>
+              <a:rPr lang="sv-SE" dirty="0" err="1"/>
+              <a:t>renderGeneratedToConsole</a:t>
+            </a:r>
+            <a:r>
+              <a:rPr lang="sv-SE" dirty="0"/>
+              <a:t>(); </a:t>
+            </a:r>
+          </a:p>
+        </p:txBody>
+      </p:sp>
+      <p:pic>
+        <p:nvPicPr>
+          <p:cNvPr id="14" name="Bildobjekt 13">
+            <a:extLst>
+              <a:ext uri="{FF2B5EF4-FFF2-40B4-BE49-F238E27FC236}">
+                <a16:creationId xmlns:a16="http://schemas.microsoft.com/office/drawing/2014/main" id="{6574DF48-8B65-8749-89CE-CFC3BB46110E}"/>
+              </a:ext>
+            </a:extLst>
+          </p:cNvPr>
+          <p:cNvPicPr>
+            <a:picLocks noChangeAspect="1"/>
+          </p:cNvPicPr>
+          <p:nvPr/>
+        </p:nvPicPr>
+        <p:blipFill>
+          <a:blip r:embed="rId4">
+            <a:extLst>
+              <a:ext uri="{28A0092B-C50C-407E-A947-70E740481C1C}">
+                <a14:useLocalDpi xmlns:a14="http://schemas.microsoft.com/office/drawing/2010/main" val="0"/>
+              </a:ext>
+            </a:extLst>
+          </a:blip>
+          <a:stretch>
+            <a:fillRect/>
+          </a:stretch>
+        </p:blipFill>
+        <p:spPr>
+          <a:xfrm>
+            <a:off x="546100" y="641350"/>
+            <a:ext cx="10261600" cy="5854700"/>
+          </a:xfrm>
+          <a:prstGeom prst="rect">
+            <a:avLst/>
+          </a:prstGeom>
+        </p:spPr>
+      </p:pic>
+      <p:sp>
+        <p:nvSpPr>
+          <p:cNvPr id="17" name="Vänster 16">
+            <a:extLst>
+              <a:ext uri="{FF2B5EF4-FFF2-40B4-BE49-F238E27FC236}">
+                <a16:creationId xmlns:a16="http://schemas.microsoft.com/office/drawing/2014/main" id="{B1FBD720-1A3A-7F40-8A57-8FAE3623D42B}"/>
+              </a:ext>
+            </a:extLst>
+          </p:cNvPr>
+          <p:cNvSpPr/>
+          <p:nvPr/>
+        </p:nvSpPr>
+        <p:spPr>
+          <a:xfrm rot="10800000">
+            <a:off x="520700" y="2677391"/>
+            <a:ext cx="812800" cy="241300"/>
+          </a:xfrm>
+          <a:prstGeom prst="leftArrow">
+            <a:avLst/>
+          </a:prstGeom>
+        </p:spPr>
+        <p:style>
+          <a:lnRef idx="2">
+            <a:schemeClr val="accent1">
+              <a:shade val="50000"/>
+            </a:schemeClr>
+          </a:lnRef>
+          <a:fillRef idx="1">
+            <a:schemeClr val="accent1"/>
+          </a:fillRef>
+          <a:effectRef idx="0">
+            <a:schemeClr val="accent1"/>
+          </a:effectRef>
+          <a:fontRef idx="minor">
+            <a:schemeClr val="lt1"/>
+          </a:fontRef>
+        </p:style>
+        <p:txBody>
+          <a:bodyPr rtlCol="0" anchor="ctr"/>
+          <a:lstStyle/>
+          <a:p>
+            <a:pPr algn="ctr"/>
+            <a:endParaRPr lang="sv-SE"/>
+          </a:p>
+        </p:txBody>
+      </p:sp>
+      <p:sp>
+        <p:nvSpPr>
+          <p:cNvPr id="12" name="Vänster 11">
+            <a:extLst>
+              <a:ext uri="{FF2B5EF4-FFF2-40B4-BE49-F238E27FC236}">
+                <a16:creationId xmlns:a16="http://schemas.microsoft.com/office/drawing/2014/main" id="{9D68455C-8F0B-9F41-B5F3-FA6B0F2C2646}"/>
+              </a:ext>
+            </a:extLst>
+          </p:cNvPr>
+          <p:cNvSpPr/>
+          <p:nvPr/>
+        </p:nvSpPr>
+        <p:spPr>
+          <a:xfrm rot="10800000">
+            <a:off x="498764" y="1418071"/>
+            <a:ext cx="812800" cy="241300"/>
+          </a:xfrm>
+          <a:prstGeom prst="leftArrow">
+            <a:avLst/>
+          </a:prstGeom>
+        </p:spPr>
+        <p:style>
+          <a:lnRef idx="2">
+            <a:schemeClr val="accent1">
+              <a:shade val="50000"/>
+            </a:schemeClr>
+          </a:lnRef>
+          <a:fillRef idx="1">
+            <a:schemeClr val="accent1"/>
+          </a:fillRef>
+          <a:effectRef idx="0">
+            <a:schemeClr val="accent1"/>
+          </a:effectRef>
+          <a:fontRef idx="minor">
+            <a:schemeClr val="lt1"/>
+          </a:fontRef>
+        </p:style>
+        <p:txBody>
+          <a:bodyPr rtlCol="0" anchor="ctr"/>
+          <a:lstStyle/>
+          <a:p>
+            <a:pPr algn="ctr"/>
+            <a:endParaRPr lang="sv-SE"/>
           </a:p>
         </p:txBody>
       </p:sp>
@@ -21109,7 +21755,422 @@
 </p:sld>
 </file>
 
-<file path=ppt/slides/slide35.xml><?xml version="1.0" encoding="utf-8"?>
+<file path=ppt/slides/slide36.xml><?xml version="1.0" encoding="utf-8"?>
+<p:sld xmlns:a="http://schemas.openxmlformats.org/drawingml/2006/main" xmlns:r="http://schemas.openxmlformats.org/officeDocument/2006/relationships" xmlns:p="http://schemas.openxmlformats.org/presentationml/2006/main">
+  <p:cSld>
+    <p:bg>
+      <p:bgPr>
+        <a:solidFill>
+          <a:schemeClr val="bg1"/>
+        </a:solidFill>
+        <a:effectLst/>
+      </p:bgPr>
+    </p:bg>
+    <p:spTree>
+      <p:nvGrpSpPr>
+        <p:cNvPr id="1" name=""/>
+        <p:cNvGrpSpPr/>
+        <p:nvPr/>
+      </p:nvGrpSpPr>
+      <p:grpSpPr>
+        <a:xfrm>
+          <a:off x="0" y="0"/>
+          <a:ext cx="0" cy="0"/>
+          <a:chOff x="0" y="0"/>
+          <a:chExt cx="0" cy="0"/>
+        </a:xfrm>
+      </p:grpSpPr>
+      <p:pic>
+        <p:nvPicPr>
+          <p:cNvPr id="5" name="Bildobjekt 4">
+            <a:extLst>
+              <a:ext uri="{FF2B5EF4-FFF2-40B4-BE49-F238E27FC236}">
+                <a16:creationId xmlns:a16="http://schemas.microsoft.com/office/drawing/2014/main" id="{803DFD53-B72E-3245-B3FA-8DF0CEF1A4B3}"/>
+              </a:ext>
+            </a:extLst>
+          </p:cNvPr>
+          <p:cNvPicPr>
+            <a:picLocks noChangeAspect="1"/>
+          </p:cNvPicPr>
+          <p:nvPr/>
+        </p:nvPicPr>
+        <p:blipFill>
+          <a:blip r:embed="rId2">
+            <a:extLst>
+              <a:ext uri="{28A0092B-C50C-407E-A947-70E740481C1C}">
+                <a14:useLocalDpi xmlns:a14="http://schemas.microsoft.com/office/drawing/2010/main" val="0"/>
+              </a:ext>
+            </a:extLst>
+          </a:blip>
+          <a:stretch>
+            <a:fillRect/>
+          </a:stretch>
+        </p:blipFill>
+        <p:spPr>
+          <a:xfrm>
+            <a:off x="2501762" y="643466"/>
+            <a:ext cx="7188475" cy="5571067"/>
+          </a:xfrm>
+          <a:prstGeom prst="rect">
+            <a:avLst/>
+          </a:prstGeom>
+        </p:spPr>
+      </p:pic>
+    </p:spTree>
+    <p:extLst>
+      <p:ext uri="{BB962C8B-B14F-4D97-AF65-F5344CB8AC3E}">
+        <p14:creationId xmlns:p14="http://schemas.microsoft.com/office/powerpoint/2010/main" val="1402650674"/>
+      </p:ext>
+    </p:extLst>
+  </p:cSld>
+  <p:clrMapOvr>
+    <a:masterClrMapping/>
+  </p:clrMapOvr>
+</p:sld>
+</file>
+
+<file path=ppt/slides/slide37.xml><?xml version="1.0" encoding="utf-8"?>
+<p:sld xmlns:a="http://schemas.openxmlformats.org/drawingml/2006/main" xmlns:r="http://schemas.openxmlformats.org/officeDocument/2006/relationships" xmlns:p="http://schemas.openxmlformats.org/presentationml/2006/main">
+  <p:cSld>
+    <p:spTree>
+      <p:nvGrpSpPr>
+        <p:cNvPr id="1" name=""/>
+        <p:cNvGrpSpPr/>
+        <p:nvPr/>
+      </p:nvGrpSpPr>
+      <p:grpSpPr>
+        <a:xfrm>
+          <a:off x="0" y="0"/>
+          <a:ext cx="0" cy="0"/>
+          <a:chOff x="0" y="0"/>
+          <a:chExt cx="0" cy="0"/>
+        </a:xfrm>
+      </p:grpSpPr>
+      <p:sp>
+        <p:nvSpPr>
+          <p:cNvPr id="8" name="textruta 7">
+            <a:extLst>
+              <a:ext uri="{FF2B5EF4-FFF2-40B4-BE49-F238E27FC236}">
+                <a16:creationId xmlns:a16="http://schemas.microsoft.com/office/drawing/2014/main" id="{4185AF3B-BAC6-E04A-BF9C-4DCB8537C2F6}"/>
+              </a:ext>
+            </a:extLst>
+          </p:cNvPr>
+          <p:cNvSpPr txBox="1"/>
+          <p:nvPr/>
+        </p:nvSpPr>
+        <p:spPr>
+          <a:xfrm>
+            <a:off x="1101436" y="177284"/>
+            <a:ext cx="10251589" cy="369332"/>
+          </a:xfrm>
+          <a:prstGeom prst="rect">
+            <a:avLst/>
+          </a:prstGeom>
+          <a:noFill/>
+        </p:spPr>
+        <p:txBody>
+          <a:bodyPr wrap="none" rtlCol="0">
+            <a:spAutoFit/>
+          </a:bodyPr>
+          <a:lstStyle/>
+          <a:p>
+            <a:r>
+              <a:rPr lang="sv-SE" dirty="0" err="1"/>
+              <a:t>GeneratedMap</a:t>
+            </a:r>
+            <a:r>
+              <a:rPr lang="sv-SE" dirty="0"/>
+              <a:t> </a:t>
+            </a:r>
+            <a:r>
+              <a:rPr lang="sv-SE" dirty="0" err="1"/>
+              <a:t>map</a:t>
+            </a:r>
+            <a:r>
+              <a:rPr lang="sv-SE" dirty="0"/>
+              <a:t> = new </a:t>
+            </a:r>
+            <a:r>
+              <a:rPr lang="sv-SE" dirty="0" err="1"/>
+              <a:t>GeneratedMap</a:t>
+            </a:r>
+            <a:r>
+              <a:rPr lang="sv-SE" dirty="0"/>
+              <a:t>(10000, 10000, new Hero(100)); //</a:t>
+            </a:r>
+            <a:r>
+              <a:rPr lang="sv-SE" dirty="0" err="1"/>
+              <a:t>renderGeneratedToConsole</a:t>
+            </a:r>
+            <a:r>
+              <a:rPr lang="sv-SE" dirty="0"/>
+              <a:t>(); </a:t>
+            </a:r>
+          </a:p>
+        </p:txBody>
+      </p:sp>
+      <p:pic>
+        <p:nvPicPr>
+          <p:cNvPr id="3" name="Bildobjekt 2">
+            <a:extLst>
+              <a:ext uri="{FF2B5EF4-FFF2-40B4-BE49-F238E27FC236}">
+                <a16:creationId xmlns:a16="http://schemas.microsoft.com/office/drawing/2014/main" id="{D6378A41-C7B4-C243-95E0-C9DAE2221FEB}"/>
+              </a:ext>
+            </a:extLst>
+          </p:cNvPr>
+          <p:cNvPicPr>
+            <a:picLocks noChangeAspect="1"/>
+          </p:cNvPicPr>
+          <p:nvPr/>
+        </p:nvPicPr>
+        <p:blipFill>
+          <a:blip r:embed="rId4">
+            <a:extLst>
+              <a:ext uri="{28A0092B-C50C-407E-A947-70E740481C1C}">
+                <a14:useLocalDpi xmlns:a14="http://schemas.microsoft.com/office/drawing/2010/main" val="0"/>
+              </a:ext>
+            </a:extLst>
+          </a:blip>
+          <a:stretch>
+            <a:fillRect/>
+          </a:stretch>
+        </p:blipFill>
+        <p:spPr>
+          <a:xfrm>
+            <a:off x="863600" y="615950"/>
+            <a:ext cx="10464800" cy="5626100"/>
+          </a:xfrm>
+          <a:prstGeom prst="rect">
+            <a:avLst/>
+          </a:prstGeom>
+        </p:spPr>
+      </p:pic>
+      <p:sp>
+        <p:nvSpPr>
+          <p:cNvPr id="17" name="Vänster 16">
+            <a:extLst>
+              <a:ext uri="{FF2B5EF4-FFF2-40B4-BE49-F238E27FC236}">
+                <a16:creationId xmlns:a16="http://schemas.microsoft.com/office/drawing/2014/main" id="{B1FBD720-1A3A-7F40-8A57-8FAE3623D42B}"/>
+              </a:ext>
+            </a:extLst>
+          </p:cNvPr>
+          <p:cNvSpPr/>
+          <p:nvPr/>
+        </p:nvSpPr>
+        <p:spPr>
+          <a:xfrm rot="10800000">
+            <a:off x="826655" y="2150919"/>
+            <a:ext cx="812800" cy="241300"/>
+          </a:xfrm>
+          <a:prstGeom prst="leftArrow">
+            <a:avLst/>
+          </a:prstGeom>
+        </p:spPr>
+        <p:style>
+          <a:lnRef idx="2">
+            <a:schemeClr val="accent1">
+              <a:shade val="50000"/>
+            </a:schemeClr>
+          </a:lnRef>
+          <a:fillRef idx="1">
+            <a:schemeClr val="accent1"/>
+          </a:fillRef>
+          <a:effectRef idx="0">
+            <a:schemeClr val="accent1"/>
+          </a:effectRef>
+          <a:fontRef idx="minor">
+            <a:schemeClr val="lt1"/>
+          </a:fontRef>
+        </p:style>
+        <p:txBody>
+          <a:bodyPr rtlCol="0" anchor="ctr"/>
+          <a:lstStyle/>
+          <a:p>
+            <a:pPr algn="ctr"/>
+            <a:endParaRPr lang="sv-SE"/>
+          </a:p>
+        </p:txBody>
+      </p:sp>
+      <p:sp>
+        <p:nvSpPr>
+          <p:cNvPr id="12" name="Vänster 11">
+            <a:extLst>
+              <a:ext uri="{FF2B5EF4-FFF2-40B4-BE49-F238E27FC236}">
+                <a16:creationId xmlns:a16="http://schemas.microsoft.com/office/drawing/2014/main" id="{9D68455C-8F0B-9F41-B5F3-FA6B0F2C2646}"/>
+              </a:ext>
+            </a:extLst>
+          </p:cNvPr>
+          <p:cNvSpPr/>
+          <p:nvPr/>
+        </p:nvSpPr>
+        <p:spPr>
+          <a:xfrm rot="10800000">
+            <a:off x="826655" y="4948093"/>
+            <a:ext cx="812800" cy="241300"/>
+          </a:xfrm>
+          <a:prstGeom prst="leftArrow">
+            <a:avLst/>
+          </a:prstGeom>
+        </p:spPr>
+        <p:style>
+          <a:lnRef idx="2">
+            <a:schemeClr val="accent1">
+              <a:shade val="50000"/>
+            </a:schemeClr>
+          </a:lnRef>
+          <a:fillRef idx="1">
+            <a:schemeClr val="accent1"/>
+          </a:fillRef>
+          <a:effectRef idx="0">
+            <a:schemeClr val="accent1"/>
+          </a:effectRef>
+          <a:fontRef idx="minor">
+            <a:schemeClr val="lt1"/>
+          </a:fontRef>
+        </p:style>
+        <p:txBody>
+          <a:bodyPr rtlCol="0" anchor="ctr"/>
+          <a:lstStyle/>
+          <a:p>
+            <a:pPr algn="ctr"/>
+            <a:endParaRPr lang="sv-SE"/>
+          </a:p>
+        </p:txBody>
+      </p:sp>
+    </p:spTree>
+    <p:custDataLst>
+      <p:tags r:id="rId1"/>
+    </p:custDataLst>
+    <p:extLst>
+      <p:ext uri="{BB962C8B-B14F-4D97-AF65-F5344CB8AC3E}">
+        <p14:creationId xmlns:p14="http://schemas.microsoft.com/office/powerpoint/2010/main" val="3644151933"/>
+      </p:ext>
+    </p:extLst>
+  </p:cSld>
+  <p:clrMapOvr>
+    <a:masterClrMapping/>
+  </p:clrMapOvr>
+</p:sld>
+</file>
+
+<file path=ppt/slides/slide38.xml><?xml version="1.0" encoding="utf-8"?>
+<p:sld xmlns:a="http://schemas.openxmlformats.org/drawingml/2006/main" xmlns:r="http://schemas.openxmlformats.org/officeDocument/2006/relationships" xmlns:p="http://schemas.openxmlformats.org/presentationml/2006/main">
+  <p:cSld>
+    <p:bg>
+      <p:bgPr>
+        <a:solidFill>
+          <a:schemeClr val="bg1"/>
+        </a:solidFill>
+        <a:effectLst/>
+      </p:bgPr>
+    </p:bg>
+    <p:spTree>
+      <p:nvGrpSpPr>
+        <p:cNvPr id="1" name=""/>
+        <p:cNvGrpSpPr/>
+        <p:nvPr/>
+      </p:nvGrpSpPr>
+      <p:grpSpPr>
+        <a:xfrm>
+          <a:off x="0" y="0"/>
+          <a:ext cx="0" cy="0"/>
+          <a:chOff x="0" y="0"/>
+          <a:chExt cx="0" cy="0"/>
+        </a:xfrm>
+      </p:grpSpPr>
+      <p:pic>
+        <p:nvPicPr>
+          <p:cNvPr id="5" name="Bildobjekt 4">
+            <a:extLst>
+              <a:ext uri="{FF2B5EF4-FFF2-40B4-BE49-F238E27FC236}">
+                <a16:creationId xmlns:a16="http://schemas.microsoft.com/office/drawing/2014/main" id="{57355B15-EA56-AE4B-92D2-3D2BBB919A92}"/>
+              </a:ext>
+            </a:extLst>
+          </p:cNvPr>
+          <p:cNvPicPr>
+            <a:picLocks noChangeAspect="1"/>
+          </p:cNvPicPr>
+          <p:nvPr/>
+        </p:nvPicPr>
+        <p:blipFill>
+          <a:blip r:embed="rId2">
+            <a:extLst>
+              <a:ext uri="{28A0092B-C50C-407E-A947-70E740481C1C}">
+                <a14:useLocalDpi xmlns:a14="http://schemas.microsoft.com/office/drawing/2010/main" val="0"/>
+              </a:ext>
+            </a:extLst>
+          </a:blip>
+          <a:stretch>
+            <a:fillRect/>
+          </a:stretch>
+        </p:blipFill>
+        <p:spPr>
+          <a:xfrm>
+            <a:off x="643467" y="2079498"/>
+            <a:ext cx="10905066" cy="2699002"/>
+          </a:xfrm>
+          <a:prstGeom prst="rect">
+            <a:avLst/>
+          </a:prstGeom>
+        </p:spPr>
+      </p:pic>
+      <p:sp>
+        <p:nvSpPr>
+          <p:cNvPr id="6" name="textruta 5">
+            <a:extLst>
+              <a:ext uri="{FF2B5EF4-FFF2-40B4-BE49-F238E27FC236}">
+                <a16:creationId xmlns:a16="http://schemas.microsoft.com/office/drawing/2014/main" id="{239B91C0-8C26-6E4A-ACC7-0F031EC61056}"/>
+              </a:ext>
+            </a:extLst>
+          </p:cNvPr>
+          <p:cNvSpPr txBox="1"/>
+          <p:nvPr/>
+        </p:nvSpPr>
+        <p:spPr>
+          <a:xfrm>
+            <a:off x="2733040" y="483985"/>
+            <a:ext cx="6725920" cy="584775"/>
+          </a:xfrm>
+          <a:prstGeom prst="rect">
+            <a:avLst/>
+          </a:prstGeom>
+          <a:noFill/>
+        </p:spPr>
+        <p:txBody>
+          <a:bodyPr wrap="square" rtlCol="0">
+            <a:spAutoFit/>
+          </a:bodyPr>
+          <a:lstStyle/>
+          <a:p>
+            <a:r>
+              <a:rPr lang="sv-SE" sz="3200" dirty="0"/>
+              <a:t>En närmre titt på </a:t>
+            </a:r>
+            <a:r>
+              <a:rPr lang="sv-SE" sz="3200" dirty="0" err="1"/>
+              <a:t>putMonstersOnMap</a:t>
+            </a:r>
+            <a:r>
+              <a:rPr lang="sv-SE" sz="3200" dirty="0"/>
+              <a:t>()</a:t>
+            </a:r>
+          </a:p>
+        </p:txBody>
+      </p:sp>
+    </p:spTree>
+    <p:extLst>
+      <p:ext uri="{BB962C8B-B14F-4D97-AF65-F5344CB8AC3E}">
+        <p14:creationId xmlns:p14="http://schemas.microsoft.com/office/powerpoint/2010/main" val="340316833"/>
+      </p:ext>
+    </p:extLst>
+  </p:cSld>
+  <p:clrMapOvr>
+    <a:masterClrMapping/>
+  </p:clrMapOvr>
+</p:sld>
+</file>
+
+<file path=ppt/slides/slide39.xml><?xml version="1.0" encoding="utf-8"?>
 <p:sld xmlns:a="http://schemas.openxmlformats.org/drawingml/2006/main" xmlns:r="http://schemas.openxmlformats.org/officeDocument/2006/relationships" xmlns:p="http://schemas.openxmlformats.org/presentationml/2006/main">
   <p:cSld>
     <p:spTree>
@@ -24502,1610 +25563,6 @@
     <p:extLst>
       <p:ext uri="{BB962C8B-B14F-4D97-AF65-F5344CB8AC3E}">
         <p14:creationId xmlns:p14="http://schemas.microsoft.com/office/powerpoint/2010/main" val="963717311"/>
-      </p:ext>
-    </p:extLst>
-  </p:cSld>
-  <p:clrMapOvr>
-    <a:masterClrMapping/>
-  </p:clrMapOvr>
-</p:sld>
-</file>
-
-<file path=ppt/slides/slide36.xml><?xml version="1.0" encoding="utf-8"?>
-<p:sld xmlns:a="http://schemas.openxmlformats.org/drawingml/2006/main" xmlns:r="http://schemas.openxmlformats.org/officeDocument/2006/relationships" xmlns:p="http://schemas.openxmlformats.org/presentationml/2006/main">
-  <p:cSld>
-    <p:spTree>
-      <p:nvGrpSpPr>
-        <p:cNvPr id="1" name=""/>
-        <p:cNvGrpSpPr/>
-        <p:nvPr/>
-      </p:nvGrpSpPr>
-      <p:grpSpPr>
-        <a:xfrm>
-          <a:off x="0" y="0"/>
-          <a:ext cx="0" cy="0"/>
-          <a:chOff x="0" y="0"/>
-          <a:chExt cx="0" cy="0"/>
-        </a:xfrm>
-      </p:grpSpPr>
-      <p:sp>
-        <p:nvSpPr>
-          <p:cNvPr id="2" name="Rubrik 1"/>
-          <p:cNvSpPr>
-            <a:spLocks noGrp="1"/>
-          </p:cNvSpPr>
-          <p:nvPr>
-            <p:ph type="title"/>
-          </p:nvPr>
-        </p:nvSpPr>
-        <p:spPr>
-          <a:xfrm>
-            <a:off x="838200" y="365125"/>
-            <a:ext cx="10515600" cy="1325563"/>
-          </a:xfrm>
-        </p:spPr>
-        <p:txBody>
-          <a:bodyPr/>
-          <a:lstStyle/>
-          <a:p>
-            <a:r>
-              <a:rPr lang="sv-SE" dirty="0"/>
-              <a:t>Byggscript 2</a:t>
-            </a:r>
-          </a:p>
-        </p:txBody>
-      </p:sp>
-      <p:sp>
-        <p:nvSpPr>
-          <p:cNvPr id="4" name="Platshållare för innehåll 2">
-            <a:extLst>
-              <a:ext uri="{FF2B5EF4-FFF2-40B4-BE49-F238E27FC236}">
-                <a16:creationId xmlns:a16="http://schemas.microsoft.com/office/drawing/2014/main" id="{7502AE00-9333-EB4B-95D9-391326FD9AE0}"/>
-              </a:ext>
-            </a:extLst>
-          </p:cNvPr>
-          <p:cNvSpPr txBox="1">
-            <a:spLocks/>
-          </p:cNvSpPr>
-          <p:nvPr/>
-        </p:nvSpPr>
-        <p:spPr>
-          <a:xfrm>
-            <a:off x="6578600" y="1690688"/>
-            <a:ext cx="4775200" cy="4067175"/>
-          </a:xfrm>
-          <a:prstGeom prst="rect">
-            <a:avLst/>
-          </a:prstGeom>
-        </p:spPr>
-        <p:txBody>
-          <a:bodyPr vert="horz" lIns="91440" tIns="45720" rIns="91440" bIns="45720" rtlCol="0">
-            <a:normAutofit/>
-          </a:bodyPr>
-          <a:lstStyle>
-            <a:lvl1pPr marL="228600" indent="-228600" algn="l" defTabSz="914400" rtl="0" eaLnBrk="1" latinLnBrk="0" hangingPunct="1">
-              <a:lnSpc>
-                <a:spcPct val="90000"/>
-              </a:lnSpc>
-              <a:spcBef>
-                <a:spcPts val="1000"/>
-              </a:spcBef>
-              <a:buFont typeface="Arial" panose="020B0604020202020204" pitchFamily="34" charset="0"/>
-              <a:buChar char="•"/>
-              <a:defRPr sz="2800" kern="1200">
-                <a:solidFill>
-                  <a:schemeClr val="tx1"/>
-                </a:solidFill>
-                <a:latin typeface="+mn-lt"/>
-                <a:ea typeface="+mn-ea"/>
-                <a:cs typeface="+mn-cs"/>
-              </a:defRPr>
-            </a:lvl1pPr>
-            <a:lvl2pPr marL="685800" indent="-228600" algn="l" defTabSz="914400" rtl="0" eaLnBrk="1" latinLnBrk="0" hangingPunct="1">
-              <a:lnSpc>
-                <a:spcPct val="90000"/>
-              </a:lnSpc>
-              <a:spcBef>
-                <a:spcPts val="500"/>
-              </a:spcBef>
-              <a:buFont typeface="Arial" panose="020B0604020202020204" pitchFamily="34" charset="0"/>
-              <a:buChar char="•"/>
-              <a:defRPr sz="2400" kern="1200">
-                <a:solidFill>
-                  <a:schemeClr val="tx1"/>
-                </a:solidFill>
-                <a:latin typeface="+mn-lt"/>
-                <a:ea typeface="+mn-ea"/>
-                <a:cs typeface="+mn-cs"/>
-              </a:defRPr>
-            </a:lvl2pPr>
-            <a:lvl3pPr marL="1143000" indent="-228600" algn="l" defTabSz="914400" rtl="0" eaLnBrk="1" latinLnBrk="0" hangingPunct="1">
-              <a:lnSpc>
-                <a:spcPct val="90000"/>
-              </a:lnSpc>
-              <a:spcBef>
-                <a:spcPts val="500"/>
-              </a:spcBef>
-              <a:buFont typeface="Arial" panose="020B0604020202020204" pitchFamily="34" charset="0"/>
-              <a:buChar char="•"/>
-              <a:defRPr sz="2000" kern="1200">
-                <a:solidFill>
-                  <a:schemeClr val="tx1"/>
-                </a:solidFill>
-                <a:latin typeface="+mn-lt"/>
-                <a:ea typeface="+mn-ea"/>
-                <a:cs typeface="+mn-cs"/>
-              </a:defRPr>
-            </a:lvl3pPr>
-            <a:lvl4pPr marL="1600200" indent="-228600" algn="l" defTabSz="914400" rtl="0" eaLnBrk="1" latinLnBrk="0" hangingPunct="1">
-              <a:lnSpc>
-                <a:spcPct val="90000"/>
-              </a:lnSpc>
-              <a:spcBef>
-                <a:spcPts val="500"/>
-              </a:spcBef>
-              <a:buFont typeface="Arial" panose="020B0604020202020204" pitchFamily="34" charset="0"/>
-              <a:buChar char="•"/>
-              <a:defRPr sz="1800" kern="1200">
-                <a:solidFill>
-                  <a:schemeClr val="tx1"/>
-                </a:solidFill>
-                <a:latin typeface="+mn-lt"/>
-                <a:ea typeface="+mn-ea"/>
-                <a:cs typeface="+mn-cs"/>
-              </a:defRPr>
-            </a:lvl4pPr>
-            <a:lvl5pPr marL="2057400" indent="-228600" algn="l" defTabSz="914400" rtl="0" eaLnBrk="1" latinLnBrk="0" hangingPunct="1">
-              <a:lnSpc>
-                <a:spcPct val="90000"/>
-              </a:lnSpc>
-              <a:spcBef>
-                <a:spcPts val="500"/>
-              </a:spcBef>
-              <a:buFont typeface="Arial" panose="020B0604020202020204" pitchFamily="34" charset="0"/>
-              <a:buChar char="•"/>
-              <a:defRPr sz="1800" kern="1200">
-                <a:solidFill>
-                  <a:schemeClr val="tx1"/>
-                </a:solidFill>
-                <a:latin typeface="+mn-lt"/>
-                <a:ea typeface="+mn-ea"/>
-                <a:cs typeface="+mn-cs"/>
-              </a:defRPr>
-            </a:lvl5pPr>
-            <a:lvl6pPr marL="2514600" indent="-228600" algn="l" defTabSz="914400" rtl="0" eaLnBrk="1" latinLnBrk="0" hangingPunct="1">
-              <a:lnSpc>
-                <a:spcPct val="90000"/>
-              </a:lnSpc>
-              <a:spcBef>
-                <a:spcPts val="500"/>
-              </a:spcBef>
-              <a:buFont typeface="Arial" panose="020B0604020202020204" pitchFamily="34" charset="0"/>
-              <a:buChar char="•"/>
-              <a:defRPr sz="1800" kern="1200">
-                <a:solidFill>
-                  <a:schemeClr val="tx1"/>
-                </a:solidFill>
-                <a:latin typeface="+mn-lt"/>
-                <a:ea typeface="+mn-ea"/>
-                <a:cs typeface="+mn-cs"/>
-              </a:defRPr>
-            </a:lvl6pPr>
-            <a:lvl7pPr marL="2971800" indent="-228600" algn="l" defTabSz="914400" rtl="0" eaLnBrk="1" latinLnBrk="0" hangingPunct="1">
-              <a:lnSpc>
-                <a:spcPct val="90000"/>
-              </a:lnSpc>
-              <a:spcBef>
-                <a:spcPts val="500"/>
-              </a:spcBef>
-              <a:buFont typeface="Arial" panose="020B0604020202020204" pitchFamily="34" charset="0"/>
-              <a:buChar char="•"/>
-              <a:defRPr sz="1800" kern="1200">
-                <a:solidFill>
-                  <a:schemeClr val="tx1"/>
-                </a:solidFill>
-                <a:latin typeface="+mn-lt"/>
-                <a:ea typeface="+mn-ea"/>
-                <a:cs typeface="+mn-cs"/>
-              </a:defRPr>
-            </a:lvl7pPr>
-            <a:lvl8pPr marL="3429000" indent="-228600" algn="l" defTabSz="914400" rtl="0" eaLnBrk="1" latinLnBrk="0" hangingPunct="1">
-              <a:lnSpc>
-                <a:spcPct val="90000"/>
-              </a:lnSpc>
-              <a:spcBef>
-                <a:spcPts val="500"/>
-              </a:spcBef>
-              <a:buFont typeface="Arial" panose="020B0604020202020204" pitchFamily="34" charset="0"/>
-              <a:buChar char="•"/>
-              <a:defRPr sz="1800" kern="1200">
-                <a:solidFill>
-                  <a:schemeClr val="tx1"/>
-                </a:solidFill>
-                <a:latin typeface="+mn-lt"/>
-                <a:ea typeface="+mn-ea"/>
-                <a:cs typeface="+mn-cs"/>
-              </a:defRPr>
-            </a:lvl8pPr>
-            <a:lvl9pPr marL="3886200" indent="-228600" algn="l" defTabSz="914400" rtl="0" eaLnBrk="1" latinLnBrk="0" hangingPunct="1">
-              <a:lnSpc>
-                <a:spcPct val="90000"/>
-              </a:lnSpc>
-              <a:spcBef>
-                <a:spcPts val="500"/>
-              </a:spcBef>
-              <a:buFont typeface="Arial" panose="020B0604020202020204" pitchFamily="34" charset="0"/>
-              <a:buChar char="•"/>
-              <a:defRPr sz="1800" kern="1200">
-                <a:solidFill>
-                  <a:schemeClr val="tx1"/>
-                </a:solidFill>
-                <a:latin typeface="+mn-lt"/>
-                <a:ea typeface="+mn-ea"/>
-                <a:cs typeface="+mn-cs"/>
-              </a:defRPr>
-            </a:lvl9pPr>
-          </a:lstStyle>
-          <a:p>
-            <a:pPr marL="0" indent="0">
-              <a:buFont typeface="Arial" panose="020B0604020202020204" pitchFamily="34" charset="0"/>
-              <a:buNone/>
-            </a:pPr>
-            <a:endParaRPr lang="sv-SE" dirty="0"/>
-          </a:p>
-        </p:txBody>
-      </p:sp>
-      <p:sp>
-        <p:nvSpPr>
-          <p:cNvPr id="6" name="Content Placeholder 5">
-            <a:extLst>
-              <a:ext uri="{FF2B5EF4-FFF2-40B4-BE49-F238E27FC236}">
-                <a16:creationId xmlns:a16="http://schemas.microsoft.com/office/drawing/2014/main" id="{F0405698-C1F8-6044-B4CF-2285BC06E265}"/>
-              </a:ext>
-            </a:extLst>
-          </p:cNvPr>
-          <p:cNvSpPr>
-            <a:spLocks noGrp="1"/>
-          </p:cNvSpPr>
-          <p:nvPr>
-            <p:ph idx="1"/>
-          </p:nvPr>
-        </p:nvSpPr>
-        <p:spPr>
-          <a:xfrm>
-            <a:off x="838200" y="1548606"/>
-            <a:ext cx="10515600" cy="4351338"/>
-          </a:xfrm>
-        </p:spPr>
-        <p:txBody>
-          <a:bodyPr>
-            <a:normAutofit fontScale="32500" lnSpcReduction="20000"/>
-          </a:bodyPr>
-          <a:lstStyle/>
-          <a:p>
-            <a:pPr marL="0" indent="0">
-              <a:buNone/>
-            </a:pPr>
-            <a:r>
-              <a:rPr lang="sv-SE" sz="4300" dirty="0">
-                <a:solidFill>
-                  <a:schemeClr val="accent1">
-                    <a:lumMod val="75000"/>
-                  </a:schemeClr>
-                </a:solidFill>
-              </a:rPr>
-              <a:t>&lt;?</a:t>
-            </a:r>
-            <a:r>
-              <a:rPr lang="sv-SE" sz="4300" dirty="0" err="1">
-                <a:solidFill>
-                  <a:schemeClr val="accent1">
-                    <a:lumMod val="75000"/>
-                  </a:schemeClr>
-                </a:solidFill>
-              </a:rPr>
-              <a:t>xml</a:t>
-            </a:r>
-            <a:r>
-              <a:rPr lang="sv-SE" sz="4300" dirty="0">
-                <a:solidFill>
-                  <a:schemeClr val="accent1">
-                    <a:lumMod val="75000"/>
-                  </a:schemeClr>
-                </a:solidFill>
-              </a:rPr>
-              <a:t> version="1.0" </a:t>
-            </a:r>
-            <a:r>
-              <a:rPr lang="sv-SE" sz="4300" dirty="0" err="1">
-                <a:solidFill>
-                  <a:schemeClr val="accent1">
-                    <a:lumMod val="75000"/>
-                  </a:schemeClr>
-                </a:solidFill>
-              </a:rPr>
-              <a:t>encoding</a:t>
-            </a:r>
-            <a:r>
-              <a:rPr lang="sv-SE" sz="4300" dirty="0">
-                <a:solidFill>
-                  <a:schemeClr val="accent1">
-                    <a:lumMod val="75000"/>
-                  </a:schemeClr>
-                </a:solidFill>
-              </a:rPr>
-              <a:t>="UTF-8"?&gt;</a:t>
-            </a:r>
-            <a:br>
-              <a:rPr lang="sv-SE" sz="4300" dirty="0">
-                <a:solidFill>
-                  <a:schemeClr val="accent1">
-                    <a:lumMod val="75000"/>
-                  </a:schemeClr>
-                </a:solidFill>
-              </a:rPr>
-            </a:br>
-            <a:br>
-              <a:rPr lang="sv-SE" sz="4300" dirty="0">
-                <a:solidFill>
-                  <a:schemeClr val="accent1">
-                    <a:lumMod val="75000"/>
-                  </a:schemeClr>
-                </a:solidFill>
-              </a:rPr>
-            </a:br>
-            <a:r>
-              <a:rPr lang="sv-SE" sz="4300" dirty="0">
-                <a:solidFill>
-                  <a:schemeClr val="accent1">
-                    <a:lumMod val="75000"/>
-                  </a:schemeClr>
-                </a:solidFill>
-              </a:rPr>
-              <a:t>&lt;</a:t>
-            </a:r>
-            <a:r>
-              <a:rPr lang="sv-SE" sz="4300" dirty="0" err="1">
-                <a:solidFill>
-                  <a:schemeClr val="accent1">
-                    <a:lumMod val="75000"/>
-                  </a:schemeClr>
-                </a:solidFill>
-              </a:rPr>
-              <a:t>project</a:t>
-            </a:r>
-            <a:r>
-              <a:rPr lang="sv-SE" sz="4300" dirty="0">
-                <a:solidFill>
-                  <a:schemeClr val="accent1">
-                    <a:lumMod val="75000"/>
-                  </a:schemeClr>
-                </a:solidFill>
-              </a:rPr>
-              <a:t> </a:t>
-            </a:r>
-            <a:r>
-              <a:rPr lang="sv-SE" sz="4300" dirty="0" err="1">
-                <a:solidFill>
-                  <a:schemeClr val="accent1">
-                    <a:lumMod val="75000"/>
-                  </a:schemeClr>
-                </a:solidFill>
-              </a:rPr>
-              <a:t>xmlns</a:t>
-            </a:r>
-            <a:r>
-              <a:rPr lang="sv-SE" sz="4300" dirty="0">
-                <a:solidFill>
-                  <a:schemeClr val="accent1">
-                    <a:lumMod val="75000"/>
-                  </a:schemeClr>
-                </a:solidFill>
-              </a:rPr>
-              <a:t>="http://</a:t>
-            </a:r>
-            <a:r>
-              <a:rPr lang="sv-SE" sz="4300" dirty="0" err="1">
-                <a:solidFill>
-                  <a:schemeClr val="accent1">
-                    <a:lumMod val="75000"/>
-                  </a:schemeClr>
-                </a:solidFill>
-              </a:rPr>
-              <a:t>maven.apache.org</a:t>
-            </a:r>
-            <a:r>
-              <a:rPr lang="sv-SE" sz="4300" dirty="0">
-                <a:solidFill>
-                  <a:schemeClr val="accent1">
-                    <a:lumMod val="75000"/>
-                  </a:schemeClr>
-                </a:solidFill>
-              </a:rPr>
-              <a:t>/POM/4.0.0" </a:t>
-            </a:r>
-            <a:r>
-              <a:rPr lang="sv-SE" sz="4300" dirty="0" err="1">
-                <a:solidFill>
-                  <a:schemeClr val="accent1">
-                    <a:lumMod val="75000"/>
-                  </a:schemeClr>
-                </a:solidFill>
-              </a:rPr>
-              <a:t>xmlns:xsi</a:t>
-            </a:r>
-            <a:r>
-              <a:rPr lang="sv-SE" sz="4300" dirty="0">
-                <a:solidFill>
-                  <a:schemeClr val="accent1">
-                    <a:lumMod val="75000"/>
-                  </a:schemeClr>
-                </a:solidFill>
-              </a:rPr>
-              <a:t>="http://www.w3.org/2001/</a:t>
-            </a:r>
-            <a:r>
-              <a:rPr lang="sv-SE" sz="4300" dirty="0" err="1">
-                <a:solidFill>
-                  <a:schemeClr val="accent1">
-                    <a:lumMod val="75000"/>
-                  </a:schemeClr>
-                </a:solidFill>
-              </a:rPr>
-              <a:t>XMLSchema-instance</a:t>
-            </a:r>
-            <a:r>
-              <a:rPr lang="sv-SE" sz="4300" dirty="0">
-                <a:solidFill>
-                  <a:schemeClr val="accent1">
-                    <a:lumMod val="75000"/>
-                  </a:schemeClr>
-                </a:solidFill>
-              </a:rPr>
-              <a:t>"</a:t>
-            </a:r>
-            <a:br>
-              <a:rPr lang="sv-SE" sz="4300" dirty="0">
-                <a:solidFill>
-                  <a:schemeClr val="accent1">
-                    <a:lumMod val="75000"/>
-                  </a:schemeClr>
-                </a:solidFill>
-              </a:rPr>
-            </a:br>
-            <a:r>
-              <a:rPr lang="sv-SE" sz="4300" dirty="0">
-                <a:solidFill>
-                  <a:schemeClr val="accent1">
-                    <a:lumMod val="75000"/>
-                  </a:schemeClr>
-                </a:solidFill>
-              </a:rPr>
-              <a:t>  </a:t>
-            </a:r>
-            <a:r>
-              <a:rPr lang="sv-SE" sz="4300" dirty="0" err="1">
-                <a:solidFill>
-                  <a:schemeClr val="accent1">
-                    <a:lumMod val="75000"/>
-                  </a:schemeClr>
-                </a:solidFill>
-              </a:rPr>
-              <a:t>xsi:schemaLocation</a:t>
-            </a:r>
-            <a:r>
-              <a:rPr lang="sv-SE" sz="4300" dirty="0">
-                <a:solidFill>
-                  <a:schemeClr val="accent1">
-                    <a:lumMod val="75000"/>
-                  </a:schemeClr>
-                </a:solidFill>
-              </a:rPr>
-              <a:t>="http://</a:t>
-            </a:r>
-            <a:r>
-              <a:rPr lang="sv-SE" sz="4300" dirty="0" err="1">
-                <a:solidFill>
-                  <a:schemeClr val="accent1">
-                    <a:lumMod val="75000"/>
-                  </a:schemeClr>
-                </a:solidFill>
-              </a:rPr>
-              <a:t>maven.apache.org</a:t>
-            </a:r>
-            <a:r>
-              <a:rPr lang="sv-SE" sz="4300" dirty="0">
-                <a:solidFill>
-                  <a:schemeClr val="accent1">
-                    <a:lumMod val="75000"/>
-                  </a:schemeClr>
-                </a:solidFill>
-              </a:rPr>
-              <a:t>/POM/4.0.0 http://</a:t>
-            </a:r>
-            <a:r>
-              <a:rPr lang="sv-SE" sz="4300" dirty="0" err="1">
-                <a:solidFill>
-                  <a:schemeClr val="accent1">
-                    <a:lumMod val="75000"/>
-                  </a:schemeClr>
-                </a:solidFill>
-              </a:rPr>
-              <a:t>maven.apache.org</a:t>
-            </a:r>
-            <a:r>
-              <a:rPr lang="sv-SE" sz="4300" dirty="0">
-                <a:solidFill>
-                  <a:schemeClr val="accent1">
-                    <a:lumMod val="75000"/>
-                  </a:schemeClr>
-                </a:solidFill>
-              </a:rPr>
-              <a:t>/</a:t>
-            </a:r>
-            <a:r>
-              <a:rPr lang="sv-SE" sz="4300" dirty="0" err="1">
-                <a:solidFill>
-                  <a:schemeClr val="accent1">
-                    <a:lumMod val="75000"/>
-                  </a:schemeClr>
-                </a:solidFill>
-              </a:rPr>
-              <a:t>xsd</a:t>
-            </a:r>
-            <a:r>
-              <a:rPr lang="sv-SE" sz="4300" dirty="0">
-                <a:solidFill>
-                  <a:schemeClr val="accent1">
-                    <a:lumMod val="75000"/>
-                  </a:schemeClr>
-                </a:solidFill>
-              </a:rPr>
-              <a:t>/maven-4.0.0.xsd"&gt;</a:t>
-            </a:r>
-            <a:br>
-              <a:rPr lang="sv-SE" sz="4300" dirty="0">
-                <a:solidFill>
-                  <a:schemeClr val="accent1">
-                    <a:lumMod val="75000"/>
-                  </a:schemeClr>
-                </a:solidFill>
-              </a:rPr>
-            </a:br>
-            <a:r>
-              <a:rPr lang="sv-SE" sz="4300" dirty="0">
-                <a:solidFill>
-                  <a:schemeClr val="accent1">
-                    <a:lumMod val="75000"/>
-                  </a:schemeClr>
-                </a:solidFill>
-              </a:rPr>
-              <a:t>  &lt;</a:t>
-            </a:r>
-            <a:r>
-              <a:rPr lang="sv-SE" sz="4300" dirty="0" err="1">
-                <a:solidFill>
-                  <a:schemeClr val="accent1">
-                    <a:lumMod val="75000"/>
-                  </a:schemeClr>
-                </a:solidFill>
-              </a:rPr>
-              <a:t>modelVersion</a:t>
-            </a:r>
-            <a:r>
-              <a:rPr lang="sv-SE" sz="4300" dirty="0">
-                <a:solidFill>
-                  <a:schemeClr val="accent1">
-                    <a:lumMod val="75000"/>
-                  </a:schemeClr>
-                </a:solidFill>
-              </a:rPr>
-              <a:t>&gt;4.0.0&lt;/</a:t>
-            </a:r>
-            <a:r>
-              <a:rPr lang="sv-SE" sz="4300" dirty="0" err="1">
-                <a:solidFill>
-                  <a:schemeClr val="accent1">
-                    <a:lumMod val="75000"/>
-                  </a:schemeClr>
-                </a:solidFill>
-              </a:rPr>
-              <a:t>modelVersion</a:t>
-            </a:r>
-            <a:r>
-              <a:rPr lang="sv-SE" sz="4300" dirty="0">
-                <a:solidFill>
-                  <a:schemeClr val="accent1">
-                    <a:lumMod val="75000"/>
-                  </a:schemeClr>
-                </a:solidFill>
-              </a:rPr>
-              <a:t>&gt;</a:t>
-            </a:r>
-            <a:br>
-              <a:rPr lang="sv-SE" sz="4300" dirty="0">
-                <a:solidFill>
-                  <a:schemeClr val="accent1">
-                    <a:lumMod val="75000"/>
-                  </a:schemeClr>
-                </a:solidFill>
-              </a:rPr>
-            </a:br>
-            <a:br>
-              <a:rPr lang="sv-SE" sz="4300" dirty="0">
-                <a:solidFill>
-                  <a:schemeClr val="accent1">
-                    <a:lumMod val="75000"/>
-                  </a:schemeClr>
-                </a:solidFill>
-              </a:rPr>
-            </a:br>
-            <a:r>
-              <a:rPr lang="sv-SE" sz="4300" dirty="0">
-                <a:solidFill>
-                  <a:schemeClr val="accent1">
-                    <a:lumMod val="75000"/>
-                  </a:schemeClr>
-                </a:solidFill>
-              </a:rPr>
-              <a:t>  &lt;</a:t>
-            </a:r>
-            <a:r>
-              <a:rPr lang="sv-SE" sz="4300" dirty="0" err="1">
-                <a:solidFill>
-                  <a:schemeClr val="accent1">
-                    <a:lumMod val="75000"/>
-                  </a:schemeClr>
-                </a:solidFill>
-              </a:rPr>
-              <a:t>groupId</a:t>
-            </a:r>
-            <a:r>
-              <a:rPr lang="sv-SE" sz="4300" dirty="0">
-                <a:solidFill>
-                  <a:schemeClr val="accent1">
-                    <a:lumMod val="75000"/>
-                  </a:schemeClr>
-                </a:solidFill>
-              </a:rPr>
-              <a:t>&gt;se.inte.group5&lt;/</a:t>
-            </a:r>
-            <a:r>
-              <a:rPr lang="sv-SE" sz="4300" dirty="0" err="1">
-                <a:solidFill>
-                  <a:schemeClr val="accent1">
-                    <a:lumMod val="75000"/>
-                  </a:schemeClr>
-                </a:solidFill>
-              </a:rPr>
-              <a:t>groupId</a:t>
-            </a:r>
-            <a:r>
-              <a:rPr lang="sv-SE" sz="4300" dirty="0">
-                <a:solidFill>
-                  <a:schemeClr val="accent1">
-                    <a:lumMod val="75000"/>
-                  </a:schemeClr>
-                </a:solidFill>
-              </a:rPr>
-              <a:t>&gt;</a:t>
-            </a:r>
-            <a:br>
-              <a:rPr lang="sv-SE" sz="4300" dirty="0">
-                <a:solidFill>
-                  <a:schemeClr val="accent1">
-                    <a:lumMod val="75000"/>
-                  </a:schemeClr>
-                </a:solidFill>
-              </a:rPr>
-            </a:br>
-            <a:r>
-              <a:rPr lang="sv-SE" sz="4300" dirty="0">
-                <a:solidFill>
-                  <a:schemeClr val="accent1">
-                    <a:lumMod val="75000"/>
-                  </a:schemeClr>
-                </a:solidFill>
-              </a:rPr>
-              <a:t>  &lt;</a:t>
-            </a:r>
-            <a:r>
-              <a:rPr lang="sv-SE" sz="4300" dirty="0" err="1">
-                <a:solidFill>
-                  <a:schemeClr val="accent1">
-                    <a:lumMod val="75000"/>
-                  </a:schemeClr>
-                </a:solidFill>
-              </a:rPr>
-              <a:t>artifactId</a:t>
-            </a:r>
-            <a:r>
-              <a:rPr lang="sv-SE" sz="4300" dirty="0">
-                <a:solidFill>
-                  <a:schemeClr val="accent1">
-                    <a:lumMod val="75000"/>
-                  </a:schemeClr>
-                </a:solidFill>
-              </a:rPr>
-              <a:t>&gt;</a:t>
-            </a:r>
-            <a:r>
-              <a:rPr lang="sv-SE" sz="4300" dirty="0" err="1">
-                <a:solidFill>
-                  <a:schemeClr val="accent1">
-                    <a:lumMod val="75000"/>
-                  </a:schemeClr>
-                </a:solidFill>
-              </a:rPr>
-              <a:t>InteGame</a:t>
-            </a:r>
-            <a:r>
-              <a:rPr lang="sv-SE" sz="4300" dirty="0">
-                <a:solidFill>
-                  <a:schemeClr val="accent1">
-                    <a:lumMod val="75000"/>
-                  </a:schemeClr>
-                </a:solidFill>
-              </a:rPr>
-              <a:t>&lt;/</a:t>
-            </a:r>
-            <a:r>
-              <a:rPr lang="sv-SE" sz="4300" dirty="0" err="1">
-                <a:solidFill>
-                  <a:schemeClr val="accent1">
-                    <a:lumMod val="75000"/>
-                  </a:schemeClr>
-                </a:solidFill>
-              </a:rPr>
-              <a:t>artifactId</a:t>
-            </a:r>
-            <a:r>
-              <a:rPr lang="sv-SE" sz="4300" dirty="0">
-                <a:solidFill>
-                  <a:schemeClr val="accent1">
-                    <a:lumMod val="75000"/>
-                  </a:schemeClr>
-                </a:solidFill>
-              </a:rPr>
-              <a:t>&gt;</a:t>
-            </a:r>
-            <a:br>
-              <a:rPr lang="sv-SE" sz="4300" dirty="0">
-                <a:solidFill>
-                  <a:schemeClr val="accent1">
-                    <a:lumMod val="75000"/>
-                  </a:schemeClr>
-                </a:solidFill>
-              </a:rPr>
-            </a:br>
-            <a:r>
-              <a:rPr lang="sv-SE" sz="4300" dirty="0">
-                <a:solidFill>
-                  <a:schemeClr val="accent1">
-                    <a:lumMod val="75000"/>
-                  </a:schemeClr>
-                </a:solidFill>
-              </a:rPr>
-              <a:t>  &lt;version&gt;1.0-SNAPSHOT&lt;/version&gt;</a:t>
-            </a:r>
-            <a:br>
-              <a:rPr lang="sv-SE" sz="4300" dirty="0">
-                <a:solidFill>
-                  <a:schemeClr val="accent1">
-                    <a:lumMod val="75000"/>
-                  </a:schemeClr>
-                </a:solidFill>
-              </a:rPr>
-            </a:br>
-            <a:br>
-              <a:rPr lang="sv-SE" sz="4300" dirty="0">
-                <a:solidFill>
-                  <a:schemeClr val="accent1">
-                    <a:lumMod val="75000"/>
-                  </a:schemeClr>
-                </a:solidFill>
-              </a:rPr>
-            </a:br>
-            <a:r>
-              <a:rPr lang="sv-SE" sz="4300" dirty="0">
-                <a:solidFill>
-                  <a:schemeClr val="accent1">
-                    <a:lumMod val="75000"/>
-                  </a:schemeClr>
-                </a:solidFill>
-              </a:rPr>
-              <a:t>  &lt;</a:t>
-            </a:r>
-            <a:r>
-              <a:rPr lang="sv-SE" sz="4300" dirty="0" err="1">
-                <a:solidFill>
-                  <a:schemeClr val="accent1">
-                    <a:lumMod val="75000"/>
-                  </a:schemeClr>
-                </a:solidFill>
-              </a:rPr>
-              <a:t>name</a:t>
-            </a:r>
-            <a:r>
-              <a:rPr lang="sv-SE" sz="4300" dirty="0">
-                <a:solidFill>
-                  <a:schemeClr val="accent1">
-                    <a:lumMod val="75000"/>
-                  </a:schemeClr>
-                </a:solidFill>
-              </a:rPr>
-              <a:t>&gt;</a:t>
-            </a:r>
-            <a:r>
-              <a:rPr lang="sv-SE" sz="4300" dirty="0" err="1">
-                <a:solidFill>
-                  <a:schemeClr val="accent1">
-                    <a:lumMod val="75000"/>
-                  </a:schemeClr>
-                </a:solidFill>
-              </a:rPr>
-              <a:t>InteGame</a:t>
-            </a:r>
-            <a:r>
-              <a:rPr lang="sv-SE" sz="4300" dirty="0">
-                <a:solidFill>
-                  <a:schemeClr val="accent1">
-                    <a:lumMod val="75000"/>
-                  </a:schemeClr>
-                </a:solidFill>
-              </a:rPr>
-              <a:t>&lt;/</a:t>
-            </a:r>
-            <a:r>
-              <a:rPr lang="sv-SE" sz="4300" dirty="0" err="1">
-                <a:solidFill>
-                  <a:schemeClr val="accent1">
-                    <a:lumMod val="75000"/>
-                  </a:schemeClr>
-                </a:solidFill>
-              </a:rPr>
-              <a:t>name</a:t>
-            </a:r>
-            <a:r>
-              <a:rPr lang="sv-SE" sz="4300" dirty="0">
-                <a:solidFill>
-                  <a:schemeClr val="accent1">
-                    <a:lumMod val="75000"/>
-                  </a:schemeClr>
-                </a:solidFill>
-              </a:rPr>
-              <a:t>&gt;</a:t>
-            </a:r>
-            <a:br>
-              <a:rPr lang="sv-SE" sz="4300" dirty="0">
-                <a:solidFill>
-                  <a:schemeClr val="accent1">
-                    <a:lumMod val="75000"/>
-                  </a:schemeClr>
-                </a:solidFill>
-              </a:rPr>
-            </a:br>
-            <a:br>
-              <a:rPr lang="sv-SE" sz="4300" dirty="0">
-                <a:solidFill>
-                  <a:schemeClr val="accent1">
-                    <a:lumMod val="75000"/>
-                  </a:schemeClr>
-                </a:solidFill>
-              </a:rPr>
-            </a:br>
-            <a:r>
-              <a:rPr lang="sv-SE" sz="4300" dirty="0">
-                <a:solidFill>
-                  <a:schemeClr val="accent1">
-                    <a:lumMod val="75000"/>
-                  </a:schemeClr>
-                </a:solidFill>
-              </a:rPr>
-              <a:t>  &lt;</a:t>
-            </a:r>
-            <a:r>
-              <a:rPr lang="sv-SE" sz="4300" dirty="0" err="1">
-                <a:solidFill>
-                  <a:schemeClr val="accent1">
-                    <a:lumMod val="75000"/>
-                  </a:schemeClr>
-                </a:solidFill>
-              </a:rPr>
-              <a:t>properties</a:t>
-            </a:r>
-            <a:r>
-              <a:rPr lang="sv-SE" sz="4300" dirty="0">
-                <a:solidFill>
-                  <a:schemeClr val="accent1">
-                    <a:lumMod val="75000"/>
-                  </a:schemeClr>
-                </a:solidFill>
-              </a:rPr>
-              <a:t>&gt;</a:t>
-            </a:r>
-            <a:br>
-              <a:rPr lang="sv-SE" sz="4300" dirty="0">
-                <a:solidFill>
-                  <a:schemeClr val="accent1">
-                    <a:lumMod val="75000"/>
-                  </a:schemeClr>
-                </a:solidFill>
-              </a:rPr>
-            </a:br>
-            <a:r>
-              <a:rPr lang="sv-SE" sz="4300" dirty="0">
-                <a:solidFill>
-                  <a:schemeClr val="accent1">
-                    <a:lumMod val="75000"/>
-                  </a:schemeClr>
-                </a:solidFill>
-              </a:rPr>
-              <a:t>    &lt;</a:t>
-            </a:r>
-            <a:r>
-              <a:rPr lang="sv-SE" sz="4300" dirty="0" err="1">
-                <a:solidFill>
-                  <a:schemeClr val="accent1">
-                    <a:lumMod val="75000"/>
-                  </a:schemeClr>
-                </a:solidFill>
-              </a:rPr>
-              <a:t>project.build.sourceEncoding</a:t>
-            </a:r>
-            <a:r>
-              <a:rPr lang="sv-SE" sz="4300" dirty="0">
-                <a:solidFill>
-                  <a:schemeClr val="accent1">
-                    <a:lumMod val="75000"/>
-                  </a:schemeClr>
-                </a:solidFill>
-              </a:rPr>
-              <a:t>&gt;UTF-8&lt;/</a:t>
-            </a:r>
-            <a:r>
-              <a:rPr lang="sv-SE" sz="4300" dirty="0" err="1">
-                <a:solidFill>
-                  <a:schemeClr val="accent1">
-                    <a:lumMod val="75000"/>
-                  </a:schemeClr>
-                </a:solidFill>
-              </a:rPr>
-              <a:t>project.build.sourceEncoding</a:t>
-            </a:r>
-            <a:r>
-              <a:rPr lang="sv-SE" sz="4300" dirty="0">
-                <a:solidFill>
-                  <a:schemeClr val="accent1">
-                    <a:lumMod val="75000"/>
-                  </a:schemeClr>
-                </a:solidFill>
-              </a:rPr>
-              <a:t>&gt;</a:t>
-            </a:r>
-            <a:br>
-              <a:rPr lang="sv-SE" sz="4300" dirty="0">
-                <a:solidFill>
-                  <a:schemeClr val="accent1">
-                    <a:lumMod val="75000"/>
-                  </a:schemeClr>
-                </a:solidFill>
-              </a:rPr>
-            </a:br>
-            <a:r>
-              <a:rPr lang="sv-SE" sz="4300" dirty="0">
-                <a:solidFill>
-                  <a:schemeClr val="accent1">
-                    <a:lumMod val="75000"/>
-                  </a:schemeClr>
-                </a:solidFill>
-              </a:rPr>
-              <a:t>    &lt;</a:t>
-            </a:r>
-            <a:r>
-              <a:rPr lang="sv-SE" sz="4300" dirty="0" err="1">
-                <a:solidFill>
-                  <a:schemeClr val="accent1">
-                    <a:lumMod val="75000"/>
-                  </a:schemeClr>
-                </a:solidFill>
-              </a:rPr>
-              <a:t>maven.compiler.source</a:t>
-            </a:r>
-            <a:r>
-              <a:rPr lang="sv-SE" sz="4300" dirty="0">
-                <a:solidFill>
-                  <a:schemeClr val="accent1">
-                    <a:lumMod val="75000"/>
-                  </a:schemeClr>
-                </a:solidFill>
-              </a:rPr>
-              <a:t>&gt;1.7&lt;/</a:t>
-            </a:r>
-            <a:r>
-              <a:rPr lang="sv-SE" sz="4300" dirty="0" err="1">
-                <a:solidFill>
-                  <a:schemeClr val="accent1">
-                    <a:lumMod val="75000"/>
-                  </a:schemeClr>
-                </a:solidFill>
-              </a:rPr>
-              <a:t>maven.compiler.source</a:t>
-            </a:r>
-            <a:r>
-              <a:rPr lang="sv-SE" sz="4300" dirty="0">
-                <a:solidFill>
-                  <a:schemeClr val="accent1">
-                    <a:lumMod val="75000"/>
-                  </a:schemeClr>
-                </a:solidFill>
-              </a:rPr>
-              <a:t>&gt;</a:t>
-            </a:r>
-            <a:br>
-              <a:rPr lang="sv-SE" sz="4300" dirty="0">
-                <a:solidFill>
-                  <a:schemeClr val="accent1">
-                    <a:lumMod val="75000"/>
-                  </a:schemeClr>
-                </a:solidFill>
-              </a:rPr>
-            </a:br>
-            <a:r>
-              <a:rPr lang="sv-SE" sz="4300" dirty="0">
-                <a:solidFill>
-                  <a:schemeClr val="accent1">
-                    <a:lumMod val="75000"/>
-                  </a:schemeClr>
-                </a:solidFill>
-              </a:rPr>
-              <a:t>    &lt;</a:t>
-            </a:r>
-            <a:r>
-              <a:rPr lang="sv-SE" sz="4300" dirty="0" err="1">
-                <a:solidFill>
-                  <a:schemeClr val="accent1">
-                    <a:lumMod val="75000"/>
-                  </a:schemeClr>
-                </a:solidFill>
-              </a:rPr>
-              <a:t>maven.compiler.target</a:t>
-            </a:r>
-            <a:r>
-              <a:rPr lang="sv-SE" sz="4300" dirty="0">
-                <a:solidFill>
-                  <a:schemeClr val="accent1">
-                    <a:lumMod val="75000"/>
-                  </a:schemeClr>
-                </a:solidFill>
-              </a:rPr>
-              <a:t>&gt;1.7&lt;/</a:t>
-            </a:r>
-            <a:r>
-              <a:rPr lang="sv-SE" sz="4300" dirty="0" err="1">
-                <a:solidFill>
-                  <a:schemeClr val="accent1">
-                    <a:lumMod val="75000"/>
-                  </a:schemeClr>
-                </a:solidFill>
-              </a:rPr>
-              <a:t>maven.compiler.target</a:t>
-            </a:r>
-            <a:r>
-              <a:rPr lang="sv-SE" sz="4300" dirty="0">
-                <a:solidFill>
-                  <a:schemeClr val="accent1">
-                    <a:lumMod val="75000"/>
-                  </a:schemeClr>
-                </a:solidFill>
-              </a:rPr>
-              <a:t>&gt;</a:t>
-            </a:r>
-            <a:br>
-              <a:rPr lang="sv-SE" sz="4300" dirty="0">
-                <a:solidFill>
-                  <a:schemeClr val="accent1">
-                    <a:lumMod val="75000"/>
-                  </a:schemeClr>
-                </a:solidFill>
-              </a:rPr>
-            </a:br>
-            <a:r>
-              <a:rPr lang="sv-SE" sz="4300" dirty="0">
-                <a:solidFill>
-                  <a:schemeClr val="accent1">
-                    <a:lumMod val="75000"/>
-                  </a:schemeClr>
-                </a:solidFill>
-              </a:rPr>
-              <a:t>  &lt;/</a:t>
-            </a:r>
-            <a:r>
-              <a:rPr lang="sv-SE" sz="4300" dirty="0" err="1">
-                <a:solidFill>
-                  <a:schemeClr val="accent1">
-                    <a:lumMod val="75000"/>
-                  </a:schemeClr>
-                </a:solidFill>
-              </a:rPr>
-              <a:t>properties</a:t>
-            </a:r>
-            <a:r>
-              <a:rPr lang="sv-SE" sz="4300" dirty="0">
-                <a:solidFill>
-                  <a:schemeClr val="accent1">
-                    <a:lumMod val="75000"/>
-                  </a:schemeClr>
-                </a:solidFill>
-              </a:rPr>
-              <a:t>&gt;</a:t>
-            </a:r>
-            <a:br>
-              <a:rPr lang="sv-SE" sz="4300" dirty="0">
-                <a:solidFill>
-                  <a:schemeClr val="accent1">
-                    <a:lumMod val="75000"/>
-                  </a:schemeClr>
-                </a:solidFill>
-              </a:rPr>
-            </a:br>
-            <a:br>
-              <a:rPr lang="sv-SE" sz="4300" dirty="0">
-                <a:solidFill>
-                  <a:schemeClr val="accent1">
-                    <a:lumMod val="75000"/>
-                  </a:schemeClr>
-                </a:solidFill>
-              </a:rPr>
-            </a:br>
-            <a:r>
-              <a:rPr lang="sv-SE" sz="4300" dirty="0">
-                <a:solidFill>
-                  <a:schemeClr val="accent1">
-                    <a:lumMod val="75000"/>
-                  </a:schemeClr>
-                </a:solidFill>
-              </a:rPr>
-              <a:t>  &lt;</a:t>
-            </a:r>
-            <a:r>
-              <a:rPr lang="sv-SE" sz="4300" dirty="0" err="1">
-                <a:solidFill>
-                  <a:schemeClr val="accent1">
-                    <a:lumMod val="75000"/>
-                  </a:schemeClr>
-                </a:solidFill>
-              </a:rPr>
-              <a:t>dependencies</a:t>
-            </a:r>
-            <a:r>
-              <a:rPr lang="sv-SE" sz="4300" dirty="0">
-                <a:solidFill>
-                  <a:schemeClr val="accent1">
-                    <a:lumMod val="75000"/>
-                  </a:schemeClr>
-                </a:solidFill>
-              </a:rPr>
-              <a:t>&gt;</a:t>
-            </a:r>
-            <a:br>
-              <a:rPr lang="sv-SE" sz="4300" dirty="0">
-                <a:solidFill>
-                  <a:schemeClr val="accent1">
-                    <a:lumMod val="75000"/>
-                  </a:schemeClr>
-                </a:solidFill>
-              </a:rPr>
-            </a:br>
-            <a:r>
-              <a:rPr lang="sv-SE" sz="4300" dirty="0">
-                <a:solidFill>
-                  <a:schemeClr val="accent1">
-                    <a:lumMod val="75000"/>
-                  </a:schemeClr>
-                </a:solidFill>
-              </a:rPr>
-              <a:t>    &lt;</a:t>
-            </a:r>
-            <a:r>
-              <a:rPr lang="sv-SE" sz="4300" dirty="0" err="1">
-                <a:solidFill>
-                  <a:schemeClr val="accent1">
-                    <a:lumMod val="75000"/>
-                  </a:schemeClr>
-                </a:solidFill>
-              </a:rPr>
-              <a:t>dependency</a:t>
-            </a:r>
-            <a:r>
-              <a:rPr lang="sv-SE" sz="4300" dirty="0">
-                <a:solidFill>
-                  <a:schemeClr val="accent1">
-                    <a:lumMod val="75000"/>
-                  </a:schemeClr>
-                </a:solidFill>
-              </a:rPr>
-              <a:t>&gt;</a:t>
-            </a:r>
-            <a:br>
-              <a:rPr lang="sv-SE" sz="4300" dirty="0">
-                <a:solidFill>
-                  <a:schemeClr val="accent1">
-                    <a:lumMod val="75000"/>
-                  </a:schemeClr>
-                </a:solidFill>
-              </a:rPr>
-            </a:br>
-            <a:r>
-              <a:rPr lang="sv-SE" sz="4300" dirty="0">
-                <a:solidFill>
-                  <a:schemeClr val="accent1">
-                    <a:lumMod val="75000"/>
-                  </a:schemeClr>
-                </a:solidFill>
-              </a:rPr>
-              <a:t>      &lt;</a:t>
-            </a:r>
-            <a:r>
-              <a:rPr lang="sv-SE" sz="4300" dirty="0" err="1">
-                <a:solidFill>
-                  <a:schemeClr val="accent1">
-                    <a:lumMod val="75000"/>
-                  </a:schemeClr>
-                </a:solidFill>
-              </a:rPr>
-              <a:t>groupId</a:t>
-            </a:r>
-            <a:r>
-              <a:rPr lang="sv-SE" sz="4300" dirty="0">
-                <a:solidFill>
-                  <a:schemeClr val="accent1">
-                    <a:lumMod val="75000"/>
-                  </a:schemeClr>
-                </a:solidFill>
-              </a:rPr>
-              <a:t>&gt;</a:t>
-            </a:r>
-            <a:r>
-              <a:rPr lang="sv-SE" sz="4300" dirty="0" err="1">
-                <a:solidFill>
-                  <a:schemeClr val="accent1">
-                    <a:lumMod val="75000"/>
-                  </a:schemeClr>
-                </a:solidFill>
-              </a:rPr>
-              <a:t>junit</a:t>
-            </a:r>
-            <a:r>
-              <a:rPr lang="sv-SE" sz="4300" dirty="0">
-                <a:solidFill>
-                  <a:schemeClr val="accent1">
-                    <a:lumMod val="75000"/>
-                  </a:schemeClr>
-                </a:solidFill>
-              </a:rPr>
-              <a:t>&lt;/</a:t>
-            </a:r>
-            <a:r>
-              <a:rPr lang="sv-SE" sz="4300" dirty="0" err="1">
-                <a:solidFill>
-                  <a:schemeClr val="accent1">
-                    <a:lumMod val="75000"/>
-                  </a:schemeClr>
-                </a:solidFill>
-              </a:rPr>
-              <a:t>groupId</a:t>
-            </a:r>
-            <a:r>
-              <a:rPr lang="sv-SE" sz="4300" dirty="0">
-                <a:solidFill>
-                  <a:schemeClr val="accent1">
-                    <a:lumMod val="75000"/>
-                  </a:schemeClr>
-                </a:solidFill>
-              </a:rPr>
-              <a:t>&gt;</a:t>
-            </a:r>
-            <a:br>
-              <a:rPr lang="sv-SE" sz="4300" dirty="0">
-                <a:solidFill>
-                  <a:schemeClr val="accent1">
-                    <a:lumMod val="75000"/>
-                  </a:schemeClr>
-                </a:solidFill>
-              </a:rPr>
-            </a:br>
-            <a:r>
-              <a:rPr lang="sv-SE" sz="4300" dirty="0">
-                <a:solidFill>
-                  <a:schemeClr val="accent1">
-                    <a:lumMod val="75000"/>
-                  </a:schemeClr>
-                </a:solidFill>
-              </a:rPr>
-              <a:t>      &lt;</a:t>
-            </a:r>
-            <a:r>
-              <a:rPr lang="sv-SE" sz="4300" dirty="0" err="1">
-                <a:solidFill>
-                  <a:schemeClr val="accent1">
-                    <a:lumMod val="75000"/>
-                  </a:schemeClr>
-                </a:solidFill>
-              </a:rPr>
-              <a:t>artifactId</a:t>
-            </a:r>
-            <a:r>
-              <a:rPr lang="sv-SE" sz="4300" dirty="0">
-                <a:solidFill>
-                  <a:schemeClr val="accent1">
-                    <a:lumMod val="75000"/>
-                  </a:schemeClr>
-                </a:solidFill>
-              </a:rPr>
-              <a:t>&gt;</a:t>
-            </a:r>
-            <a:r>
-              <a:rPr lang="sv-SE" sz="4300" dirty="0" err="1">
-                <a:solidFill>
-                  <a:schemeClr val="accent1">
-                    <a:lumMod val="75000"/>
-                  </a:schemeClr>
-                </a:solidFill>
-              </a:rPr>
-              <a:t>junit</a:t>
-            </a:r>
-            <a:r>
-              <a:rPr lang="sv-SE" sz="4300" dirty="0">
-                <a:solidFill>
-                  <a:schemeClr val="accent1">
-                    <a:lumMod val="75000"/>
-                  </a:schemeClr>
-                </a:solidFill>
-              </a:rPr>
-              <a:t>&lt;/</a:t>
-            </a:r>
-            <a:r>
-              <a:rPr lang="sv-SE" sz="4300" dirty="0" err="1">
-                <a:solidFill>
-                  <a:schemeClr val="accent1">
-                    <a:lumMod val="75000"/>
-                  </a:schemeClr>
-                </a:solidFill>
-              </a:rPr>
-              <a:t>artifactId</a:t>
-            </a:r>
-            <a:r>
-              <a:rPr lang="sv-SE" sz="4300" dirty="0">
-                <a:solidFill>
-                  <a:schemeClr val="accent1">
-                    <a:lumMod val="75000"/>
-                  </a:schemeClr>
-                </a:solidFill>
-              </a:rPr>
-              <a:t>&gt;</a:t>
-            </a:r>
-            <a:br>
-              <a:rPr lang="sv-SE" sz="4300" dirty="0">
-                <a:solidFill>
-                  <a:schemeClr val="accent1">
-                    <a:lumMod val="75000"/>
-                  </a:schemeClr>
-                </a:solidFill>
-              </a:rPr>
-            </a:br>
-            <a:r>
-              <a:rPr lang="sv-SE" sz="4300" dirty="0">
-                <a:solidFill>
-                  <a:schemeClr val="accent1">
-                    <a:lumMod val="75000"/>
-                  </a:schemeClr>
-                </a:solidFill>
-              </a:rPr>
-              <a:t>      &lt;version&gt;4.11&lt;/version&gt;</a:t>
-            </a:r>
-            <a:br>
-              <a:rPr lang="sv-SE" sz="4300" dirty="0">
-                <a:solidFill>
-                  <a:schemeClr val="accent1">
-                    <a:lumMod val="75000"/>
-                  </a:schemeClr>
-                </a:solidFill>
-              </a:rPr>
-            </a:br>
-            <a:r>
-              <a:rPr lang="sv-SE" sz="4300" dirty="0">
-                <a:solidFill>
-                  <a:schemeClr val="accent1">
-                    <a:lumMod val="75000"/>
-                  </a:schemeClr>
-                </a:solidFill>
-              </a:rPr>
-              <a:t>      &lt;</a:t>
-            </a:r>
-            <a:r>
-              <a:rPr lang="sv-SE" sz="4300" dirty="0" err="1">
-                <a:solidFill>
-                  <a:schemeClr val="accent1">
-                    <a:lumMod val="75000"/>
-                  </a:schemeClr>
-                </a:solidFill>
-              </a:rPr>
-              <a:t>scope</a:t>
-            </a:r>
-            <a:r>
-              <a:rPr lang="sv-SE" sz="4300" dirty="0">
-                <a:solidFill>
-                  <a:schemeClr val="accent1">
-                    <a:lumMod val="75000"/>
-                  </a:schemeClr>
-                </a:solidFill>
-              </a:rPr>
-              <a:t>&gt;test&lt;/</a:t>
-            </a:r>
-            <a:r>
-              <a:rPr lang="sv-SE" sz="4300" dirty="0" err="1">
-                <a:solidFill>
-                  <a:schemeClr val="accent1">
-                    <a:lumMod val="75000"/>
-                  </a:schemeClr>
-                </a:solidFill>
-              </a:rPr>
-              <a:t>scope</a:t>
-            </a:r>
-            <a:r>
-              <a:rPr lang="sv-SE" sz="4300" dirty="0">
-                <a:solidFill>
-                  <a:schemeClr val="accent1">
-                    <a:lumMod val="75000"/>
-                  </a:schemeClr>
-                </a:solidFill>
-              </a:rPr>
-              <a:t>&gt;</a:t>
-            </a:r>
-            <a:br>
-              <a:rPr lang="sv-SE" sz="4300" dirty="0">
-                <a:solidFill>
-                  <a:schemeClr val="accent1">
-                    <a:lumMod val="75000"/>
-                  </a:schemeClr>
-                </a:solidFill>
-              </a:rPr>
-            </a:br>
-            <a:r>
-              <a:rPr lang="sv-SE" sz="4300" dirty="0">
-                <a:solidFill>
-                  <a:schemeClr val="accent1">
-                    <a:lumMod val="75000"/>
-                  </a:schemeClr>
-                </a:solidFill>
-              </a:rPr>
-              <a:t>    &lt;/</a:t>
-            </a:r>
-            <a:r>
-              <a:rPr lang="sv-SE" sz="4300" dirty="0" err="1">
-                <a:solidFill>
-                  <a:schemeClr val="accent1">
-                    <a:lumMod val="75000"/>
-                  </a:schemeClr>
-                </a:solidFill>
-              </a:rPr>
-              <a:t>dependency</a:t>
-            </a:r>
-            <a:r>
-              <a:rPr lang="sv-SE" sz="4300" dirty="0">
-                <a:solidFill>
-                  <a:schemeClr val="accent1">
-                    <a:lumMod val="75000"/>
-                  </a:schemeClr>
-                </a:solidFill>
-              </a:rPr>
-              <a:t>&gt;</a:t>
-            </a:r>
-            <a:br>
-              <a:rPr lang="sv-SE" sz="4300" dirty="0">
-                <a:solidFill>
-                  <a:schemeClr val="accent1">
-                    <a:lumMod val="75000"/>
-                  </a:schemeClr>
-                </a:solidFill>
-              </a:rPr>
-            </a:br>
-            <a:r>
-              <a:rPr lang="sv-SE" sz="4300" dirty="0">
-                <a:solidFill>
-                  <a:schemeClr val="accent1">
-                    <a:lumMod val="75000"/>
-                  </a:schemeClr>
-                </a:solidFill>
-              </a:rPr>
-              <a:t>  &lt;/</a:t>
-            </a:r>
-            <a:r>
-              <a:rPr lang="sv-SE" sz="4300" dirty="0" err="1">
-                <a:solidFill>
-                  <a:schemeClr val="accent1">
-                    <a:lumMod val="75000"/>
-                  </a:schemeClr>
-                </a:solidFill>
-              </a:rPr>
-              <a:t>dependencies</a:t>
-            </a:r>
-            <a:r>
-              <a:rPr lang="sv-SE" sz="4300" dirty="0">
-                <a:solidFill>
-                  <a:schemeClr val="accent1">
-                    <a:lumMod val="75000"/>
-                  </a:schemeClr>
-                </a:solidFill>
-              </a:rPr>
-              <a:t>&gt;</a:t>
-            </a:r>
-            <a:br>
-              <a:rPr lang="sv-SE" sz="4300" dirty="0">
-                <a:solidFill>
-                  <a:schemeClr val="accent1">
-                    <a:lumMod val="75000"/>
-                  </a:schemeClr>
-                </a:solidFill>
-              </a:rPr>
-            </a:br>
-            <a:br>
-              <a:rPr lang="sv-SE" sz="4300" dirty="0">
-                <a:solidFill>
-                  <a:schemeClr val="accent1">
-                    <a:lumMod val="75000"/>
-                  </a:schemeClr>
-                </a:solidFill>
-              </a:rPr>
-            </a:br>
-            <a:r>
-              <a:rPr lang="sv-SE" sz="4300" dirty="0">
-                <a:solidFill>
-                  <a:schemeClr val="accent1">
-                    <a:lumMod val="75000"/>
-                  </a:schemeClr>
-                </a:solidFill>
-              </a:rPr>
-              <a:t>&lt;/</a:t>
-            </a:r>
-            <a:r>
-              <a:rPr lang="sv-SE" sz="4300" dirty="0" err="1">
-                <a:solidFill>
-                  <a:schemeClr val="accent1">
-                    <a:lumMod val="75000"/>
-                  </a:schemeClr>
-                </a:solidFill>
-              </a:rPr>
-              <a:t>project</a:t>
-            </a:r>
-            <a:r>
-              <a:rPr lang="sv-SE" sz="4300" dirty="0">
-                <a:solidFill>
-                  <a:schemeClr val="accent1">
-                    <a:lumMod val="75000"/>
-                  </a:schemeClr>
-                </a:solidFill>
-              </a:rPr>
-              <a:t>&gt;</a:t>
-            </a:r>
-            <a:endParaRPr lang="sv-SE" dirty="0">
-              <a:solidFill>
-                <a:schemeClr val="accent1">
-                  <a:lumMod val="75000"/>
-                </a:schemeClr>
-              </a:solidFill>
-            </a:endParaRPr>
-          </a:p>
-        </p:txBody>
-      </p:sp>
-    </p:spTree>
-    <p:custDataLst>
-      <p:tags r:id="rId1"/>
-    </p:custDataLst>
-    <p:extLst>
-      <p:ext uri="{BB962C8B-B14F-4D97-AF65-F5344CB8AC3E}">
-        <p14:creationId xmlns:p14="http://schemas.microsoft.com/office/powerpoint/2010/main" val="1633220100"/>
       </p:ext>
     </p:extLst>
   </p:cSld>
@@ -26196,6 +25653,1610 @@
     <p:extLst>
       <p:ext uri="{BB962C8B-B14F-4D97-AF65-F5344CB8AC3E}">
         <p14:creationId xmlns:p14="http://schemas.microsoft.com/office/powerpoint/2010/main" val="1173390620"/>
+      </p:ext>
+    </p:extLst>
+  </p:cSld>
+  <p:clrMapOvr>
+    <a:masterClrMapping/>
+  </p:clrMapOvr>
+</p:sld>
+</file>
+
+<file path=ppt/slides/slide40.xml><?xml version="1.0" encoding="utf-8"?>
+<p:sld xmlns:a="http://schemas.openxmlformats.org/drawingml/2006/main" xmlns:r="http://schemas.openxmlformats.org/officeDocument/2006/relationships" xmlns:p="http://schemas.openxmlformats.org/presentationml/2006/main">
+  <p:cSld>
+    <p:spTree>
+      <p:nvGrpSpPr>
+        <p:cNvPr id="1" name=""/>
+        <p:cNvGrpSpPr/>
+        <p:nvPr/>
+      </p:nvGrpSpPr>
+      <p:grpSpPr>
+        <a:xfrm>
+          <a:off x="0" y="0"/>
+          <a:ext cx="0" cy="0"/>
+          <a:chOff x="0" y="0"/>
+          <a:chExt cx="0" cy="0"/>
+        </a:xfrm>
+      </p:grpSpPr>
+      <p:sp>
+        <p:nvSpPr>
+          <p:cNvPr id="2" name="Rubrik 1"/>
+          <p:cNvSpPr>
+            <a:spLocks noGrp="1"/>
+          </p:cNvSpPr>
+          <p:nvPr>
+            <p:ph type="title"/>
+          </p:nvPr>
+        </p:nvSpPr>
+        <p:spPr>
+          <a:xfrm>
+            <a:off x="838200" y="365125"/>
+            <a:ext cx="10515600" cy="1325563"/>
+          </a:xfrm>
+        </p:spPr>
+        <p:txBody>
+          <a:bodyPr/>
+          <a:lstStyle/>
+          <a:p>
+            <a:r>
+              <a:rPr lang="sv-SE" dirty="0"/>
+              <a:t>Byggscript 2</a:t>
+            </a:r>
+          </a:p>
+        </p:txBody>
+      </p:sp>
+      <p:sp>
+        <p:nvSpPr>
+          <p:cNvPr id="4" name="Platshållare för innehåll 2">
+            <a:extLst>
+              <a:ext uri="{FF2B5EF4-FFF2-40B4-BE49-F238E27FC236}">
+                <a16:creationId xmlns:a16="http://schemas.microsoft.com/office/drawing/2014/main" id="{7502AE00-9333-EB4B-95D9-391326FD9AE0}"/>
+              </a:ext>
+            </a:extLst>
+          </p:cNvPr>
+          <p:cNvSpPr txBox="1">
+            <a:spLocks/>
+          </p:cNvSpPr>
+          <p:nvPr/>
+        </p:nvSpPr>
+        <p:spPr>
+          <a:xfrm>
+            <a:off x="6578600" y="1690688"/>
+            <a:ext cx="4775200" cy="4067175"/>
+          </a:xfrm>
+          <a:prstGeom prst="rect">
+            <a:avLst/>
+          </a:prstGeom>
+        </p:spPr>
+        <p:txBody>
+          <a:bodyPr vert="horz" lIns="91440" tIns="45720" rIns="91440" bIns="45720" rtlCol="0">
+            <a:normAutofit/>
+          </a:bodyPr>
+          <a:lstStyle>
+            <a:lvl1pPr marL="228600" indent="-228600" algn="l" defTabSz="914400" rtl="0" eaLnBrk="1" latinLnBrk="0" hangingPunct="1">
+              <a:lnSpc>
+                <a:spcPct val="90000"/>
+              </a:lnSpc>
+              <a:spcBef>
+                <a:spcPts val="1000"/>
+              </a:spcBef>
+              <a:buFont typeface="Arial" panose="020B0604020202020204" pitchFamily="34" charset="0"/>
+              <a:buChar char="•"/>
+              <a:defRPr sz="2800" kern="1200">
+                <a:solidFill>
+                  <a:schemeClr val="tx1"/>
+                </a:solidFill>
+                <a:latin typeface="+mn-lt"/>
+                <a:ea typeface="+mn-ea"/>
+                <a:cs typeface="+mn-cs"/>
+              </a:defRPr>
+            </a:lvl1pPr>
+            <a:lvl2pPr marL="685800" indent="-228600" algn="l" defTabSz="914400" rtl="0" eaLnBrk="1" latinLnBrk="0" hangingPunct="1">
+              <a:lnSpc>
+                <a:spcPct val="90000"/>
+              </a:lnSpc>
+              <a:spcBef>
+                <a:spcPts val="500"/>
+              </a:spcBef>
+              <a:buFont typeface="Arial" panose="020B0604020202020204" pitchFamily="34" charset="0"/>
+              <a:buChar char="•"/>
+              <a:defRPr sz="2400" kern="1200">
+                <a:solidFill>
+                  <a:schemeClr val="tx1"/>
+                </a:solidFill>
+                <a:latin typeface="+mn-lt"/>
+                <a:ea typeface="+mn-ea"/>
+                <a:cs typeface="+mn-cs"/>
+              </a:defRPr>
+            </a:lvl2pPr>
+            <a:lvl3pPr marL="1143000" indent="-228600" algn="l" defTabSz="914400" rtl="0" eaLnBrk="1" latinLnBrk="0" hangingPunct="1">
+              <a:lnSpc>
+                <a:spcPct val="90000"/>
+              </a:lnSpc>
+              <a:spcBef>
+                <a:spcPts val="500"/>
+              </a:spcBef>
+              <a:buFont typeface="Arial" panose="020B0604020202020204" pitchFamily="34" charset="0"/>
+              <a:buChar char="•"/>
+              <a:defRPr sz="2000" kern="1200">
+                <a:solidFill>
+                  <a:schemeClr val="tx1"/>
+                </a:solidFill>
+                <a:latin typeface="+mn-lt"/>
+                <a:ea typeface="+mn-ea"/>
+                <a:cs typeface="+mn-cs"/>
+              </a:defRPr>
+            </a:lvl3pPr>
+            <a:lvl4pPr marL="1600200" indent="-228600" algn="l" defTabSz="914400" rtl="0" eaLnBrk="1" latinLnBrk="0" hangingPunct="1">
+              <a:lnSpc>
+                <a:spcPct val="90000"/>
+              </a:lnSpc>
+              <a:spcBef>
+                <a:spcPts val="500"/>
+              </a:spcBef>
+              <a:buFont typeface="Arial" panose="020B0604020202020204" pitchFamily="34" charset="0"/>
+              <a:buChar char="•"/>
+              <a:defRPr sz="1800" kern="1200">
+                <a:solidFill>
+                  <a:schemeClr val="tx1"/>
+                </a:solidFill>
+                <a:latin typeface="+mn-lt"/>
+                <a:ea typeface="+mn-ea"/>
+                <a:cs typeface="+mn-cs"/>
+              </a:defRPr>
+            </a:lvl4pPr>
+            <a:lvl5pPr marL="2057400" indent="-228600" algn="l" defTabSz="914400" rtl="0" eaLnBrk="1" latinLnBrk="0" hangingPunct="1">
+              <a:lnSpc>
+                <a:spcPct val="90000"/>
+              </a:lnSpc>
+              <a:spcBef>
+                <a:spcPts val="500"/>
+              </a:spcBef>
+              <a:buFont typeface="Arial" panose="020B0604020202020204" pitchFamily="34" charset="0"/>
+              <a:buChar char="•"/>
+              <a:defRPr sz="1800" kern="1200">
+                <a:solidFill>
+                  <a:schemeClr val="tx1"/>
+                </a:solidFill>
+                <a:latin typeface="+mn-lt"/>
+                <a:ea typeface="+mn-ea"/>
+                <a:cs typeface="+mn-cs"/>
+              </a:defRPr>
+            </a:lvl5pPr>
+            <a:lvl6pPr marL="2514600" indent="-228600" algn="l" defTabSz="914400" rtl="0" eaLnBrk="1" latinLnBrk="0" hangingPunct="1">
+              <a:lnSpc>
+                <a:spcPct val="90000"/>
+              </a:lnSpc>
+              <a:spcBef>
+                <a:spcPts val="500"/>
+              </a:spcBef>
+              <a:buFont typeface="Arial" panose="020B0604020202020204" pitchFamily="34" charset="0"/>
+              <a:buChar char="•"/>
+              <a:defRPr sz="1800" kern="1200">
+                <a:solidFill>
+                  <a:schemeClr val="tx1"/>
+                </a:solidFill>
+                <a:latin typeface="+mn-lt"/>
+                <a:ea typeface="+mn-ea"/>
+                <a:cs typeface="+mn-cs"/>
+              </a:defRPr>
+            </a:lvl6pPr>
+            <a:lvl7pPr marL="2971800" indent="-228600" algn="l" defTabSz="914400" rtl="0" eaLnBrk="1" latinLnBrk="0" hangingPunct="1">
+              <a:lnSpc>
+                <a:spcPct val="90000"/>
+              </a:lnSpc>
+              <a:spcBef>
+                <a:spcPts val="500"/>
+              </a:spcBef>
+              <a:buFont typeface="Arial" panose="020B0604020202020204" pitchFamily="34" charset="0"/>
+              <a:buChar char="•"/>
+              <a:defRPr sz="1800" kern="1200">
+                <a:solidFill>
+                  <a:schemeClr val="tx1"/>
+                </a:solidFill>
+                <a:latin typeface="+mn-lt"/>
+                <a:ea typeface="+mn-ea"/>
+                <a:cs typeface="+mn-cs"/>
+              </a:defRPr>
+            </a:lvl7pPr>
+            <a:lvl8pPr marL="3429000" indent="-228600" algn="l" defTabSz="914400" rtl="0" eaLnBrk="1" latinLnBrk="0" hangingPunct="1">
+              <a:lnSpc>
+                <a:spcPct val="90000"/>
+              </a:lnSpc>
+              <a:spcBef>
+                <a:spcPts val="500"/>
+              </a:spcBef>
+              <a:buFont typeface="Arial" panose="020B0604020202020204" pitchFamily="34" charset="0"/>
+              <a:buChar char="•"/>
+              <a:defRPr sz="1800" kern="1200">
+                <a:solidFill>
+                  <a:schemeClr val="tx1"/>
+                </a:solidFill>
+                <a:latin typeface="+mn-lt"/>
+                <a:ea typeface="+mn-ea"/>
+                <a:cs typeface="+mn-cs"/>
+              </a:defRPr>
+            </a:lvl8pPr>
+            <a:lvl9pPr marL="3886200" indent="-228600" algn="l" defTabSz="914400" rtl="0" eaLnBrk="1" latinLnBrk="0" hangingPunct="1">
+              <a:lnSpc>
+                <a:spcPct val="90000"/>
+              </a:lnSpc>
+              <a:spcBef>
+                <a:spcPts val="500"/>
+              </a:spcBef>
+              <a:buFont typeface="Arial" panose="020B0604020202020204" pitchFamily="34" charset="0"/>
+              <a:buChar char="•"/>
+              <a:defRPr sz="1800" kern="1200">
+                <a:solidFill>
+                  <a:schemeClr val="tx1"/>
+                </a:solidFill>
+                <a:latin typeface="+mn-lt"/>
+                <a:ea typeface="+mn-ea"/>
+                <a:cs typeface="+mn-cs"/>
+              </a:defRPr>
+            </a:lvl9pPr>
+          </a:lstStyle>
+          <a:p>
+            <a:pPr marL="0" indent="0">
+              <a:buFont typeface="Arial" panose="020B0604020202020204" pitchFamily="34" charset="0"/>
+              <a:buNone/>
+            </a:pPr>
+            <a:endParaRPr lang="sv-SE" dirty="0"/>
+          </a:p>
+        </p:txBody>
+      </p:sp>
+      <p:sp>
+        <p:nvSpPr>
+          <p:cNvPr id="6" name="Content Placeholder 5">
+            <a:extLst>
+              <a:ext uri="{FF2B5EF4-FFF2-40B4-BE49-F238E27FC236}">
+                <a16:creationId xmlns:a16="http://schemas.microsoft.com/office/drawing/2014/main" id="{F0405698-C1F8-6044-B4CF-2285BC06E265}"/>
+              </a:ext>
+            </a:extLst>
+          </p:cNvPr>
+          <p:cNvSpPr>
+            <a:spLocks noGrp="1"/>
+          </p:cNvSpPr>
+          <p:nvPr>
+            <p:ph idx="1"/>
+          </p:nvPr>
+        </p:nvSpPr>
+        <p:spPr>
+          <a:xfrm>
+            <a:off x="838200" y="1548606"/>
+            <a:ext cx="10515600" cy="4351338"/>
+          </a:xfrm>
+        </p:spPr>
+        <p:txBody>
+          <a:bodyPr>
+            <a:normAutofit fontScale="32500" lnSpcReduction="20000"/>
+          </a:bodyPr>
+          <a:lstStyle/>
+          <a:p>
+            <a:pPr marL="0" indent="0">
+              <a:buNone/>
+            </a:pPr>
+            <a:r>
+              <a:rPr lang="sv-SE" sz="4300" dirty="0">
+                <a:solidFill>
+                  <a:schemeClr val="accent1">
+                    <a:lumMod val="75000"/>
+                  </a:schemeClr>
+                </a:solidFill>
+              </a:rPr>
+              <a:t>&lt;?</a:t>
+            </a:r>
+            <a:r>
+              <a:rPr lang="sv-SE" sz="4300" dirty="0" err="1">
+                <a:solidFill>
+                  <a:schemeClr val="accent1">
+                    <a:lumMod val="75000"/>
+                  </a:schemeClr>
+                </a:solidFill>
+              </a:rPr>
+              <a:t>xml</a:t>
+            </a:r>
+            <a:r>
+              <a:rPr lang="sv-SE" sz="4300" dirty="0">
+                <a:solidFill>
+                  <a:schemeClr val="accent1">
+                    <a:lumMod val="75000"/>
+                  </a:schemeClr>
+                </a:solidFill>
+              </a:rPr>
+              <a:t> version="1.0" </a:t>
+            </a:r>
+            <a:r>
+              <a:rPr lang="sv-SE" sz="4300" dirty="0" err="1">
+                <a:solidFill>
+                  <a:schemeClr val="accent1">
+                    <a:lumMod val="75000"/>
+                  </a:schemeClr>
+                </a:solidFill>
+              </a:rPr>
+              <a:t>encoding</a:t>
+            </a:r>
+            <a:r>
+              <a:rPr lang="sv-SE" sz="4300" dirty="0">
+                <a:solidFill>
+                  <a:schemeClr val="accent1">
+                    <a:lumMod val="75000"/>
+                  </a:schemeClr>
+                </a:solidFill>
+              </a:rPr>
+              <a:t>="UTF-8"?&gt;</a:t>
+            </a:r>
+            <a:br>
+              <a:rPr lang="sv-SE" sz="4300" dirty="0">
+                <a:solidFill>
+                  <a:schemeClr val="accent1">
+                    <a:lumMod val="75000"/>
+                  </a:schemeClr>
+                </a:solidFill>
+              </a:rPr>
+            </a:br>
+            <a:br>
+              <a:rPr lang="sv-SE" sz="4300" dirty="0">
+                <a:solidFill>
+                  <a:schemeClr val="accent1">
+                    <a:lumMod val="75000"/>
+                  </a:schemeClr>
+                </a:solidFill>
+              </a:rPr>
+            </a:br>
+            <a:r>
+              <a:rPr lang="sv-SE" sz="4300" dirty="0">
+                <a:solidFill>
+                  <a:schemeClr val="accent1">
+                    <a:lumMod val="75000"/>
+                  </a:schemeClr>
+                </a:solidFill>
+              </a:rPr>
+              <a:t>&lt;</a:t>
+            </a:r>
+            <a:r>
+              <a:rPr lang="sv-SE" sz="4300" dirty="0" err="1">
+                <a:solidFill>
+                  <a:schemeClr val="accent1">
+                    <a:lumMod val="75000"/>
+                  </a:schemeClr>
+                </a:solidFill>
+              </a:rPr>
+              <a:t>project</a:t>
+            </a:r>
+            <a:r>
+              <a:rPr lang="sv-SE" sz="4300" dirty="0">
+                <a:solidFill>
+                  <a:schemeClr val="accent1">
+                    <a:lumMod val="75000"/>
+                  </a:schemeClr>
+                </a:solidFill>
+              </a:rPr>
+              <a:t> </a:t>
+            </a:r>
+            <a:r>
+              <a:rPr lang="sv-SE" sz="4300" dirty="0" err="1">
+                <a:solidFill>
+                  <a:schemeClr val="accent1">
+                    <a:lumMod val="75000"/>
+                  </a:schemeClr>
+                </a:solidFill>
+              </a:rPr>
+              <a:t>xmlns</a:t>
+            </a:r>
+            <a:r>
+              <a:rPr lang="sv-SE" sz="4300" dirty="0">
+                <a:solidFill>
+                  <a:schemeClr val="accent1">
+                    <a:lumMod val="75000"/>
+                  </a:schemeClr>
+                </a:solidFill>
+              </a:rPr>
+              <a:t>="http://</a:t>
+            </a:r>
+            <a:r>
+              <a:rPr lang="sv-SE" sz="4300" dirty="0" err="1">
+                <a:solidFill>
+                  <a:schemeClr val="accent1">
+                    <a:lumMod val="75000"/>
+                  </a:schemeClr>
+                </a:solidFill>
+              </a:rPr>
+              <a:t>maven.apache.org</a:t>
+            </a:r>
+            <a:r>
+              <a:rPr lang="sv-SE" sz="4300" dirty="0">
+                <a:solidFill>
+                  <a:schemeClr val="accent1">
+                    <a:lumMod val="75000"/>
+                  </a:schemeClr>
+                </a:solidFill>
+              </a:rPr>
+              <a:t>/POM/4.0.0" </a:t>
+            </a:r>
+            <a:r>
+              <a:rPr lang="sv-SE" sz="4300" dirty="0" err="1">
+                <a:solidFill>
+                  <a:schemeClr val="accent1">
+                    <a:lumMod val="75000"/>
+                  </a:schemeClr>
+                </a:solidFill>
+              </a:rPr>
+              <a:t>xmlns:xsi</a:t>
+            </a:r>
+            <a:r>
+              <a:rPr lang="sv-SE" sz="4300" dirty="0">
+                <a:solidFill>
+                  <a:schemeClr val="accent1">
+                    <a:lumMod val="75000"/>
+                  </a:schemeClr>
+                </a:solidFill>
+              </a:rPr>
+              <a:t>="http://www.w3.org/2001/</a:t>
+            </a:r>
+            <a:r>
+              <a:rPr lang="sv-SE" sz="4300" dirty="0" err="1">
+                <a:solidFill>
+                  <a:schemeClr val="accent1">
+                    <a:lumMod val="75000"/>
+                  </a:schemeClr>
+                </a:solidFill>
+              </a:rPr>
+              <a:t>XMLSchema-instance</a:t>
+            </a:r>
+            <a:r>
+              <a:rPr lang="sv-SE" sz="4300" dirty="0">
+                <a:solidFill>
+                  <a:schemeClr val="accent1">
+                    <a:lumMod val="75000"/>
+                  </a:schemeClr>
+                </a:solidFill>
+              </a:rPr>
+              <a:t>"</a:t>
+            </a:r>
+            <a:br>
+              <a:rPr lang="sv-SE" sz="4300" dirty="0">
+                <a:solidFill>
+                  <a:schemeClr val="accent1">
+                    <a:lumMod val="75000"/>
+                  </a:schemeClr>
+                </a:solidFill>
+              </a:rPr>
+            </a:br>
+            <a:r>
+              <a:rPr lang="sv-SE" sz="4300" dirty="0">
+                <a:solidFill>
+                  <a:schemeClr val="accent1">
+                    <a:lumMod val="75000"/>
+                  </a:schemeClr>
+                </a:solidFill>
+              </a:rPr>
+              <a:t>  </a:t>
+            </a:r>
+            <a:r>
+              <a:rPr lang="sv-SE" sz="4300" dirty="0" err="1">
+                <a:solidFill>
+                  <a:schemeClr val="accent1">
+                    <a:lumMod val="75000"/>
+                  </a:schemeClr>
+                </a:solidFill>
+              </a:rPr>
+              <a:t>xsi:schemaLocation</a:t>
+            </a:r>
+            <a:r>
+              <a:rPr lang="sv-SE" sz="4300" dirty="0">
+                <a:solidFill>
+                  <a:schemeClr val="accent1">
+                    <a:lumMod val="75000"/>
+                  </a:schemeClr>
+                </a:solidFill>
+              </a:rPr>
+              <a:t>="http://</a:t>
+            </a:r>
+            <a:r>
+              <a:rPr lang="sv-SE" sz="4300" dirty="0" err="1">
+                <a:solidFill>
+                  <a:schemeClr val="accent1">
+                    <a:lumMod val="75000"/>
+                  </a:schemeClr>
+                </a:solidFill>
+              </a:rPr>
+              <a:t>maven.apache.org</a:t>
+            </a:r>
+            <a:r>
+              <a:rPr lang="sv-SE" sz="4300" dirty="0">
+                <a:solidFill>
+                  <a:schemeClr val="accent1">
+                    <a:lumMod val="75000"/>
+                  </a:schemeClr>
+                </a:solidFill>
+              </a:rPr>
+              <a:t>/POM/4.0.0 http://</a:t>
+            </a:r>
+            <a:r>
+              <a:rPr lang="sv-SE" sz="4300" dirty="0" err="1">
+                <a:solidFill>
+                  <a:schemeClr val="accent1">
+                    <a:lumMod val="75000"/>
+                  </a:schemeClr>
+                </a:solidFill>
+              </a:rPr>
+              <a:t>maven.apache.org</a:t>
+            </a:r>
+            <a:r>
+              <a:rPr lang="sv-SE" sz="4300" dirty="0">
+                <a:solidFill>
+                  <a:schemeClr val="accent1">
+                    <a:lumMod val="75000"/>
+                  </a:schemeClr>
+                </a:solidFill>
+              </a:rPr>
+              <a:t>/</a:t>
+            </a:r>
+            <a:r>
+              <a:rPr lang="sv-SE" sz="4300" dirty="0" err="1">
+                <a:solidFill>
+                  <a:schemeClr val="accent1">
+                    <a:lumMod val="75000"/>
+                  </a:schemeClr>
+                </a:solidFill>
+              </a:rPr>
+              <a:t>xsd</a:t>
+            </a:r>
+            <a:r>
+              <a:rPr lang="sv-SE" sz="4300" dirty="0">
+                <a:solidFill>
+                  <a:schemeClr val="accent1">
+                    <a:lumMod val="75000"/>
+                  </a:schemeClr>
+                </a:solidFill>
+              </a:rPr>
+              <a:t>/maven-4.0.0.xsd"&gt;</a:t>
+            </a:r>
+            <a:br>
+              <a:rPr lang="sv-SE" sz="4300" dirty="0">
+                <a:solidFill>
+                  <a:schemeClr val="accent1">
+                    <a:lumMod val="75000"/>
+                  </a:schemeClr>
+                </a:solidFill>
+              </a:rPr>
+            </a:br>
+            <a:r>
+              <a:rPr lang="sv-SE" sz="4300" dirty="0">
+                <a:solidFill>
+                  <a:schemeClr val="accent1">
+                    <a:lumMod val="75000"/>
+                  </a:schemeClr>
+                </a:solidFill>
+              </a:rPr>
+              <a:t>  &lt;</a:t>
+            </a:r>
+            <a:r>
+              <a:rPr lang="sv-SE" sz="4300" dirty="0" err="1">
+                <a:solidFill>
+                  <a:schemeClr val="accent1">
+                    <a:lumMod val="75000"/>
+                  </a:schemeClr>
+                </a:solidFill>
+              </a:rPr>
+              <a:t>modelVersion</a:t>
+            </a:r>
+            <a:r>
+              <a:rPr lang="sv-SE" sz="4300" dirty="0">
+                <a:solidFill>
+                  <a:schemeClr val="accent1">
+                    <a:lumMod val="75000"/>
+                  </a:schemeClr>
+                </a:solidFill>
+              </a:rPr>
+              <a:t>&gt;4.0.0&lt;/</a:t>
+            </a:r>
+            <a:r>
+              <a:rPr lang="sv-SE" sz="4300" dirty="0" err="1">
+                <a:solidFill>
+                  <a:schemeClr val="accent1">
+                    <a:lumMod val="75000"/>
+                  </a:schemeClr>
+                </a:solidFill>
+              </a:rPr>
+              <a:t>modelVersion</a:t>
+            </a:r>
+            <a:r>
+              <a:rPr lang="sv-SE" sz="4300" dirty="0">
+                <a:solidFill>
+                  <a:schemeClr val="accent1">
+                    <a:lumMod val="75000"/>
+                  </a:schemeClr>
+                </a:solidFill>
+              </a:rPr>
+              <a:t>&gt;</a:t>
+            </a:r>
+            <a:br>
+              <a:rPr lang="sv-SE" sz="4300" dirty="0">
+                <a:solidFill>
+                  <a:schemeClr val="accent1">
+                    <a:lumMod val="75000"/>
+                  </a:schemeClr>
+                </a:solidFill>
+              </a:rPr>
+            </a:br>
+            <a:br>
+              <a:rPr lang="sv-SE" sz="4300" dirty="0">
+                <a:solidFill>
+                  <a:schemeClr val="accent1">
+                    <a:lumMod val="75000"/>
+                  </a:schemeClr>
+                </a:solidFill>
+              </a:rPr>
+            </a:br>
+            <a:r>
+              <a:rPr lang="sv-SE" sz="4300" dirty="0">
+                <a:solidFill>
+                  <a:schemeClr val="accent1">
+                    <a:lumMod val="75000"/>
+                  </a:schemeClr>
+                </a:solidFill>
+              </a:rPr>
+              <a:t>  &lt;</a:t>
+            </a:r>
+            <a:r>
+              <a:rPr lang="sv-SE" sz="4300" dirty="0" err="1">
+                <a:solidFill>
+                  <a:schemeClr val="accent1">
+                    <a:lumMod val="75000"/>
+                  </a:schemeClr>
+                </a:solidFill>
+              </a:rPr>
+              <a:t>groupId</a:t>
+            </a:r>
+            <a:r>
+              <a:rPr lang="sv-SE" sz="4300" dirty="0">
+                <a:solidFill>
+                  <a:schemeClr val="accent1">
+                    <a:lumMod val="75000"/>
+                  </a:schemeClr>
+                </a:solidFill>
+              </a:rPr>
+              <a:t>&gt;se.inte.group5&lt;/</a:t>
+            </a:r>
+            <a:r>
+              <a:rPr lang="sv-SE" sz="4300" dirty="0" err="1">
+                <a:solidFill>
+                  <a:schemeClr val="accent1">
+                    <a:lumMod val="75000"/>
+                  </a:schemeClr>
+                </a:solidFill>
+              </a:rPr>
+              <a:t>groupId</a:t>
+            </a:r>
+            <a:r>
+              <a:rPr lang="sv-SE" sz="4300" dirty="0">
+                <a:solidFill>
+                  <a:schemeClr val="accent1">
+                    <a:lumMod val="75000"/>
+                  </a:schemeClr>
+                </a:solidFill>
+              </a:rPr>
+              <a:t>&gt;</a:t>
+            </a:r>
+            <a:br>
+              <a:rPr lang="sv-SE" sz="4300" dirty="0">
+                <a:solidFill>
+                  <a:schemeClr val="accent1">
+                    <a:lumMod val="75000"/>
+                  </a:schemeClr>
+                </a:solidFill>
+              </a:rPr>
+            </a:br>
+            <a:r>
+              <a:rPr lang="sv-SE" sz="4300" dirty="0">
+                <a:solidFill>
+                  <a:schemeClr val="accent1">
+                    <a:lumMod val="75000"/>
+                  </a:schemeClr>
+                </a:solidFill>
+              </a:rPr>
+              <a:t>  &lt;</a:t>
+            </a:r>
+            <a:r>
+              <a:rPr lang="sv-SE" sz="4300" dirty="0" err="1">
+                <a:solidFill>
+                  <a:schemeClr val="accent1">
+                    <a:lumMod val="75000"/>
+                  </a:schemeClr>
+                </a:solidFill>
+              </a:rPr>
+              <a:t>artifactId</a:t>
+            </a:r>
+            <a:r>
+              <a:rPr lang="sv-SE" sz="4300" dirty="0">
+                <a:solidFill>
+                  <a:schemeClr val="accent1">
+                    <a:lumMod val="75000"/>
+                  </a:schemeClr>
+                </a:solidFill>
+              </a:rPr>
+              <a:t>&gt;</a:t>
+            </a:r>
+            <a:r>
+              <a:rPr lang="sv-SE" sz="4300" dirty="0" err="1">
+                <a:solidFill>
+                  <a:schemeClr val="accent1">
+                    <a:lumMod val="75000"/>
+                  </a:schemeClr>
+                </a:solidFill>
+              </a:rPr>
+              <a:t>InteGame</a:t>
+            </a:r>
+            <a:r>
+              <a:rPr lang="sv-SE" sz="4300" dirty="0">
+                <a:solidFill>
+                  <a:schemeClr val="accent1">
+                    <a:lumMod val="75000"/>
+                  </a:schemeClr>
+                </a:solidFill>
+              </a:rPr>
+              <a:t>&lt;/</a:t>
+            </a:r>
+            <a:r>
+              <a:rPr lang="sv-SE" sz="4300" dirty="0" err="1">
+                <a:solidFill>
+                  <a:schemeClr val="accent1">
+                    <a:lumMod val="75000"/>
+                  </a:schemeClr>
+                </a:solidFill>
+              </a:rPr>
+              <a:t>artifactId</a:t>
+            </a:r>
+            <a:r>
+              <a:rPr lang="sv-SE" sz="4300" dirty="0">
+                <a:solidFill>
+                  <a:schemeClr val="accent1">
+                    <a:lumMod val="75000"/>
+                  </a:schemeClr>
+                </a:solidFill>
+              </a:rPr>
+              <a:t>&gt;</a:t>
+            </a:r>
+            <a:br>
+              <a:rPr lang="sv-SE" sz="4300" dirty="0">
+                <a:solidFill>
+                  <a:schemeClr val="accent1">
+                    <a:lumMod val="75000"/>
+                  </a:schemeClr>
+                </a:solidFill>
+              </a:rPr>
+            </a:br>
+            <a:r>
+              <a:rPr lang="sv-SE" sz="4300" dirty="0">
+                <a:solidFill>
+                  <a:schemeClr val="accent1">
+                    <a:lumMod val="75000"/>
+                  </a:schemeClr>
+                </a:solidFill>
+              </a:rPr>
+              <a:t>  &lt;version&gt;1.0-SNAPSHOT&lt;/version&gt;</a:t>
+            </a:r>
+            <a:br>
+              <a:rPr lang="sv-SE" sz="4300" dirty="0">
+                <a:solidFill>
+                  <a:schemeClr val="accent1">
+                    <a:lumMod val="75000"/>
+                  </a:schemeClr>
+                </a:solidFill>
+              </a:rPr>
+            </a:br>
+            <a:br>
+              <a:rPr lang="sv-SE" sz="4300" dirty="0">
+                <a:solidFill>
+                  <a:schemeClr val="accent1">
+                    <a:lumMod val="75000"/>
+                  </a:schemeClr>
+                </a:solidFill>
+              </a:rPr>
+            </a:br>
+            <a:r>
+              <a:rPr lang="sv-SE" sz="4300" dirty="0">
+                <a:solidFill>
+                  <a:schemeClr val="accent1">
+                    <a:lumMod val="75000"/>
+                  </a:schemeClr>
+                </a:solidFill>
+              </a:rPr>
+              <a:t>  &lt;</a:t>
+            </a:r>
+            <a:r>
+              <a:rPr lang="sv-SE" sz="4300" dirty="0" err="1">
+                <a:solidFill>
+                  <a:schemeClr val="accent1">
+                    <a:lumMod val="75000"/>
+                  </a:schemeClr>
+                </a:solidFill>
+              </a:rPr>
+              <a:t>name</a:t>
+            </a:r>
+            <a:r>
+              <a:rPr lang="sv-SE" sz="4300" dirty="0">
+                <a:solidFill>
+                  <a:schemeClr val="accent1">
+                    <a:lumMod val="75000"/>
+                  </a:schemeClr>
+                </a:solidFill>
+              </a:rPr>
+              <a:t>&gt;</a:t>
+            </a:r>
+            <a:r>
+              <a:rPr lang="sv-SE" sz="4300" dirty="0" err="1">
+                <a:solidFill>
+                  <a:schemeClr val="accent1">
+                    <a:lumMod val="75000"/>
+                  </a:schemeClr>
+                </a:solidFill>
+              </a:rPr>
+              <a:t>InteGame</a:t>
+            </a:r>
+            <a:r>
+              <a:rPr lang="sv-SE" sz="4300" dirty="0">
+                <a:solidFill>
+                  <a:schemeClr val="accent1">
+                    <a:lumMod val="75000"/>
+                  </a:schemeClr>
+                </a:solidFill>
+              </a:rPr>
+              <a:t>&lt;/</a:t>
+            </a:r>
+            <a:r>
+              <a:rPr lang="sv-SE" sz="4300" dirty="0" err="1">
+                <a:solidFill>
+                  <a:schemeClr val="accent1">
+                    <a:lumMod val="75000"/>
+                  </a:schemeClr>
+                </a:solidFill>
+              </a:rPr>
+              <a:t>name</a:t>
+            </a:r>
+            <a:r>
+              <a:rPr lang="sv-SE" sz="4300" dirty="0">
+                <a:solidFill>
+                  <a:schemeClr val="accent1">
+                    <a:lumMod val="75000"/>
+                  </a:schemeClr>
+                </a:solidFill>
+              </a:rPr>
+              <a:t>&gt;</a:t>
+            </a:r>
+            <a:br>
+              <a:rPr lang="sv-SE" sz="4300" dirty="0">
+                <a:solidFill>
+                  <a:schemeClr val="accent1">
+                    <a:lumMod val="75000"/>
+                  </a:schemeClr>
+                </a:solidFill>
+              </a:rPr>
+            </a:br>
+            <a:br>
+              <a:rPr lang="sv-SE" sz="4300" dirty="0">
+                <a:solidFill>
+                  <a:schemeClr val="accent1">
+                    <a:lumMod val="75000"/>
+                  </a:schemeClr>
+                </a:solidFill>
+              </a:rPr>
+            </a:br>
+            <a:r>
+              <a:rPr lang="sv-SE" sz="4300" dirty="0">
+                <a:solidFill>
+                  <a:schemeClr val="accent1">
+                    <a:lumMod val="75000"/>
+                  </a:schemeClr>
+                </a:solidFill>
+              </a:rPr>
+              <a:t>  &lt;</a:t>
+            </a:r>
+            <a:r>
+              <a:rPr lang="sv-SE" sz="4300" dirty="0" err="1">
+                <a:solidFill>
+                  <a:schemeClr val="accent1">
+                    <a:lumMod val="75000"/>
+                  </a:schemeClr>
+                </a:solidFill>
+              </a:rPr>
+              <a:t>properties</a:t>
+            </a:r>
+            <a:r>
+              <a:rPr lang="sv-SE" sz="4300" dirty="0">
+                <a:solidFill>
+                  <a:schemeClr val="accent1">
+                    <a:lumMod val="75000"/>
+                  </a:schemeClr>
+                </a:solidFill>
+              </a:rPr>
+              <a:t>&gt;</a:t>
+            </a:r>
+            <a:br>
+              <a:rPr lang="sv-SE" sz="4300" dirty="0">
+                <a:solidFill>
+                  <a:schemeClr val="accent1">
+                    <a:lumMod val="75000"/>
+                  </a:schemeClr>
+                </a:solidFill>
+              </a:rPr>
+            </a:br>
+            <a:r>
+              <a:rPr lang="sv-SE" sz="4300" dirty="0">
+                <a:solidFill>
+                  <a:schemeClr val="accent1">
+                    <a:lumMod val="75000"/>
+                  </a:schemeClr>
+                </a:solidFill>
+              </a:rPr>
+              <a:t>    &lt;</a:t>
+            </a:r>
+            <a:r>
+              <a:rPr lang="sv-SE" sz="4300" dirty="0" err="1">
+                <a:solidFill>
+                  <a:schemeClr val="accent1">
+                    <a:lumMod val="75000"/>
+                  </a:schemeClr>
+                </a:solidFill>
+              </a:rPr>
+              <a:t>project.build.sourceEncoding</a:t>
+            </a:r>
+            <a:r>
+              <a:rPr lang="sv-SE" sz="4300" dirty="0">
+                <a:solidFill>
+                  <a:schemeClr val="accent1">
+                    <a:lumMod val="75000"/>
+                  </a:schemeClr>
+                </a:solidFill>
+              </a:rPr>
+              <a:t>&gt;UTF-8&lt;/</a:t>
+            </a:r>
+            <a:r>
+              <a:rPr lang="sv-SE" sz="4300" dirty="0" err="1">
+                <a:solidFill>
+                  <a:schemeClr val="accent1">
+                    <a:lumMod val="75000"/>
+                  </a:schemeClr>
+                </a:solidFill>
+              </a:rPr>
+              <a:t>project.build.sourceEncoding</a:t>
+            </a:r>
+            <a:r>
+              <a:rPr lang="sv-SE" sz="4300" dirty="0">
+                <a:solidFill>
+                  <a:schemeClr val="accent1">
+                    <a:lumMod val="75000"/>
+                  </a:schemeClr>
+                </a:solidFill>
+              </a:rPr>
+              <a:t>&gt;</a:t>
+            </a:r>
+            <a:br>
+              <a:rPr lang="sv-SE" sz="4300" dirty="0">
+                <a:solidFill>
+                  <a:schemeClr val="accent1">
+                    <a:lumMod val="75000"/>
+                  </a:schemeClr>
+                </a:solidFill>
+              </a:rPr>
+            </a:br>
+            <a:r>
+              <a:rPr lang="sv-SE" sz="4300" dirty="0">
+                <a:solidFill>
+                  <a:schemeClr val="accent1">
+                    <a:lumMod val="75000"/>
+                  </a:schemeClr>
+                </a:solidFill>
+              </a:rPr>
+              <a:t>    &lt;</a:t>
+            </a:r>
+            <a:r>
+              <a:rPr lang="sv-SE" sz="4300" dirty="0" err="1">
+                <a:solidFill>
+                  <a:schemeClr val="accent1">
+                    <a:lumMod val="75000"/>
+                  </a:schemeClr>
+                </a:solidFill>
+              </a:rPr>
+              <a:t>maven.compiler.source</a:t>
+            </a:r>
+            <a:r>
+              <a:rPr lang="sv-SE" sz="4300" dirty="0">
+                <a:solidFill>
+                  <a:schemeClr val="accent1">
+                    <a:lumMod val="75000"/>
+                  </a:schemeClr>
+                </a:solidFill>
+              </a:rPr>
+              <a:t>&gt;1.7&lt;/</a:t>
+            </a:r>
+            <a:r>
+              <a:rPr lang="sv-SE" sz="4300" dirty="0" err="1">
+                <a:solidFill>
+                  <a:schemeClr val="accent1">
+                    <a:lumMod val="75000"/>
+                  </a:schemeClr>
+                </a:solidFill>
+              </a:rPr>
+              <a:t>maven.compiler.source</a:t>
+            </a:r>
+            <a:r>
+              <a:rPr lang="sv-SE" sz="4300" dirty="0">
+                <a:solidFill>
+                  <a:schemeClr val="accent1">
+                    <a:lumMod val="75000"/>
+                  </a:schemeClr>
+                </a:solidFill>
+              </a:rPr>
+              <a:t>&gt;</a:t>
+            </a:r>
+            <a:br>
+              <a:rPr lang="sv-SE" sz="4300" dirty="0">
+                <a:solidFill>
+                  <a:schemeClr val="accent1">
+                    <a:lumMod val="75000"/>
+                  </a:schemeClr>
+                </a:solidFill>
+              </a:rPr>
+            </a:br>
+            <a:r>
+              <a:rPr lang="sv-SE" sz="4300" dirty="0">
+                <a:solidFill>
+                  <a:schemeClr val="accent1">
+                    <a:lumMod val="75000"/>
+                  </a:schemeClr>
+                </a:solidFill>
+              </a:rPr>
+              <a:t>    &lt;</a:t>
+            </a:r>
+            <a:r>
+              <a:rPr lang="sv-SE" sz="4300" dirty="0" err="1">
+                <a:solidFill>
+                  <a:schemeClr val="accent1">
+                    <a:lumMod val="75000"/>
+                  </a:schemeClr>
+                </a:solidFill>
+              </a:rPr>
+              <a:t>maven.compiler.target</a:t>
+            </a:r>
+            <a:r>
+              <a:rPr lang="sv-SE" sz="4300" dirty="0">
+                <a:solidFill>
+                  <a:schemeClr val="accent1">
+                    <a:lumMod val="75000"/>
+                  </a:schemeClr>
+                </a:solidFill>
+              </a:rPr>
+              <a:t>&gt;1.7&lt;/</a:t>
+            </a:r>
+            <a:r>
+              <a:rPr lang="sv-SE" sz="4300" dirty="0" err="1">
+                <a:solidFill>
+                  <a:schemeClr val="accent1">
+                    <a:lumMod val="75000"/>
+                  </a:schemeClr>
+                </a:solidFill>
+              </a:rPr>
+              <a:t>maven.compiler.target</a:t>
+            </a:r>
+            <a:r>
+              <a:rPr lang="sv-SE" sz="4300" dirty="0">
+                <a:solidFill>
+                  <a:schemeClr val="accent1">
+                    <a:lumMod val="75000"/>
+                  </a:schemeClr>
+                </a:solidFill>
+              </a:rPr>
+              <a:t>&gt;</a:t>
+            </a:r>
+            <a:br>
+              <a:rPr lang="sv-SE" sz="4300" dirty="0">
+                <a:solidFill>
+                  <a:schemeClr val="accent1">
+                    <a:lumMod val="75000"/>
+                  </a:schemeClr>
+                </a:solidFill>
+              </a:rPr>
+            </a:br>
+            <a:r>
+              <a:rPr lang="sv-SE" sz="4300" dirty="0">
+                <a:solidFill>
+                  <a:schemeClr val="accent1">
+                    <a:lumMod val="75000"/>
+                  </a:schemeClr>
+                </a:solidFill>
+              </a:rPr>
+              <a:t>  &lt;/</a:t>
+            </a:r>
+            <a:r>
+              <a:rPr lang="sv-SE" sz="4300" dirty="0" err="1">
+                <a:solidFill>
+                  <a:schemeClr val="accent1">
+                    <a:lumMod val="75000"/>
+                  </a:schemeClr>
+                </a:solidFill>
+              </a:rPr>
+              <a:t>properties</a:t>
+            </a:r>
+            <a:r>
+              <a:rPr lang="sv-SE" sz="4300" dirty="0">
+                <a:solidFill>
+                  <a:schemeClr val="accent1">
+                    <a:lumMod val="75000"/>
+                  </a:schemeClr>
+                </a:solidFill>
+              </a:rPr>
+              <a:t>&gt;</a:t>
+            </a:r>
+            <a:br>
+              <a:rPr lang="sv-SE" sz="4300" dirty="0">
+                <a:solidFill>
+                  <a:schemeClr val="accent1">
+                    <a:lumMod val="75000"/>
+                  </a:schemeClr>
+                </a:solidFill>
+              </a:rPr>
+            </a:br>
+            <a:br>
+              <a:rPr lang="sv-SE" sz="4300" dirty="0">
+                <a:solidFill>
+                  <a:schemeClr val="accent1">
+                    <a:lumMod val="75000"/>
+                  </a:schemeClr>
+                </a:solidFill>
+              </a:rPr>
+            </a:br>
+            <a:r>
+              <a:rPr lang="sv-SE" sz="4300" dirty="0">
+                <a:solidFill>
+                  <a:schemeClr val="accent1">
+                    <a:lumMod val="75000"/>
+                  </a:schemeClr>
+                </a:solidFill>
+              </a:rPr>
+              <a:t>  &lt;</a:t>
+            </a:r>
+            <a:r>
+              <a:rPr lang="sv-SE" sz="4300" dirty="0" err="1">
+                <a:solidFill>
+                  <a:schemeClr val="accent1">
+                    <a:lumMod val="75000"/>
+                  </a:schemeClr>
+                </a:solidFill>
+              </a:rPr>
+              <a:t>dependencies</a:t>
+            </a:r>
+            <a:r>
+              <a:rPr lang="sv-SE" sz="4300" dirty="0">
+                <a:solidFill>
+                  <a:schemeClr val="accent1">
+                    <a:lumMod val="75000"/>
+                  </a:schemeClr>
+                </a:solidFill>
+              </a:rPr>
+              <a:t>&gt;</a:t>
+            </a:r>
+            <a:br>
+              <a:rPr lang="sv-SE" sz="4300" dirty="0">
+                <a:solidFill>
+                  <a:schemeClr val="accent1">
+                    <a:lumMod val="75000"/>
+                  </a:schemeClr>
+                </a:solidFill>
+              </a:rPr>
+            </a:br>
+            <a:r>
+              <a:rPr lang="sv-SE" sz="4300" dirty="0">
+                <a:solidFill>
+                  <a:schemeClr val="accent1">
+                    <a:lumMod val="75000"/>
+                  </a:schemeClr>
+                </a:solidFill>
+              </a:rPr>
+              <a:t>    &lt;</a:t>
+            </a:r>
+            <a:r>
+              <a:rPr lang="sv-SE" sz="4300" dirty="0" err="1">
+                <a:solidFill>
+                  <a:schemeClr val="accent1">
+                    <a:lumMod val="75000"/>
+                  </a:schemeClr>
+                </a:solidFill>
+              </a:rPr>
+              <a:t>dependency</a:t>
+            </a:r>
+            <a:r>
+              <a:rPr lang="sv-SE" sz="4300" dirty="0">
+                <a:solidFill>
+                  <a:schemeClr val="accent1">
+                    <a:lumMod val="75000"/>
+                  </a:schemeClr>
+                </a:solidFill>
+              </a:rPr>
+              <a:t>&gt;</a:t>
+            </a:r>
+            <a:br>
+              <a:rPr lang="sv-SE" sz="4300" dirty="0">
+                <a:solidFill>
+                  <a:schemeClr val="accent1">
+                    <a:lumMod val="75000"/>
+                  </a:schemeClr>
+                </a:solidFill>
+              </a:rPr>
+            </a:br>
+            <a:r>
+              <a:rPr lang="sv-SE" sz="4300" dirty="0">
+                <a:solidFill>
+                  <a:schemeClr val="accent1">
+                    <a:lumMod val="75000"/>
+                  </a:schemeClr>
+                </a:solidFill>
+              </a:rPr>
+              <a:t>      &lt;</a:t>
+            </a:r>
+            <a:r>
+              <a:rPr lang="sv-SE" sz="4300" dirty="0" err="1">
+                <a:solidFill>
+                  <a:schemeClr val="accent1">
+                    <a:lumMod val="75000"/>
+                  </a:schemeClr>
+                </a:solidFill>
+              </a:rPr>
+              <a:t>groupId</a:t>
+            </a:r>
+            <a:r>
+              <a:rPr lang="sv-SE" sz="4300" dirty="0">
+                <a:solidFill>
+                  <a:schemeClr val="accent1">
+                    <a:lumMod val="75000"/>
+                  </a:schemeClr>
+                </a:solidFill>
+              </a:rPr>
+              <a:t>&gt;</a:t>
+            </a:r>
+            <a:r>
+              <a:rPr lang="sv-SE" sz="4300" dirty="0" err="1">
+                <a:solidFill>
+                  <a:schemeClr val="accent1">
+                    <a:lumMod val="75000"/>
+                  </a:schemeClr>
+                </a:solidFill>
+              </a:rPr>
+              <a:t>junit</a:t>
+            </a:r>
+            <a:r>
+              <a:rPr lang="sv-SE" sz="4300" dirty="0">
+                <a:solidFill>
+                  <a:schemeClr val="accent1">
+                    <a:lumMod val="75000"/>
+                  </a:schemeClr>
+                </a:solidFill>
+              </a:rPr>
+              <a:t>&lt;/</a:t>
+            </a:r>
+            <a:r>
+              <a:rPr lang="sv-SE" sz="4300" dirty="0" err="1">
+                <a:solidFill>
+                  <a:schemeClr val="accent1">
+                    <a:lumMod val="75000"/>
+                  </a:schemeClr>
+                </a:solidFill>
+              </a:rPr>
+              <a:t>groupId</a:t>
+            </a:r>
+            <a:r>
+              <a:rPr lang="sv-SE" sz="4300" dirty="0">
+                <a:solidFill>
+                  <a:schemeClr val="accent1">
+                    <a:lumMod val="75000"/>
+                  </a:schemeClr>
+                </a:solidFill>
+              </a:rPr>
+              <a:t>&gt;</a:t>
+            </a:r>
+            <a:br>
+              <a:rPr lang="sv-SE" sz="4300" dirty="0">
+                <a:solidFill>
+                  <a:schemeClr val="accent1">
+                    <a:lumMod val="75000"/>
+                  </a:schemeClr>
+                </a:solidFill>
+              </a:rPr>
+            </a:br>
+            <a:r>
+              <a:rPr lang="sv-SE" sz="4300" dirty="0">
+                <a:solidFill>
+                  <a:schemeClr val="accent1">
+                    <a:lumMod val="75000"/>
+                  </a:schemeClr>
+                </a:solidFill>
+              </a:rPr>
+              <a:t>      &lt;</a:t>
+            </a:r>
+            <a:r>
+              <a:rPr lang="sv-SE" sz="4300" dirty="0" err="1">
+                <a:solidFill>
+                  <a:schemeClr val="accent1">
+                    <a:lumMod val="75000"/>
+                  </a:schemeClr>
+                </a:solidFill>
+              </a:rPr>
+              <a:t>artifactId</a:t>
+            </a:r>
+            <a:r>
+              <a:rPr lang="sv-SE" sz="4300" dirty="0">
+                <a:solidFill>
+                  <a:schemeClr val="accent1">
+                    <a:lumMod val="75000"/>
+                  </a:schemeClr>
+                </a:solidFill>
+              </a:rPr>
+              <a:t>&gt;</a:t>
+            </a:r>
+            <a:r>
+              <a:rPr lang="sv-SE" sz="4300" dirty="0" err="1">
+                <a:solidFill>
+                  <a:schemeClr val="accent1">
+                    <a:lumMod val="75000"/>
+                  </a:schemeClr>
+                </a:solidFill>
+              </a:rPr>
+              <a:t>junit</a:t>
+            </a:r>
+            <a:r>
+              <a:rPr lang="sv-SE" sz="4300" dirty="0">
+                <a:solidFill>
+                  <a:schemeClr val="accent1">
+                    <a:lumMod val="75000"/>
+                  </a:schemeClr>
+                </a:solidFill>
+              </a:rPr>
+              <a:t>&lt;/</a:t>
+            </a:r>
+            <a:r>
+              <a:rPr lang="sv-SE" sz="4300" dirty="0" err="1">
+                <a:solidFill>
+                  <a:schemeClr val="accent1">
+                    <a:lumMod val="75000"/>
+                  </a:schemeClr>
+                </a:solidFill>
+              </a:rPr>
+              <a:t>artifactId</a:t>
+            </a:r>
+            <a:r>
+              <a:rPr lang="sv-SE" sz="4300" dirty="0">
+                <a:solidFill>
+                  <a:schemeClr val="accent1">
+                    <a:lumMod val="75000"/>
+                  </a:schemeClr>
+                </a:solidFill>
+              </a:rPr>
+              <a:t>&gt;</a:t>
+            </a:r>
+            <a:br>
+              <a:rPr lang="sv-SE" sz="4300" dirty="0">
+                <a:solidFill>
+                  <a:schemeClr val="accent1">
+                    <a:lumMod val="75000"/>
+                  </a:schemeClr>
+                </a:solidFill>
+              </a:rPr>
+            </a:br>
+            <a:r>
+              <a:rPr lang="sv-SE" sz="4300" dirty="0">
+                <a:solidFill>
+                  <a:schemeClr val="accent1">
+                    <a:lumMod val="75000"/>
+                  </a:schemeClr>
+                </a:solidFill>
+              </a:rPr>
+              <a:t>      &lt;version&gt;4.11&lt;/version&gt;</a:t>
+            </a:r>
+            <a:br>
+              <a:rPr lang="sv-SE" sz="4300" dirty="0">
+                <a:solidFill>
+                  <a:schemeClr val="accent1">
+                    <a:lumMod val="75000"/>
+                  </a:schemeClr>
+                </a:solidFill>
+              </a:rPr>
+            </a:br>
+            <a:r>
+              <a:rPr lang="sv-SE" sz="4300" dirty="0">
+                <a:solidFill>
+                  <a:schemeClr val="accent1">
+                    <a:lumMod val="75000"/>
+                  </a:schemeClr>
+                </a:solidFill>
+              </a:rPr>
+              <a:t>      &lt;</a:t>
+            </a:r>
+            <a:r>
+              <a:rPr lang="sv-SE" sz="4300" dirty="0" err="1">
+                <a:solidFill>
+                  <a:schemeClr val="accent1">
+                    <a:lumMod val="75000"/>
+                  </a:schemeClr>
+                </a:solidFill>
+              </a:rPr>
+              <a:t>scope</a:t>
+            </a:r>
+            <a:r>
+              <a:rPr lang="sv-SE" sz="4300" dirty="0">
+                <a:solidFill>
+                  <a:schemeClr val="accent1">
+                    <a:lumMod val="75000"/>
+                  </a:schemeClr>
+                </a:solidFill>
+              </a:rPr>
+              <a:t>&gt;test&lt;/</a:t>
+            </a:r>
+            <a:r>
+              <a:rPr lang="sv-SE" sz="4300" dirty="0" err="1">
+                <a:solidFill>
+                  <a:schemeClr val="accent1">
+                    <a:lumMod val="75000"/>
+                  </a:schemeClr>
+                </a:solidFill>
+              </a:rPr>
+              <a:t>scope</a:t>
+            </a:r>
+            <a:r>
+              <a:rPr lang="sv-SE" sz="4300" dirty="0">
+                <a:solidFill>
+                  <a:schemeClr val="accent1">
+                    <a:lumMod val="75000"/>
+                  </a:schemeClr>
+                </a:solidFill>
+              </a:rPr>
+              <a:t>&gt;</a:t>
+            </a:r>
+            <a:br>
+              <a:rPr lang="sv-SE" sz="4300" dirty="0">
+                <a:solidFill>
+                  <a:schemeClr val="accent1">
+                    <a:lumMod val="75000"/>
+                  </a:schemeClr>
+                </a:solidFill>
+              </a:rPr>
+            </a:br>
+            <a:r>
+              <a:rPr lang="sv-SE" sz="4300" dirty="0">
+                <a:solidFill>
+                  <a:schemeClr val="accent1">
+                    <a:lumMod val="75000"/>
+                  </a:schemeClr>
+                </a:solidFill>
+              </a:rPr>
+              <a:t>    &lt;/</a:t>
+            </a:r>
+            <a:r>
+              <a:rPr lang="sv-SE" sz="4300" dirty="0" err="1">
+                <a:solidFill>
+                  <a:schemeClr val="accent1">
+                    <a:lumMod val="75000"/>
+                  </a:schemeClr>
+                </a:solidFill>
+              </a:rPr>
+              <a:t>dependency</a:t>
+            </a:r>
+            <a:r>
+              <a:rPr lang="sv-SE" sz="4300" dirty="0">
+                <a:solidFill>
+                  <a:schemeClr val="accent1">
+                    <a:lumMod val="75000"/>
+                  </a:schemeClr>
+                </a:solidFill>
+              </a:rPr>
+              <a:t>&gt;</a:t>
+            </a:r>
+            <a:br>
+              <a:rPr lang="sv-SE" sz="4300" dirty="0">
+                <a:solidFill>
+                  <a:schemeClr val="accent1">
+                    <a:lumMod val="75000"/>
+                  </a:schemeClr>
+                </a:solidFill>
+              </a:rPr>
+            </a:br>
+            <a:r>
+              <a:rPr lang="sv-SE" sz="4300" dirty="0">
+                <a:solidFill>
+                  <a:schemeClr val="accent1">
+                    <a:lumMod val="75000"/>
+                  </a:schemeClr>
+                </a:solidFill>
+              </a:rPr>
+              <a:t>  &lt;/</a:t>
+            </a:r>
+            <a:r>
+              <a:rPr lang="sv-SE" sz="4300" dirty="0" err="1">
+                <a:solidFill>
+                  <a:schemeClr val="accent1">
+                    <a:lumMod val="75000"/>
+                  </a:schemeClr>
+                </a:solidFill>
+              </a:rPr>
+              <a:t>dependencies</a:t>
+            </a:r>
+            <a:r>
+              <a:rPr lang="sv-SE" sz="4300" dirty="0">
+                <a:solidFill>
+                  <a:schemeClr val="accent1">
+                    <a:lumMod val="75000"/>
+                  </a:schemeClr>
+                </a:solidFill>
+              </a:rPr>
+              <a:t>&gt;</a:t>
+            </a:r>
+            <a:br>
+              <a:rPr lang="sv-SE" sz="4300" dirty="0">
+                <a:solidFill>
+                  <a:schemeClr val="accent1">
+                    <a:lumMod val="75000"/>
+                  </a:schemeClr>
+                </a:solidFill>
+              </a:rPr>
+            </a:br>
+            <a:br>
+              <a:rPr lang="sv-SE" sz="4300" dirty="0">
+                <a:solidFill>
+                  <a:schemeClr val="accent1">
+                    <a:lumMod val="75000"/>
+                  </a:schemeClr>
+                </a:solidFill>
+              </a:rPr>
+            </a:br>
+            <a:r>
+              <a:rPr lang="sv-SE" sz="4300" dirty="0">
+                <a:solidFill>
+                  <a:schemeClr val="accent1">
+                    <a:lumMod val="75000"/>
+                  </a:schemeClr>
+                </a:solidFill>
+              </a:rPr>
+              <a:t>&lt;/</a:t>
+            </a:r>
+            <a:r>
+              <a:rPr lang="sv-SE" sz="4300" dirty="0" err="1">
+                <a:solidFill>
+                  <a:schemeClr val="accent1">
+                    <a:lumMod val="75000"/>
+                  </a:schemeClr>
+                </a:solidFill>
+              </a:rPr>
+              <a:t>project</a:t>
+            </a:r>
+            <a:r>
+              <a:rPr lang="sv-SE" sz="4300" dirty="0">
+                <a:solidFill>
+                  <a:schemeClr val="accent1">
+                    <a:lumMod val="75000"/>
+                  </a:schemeClr>
+                </a:solidFill>
+              </a:rPr>
+              <a:t>&gt;</a:t>
+            </a:r>
+            <a:endParaRPr lang="sv-SE" dirty="0">
+              <a:solidFill>
+                <a:schemeClr val="accent1">
+                  <a:lumMod val="75000"/>
+                </a:schemeClr>
+              </a:solidFill>
+            </a:endParaRPr>
+          </a:p>
+        </p:txBody>
+      </p:sp>
+    </p:spTree>
+    <p:custDataLst>
+      <p:tags r:id="rId1"/>
+    </p:custDataLst>
+    <p:extLst>
+      <p:ext uri="{BB962C8B-B14F-4D97-AF65-F5344CB8AC3E}">
+        <p14:creationId xmlns:p14="http://schemas.microsoft.com/office/powerpoint/2010/main" val="1633220100"/>
       </p:ext>
     </p:extLst>
   </p:cSld>
@@ -29359,6 +30420,18 @@
 </file>
 
 <file path=ppt/tags/tag37.xml><?xml version="1.0" encoding="utf-8"?>
+<p:tagLst xmlns:a="http://schemas.openxmlformats.org/drawingml/2006/main" xmlns:r="http://schemas.openxmlformats.org/officeDocument/2006/relationships" xmlns:p="http://schemas.openxmlformats.org/presentationml/2006/main">
+  <p:tag name="ARTICULATE_SLIDE_THUMBNAIL_REFRESH" val="1"/>
+</p:tagLst>
+</file>
+
+<file path=ppt/tags/tag38.xml><?xml version="1.0" encoding="utf-8"?>
+<p:tagLst xmlns:a="http://schemas.openxmlformats.org/drawingml/2006/main" xmlns:r="http://schemas.openxmlformats.org/officeDocument/2006/relationships" xmlns:p="http://schemas.openxmlformats.org/presentationml/2006/main">
+  <p:tag name="ARTICULATE_SLIDE_THUMBNAIL_REFRESH" val="1"/>
+</p:tagLst>
+</file>
+
+<file path=ppt/tags/tag39.xml><?xml version="1.0" encoding="utf-8"?>
 <p:tagLst xmlns:a="http://schemas.openxmlformats.org/drawingml/2006/main" xmlns:r="http://schemas.openxmlformats.org/officeDocument/2006/relationships" xmlns:p="http://schemas.openxmlformats.org/presentationml/2006/main">
   <p:tag name="ARTICULATE_SLIDE_THUMBNAIL_REFRESH" val="1"/>
 </p:tagLst>

--- a/docs/Slutredovisning_grp5_v8.pptx
+++ b/docs/Slutredovisning_grp5_v8.pptx
@@ -21,8 +21,8 @@
     <p:sldId id="286" r:id="rId12"/>
     <p:sldId id="296" r:id="rId13"/>
     <p:sldId id="300" r:id="rId14"/>
-    <p:sldId id="288" r:id="rId15"/>
-    <p:sldId id="289" r:id="rId16"/>
+    <p:sldId id="306" r:id="rId15"/>
+    <p:sldId id="288" r:id="rId16"/>
     <p:sldId id="291" r:id="rId17"/>
     <p:sldId id="290" r:id="rId18"/>
     <p:sldId id="260" r:id="rId19"/>
@@ -1407,7 +1407,7 @@
     </p:spTree>
     <p:extLst>
       <p:ext uri="{BB962C8B-B14F-4D97-AF65-F5344CB8AC3E}">
-        <p14:creationId xmlns:p14="http://schemas.microsoft.com/office/powerpoint/2010/main" val="3918203260"/>
+        <p14:creationId xmlns:p14="http://schemas.microsoft.com/office/powerpoint/2010/main" val="3023726169"/>
       </p:ext>
     </p:extLst>
   </p:cSld>
@@ -1570,7 +1570,7 @@
     </p:spTree>
     <p:extLst>
       <p:ext uri="{BB962C8B-B14F-4D97-AF65-F5344CB8AC3E}">
-        <p14:creationId xmlns:p14="http://schemas.microsoft.com/office/powerpoint/2010/main" val="3050129784"/>
+        <p14:creationId xmlns:p14="http://schemas.microsoft.com/office/powerpoint/2010/main" val="3918203260"/>
       </p:ext>
     </p:extLst>
   </p:cSld>
@@ -13087,6 +13087,9 @@
           <a:lstStyle/>
           <a:p>
             <a:pPr marL="0" indent="0">
+              <a:spcBef>
+                <a:spcPts val="0"/>
+              </a:spcBef>
               <a:buNone/>
             </a:pPr>
             <a:r>
@@ -13095,21 +13098,317 @@
                   <a:srgbClr val="0070C0"/>
                 </a:solidFill>
               </a:rPr>
+              <a:t>Wall w; </a:t>
+            </a:r>
+          </a:p>
+          <a:p>
+            <a:pPr marL="0" indent="0">
+              <a:spcBef>
+                <a:spcPts val="0"/>
+              </a:spcBef>
+              <a:buNone/>
+            </a:pPr>
+            <a:endParaRPr lang="sv-SE" sz="1500" dirty="0">
+              <a:solidFill>
+                <a:srgbClr val="0070C0"/>
+              </a:solidFill>
+            </a:endParaRPr>
+          </a:p>
+          <a:p>
+            <a:pPr marL="0" indent="0">
+              <a:spcBef>
+                <a:spcPts val="0"/>
+              </a:spcBef>
+              <a:buNone/>
+            </a:pPr>
+            <a:r>
+              <a:rPr lang="sv-SE" sz="1500" dirty="0">
+                <a:solidFill>
+                  <a:srgbClr val="0070C0"/>
+                </a:solidFill>
+              </a:rPr>
+              <a:t>@Before</a:t>
+            </a:r>
+          </a:p>
+          <a:p>
+            <a:pPr marL="0" indent="0">
+              <a:spcBef>
+                <a:spcPts val="0"/>
+              </a:spcBef>
+              <a:buNone/>
+            </a:pPr>
+            <a:r>
+              <a:rPr lang="sv-SE" sz="1500" dirty="0">
+                <a:solidFill>
+                  <a:srgbClr val="0070C0"/>
+                </a:solidFill>
+              </a:rPr>
+              <a:t>public </a:t>
+            </a:r>
+            <a:r>
+              <a:rPr lang="sv-SE" sz="1500" dirty="0" err="1">
+                <a:solidFill>
+                  <a:srgbClr val="0070C0"/>
+                </a:solidFill>
+              </a:rPr>
+              <a:t>void</a:t>
+            </a:r>
+            <a:r>
+              <a:rPr lang="sv-SE" sz="1500" dirty="0">
+                <a:solidFill>
+                  <a:srgbClr val="0070C0"/>
+                </a:solidFill>
+              </a:rPr>
+              <a:t> </a:t>
+            </a:r>
+            <a:r>
+              <a:rPr lang="sv-SE" sz="1500" dirty="0" err="1">
+                <a:solidFill>
+                  <a:srgbClr val="0070C0"/>
+                </a:solidFill>
+              </a:rPr>
+              <a:t>createWall</a:t>
+            </a:r>
+            <a:r>
+              <a:rPr lang="sv-SE" sz="1500" dirty="0">
+                <a:solidFill>
+                  <a:srgbClr val="0070C0"/>
+                </a:solidFill>
+              </a:rPr>
+              <a:t>() {</a:t>
+            </a:r>
+          </a:p>
+          <a:p>
+            <a:pPr marL="0" indent="0">
+              <a:spcBef>
+                <a:spcPts val="0"/>
+              </a:spcBef>
+              <a:buNone/>
+            </a:pPr>
+            <a:r>
+              <a:rPr lang="sv-SE" sz="1500" dirty="0">
+                <a:solidFill>
+                  <a:srgbClr val="0070C0"/>
+                </a:solidFill>
+              </a:rPr>
+              <a:t>        w = new Wall(</a:t>
+            </a:r>
+            <a:r>
+              <a:rPr lang="sv-SE" sz="1500" dirty="0" err="1">
+                <a:solidFill>
+                  <a:srgbClr val="0070C0"/>
+                </a:solidFill>
+              </a:rPr>
+              <a:t>Color.GRAY</a:t>
+            </a:r>
+            <a:r>
+              <a:rPr lang="sv-SE" sz="1500" dirty="0">
+                <a:solidFill>
+                  <a:srgbClr val="0070C0"/>
+                </a:solidFill>
+              </a:rPr>
+              <a:t>);</a:t>
+            </a:r>
+          </a:p>
+          <a:p>
+            <a:pPr marL="0" indent="0">
+              <a:spcBef>
+                <a:spcPts val="0"/>
+              </a:spcBef>
+              <a:buNone/>
+            </a:pPr>
+            <a:r>
+              <a:rPr lang="sv-SE" sz="1500" dirty="0">
+                <a:solidFill>
+                  <a:srgbClr val="0070C0"/>
+                </a:solidFill>
+              </a:rPr>
+              <a:t>}</a:t>
+            </a:r>
+          </a:p>
+          <a:p>
+            <a:pPr marL="0" indent="0">
+              <a:spcBef>
+                <a:spcPts val="0"/>
+              </a:spcBef>
+              <a:buNone/>
+            </a:pPr>
+            <a:endParaRPr lang="sv-SE" sz="1500" dirty="0">
+              <a:solidFill>
+                <a:srgbClr val="0070C0"/>
+              </a:solidFill>
+            </a:endParaRPr>
+          </a:p>
+          <a:p>
+            <a:pPr marL="0" indent="0">
+              <a:spcBef>
+                <a:spcPts val="0"/>
+              </a:spcBef>
+              <a:buNone/>
+            </a:pPr>
+            <a:r>
+              <a:rPr lang="sv-SE" sz="1500" dirty="0">
+                <a:solidFill>
+                  <a:srgbClr val="0070C0"/>
+                </a:solidFill>
+              </a:rPr>
               <a:t>@Test</a:t>
             </a:r>
-            <a:br>
+          </a:p>
+          <a:p>
+            <a:pPr marL="0" indent="0">
+              <a:spcBef>
+                <a:spcPts val="0"/>
+              </a:spcBef>
+              <a:buNone/>
+            </a:pPr>
+            <a:r>
               <a:rPr lang="sv-SE" sz="1500" dirty="0">
                 <a:solidFill>
                   <a:srgbClr val="0070C0"/>
                 </a:solidFill>
               </a:rPr>
-            </a:br>
+              <a:t>public </a:t>
+            </a:r>
+            <a:r>
+              <a:rPr lang="sv-SE" sz="1500" dirty="0" err="1">
+                <a:solidFill>
+                  <a:srgbClr val="0070C0"/>
+                </a:solidFill>
+              </a:rPr>
+              <a:t>void</a:t>
+            </a:r>
             <a:r>
               <a:rPr lang="sv-SE" sz="1500" dirty="0">
                 <a:solidFill>
                   <a:srgbClr val="0070C0"/>
                 </a:solidFill>
               </a:rPr>
+              <a:t> </a:t>
+            </a:r>
+            <a:r>
+              <a:rPr lang="sv-SE" sz="1500" dirty="0" err="1">
+                <a:solidFill>
+                  <a:srgbClr val="0070C0"/>
+                </a:solidFill>
+              </a:rPr>
+              <a:t>getSymbol_symbolIsX_true</a:t>
+            </a:r>
+            <a:r>
+              <a:rPr lang="sv-SE" sz="1500" dirty="0">
+                <a:solidFill>
+                  <a:srgbClr val="0070C0"/>
+                </a:solidFill>
+              </a:rPr>
+              <a:t>() {</a:t>
+            </a:r>
+          </a:p>
+          <a:p>
+            <a:pPr marL="0" indent="0">
+              <a:spcBef>
+                <a:spcPts val="0"/>
+              </a:spcBef>
+              <a:buNone/>
+            </a:pPr>
+            <a:r>
+              <a:rPr lang="sv-SE" sz="1500" dirty="0">
+                <a:solidFill>
+                  <a:srgbClr val="0070C0"/>
+                </a:solidFill>
+              </a:rPr>
+              <a:t>        </a:t>
+            </a:r>
+            <a:r>
+              <a:rPr lang="sv-SE" sz="1500" dirty="0" err="1">
+                <a:solidFill>
+                  <a:srgbClr val="0070C0"/>
+                </a:solidFill>
+              </a:rPr>
+              <a:t>assertEquals</a:t>
+            </a:r>
+            <a:r>
+              <a:rPr lang="sv-SE" sz="1500" dirty="0">
+                <a:solidFill>
+                  <a:srgbClr val="0070C0"/>
+                </a:solidFill>
+              </a:rPr>
+              <a:t>('X', </a:t>
+            </a:r>
+            <a:r>
+              <a:rPr lang="sv-SE" sz="1500" dirty="0" err="1">
+                <a:solidFill>
+                  <a:srgbClr val="0070C0"/>
+                </a:solidFill>
+              </a:rPr>
+              <a:t>w.getSymbol</a:t>
+            </a:r>
+            <a:r>
+              <a:rPr lang="sv-SE" sz="1500" dirty="0">
+                <a:solidFill>
+                  <a:srgbClr val="0070C0"/>
+                </a:solidFill>
+              </a:rPr>
+              <a:t>());</a:t>
+            </a:r>
+          </a:p>
+          <a:p>
+            <a:pPr marL="0" indent="0">
+              <a:spcBef>
+                <a:spcPts val="0"/>
+              </a:spcBef>
+              <a:buNone/>
+            </a:pPr>
+            <a:r>
+              <a:rPr lang="sv-SE" sz="1500" dirty="0">
+                <a:solidFill>
+                  <a:srgbClr val="0070C0"/>
+                </a:solidFill>
+              </a:rPr>
+              <a:t>}</a:t>
+            </a:r>
+          </a:p>
+          <a:p>
+            <a:pPr marL="0" indent="0">
+              <a:spcBef>
+                <a:spcPts val="0"/>
+              </a:spcBef>
+              <a:buNone/>
+            </a:pPr>
+            <a:endParaRPr lang="sv-SE" sz="1500" dirty="0">
+              <a:solidFill>
+                <a:srgbClr val="0070C0"/>
+              </a:solidFill>
+            </a:endParaRPr>
+          </a:p>
+          <a:p>
+            <a:pPr marL="0" indent="0">
+              <a:spcBef>
+                <a:spcPts val="0"/>
+              </a:spcBef>
+              <a:buNone/>
+            </a:pPr>
+            <a:r>
+              <a:rPr lang="sv-SE" sz="1500" dirty="0">
+                <a:solidFill>
+                  <a:srgbClr val="0070C0"/>
+                </a:solidFill>
+              </a:rPr>
+              <a:t>@Test</a:t>
+            </a:r>
+          </a:p>
+          <a:p>
+            <a:pPr marL="0" indent="0">
+              <a:spcBef>
+                <a:spcPts val="0"/>
+              </a:spcBef>
+              <a:buNone/>
+            </a:pPr>
+            <a:r>
+              <a:rPr lang="sv-SE" sz="1500" dirty="0">
+                <a:solidFill>
+                  <a:srgbClr val="0070C0"/>
+                </a:solidFill>
+              </a:rPr>
               <a:t>public </a:t>
             </a:r>
             <a:r>
@@ -13126,30 +13425,47 @@
                   <a:srgbClr val="0070C0"/>
                 </a:solidFill>
               </a:rPr>
-              <a:t> addItem_Empty5SlotInventory_true() {</a:t>
-            </a:r>
-            <a:br>
+              <a:t> </a:t>
+            </a:r>
+            <a:r>
+              <a:rPr lang="sv-SE" sz="1500" dirty="0" err="1">
+                <a:solidFill>
+                  <a:srgbClr val="0070C0"/>
+                </a:solidFill>
+              </a:rPr>
+              <a:t>getColor_colorIsGray_true</a:t>
+            </a:r>
+            <a:r>
               <a:rPr lang="sv-SE" sz="1500" dirty="0">
                 <a:solidFill>
                   <a:srgbClr val="0070C0"/>
                 </a:solidFill>
               </a:rPr>
-            </a:br>
+              <a:t>() {</a:t>
+            </a:r>
+          </a:p>
+          <a:p>
+            <a:pPr marL="0" indent="0">
+              <a:spcBef>
+                <a:spcPts val="0"/>
+              </a:spcBef>
+              <a:buNone/>
+            </a:pPr>
             <a:r>
               <a:rPr lang="sv-SE" sz="1500" dirty="0">
                 <a:solidFill>
                   <a:srgbClr val="0070C0"/>
                 </a:solidFill>
               </a:rPr>
-              <a:t>    </a:t>
-            </a:r>
-            <a:r>
-              <a:rPr lang="sv-SE" sz="1500" i="1" dirty="0" err="1">
-                <a:solidFill>
-                  <a:srgbClr val="0070C0"/>
-                </a:solidFill>
-              </a:rPr>
-              <a:t>assertTrue</a:t>
+              <a:t>        </a:t>
+            </a:r>
+            <a:r>
+              <a:rPr lang="sv-SE" sz="1500" dirty="0" err="1">
+                <a:solidFill>
+                  <a:srgbClr val="0070C0"/>
+                </a:solidFill>
+              </a:rPr>
+              <a:t>assertEquals</a:t>
             </a:r>
             <a:r>
               <a:rPr lang="sv-SE" sz="1500" dirty="0">
@@ -13165,7 +13481,7 @@
                   <a:srgbClr val="0070C0"/>
                 </a:solidFill>
               </a:rPr>
-              <a:t>inventory.addItem</a:t>
+              <a:t>Color.GRAY</a:t>
             </a:r>
             <a:r>
               <a:rPr lang="sv-SE" sz="1500" dirty="0">
@@ -13173,7 +13489,7 @@
                   <a:srgbClr val="0070C0"/>
                 </a:solidFill>
               </a:rPr>
-              <a:t>(new </a:t>
+              <a:t>, </a:t>
             </a:r>
             <a:r>
               <a:rPr lang="sv-SE" sz="1500" dirty="0" err="1">
@@ -13181,7 +13497,7 @@
                   <a:srgbClr val="0070C0"/>
                 </a:solidFill>
               </a:rPr>
-              <a:t>Armor</a:t>
+              <a:t>w.getColor</a:t>
             </a:r>
             <a:r>
               <a:rPr lang="sv-SE" sz="1500" dirty="0">
@@ -13189,271 +13505,16 @@
                   <a:srgbClr val="0070C0"/>
                 </a:solidFill>
               </a:rPr>
-              <a:t>(20)));</a:t>
-            </a:r>
-            <a:br>
-              <a:rPr lang="sv-SE" sz="1500" dirty="0">
-                <a:solidFill>
-                  <a:srgbClr val="0070C0"/>
-                </a:solidFill>
-              </a:rPr>
-            </a:br>
-            <a:r>
-              <a:rPr lang="sv-SE" sz="1500" dirty="0">
-                <a:solidFill>
-                  <a:srgbClr val="0070C0"/>
-                </a:solidFill>
-              </a:rPr>
-              <a:t>}</a:t>
-            </a:r>
-            <a:br>
-              <a:rPr lang="sv-SE" sz="1500" dirty="0">
-                <a:solidFill>
-                  <a:srgbClr val="0070C0"/>
-                </a:solidFill>
-              </a:rPr>
-            </a:br>
-            <a:br>
-              <a:rPr lang="sv-SE" sz="1500" dirty="0">
-                <a:solidFill>
-                  <a:srgbClr val="0070C0"/>
-                </a:solidFill>
-              </a:rPr>
-            </a:br>
-            <a:r>
-              <a:rPr lang="sv-SE" sz="1500" dirty="0">
-                <a:solidFill>
-                  <a:srgbClr val="0070C0"/>
-                </a:solidFill>
-              </a:rPr>
-              <a:t>@Test</a:t>
-            </a:r>
-            <a:br>
-              <a:rPr lang="sv-SE" sz="1500" dirty="0">
-                <a:solidFill>
-                  <a:srgbClr val="0070C0"/>
-                </a:solidFill>
-              </a:rPr>
-            </a:br>
-            <a:r>
-              <a:rPr lang="sv-SE" sz="1500" dirty="0">
-                <a:solidFill>
-                  <a:srgbClr val="0070C0"/>
-                </a:solidFill>
-              </a:rPr>
-              <a:t>public </a:t>
-            </a:r>
-            <a:r>
-              <a:rPr lang="sv-SE" sz="1500" dirty="0" err="1">
-                <a:solidFill>
-                  <a:srgbClr val="0070C0"/>
-                </a:solidFill>
-              </a:rPr>
-              <a:t>void</a:t>
-            </a:r>
-            <a:r>
-              <a:rPr lang="sv-SE" sz="1500" dirty="0">
-                <a:solidFill>
-                  <a:srgbClr val="0070C0"/>
-                </a:solidFill>
-              </a:rPr>
-              <a:t> addItem_Full5SlotInventory_false() {</a:t>
-            </a:r>
-            <a:br>
-              <a:rPr lang="sv-SE" sz="1500" dirty="0">
-                <a:solidFill>
-                  <a:srgbClr val="0070C0"/>
-                </a:solidFill>
-              </a:rPr>
-            </a:br>
-            <a:r>
-              <a:rPr lang="sv-SE" sz="1500" dirty="0">
-                <a:solidFill>
-                  <a:srgbClr val="0070C0"/>
-                </a:solidFill>
-              </a:rPr>
-              <a:t>    for (</a:t>
-            </a:r>
-            <a:r>
-              <a:rPr lang="sv-SE" sz="1500" dirty="0" err="1">
-                <a:solidFill>
-                  <a:srgbClr val="0070C0"/>
-                </a:solidFill>
-              </a:rPr>
-              <a:t>int</a:t>
-            </a:r>
-            <a:r>
-              <a:rPr lang="sv-SE" sz="1500" dirty="0">
-                <a:solidFill>
-                  <a:srgbClr val="0070C0"/>
-                </a:solidFill>
-              </a:rPr>
-              <a:t> i = 0; i &lt; </a:t>
-            </a:r>
-            <a:r>
-              <a:rPr lang="sv-SE" sz="1500" dirty="0" err="1">
-                <a:solidFill>
-                  <a:srgbClr val="0070C0"/>
-                </a:solidFill>
-              </a:rPr>
-              <a:t>inventory.getInventoryArray</a:t>
-            </a:r>
-            <a:r>
-              <a:rPr lang="sv-SE" sz="1500" dirty="0">
-                <a:solidFill>
-                  <a:srgbClr val="0070C0"/>
-                </a:solidFill>
-              </a:rPr>
-              <a:t>().</a:t>
-            </a:r>
-            <a:r>
-              <a:rPr lang="sv-SE" sz="1500" dirty="0" err="1">
-                <a:solidFill>
-                  <a:srgbClr val="0070C0"/>
-                </a:solidFill>
-              </a:rPr>
-              <a:t>length</a:t>
-            </a:r>
-            <a:r>
-              <a:rPr lang="sv-SE" sz="1500" dirty="0">
-                <a:solidFill>
-                  <a:srgbClr val="0070C0"/>
-                </a:solidFill>
-              </a:rPr>
-              <a:t>; i++) {</a:t>
-            </a:r>
-            <a:br>
-              <a:rPr lang="sv-SE" sz="1500" dirty="0">
-                <a:solidFill>
-                  <a:srgbClr val="0070C0"/>
-                </a:solidFill>
-              </a:rPr>
-            </a:br>
-            <a:r>
-              <a:rPr lang="sv-SE" sz="1500" dirty="0">
-                <a:solidFill>
-                  <a:srgbClr val="0070C0"/>
-                </a:solidFill>
-              </a:rPr>
-              <a:t>        </a:t>
-            </a:r>
-            <a:r>
-              <a:rPr lang="sv-SE" sz="1500" dirty="0" err="1">
-                <a:solidFill>
-                  <a:srgbClr val="0070C0"/>
-                </a:solidFill>
-              </a:rPr>
-              <a:t>inventory.addItem</a:t>
-            </a:r>
-            <a:r>
-              <a:rPr lang="sv-SE" sz="1500" dirty="0">
-                <a:solidFill>
-                  <a:srgbClr val="0070C0"/>
-                </a:solidFill>
-              </a:rPr>
-              <a:t>(new </a:t>
-            </a:r>
-            <a:r>
-              <a:rPr lang="sv-SE" sz="1500" dirty="0" err="1">
-                <a:solidFill>
-                  <a:srgbClr val="0070C0"/>
-                </a:solidFill>
-              </a:rPr>
-              <a:t>Armor</a:t>
-            </a:r>
-            <a:r>
-              <a:rPr lang="sv-SE" sz="1500" dirty="0">
-                <a:solidFill>
-                  <a:srgbClr val="0070C0"/>
-                </a:solidFill>
-              </a:rPr>
-              <a:t>(1));</a:t>
-            </a:r>
-            <a:br>
-              <a:rPr lang="sv-SE" sz="1500" dirty="0">
-                <a:solidFill>
-                  <a:srgbClr val="0070C0"/>
-                </a:solidFill>
-              </a:rPr>
-            </a:br>
-            <a:r>
-              <a:rPr lang="sv-SE" sz="1500" dirty="0">
-                <a:solidFill>
-                  <a:srgbClr val="0070C0"/>
-                </a:solidFill>
-              </a:rPr>
-              <a:t>    }</a:t>
-            </a:r>
-            <a:br>
-              <a:rPr lang="sv-SE" sz="1500" dirty="0">
-                <a:solidFill>
-                  <a:srgbClr val="0070C0"/>
-                </a:solidFill>
-              </a:rPr>
-            </a:br>
-            <a:r>
-              <a:rPr lang="sv-SE" sz="1500" dirty="0">
-                <a:solidFill>
-                  <a:srgbClr val="0070C0"/>
-                </a:solidFill>
-              </a:rPr>
-              <a:t>    </a:t>
-            </a:r>
-            <a:r>
-              <a:rPr lang="sv-SE" sz="1500" i="1" dirty="0" err="1">
-                <a:solidFill>
-                  <a:srgbClr val="0070C0"/>
-                </a:solidFill>
-              </a:rPr>
-              <a:t>assertFalse</a:t>
-            </a:r>
-            <a:r>
-              <a:rPr lang="sv-SE" sz="1500" dirty="0">
-                <a:solidFill>
-                  <a:srgbClr val="0070C0"/>
-                </a:solidFill>
-              </a:rPr>
-              <a:t>(</a:t>
-            </a:r>
-            <a:r>
-              <a:rPr lang="sv-SE" sz="1500" dirty="0" err="1">
-                <a:solidFill>
-                  <a:srgbClr val="0070C0"/>
-                </a:solidFill>
-              </a:rPr>
-              <a:t>inventory.addItem</a:t>
-            </a:r>
-            <a:r>
-              <a:rPr lang="sv-SE" sz="1500" dirty="0">
-                <a:solidFill>
-                  <a:srgbClr val="0070C0"/>
-                </a:solidFill>
-              </a:rPr>
-              <a:t>(new </a:t>
-            </a:r>
-            <a:r>
-              <a:rPr lang="sv-SE" sz="1500" dirty="0" err="1">
-                <a:solidFill>
-                  <a:srgbClr val="0070C0"/>
-                </a:solidFill>
-              </a:rPr>
-              <a:t>Weapon</a:t>
-            </a:r>
-            <a:r>
-              <a:rPr lang="sv-SE" sz="1500" dirty="0">
-                <a:solidFill>
-                  <a:srgbClr val="0070C0"/>
-                </a:solidFill>
-              </a:rPr>
-              <a:t>(10)));</a:t>
-            </a:r>
-            <a:br>
-              <a:rPr lang="sv-SE" sz="1500" dirty="0">
-                <a:solidFill>
-                  <a:srgbClr val="0070C0"/>
-                </a:solidFill>
-              </a:rPr>
-            </a:br>
+              <a:t>());</a:t>
+            </a:r>
+          </a:p>
+          <a:p>
+            <a:pPr marL="0" indent="0">
+              <a:spcBef>
+                <a:spcPts val="0"/>
+              </a:spcBef>
+              <a:buNone/>
+            </a:pPr>
             <a:r>
               <a:rPr lang="sv-SE" sz="1500" dirty="0">
                 <a:solidFill>
@@ -13505,328 +13566,114 @@
           <a:lstStyle/>
           <a:p>
             <a:pPr marL="0" indent="0">
+              <a:spcBef>
+                <a:spcPts val="0"/>
+              </a:spcBef>
               <a:buNone/>
             </a:pPr>
             <a:r>
-              <a:rPr lang="sv-SE" sz="1500" dirty="0">
-                <a:solidFill>
-                  <a:srgbClr val="0070C0"/>
-                </a:solidFill>
-              </a:rPr>
-              <a:t>public </a:t>
-            </a:r>
-            <a:r>
-              <a:rPr lang="sv-SE" sz="1500" dirty="0" err="1">
-                <a:solidFill>
-                  <a:srgbClr val="0070C0"/>
-                </a:solidFill>
-              </a:rPr>
-              <a:t>boolean</a:t>
-            </a:r>
-            <a:r>
-              <a:rPr lang="sv-SE" sz="1500" dirty="0">
-                <a:solidFill>
-                  <a:srgbClr val="0070C0"/>
-                </a:solidFill>
-              </a:rPr>
-              <a:t> </a:t>
-            </a:r>
-            <a:r>
-              <a:rPr lang="sv-SE" sz="1500" dirty="0" err="1">
-                <a:solidFill>
-                  <a:srgbClr val="0070C0"/>
-                </a:solidFill>
-              </a:rPr>
-              <a:t>addItem</a:t>
-            </a:r>
-            <a:r>
-              <a:rPr lang="sv-SE" sz="1500" dirty="0">
-                <a:solidFill>
-                  <a:srgbClr val="0070C0"/>
-                </a:solidFill>
-              </a:rPr>
-              <a:t>(Equipment item) {</a:t>
-            </a:r>
-            <a:br>
-              <a:rPr lang="sv-SE" sz="1500" dirty="0">
-                <a:solidFill>
-                  <a:srgbClr val="0070C0"/>
-                </a:solidFill>
-              </a:rPr>
-            </a:br>
-            <a:r>
-              <a:rPr lang="sv-SE" sz="1500" dirty="0">
-                <a:solidFill>
-                  <a:srgbClr val="0070C0"/>
-                </a:solidFill>
-              </a:rPr>
-              <a:t>    for (</a:t>
-            </a:r>
-            <a:r>
-              <a:rPr lang="sv-SE" sz="1500" dirty="0" err="1">
-                <a:solidFill>
-                  <a:srgbClr val="0070C0"/>
-                </a:solidFill>
-              </a:rPr>
-              <a:t>int</a:t>
-            </a:r>
-            <a:r>
-              <a:rPr lang="sv-SE" sz="1500" dirty="0">
-                <a:solidFill>
-                  <a:srgbClr val="0070C0"/>
-                </a:solidFill>
-              </a:rPr>
-              <a:t> i = 0; i &lt; </a:t>
-            </a:r>
-            <a:r>
-              <a:rPr lang="sv-SE" sz="1500" dirty="0" err="1">
-                <a:solidFill>
-                  <a:srgbClr val="0070C0"/>
-                </a:solidFill>
-              </a:rPr>
-              <a:t>inventoryArray.length</a:t>
-            </a:r>
-            <a:r>
-              <a:rPr lang="sv-SE" sz="1500" dirty="0">
-                <a:solidFill>
-                  <a:srgbClr val="0070C0"/>
-                </a:solidFill>
-              </a:rPr>
-              <a:t>; i++) {</a:t>
-            </a:r>
-            <a:br>
-              <a:rPr lang="sv-SE" sz="1500" dirty="0">
-                <a:solidFill>
-                  <a:srgbClr val="0070C0"/>
-                </a:solidFill>
-              </a:rPr>
-            </a:br>
-            <a:r>
-              <a:rPr lang="sv-SE" sz="1500" dirty="0">
-                <a:solidFill>
-                  <a:srgbClr val="0070C0"/>
-                </a:solidFill>
-              </a:rPr>
-              <a:t>        </a:t>
-            </a:r>
-            <a:r>
-              <a:rPr lang="sv-SE" sz="1500" dirty="0" err="1">
-                <a:solidFill>
-                  <a:srgbClr val="0070C0"/>
-                </a:solidFill>
-              </a:rPr>
-              <a:t>if</a:t>
-            </a:r>
-            <a:r>
-              <a:rPr lang="sv-SE" sz="1500" dirty="0">
-                <a:solidFill>
-                  <a:srgbClr val="0070C0"/>
-                </a:solidFill>
-              </a:rPr>
-              <a:t> (</a:t>
-            </a:r>
-            <a:r>
-              <a:rPr lang="sv-SE" sz="1500" dirty="0" err="1">
-                <a:solidFill>
-                  <a:srgbClr val="0070C0"/>
-                </a:solidFill>
-              </a:rPr>
-              <a:t>inventoryArray</a:t>
-            </a:r>
-            <a:r>
-              <a:rPr lang="sv-SE" sz="1500" dirty="0">
-                <a:solidFill>
-                  <a:srgbClr val="0070C0"/>
-                </a:solidFill>
-              </a:rPr>
-              <a:t>[i] == </a:t>
-            </a:r>
-            <a:r>
-              <a:rPr lang="sv-SE" sz="1500" dirty="0" err="1">
-                <a:solidFill>
-                  <a:srgbClr val="0070C0"/>
-                </a:solidFill>
-              </a:rPr>
-              <a:t>null</a:t>
-            </a:r>
-            <a:r>
-              <a:rPr lang="sv-SE" sz="1500" dirty="0">
-                <a:solidFill>
-                  <a:srgbClr val="0070C0"/>
-                </a:solidFill>
-              </a:rPr>
-              <a:t>) {</a:t>
-            </a:r>
-            <a:br>
-              <a:rPr lang="sv-SE" sz="1500" dirty="0">
-                <a:solidFill>
-                  <a:srgbClr val="0070C0"/>
-                </a:solidFill>
-              </a:rPr>
-            </a:br>
-            <a:r>
-              <a:rPr lang="sv-SE" sz="1500" dirty="0">
-                <a:solidFill>
-                  <a:srgbClr val="0070C0"/>
-                </a:solidFill>
-              </a:rPr>
-              <a:t>            </a:t>
-            </a:r>
-            <a:r>
-              <a:rPr lang="sv-SE" sz="1500" dirty="0" err="1">
-                <a:solidFill>
-                  <a:srgbClr val="0070C0"/>
-                </a:solidFill>
-              </a:rPr>
-              <a:t>inventoryArray</a:t>
-            </a:r>
-            <a:r>
-              <a:rPr lang="sv-SE" sz="1500" dirty="0">
-                <a:solidFill>
-                  <a:srgbClr val="0070C0"/>
-                </a:solidFill>
-              </a:rPr>
-              <a:t>[i] = item;</a:t>
-            </a:r>
-            <a:br>
-              <a:rPr lang="sv-SE" sz="1500" dirty="0">
-                <a:solidFill>
-                  <a:srgbClr val="0070C0"/>
-                </a:solidFill>
-              </a:rPr>
-            </a:br>
-            <a:r>
-              <a:rPr lang="sv-SE" sz="1500" dirty="0">
-                <a:solidFill>
-                  <a:srgbClr val="0070C0"/>
-                </a:solidFill>
-              </a:rPr>
-              <a:t>            </a:t>
-            </a:r>
-            <a:r>
-              <a:rPr lang="sv-SE" sz="1500" dirty="0" err="1">
-                <a:solidFill>
-                  <a:srgbClr val="0070C0"/>
-                </a:solidFill>
-              </a:rPr>
-              <a:t>return</a:t>
-            </a:r>
-            <a:r>
-              <a:rPr lang="sv-SE" sz="1500" dirty="0">
-                <a:solidFill>
-                  <a:srgbClr val="0070C0"/>
-                </a:solidFill>
-              </a:rPr>
-              <a:t> </a:t>
-            </a:r>
-            <a:r>
-              <a:rPr lang="sv-SE" sz="1500" dirty="0" err="1">
-                <a:solidFill>
-                  <a:srgbClr val="0070C0"/>
-                </a:solidFill>
-              </a:rPr>
-              <a:t>true</a:t>
-            </a:r>
-            <a:r>
-              <a:rPr lang="sv-SE" sz="1500" dirty="0">
-                <a:solidFill>
-                  <a:srgbClr val="0070C0"/>
-                </a:solidFill>
-              </a:rPr>
-              <a:t>;</a:t>
-            </a:r>
-            <a:br>
-              <a:rPr lang="sv-SE" sz="1500" dirty="0">
-                <a:solidFill>
-                  <a:srgbClr val="0070C0"/>
-                </a:solidFill>
-              </a:rPr>
-            </a:br>
-            <a:r>
-              <a:rPr lang="sv-SE" sz="1500" dirty="0">
-                <a:solidFill>
-                  <a:srgbClr val="0070C0"/>
-                </a:solidFill>
-              </a:rPr>
-              <a:t>        }</a:t>
-            </a:r>
-            <a:br>
-              <a:rPr lang="sv-SE" sz="1500" dirty="0">
-                <a:solidFill>
-                  <a:srgbClr val="0070C0"/>
-                </a:solidFill>
-              </a:rPr>
-            </a:br>
-            <a:r>
-              <a:rPr lang="sv-SE" sz="1500" dirty="0">
+              <a:rPr lang="en-US" sz="1800" dirty="0">
+                <a:solidFill>
+                  <a:srgbClr val="0070C0"/>
+                </a:solidFill>
+              </a:rPr>
+              <a:t>public class Wall extends Stationary {</a:t>
+            </a:r>
+          </a:p>
+          <a:p>
+            <a:pPr marL="0" indent="0">
+              <a:spcBef>
+                <a:spcPts val="0"/>
+              </a:spcBef>
+              <a:buNone/>
+            </a:pPr>
+            <a:endParaRPr lang="en-US" sz="1800" dirty="0">
+              <a:solidFill>
+                <a:srgbClr val="0070C0"/>
+              </a:solidFill>
+            </a:endParaRPr>
+          </a:p>
+          <a:p>
+            <a:pPr marL="0" indent="0">
+              <a:spcBef>
+                <a:spcPts val="0"/>
+              </a:spcBef>
+              <a:buNone/>
+            </a:pPr>
+            <a:r>
+              <a:rPr lang="en-US" sz="1800" dirty="0">
+                <a:solidFill>
+                  <a:srgbClr val="0070C0"/>
+                </a:solidFill>
+              </a:rPr>
+              <a:t>    public Wall(Color color) {</a:t>
+            </a:r>
+          </a:p>
+          <a:p>
+            <a:pPr marL="0" indent="0">
+              <a:spcBef>
+                <a:spcPts val="0"/>
+              </a:spcBef>
+              <a:buNone/>
+            </a:pPr>
+            <a:r>
+              <a:rPr lang="en-US" sz="1800" dirty="0">
+                <a:solidFill>
+                  <a:srgbClr val="0070C0"/>
+                </a:solidFill>
+              </a:rPr>
+              <a:t>        super('X', color);</a:t>
+            </a:r>
+          </a:p>
+          <a:p>
+            <a:pPr marL="0" indent="0">
+              <a:spcBef>
+                <a:spcPts val="0"/>
+              </a:spcBef>
+              <a:buNone/>
+            </a:pPr>
+            <a:r>
+              <a:rPr lang="en-US" sz="1800" dirty="0">
                 <a:solidFill>
                   <a:srgbClr val="0070C0"/>
                 </a:solidFill>
               </a:rPr>
               <a:t>    }</a:t>
             </a:r>
-            <a:br>
-              <a:rPr lang="sv-SE" sz="1500" dirty="0">
-                <a:solidFill>
-                  <a:srgbClr val="0070C0"/>
-                </a:solidFill>
-              </a:rPr>
-            </a:br>
-            <a:r>
-              <a:rPr lang="sv-SE" sz="1500" dirty="0">
-                <a:solidFill>
-                  <a:srgbClr val="0070C0"/>
-                </a:solidFill>
-              </a:rPr>
-              <a:t>    </a:t>
-            </a:r>
-            <a:r>
-              <a:rPr lang="sv-SE" sz="1500" dirty="0" err="1">
-                <a:solidFill>
-                  <a:srgbClr val="0070C0"/>
-                </a:solidFill>
-              </a:rPr>
-              <a:t>return</a:t>
-            </a:r>
-            <a:r>
-              <a:rPr lang="sv-SE" sz="1500" dirty="0">
-                <a:solidFill>
-                  <a:srgbClr val="0070C0"/>
-                </a:solidFill>
-              </a:rPr>
-              <a:t> </a:t>
-            </a:r>
-            <a:r>
-              <a:rPr lang="sv-SE" sz="1500" dirty="0" err="1">
-                <a:solidFill>
-                  <a:srgbClr val="0070C0"/>
-                </a:solidFill>
-              </a:rPr>
-              <a:t>false</a:t>
-            </a:r>
-            <a:r>
-              <a:rPr lang="sv-SE" sz="1500" dirty="0">
-                <a:solidFill>
-                  <a:srgbClr val="0070C0"/>
-                </a:solidFill>
-              </a:rPr>
-              <a:t>;</a:t>
-            </a:r>
-            <a:br>
-              <a:rPr lang="sv-SE" sz="1500" dirty="0">
-                <a:solidFill>
-                  <a:srgbClr val="0070C0"/>
-                </a:solidFill>
-              </a:rPr>
-            </a:br>
-            <a:r>
-              <a:rPr lang="sv-SE" sz="1500" dirty="0">
+          </a:p>
+          <a:p>
+            <a:pPr marL="0" indent="0">
+              <a:spcBef>
+                <a:spcPts val="0"/>
+              </a:spcBef>
+              <a:buNone/>
+            </a:pPr>
+            <a:endParaRPr lang="en-US" sz="1800" dirty="0">
+              <a:solidFill>
+                <a:srgbClr val="0070C0"/>
+              </a:solidFill>
+            </a:endParaRPr>
+          </a:p>
+          <a:p>
+            <a:pPr marL="0" indent="0">
+              <a:spcBef>
+                <a:spcPts val="0"/>
+              </a:spcBef>
+              <a:buNone/>
+            </a:pPr>
+            <a:r>
+              <a:rPr lang="en-US" sz="1800" dirty="0">
                 <a:solidFill>
                   <a:srgbClr val="0070C0"/>
                 </a:solidFill>
               </a:rPr>
               <a:t>}</a:t>
             </a:r>
+            <a:endParaRPr lang="sv-SE" sz="1800" dirty="0">
+              <a:solidFill>
+                <a:srgbClr val="0070C0"/>
+              </a:solidFill>
+            </a:endParaRPr>
           </a:p>
         </p:txBody>
       </p:sp>
@@ -13836,7 +13683,7 @@
     </p:custDataLst>
     <p:extLst>
       <p:ext uri="{BB962C8B-B14F-4D97-AF65-F5344CB8AC3E}">
-        <p14:creationId xmlns:p14="http://schemas.microsoft.com/office/powerpoint/2010/main" val="1013014165"/>
+        <p14:creationId xmlns:p14="http://schemas.microsoft.com/office/powerpoint/2010/main" val="2036554503"/>
       </p:ext>
     </p:extLst>
   </p:cSld>
@@ -13895,12 +13742,7 @@
             <p:ph type="body" idx="1"/>
           </p:nvPr>
         </p:nvSpPr>
-        <p:spPr>
-          <a:xfrm>
-            <a:off x="382772" y="1227348"/>
-            <a:ext cx="5614803" cy="823912"/>
-          </a:xfrm>
-        </p:spPr>
+        <p:spPr/>
         <p:txBody>
           <a:bodyPr/>
           <a:lstStyle/>
@@ -13923,15 +13765,10 @@
             <p:ph sz="half" idx="2"/>
           </p:nvPr>
         </p:nvSpPr>
-        <p:spPr>
-          <a:xfrm>
-            <a:off x="304800" y="2101893"/>
-            <a:ext cx="5864224" cy="3684588"/>
-          </a:xfrm>
-        </p:spPr>
+        <p:spPr/>
         <p:txBody>
           <a:bodyPr>
-            <a:noAutofit/>
+            <a:normAutofit/>
           </a:bodyPr>
           <a:lstStyle/>
           <a:p>
@@ -13939,245 +13776,432 @@
               <a:buNone/>
             </a:pPr>
             <a:r>
-              <a:rPr lang="sv-SE" sz="1400" dirty="0">
-                <a:solidFill>
-                  <a:schemeClr val="accent1">
-                    <a:lumMod val="75000"/>
-                  </a:schemeClr>
-                </a:solidFill>
-              </a:rPr>
-              <a:t>@Test </a:t>
+              <a:rPr lang="sv-SE" sz="1500" dirty="0">
+                <a:solidFill>
+                  <a:srgbClr val="0070C0"/>
+                </a:solidFill>
+              </a:rPr>
+              <a:t>@Test</a:t>
             </a:r>
             <a:br>
-              <a:rPr lang="sv-SE" sz="1400" dirty="0">
-                <a:solidFill>
-                  <a:schemeClr val="accent1">
-                    <a:lumMod val="75000"/>
-                  </a:schemeClr>
+              <a:rPr lang="sv-SE" sz="1500" dirty="0">
+                <a:solidFill>
+                  <a:srgbClr val="0070C0"/>
                 </a:solidFill>
               </a:rPr>
             </a:br>
             <a:r>
-              <a:rPr lang="sv-SE" sz="1400" dirty="0">
-                <a:solidFill>
-                  <a:schemeClr val="accent1">
-                    <a:lumMod val="75000"/>
-                  </a:schemeClr>
+              <a:rPr lang="sv-SE" sz="1500" dirty="0">
+                <a:solidFill>
+                  <a:srgbClr val="0070C0"/>
                 </a:solidFill>
               </a:rPr>
               <a:t>public </a:t>
             </a:r>
             <a:r>
-              <a:rPr lang="sv-SE" sz="1400" dirty="0" err="1">
-                <a:solidFill>
-                  <a:schemeClr val="accent1">
-                    <a:lumMod val="75000"/>
-                  </a:schemeClr>
+              <a:rPr lang="sv-SE" sz="1500" dirty="0" err="1">
+                <a:solidFill>
+                  <a:srgbClr val="0070C0"/>
                 </a:solidFill>
               </a:rPr>
               <a:t>void</a:t>
             </a:r>
             <a:r>
-              <a:rPr lang="sv-SE" sz="1400" dirty="0">
-                <a:solidFill>
-                  <a:schemeClr val="accent1">
-                    <a:lumMod val="75000"/>
-                  </a:schemeClr>
-                </a:solidFill>
-              </a:rPr>
-              <a:t> </a:t>
-            </a:r>
-            <a:r>
-              <a:rPr lang="sv-SE" sz="1400" dirty="0" err="1">
-                <a:solidFill>
-                  <a:schemeClr val="accent1">
-                    <a:lumMod val="75000"/>
-                  </a:schemeClr>
-                </a:solidFill>
-              </a:rPr>
-              <a:t>moveCreatures_OneCreatureOnEmptyMap_CreatureHasMoved</a:t>
-            </a:r>
-            <a:r>
-              <a:rPr lang="sv-SE" sz="1400" dirty="0">
-                <a:solidFill>
-                  <a:schemeClr val="accent1">
-                    <a:lumMod val="75000"/>
-                  </a:schemeClr>
-                </a:solidFill>
-              </a:rPr>
-              <a:t>() { </a:t>
+              <a:rPr lang="sv-SE" sz="1500" dirty="0">
+                <a:solidFill>
+                  <a:srgbClr val="0070C0"/>
+                </a:solidFill>
+              </a:rPr>
+              <a:t> addItem_Empty5SlotInventory_true() {</a:t>
             </a:r>
             <a:br>
-              <a:rPr lang="sv-SE" sz="1400" dirty="0">
-                <a:solidFill>
-                  <a:schemeClr val="accent1">
-                    <a:lumMod val="75000"/>
-                  </a:schemeClr>
+              <a:rPr lang="sv-SE" sz="1500" dirty="0">
+                <a:solidFill>
+                  <a:srgbClr val="0070C0"/>
                 </a:solidFill>
               </a:rPr>
             </a:br>
             <a:r>
-              <a:rPr lang="sv-SE" sz="1400" dirty="0">
-                <a:solidFill>
-                  <a:schemeClr val="accent1">
-                    <a:lumMod val="75000"/>
-                  </a:schemeClr>
-                </a:solidFill>
-              </a:rPr>
-              <a:t>    Monster monster = new Monster(10, 1);</a:t>
+              <a:rPr lang="sv-SE" sz="1500" dirty="0">
+                <a:solidFill>
+                  <a:srgbClr val="0070C0"/>
+                </a:solidFill>
+              </a:rPr>
+              <a:t>    </a:t>
+            </a:r>
+            <a:r>
+              <a:rPr lang="sv-SE" sz="1500" i="1" dirty="0" err="1">
+                <a:solidFill>
+                  <a:srgbClr val="0070C0"/>
+                </a:solidFill>
+              </a:rPr>
+              <a:t>assertTrue</a:t>
+            </a:r>
+            <a:r>
+              <a:rPr lang="sv-SE" sz="1500" dirty="0">
+                <a:solidFill>
+                  <a:srgbClr val="0070C0"/>
+                </a:solidFill>
+              </a:rPr>
+              <a:t>(</a:t>
+            </a:r>
+            <a:r>
+              <a:rPr lang="sv-SE" sz="1500" dirty="0" err="1">
+                <a:solidFill>
+                  <a:srgbClr val="0070C0"/>
+                </a:solidFill>
+              </a:rPr>
+              <a:t>inventory.addItem</a:t>
+            </a:r>
+            <a:r>
+              <a:rPr lang="sv-SE" sz="1500" dirty="0">
+                <a:solidFill>
+                  <a:srgbClr val="0070C0"/>
+                </a:solidFill>
+              </a:rPr>
+              <a:t>(new </a:t>
+            </a:r>
+            <a:r>
+              <a:rPr lang="sv-SE" sz="1500" dirty="0" err="1">
+                <a:solidFill>
+                  <a:srgbClr val="0070C0"/>
+                </a:solidFill>
+              </a:rPr>
+              <a:t>Armor</a:t>
+            </a:r>
+            <a:r>
+              <a:rPr lang="sv-SE" sz="1500" dirty="0">
+                <a:solidFill>
+                  <a:srgbClr val="0070C0"/>
+                </a:solidFill>
+              </a:rPr>
+              <a:t>(20)));</a:t>
+            </a:r>
+          </a:p>
+          <a:p>
+            <a:pPr marL="0" indent="0">
+              <a:spcBef>
+                <a:spcPts val="0"/>
+              </a:spcBef>
+              <a:buNone/>
+            </a:pPr>
+            <a:r>
+              <a:rPr lang="en-US" sz="1500" dirty="0">
+                <a:solidFill>
+                  <a:schemeClr val="accent1">
+                    <a:lumMod val="75000"/>
+                  </a:schemeClr>
+                </a:solidFill>
+              </a:rPr>
+              <a:t>    </a:t>
+            </a:r>
+            <a:r>
+              <a:rPr lang="en-US" sz="1500" dirty="0" err="1">
+                <a:solidFill>
+                  <a:schemeClr val="accent1">
+                    <a:lumMod val="75000"/>
+                  </a:schemeClr>
+                </a:solidFill>
+              </a:rPr>
+              <a:t>assertNotEquals</a:t>
+            </a:r>
+            <a:r>
+              <a:rPr lang="en-US" sz="1500" dirty="0">
+                <a:solidFill>
+                  <a:schemeClr val="accent1">
+                    <a:lumMod val="75000"/>
+                  </a:schemeClr>
+                </a:solidFill>
+              </a:rPr>
+              <a:t>(null, </a:t>
+            </a:r>
+            <a:r>
+              <a:rPr lang="en-US" sz="1500" dirty="0" err="1">
+                <a:solidFill>
+                  <a:schemeClr val="accent1">
+                    <a:lumMod val="75000"/>
+                  </a:schemeClr>
+                </a:solidFill>
+              </a:rPr>
+              <a:t>inventory.getInventoryArray</a:t>
+            </a:r>
+            <a:r>
+              <a:rPr lang="en-US" sz="1500" dirty="0">
+                <a:solidFill>
+                  <a:schemeClr val="accent1">
+                    <a:lumMod val="75000"/>
+                  </a:schemeClr>
+                </a:solidFill>
+              </a:rPr>
+              <a:t>()[0]);</a:t>
             </a:r>
             <a:br>
-              <a:rPr lang="sv-SE" sz="1400" dirty="0">
-                <a:solidFill>
-                  <a:schemeClr val="accent1">
-                    <a:lumMod val="75000"/>
-                  </a:schemeClr>
+              <a:rPr lang="sv-SE" sz="1500" dirty="0">
+                <a:solidFill>
+                  <a:srgbClr val="0070C0"/>
                 </a:solidFill>
               </a:rPr>
             </a:br>
             <a:r>
-              <a:rPr lang="sv-SE" sz="1400" dirty="0">
-                <a:solidFill>
-                  <a:schemeClr val="accent1">
-                    <a:lumMod val="75000"/>
-                  </a:schemeClr>
+              <a:rPr lang="sv-SE" sz="1500" dirty="0">
+                <a:solidFill>
+                  <a:srgbClr val="0070C0"/>
+                </a:solidFill>
+              </a:rPr>
+              <a:t>}</a:t>
+            </a:r>
+            <a:br>
+              <a:rPr lang="sv-SE" sz="1500" dirty="0">
+                <a:solidFill>
+                  <a:srgbClr val="0070C0"/>
+                </a:solidFill>
+              </a:rPr>
+            </a:br>
+            <a:br>
+              <a:rPr lang="sv-SE" sz="1500" dirty="0">
+                <a:solidFill>
+                  <a:srgbClr val="0070C0"/>
+                </a:solidFill>
+              </a:rPr>
+            </a:br>
+            <a:r>
+              <a:rPr lang="sv-SE" sz="1500" dirty="0">
+                <a:solidFill>
+                  <a:srgbClr val="0070C0"/>
+                </a:solidFill>
+              </a:rPr>
+              <a:t>@Test</a:t>
+            </a:r>
+            <a:br>
+              <a:rPr lang="sv-SE" sz="1500" dirty="0">
+                <a:solidFill>
+                  <a:srgbClr val="0070C0"/>
+                </a:solidFill>
+              </a:rPr>
+            </a:br>
+            <a:r>
+              <a:rPr lang="sv-SE" sz="1500" dirty="0">
+                <a:solidFill>
+                  <a:srgbClr val="0070C0"/>
+                </a:solidFill>
+              </a:rPr>
+              <a:t>public </a:t>
+            </a:r>
+            <a:r>
+              <a:rPr lang="sv-SE" sz="1500" dirty="0" err="1">
+                <a:solidFill>
+                  <a:srgbClr val="0070C0"/>
+                </a:solidFill>
+              </a:rPr>
+              <a:t>void</a:t>
+            </a:r>
+            <a:r>
+              <a:rPr lang="sv-SE" sz="1500" dirty="0">
+                <a:solidFill>
+                  <a:srgbClr val="0070C0"/>
+                </a:solidFill>
+              </a:rPr>
+              <a:t> addItem_Full5SlotInventory_false() {</a:t>
+            </a:r>
+            <a:br>
+              <a:rPr lang="sv-SE" sz="1500" dirty="0">
+                <a:solidFill>
+                  <a:srgbClr val="0070C0"/>
+                </a:solidFill>
+              </a:rPr>
+            </a:br>
+            <a:r>
+              <a:rPr lang="sv-SE" sz="1500" dirty="0">
+                <a:solidFill>
+                  <a:srgbClr val="0070C0"/>
+                </a:solidFill>
+              </a:rPr>
+              <a:t>    for (</a:t>
+            </a:r>
+            <a:r>
+              <a:rPr lang="sv-SE" sz="1500" dirty="0" err="1">
+                <a:solidFill>
+                  <a:srgbClr val="0070C0"/>
+                </a:solidFill>
+              </a:rPr>
+              <a:t>int</a:t>
+            </a:r>
+            <a:r>
+              <a:rPr lang="sv-SE" sz="1500" dirty="0">
+                <a:solidFill>
+                  <a:srgbClr val="0070C0"/>
+                </a:solidFill>
+              </a:rPr>
+              <a:t> i = 0; i &lt; </a:t>
+            </a:r>
+            <a:r>
+              <a:rPr lang="sv-SE" sz="1500" dirty="0" err="1">
+                <a:solidFill>
+                  <a:srgbClr val="0070C0"/>
+                </a:solidFill>
+              </a:rPr>
+              <a:t>inventory.getInventoryArray</a:t>
+            </a:r>
+            <a:r>
+              <a:rPr lang="sv-SE" sz="1500" dirty="0">
+                <a:solidFill>
+                  <a:srgbClr val="0070C0"/>
+                </a:solidFill>
+              </a:rPr>
+              <a:t>().</a:t>
+            </a:r>
+            <a:r>
+              <a:rPr lang="sv-SE" sz="1500" dirty="0" err="1">
+                <a:solidFill>
+                  <a:srgbClr val="0070C0"/>
+                </a:solidFill>
+              </a:rPr>
+              <a:t>length</a:t>
+            </a:r>
+            <a:r>
+              <a:rPr lang="sv-SE" sz="1500" dirty="0">
+                <a:solidFill>
+                  <a:srgbClr val="0070C0"/>
+                </a:solidFill>
+              </a:rPr>
+              <a:t>; i++) {</a:t>
+            </a:r>
+            <a:br>
+              <a:rPr lang="sv-SE" sz="1500" dirty="0">
+                <a:solidFill>
+                  <a:srgbClr val="0070C0"/>
+                </a:solidFill>
+              </a:rPr>
+            </a:br>
+            <a:r>
+              <a:rPr lang="sv-SE" sz="1500" dirty="0">
+                <a:solidFill>
+                  <a:srgbClr val="0070C0"/>
+                </a:solidFill>
+              </a:rPr>
+              <a:t>        </a:t>
+            </a:r>
+            <a:r>
+              <a:rPr lang="sv-SE" sz="1500" dirty="0" err="1">
+                <a:solidFill>
+                  <a:srgbClr val="0070C0"/>
+                </a:solidFill>
+              </a:rPr>
+              <a:t>inventory.addItem</a:t>
+            </a:r>
+            <a:r>
+              <a:rPr lang="sv-SE" sz="1500" dirty="0">
+                <a:solidFill>
+                  <a:srgbClr val="0070C0"/>
+                </a:solidFill>
+              </a:rPr>
+              <a:t>(new </a:t>
+            </a:r>
+            <a:r>
+              <a:rPr lang="sv-SE" sz="1500" dirty="0" err="1">
+                <a:solidFill>
+                  <a:srgbClr val="0070C0"/>
+                </a:solidFill>
+              </a:rPr>
+              <a:t>Armor</a:t>
+            </a:r>
+            <a:r>
+              <a:rPr lang="sv-SE" sz="1500" dirty="0">
+                <a:solidFill>
+                  <a:srgbClr val="0070C0"/>
+                </a:solidFill>
+              </a:rPr>
+              <a:t>(1));</a:t>
+            </a:r>
+            <a:br>
+              <a:rPr lang="sv-SE" sz="1500" dirty="0">
+                <a:solidFill>
+                  <a:srgbClr val="0070C0"/>
+                </a:solidFill>
+              </a:rPr>
+            </a:br>
+            <a:r>
+              <a:rPr lang="sv-SE" sz="1500" dirty="0">
+                <a:solidFill>
+                  <a:srgbClr val="0070C0"/>
+                </a:solidFill>
+              </a:rPr>
+              <a:t>    }</a:t>
+            </a:r>
+            <a:br>
+              <a:rPr lang="sv-SE" sz="1500" dirty="0">
+                <a:solidFill>
+                  <a:srgbClr val="0070C0"/>
+                </a:solidFill>
+              </a:rPr>
+            </a:br>
+            <a:r>
+              <a:rPr lang="sv-SE" sz="1500" dirty="0">
+                <a:solidFill>
+                  <a:srgbClr val="0070C0"/>
                 </a:solidFill>
               </a:rPr>
               <a:t>    </a:t>
             </a:r>
             <a:r>
-              <a:rPr lang="sv-SE" sz="1400" dirty="0" err="1">
-                <a:solidFill>
-                  <a:schemeClr val="accent1">
-                    <a:lumMod val="75000"/>
-                  </a:schemeClr>
-                </a:solidFill>
-              </a:rPr>
-              <a:t>map.placeGameObject</a:t>
-            </a:r>
-            <a:r>
-              <a:rPr lang="sv-SE" sz="1400" dirty="0">
-                <a:solidFill>
-                  <a:schemeClr val="accent1">
-                    <a:lumMod val="75000"/>
-                  </a:schemeClr>
-                </a:solidFill>
-              </a:rPr>
-              <a:t>(1,1, monster); </a:t>
+              <a:rPr lang="sv-SE" sz="1500" i="1" dirty="0" err="1">
+                <a:solidFill>
+                  <a:srgbClr val="0070C0"/>
+                </a:solidFill>
+              </a:rPr>
+              <a:t>assertFalse</a:t>
+            </a:r>
+            <a:r>
+              <a:rPr lang="sv-SE" sz="1500" dirty="0">
+                <a:solidFill>
+                  <a:srgbClr val="0070C0"/>
+                </a:solidFill>
+              </a:rPr>
+              <a:t>(</a:t>
+            </a:r>
+            <a:r>
+              <a:rPr lang="sv-SE" sz="1500" dirty="0" err="1">
+                <a:solidFill>
+                  <a:srgbClr val="0070C0"/>
+                </a:solidFill>
+              </a:rPr>
+              <a:t>inventory.addItem</a:t>
+            </a:r>
+            <a:r>
+              <a:rPr lang="sv-SE" sz="1500" dirty="0">
+                <a:solidFill>
+                  <a:srgbClr val="0070C0"/>
+                </a:solidFill>
+              </a:rPr>
+              <a:t>(new </a:t>
+            </a:r>
+            <a:r>
+              <a:rPr lang="sv-SE" sz="1500" dirty="0" err="1">
+                <a:solidFill>
+                  <a:srgbClr val="0070C0"/>
+                </a:solidFill>
+              </a:rPr>
+              <a:t>Weapon</a:t>
+            </a:r>
+            <a:r>
+              <a:rPr lang="sv-SE" sz="1500" dirty="0">
+                <a:solidFill>
+                  <a:srgbClr val="0070C0"/>
+                </a:solidFill>
+              </a:rPr>
+              <a:t>(10)));</a:t>
             </a:r>
             <a:br>
-              <a:rPr lang="sv-SE" sz="1400" dirty="0">
-                <a:solidFill>
-                  <a:schemeClr val="accent1">
-                    <a:lumMod val="75000"/>
-                  </a:schemeClr>
+              <a:rPr lang="sv-SE" sz="1500" dirty="0">
+                <a:solidFill>
+                  <a:srgbClr val="0070C0"/>
                 </a:solidFill>
               </a:rPr>
             </a:br>
             <a:r>
-              <a:rPr lang="sv-SE" sz="1400" dirty="0">
-                <a:solidFill>
-                  <a:schemeClr val="accent1">
-                    <a:lumMod val="75000"/>
-                  </a:schemeClr>
-                </a:solidFill>
-              </a:rPr>
-              <a:t>    </a:t>
-            </a:r>
-            <a:r>
-              <a:rPr lang="sv-SE" sz="1400" dirty="0" err="1">
-                <a:solidFill>
-                  <a:schemeClr val="accent1">
-                    <a:lumMod val="75000"/>
-                  </a:schemeClr>
-                </a:solidFill>
-              </a:rPr>
-              <a:t>map.moveCreatures</a:t>
-            </a:r>
-            <a:r>
-              <a:rPr lang="sv-SE" sz="1400" dirty="0">
-                <a:solidFill>
-                  <a:schemeClr val="accent1">
-                    <a:lumMod val="75000"/>
-                  </a:schemeClr>
-                </a:solidFill>
-              </a:rPr>
-              <a:t>(); </a:t>
-            </a:r>
-            <a:br>
-              <a:rPr lang="sv-SE" sz="1400" dirty="0">
-                <a:solidFill>
-                  <a:schemeClr val="accent1">
-                    <a:lumMod val="75000"/>
-                  </a:schemeClr>
-                </a:solidFill>
-              </a:rPr>
-            </a:br>
-            <a:r>
-              <a:rPr lang="sv-SE" sz="1400" dirty="0">
-                <a:solidFill>
-                  <a:schemeClr val="accent1">
-                    <a:lumMod val="75000"/>
-                  </a:schemeClr>
-                </a:solidFill>
-              </a:rPr>
-              <a:t>    </a:t>
-            </a:r>
-            <a:r>
-              <a:rPr lang="sv-SE" sz="1400" dirty="0" err="1">
-                <a:solidFill>
-                  <a:schemeClr val="accent1">
-                    <a:lumMod val="75000"/>
-                  </a:schemeClr>
-                </a:solidFill>
-              </a:rPr>
-              <a:t>assertNull</a:t>
-            </a:r>
-            <a:r>
-              <a:rPr lang="sv-SE" sz="1400" dirty="0">
-                <a:solidFill>
-                  <a:schemeClr val="accent1">
-                    <a:lumMod val="75000"/>
-                  </a:schemeClr>
-                </a:solidFill>
-              </a:rPr>
-              <a:t>(</a:t>
-            </a:r>
-            <a:r>
-              <a:rPr lang="sv-SE" sz="1400" dirty="0" err="1">
-                <a:solidFill>
-                  <a:schemeClr val="accent1">
-                    <a:lumMod val="75000"/>
-                  </a:schemeClr>
-                </a:solidFill>
-              </a:rPr>
-              <a:t>map.getMap</a:t>
-            </a:r>
-            <a:r>
-              <a:rPr lang="sv-SE" sz="1400" dirty="0">
-                <a:solidFill>
-                  <a:schemeClr val="accent1">
-                    <a:lumMod val="75000"/>
-                  </a:schemeClr>
-                </a:solidFill>
-              </a:rPr>
-              <a:t>()[1][1]); </a:t>
-            </a:r>
-            <a:br>
-              <a:rPr lang="sv-SE" sz="1400" dirty="0">
-                <a:solidFill>
-                  <a:schemeClr val="accent1">
-                    <a:lumMod val="75000"/>
-                  </a:schemeClr>
-                </a:solidFill>
-              </a:rPr>
-            </a:br>
-            <a:r>
-              <a:rPr lang="sv-SE" sz="1400" dirty="0">
-                <a:solidFill>
-                  <a:schemeClr val="accent1">
-                    <a:lumMod val="75000"/>
-                  </a:schemeClr>
+              <a:rPr lang="sv-SE" sz="1500" dirty="0">
+                <a:solidFill>
+                  <a:srgbClr val="0070C0"/>
                 </a:solidFill>
               </a:rPr>
               <a:t>}</a:t>
@@ -14195,12 +14219,7 @@
             <p:ph type="body" sz="quarter" idx="3"/>
           </p:nvPr>
         </p:nvSpPr>
-        <p:spPr>
-          <a:xfrm>
-            <a:off x="6169024" y="1227348"/>
-            <a:ext cx="5183188" cy="823912"/>
-          </a:xfrm>
-        </p:spPr>
+        <p:spPr/>
         <p:txBody>
           <a:bodyPr/>
           <a:lstStyle/>
@@ -14222,15 +14241,10 @@
             <p:ph sz="quarter" idx="4"/>
           </p:nvPr>
         </p:nvSpPr>
-        <p:spPr>
-          <a:xfrm>
-            <a:off x="6169024" y="2101893"/>
-            <a:ext cx="5183188" cy="3684588"/>
-          </a:xfrm>
-        </p:spPr>
+        <p:spPr/>
         <p:txBody>
           <a:bodyPr>
-            <a:noAutofit/>
+            <a:normAutofit/>
           </a:bodyPr>
           <a:lstStyle/>
           <a:p>
@@ -14238,1418 +14252,321 @@
               <a:buNone/>
             </a:pPr>
             <a:r>
-              <a:rPr lang="sv-SE" sz="1400" dirty="0">
-                <a:solidFill>
-                  <a:schemeClr val="accent1">
-                    <a:lumMod val="75000"/>
-                  </a:schemeClr>
+              <a:rPr lang="sv-SE" sz="1500" dirty="0">
+                <a:solidFill>
+                  <a:srgbClr val="0070C0"/>
                 </a:solidFill>
               </a:rPr>
               <a:t>public </a:t>
             </a:r>
             <a:r>
-              <a:rPr lang="sv-SE" sz="1400" dirty="0" err="1">
-                <a:solidFill>
-                  <a:schemeClr val="accent1">
-                    <a:lumMod val="75000"/>
-                  </a:schemeClr>
-                </a:solidFill>
-              </a:rPr>
-              <a:t>void</a:t>
-            </a:r>
-            <a:r>
-              <a:rPr lang="sv-SE" sz="1400" dirty="0">
-                <a:solidFill>
-                  <a:schemeClr val="accent1">
-                    <a:lumMod val="75000"/>
-                  </a:schemeClr>
+              <a:rPr lang="sv-SE" sz="1500" dirty="0" err="1">
+                <a:solidFill>
+                  <a:srgbClr val="0070C0"/>
+                </a:solidFill>
+              </a:rPr>
+              <a:t>boolean</a:t>
+            </a:r>
+            <a:r>
+              <a:rPr lang="sv-SE" sz="1500" dirty="0">
+                <a:solidFill>
+                  <a:srgbClr val="0070C0"/>
                 </a:solidFill>
               </a:rPr>
               <a:t> </a:t>
             </a:r>
             <a:r>
-              <a:rPr lang="sv-SE" sz="1400" dirty="0" err="1">
-                <a:solidFill>
-                  <a:schemeClr val="accent1">
-                    <a:lumMod val="75000"/>
-                  </a:schemeClr>
-                </a:solidFill>
-              </a:rPr>
-              <a:t>moveCreatures</a:t>
-            </a:r>
-            <a:r>
-              <a:rPr lang="sv-SE" sz="1400" dirty="0">
-                <a:solidFill>
-                  <a:schemeClr val="accent1">
-                    <a:lumMod val="75000"/>
-                  </a:schemeClr>
-                </a:solidFill>
-              </a:rPr>
-              <a:t>() {</a:t>
+              <a:rPr lang="sv-SE" sz="1500" dirty="0" err="1">
+                <a:solidFill>
+                  <a:srgbClr val="0070C0"/>
+                </a:solidFill>
+              </a:rPr>
+              <a:t>addItem</a:t>
+            </a:r>
+            <a:r>
+              <a:rPr lang="sv-SE" sz="1500" dirty="0">
+                <a:solidFill>
+                  <a:srgbClr val="0070C0"/>
+                </a:solidFill>
+              </a:rPr>
+              <a:t>(Equipment item) {</a:t>
             </a:r>
             <a:br>
-              <a:rPr lang="sv-SE" sz="1400" dirty="0">
-                <a:solidFill>
-                  <a:schemeClr val="accent1">
-                    <a:lumMod val="75000"/>
-                  </a:schemeClr>
+              <a:rPr lang="sv-SE" sz="1500" dirty="0">
+                <a:solidFill>
+                  <a:srgbClr val="0070C0"/>
                 </a:solidFill>
               </a:rPr>
             </a:br>
             <a:r>
-              <a:rPr lang="sv-SE" sz="1400" dirty="0">
-                <a:solidFill>
-                  <a:schemeClr val="accent1">
-                    <a:lumMod val="75000"/>
-                  </a:schemeClr>
+              <a:rPr lang="sv-SE" sz="1500" dirty="0">
+                <a:solidFill>
+                  <a:srgbClr val="0070C0"/>
                 </a:solidFill>
               </a:rPr>
               <a:t>    for (</a:t>
             </a:r>
             <a:r>
-              <a:rPr lang="sv-SE" sz="1400" dirty="0" err="1">
-                <a:solidFill>
-                  <a:schemeClr val="accent1">
-                    <a:lumMod val="75000"/>
-                  </a:schemeClr>
-                </a:solidFill>
-              </a:rPr>
-              <a:t>Creature</a:t>
-            </a:r>
-            <a:r>
-              <a:rPr lang="sv-SE" sz="1400" dirty="0">
-                <a:solidFill>
-                  <a:schemeClr val="accent1">
-                    <a:lumMod val="75000"/>
-                  </a:schemeClr>
-                </a:solidFill>
-              </a:rPr>
-              <a:t> c : </a:t>
-            </a:r>
-            <a:r>
-              <a:rPr lang="sv-SE" sz="1400" dirty="0" err="1">
-                <a:solidFill>
-                  <a:schemeClr val="accent1">
-                    <a:lumMod val="75000"/>
-                  </a:schemeClr>
-                </a:solidFill>
-              </a:rPr>
-              <a:t>creatures</a:t>
-            </a:r>
-            <a:r>
-              <a:rPr lang="sv-SE" sz="1400" dirty="0">
-                <a:solidFill>
-                  <a:schemeClr val="accent1">
-                    <a:lumMod val="75000"/>
-                  </a:schemeClr>
+              <a:rPr lang="sv-SE" sz="1500" dirty="0" err="1">
+                <a:solidFill>
+                  <a:srgbClr val="0070C0"/>
+                </a:solidFill>
+              </a:rPr>
+              <a:t>int</a:t>
+            </a:r>
+            <a:r>
+              <a:rPr lang="sv-SE" sz="1500" dirty="0">
+                <a:solidFill>
+                  <a:srgbClr val="0070C0"/>
+                </a:solidFill>
+              </a:rPr>
+              <a:t> i = 0; i &lt; </a:t>
+            </a:r>
+            <a:r>
+              <a:rPr lang="sv-SE" sz="1500" dirty="0" err="1">
+                <a:solidFill>
+                  <a:srgbClr val="0070C0"/>
+                </a:solidFill>
+              </a:rPr>
+              <a:t>inventoryArray.length</a:t>
+            </a:r>
+            <a:r>
+              <a:rPr lang="sv-SE" sz="1500" dirty="0">
+                <a:solidFill>
+                  <a:srgbClr val="0070C0"/>
+                </a:solidFill>
+              </a:rPr>
+              <a:t>; i++) {</a:t>
+            </a:r>
+            <a:br>
+              <a:rPr lang="sv-SE" sz="1500" dirty="0">
+                <a:solidFill>
+                  <a:srgbClr val="0070C0"/>
+                </a:solidFill>
+              </a:rPr>
+            </a:br>
+            <a:r>
+              <a:rPr lang="sv-SE" sz="1500" dirty="0">
+                <a:solidFill>
+                  <a:srgbClr val="0070C0"/>
+                </a:solidFill>
+              </a:rPr>
+              <a:t>        </a:t>
+            </a:r>
+            <a:r>
+              <a:rPr lang="sv-SE" sz="1500" dirty="0" err="1">
+                <a:solidFill>
+                  <a:srgbClr val="0070C0"/>
+                </a:solidFill>
+              </a:rPr>
+              <a:t>if</a:t>
+            </a:r>
+            <a:r>
+              <a:rPr lang="sv-SE" sz="1500" dirty="0">
+                <a:solidFill>
+                  <a:srgbClr val="0070C0"/>
+                </a:solidFill>
+              </a:rPr>
+              <a:t> (</a:t>
+            </a:r>
+            <a:r>
+              <a:rPr lang="sv-SE" sz="1500" dirty="0" err="1">
+                <a:solidFill>
+                  <a:srgbClr val="0070C0"/>
+                </a:solidFill>
+              </a:rPr>
+              <a:t>inventoryArray</a:t>
+            </a:r>
+            <a:r>
+              <a:rPr lang="sv-SE" sz="1500" dirty="0">
+                <a:solidFill>
+                  <a:srgbClr val="0070C0"/>
+                </a:solidFill>
+              </a:rPr>
+              <a:t>[i] == </a:t>
+            </a:r>
+            <a:r>
+              <a:rPr lang="sv-SE" sz="1500" dirty="0" err="1">
+                <a:solidFill>
+                  <a:srgbClr val="0070C0"/>
+                </a:solidFill>
+              </a:rPr>
+              <a:t>null</a:t>
+            </a:r>
+            <a:r>
+              <a:rPr lang="sv-SE" sz="1500" dirty="0">
+                <a:solidFill>
+                  <a:srgbClr val="0070C0"/>
                 </a:solidFill>
               </a:rPr>
               <a:t>) {</a:t>
             </a:r>
             <a:br>
-              <a:rPr lang="sv-SE" sz="1400" dirty="0">
-                <a:solidFill>
-                  <a:schemeClr val="accent1">
-                    <a:lumMod val="75000"/>
-                  </a:schemeClr>
+              <a:rPr lang="sv-SE" sz="1500" dirty="0">
+                <a:solidFill>
+                  <a:srgbClr val="0070C0"/>
                 </a:solidFill>
               </a:rPr>
             </a:br>
             <a:r>
-              <a:rPr lang="sv-SE" sz="1400" dirty="0">
-                <a:solidFill>
-                  <a:schemeClr val="accent1">
-                    <a:lumMod val="75000"/>
-                  </a:schemeClr>
-                </a:solidFill>
-              </a:rPr>
-              <a:t>        </a:t>
-            </a:r>
-            <a:r>
-              <a:rPr lang="sv-SE" sz="1400" dirty="0" err="1">
-                <a:solidFill>
-                  <a:schemeClr val="accent1">
-                    <a:lumMod val="75000"/>
-                  </a:schemeClr>
-                </a:solidFill>
-              </a:rPr>
-              <a:t>int</a:t>
-            </a:r>
-            <a:r>
-              <a:rPr lang="sv-SE" sz="1400" dirty="0">
-                <a:solidFill>
-                  <a:schemeClr val="accent1">
-                    <a:lumMod val="75000"/>
-                  </a:schemeClr>
+              <a:rPr lang="sv-SE" sz="1500" dirty="0">
+                <a:solidFill>
+                  <a:srgbClr val="0070C0"/>
+                </a:solidFill>
+              </a:rPr>
+              <a:t>            </a:t>
+            </a:r>
+            <a:r>
+              <a:rPr lang="sv-SE" sz="1500" dirty="0" err="1">
+                <a:solidFill>
+                  <a:srgbClr val="0070C0"/>
+                </a:solidFill>
+              </a:rPr>
+              <a:t>inventoryArray</a:t>
+            </a:r>
+            <a:r>
+              <a:rPr lang="sv-SE" sz="1500" dirty="0">
+                <a:solidFill>
+                  <a:srgbClr val="0070C0"/>
+                </a:solidFill>
+              </a:rPr>
+              <a:t>[i] = item;</a:t>
+            </a:r>
+            <a:br>
+              <a:rPr lang="sv-SE" sz="1500" dirty="0">
+                <a:solidFill>
+                  <a:srgbClr val="0070C0"/>
+                </a:solidFill>
+              </a:rPr>
+            </a:br>
+            <a:r>
+              <a:rPr lang="sv-SE" sz="1500" dirty="0">
+                <a:solidFill>
+                  <a:srgbClr val="0070C0"/>
+                </a:solidFill>
+              </a:rPr>
+              <a:t>            </a:t>
+            </a:r>
+            <a:r>
+              <a:rPr lang="sv-SE" sz="1500" dirty="0" err="1">
+                <a:solidFill>
+                  <a:srgbClr val="0070C0"/>
+                </a:solidFill>
+              </a:rPr>
+              <a:t>return</a:t>
+            </a:r>
+            <a:r>
+              <a:rPr lang="sv-SE" sz="1500" dirty="0">
+                <a:solidFill>
+                  <a:srgbClr val="0070C0"/>
                 </a:solidFill>
               </a:rPr>
               <a:t> </a:t>
             </a:r>
             <a:r>
-              <a:rPr lang="sv-SE" sz="1400" dirty="0" err="1">
-                <a:solidFill>
-                  <a:schemeClr val="accent1">
-                    <a:lumMod val="75000"/>
-                  </a:schemeClr>
-                </a:solidFill>
-              </a:rPr>
-              <a:t>pos</a:t>
-            </a:r>
-            <a:r>
-              <a:rPr lang="sv-SE" sz="1400" dirty="0">
-                <a:solidFill>
-                  <a:schemeClr val="accent1">
-                    <a:lumMod val="75000"/>
-                  </a:schemeClr>
-                </a:solidFill>
-              </a:rPr>
-              <a:t>[] = </a:t>
-            </a:r>
-            <a:r>
-              <a:rPr lang="sv-SE" sz="1400" dirty="0" err="1">
-                <a:solidFill>
-                  <a:schemeClr val="accent1">
-                    <a:lumMod val="75000"/>
-                  </a:schemeClr>
-                </a:solidFill>
-              </a:rPr>
-              <a:t>c.moveCreature</a:t>
-            </a:r>
-            <a:r>
-              <a:rPr lang="sv-SE" sz="1400" dirty="0">
-                <a:solidFill>
-                  <a:schemeClr val="accent1">
-                    <a:lumMod val="75000"/>
-                  </a:schemeClr>
-                </a:solidFill>
-              </a:rPr>
-              <a:t>();</a:t>
+              <a:rPr lang="sv-SE" sz="1500" dirty="0" err="1">
+                <a:solidFill>
+                  <a:srgbClr val="0070C0"/>
+                </a:solidFill>
+              </a:rPr>
+              <a:t>true</a:t>
+            </a:r>
+            <a:r>
+              <a:rPr lang="sv-SE" sz="1500" dirty="0">
+                <a:solidFill>
+                  <a:srgbClr val="0070C0"/>
+                </a:solidFill>
+              </a:rPr>
+              <a:t>;</a:t>
             </a:r>
             <a:br>
-              <a:rPr lang="sv-SE" sz="1400" dirty="0">
-                <a:solidFill>
-                  <a:schemeClr val="accent1">
-                    <a:lumMod val="75000"/>
-                  </a:schemeClr>
+              <a:rPr lang="sv-SE" sz="1500" dirty="0">
+                <a:solidFill>
+                  <a:srgbClr val="0070C0"/>
                 </a:solidFill>
               </a:rPr>
             </a:br>
+            <a:r>
+              <a:rPr lang="sv-SE" sz="1500" dirty="0">
+                <a:solidFill>
+                  <a:srgbClr val="0070C0"/>
+                </a:solidFill>
+              </a:rPr>
+              <a:t>        }</a:t>
+            </a:r>
             <a:br>
-              <a:rPr lang="sv-SE" sz="1400" dirty="0">
-                <a:solidFill>
-                  <a:schemeClr val="accent1">
-                    <a:lumMod val="75000"/>
-                  </a:schemeClr>
+              <a:rPr lang="sv-SE" sz="1500" dirty="0">
+                <a:solidFill>
+                  <a:srgbClr val="0070C0"/>
                 </a:solidFill>
               </a:rPr>
             </a:br>
             <a:r>
-              <a:rPr lang="sv-SE" sz="1400" dirty="0">
-                <a:solidFill>
-                  <a:schemeClr val="accent1">
-                    <a:lumMod val="75000"/>
-                  </a:schemeClr>
-                </a:solidFill>
-              </a:rPr>
-              <a:t>        </a:t>
-            </a:r>
-            <a:r>
-              <a:rPr lang="sv-SE" sz="1400" dirty="0" err="1">
-                <a:solidFill>
-                  <a:schemeClr val="accent1">
-                    <a:lumMod val="75000"/>
-                  </a:schemeClr>
-                </a:solidFill>
-              </a:rPr>
-              <a:t>if</a:t>
-            </a:r>
-            <a:r>
-              <a:rPr lang="sv-SE" sz="1400" dirty="0">
-                <a:solidFill>
-                  <a:schemeClr val="accent1">
-                    <a:lumMod val="75000"/>
-                  </a:schemeClr>
-                </a:solidFill>
-              </a:rPr>
-              <a:t> (!(</a:t>
-            </a:r>
-            <a:r>
-              <a:rPr lang="sv-SE" sz="1400" dirty="0" err="1">
-                <a:solidFill>
-                  <a:schemeClr val="accent1">
-                    <a:lumMod val="75000"/>
-                  </a:schemeClr>
-                </a:solidFill>
-              </a:rPr>
-              <a:t>map</a:t>
-            </a:r>
-            <a:r>
-              <a:rPr lang="sv-SE" sz="1400" dirty="0">
-                <a:solidFill>
-                  <a:schemeClr val="accent1">
-                    <a:lumMod val="75000"/>
-                  </a:schemeClr>
-                </a:solidFill>
-              </a:rPr>
-              <a:t>[</a:t>
-            </a:r>
-            <a:r>
-              <a:rPr lang="sv-SE" sz="1400" dirty="0" err="1">
-                <a:solidFill>
-                  <a:schemeClr val="accent1">
-                    <a:lumMod val="75000"/>
-                  </a:schemeClr>
-                </a:solidFill>
-              </a:rPr>
-              <a:t>pos</a:t>
-            </a:r>
-            <a:r>
-              <a:rPr lang="sv-SE" sz="1400" dirty="0">
-                <a:solidFill>
-                  <a:schemeClr val="accent1">
-                    <a:lumMod val="75000"/>
-                  </a:schemeClr>
-                </a:solidFill>
-              </a:rPr>
-              <a:t>[2]][</a:t>
-            </a:r>
-            <a:r>
-              <a:rPr lang="sv-SE" sz="1400" dirty="0" err="1">
-                <a:solidFill>
-                  <a:schemeClr val="accent1">
-                    <a:lumMod val="75000"/>
-                  </a:schemeClr>
-                </a:solidFill>
-              </a:rPr>
-              <a:t>pos</a:t>
-            </a:r>
-            <a:r>
-              <a:rPr lang="sv-SE" sz="1400" dirty="0">
-                <a:solidFill>
-                  <a:schemeClr val="accent1">
-                    <a:lumMod val="75000"/>
-                  </a:schemeClr>
-                </a:solidFill>
-              </a:rPr>
-              <a:t>[3]] </a:t>
-            </a:r>
-            <a:r>
-              <a:rPr lang="sv-SE" sz="1400" dirty="0" err="1">
-                <a:solidFill>
-                  <a:schemeClr val="accent1">
-                    <a:lumMod val="75000"/>
-                  </a:schemeClr>
-                </a:solidFill>
-              </a:rPr>
-              <a:t>instanceof</a:t>
-            </a:r>
-            <a:r>
-              <a:rPr lang="sv-SE" sz="1400" dirty="0">
-                <a:solidFill>
-                  <a:schemeClr val="accent1">
-                    <a:lumMod val="75000"/>
-                  </a:schemeClr>
+              <a:rPr lang="sv-SE" sz="1500" dirty="0">
+                <a:solidFill>
+                  <a:srgbClr val="0070C0"/>
+                </a:solidFill>
+              </a:rPr>
+              <a:t>    }</a:t>
+            </a:r>
+            <a:br>
+              <a:rPr lang="sv-SE" sz="1500" dirty="0">
+                <a:solidFill>
+                  <a:srgbClr val="0070C0"/>
+                </a:solidFill>
+              </a:rPr>
+            </a:br>
+            <a:r>
+              <a:rPr lang="sv-SE" sz="1500" dirty="0">
+                <a:solidFill>
+                  <a:srgbClr val="0070C0"/>
+                </a:solidFill>
+              </a:rPr>
+              <a:t>    </a:t>
+            </a:r>
+            <a:r>
+              <a:rPr lang="sv-SE" sz="1500" dirty="0" err="1">
+                <a:solidFill>
+                  <a:srgbClr val="0070C0"/>
+                </a:solidFill>
+              </a:rPr>
+              <a:t>return</a:t>
+            </a:r>
+            <a:r>
+              <a:rPr lang="sv-SE" sz="1500" dirty="0">
+                <a:solidFill>
+                  <a:srgbClr val="0070C0"/>
                 </a:solidFill>
               </a:rPr>
               <a:t> </a:t>
             </a:r>
             <a:r>
-              <a:rPr lang="sv-SE" sz="1400" dirty="0" err="1">
-                <a:solidFill>
-                  <a:schemeClr val="accent1">
-                    <a:lumMod val="75000"/>
-                  </a:schemeClr>
-                </a:solidFill>
-              </a:rPr>
-              <a:t>Stationary</a:t>
-            </a:r>
-            <a:r>
-              <a:rPr lang="sv-SE" sz="1400" dirty="0">
-                <a:solidFill>
-                  <a:schemeClr val="accent1">
-                    <a:lumMod val="75000"/>
-                  </a:schemeClr>
-                </a:solidFill>
-              </a:rPr>
-              <a:t>)) {</a:t>
+              <a:rPr lang="sv-SE" sz="1500" dirty="0" err="1">
+                <a:solidFill>
+                  <a:srgbClr val="0070C0"/>
+                </a:solidFill>
+              </a:rPr>
+              <a:t>false</a:t>
+            </a:r>
+            <a:r>
+              <a:rPr lang="sv-SE" sz="1500" dirty="0">
+                <a:solidFill>
+                  <a:srgbClr val="0070C0"/>
+                </a:solidFill>
+              </a:rPr>
+              <a:t>;</a:t>
             </a:r>
             <a:br>
-              <a:rPr lang="sv-SE" sz="1400" dirty="0">
-                <a:solidFill>
-                  <a:schemeClr val="accent1">
-                    <a:lumMod val="75000"/>
-                  </a:schemeClr>
+              <a:rPr lang="sv-SE" sz="1500" dirty="0">
+                <a:solidFill>
+                  <a:srgbClr val="0070C0"/>
                 </a:solidFill>
               </a:rPr>
             </a:br>
             <a:r>
-              <a:rPr lang="sv-SE" sz="1400" dirty="0">
-                <a:solidFill>
-                  <a:schemeClr val="accent1">
-                    <a:lumMod val="75000"/>
-                  </a:schemeClr>
-                </a:solidFill>
-              </a:rPr>
-              <a:t>            </a:t>
-            </a:r>
-            <a:r>
-              <a:rPr lang="sv-SE" sz="1400" dirty="0" err="1">
-                <a:solidFill>
-                  <a:schemeClr val="accent1">
-                    <a:lumMod val="75000"/>
-                  </a:schemeClr>
-                </a:solidFill>
-              </a:rPr>
-              <a:t>boolean</a:t>
-            </a:r>
-            <a:r>
-              <a:rPr lang="sv-SE" sz="1400" dirty="0">
-                <a:solidFill>
-                  <a:schemeClr val="accent1">
-                    <a:lumMod val="75000"/>
-                  </a:schemeClr>
-                </a:solidFill>
-              </a:rPr>
-              <a:t> </a:t>
-            </a:r>
-            <a:r>
-              <a:rPr lang="sv-SE" sz="1400" dirty="0" err="1">
-                <a:solidFill>
-                  <a:schemeClr val="accent1">
-                    <a:lumMod val="75000"/>
-                  </a:schemeClr>
-                </a:solidFill>
-              </a:rPr>
-              <a:t>allowed</a:t>
-            </a:r>
-            <a:r>
-              <a:rPr lang="sv-SE" sz="1400" dirty="0">
-                <a:solidFill>
-                  <a:schemeClr val="accent1">
-                    <a:lumMod val="75000"/>
-                  </a:schemeClr>
-                </a:solidFill>
-              </a:rPr>
-              <a:t> = </a:t>
-            </a:r>
-            <a:r>
-              <a:rPr lang="sv-SE" sz="1400" dirty="0" err="1">
-                <a:solidFill>
-                  <a:schemeClr val="accent1">
-                    <a:lumMod val="75000"/>
-                  </a:schemeClr>
-                </a:solidFill>
-              </a:rPr>
-              <a:t>false</a:t>
-            </a:r>
-            <a:r>
-              <a:rPr lang="sv-SE" sz="1400" dirty="0">
-                <a:solidFill>
-                  <a:schemeClr val="accent1">
-                    <a:lumMod val="75000"/>
-                  </a:schemeClr>
-                </a:solidFill>
-              </a:rPr>
-              <a:t>;</a:t>
-            </a:r>
-            <a:br>
-              <a:rPr lang="sv-SE" sz="1400" dirty="0">
-                <a:solidFill>
-                  <a:schemeClr val="accent1">
-                    <a:lumMod val="75000"/>
-                  </a:schemeClr>
-                </a:solidFill>
-              </a:rPr>
-            </a:br>
-            <a:r>
-              <a:rPr lang="sv-SE" sz="1400" dirty="0">
-                <a:solidFill>
-                  <a:schemeClr val="accent1">
-                    <a:lumMod val="75000"/>
-                  </a:schemeClr>
-                </a:solidFill>
-              </a:rPr>
-              <a:t>            </a:t>
-            </a:r>
-            <a:r>
-              <a:rPr lang="sv-SE" sz="1400" dirty="0" err="1">
-                <a:solidFill>
-                  <a:schemeClr val="accent1">
-                    <a:lumMod val="75000"/>
-                  </a:schemeClr>
-                </a:solidFill>
-              </a:rPr>
-              <a:t>if</a:t>
-            </a:r>
-            <a:r>
-              <a:rPr lang="sv-SE" sz="1400" dirty="0">
-                <a:solidFill>
-                  <a:schemeClr val="accent1">
-                    <a:lumMod val="75000"/>
-                  </a:schemeClr>
-                </a:solidFill>
-              </a:rPr>
-              <a:t> (c </a:t>
-            </a:r>
-            <a:r>
-              <a:rPr lang="sv-SE" sz="1400" dirty="0" err="1">
-                <a:solidFill>
-                  <a:schemeClr val="accent1">
-                    <a:lumMod val="75000"/>
-                  </a:schemeClr>
-                </a:solidFill>
-              </a:rPr>
-              <a:t>instanceof</a:t>
-            </a:r>
-            <a:r>
-              <a:rPr lang="sv-SE" sz="1400" dirty="0">
-                <a:solidFill>
-                  <a:schemeClr val="accent1">
-                    <a:lumMod val="75000"/>
-                  </a:schemeClr>
-                </a:solidFill>
-              </a:rPr>
-              <a:t> Hero) {</a:t>
-            </a:r>
-            <a:br>
-              <a:rPr lang="sv-SE" sz="1400" dirty="0">
-                <a:solidFill>
-                  <a:schemeClr val="accent1">
-                    <a:lumMod val="75000"/>
-                  </a:schemeClr>
-                </a:solidFill>
-              </a:rPr>
-            </a:br>
-            <a:r>
-              <a:rPr lang="sv-SE" sz="1400" dirty="0">
-                <a:solidFill>
-                  <a:schemeClr val="accent1">
-                    <a:lumMod val="75000"/>
-                  </a:schemeClr>
-                </a:solidFill>
-              </a:rPr>
-              <a:t>                </a:t>
-            </a:r>
-            <a:r>
-              <a:rPr lang="sv-SE" sz="1400" dirty="0" err="1">
-                <a:solidFill>
-                  <a:schemeClr val="accent1">
-                    <a:lumMod val="75000"/>
-                  </a:schemeClr>
-                </a:solidFill>
-              </a:rPr>
-              <a:t>allowed</a:t>
-            </a:r>
-            <a:r>
-              <a:rPr lang="sv-SE" sz="1400" dirty="0">
-                <a:solidFill>
-                  <a:schemeClr val="accent1">
-                    <a:lumMod val="75000"/>
-                  </a:schemeClr>
-                </a:solidFill>
-              </a:rPr>
-              <a:t> = </a:t>
-            </a:r>
-            <a:r>
-              <a:rPr lang="sv-SE" sz="1400" dirty="0" err="1">
-                <a:solidFill>
-                  <a:schemeClr val="accent1">
-                    <a:lumMod val="75000"/>
-                  </a:schemeClr>
-                </a:solidFill>
-              </a:rPr>
-              <a:t>true</a:t>
-            </a:r>
-            <a:r>
-              <a:rPr lang="sv-SE" sz="1400" dirty="0">
-                <a:solidFill>
-                  <a:schemeClr val="accent1">
-                    <a:lumMod val="75000"/>
-                  </a:schemeClr>
-                </a:solidFill>
-              </a:rPr>
-              <a:t>;</a:t>
-            </a:r>
-            <a:br>
-              <a:rPr lang="sv-SE" sz="1400" dirty="0">
-                <a:solidFill>
-                  <a:schemeClr val="accent1">
-                    <a:lumMod val="75000"/>
-                  </a:schemeClr>
-                </a:solidFill>
-              </a:rPr>
-            </a:br>
-            <a:r>
-              <a:rPr lang="sv-SE" sz="1400" dirty="0">
-                <a:solidFill>
-                  <a:schemeClr val="accent1">
-                    <a:lumMod val="75000"/>
-                  </a:schemeClr>
-                </a:solidFill>
-              </a:rPr>
-              <a:t>                </a:t>
-            </a:r>
-            <a:r>
-              <a:rPr lang="sv-SE" sz="1400" dirty="0" err="1">
-                <a:solidFill>
-                  <a:schemeClr val="accent1">
-                    <a:lumMod val="75000"/>
-                  </a:schemeClr>
-                </a:solidFill>
-              </a:rPr>
-              <a:t>if</a:t>
-            </a:r>
-            <a:r>
-              <a:rPr lang="sv-SE" sz="1400" dirty="0">
-                <a:solidFill>
-                  <a:schemeClr val="accent1">
-                    <a:lumMod val="75000"/>
-                  </a:schemeClr>
-                </a:solidFill>
-              </a:rPr>
-              <a:t> (</a:t>
-            </a:r>
-            <a:r>
-              <a:rPr lang="sv-SE" sz="1400" dirty="0" err="1">
-                <a:solidFill>
-                  <a:schemeClr val="accent1">
-                    <a:lumMod val="75000"/>
-                  </a:schemeClr>
-                </a:solidFill>
-              </a:rPr>
-              <a:t>map</a:t>
-            </a:r>
-            <a:r>
-              <a:rPr lang="sv-SE" sz="1400" dirty="0">
-                <a:solidFill>
-                  <a:schemeClr val="accent1">
-                    <a:lumMod val="75000"/>
-                  </a:schemeClr>
-                </a:solidFill>
-              </a:rPr>
-              <a:t>[</a:t>
-            </a:r>
-            <a:r>
-              <a:rPr lang="sv-SE" sz="1400" dirty="0" err="1">
-                <a:solidFill>
-                  <a:schemeClr val="accent1">
-                    <a:lumMod val="75000"/>
-                  </a:schemeClr>
-                </a:solidFill>
-              </a:rPr>
-              <a:t>pos</a:t>
-            </a:r>
-            <a:r>
-              <a:rPr lang="sv-SE" sz="1400" dirty="0">
-                <a:solidFill>
-                  <a:schemeClr val="accent1">
-                    <a:lumMod val="75000"/>
-                  </a:schemeClr>
-                </a:solidFill>
-              </a:rPr>
-              <a:t>[2]][</a:t>
-            </a:r>
-            <a:r>
-              <a:rPr lang="sv-SE" sz="1400" dirty="0" err="1">
-                <a:solidFill>
-                  <a:schemeClr val="accent1">
-                    <a:lumMod val="75000"/>
-                  </a:schemeClr>
-                </a:solidFill>
-              </a:rPr>
-              <a:t>pos</a:t>
-            </a:r>
-            <a:r>
-              <a:rPr lang="sv-SE" sz="1400" dirty="0">
-                <a:solidFill>
-                  <a:schemeClr val="accent1">
-                    <a:lumMod val="75000"/>
-                  </a:schemeClr>
-                </a:solidFill>
-              </a:rPr>
-              <a:t>[3]] </a:t>
-            </a:r>
-            <a:r>
-              <a:rPr lang="sv-SE" sz="1400" dirty="0" err="1">
-                <a:solidFill>
-                  <a:schemeClr val="accent1">
-                    <a:lumMod val="75000"/>
-                  </a:schemeClr>
-                </a:solidFill>
-              </a:rPr>
-              <a:t>instanceof</a:t>
-            </a:r>
-            <a:r>
-              <a:rPr lang="sv-SE" sz="1400" dirty="0">
-                <a:solidFill>
-                  <a:schemeClr val="accent1">
-                    <a:lumMod val="75000"/>
-                  </a:schemeClr>
-                </a:solidFill>
-              </a:rPr>
-              <a:t> Item) {</a:t>
-            </a:r>
-            <a:br>
-              <a:rPr lang="sv-SE" sz="1400" dirty="0">
-                <a:solidFill>
-                  <a:schemeClr val="accent1">
-                    <a:lumMod val="75000"/>
-                  </a:schemeClr>
-                </a:solidFill>
-              </a:rPr>
-            </a:br>
-            <a:r>
-              <a:rPr lang="sv-SE" sz="1400" dirty="0">
-                <a:solidFill>
-                  <a:schemeClr val="accent1">
-                    <a:lumMod val="75000"/>
-                  </a:schemeClr>
-                </a:solidFill>
-              </a:rPr>
-              <a:t>                    ((Hero) c).</a:t>
-            </a:r>
-            <a:r>
-              <a:rPr lang="sv-SE" sz="1400" dirty="0" err="1">
-                <a:solidFill>
-                  <a:schemeClr val="accent1">
-                    <a:lumMod val="75000"/>
-                  </a:schemeClr>
-                </a:solidFill>
-              </a:rPr>
-              <a:t>pickUpItem</a:t>
-            </a:r>
-            <a:r>
-              <a:rPr lang="sv-SE" sz="1400" dirty="0">
-                <a:solidFill>
-                  <a:schemeClr val="accent1">
-                    <a:lumMod val="75000"/>
-                  </a:schemeClr>
-                </a:solidFill>
-              </a:rPr>
-              <a:t>((Item) </a:t>
-            </a:r>
-            <a:r>
-              <a:rPr lang="sv-SE" sz="1400" dirty="0" err="1">
-                <a:solidFill>
-                  <a:schemeClr val="accent1">
-                    <a:lumMod val="75000"/>
-                  </a:schemeClr>
-                </a:solidFill>
-              </a:rPr>
-              <a:t>map</a:t>
-            </a:r>
-            <a:r>
-              <a:rPr lang="sv-SE" sz="1400" dirty="0">
-                <a:solidFill>
-                  <a:schemeClr val="accent1">
-                    <a:lumMod val="75000"/>
-                  </a:schemeClr>
-                </a:solidFill>
-              </a:rPr>
-              <a:t>[</a:t>
-            </a:r>
-            <a:r>
-              <a:rPr lang="sv-SE" sz="1400" dirty="0" err="1">
-                <a:solidFill>
-                  <a:schemeClr val="accent1">
-                    <a:lumMod val="75000"/>
-                  </a:schemeClr>
-                </a:solidFill>
-              </a:rPr>
-              <a:t>pos</a:t>
-            </a:r>
-            <a:r>
-              <a:rPr lang="sv-SE" sz="1400" dirty="0">
-                <a:solidFill>
-                  <a:schemeClr val="accent1">
-                    <a:lumMod val="75000"/>
-                  </a:schemeClr>
-                </a:solidFill>
-              </a:rPr>
-              <a:t>[2]][</a:t>
-            </a:r>
-            <a:r>
-              <a:rPr lang="sv-SE" sz="1400" dirty="0" err="1">
-                <a:solidFill>
-                  <a:schemeClr val="accent1">
-                    <a:lumMod val="75000"/>
-                  </a:schemeClr>
-                </a:solidFill>
-              </a:rPr>
-              <a:t>pos</a:t>
-            </a:r>
-            <a:r>
-              <a:rPr lang="sv-SE" sz="1400" dirty="0">
-                <a:solidFill>
-                  <a:schemeClr val="accent1">
-                    <a:lumMod val="75000"/>
-                  </a:schemeClr>
-                </a:solidFill>
-              </a:rPr>
-              <a:t>[3]]);</a:t>
-            </a:r>
-            <a:br>
-              <a:rPr lang="sv-SE" sz="1400" dirty="0">
-                <a:solidFill>
-                  <a:schemeClr val="accent1">
-                    <a:lumMod val="75000"/>
-                  </a:schemeClr>
-                </a:solidFill>
-              </a:rPr>
-            </a:br>
-            <a:r>
-              <a:rPr lang="sv-SE" sz="1400" dirty="0">
-                <a:solidFill>
-                  <a:schemeClr val="accent1">
-                    <a:lumMod val="75000"/>
-                  </a:schemeClr>
-                </a:solidFill>
-              </a:rPr>
-              <a:t>                }</a:t>
-            </a:r>
-            <a:br>
-              <a:rPr lang="sv-SE" sz="1400" dirty="0">
-                <a:solidFill>
-                  <a:schemeClr val="accent1">
-                    <a:lumMod val="75000"/>
-                  </a:schemeClr>
-                </a:solidFill>
-              </a:rPr>
-            </a:br>
-            <a:r>
-              <a:rPr lang="sv-SE" sz="1400" dirty="0">
-                <a:solidFill>
-                  <a:schemeClr val="accent1">
-                    <a:lumMod val="75000"/>
-                  </a:schemeClr>
-                </a:solidFill>
-              </a:rPr>
-              <a:t>            } </a:t>
-            </a:r>
-            <a:r>
-              <a:rPr lang="sv-SE" sz="1400" dirty="0" err="1">
-                <a:solidFill>
-                  <a:schemeClr val="accent1">
-                    <a:lumMod val="75000"/>
-                  </a:schemeClr>
-                </a:solidFill>
-              </a:rPr>
-              <a:t>else</a:t>
-            </a:r>
-            <a:r>
-              <a:rPr lang="sv-SE" sz="1400" dirty="0">
-                <a:solidFill>
-                  <a:schemeClr val="accent1">
-                    <a:lumMod val="75000"/>
-                  </a:schemeClr>
-                </a:solidFill>
-              </a:rPr>
-              <a:t> {</a:t>
-            </a:r>
-            <a:br>
-              <a:rPr lang="sv-SE" sz="1400" dirty="0">
-                <a:solidFill>
-                  <a:schemeClr val="accent1">
-                    <a:lumMod val="75000"/>
-                  </a:schemeClr>
-                </a:solidFill>
-              </a:rPr>
-            </a:br>
-            <a:r>
-              <a:rPr lang="sv-SE" sz="1400" dirty="0">
-                <a:solidFill>
-                  <a:schemeClr val="accent1">
-                    <a:lumMod val="75000"/>
-                  </a:schemeClr>
-                </a:solidFill>
-              </a:rPr>
-              <a:t>                </a:t>
-            </a:r>
-            <a:r>
-              <a:rPr lang="sv-SE" sz="1400" dirty="0" err="1">
-                <a:solidFill>
-                  <a:schemeClr val="accent1">
-                    <a:lumMod val="75000"/>
-                  </a:schemeClr>
-                </a:solidFill>
-              </a:rPr>
-              <a:t>if</a:t>
-            </a:r>
-            <a:r>
-              <a:rPr lang="sv-SE" sz="1400" dirty="0">
-                <a:solidFill>
-                  <a:schemeClr val="accent1">
-                    <a:lumMod val="75000"/>
-                  </a:schemeClr>
-                </a:solidFill>
-              </a:rPr>
-              <a:t> (</a:t>
-            </a:r>
-            <a:r>
-              <a:rPr lang="sv-SE" sz="1400" dirty="0" err="1">
-                <a:solidFill>
-                  <a:schemeClr val="accent1">
-                    <a:lumMod val="75000"/>
-                  </a:schemeClr>
-                </a:solidFill>
-              </a:rPr>
-              <a:t>map</a:t>
-            </a:r>
-            <a:r>
-              <a:rPr lang="sv-SE" sz="1400" dirty="0">
-                <a:solidFill>
-                  <a:schemeClr val="accent1">
-                    <a:lumMod val="75000"/>
-                  </a:schemeClr>
-                </a:solidFill>
-              </a:rPr>
-              <a:t>[</a:t>
-            </a:r>
-            <a:r>
-              <a:rPr lang="sv-SE" sz="1400" dirty="0" err="1">
-                <a:solidFill>
-                  <a:schemeClr val="accent1">
-                    <a:lumMod val="75000"/>
-                  </a:schemeClr>
-                </a:solidFill>
-              </a:rPr>
-              <a:t>pos</a:t>
-            </a:r>
-            <a:r>
-              <a:rPr lang="sv-SE" sz="1400" dirty="0">
-                <a:solidFill>
-                  <a:schemeClr val="accent1">
-                    <a:lumMod val="75000"/>
-                  </a:schemeClr>
-                </a:solidFill>
-              </a:rPr>
-              <a:t>[2]][</a:t>
-            </a:r>
-            <a:r>
-              <a:rPr lang="sv-SE" sz="1400" dirty="0" err="1">
-                <a:solidFill>
-                  <a:schemeClr val="accent1">
-                    <a:lumMod val="75000"/>
-                  </a:schemeClr>
-                </a:solidFill>
-              </a:rPr>
-              <a:t>pos</a:t>
-            </a:r>
-            <a:r>
-              <a:rPr lang="sv-SE" sz="1400" dirty="0">
-                <a:solidFill>
-                  <a:schemeClr val="accent1">
-                    <a:lumMod val="75000"/>
-                  </a:schemeClr>
-                </a:solidFill>
-              </a:rPr>
-              <a:t>[3]] == </a:t>
-            </a:r>
-            <a:r>
-              <a:rPr lang="sv-SE" sz="1400" dirty="0" err="1">
-                <a:solidFill>
-                  <a:schemeClr val="accent1">
-                    <a:lumMod val="75000"/>
-                  </a:schemeClr>
-                </a:solidFill>
-              </a:rPr>
-              <a:t>null</a:t>
-            </a:r>
-            <a:r>
-              <a:rPr lang="sv-SE" sz="1400" dirty="0">
-                <a:solidFill>
-                  <a:schemeClr val="accent1">
-                    <a:lumMod val="75000"/>
-                  </a:schemeClr>
-                </a:solidFill>
-              </a:rPr>
-              <a:t>) {</a:t>
-            </a:r>
-            <a:br>
-              <a:rPr lang="sv-SE" sz="1400" dirty="0">
-                <a:solidFill>
-                  <a:schemeClr val="accent1">
-                    <a:lumMod val="75000"/>
-                  </a:schemeClr>
-                </a:solidFill>
-              </a:rPr>
-            </a:br>
-            <a:r>
-              <a:rPr lang="sv-SE" sz="1400" dirty="0">
-                <a:solidFill>
-                  <a:schemeClr val="accent1">
-                    <a:lumMod val="75000"/>
-                  </a:schemeClr>
-                </a:solidFill>
-              </a:rPr>
-              <a:t>                    </a:t>
-            </a:r>
-            <a:r>
-              <a:rPr lang="sv-SE" sz="1400" dirty="0" err="1">
-                <a:solidFill>
-                  <a:schemeClr val="accent1">
-                    <a:lumMod val="75000"/>
-                  </a:schemeClr>
-                </a:solidFill>
-              </a:rPr>
-              <a:t>allowed</a:t>
-            </a:r>
-            <a:r>
-              <a:rPr lang="sv-SE" sz="1400" dirty="0">
-                <a:solidFill>
-                  <a:schemeClr val="accent1">
-                    <a:lumMod val="75000"/>
-                  </a:schemeClr>
-                </a:solidFill>
-              </a:rPr>
-              <a:t> = </a:t>
-            </a:r>
-            <a:r>
-              <a:rPr lang="sv-SE" sz="1400" dirty="0" err="1">
-                <a:solidFill>
-                  <a:schemeClr val="accent1">
-                    <a:lumMod val="75000"/>
-                  </a:schemeClr>
-                </a:solidFill>
-              </a:rPr>
-              <a:t>true</a:t>
-            </a:r>
-            <a:r>
-              <a:rPr lang="sv-SE" sz="1400" dirty="0">
-                <a:solidFill>
-                  <a:schemeClr val="accent1">
-                    <a:lumMod val="75000"/>
-                  </a:schemeClr>
-                </a:solidFill>
-              </a:rPr>
-              <a:t>;</a:t>
-            </a:r>
-            <a:br>
-              <a:rPr lang="sv-SE" sz="1400" dirty="0">
-                <a:solidFill>
-                  <a:schemeClr val="accent1">
-                    <a:lumMod val="75000"/>
-                  </a:schemeClr>
-                </a:solidFill>
-              </a:rPr>
-            </a:br>
-            <a:r>
-              <a:rPr lang="sv-SE" sz="1400" dirty="0">
-                <a:solidFill>
-                  <a:schemeClr val="accent1">
-                    <a:lumMod val="75000"/>
-                  </a:schemeClr>
-                </a:solidFill>
-              </a:rPr>
-              <a:t>                }</a:t>
-            </a:r>
-            <a:br>
-              <a:rPr lang="sv-SE" sz="1400" dirty="0">
-                <a:solidFill>
-                  <a:schemeClr val="accent1">
-                    <a:lumMod val="75000"/>
-                  </a:schemeClr>
-                </a:solidFill>
-              </a:rPr>
-            </a:br>
-            <a:r>
-              <a:rPr lang="sv-SE" sz="1400" dirty="0">
-                <a:solidFill>
-                  <a:schemeClr val="accent1">
-                    <a:lumMod val="75000"/>
-                  </a:schemeClr>
-                </a:solidFill>
-              </a:rPr>
-              <a:t>            }</a:t>
-            </a:r>
-            <a:br>
-              <a:rPr lang="sv-SE" sz="1400" dirty="0">
-                <a:solidFill>
-                  <a:schemeClr val="accent1">
-                    <a:lumMod val="75000"/>
-                  </a:schemeClr>
-                </a:solidFill>
-              </a:rPr>
-            </a:br>
-            <a:r>
-              <a:rPr lang="sv-SE" sz="1400" dirty="0">
-                <a:solidFill>
-                  <a:schemeClr val="accent1">
-                    <a:lumMod val="75000"/>
-                  </a:schemeClr>
-                </a:solidFill>
-              </a:rPr>
-              <a:t>            </a:t>
-            </a:r>
-            <a:r>
-              <a:rPr lang="sv-SE" sz="1400" dirty="0" err="1">
-                <a:solidFill>
-                  <a:schemeClr val="accent1">
-                    <a:lumMod val="75000"/>
-                  </a:schemeClr>
-                </a:solidFill>
-              </a:rPr>
-              <a:t>if</a:t>
-            </a:r>
-            <a:r>
-              <a:rPr lang="sv-SE" sz="1400" dirty="0">
-                <a:solidFill>
-                  <a:schemeClr val="accent1">
-                    <a:lumMod val="75000"/>
-                  </a:schemeClr>
-                </a:solidFill>
-              </a:rPr>
-              <a:t> (</a:t>
-            </a:r>
-            <a:r>
-              <a:rPr lang="sv-SE" sz="1400" dirty="0" err="1">
-                <a:solidFill>
-                  <a:schemeClr val="accent1">
-                    <a:lumMod val="75000"/>
-                  </a:schemeClr>
-                </a:solidFill>
-              </a:rPr>
-              <a:t>allowed</a:t>
-            </a:r>
-            <a:r>
-              <a:rPr lang="sv-SE" sz="1400" dirty="0">
-                <a:solidFill>
-                  <a:schemeClr val="accent1">
-                    <a:lumMod val="75000"/>
-                  </a:schemeClr>
-                </a:solidFill>
-              </a:rPr>
-              <a:t>) {</a:t>
-            </a:r>
-            <a:br>
-              <a:rPr lang="sv-SE" sz="1400" dirty="0">
-                <a:solidFill>
-                  <a:schemeClr val="accent1">
-                    <a:lumMod val="75000"/>
-                  </a:schemeClr>
-                </a:solidFill>
-              </a:rPr>
-            </a:br>
-            <a:r>
-              <a:rPr lang="sv-SE" sz="1400" dirty="0">
-                <a:solidFill>
-                  <a:schemeClr val="accent1">
-                    <a:lumMod val="75000"/>
-                  </a:schemeClr>
-                </a:solidFill>
-              </a:rPr>
-              <a:t>                </a:t>
-            </a:r>
-            <a:r>
-              <a:rPr lang="sv-SE" sz="1400" dirty="0" err="1">
-                <a:solidFill>
-                  <a:schemeClr val="accent1">
-                    <a:lumMod val="75000"/>
-                  </a:schemeClr>
-                </a:solidFill>
-              </a:rPr>
-              <a:t>map</a:t>
-            </a:r>
-            <a:r>
-              <a:rPr lang="sv-SE" sz="1400" dirty="0">
-                <a:solidFill>
-                  <a:schemeClr val="accent1">
-                    <a:lumMod val="75000"/>
-                  </a:schemeClr>
-                </a:solidFill>
-              </a:rPr>
-              <a:t>[</a:t>
-            </a:r>
-            <a:r>
-              <a:rPr lang="sv-SE" sz="1400" dirty="0" err="1">
-                <a:solidFill>
-                  <a:schemeClr val="accent1">
-                    <a:lumMod val="75000"/>
-                  </a:schemeClr>
-                </a:solidFill>
-              </a:rPr>
-              <a:t>pos</a:t>
-            </a:r>
-            <a:r>
-              <a:rPr lang="sv-SE" sz="1400" dirty="0">
-                <a:solidFill>
-                  <a:schemeClr val="accent1">
-                    <a:lumMod val="75000"/>
-                  </a:schemeClr>
-                </a:solidFill>
-              </a:rPr>
-              <a:t>[0]][</a:t>
-            </a:r>
-            <a:r>
-              <a:rPr lang="sv-SE" sz="1400" dirty="0" err="1">
-                <a:solidFill>
-                  <a:schemeClr val="accent1">
-                    <a:lumMod val="75000"/>
-                  </a:schemeClr>
-                </a:solidFill>
-              </a:rPr>
-              <a:t>pos</a:t>
-            </a:r>
-            <a:r>
-              <a:rPr lang="sv-SE" sz="1400" dirty="0">
-                <a:solidFill>
-                  <a:schemeClr val="accent1">
-                    <a:lumMod val="75000"/>
-                  </a:schemeClr>
-                </a:solidFill>
-              </a:rPr>
-              <a:t>[1]] = </a:t>
-            </a:r>
-            <a:r>
-              <a:rPr lang="sv-SE" sz="1400" dirty="0" err="1">
-                <a:solidFill>
-                  <a:schemeClr val="accent1">
-                    <a:lumMod val="75000"/>
-                  </a:schemeClr>
-                </a:solidFill>
-              </a:rPr>
-              <a:t>null</a:t>
-            </a:r>
-            <a:r>
-              <a:rPr lang="sv-SE" sz="1400" dirty="0">
-                <a:solidFill>
-                  <a:schemeClr val="accent1">
-                    <a:lumMod val="75000"/>
-                  </a:schemeClr>
-                </a:solidFill>
-              </a:rPr>
-              <a:t>;</a:t>
-            </a:r>
-            <a:br>
-              <a:rPr lang="sv-SE" sz="1400" dirty="0">
-                <a:solidFill>
-                  <a:schemeClr val="accent1">
-                    <a:lumMod val="75000"/>
-                  </a:schemeClr>
-                </a:solidFill>
-              </a:rPr>
-            </a:br>
-            <a:r>
-              <a:rPr lang="sv-SE" sz="1400" dirty="0">
-                <a:solidFill>
-                  <a:schemeClr val="accent1">
-                    <a:lumMod val="75000"/>
-                  </a:schemeClr>
-                </a:solidFill>
-              </a:rPr>
-              <a:t>                </a:t>
-            </a:r>
-            <a:r>
-              <a:rPr lang="sv-SE" sz="1400" dirty="0" err="1">
-                <a:solidFill>
-                  <a:schemeClr val="accent1">
-                    <a:lumMod val="75000"/>
-                  </a:schemeClr>
-                </a:solidFill>
-              </a:rPr>
-              <a:t>map</a:t>
-            </a:r>
-            <a:r>
-              <a:rPr lang="sv-SE" sz="1400" dirty="0">
-                <a:solidFill>
-                  <a:schemeClr val="accent1">
-                    <a:lumMod val="75000"/>
-                  </a:schemeClr>
-                </a:solidFill>
-              </a:rPr>
-              <a:t>[</a:t>
-            </a:r>
-            <a:r>
-              <a:rPr lang="sv-SE" sz="1400" dirty="0" err="1">
-                <a:solidFill>
-                  <a:schemeClr val="accent1">
-                    <a:lumMod val="75000"/>
-                  </a:schemeClr>
-                </a:solidFill>
-              </a:rPr>
-              <a:t>pos</a:t>
-            </a:r>
-            <a:r>
-              <a:rPr lang="sv-SE" sz="1400" dirty="0">
-                <a:solidFill>
-                  <a:schemeClr val="accent1">
-                    <a:lumMod val="75000"/>
-                  </a:schemeClr>
-                </a:solidFill>
-              </a:rPr>
-              <a:t>[2]][</a:t>
-            </a:r>
-            <a:r>
-              <a:rPr lang="sv-SE" sz="1400" dirty="0" err="1">
-                <a:solidFill>
-                  <a:schemeClr val="accent1">
-                    <a:lumMod val="75000"/>
-                  </a:schemeClr>
-                </a:solidFill>
-              </a:rPr>
-              <a:t>pos</a:t>
-            </a:r>
-            <a:r>
-              <a:rPr lang="sv-SE" sz="1400" dirty="0">
-                <a:solidFill>
-                  <a:schemeClr val="accent1">
-                    <a:lumMod val="75000"/>
-                  </a:schemeClr>
-                </a:solidFill>
-              </a:rPr>
-              <a:t>[3]] = c;</a:t>
-            </a:r>
-            <a:br>
-              <a:rPr lang="sv-SE" sz="1400" dirty="0">
-                <a:solidFill>
-                  <a:schemeClr val="accent1">
-                    <a:lumMod val="75000"/>
-                  </a:schemeClr>
-                </a:solidFill>
-              </a:rPr>
-            </a:br>
-            <a:r>
-              <a:rPr lang="sv-SE" sz="1400" dirty="0">
-                <a:solidFill>
-                  <a:schemeClr val="accent1">
-                    <a:lumMod val="75000"/>
-                  </a:schemeClr>
-                </a:solidFill>
-              </a:rPr>
-              <a:t>                </a:t>
-            </a:r>
-            <a:r>
-              <a:rPr lang="sv-SE" sz="1400" dirty="0" err="1">
-                <a:solidFill>
-                  <a:schemeClr val="accent1">
-                    <a:lumMod val="75000"/>
-                  </a:schemeClr>
-                </a:solidFill>
-              </a:rPr>
-              <a:t>c.setPosition</a:t>
-            </a:r>
-            <a:r>
-              <a:rPr lang="sv-SE" sz="1400" dirty="0">
-                <a:solidFill>
-                  <a:schemeClr val="accent1">
-                    <a:lumMod val="75000"/>
-                  </a:schemeClr>
-                </a:solidFill>
-              </a:rPr>
-              <a:t>(</a:t>
-            </a:r>
-            <a:r>
-              <a:rPr lang="sv-SE" sz="1400" dirty="0" err="1">
-                <a:solidFill>
-                  <a:schemeClr val="accent1">
-                    <a:lumMod val="75000"/>
-                  </a:schemeClr>
-                </a:solidFill>
-              </a:rPr>
-              <a:t>pos</a:t>
-            </a:r>
-            <a:r>
-              <a:rPr lang="sv-SE" sz="1400" dirty="0">
-                <a:solidFill>
-                  <a:schemeClr val="accent1">
-                    <a:lumMod val="75000"/>
-                  </a:schemeClr>
-                </a:solidFill>
-              </a:rPr>
-              <a:t>[2], </a:t>
-            </a:r>
-            <a:r>
-              <a:rPr lang="sv-SE" sz="1400" dirty="0" err="1">
-                <a:solidFill>
-                  <a:schemeClr val="accent1">
-                    <a:lumMod val="75000"/>
-                  </a:schemeClr>
-                </a:solidFill>
-              </a:rPr>
-              <a:t>pos</a:t>
-            </a:r>
-            <a:r>
-              <a:rPr lang="sv-SE" sz="1400" dirty="0">
-                <a:solidFill>
-                  <a:schemeClr val="accent1">
-                    <a:lumMod val="75000"/>
-                  </a:schemeClr>
-                </a:solidFill>
-              </a:rPr>
-              <a:t>[3]);</a:t>
-            </a:r>
-            <a:br>
-              <a:rPr lang="sv-SE" sz="1400" dirty="0">
-                <a:solidFill>
-                  <a:schemeClr val="accent1">
-                    <a:lumMod val="75000"/>
-                  </a:schemeClr>
-                </a:solidFill>
-              </a:rPr>
-            </a:br>
-            <a:r>
-              <a:rPr lang="sv-SE" sz="1400" dirty="0">
-                <a:solidFill>
-                  <a:schemeClr val="accent1">
-                    <a:lumMod val="75000"/>
-                  </a:schemeClr>
-                </a:solidFill>
-              </a:rPr>
-              <a:t>            }</a:t>
-            </a:r>
-            <a:br>
-              <a:rPr lang="sv-SE" sz="1400" dirty="0">
-                <a:solidFill>
-                  <a:schemeClr val="accent1">
-                    <a:lumMod val="75000"/>
-                  </a:schemeClr>
-                </a:solidFill>
-              </a:rPr>
-            </a:br>
-            <a:r>
-              <a:rPr lang="sv-SE" sz="1400" dirty="0">
-                <a:solidFill>
-                  <a:schemeClr val="accent1">
-                    <a:lumMod val="75000"/>
-                  </a:schemeClr>
-                </a:solidFill>
-              </a:rPr>
-              <a:t>        }</a:t>
-            </a:r>
-            <a:br>
-              <a:rPr lang="sv-SE" sz="1400" dirty="0">
-                <a:solidFill>
-                  <a:schemeClr val="accent1">
-                    <a:lumMod val="75000"/>
-                  </a:schemeClr>
-                </a:solidFill>
-              </a:rPr>
-            </a:br>
-            <a:r>
-              <a:rPr lang="sv-SE" sz="1400" dirty="0">
-                <a:solidFill>
-                  <a:schemeClr val="accent1">
-                    <a:lumMod val="75000"/>
-                  </a:schemeClr>
-                </a:solidFill>
-              </a:rPr>
-              <a:t>    }</a:t>
-            </a:r>
-            <a:br>
-              <a:rPr lang="sv-SE" sz="1400" dirty="0">
-                <a:solidFill>
-                  <a:schemeClr val="accent1">
-                    <a:lumMod val="75000"/>
-                  </a:schemeClr>
-                </a:solidFill>
-              </a:rPr>
-            </a:br>
-            <a:r>
-              <a:rPr lang="sv-SE" sz="1400" dirty="0">
-                <a:solidFill>
-                  <a:schemeClr val="accent1">
-                    <a:lumMod val="75000"/>
-                  </a:schemeClr>
+              <a:rPr lang="sv-SE" sz="1500" dirty="0">
+                <a:solidFill>
+                  <a:srgbClr val="0070C0"/>
                 </a:solidFill>
               </a:rPr>
               <a:t>}</a:t>
@@ -15663,7 +14580,7 @@
     </p:custDataLst>
     <p:extLst>
       <p:ext uri="{BB962C8B-B14F-4D97-AF65-F5344CB8AC3E}">
-        <p14:creationId xmlns:p14="http://schemas.microsoft.com/office/powerpoint/2010/main" val="593016741"/>
+        <p14:creationId xmlns:p14="http://schemas.microsoft.com/office/powerpoint/2010/main" val="1013014165"/>
       </p:ext>
     </p:extLst>
   </p:cSld>
@@ -20333,42 +19250,6 @@
           </a:p>
         </p:txBody>
       </p:sp>
-      <p:pic>
-        <p:nvPicPr>
-          <p:cNvPr id="13" name="Platshållare för bild 12">
-            <a:extLst>
-              <a:ext uri="{FF2B5EF4-FFF2-40B4-BE49-F238E27FC236}">
-                <a16:creationId xmlns:a16="http://schemas.microsoft.com/office/drawing/2014/main" id="{916DB166-5CF7-1044-A24D-D093AD43B49C}"/>
-              </a:ext>
-            </a:extLst>
-          </p:cNvPr>
-          <p:cNvPicPr>
-            <a:picLocks noGrp="1" noChangeAspect="1"/>
-          </p:cNvPicPr>
-          <p:nvPr>
-            <p:ph type="pic" idx="1"/>
-          </p:nvPr>
-        </p:nvPicPr>
-        <p:blipFill>
-          <a:blip r:embed="rId4">
-            <a:extLst>
-              <a:ext uri="{28A0092B-C50C-407E-A947-70E740481C1C}">
-                <a14:useLocalDpi xmlns:a14="http://schemas.microsoft.com/office/drawing/2010/main" val="0"/>
-              </a:ext>
-            </a:extLst>
-          </a:blip>
-          <a:srcRect l="1821" r="1821"/>
-          <a:stretch>
-            <a:fillRect/>
-          </a:stretch>
-        </p:blipFill>
-        <p:spPr>
-          <a:xfrm>
-            <a:off x="4965149" y="2208846"/>
-            <a:ext cx="6950927" cy="2808503"/>
-          </a:xfrm>
-        </p:spPr>
-      </p:pic>
       <p:sp>
         <p:nvSpPr>
           <p:cNvPr id="3" name="TextBox 2">
@@ -20384,7 +19265,7 @@
         <p:spPr>
           <a:xfrm>
             <a:off x="1060803" y="2274838"/>
-            <a:ext cx="3650312" cy="2246769"/>
+            <a:ext cx="3650312" cy="2554545"/>
           </a:xfrm>
           <a:prstGeom prst="rect">
             <a:avLst/>
@@ -20412,13 +19293,13 @@
           <a:p>
             <a:r>
               <a:rPr lang="sv-SE" sz="2000" dirty="0"/>
-              <a:t>     - felaktig get-metod </a:t>
+              <a:t>     - Felaktig get-metod </a:t>
             </a:r>
           </a:p>
           <a:p>
             <a:r>
               <a:rPr lang="sv-SE" sz="2000" dirty="0"/>
-              <a:t>     - icke-använda fält</a:t>
+              <a:t>     - Icke-använda fält</a:t>
             </a:r>
           </a:p>
           <a:p>
@@ -20428,7 +19309,7 @@
             </a:pPr>
             <a:r>
               <a:rPr lang="sv-SE" sz="2000" dirty="0"/>
-              <a:t>TODO</a:t>
+              <a:t>Fixat TODO</a:t>
             </a:r>
           </a:p>
           <a:p>
@@ -20443,6 +19324,16 @@
             <a:r>
               <a:rPr lang="sv-SE" sz="2000" dirty="0"/>
               <a:t> ej fixat</a:t>
+            </a:r>
+          </a:p>
+          <a:p>
+            <a:pPr marL="285750" indent="-285750">
+              <a:buFont typeface="Arial" panose="020B0604020202020204" pitchFamily="34" charset="0"/>
+              <a:buChar char="•"/>
+            </a:pPr>
+            <a:r>
+              <a:rPr lang="sv-SE" sz="2000" dirty="0"/>
+              <a:t>Inre klass har lagts till</a:t>
             </a:r>
           </a:p>
           <a:p>
@@ -20454,69 +19345,42 @@
           </a:p>
         </p:txBody>
       </p:sp>
-      <p:sp>
-        <p:nvSpPr>
-          <p:cNvPr id="4" name="textruta 3">
+      <p:pic>
+        <p:nvPicPr>
+          <p:cNvPr id="8" name="Bildobjekt 7">
             <a:extLst>
               <a:ext uri="{FF2B5EF4-FFF2-40B4-BE49-F238E27FC236}">
-                <a16:creationId xmlns:a16="http://schemas.microsoft.com/office/drawing/2014/main" id="{7C3EFF06-01CF-49D3-8372-E63FAE765BAC}"/>
+                <a16:creationId xmlns:a16="http://schemas.microsoft.com/office/drawing/2014/main" id="{E4275DB3-826A-47D7-881A-EF10E632EF3B}"/>
               </a:ext>
             </a:extLst>
           </p:cNvPr>
-          <p:cNvSpPr txBox="1"/>
+          <p:cNvPicPr>
+            <a:picLocks noChangeAspect="1"/>
+          </p:cNvPicPr>
           <p:nvPr/>
-        </p:nvSpPr>
+        </p:nvPicPr>
+        <p:blipFill>
+          <a:blip r:embed="rId4">
+            <a:extLst>
+              <a:ext uri="{28A0092B-C50C-407E-A947-70E740481C1C}">
+                <a14:useLocalDpi xmlns:a14="http://schemas.microsoft.com/office/drawing/2010/main" val="0"/>
+              </a:ext>
+            </a:extLst>
+          </a:blip>
+          <a:stretch>
+            <a:fillRect/>
+          </a:stretch>
+        </p:blipFill>
         <p:spPr>
           <a:xfrm>
-            <a:off x="6226688" y="3128940"/>
-            <a:ext cx="4301836" cy="707886"/>
+            <a:off x="5086519" y="2484270"/>
+            <a:ext cx="6696465" cy="1889459"/>
           </a:xfrm>
           <a:prstGeom prst="rect">
             <a:avLst/>
           </a:prstGeom>
-          <a:noFill/>
         </p:spPr>
-        <p:txBody>
-          <a:bodyPr wrap="square" rtlCol="0">
-            <a:spAutoFit/>
-          </a:bodyPr>
-          <a:lstStyle/>
-          <a:p>
-            <a:r>
-              <a:rPr lang="en-US" sz="4000" dirty="0" err="1">
-                <a:solidFill>
-                  <a:srgbClr val="FF0000"/>
-                </a:solidFill>
-              </a:rPr>
-              <a:t>Bilden</a:t>
-            </a:r>
-            <a:r>
-              <a:rPr lang="en-US" sz="4000" dirty="0">
-                <a:solidFill>
-                  <a:srgbClr val="FF0000"/>
-                </a:solidFill>
-              </a:rPr>
-              <a:t> ska </a:t>
-            </a:r>
-            <a:r>
-              <a:rPr lang="en-US" sz="4000" dirty="0" err="1">
-                <a:solidFill>
-                  <a:srgbClr val="FF0000"/>
-                </a:solidFill>
-              </a:rPr>
-              <a:t>bytas</a:t>
-            </a:r>
-            <a:r>
-              <a:rPr lang="en-US" sz="4000" dirty="0">
-                <a:solidFill>
-                  <a:srgbClr val="FF0000"/>
-                </a:solidFill>
-              </a:rPr>
-              <a:t>!</a:t>
-            </a:r>
-          </a:p>
-        </p:txBody>
-      </p:sp>
+      </p:pic>
     </p:spTree>
     <p:custDataLst>
       <p:tags r:id="rId1"/>

--- a/docs/Slutredovisning_grp5_v8.pptx
+++ b/docs/Slutredovisning_grp5_v8.pptx
@@ -12493,276 +12493,714 @@
               <a:buNone/>
             </a:pPr>
             <a:r>
-              <a:rPr lang="sv-SE" sz="1400" dirty="0"/>
+              <a:rPr lang="sv-SE" sz="1400" dirty="0">
+                <a:solidFill>
+                  <a:schemeClr val="accent1">
+                    <a:lumMod val="75000"/>
+                  </a:schemeClr>
+                </a:solidFill>
+              </a:rPr>
               <a:t>@Test</a:t>
             </a:r>
             <a:br>
-              <a:rPr lang="sv-SE" sz="1400" dirty="0"/>
+              <a:rPr lang="sv-SE" sz="1400" dirty="0">
+                <a:solidFill>
+                  <a:schemeClr val="accent1">
+                    <a:lumMod val="75000"/>
+                  </a:schemeClr>
+                </a:solidFill>
+              </a:rPr>
             </a:br>
             <a:r>
-              <a:rPr lang="sv-SE" sz="1400" dirty="0"/>
+              <a:rPr lang="sv-SE" sz="1400" dirty="0">
+                <a:solidFill>
+                  <a:schemeClr val="accent1">
+                    <a:lumMod val="75000"/>
+                  </a:schemeClr>
+                </a:solidFill>
+              </a:rPr>
               <a:t>public </a:t>
             </a:r>
             <a:r>
-              <a:rPr lang="sv-SE" sz="1400" dirty="0" err="1"/>
+              <a:rPr lang="sv-SE" sz="1400" dirty="0" err="1">
+                <a:solidFill>
+                  <a:schemeClr val="accent1">
+                    <a:lumMod val="75000"/>
+                  </a:schemeClr>
+                </a:solidFill>
+              </a:rPr>
               <a:t>void</a:t>
             </a:r>
             <a:r>
-              <a:rPr lang="sv-SE" sz="1400" dirty="0"/>
+              <a:rPr lang="sv-SE" sz="1400" dirty="0">
+                <a:solidFill>
+                  <a:schemeClr val="accent1">
+                    <a:lumMod val="75000"/>
+                  </a:schemeClr>
+                </a:solidFill>
+              </a:rPr>
               <a:t> getStrength_EquipmentEmtpy_0strength(){</a:t>
             </a:r>
             <a:br>
-              <a:rPr lang="sv-SE" sz="1400" dirty="0"/>
+              <a:rPr lang="sv-SE" sz="1400" dirty="0">
+                <a:solidFill>
+                  <a:schemeClr val="accent1">
+                    <a:lumMod val="75000"/>
+                  </a:schemeClr>
+                </a:solidFill>
+              </a:rPr>
             </a:br>
             <a:r>
-              <a:rPr lang="sv-SE" sz="1400" dirty="0"/>
+              <a:rPr lang="sv-SE" sz="1400" dirty="0">
+                <a:solidFill>
+                  <a:schemeClr val="accent1">
+                    <a:lumMod val="75000"/>
+                  </a:schemeClr>
+                </a:solidFill>
+              </a:rPr>
               <a:t>    Hero </a:t>
             </a:r>
             <a:r>
-              <a:rPr lang="sv-SE" sz="1400" dirty="0" err="1"/>
+              <a:rPr lang="sv-SE" sz="1400" dirty="0" err="1">
+                <a:solidFill>
+                  <a:schemeClr val="accent1">
+                    <a:lumMod val="75000"/>
+                  </a:schemeClr>
+                </a:solidFill>
+              </a:rPr>
               <a:t>hero</a:t>
             </a:r>
             <a:r>
-              <a:rPr lang="sv-SE" sz="1400" dirty="0"/>
+              <a:rPr lang="sv-SE" sz="1400" dirty="0">
+                <a:solidFill>
+                  <a:schemeClr val="accent1">
+                    <a:lumMod val="75000"/>
+                  </a:schemeClr>
+                </a:solidFill>
+              </a:rPr>
               <a:t> = new Hero(100);</a:t>
             </a:r>
             <a:br>
-              <a:rPr lang="sv-SE" sz="1400" dirty="0"/>
+              <a:rPr lang="sv-SE" sz="1400" dirty="0">
+                <a:solidFill>
+                  <a:schemeClr val="accent1">
+                    <a:lumMod val="75000"/>
+                  </a:schemeClr>
+                </a:solidFill>
+              </a:rPr>
             </a:br>
             <a:r>
-              <a:rPr lang="sv-SE" sz="1400" dirty="0"/>
+              <a:rPr lang="sv-SE" sz="1400" dirty="0">
+                <a:solidFill>
+                  <a:schemeClr val="accent1">
+                    <a:lumMod val="75000"/>
+                  </a:schemeClr>
+                </a:solidFill>
+              </a:rPr>
               <a:t>    </a:t>
             </a:r>
             <a:r>
-              <a:rPr lang="sv-SE" sz="1400" i="1" dirty="0" err="1"/>
+              <a:rPr lang="sv-SE" sz="1400" i="1" dirty="0" err="1">
+                <a:solidFill>
+                  <a:schemeClr val="accent1">
+                    <a:lumMod val="75000"/>
+                  </a:schemeClr>
+                </a:solidFill>
+              </a:rPr>
               <a:t>assertEquals</a:t>
             </a:r>
             <a:r>
-              <a:rPr lang="sv-SE" sz="1400" dirty="0"/>
+              <a:rPr lang="sv-SE" sz="1400" dirty="0">
+                <a:solidFill>
+                  <a:schemeClr val="accent1">
+                    <a:lumMod val="75000"/>
+                  </a:schemeClr>
+                </a:solidFill>
+              </a:rPr>
               <a:t>(0, </a:t>
             </a:r>
             <a:r>
-              <a:rPr lang="sv-SE" sz="1400" dirty="0" err="1"/>
+              <a:rPr lang="sv-SE" sz="1400" dirty="0" err="1">
+                <a:solidFill>
+                  <a:schemeClr val="accent1">
+                    <a:lumMod val="75000"/>
+                  </a:schemeClr>
+                </a:solidFill>
+              </a:rPr>
               <a:t>hero.getStrength</a:t>
             </a:r>
             <a:r>
-              <a:rPr lang="sv-SE" sz="1400" dirty="0"/>
+              <a:rPr lang="sv-SE" sz="1400" dirty="0">
+                <a:solidFill>
+                  <a:schemeClr val="accent1">
+                    <a:lumMod val="75000"/>
+                  </a:schemeClr>
+                </a:solidFill>
+              </a:rPr>
               <a:t>());</a:t>
             </a:r>
             <a:br>
-              <a:rPr lang="sv-SE" sz="1400" dirty="0"/>
+              <a:rPr lang="sv-SE" sz="1400" dirty="0">
+                <a:solidFill>
+                  <a:schemeClr val="accent1">
+                    <a:lumMod val="75000"/>
+                  </a:schemeClr>
+                </a:solidFill>
+              </a:rPr>
             </a:br>
             <a:r>
-              <a:rPr lang="sv-SE" sz="1400" dirty="0"/>
+              <a:rPr lang="sv-SE" sz="1400" dirty="0">
+                <a:solidFill>
+                  <a:schemeClr val="accent1">
+                    <a:lumMod val="75000"/>
+                  </a:schemeClr>
+                </a:solidFill>
+              </a:rPr>
               <a:t>}</a:t>
             </a:r>
             <a:br>
-              <a:rPr lang="sv-SE" sz="1400" dirty="0"/>
+              <a:rPr lang="sv-SE" sz="1400" dirty="0">
+                <a:solidFill>
+                  <a:schemeClr val="accent1">
+                    <a:lumMod val="75000"/>
+                  </a:schemeClr>
+                </a:solidFill>
+              </a:rPr>
             </a:br>
             <a:br>
-              <a:rPr lang="sv-SE" sz="1400" dirty="0"/>
+              <a:rPr lang="sv-SE" sz="1400" dirty="0">
+                <a:solidFill>
+                  <a:schemeClr val="accent1">
+                    <a:lumMod val="75000"/>
+                  </a:schemeClr>
+                </a:solidFill>
+              </a:rPr>
             </a:br>
             <a:r>
-              <a:rPr lang="sv-SE" sz="1400" dirty="0"/>
+              <a:rPr lang="sv-SE" sz="1400" dirty="0">
+                <a:solidFill>
+                  <a:schemeClr val="accent1">
+                    <a:lumMod val="75000"/>
+                  </a:schemeClr>
+                </a:solidFill>
+              </a:rPr>
               <a:t>@Test</a:t>
             </a:r>
             <a:br>
-              <a:rPr lang="sv-SE" sz="1400" dirty="0"/>
+              <a:rPr lang="sv-SE" sz="1400" dirty="0">
+                <a:solidFill>
+                  <a:schemeClr val="accent1">
+                    <a:lumMod val="75000"/>
+                  </a:schemeClr>
+                </a:solidFill>
+              </a:rPr>
             </a:br>
             <a:r>
-              <a:rPr lang="sv-SE" sz="1400" dirty="0"/>
+              <a:rPr lang="sv-SE" sz="1400" dirty="0">
+                <a:solidFill>
+                  <a:schemeClr val="accent1">
+                    <a:lumMod val="75000"/>
+                  </a:schemeClr>
+                </a:solidFill>
+              </a:rPr>
               <a:t>public </a:t>
             </a:r>
             <a:r>
-              <a:rPr lang="sv-SE" sz="1400" dirty="0" err="1"/>
+              <a:rPr lang="sv-SE" sz="1400" dirty="0" err="1">
+                <a:solidFill>
+                  <a:schemeClr val="accent1">
+                    <a:lumMod val="75000"/>
+                  </a:schemeClr>
+                </a:solidFill>
+              </a:rPr>
               <a:t>void</a:t>
             </a:r>
             <a:r>
-              <a:rPr lang="sv-SE" sz="1400" dirty="0"/>
+              <a:rPr lang="sv-SE" sz="1400" dirty="0">
+                <a:solidFill>
+                  <a:schemeClr val="accent1">
+                    <a:lumMod val="75000"/>
+                  </a:schemeClr>
+                </a:solidFill>
+              </a:rPr>
               <a:t> getStrength_EquipmentWeapon_5Strength(){</a:t>
             </a:r>
             <a:br>
-              <a:rPr lang="sv-SE" sz="1400" dirty="0"/>
+              <a:rPr lang="sv-SE" sz="1400" dirty="0">
+                <a:solidFill>
+                  <a:schemeClr val="accent1">
+                    <a:lumMod val="75000"/>
+                  </a:schemeClr>
+                </a:solidFill>
+              </a:rPr>
             </a:br>
             <a:r>
-              <a:rPr lang="sv-SE" sz="1400" dirty="0"/>
+              <a:rPr lang="sv-SE" sz="1400" dirty="0">
+                <a:solidFill>
+                  <a:schemeClr val="accent1">
+                    <a:lumMod val="75000"/>
+                  </a:schemeClr>
+                </a:solidFill>
+              </a:rPr>
               <a:t>    Hero </a:t>
             </a:r>
             <a:r>
-              <a:rPr lang="sv-SE" sz="1400" dirty="0" err="1"/>
+              <a:rPr lang="sv-SE" sz="1400" dirty="0" err="1">
+                <a:solidFill>
+                  <a:schemeClr val="accent1">
+                    <a:lumMod val="75000"/>
+                  </a:schemeClr>
+                </a:solidFill>
+              </a:rPr>
               <a:t>hero</a:t>
             </a:r>
             <a:r>
-              <a:rPr lang="sv-SE" sz="1400" dirty="0"/>
+              <a:rPr lang="sv-SE" sz="1400" dirty="0">
+                <a:solidFill>
+                  <a:schemeClr val="accent1">
+                    <a:lumMod val="75000"/>
+                  </a:schemeClr>
+                </a:solidFill>
+              </a:rPr>
               <a:t> = new Hero(100);</a:t>
             </a:r>
             <a:br>
-              <a:rPr lang="sv-SE" sz="1400" dirty="0"/>
+              <a:rPr lang="sv-SE" sz="1400" dirty="0">
+                <a:solidFill>
+                  <a:schemeClr val="accent1">
+                    <a:lumMod val="75000"/>
+                  </a:schemeClr>
+                </a:solidFill>
+              </a:rPr>
             </a:br>
             <a:r>
-              <a:rPr lang="sv-SE" sz="1400" dirty="0"/>
+              <a:rPr lang="sv-SE" sz="1400" dirty="0">
+                <a:solidFill>
+                  <a:schemeClr val="accent1">
+                    <a:lumMod val="75000"/>
+                  </a:schemeClr>
+                </a:solidFill>
+              </a:rPr>
               <a:t>    </a:t>
             </a:r>
             <a:r>
-              <a:rPr lang="sv-SE" sz="1400" dirty="0" err="1"/>
+              <a:rPr lang="sv-SE" sz="1400" dirty="0" err="1">
+                <a:solidFill>
+                  <a:schemeClr val="accent1">
+                    <a:lumMod val="75000"/>
+                  </a:schemeClr>
+                </a:solidFill>
+              </a:rPr>
               <a:t>hero.pickUpItem</a:t>
             </a:r>
             <a:r>
-              <a:rPr lang="sv-SE" sz="1400" dirty="0"/>
+              <a:rPr lang="sv-SE" sz="1400" dirty="0">
+                <a:solidFill>
+                  <a:schemeClr val="accent1">
+                    <a:lumMod val="75000"/>
+                  </a:schemeClr>
+                </a:solidFill>
+              </a:rPr>
               <a:t>(new </a:t>
             </a:r>
             <a:r>
-              <a:rPr lang="sv-SE" sz="1400" dirty="0" err="1"/>
+              <a:rPr lang="sv-SE" sz="1400" dirty="0" err="1">
+                <a:solidFill>
+                  <a:schemeClr val="accent1">
+                    <a:lumMod val="75000"/>
+                  </a:schemeClr>
+                </a:solidFill>
+              </a:rPr>
               <a:t>Weapon</a:t>
             </a:r>
             <a:r>
-              <a:rPr lang="sv-SE" sz="1400" dirty="0"/>
+              <a:rPr lang="sv-SE" sz="1400" dirty="0">
+                <a:solidFill>
+                  <a:schemeClr val="accent1">
+                    <a:lumMod val="75000"/>
+                  </a:schemeClr>
+                </a:solidFill>
+              </a:rPr>
               <a:t>(5));</a:t>
             </a:r>
             <a:br>
-              <a:rPr lang="sv-SE" sz="1400" dirty="0"/>
+              <a:rPr lang="sv-SE" sz="1400" dirty="0">
+                <a:solidFill>
+                  <a:schemeClr val="accent1">
+                    <a:lumMod val="75000"/>
+                  </a:schemeClr>
+                </a:solidFill>
+              </a:rPr>
             </a:br>
             <a:r>
-              <a:rPr lang="sv-SE" sz="1400" dirty="0"/>
+              <a:rPr lang="sv-SE" sz="1400" dirty="0">
+                <a:solidFill>
+                  <a:schemeClr val="accent1">
+                    <a:lumMod val="75000"/>
+                  </a:schemeClr>
+                </a:solidFill>
+              </a:rPr>
               <a:t>    </a:t>
             </a:r>
             <a:r>
-              <a:rPr lang="sv-SE" sz="1400" i="1" dirty="0" err="1"/>
+              <a:rPr lang="sv-SE" sz="1400" i="1" dirty="0" err="1">
+                <a:solidFill>
+                  <a:schemeClr val="accent1">
+                    <a:lumMod val="75000"/>
+                  </a:schemeClr>
+                </a:solidFill>
+              </a:rPr>
               <a:t>assertEquals</a:t>
             </a:r>
             <a:r>
-              <a:rPr lang="sv-SE" sz="1400" dirty="0"/>
+              <a:rPr lang="sv-SE" sz="1400" dirty="0">
+                <a:solidFill>
+                  <a:schemeClr val="accent1">
+                    <a:lumMod val="75000"/>
+                  </a:schemeClr>
+                </a:solidFill>
+              </a:rPr>
               <a:t>(5, </a:t>
             </a:r>
             <a:r>
-              <a:rPr lang="sv-SE" sz="1400" dirty="0" err="1"/>
+              <a:rPr lang="sv-SE" sz="1400" dirty="0" err="1">
+                <a:solidFill>
+                  <a:schemeClr val="accent1">
+                    <a:lumMod val="75000"/>
+                  </a:schemeClr>
+                </a:solidFill>
+              </a:rPr>
               <a:t>hero.getStrength</a:t>
             </a:r>
             <a:r>
-              <a:rPr lang="sv-SE" sz="1400" dirty="0"/>
+              <a:rPr lang="sv-SE" sz="1400" dirty="0">
+                <a:solidFill>
+                  <a:schemeClr val="accent1">
+                    <a:lumMod val="75000"/>
+                  </a:schemeClr>
+                </a:solidFill>
+              </a:rPr>
               <a:t>());</a:t>
             </a:r>
             <a:br>
-              <a:rPr lang="sv-SE" sz="1400" dirty="0"/>
+              <a:rPr lang="sv-SE" sz="1400" dirty="0">
+                <a:solidFill>
+                  <a:schemeClr val="accent1">
+                    <a:lumMod val="75000"/>
+                  </a:schemeClr>
+                </a:solidFill>
+              </a:rPr>
             </a:br>
             <a:r>
-              <a:rPr lang="sv-SE" sz="1400" dirty="0"/>
+              <a:rPr lang="sv-SE" sz="1400" dirty="0">
+                <a:solidFill>
+                  <a:schemeClr val="accent1">
+                    <a:lumMod val="75000"/>
+                  </a:schemeClr>
+                </a:solidFill>
+              </a:rPr>
               <a:t>}</a:t>
             </a:r>
             <a:br>
-              <a:rPr lang="sv-SE" sz="1400" dirty="0"/>
+              <a:rPr lang="sv-SE" sz="1400" dirty="0">
+                <a:solidFill>
+                  <a:schemeClr val="accent1">
+                    <a:lumMod val="75000"/>
+                  </a:schemeClr>
+                </a:solidFill>
+              </a:rPr>
             </a:br>
             <a:br>
-              <a:rPr lang="sv-SE" sz="1400" dirty="0"/>
+              <a:rPr lang="sv-SE" sz="1400" dirty="0">
+                <a:solidFill>
+                  <a:schemeClr val="accent1">
+                    <a:lumMod val="75000"/>
+                  </a:schemeClr>
+                </a:solidFill>
+              </a:rPr>
             </a:br>
             <a:r>
-              <a:rPr lang="sv-SE" sz="1400" dirty="0"/>
+              <a:rPr lang="sv-SE" sz="1400" dirty="0">
+                <a:solidFill>
+                  <a:schemeClr val="accent1">
+                    <a:lumMod val="75000"/>
+                  </a:schemeClr>
+                </a:solidFill>
+              </a:rPr>
               <a:t>@Test</a:t>
             </a:r>
             <a:br>
-              <a:rPr lang="sv-SE" sz="1400" dirty="0"/>
+              <a:rPr lang="sv-SE" sz="1400" dirty="0">
+                <a:solidFill>
+                  <a:schemeClr val="accent1">
+                    <a:lumMod val="75000"/>
+                  </a:schemeClr>
+                </a:solidFill>
+              </a:rPr>
             </a:br>
             <a:r>
-              <a:rPr lang="sv-SE" sz="1400" dirty="0"/>
+              <a:rPr lang="sv-SE" sz="1400" dirty="0">
+                <a:solidFill>
+                  <a:schemeClr val="accent1">
+                    <a:lumMod val="75000"/>
+                  </a:schemeClr>
+                </a:solidFill>
+              </a:rPr>
               <a:t>public </a:t>
             </a:r>
             <a:r>
-              <a:rPr lang="sv-SE" sz="1400" dirty="0" err="1"/>
+              <a:rPr lang="sv-SE" sz="1400" dirty="0" err="1">
+                <a:solidFill>
+                  <a:schemeClr val="accent1">
+                    <a:lumMod val="75000"/>
+                  </a:schemeClr>
+                </a:solidFill>
+              </a:rPr>
               <a:t>void</a:t>
             </a:r>
             <a:r>
-              <a:rPr lang="sv-SE" sz="1400" dirty="0"/>
+              <a:rPr lang="sv-SE" sz="1400" dirty="0">
+                <a:solidFill>
+                  <a:schemeClr val="accent1">
+                    <a:lumMod val="75000"/>
+                  </a:schemeClr>
+                </a:solidFill>
+              </a:rPr>
               <a:t> getStrength_EquipmentWeaponArmor_10Strength(){</a:t>
             </a:r>
             <a:br>
-              <a:rPr lang="sv-SE" sz="1400" dirty="0"/>
+              <a:rPr lang="sv-SE" sz="1400" dirty="0">
+                <a:solidFill>
+                  <a:schemeClr val="accent1">
+                    <a:lumMod val="75000"/>
+                  </a:schemeClr>
+                </a:solidFill>
+              </a:rPr>
             </a:br>
             <a:r>
-              <a:rPr lang="sv-SE" sz="1400" dirty="0"/>
+              <a:rPr lang="sv-SE" sz="1400" dirty="0">
+                <a:solidFill>
+                  <a:schemeClr val="accent1">
+                    <a:lumMod val="75000"/>
+                  </a:schemeClr>
+                </a:solidFill>
+              </a:rPr>
               <a:t>    Hero </a:t>
             </a:r>
             <a:r>
-              <a:rPr lang="sv-SE" sz="1400" dirty="0" err="1"/>
+              <a:rPr lang="sv-SE" sz="1400" dirty="0" err="1">
+                <a:solidFill>
+                  <a:schemeClr val="accent1">
+                    <a:lumMod val="75000"/>
+                  </a:schemeClr>
+                </a:solidFill>
+              </a:rPr>
               <a:t>hero</a:t>
             </a:r>
             <a:r>
-              <a:rPr lang="sv-SE" sz="1400" dirty="0"/>
+              <a:rPr lang="sv-SE" sz="1400" dirty="0">
+                <a:solidFill>
+                  <a:schemeClr val="accent1">
+                    <a:lumMod val="75000"/>
+                  </a:schemeClr>
+                </a:solidFill>
+              </a:rPr>
               <a:t> = new Hero(100);</a:t>
             </a:r>
             <a:br>
-              <a:rPr lang="sv-SE" sz="1400" dirty="0"/>
+              <a:rPr lang="sv-SE" sz="1400" dirty="0">
+                <a:solidFill>
+                  <a:schemeClr val="accent1">
+                    <a:lumMod val="75000"/>
+                  </a:schemeClr>
+                </a:solidFill>
+              </a:rPr>
             </a:br>
             <a:r>
-              <a:rPr lang="sv-SE" sz="1400" dirty="0"/>
+              <a:rPr lang="sv-SE" sz="1400" dirty="0">
+                <a:solidFill>
+                  <a:schemeClr val="accent1">
+                    <a:lumMod val="75000"/>
+                  </a:schemeClr>
+                </a:solidFill>
+              </a:rPr>
               <a:t>    </a:t>
             </a:r>
             <a:r>
-              <a:rPr lang="sv-SE" sz="1400" dirty="0" err="1"/>
+              <a:rPr lang="sv-SE" sz="1400" dirty="0" err="1">
+                <a:solidFill>
+                  <a:schemeClr val="accent1">
+                    <a:lumMod val="75000"/>
+                  </a:schemeClr>
+                </a:solidFill>
+              </a:rPr>
               <a:t>hero.pickUpItem</a:t>
             </a:r>
             <a:r>
-              <a:rPr lang="sv-SE" sz="1400" dirty="0"/>
+              <a:rPr lang="sv-SE" sz="1400" dirty="0">
+                <a:solidFill>
+                  <a:schemeClr val="accent1">
+                    <a:lumMod val="75000"/>
+                  </a:schemeClr>
+                </a:solidFill>
+              </a:rPr>
               <a:t>(new </a:t>
             </a:r>
             <a:r>
-              <a:rPr lang="sv-SE" sz="1400" dirty="0" err="1"/>
+              <a:rPr lang="sv-SE" sz="1400" dirty="0" err="1">
+                <a:solidFill>
+                  <a:schemeClr val="accent1">
+                    <a:lumMod val="75000"/>
+                  </a:schemeClr>
+                </a:solidFill>
+              </a:rPr>
               <a:t>Weapon</a:t>
             </a:r>
             <a:r>
-              <a:rPr lang="sv-SE" sz="1400" dirty="0"/>
+              <a:rPr lang="sv-SE" sz="1400" dirty="0">
+                <a:solidFill>
+                  <a:schemeClr val="accent1">
+                    <a:lumMod val="75000"/>
+                  </a:schemeClr>
+                </a:solidFill>
+              </a:rPr>
               <a:t>(5));</a:t>
             </a:r>
             <a:br>
-              <a:rPr lang="sv-SE" sz="1400" dirty="0"/>
+              <a:rPr lang="sv-SE" sz="1400" dirty="0">
+                <a:solidFill>
+                  <a:schemeClr val="accent1">
+                    <a:lumMod val="75000"/>
+                  </a:schemeClr>
+                </a:solidFill>
+              </a:rPr>
             </a:br>
             <a:r>
-              <a:rPr lang="sv-SE" sz="1400" dirty="0"/>
+              <a:rPr lang="sv-SE" sz="1400" dirty="0">
+                <a:solidFill>
+                  <a:schemeClr val="accent1">
+                    <a:lumMod val="75000"/>
+                  </a:schemeClr>
+                </a:solidFill>
+              </a:rPr>
               <a:t>    </a:t>
             </a:r>
             <a:r>
-              <a:rPr lang="sv-SE" sz="1400" dirty="0" err="1"/>
+              <a:rPr lang="sv-SE" sz="1400" dirty="0" err="1">
+                <a:solidFill>
+                  <a:schemeClr val="accent1">
+                    <a:lumMod val="75000"/>
+                  </a:schemeClr>
+                </a:solidFill>
+              </a:rPr>
               <a:t>hero.pickUpItem</a:t>
             </a:r>
             <a:r>
-              <a:rPr lang="sv-SE" sz="1400" dirty="0"/>
+              <a:rPr lang="sv-SE" sz="1400" dirty="0">
+                <a:solidFill>
+                  <a:schemeClr val="accent1">
+                    <a:lumMod val="75000"/>
+                  </a:schemeClr>
+                </a:solidFill>
+              </a:rPr>
               <a:t>(new </a:t>
             </a:r>
             <a:r>
-              <a:rPr lang="sv-SE" sz="1400" dirty="0" err="1"/>
+              <a:rPr lang="sv-SE" sz="1400" dirty="0" err="1">
+                <a:solidFill>
+                  <a:schemeClr val="accent1">
+                    <a:lumMod val="75000"/>
+                  </a:schemeClr>
+                </a:solidFill>
+              </a:rPr>
               <a:t>Armor</a:t>
             </a:r>
             <a:r>
-              <a:rPr lang="sv-SE" sz="1400" dirty="0"/>
+              <a:rPr lang="sv-SE" sz="1400" dirty="0">
+                <a:solidFill>
+                  <a:schemeClr val="accent1">
+                    <a:lumMod val="75000"/>
+                  </a:schemeClr>
+                </a:solidFill>
+              </a:rPr>
               <a:t>(5));</a:t>
             </a:r>
             <a:br>
-              <a:rPr lang="sv-SE" sz="1400" dirty="0"/>
+              <a:rPr lang="sv-SE" sz="1400" dirty="0">
+                <a:solidFill>
+                  <a:schemeClr val="accent1">
+                    <a:lumMod val="75000"/>
+                  </a:schemeClr>
+                </a:solidFill>
+              </a:rPr>
             </a:br>
             <a:r>
-              <a:rPr lang="sv-SE" sz="1400" dirty="0"/>
+              <a:rPr lang="sv-SE" sz="1400" dirty="0">
+                <a:solidFill>
+                  <a:schemeClr val="accent1">
+                    <a:lumMod val="75000"/>
+                  </a:schemeClr>
+                </a:solidFill>
+              </a:rPr>
               <a:t>    </a:t>
             </a:r>
             <a:r>
-              <a:rPr lang="sv-SE" sz="1400" i="1" dirty="0" err="1"/>
+              <a:rPr lang="sv-SE" sz="1400" i="1" dirty="0" err="1">
+                <a:solidFill>
+                  <a:schemeClr val="accent1">
+                    <a:lumMod val="75000"/>
+                  </a:schemeClr>
+                </a:solidFill>
+              </a:rPr>
               <a:t>assertEquals</a:t>
             </a:r>
             <a:r>
-              <a:rPr lang="sv-SE" sz="1400" dirty="0"/>
+              <a:rPr lang="sv-SE" sz="1400" dirty="0">
+                <a:solidFill>
+                  <a:schemeClr val="accent1">
+                    <a:lumMod val="75000"/>
+                  </a:schemeClr>
+                </a:solidFill>
+              </a:rPr>
               <a:t>(10, </a:t>
             </a:r>
             <a:r>
-              <a:rPr lang="sv-SE" sz="1400" dirty="0" err="1"/>
+              <a:rPr lang="sv-SE" sz="1400" dirty="0" err="1">
+                <a:solidFill>
+                  <a:schemeClr val="accent1">
+                    <a:lumMod val="75000"/>
+                  </a:schemeClr>
+                </a:solidFill>
+              </a:rPr>
               <a:t>hero.getStrength</a:t>
             </a:r>
             <a:r>
-              <a:rPr lang="sv-SE" sz="1400" dirty="0"/>
+              <a:rPr lang="sv-SE" sz="1400" dirty="0">
+                <a:solidFill>
+                  <a:schemeClr val="accent1">
+                    <a:lumMod val="75000"/>
+                  </a:schemeClr>
+                </a:solidFill>
+              </a:rPr>
               <a:t>());</a:t>
             </a:r>
             <a:br>
-              <a:rPr lang="sv-SE" sz="1400" dirty="0"/>
+              <a:rPr lang="sv-SE" sz="1400" dirty="0">
+                <a:solidFill>
+                  <a:schemeClr val="accent1">
+                    <a:lumMod val="75000"/>
+                  </a:schemeClr>
+                </a:solidFill>
+              </a:rPr>
             </a:br>
             <a:r>
-              <a:rPr lang="sv-SE" sz="1400" dirty="0"/>
+              <a:rPr lang="sv-SE" sz="1400" dirty="0">
+                <a:solidFill>
+                  <a:schemeClr val="accent1">
+                    <a:lumMod val="75000"/>
+                  </a:schemeClr>
+                </a:solidFill>
+              </a:rPr>
               <a:t>}</a:t>
             </a:r>
           </a:p>
@@ -12803,7 +13241,7 @@
         <p:spPr/>
         <p:txBody>
           <a:bodyPr>
-            <a:normAutofit fontScale="70000" lnSpcReduction="20000"/>
+            <a:normAutofit/>
           </a:bodyPr>
           <a:lstStyle/>
           <a:p>
@@ -12811,23 +13249,53 @@
               <a:buNone/>
             </a:pPr>
             <a:r>
-              <a:rPr lang="sv-SE" dirty="0"/>
+              <a:rPr lang="sv-SE" sz="1400" dirty="0">
+                <a:solidFill>
+                  <a:schemeClr val="accent1">
+                    <a:lumMod val="75000"/>
+                  </a:schemeClr>
+                </a:solidFill>
+              </a:rPr>
               <a:t>public </a:t>
             </a:r>
             <a:r>
-              <a:rPr lang="sv-SE" dirty="0" err="1"/>
+              <a:rPr lang="sv-SE" sz="1400" dirty="0" err="1">
+                <a:solidFill>
+                  <a:schemeClr val="accent1">
+                    <a:lumMod val="75000"/>
+                  </a:schemeClr>
+                </a:solidFill>
+              </a:rPr>
               <a:t>int</a:t>
             </a:r>
             <a:r>
-              <a:rPr lang="sv-SE" dirty="0"/>
+              <a:rPr lang="sv-SE" sz="1400" dirty="0">
+                <a:solidFill>
+                  <a:schemeClr val="accent1">
+                    <a:lumMod val="75000"/>
+                  </a:schemeClr>
+                </a:solidFill>
+              </a:rPr>
               <a:t> </a:t>
             </a:r>
             <a:r>
-              <a:rPr lang="sv-SE" dirty="0" err="1"/>
+              <a:rPr lang="sv-SE" sz="1400" dirty="0" err="1">
+                <a:solidFill>
+                  <a:schemeClr val="accent1">
+                    <a:lumMod val="75000"/>
+                  </a:schemeClr>
+                </a:solidFill>
+              </a:rPr>
               <a:t>getStrength</a:t>
             </a:r>
             <a:r>
-              <a:rPr lang="sv-SE" dirty="0"/>
+              <a:rPr lang="sv-SE" sz="1400" dirty="0">
+                <a:solidFill>
+                  <a:schemeClr val="accent1">
+                    <a:lumMod val="75000"/>
+                  </a:schemeClr>
+                </a:solidFill>
+              </a:rPr>
               <a:t>(){</a:t>
             </a:r>
           </a:p>
@@ -12836,18 +13304,42 @@
               <a:buNone/>
             </a:pPr>
             <a:br>
-              <a:rPr lang="sv-SE" dirty="0"/>
+              <a:rPr lang="sv-SE" sz="1400" dirty="0">
+                <a:solidFill>
+                  <a:schemeClr val="accent1">
+                    <a:lumMod val="75000"/>
+                  </a:schemeClr>
+                </a:solidFill>
+              </a:rPr>
             </a:br>
             <a:r>
-              <a:rPr lang="sv-SE" dirty="0"/>
+              <a:rPr lang="sv-SE" sz="1400" dirty="0">
+                <a:solidFill>
+                  <a:schemeClr val="accent1">
+                    <a:lumMod val="75000"/>
+                  </a:schemeClr>
+                </a:solidFill>
+              </a:rPr>
               <a:t>   </a:t>
             </a:r>
             <a:r>
-              <a:rPr lang="sv-SE" dirty="0" err="1"/>
+              <a:rPr lang="sv-SE" sz="1400" dirty="0" err="1">
+                <a:solidFill>
+                  <a:schemeClr val="accent1">
+                    <a:lumMod val="75000"/>
+                  </a:schemeClr>
+                </a:solidFill>
+              </a:rPr>
               <a:t>int</a:t>
             </a:r>
             <a:r>
-              <a:rPr lang="sv-SE" dirty="0"/>
+              <a:rPr lang="sv-SE" sz="1400" dirty="0">
+                <a:solidFill>
+                  <a:schemeClr val="accent1">
+                    <a:lumMod val="75000"/>
+                  </a:schemeClr>
+                </a:solidFill>
+              </a:rPr>
               <a:t> total = 0;</a:t>
             </a:r>
           </a:p>
@@ -12856,109 +13348,277 @@
               <a:buNone/>
             </a:pPr>
             <a:br>
-              <a:rPr lang="sv-SE" dirty="0"/>
+              <a:rPr lang="sv-SE" sz="1400" dirty="0">
+                <a:solidFill>
+                  <a:schemeClr val="accent1">
+                    <a:lumMod val="75000"/>
+                  </a:schemeClr>
+                </a:solidFill>
+              </a:rPr>
             </a:br>
             <a:r>
-              <a:rPr lang="sv-SE" dirty="0"/>
+              <a:rPr lang="sv-SE" sz="1400" dirty="0">
+                <a:solidFill>
+                  <a:schemeClr val="accent1">
+                    <a:lumMod val="75000"/>
+                  </a:schemeClr>
+                </a:solidFill>
+              </a:rPr>
               <a:t>    </a:t>
             </a:r>
             <a:r>
-              <a:rPr lang="sv-SE" dirty="0" err="1"/>
+              <a:rPr lang="sv-SE" sz="1400" dirty="0" err="1">
+                <a:solidFill>
+                  <a:schemeClr val="accent1">
+                    <a:lumMod val="75000"/>
+                  </a:schemeClr>
+                </a:solidFill>
+              </a:rPr>
               <a:t>if</a:t>
             </a:r>
             <a:r>
-              <a:rPr lang="sv-SE" dirty="0"/>
+              <a:rPr lang="sv-SE" sz="1400" dirty="0">
+                <a:solidFill>
+                  <a:schemeClr val="accent1">
+                    <a:lumMod val="75000"/>
+                  </a:schemeClr>
+                </a:solidFill>
+              </a:rPr>
               <a:t>(</a:t>
             </a:r>
             <a:r>
-              <a:rPr lang="sv-SE" dirty="0" err="1"/>
+              <a:rPr lang="sv-SE" sz="1400" dirty="0" err="1">
+                <a:solidFill>
+                  <a:schemeClr val="accent1">
+                    <a:lumMod val="75000"/>
+                  </a:schemeClr>
+                </a:solidFill>
+              </a:rPr>
               <a:t>equippedWeapon</a:t>
             </a:r>
             <a:r>
-              <a:rPr lang="sv-SE" dirty="0"/>
+              <a:rPr lang="sv-SE" sz="1400" dirty="0">
+                <a:solidFill>
+                  <a:schemeClr val="accent1">
+                    <a:lumMod val="75000"/>
+                  </a:schemeClr>
+                </a:solidFill>
+              </a:rPr>
               <a:t> != </a:t>
             </a:r>
             <a:r>
-              <a:rPr lang="sv-SE" dirty="0" err="1"/>
+              <a:rPr lang="sv-SE" sz="1400" dirty="0" err="1">
+                <a:solidFill>
+                  <a:schemeClr val="accent1">
+                    <a:lumMod val="75000"/>
+                  </a:schemeClr>
+                </a:solidFill>
+              </a:rPr>
               <a:t>null</a:t>
             </a:r>
             <a:r>
-              <a:rPr lang="sv-SE" dirty="0"/>
+              <a:rPr lang="sv-SE" sz="1400" dirty="0">
+                <a:solidFill>
+                  <a:schemeClr val="accent1">
+                    <a:lumMod val="75000"/>
+                  </a:schemeClr>
+                </a:solidFill>
+              </a:rPr>
               <a:t>){</a:t>
             </a:r>
             <a:br>
-              <a:rPr lang="sv-SE" dirty="0"/>
+              <a:rPr lang="sv-SE" sz="1400" dirty="0">
+                <a:solidFill>
+                  <a:schemeClr val="accent1">
+                    <a:lumMod val="75000"/>
+                  </a:schemeClr>
+                </a:solidFill>
+              </a:rPr>
             </a:br>
             <a:r>
-              <a:rPr lang="sv-SE" dirty="0"/>
+              <a:rPr lang="sv-SE" sz="1400" dirty="0">
+                <a:solidFill>
+                  <a:schemeClr val="accent1">
+                    <a:lumMod val="75000"/>
+                  </a:schemeClr>
+                </a:solidFill>
+              </a:rPr>
               <a:t>        total += </a:t>
             </a:r>
             <a:r>
-              <a:rPr lang="sv-SE" dirty="0" err="1"/>
+              <a:rPr lang="sv-SE" sz="1400" dirty="0" err="1">
+                <a:solidFill>
+                  <a:schemeClr val="accent1">
+                    <a:lumMod val="75000"/>
+                  </a:schemeClr>
+                </a:solidFill>
+              </a:rPr>
               <a:t>equippedWeapon.getDamage</a:t>
             </a:r>
             <a:r>
-              <a:rPr lang="sv-SE" dirty="0"/>
+              <a:rPr lang="sv-SE" sz="1400" dirty="0">
+                <a:solidFill>
+                  <a:schemeClr val="accent1">
+                    <a:lumMod val="75000"/>
+                  </a:schemeClr>
+                </a:solidFill>
+              </a:rPr>
               <a:t>();</a:t>
             </a:r>
             <a:br>
-              <a:rPr lang="sv-SE" dirty="0"/>
+              <a:rPr lang="sv-SE" sz="1400" dirty="0">
+                <a:solidFill>
+                  <a:schemeClr val="accent1">
+                    <a:lumMod val="75000"/>
+                  </a:schemeClr>
+                </a:solidFill>
+              </a:rPr>
             </a:br>
             <a:r>
-              <a:rPr lang="sv-SE" dirty="0"/>
+              <a:rPr lang="sv-SE" sz="1400" dirty="0">
+                <a:solidFill>
+                  <a:schemeClr val="accent1">
+                    <a:lumMod val="75000"/>
+                  </a:schemeClr>
+                </a:solidFill>
+              </a:rPr>
               <a:t>    }</a:t>
             </a:r>
             <a:br>
-              <a:rPr lang="sv-SE" dirty="0"/>
+              <a:rPr lang="sv-SE" sz="1400" dirty="0">
+                <a:solidFill>
+                  <a:schemeClr val="accent1">
+                    <a:lumMod val="75000"/>
+                  </a:schemeClr>
+                </a:solidFill>
+              </a:rPr>
             </a:br>
             <a:r>
-              <a:rPr lang="sv-SE" dirty="0"/>
+              <a:rPr lang="sv-SE" sz="1400" dirty="0">
+                <a:solidFill>
+                  <a:schemeClr val="accent1">
+                    <a:lumMod val="75000"/>
+                  </a:schemeClr>
+                </a:solidFill>
+              </a:rPr>
               <a:t>    </a:t>
             </a:r>
             <a:r>
-              <a:rPr lang="sv-SE" dirty="0" err="1"/>
+              <a:rPr lang="sv-SE" sz="1400" dirty="0" err="1">
+                <a:solidFill>
+                  <a:schemeClr val="accent1">
+                    <a:lumMod val="75000"/>
+                  </a:schemeClr>
+                </a:solidFill>
+              </a:rPr>
               <a:t>if</a:t>
             </a:r>
             <a:r>
-              <a:rPr lang="sv-SE" dirty="0"/>
+              <a:rPr lang="sv-SE" sz="1400" dirty="0">
+                <a:solidFill>
+                  <a:schemeClr val="accent1">
+                    <a:lumMod val="75000"/>
+                  </a:schemeClr>
+                </a:solidFill>
+              </a:rPr>
               <a:t>(</a:t>
             </a:r>
             <a:r>
-              <a:rPr lang="sv-SE" dirty="0" err="1"/>
+              <a:rPr lang="sv-SE" sz="1400" dirty="0" err="1">
+                <a:solidFill>
+                  <a:schemeClr val="accent1">
+                    <a:lumMod val="75000"/>
+                  </a:schemeClr>
+                </a:solidFill>
+              </a:rPr>
               <a:t>equippedArmor</a:t>
             </a:r>
             <a:r>
-              <a:rPr lang="sv-SE" dirty="0"/>
+              <a:rPr lang="sv-SE" sz="1400" dirty="0">
+                <a:solidFill>
+                  <a:schemeClr val="accent1">
+                    <a:lumMod val="75000"/>
+                  </a:schemeClr>
+                </a:solidFill>
+              </a:rPr>
               <a:t> != </a:t>
             </a:r>
             <a:r>
-              <a:rPr lang="sv-SE" dirty="0" err="1"/>
+              <a:rPr lang="sv-SE" sz="1400" dirty="0" err="1">
+                <a:solidFill>
+                  <a:schemeClr val="accent1">
+                    <a:lumMod val="75000"/>
+                  </a:schemeClr>
+                </a:solidFill>
+              </a:rPr>
               <a:t>null</a:t>
             </a:r>
             <a:r>
-              <a:rPr lang="sv-SE" dirty="0"/>
+              <a:rPr lang="sv-SE" sz="1400" dirty="0">
+                <a:solidFill>
+                  <a:schemeClr val="accent1">
+                    <a:lumMod val="75000"/>
+                  </a:schemeClr>
+                </a:solidFill>
+              </a:rPr>
               <a:t>){</a:t>
             </a:r>
             <a:br>
-              <a:rPr lang="sv-SE" dirty="0"/>
+              <a:rPr lang="sv-SE" sz="1400" dirty="0">
+                <a:solidFill>
+                  <a:schemeClr val="accent1">
+                    <a:lumMod val="75000"/>
+                  </a:schemeClr>
+                </a:solidFill>
+              </a:rPr>
             </a:br>
             <a:r>
-              <a:rPr lang="sv-SE" dirty="0"/>
+              <a:rPr lang="sv-SE" sz="1400" dirty="0">
+                <a:solidFill>
+                  <a:schemeClr val="accent1">
+                    <a:lumMod val="75000"/>
+                  </a:schemeClr>
+                </a:solidFill>
+              </a:rPr>
               <a:t>        total += </a:t>
             </a:r>
             <a:r>
-              <a:rPr lang="sv-SE" dirty="0" err="1"/>
+              <a:rPr lang="sv-SE" sz="1400" dirty="0" err="1">
+                <a:solidFill>
+                  <a:schemeClr val="accent1">
+                    <a:lumMod val="75000"/>
+                  </a:schemeClr>
+                </a:solidFill>
+              </a:rPr>
               <a:t>equippedArmor.getResistance</a:t>
             </a:r>
             <a:r>
-              <a:rPr lang="sv-SE" dirty="0"/>
+              <a:rPr lang="sv-SE" sz="1400" dirty="0">
+                <a:solidFill>
+                  <a:schemeClr val="accent1">
+                    <a:lumMod val="75000"/>
+                  </a:schemeClr>
+                </a:solidFill>
+              </a:rPr>
               <a:t>();</a:t>
             </a:r>
             <a:br>
-              <a:rPr lang="sv-SE" dirty="0"/>
+              <a:rPr lang="sv-SE" sz="1400" dirty="0">
+                <a:solidFill>
+                  <a:schemeClr val="accent1">
+                    <a:lumMod val="75000"/>
+                  </a:schemeClr>
+                </a:solidFill>
+              </a:rPr>
             </a:br>
             <a:r>
-              <a:rPr lang="sv-SE" dirty="0"/>
+              <a:rPr lang="sv-SE" sz="1400" dirty="0">
+                <a:solidFill>
+                  <a:schemeClr val="accent1">
+                    <a:lumMod val="75000"/>
+                  </a:schemeClr>
+                </a:solidFill>
+              </a:rPr>
               <a:t>    }</a:t>
             </a:r>
           </a:p>
@@ -12967,25 +13627,61 @@
               <a:buNone/>
             </a:pPr>
             <a:br>
-              <a:rPr lang="sv-SE" dirty="0"/>
+              <a:rPr lang="sv-SE" sz="1400" dirty="0">
+                <a:solidFill>
+                  <a:schemeClr val="accent1">
+                    <a:lumMod val="75000"/>
+                  </a:schemeClr>
+                </a:solidFill>
+              </a:rPr>
             </a:br>
             <a:r>
-              <a:rPr lang="sv-SE" dirty="0"/>
+              <a:rPr lang="sv-SE" sz="1400" dirty="0">
+                <a:solidFill>
+                  <a:schemeClr val="accent1">
+                    <a:lumMod val="75000"/>
+                  </a:schemeClr>
+                </a:solidFill>
+              </a:rPr>
               <a:t>    </a:t>
             </a:r>
             <a:r>
-              <a:rPr lang="sv-SE" dirty="0" err="1"/>
+              <a:rPr lang="sv-SE" sz="1400" dirty="0" err="1">
+                <a:solidFill>
+                  <a:schemeClr val="accent1">
+                    <a:lumMod val="75000"/>
+                  </a:schemeClr>
+                </a:solidFill>
+              </a:rPr>
               <a:t>return</a:t>
             </a:r>
             <a:r>
-              <a:rPr lang="sv-SE" dirty="0"/>
+              <a:rPr lang="sv-SE" sz="1400" dirty="0">
+                <a:solidFill>
+                  <a:schemeClr val="accent1">
+                    <a:lumMod val="75000"/>
+                  </a:schemeClr>
+                </a:solidFill>
+              </a:rPr>
               <a:t> total;</a:t>
             </a:r>
             <a:br>
-              <a:rPr lang="sv-SE" dirty="0"/>
+              <a:rPr lang="sv-SE" sz="1400" dirty="0">
+                <a:solidFill>
+                  <a:schemeClr val="accent1">
+                    <a:lumMod val="75000"/>
+                  </a:schemeClr>
+                </a:solidFill>
+              </a:rPr>
             </a:br>
             <a:r>
-              <a:rPr lang="sv-SE" dirty="0"/>
+              <a:rPr lang="sv-SE" sz="1400" dirty="0">
+                <a:solidFill>
+                  <a:schemeClr val="accent1">
+                    <a:lumMod val="75000"/>
+                  </a:schemeClr>
+                </a:solidFill>
+              </a:rPr>
               <a:t>}</a:t>
             </a:r>
           </a:p>
@@ -17019,9 +17715,28 @@
             </a:r>
             <a:r>
               <a:rPr lang="sv-SE" dirty="0"/>
-              <a:t> och metoder i Hero</a:t>
+              <a:t> och metoder i Hero.</a:t>
             </a:r>
             <a:endParaRPr lang="sv-SE" sz="1400" dirty="0"/>
+          </a:p>
+          <a:p>
+            <a:pPr>
+              <a:lnSpc>
+                <a:spcPct val="100000"/>
+              </a:lnSpc>
+            </a:pPr>
+            <a:r>
+              <a:rPr lang="sv-SE" dirty="0"/>
+              <a:t>Motivering: Tydliga valida och </a:t>
+            </a:r>
+            <a:r>
+              <a:rPr lang="sv-SE" dirty="0" err="1"/>
+              <a:t>invalida</a:t>
+            </a:r>
+            <a:r>
+              <a:rPr lang="sv-SE" dirty="0"/>
+              <a:t> värden i klassen. Hög komplexitet, WMC (25).</a:t>
+            </a:r>
           </a:p>
           <a:p>
             <a:pPr>
@@ -17031,26 +17746,7 @@
             </a:pPr>
             <a:r>
               <a:rPr lang="sv-SE" dirty="0"/>
-              <a:t>Motivering: Tydliga valida och </a:t>
-            </a:r>
-            <a:r>
-              <a:rPr lang="sv-SE" dirty="0" err="1"/>
-              <a:t>invalida</a:t>
-            </a:r>
-            <a:r>
-              <a:rPr lang="sv-SE" dirty="0"/>
-              <a:t> värden i klassen. Hög komplexitet, WMC (25).</a:t>
-            </a:r>
-          </a:p>
-          <a:p>
-            <a:pPr>
-              <a:lnSpc>
-                <a:spcPct val="150000"/>
-              </a:lnSpc>
-            </a:pPr>
-            <a:r>
-              <a:rPr lang="sv-SE" dirty="0"/>
-              <a:t>Dock endast 1 argument per metod, kan ej täcka in flera valida klasser per testfall</a:t>
+              <a:t>Dock endast 1 argument per metod, kan ej täcka in flera valida klasser per testfall.</a:t>
             </a:r>
           </a:p>
         </p:txBody>
@@ -17646,11 +18342,11 @@
             </a:r>
             <a:r>
               <a:rPr lang="sv-SE" dirty="0" err="1"/>
-              <a:t>equippment</a:t>
+              <a:t>equippmentsystemet</a:t>
             </a:r>
             <a:r>
               <a:rPr lang="sv-SE" dirty="0"/>
-              <a:t> systemet på Hero till vår tillståndsmaskin då dom </a:t>
+              <a:t> för Hero till vår tillståndsmaskin då de </a:t>
             </a:r>
             <a:r>
               <a:rPr lang="sv-SE" dirty="0" err="1"/>
@@ -17682,7 +18378,7 @@
             </a:r>
             <a:r>
               <a:rPr lang="sv-SE" dirty="0"/>
-              <a:t>) samt att man kan komma till dom olika tillstånden på olika sätt eftersom det aktuella </a:t>
+              <a:t>) och för att man kan komma till de olika tillstånden på olika sätt eftersom det aktuella </a:t>
             </a:r>
             <a:r>
               <a:rPr lang="sv-SE" dirty="0" err="1"/>
@@ -17690,7 +18386,7 @@
             </a:r>
             <a:r>
               <a:rPr lang="sv-SE" dirty="0"/>
-              <a:t> endast byts ut om ett nytt item är starkare. På detta sätt kan vi prova olika sekvenser av upplockande av </a:t>
+              <a:t> endast byts ut om ett nytt item är starkare. På detta sätt kan vi prova olika sekvenser för att plocka upp </a:t>
             </a:r>
             <a:r>
               <a:rPr lang="sv-SE" dirty="0" err="1"/>
@@ -20992,8 +21688,8 @@
         </p:nvSpPr>
         <p:spPr>
           <a:xfrm>
-            <a:off x="2733040" y="483985"/>
-            <a:ext cx="6725920" cy="584775"/>
+            <a:off x="2293749" y="483985"/>
+            <a:ext cx="7165211" cy="584775"/>
           </a:xfrm>
           <a:prstGeom prst="rect">
             <a:avLst/>
@@ -21008,7 +21704,7 @@
           <a:p>
             <a:r>
               <a:rPr lang="sv-SE" sz="3200" dirty="0"/>
-              <a:t>En närmre titt på </a:t>
+              <a:t>En närmare titt på </a:t>
             </a:r>
             <a:r>
               <a:rPr lang="sv-SE" sz="3200" dirty="0" err="1"/>
